--- a/机器学习分享-神经网络.pptx
+++ b/机器学习分享-神经网络.pptx
@@ -6,7 +6,7 @@
     <p:sldMasterId id="2147483656" r:id="rId2"/>
   </p:sldMasterIdLst>
   <p:notesMasterIdLst>
-    <p:notesMasterId r:id="rId38"/>
+    <p:notesMasterId r:id="rId41"/>
   </p:notesMasterIdLst>
   <p:sldIdLst>
     <p:sldId id="259" r:id="rId3"/>
@@ -27,23 +27,26 @@
     <p:sldId id="305" r:id="rId18"/>
     <p:sldId id="299" r:id="rId19"/>
     <p:sldId id="298" r:id="rId20"/>
-    <p:sldId id="267" r:id="rId21"/>
-    <p:sldId id="296" r:id="rId22"/>
-    <p:sldId id="278" r:id="rId23"/>
-    <p:sldId id="268" r:id="rId24"/>
-    <p:sldId id="279" r:id="rId25"/>
-    <p:sldId id="280" r:id="rId26"/>
-    <p:sldId id="281" r:id="rId27"/>
-    <p:sldId id="269" r:id="rId28"/>
-    <p:sldId id="283" r:id="rId29"/>
-    <p:sldId id="282" r:id="rId30"/>
-    <p:sldId id="270" r:id="rId31"/>
-    <p:sldId id="285" r:id="rId32"/>
-    <p:sldId id="287" r:id="rId33"/>
-    <p:sldId id="271" r:id="rId34"/>
-    <p:sldId id="288" r:id="rId35"/>
-    <p:sldId id="272" r:id="rId36"/>
-    <p:sldId id="289" r:id="rId37"/>
+    <p:sldId id="306" r:id="rId21"/>
+    <p:sldId id="307" r:id="rId22"/>
+    <p:sldId id="308" r:id="rId23"/>
+    <p:sldId id="267" r:id="rId24"/>
+    <p:sldId id="296" r:id="rId25"/>
+    <p:sldId id="278" r:id="rId26"/>
+    <p:sldId id="268" r:id="rId27"/>
+    <p:sldId id="279" r:id="rId28"/>
+    <p:sldId id="280" r:id="rId29"/>
+    <p:sldId id="281" r:id="rId30"/>
+    <p:sldId id="269" r:id="rId31"/>
+    <p:sldId id="283" r:id="rId32"/>
+    <p:sldId id="282" r:id="rId33"/>
+    <p:sldId id="270" r:id="rId34"/>
+    <p:sldId id="285" r:id="rId35"/>
+    <p:sldId id="287" r:id="rId36"/>
+    <p:sldId id="271" r:id="rId37"/>
+    <p:sldId id="288" r:id="rId38"/>
+    <p:sldId id="272" r:id="rId39"/>
+    <p:sldId id="289" r:id="rId40"/>
   </p:sldIdLst>
   <p:sldSz cx="12192000" cy="6858000"/>
   <p:notesSz cx="6858000" cy="9144000"/>
@@ -2133,7 +2136,7 @@
           <a:p>
             <a:fld id="{526E8A47-3D46-4DC9-AB0D-52AB6CF44A06}" type="datetimeFigureOut">
               <a:rPr lang="zh-CN" altLang="en-US" smtClean="0"/>
-              <a:t>2018/12/28</a:t>
+              <a:t>2018/12/29</a:t>
             </a:fld>
             <a:endParaRPr lang="zh-CN" altLang="en-US"/>
           </a:p>
@@ -2616,7 +2619,7 @@
                 </a:solidFill>
               </a:rPr>
               <a:pPr/>
-              <a:t>2018/12/28</a:t>
+              <a:t>2018/12/29</a:t>
             </a:fld>
             <a:endParaRPr lang="zh-CN" altLang="en-US">
               <a:solidFill>
@@ -2933,7 +2936,7 @@
                 </a:solidFill>
               </a:rPr>
               <a:pPr/>
-              <a:t>2018/12/28</a:t>
+              <a:t>2018/12/29</a:t>
             </a:fld>
             <a:endParaRPr lang="zh-CN" altLang="en-US">
               <a:solidFill>
@@ -3384,7 +3387,7 @@
                 </a:solidFill>
               </a:rPr>
               <a:pPr/>
-              <a:t>2018/12/28</a:t>
+              <a:t>2018/12/29</a:t>
             </a:fld>
             <a:endParaRPr lang="zh-CN" altLang="en-US">
               <a:solidFill>
@@ -3533,7 +3536,7 @@
                 </a:solidFill>
               </a:rPr>
               <a:pPr/>
-              <a:t>2018/12/28</a:t>
+              <a:t>2018/12/29</a:t>
             </a:fld>
             <a:endParaRPr lang="zh-CN" altLang="en-US">
               <a:solidFill>
@@ -3660,7 +3663,7 @@
                 </a:solidFill>
               </a:rPr>
               <a:pPr/>
-              <a:t>2018/12/28</a:t>
+              <a:t>2018/12/29</a:t>
             </a:fld>
             <a:endParaRPr lang="zh-CN" altLang="en-US">
               <a:solidFill>
@@ -3967,7 +3970,7 @@
                 </a:solidFill>
               </a:rPr>
               <a:pPr/>
-              <a:t>2018/12/28</a:t>
+              <a:t>2018/12/29</a:t>
             </a:fld>
             <a:endParaRPr lang="zh-CN" altLang="en-US">
               <a:solidFill>
@@ -4251,7 +4254,7 @@
                 </a:solidFill>
               </a:rPr>
               <a:pPr/>
-              <a:t>2018/12/28</a:t>
+              <a:t>2018/12/29</a:t>
             </a:fld>
             <a:endParaRPr lang="zh-CN" altLang="en-US">
               <a:solidFill>
@@ -4451,7 +4454,7 @@
                 </a:solidFill>
               </a:rPr>
               <a:pPr/>
-              <a:t>2018/12/28</a:t>
+              <a:t>2018/12/29</a:t>
             </a:fld>
             <a:endParaRPr lang="zh-CN" altLang="en-US">
               <a:solidFill>
@@ -4661,7 +4664,7 @@
                 </a:solidFill>
               </a:rPr>
               <a:pPr/>
-              <a:t>2018/12/28</a:t>
+              <a:t>2018/12/29</a:t>
             </a:fld>
             <a:endParaRPr lang="zh-CN" altLang="en-US">
               <a:solidFill>
@@ -5419,7 +5422,7 @@
                 </a:solidFill>
               </a:rPr>
               <a:pPr/>
-              <a:t>2018/12/28</a:t>
+              <a:t>2018/12/29</a:t>
             </a:fld>
             <a:endParaRPr lang="zh-CN" altLang="en-US">
               <a:solidFill>
@@ -5619,7 +5622,7 @@
                 </a:solidFill>
               </a:rPr>
               <a:pPr/>
-              <a:t>2018/12/28</a:t>
+              <a:t>2018/12/29</a:t>
             </a:fld>
             <a:endParaRPr lang="zh-CN" altLang="en-US">
               <a:solidFill>
@@ -6180,7 +6183,7 @@
                 </a:solidFill>
               </a:rPr>
               <a:pPr defTabSz="914400"/>
-              <a:t>2018/12/28</a:t>
+              <a:t>2018/12/29</a:t>
             </a:fld>
             <a:endParaRPr lang="zh-CN" altLang="en-US">
               <a:solidFill>
@@ -7361,7 +7364,7 @@
         </p:nvSpPr>
         <p:spPr>
           <a:xfrm>
-            <a:off x="673183" y="1041726"/>
+            <a:off x="631001" y="1392974"/>
             <a:ext cx="6096000" cy="1265346"/>
           </a:xfrm>
           <a:prstGeom prst="rect">
@@ -7610,6 +7613,41 @@
               <a:t>y</a:t>
             </a:r>
             <a:endParaRPr kumimoji="1" lang="zh-CN" altLang="en-US" dirty="0"/>
+          </a:p>
+        </p:txBody>
+      </p:sp>
+      <p:sp>
+        <p:nvSpPr>
+          <p:cNvPr id="17" name="文本框 16">
+            <a:extLst>
+              <a:ext uri="{FF2B5EF4-FFF2-40B4-BE49-F238E27FC236}">
+                <a16:creationId xmlns:a16="http://schemas.microsoft.com/office/drawing/2014/main" id="{C2802524-8AEB-9A4C-904F-BD5857A28C0D}"/>
+              </a:ext>
+            </a:extLst>
+          </p:cNvPr>
+          <p:cNvSpPr txBox="1"/>
+          <p:nvPr/>
+        </p:nvSpPr>
+        <p:spPr>
+          <a:xfrm>
+            <a:off x="643525" y="1022934"/>
+            <a:ext cx="1271239" cy="369332"/>
+          </a:xfrm>
+          <a:prstGeom prst="rect">
+            <a:avLst/>
+          </a:prstGeom>
+          <a:noFill/>
+        </p:spPr>
+        <p:txBody>
+          <a:bodyPr wrap="square" rtlCol="0">
+            <a:spAutoFit/>
+          </a:bodyPr>
+          <a:lstStyle/>
+          <a:p>
+            <a:r>
+              <a:rPr kumimoji="1" lang="zh-CN" altLang="en-US" dirty="0"/>
+              <a:t>正向传播</a:t>
+            </a:r>
           </a:p>
         </p:txBody>
       </p:sp>
@@ -8493,8 +8531,8 @@
           </a:prstGeom>
         </p:spPr>
       </p:pic>
-      <mc:AlternateContent xmlns:mc="http://schemas.openxmlformats.org/markup-compatibility/2006">
-        <mc:Choice xmlns:a14="http://schemas.microsoft.com/office/drawing/2010/main" Requires="a14">
+      <mc:AlternateContent xmlns:mc="http://schemas.openxmlformats.org/markup-compatibility/2006" xmlns:a14="http://schemas.microsoft.com/office/drawing/2010/main">
+        <mc:Choice Requires="a14">
           <p:sp>
             <p:nvSpPr>
               <p:cNvPr id="35" name="矩形 34">
@@ -8707,7 +8745,7 @@
             </p:txBody>
           </p:sp>
         </mc:Choice>
-        <mc:Fallback>
+        <mc:Fallback xmlns="">
           <p:sp>
             <p:nvSpPr>
               <p:cNvPr id="35" name="矩形 34">
@@ -14274,6 +14312,36 @@
       </p:grpSpPr>
       <p:pic>
         <p:nvPicPr>
+          <p:cNvPr id="206" name="图片 205">
+            <a:extLst>
+              <a:ext uri="{FF2B5EF4-FFF2-40B4-BE49-F238E27FC236}">
+                <a16:creationId xmlns:a16="http://schemas.microsoft.com/office/drawing/2014/main" id="{ACCCB4D0-F755-694E-A88A-62DFD6DD5CF1}"/>
+              </a:ext>
+            </a:extLst>
+          </p:cNvPr>
+          <p:cNvPicPr>
+            <a:picLocks noChangeAspect="1"/>
+          </p:cNvPicPr>
+          <p:nvPr/>
+        </p:nvPicPr>
+        <p:blipFill>
+          <a:blip r:embed="rId2"/>
+          <a:stretch>
+            <a:fillRect/>
+          </a:stretch>
+        </p:blipFill>
+        <p:spPr>
+          <a:xfrm>
+            <a:off x="9171160" y="3717464"/>
+            <a:ext cx="1155700" cy="419100"/>
+          </a:xfrm>
+          <a:prstGeom prst="rect">
+            <a:avLst/>
+          </a:prstGeom>
+        </p:spPr>
+      </p:pic>
+      <p:pic>
+        <p:nvPicPr>
           <p:cNvPr id="41" name="图片 40">
             <a:extLst>
               <a:ext uri="{FF2B5EF4-FFF2-40B4-BE49-F238E27FC236}">
@@ -14287,7 +14355,7 @@
           <p:nvPr/>
         </p:nvPicPr>
         <p:blipFill>
-          <a:blip r:embed="rId2"/>
+          <a:blip r:embed="rId3"/>
           <a:stretch>
             <a:fillRect/>
           </a:stretch>
@@ -14762,7 +14830,7 @@
         </p:nvCxnSpPr>
         <p:spPr>
           <a:xfrm>
-            <a:off x="9362636" y="4303981"/>
+            <a:off x="9171160" y="4201680"/>
             <a:ext cx="595806" cy="0"/>
           </a:xfrm>
           <a:prstGeom prst="straightConnector1">
@@ -14856,7 +14924,7 @@
           <a:p>
             <a:r>
               <a:rPr kumimoji="1" lang="en-US" altLang="zh-CN" dirty="0"/>
-              <a:t>Lk</a:t>
+              <a:t>L</a:t>
             </a:r>
             <a:endParaRPr kumimoji="1" lang="zh-CN" altLang="en-US" dirty="0"/>
           </a:p>
@@ -15064,7 +15132,7 @@
           <p:nvPr/>
         </p:nvPicPr>
         <p:blipFill>
-          <a:blip r:embed="rId3"/>
+          <a:blip r:embed="rId4"/>
           <a:stretch>
             <a:fillRect/>
           </a:stretch>
@@ -15094,7 +15162,7 @@
           <p:nvPr/>
         </p:nvPicPr>
         <p:blipFill>
-          <a:blip r:embed="rId4"/>
+          <a:blip r:embed="rId5"/>
           <a:stretch>
             <a:fillRect/>
           </a:stretch>
@@ -15586,7 +15654,7 @@
           <p:nvPr/>
         </p:nvPicPr>
         <p:blipFill>
-          <a:blip r:embed="rId5"/>
+          <a:blip r:embed="rId6"/>
           <a:stretch>
             <a:fillRect/>
           </a:stretch>
@@ -15616,7 +15684,7 @@
           <p:nvPr/>
         </p:nvPicPr>
         <p:blipFill>
-          <a:blip r:embed="rId6"/>
+          <a:blip r:embed="rId7"/>
           <a:stretch>
             <a:fillRect/>
           </a:stretch>
@@ -16132,14 +16200,14 @@
           <p:nvPr/>
         </p:nvPicPr>
         <p:blipFill>
-          <a:blip r:embed="rId6"/>
+          <a:blip r:embed="rId7"/>
           <a:stretch>
             <a:fillRect/>
           </a:stretch>
         </p:blipFill>
         <p:spPr>
           <a:xfrm>
-            <a:off x="5027314" y="4014674"/>
+            <a:off x="5184890" y="4047803"/>
             <a:ext cx="292100" cy="584200"/>
           </a:xfrm>
           <a:prstGeom prst="rect">
@@ -17072,8 +17140,8 @@
         </p:nvCxnSpPr>
         <p:spPr>
           <a:xfrm>
-            <a:off x="3004078" y="3995178"/>
-            <a:ext cx="1444656" cy="1508942"/>
+            <a:off x="3079929" y="3982769"/>
+            <a:ext cx="1368805" cy="1521351"/>
           </a:xfrm>
           <a:prstGeom prst="straightConnector1">
             <a:avLst/>
@@ -17470,7 +17538,7 @@
           <p:nvPr/>
         </p:nvPicPr>
         <p:blipFill>
-          <a:blip r:embed="rId7"/>
+          <a:blip r:embed="rId8"/>
           <a:stretch>
             <a:fillRect/>
           </a:stretch>
@@ -17500,7 +17568,7 @@
           <p:nvPr/>
         </p:nvPicPr>
         <p:blipFill>
-          <a:blip r:embed="rId8"/>
+          <a:blip r:embed="rId9"/>
           <a:stretch>
             <a:fillRect/>
           </a:stretch>
@@ -17597,7 +17665,7 @@
           <a:p>
             <a:r>
               <a:rPr kumimoji="1" lang="en-US" altLang="zh-CN" dirty="0"/>
-              <a:t>Lk-1</a:t>
+              <a:t>L-1</a:t>
             </a:r>
             <a:endParaRPr kumimoji="1" lang="zh-CN" altLang="en-US" dirty="0"/>
           </a:p>
@@ -19008,40 +19076,10 @@
       </p:cxnSp>
       <p:pic>
         <p:nvPicPr>
-          <p:cNvPr id="201" name="图片 200">
+          <p:cNvPr id="205" name="图片 204">
             <a:extLst>
               <a:ext uri="{FF2B5EF4-FFF2-40B4-BE49-F238E27FC236}">
-                <a16:creationId xmlns:a16="http://schemas.microsoft.com/office/drawing/2014/main" id="{1F47FAEF-DDA9-9544-A795-C4DE9B8EA435}"/>
-              </a:ext>
-            </a:extLst>
-          </p:cNvPr>
-          <p:cNvPicPr>
-            <a:picLocks noChangeAspect="1"/>
-          </p:cNvPicPr>
-          <p:nvPr/>
-        </p:nvPicPr>
-        <p:blipFill>
-          <a:blip r:embed="rId9"/>
-          <a:stretch>
-            <a:fillRect/>
-          </a:stretch>
-        </p:blipFill>
-        <p:spPr>
-          <a:xfrm>
-            <a:off x="5707056" y="6133374"/>
-            <a:ext cx="939800" cy="457200"/>
-          </a:xfrm>
-          <a:prstGeom prst="rect">
-            <a:avLst/>
-          </a:prstGeom>
-        </p:spPr>
-      </p:pic>
-      <p:pic>
-        <p:nvPicPr>
-          <p:cNvPr id="202" name="图片 201">
-            <a:extLst>
-              <a:ext uri="{FF2B5EF4-FFF2-40B4-BE49-F238E27FC236}">
-                <a16:creationId xmlns:a16="http://schemas.microsoft.com/office/drawing/2014/main" id="{C147B536-B6F4-DB4E-B8F0-77831D518649}"/>
+                <a16:creationId xmlns:a16="http://schemas.microsoft.com/office/drawing/2014/main" id="{3B19B197-676F-404E-A2E2-84F657A837C9}"/>
               </a:ext>
             </a:extLst>
           </p:cNvPr>
@@ -19058,8 +19096,8 @@
         </p:blipFill>
         <p:spPr>
           <a:xfrm>
-            <a:off x="9255878" y="3746612"/>
-            <a:ext cx="1038723" cy="421981"/>
+            <a:off x="5674531" y="6201959"/>
+            <a:ext cx="647700" cy="406400"/>
           </a:xfrm>
           <a:prstGeom prst="rect">
             <a:avLst/>
@@ -19200,6 +19238,230 @@
           </a:p>
         </p:txBody>
       </p:sp>
+      <p:pic>
+        <p:nvPicPr>
+          <p:cNvPr id="36" name="图片 35">
+            <a:extLst>
+              <a:ext uri="{FF2B5EF4-FFF2-40B4-BE49-F238E27FC236}">
+                <a16:creationId xmlns:a16="http://schemas.microsoft.com/office/drawing/2014/main" id="{A907D2F1-3FEE-9740-A483-4C60D4485569}"/>
+              </a:ext>
+            </a:extLst>
+          </p:cNvPr>
+          <p:cNvPicPr>
+            <a:picLocks noChangeAspect="1"/>
+          </p:cNvPicPr>
+          <p:nvPr/>
+        </p:nvPicPr>
+        <p:blipFill>
+          <a:blip r:embed="rId2"/>
+          <a:stretch>
+            <a:fillRect/>
+          </a:stretch>
+        </p:blipFill>
+        <p:spPr>
+          <a:xfrm>
+            <a:off x="721565" y="1298962"/>
+            <a:ext cx="3352800" cy="3568700"/>
+          </a:xfrm>
+          <a:prstGeom prst="rect">
+            <a:avLst/>
+          </a:prstGeom>
+        </p:spPr>
+      </p:pic>
+      <p:sp>
+        <p:nvSpPr>
+          <p:cNvPr id="38" name="文本框 37">
+            <a:extLst>
+              <a:ext uri="{FF2B5EF4-FFF2-40B4-BE49-F238E27FC236}">
+                <a16:creationId xmlns:a16="http://schemas.microsoft.com/office/drawing/2014/main" id="{D6A8E7D2-CD00-C541-8F2E-C8EECC65CB67}"/>
+              </a:ext>
+            </a:extLst>
+          </p:cNvPr>
+          <p:cNvSpPr txBox="1"/>
+          <p:nvPr/>
+        </p:nvSpPr>
+        <p:spPr>
+          <a:xfrm>
+            <a:off x="721565" y="905356"/>
+            <a:ext cx="5359745" cy="307777"/>
+          </a:xfrm>
+          <a:prstGeom prst="rect">
+            <a:avLst/>
+          </a:prstGeom>
+          <a:noFill/>
+        </p:spPr>
+        <p:txBody>
+          <a:bodyPr wrap="square" rtlCol="0">
+            <a:spAutoFit/>
+          </a:bodyPr>
+          <a:lstStyle/>
+          <a:p>
+            <a:r>
+              <a:rPr lang="zh-CN" altLang="en-US" sz="1400" dirty="0">
+                <a:solidFill>
+                  <a:schemeClr val="bg1">
+                    <a:lumMod val="50000"/>
+                  </a:schemeClr>
+                </a:solidFill>
+                <a:latin typeface="微软雅黑" panose="020B0503020204020204" charset="-122"/>
+                <a:ea typeface="微软雅黑" panose="020B0503020204020204" charset="-122"/>
+              </a:rPr>
+              <a:t>整个正向传播的流程就会变成这样：</a:t>
+            </a:r>
+            <a:endParaRPr lang="en-US" altLang="zh-CN" sz="1400" dirty="0">
+              <a:solidFill>
+                <a:schemeClr val="bg1">
+                  <a:lumMod val="50000"/>
+                </a:schemeClr>
+              </a:solidFill>
+              <a:latin typeface="微软雅黑" panose="020B0503020204020204" charset="-122"/>
+              <a:ea typeface="微软雅黑" panose="020B0503020204020204" charset="-122"/>
+            </a:endParaRPr>
+          </a:p>
+        </p:txBody>
+      </p:sp>
+      <p:sp>
+        <p:nvSpPr>
+          <p:cNvPr id="39" name="文本框 38">
+            <a:extLst>
+              <a:ext uri="{FF2B5EF4-FFF2-40B4-BE49-F238E27FC236}">
+                <a16:creationId xmlns:a16="http://schemas.microsoft.com/office/drawing/2014/main" id="{402F5F88-6AFE-4846-81F3-B64D6D618BBD}"/>
+              </a:ext>
+            </a:extLst>
+          </p:cNvPr>
+          <p:cNvSpPr txBox="1"/>
+          <p:nvPr/>
+        </p:nvSpPr>
+        <p:spPr>
+          <a:xfrm>
+            <a:off x="4899555" y="905356"/>
+            <a:ext cx="5359745" cy="307777"/>
+          </a:xfrm>
+          <a:prstGeom prst="rect">
+            <a:avLst/>
+          </a:prstGeom>
+          <a:noFill/>
+        </p:spPr>
+        <p:txBody>
+          <a:bodyPr wrap="square" rtlCol="0">
+            <a:spAutoFit/>
+          </a:bodyPr>
+          <a:lstStyle/>
+          <a:p>
+            <a:r>
+              <a:rPr lang="zh-CN" altLang="en-US" sz="1400" dirty="0">
+                <a:solidFill>
+                  <a:schemeClr val="bg1">
+                    <a:lumMod val="50000"/>
+                  </a:schemeClr>
+                </a:solidFill>
+                <a:latin typeface="微软雅黑" panose="020B0503020204020204" charset="-122"/>
+                <a:ea typeface="微软雅黑" panose="020B0503020204020204" charset="-122"/>
+              </a:rPr>
+              <a:t>而整个神经网络的各个参数的维度是：</a:t>
+            </a:r>
+            <a:endParaRPr lang="en-US" altLang="zh-CN" sz="1400" dirty="0">
+              <a:solidFill>
+                <a:schemeClr val="bg1">
+                  <a:lumMod val="50000"/>
+                </a:schemeClr>
+              </a:solidFill>
+              <a:latin typeface="微软雅黑" panose="020B0503020204020204" charset="-122"/>
+              <a:ea typeface="微软雅黑" panose="020B0503020204020204" charset="-122"/>
+            </a:endParaRPr>
+          </a:p>
+        </p:txBody>
+      </p:sp>
+      <p:pic>
+        <p:nvPicPr>
+          <p:cNvPr id="40" name="图片 39">
+            <a:extLst>
+              <a:ext uri="{FF2B5EF4-FFF2-40B4-BE49-F238E27FC236}">
+                <a16:creationId xmlns:a16="http://schemas.microsoft.com/office/drawing/2014/main" id="{214FDC79-F621-1B40-9722-E4DCB94A01D7}"/>
+              </a:ext>
+            </a:extLst>
+          </p:cNvPr>
+          <p:cNvPicPr>
+            <a:picLocks noChangeAspect="1"/>
+          </p:cNvPicPr>
+          <p:nvPr/>
+        </p:nvPicPr>
+        <p:blipFill>
+          <a:blip r:embed="rId3"/>
+          <a:stretch>
+            <a:fillRect/>
+          </a:stretch>
+        </p:blipFill>
+        <p:spPr>
+          <a:xfrm>
+            <a:off x="4899555" y="1552187"/>
+            <a:ext cx="3060700" cy="1701800"/>
+          </a:xfrm>
+          <a:prstGeom prst="rect">
+            <a:avLst/>
+          </a:prstGeom>
+        </p:spPr>
+      </p:pic>
+      <p:sp>
+        <p:nvSpPr>
+          <p:cNvPr id="41" name="文本框 40">
+            <a:extLst>
+              <a:ext uri="{FF2B5EF4-FFF2-40B4-BE49-F238E27FC236}">
+                <a16:creationId xmlns:a16="http://schemas.microsoft.com/office/drawing/2014/main" id="{AF61BCC1-40F7-8241-99E6-4105B4B1E1C5}"/>
+              </a:ext>
+            </a:extLst>
+          </p:cNvPr>
+          <p:cNvSpPr txBox="1"/>
+          <p:nvPr/>
+        </p:nvSpPr>
+        <p:spPr>
+          <a:xfrm>
+            <a:off x="721564" y="5529395"/>
+            <a:ext cx="6459821" cy="307777"/>
+          </a:xfrm>
+          <a:prstGeom prst="rect">
+            <a:avLst/>
+          </a:prstGeom>
+          <a:noFill/>
+        </p:spPr>
+        <p:txBody>
+          <a:bodyPr wrap="square" rtlCol="0">
+            <a:spAutoFit/>
+          </a:bodyPr>
+          <a:lstStyle/>
+          <a:p>
+            <a:r>
+              <a:rPr lang="zh-CN" altLang="en-US" sz="1400" dirty="0">
+                <a:solidFill>
+                  <a:schemeClr val="bg1">
+                    <a:lumMod val="50000"/>
+                  </a:schemeClr>
+                </a:solidFill>
+                <a:latin typeface="微软雅黑" panose="020B0503020204020204" charset="-122"/>
+                <a:ea typeface="微软雅黑" panose="020B0503020204020204" charset="-122"/>
+              </a:rPr>
+              <a:t>至此 神经网络的正向传播介绍完了，下面开始介绍更重要的</a:t>
+            </a:r>
+            <a:r>
+              <a:rPr lang="zh-CN" altLang="en-US" sz="1400" dirty="0">
+                <a:solidFill>
+                  <a:srgbClr val="FF0000"/>
+                </a:solidFill>
+                <a:latin typeface="微软雅黑" panose="020B0503020204020204" charset="-122"/>
+                <a:ea typeface="微软雅黑" panose="020B0503020204020204" charset="-122"/>
+              </a:rPr>
+              <a:t>反向传播</a:t>
+            </a:r>
+            <a:endParaRPr lang="en-US" altLang="zh-CN" sz="1400" dirty="0">
+              <a:solidFill>
+                <a:srgbClr val="FF0000"/>
+              </a:solidFill>
+              <a:latin typeface="微软雅黑" panose="020B0503020204020204" charset="-122"/>
+              <a:ea typeface="微软雅黑" panose="020B0503020204020204" charset="-122"/>
+            </a:endParaRPr>
+          </a:p>
+        </p:txBody>
+      </p:sp>
     </p:spTree>
     <p:extLst>
       <p:ext uri="{BB962C8B-B14F-4D97-AF65-F5344CB8AC3E}">
@@ -19244,94 +19506,64 @@
       </p:grpSpPr>
       <p:sp>
         <p:nvSpPr>
-          <p:cNvPr id="2" name="文本框 1"/>
-          <p:cNvSpPr txBox="1"/>
+          <p:cNvPr id="6" name="矩形 5">
+            <a:extLst>
+              <a:ext uri="{FF2B5EF4-FFF2-40B4-BE49-F238E27FC236}">
+                <a16:creationId xmlns:a16="http://schemas.microsoft.com/office/drawing/2014/main" id="{6A32B224-18D4-F447-8FFD-6D635C3F2AC4}"/>
+              </a:ext>
+            </a:extLst>
+          </p:cNvPr>
+          <p:cNvSpPr/>
           <p:nvPr/>
         </p:nvSpPr>
         <p:spPr>
           <a:xfrm>
-            <a:off x="4294927" y="3280457"/>
-            <a:ext cx="3602146" cy="880306"/>
+            <a:off x="0" y="60523"/>
+            <a:ext cx="2051074" cy="307777"/>
           </a:xfrm>
           <a:prstGeom prst="rect">
             <a:avLst/>
           </a:prstGeom>
-          <a:noFill/>
         </p:spPr>
         <p:txBody>
-          <a:bodyPr wrap="square" rtlCol="0">
+          <a:bodyPr wrap="none">
             <a:spAutoFit/>
           </a:bodyPr>
           <a:lstStyle/>
           <a:p>
-            <a:pPr algn="ctr" defTabSz="608965">
-              <a:lnSpc>
-                <a:spcPct val="130000"/>
-              </a:lnSpc>
-            </a:pPr>
-            <a:r>
-              <a:rPr lang="en-US" altLang="zh-CN" sz="4400" b="1" dirty="0">
-                <a:latin typeface="+mj-lt"/>
-                <a:ea typeface="微软雅黑" panose="020B0503020204020204" charset="-122"/>
-              </a:rPr>
-              <a:t>PART TWO</a:t>
+            <a:r>
+              <a:rPr lang="en-US" altLang="zh-CN" sz="1400" b="1" dirty="0"/>
+              <a:t>PART ONE </a:t>
+            </a:r>
+            <a:r>
+              <a:rPr lang="zh-CN" altLang="en-US" sz="1400" b="1" dirty="0"/>
+              <a:t>深入神经网络</a:t>
             </a:r>
           </a:p>
         </p:txBody>
       </p:sp>
       <p:sp>
         <p:nvSpPr>
-          <p:cNvPr id="3" name="文本框 2"/>
-          <p:cNvSpPr txBox="1"/>
+          <p:cNvPr id="7" name="椭圆 6">
+            <a:extLst>
+              <a:ext uri="{FF2B5EF4-FFF2-40B4-BE49-F238E27FC236}">
+                <a16:creationId xmlns:a16="http://schemas.microsoft.com/office/drawing/2014/main" id="{D1812375-66FF-2A4D-A626-13AE40C330A2}"/>
+              </a:ext>
+            </a:extLst>
+          </p:cNvPr>
+          <p:cNvSpPr/>
           <p:nvPr/>
         </p:nvSpPr>
         <p:spPr>
           <a:xfrm>
-            <a:off x="3624569" y="2419773"/>
-            <a:ext cx="4942862" cy="1191416"/>
-          </a:xfrm>
-          <a:prstGeom prst="rect">
-            <a:avLst/>
-          </a:prstGeom>
-          <a:noFill/>
-        </p:spPr>
-        <p:txBody>
-          <a:bodyPr wrap="square" rtlCol="0">
-            <a:spAutoFit/>
-          </a:bodyPr>
-          <a:lstStyle/>
-          <a:p>
-            <a:pPr algn="ctr" defTabSz="608965">
-              <a:lnSpc>
-                <a:spcPct val="130000"/>
-              </a:lnSpc>
-            </a:pPr>
-            <a:r>
-              <a:rPr lang="zh-CN" altLang="en-US" sz="6000" dirty="0">
-                <a:latin typeface="+mj-lt"/>
-                <a:ea typeface="微软雅黑" panose="020B0503020204020204" charset="-122"/>
-              </a:rPr>
-              <a:t>深入神经网络</a:t>
-            </a:r>
-          </a:p>
-        </p:txBody>
-      </p:sp>
-      <p:sp>
-        <p:nvSpPr>
-          <p:cNvPr id="4" name="矩形 3"/>
-          <p:cNvSpPr/>
-          <p:nvPr/>
-        </p:nvSpPr>
-        <p:spPr>
-          <a:xfrm>
-            <a:off x="4889817" y="4139690"/>
-            <a:ext cx="2412366" cy="113341"/>
-          </a:xfrm>
-          <a:prstGeom prst="rect">
+            <a:off x="1966473" y="157740"/>
+            <a:ext cx="130917" cy="113341"/>
+          </a:xfrm>
+          <a:prstGeom prst="ellipse">
             <a:avLst/>
           </a:prstGeom>
           <a:solidFill>
-            <a:srgbClr val="FFC000"/>
+            <a:srgbClr val="FF0000"/>
           </a:solidFill>
           <a:ln>
             <a:noFill/>
@@ -19364,14 +19596,937 @@
           </a:p>
         </p:txBody>
       </p:sp>
+      <mc:AlternateContent xmlns:mc="http://schemas.openxmlformats.org/markup-compatibility/2006">
+        <mc:Choice xmlns:a14="http://schemas.microsoft.com/office/drawing/2010/main" Requires="a14">
+          <p:sp>
+            <p:nvSpPr>
+              <p:cNvPr id="9" name="文本框 8">
+                <a:extLst>
+                  <a:ext uri="{FF2B5EF4-FFF2-40B4-BE49-F238E27FC236}">
+                    <a16:creationId xmlns:a16="http://schemas.microsoft.com/office/drawing/2014/main" id="{6F3FCBFF-CFF3-FD47-B550-968E213D0706}"/>
+                  </a:ext>
+                </a:extLst>
+              </p:cNvPr>
+              <p:cNvSpPr txBox="1"/>
+              <p:nvPr/>
+            </p:nvSpPr>
+            <p:spPr>
+              <a:xfrm>
+                <a:off x="565447" y="879337"/>
+                <a:ext cx="6459821" cy="1384995"/>
+              </a:xfrm>
+              <a:prstGeom prst="rect">
+                <a:avLst/>
+              </a:prstGeom>
+              <a:noFill/>
+            </p:spPr>
+            <p:txBody>
+              <a:bodyPr wrap="square" rtlCol="0">
+                <a:spAutoFit/>
+              </a:bodyPr>
+              <a:lstStyle/>
+              <a:p>
+                <a:r>
+                  <a:rPr lang="zh-CN" altLang="en-US" sz="1400" dirty="0">
+                    <a:solidFill>
+                      <a:schemeClr val="bg1">
+                        <a:lumMod val="50000"/>
+                      </a:schemeClr>
+                    </a:solidFill>
+                    <a:latin typeface="微软雅黑" panose="020B0503020204020204" charset="-122"/>
+                    <a:ea typeface="微软雅黑" panose="020B0503020204020204" charset="-122"/>
+                  </a:rPr>
+                  <a:t>这里先提一下神经网络作为</a:t>
+                </a:r>
+                <a:r>
+                  <a:rPr lang="zh-CN" altLang="en-US" sz="1400" dirty="0">
+                    <a:solidFill>
+                      <a:srgbClr val="FF0000"/>
+                    </a:solidFill>
+                    <a:latin typeface="微软雅黑" panose="020B0503020204020204" charset="-122"/>
+                    <a:ea typeface="微软雅黑" panose="020B0503020204020204" charset="-122"/>
+                  </a:rPr>
+                  <a:t>监督学习</a:t>
+                </a:r>
+                <a:r>
+                  <a:rPr lang="zh-CN" altLang="en-US" sz="1400" dirty="0">
+                    <a:solidFill>
+                      <a:schemeClr val="bg1">
+                        <a:lumMod val="50000"/>
+                      </a:schemeClr>
+                    </a:solidFill>
+                    <a:latin typeface="微软雅黑" panose="020B0503020204020204" charset="-122"/>
+                    <a:ea typeface="微软雅黑" panose="020B0503020204020204" charset="-122"/>
+                  </a:rPr>
+                  <a:t>时候的流程，因为样本中不但含有输入</a:t>
+                </a:r>
+                <a:r>
+                  <a:rPr lang="en-US" altLang="zh-CN" sz="1400" dirty="0">
+                    <a:solidFill>
+                      <a:schemeClr val="bg1">
+                        <a:lumMod val="50000"/>
+                      </a:schemeClr>
+                    </a:solidFill>
+                    <a:latin typeface="微软雅黑" panose="020B0503020204020204" charset="-122"/>
+                    <a:ea typeface="微软雅黑" panose="020B0503020204020204" charset="-122"/>
+                  </a:rPr>
+                  <a:t>x</a:t>
+                </a:r>
+                <a:r>
+                  <a:rPr lang="zh-CN" altLang="en-US" sz="1400" dirty="0">
+                    <a:solidFill>
+                      <a:schemeClr val="bg1">
+                        <a:lumMod val="50000"/>
+                      </a:schemeClr>
+                    </a:solidFill>
+                    <a:latin typeface="微软雅黑" panose="020B0503020204020204" charset="-122"/>
+                    <a:ea typeface="微软雅黑" panose="020B0503020204020204" charset="-122"/>
+                  </a:rPr>
+                  <a:t>还得有对应的</a:t>
+                </a:r>
+                <a:r>
+                  <a:rPr lang="zh-CN" altLang="en-US" sz="1400" dirty="0">
+                    <a:solidFill>
+                      <a:srgbClr val="92D050"/>
+                    </a:solidFill>
+                    <a:latin typeface="微软雅黑" panose="020B0503020204020204" charset="-122"/>
+                    <a:ea typeface="微软雅黑" panose="020B0503020204020204" charset="-122"/>
+                  </a:rPr>
+                  <a:t>标签</a:t>
+                </a:r>
+                <a:r>
+                  <a:rPr lang="en-US" altLang="zh-CN" sz="1400" dirty="0">
+                    <a:solidFill>
+                      <a:srgbClr val="92D050"/>
+                    </a:solidFill>
+                    <a:latin typeface="微软雅黑" panose="020B0503020204020204" charset="-122"/>
+                    <a:ea typeface="微软雅黑" panose="020B0503020204020204" charset="-122"/>
+                  </a:rPr>
+                  <a:t>y</a:t>
+                </a:r>
+                <a:r>
+                  <a:rPr lang="zh-CN" altLang="en-US" sz="1400" dirty="0">
+                    <a:solidFill>
+                      <a:schemeClr val="bg1">
+                        <a:lumMod val="50000"/>
+                      </a:schemeClr>
+                    </a:solidFill>
+                    <a:latin typeface="微软雅黑" panose="020B0503020204020204" charset="-122"/>
+                    <a:ea typeface="微软雅黑" panose="020B0503020204020204" charset="-122"/>
+                  </a:rPr>
+                  <a:t>，这里的</a:t>
+                </a:r>
+                <a:r>
+                  <a:rPr lang="en-US" altLang="zh-CN" sz="1400" dirty="0">
+                    <a:solidFill>
+                      <a:srgbClr val="92D050"/>
+                    </a:solidFill>
+                    <a:latin typeface="微软雅黑" panose="020B0503020204020204" charset="-122"/>
+                    <a:ea typeface="微软雅黑" panose="020B0503020204020204" charset="-122"/>
+                  </a:rPr>
+                  <a:t>y</a:t>
+                </a:r>
+                <a:r>
+                  <a:rPr lang="zh-CN" altLang="en-US" sz="1400" dirty="0">
+                    <a:solidFill>
+                      <a:schemeClr val="bg1">
+                        <a:lumMod val="50000"/>
+                      </a:schemeClr>
+                    </a:solidFill>
+                    <a:latin typeface="微软雅黑" panose="020B0503020204020204" charset="-122"/>
+                    <a:ea typeface="微软雅黑" panose="020B0503020204020204" charset="-122"/>
+                  </a:rPr>
+                  <a:t>和之前通过</a:t>
+                </a:r>
+                <a:r>
+                  <a:rPr lang="zh-CN" altLang="en-US" sz="1400" dirty="0">
+                    <a:solidFill>
+                      <a:srgbClr val="FFC000"/>
+                    </a:solidFill>
+                    <a:latin typeface="微软雅黑" panose="020B0503020204020204" charset="-122"/>
+                    <a:ea typeface="微软雅黑" panose="020B0503020204020204" charset="-122"/>
+                  </a:rPr>
+                  <a:t>正向传播计算出来的</a:t>
+                </a:r>
+                <a:r>
+                  <a:rPr lang="en-US" altLang="zh-CN" sz="1400" dirty="0">
+                    <a:solidFill>
+                      <a:srgbClr val="FFC000"/>
+                    </a:solidFill>
+                    <a:latin typeface="微软雅黑" panose="020B0503020204020204" charset="-122"/>
+                    <a:ea typeface="微软雅黑" panose="020B0503020204020204" charset="-122"/>
+                  </a:rPr>
+                  <a:t>y</a:t>
+                </a:r>
+                <a:r>
+                  <a:rPr lang="zh-CN" altLang="en-US" sz="1400" dirty="0">
+                    <a:solidFill>
+                      <a:schemeClr val="bg1">
+                        <a:lumMod val="50000"/>
+                      </a:schemeClr>
+                    </a:solidFill>
+                    <a:latin typeface="微软雅黑" panose="020B0503020204020204" charset="-122"/>
+                    <a:ea typeface="微软雅黑" panose="020B0503020204020204" charset="-122"/>
+                  </a:rPr>
+                  <a:t>不是一个意思。</a:t>
+                </a:r>
+                <a:endParaRPr lang="en-US" altLang="zh-CN" sz="1400" dirty="0">
+                  <a:solidFill>
+                    <a:schemeClr val="bg1">
+                      <a:lumMod val="50000"/>
+                    </a:schemeClr>
+                  </a:solidFill>
+                  <a:latin typeface="微软雅黑" panose="020B0503020204020204" charset="-122"/>
+                  <a:ea typeface="微软雅黑" panose="020B0503020204020204" charset="-122"/>
+                </a:endParaRPr>
+              </a:p>
+              <a:p>
+                <a:r>
+                  <a:rPr lang="zh-CN" altLang="en-US" sz="1400" dirty="0">
+                    <a:solidFill>
+                      <a:schemeClr val="bg1">
+                        <a:lumMod val="50000"/>
+                      </a:schemeClr>
+                    </a:solidFill>
+                    <a:latin typeface="微软雅黑" panose="020B0503020204020204" charset="-122"/>
+                    <a:ea typeface="微软雅黑" panose="020B0503020204020204" charset="-122"/>
+                  </a:rPr>
+                  <a:t>所以这里给出新的定义：</a:t>
+                </a:r>
+                <a:endParaRPr lang="en-US" altLang="zh-CN" sz="1400" dirty="0">
+                  <a:solidFill>
+                    <a:schemeClr val="bg1">
+                      <a:lumMod val="50000"/>
+                    </a:schemeClr>
+                  </a:solidFill>
+                  <a:latin typeface="微软雅黑" panose="020B0503020204020204" charset="-122"/>
+                  <a:ea typeface="微软雅黑" panose="020B0503020204020204" charset="-122"/>
+                </a:endParaRPr>
+              </a:p>
+              <a:p>
+                <a:r>
+                  <a:rPr lang="zh-CN" altLang="en-US" sz="1400" dirty="0">
+                    <a:solidFill>
+                      <a:srgbClr val="FFC000"/>
+                    </a:solidFill>
+                    <a:latin typeface="微软雅黑" panose="020B0503020204020204" charset="-122"/>
+                    <a:ea typeface="微软雅黑" panose="020B0503020204020204" charset="-122"/>
+                  </a:rPr>
+                  <a:t>通过正向传播计算出来的</a:t>
+                </a:r>
+                <a:r>
+                  <a:rPr lang="en-US" altLang="zh-CN" sz="1400" dirty="0">
+                    <a:solidFill>
+                      <a:srgbClr val="FFC000"/>
+                    </a:solidFill>
+                    <a:latin typeface="微软雅黑" panose="020B0503020204020204" charset="-122"/>
+                    <a:ea typeface="微软雅黑" panose="020B0503020204020204" charset="-122"/>
+                  </a:rPr>
+                  <a:t>y</a:t>
+                </a:r>
+                <a:r>
+                  <a:rPr lang="zh-CN" altLang="en-US" sz="1400" dirty="0">
+                    <a:solidFill>
+                      <a:schemeClr val="bg1">
+                        <a:lumMod val="50000"/>
+                      </a:schemeClr>
+                    </a:solidFill>
+                    <a:latin typeface="微软雅黑" panose="020B0503020204020204" charset="-122"/>
+                    <a:ea typeface="微软雅黑" panose="020B0503020204020204" charset="-122"/>
+                  </a:rPr>
+                  <a:t> 改名为 </a:t>
+                </a:r>
+                <a14:m>
+                  <m:oMath xmlns:m="http://schemas.openxmlformats.org/officeDocument/2006/math">
+                    <m:acc>
+                      <m:accPr>
+                        <m:chr m:val="̂"/>
+                        <m:ctrlPr>
+                          <a:rPr lang="zh-CN" altLang="en-US" sz="1400" i="1" smtClean="0">
+                            <a:solidFill>
+                              <a:schemeClr val="bg1">
+                                <a:lumMod val="50000"/>
+                              </a:schemeClr>
+                            </a:solidFill>
+                            <a:latin typeface="Cambria Math" panose="02040503050406030204" pitchFamily="18" charset="0"/>
+                            <a:ea typeface="微软雅黑" panose="020B0503020204020204" charset="-122"/>
+                          </a:rPr>
+                        </m:ctrlPr>
+                      </m:accPr>
+                      <m:e>
+                        <m:r>
+                          <m:rPr>
+                            <m:sty m:val="p"/>
+                          </m:rPr>
+                          <a:rPr lang="en-US" altLang="zh-CN" sz="1400" i="1">
+                            <a:solidFill>
+                              <a:schemeClr val="bg1">
+                                <a:lumMod val="50000"/>
+                              </a:schemeClr>
+                            </a:solidFill>
+                            <a:latin typeface="Cambria Math" panose="02040503050406030204" pitchFamily="18" charset="0"/>
+                            <a:ea typeface="微软雅黑" panose="020B0503020204020204" charset="-122"/>
+                          </a:rPr>
+                          <m:t>y</m:t>
+                        </m:r>
+                      </m:e>
+                    </m:acc>
+                  </m:oMath>
+                </a14:m>
+                <a:r>
+                  <a:rPr lang="zh-CN" altLang="en-US" sz="1400" dirty="0">
+                    <a:solidFill>
+                      <a:schemeClr val="bg1">
+                        <a:lumMod val="50000"/>
+                      </a:schemeClr>
+                    </a:solidFill>
+                    <a:latin typeface="微软雅黑" panose="020B0503020204020204" charset="-122"/>
+                    <a:ea typeface="微软雅黑" panose="020B0503020204020204" charset="-122"/>
+                  </a:rPr>
+                  <a:t> ，代表了是通过计算得到的</a:t>
+                </a:r>
+                <a:r>
+                  <a:rPr lang="zh-CN" altLang="en-US" sz="1400" dirty="0">
+                    <a:solidFill>
+                      <a:srgbClr val="FFC000"/>
+                    </a:solidFill>
+                    <a:latin typeface="微软雅黑" panose="020B0503020204020204" charset="-122"/>
+                    <a:ea typeface="微软雅黑" panose="020B0503020204020204" charset="-122"/>
+                  </a:rPr>
+                  <a:t>预测值</a:t>
+                </a:r>
+                <a:endParaRPr lang="en-US" altLang="zh-CN" sz="1400" dirty="0">
+                  <a:solidFill>
+                    <a:srgbClr val="FFC000"/>
+                  </a:solidFill>
+                  <a:latin typeface="微软雅黑" panose="020B0503020204020204" charset="-122"/>
+                  <a:ea typeface="微软雅黑" panose="020B0503020204020204" charset="-122"/>
+                </a:endParaRPr>
+              </a:p>
+              <a:p>
+                <a:r>
+                  <a:rPr lang="zh-CN" altLang="en-US" sz="1400" dirty="0">
+                    <a:solidFill>
+                      <a:schemeClr val="bg1">
+                        <a:lumMod val="50000"/>
+                      </a:schemeClr>
+                    </a:solidFill>
+                    <a:latin typeface="微软雅黑" panose="020B0503020204020204" charset="-122"/>
+                    <a:ea typeface="微软雅黑" panose="020B0503020204020204" charset="-122"/>
+                  </a:rPr>
+                  <a:t>而</a:t>
+                </a:r>
+                <a:endParaRPr lang="en-US" altLang="zh-CN" sz="1400" dirty="0">
+                  <a:solidFill>
+                    <a:schemeClr val="bg1">
+                      <a:lumMod val="50000"/>
+                    </a:schemeClr>
+                  </a:solidFill>
+                  <a:latin typeface="微软雅黑" panose="020B0503020204020204" charset="-122"/>
+                  <a:ea typeface="微软雅黑" panose="020B0503020204020204" charset="-122"/>
+                </a:endParaRPr>
+              </a:p>
+              <a:p>
+                <a:r>
+                  <a:rPr lang="zh-CN" altLang="en-US" sz="1400" dirty="0">
+                    <a:solidFill>
+                      <a:srgbClr val="92D050"/>
+                    </a:solidFill>
+                    <a:latin typeface="微软雅黑" panose="020B0503020204020204" charset="-122"/>
+                    <a:ea typeface="微软雅黑" panose="020B0503020204020204" charset="-122"/>
+                  </a:rPr>
+                  <a:t>标签</a:t>
+                </a:r>
+                <a:r>
+                  <a:rPr lang="en-US" altLang="zh-CN" sz="1400" dirty="0">
+                    <a:solidFill>
+                      <a:srgbClr val="92D050"/>
+                    </a:solidFill>
+                    <a:latin typeface="微软雅黑" panose="020B0503020204020204" charset="-122"/>
+                    <a:ea typeface="微软雅黑" panose="020B0503020204020204" charset="-122"/>
+                  </a:rPr>
+                  <a:t>y</a:t>
+                </a:r>
+                <a:r>
+                  <a:rPr lang="zh-CN" altLang="en-US" sz="1400" dirty="0">
+                    <a:solidFill>
+                      <a:srgbClr val="92D050"/>
+                    </a:solidFill>
+                    <a:latin typeface="微软雅黑" panose="020B0503020204020204" charset="-122"/>
+                    <a:ea typeface="微软雅黑" panose="020B0503020204020204" charset="-122"/>
+                  </a:rPr>
+                  <a:t> ，</a:t>
+                </a:r>
+                <a:r>
+                  <a:rPr lang="zh-CN" altLang="en-US" sz="1400" dirty="0">
+                    <a:solidFill>
+                      <a:schemeClr val="bg1">
+                        <a:lumMod val="50000"/>
+                      </a:schemeClr>
+                    </a:solidFill>
+                    <a:latin typeface="微软雅黑" panose="020B0503020204020204" charset="-122"/>
+                    <a:ea typeface="微软雅黑" panose="020B0503020204020204" charset="-122"/>
+                  </a:rPr>
+                  <a:t>是</a:t>
+                </a:r>
+                <a:r>
+                  <a:rPr lang="zh-CN" altLang="en-US" sz="1400" dirty="0">
+                    <a:solidFill>
+                      <a:srgbClr val="92D050"/>
+                    </a:solidFill>
+                    <a:latin typeface="微软雅黑" panose="020B0503020204020204" charset="-122"/>
+                    <a:ea typeface="微软雅黑" panose="020B0503020204020204" charset="-122"/>
+                  </a:rPr>
+                  <a:t>目标值</a:t>
+                </a:r>
+                <a:r>
+                  <a:rPr lang="zh-CN" altLang="en-US" sz="1400" dirty="0">
+                    <a:latin typeface="微软雅黑" panose="020B0503020204020204" charset="-122"/>
+                    <a:ea typeface="微软雅黑" panose="020B0503020204020204" charset="-122"/>
+                  </a:rPr>
+                  <a:t>，</a:t>
+                </a:r>
+                <a:r>
+                  <a:rPr lang="zh-CN" altLang="en-US" sz="1400" dirty="0">
+                    <a:solidFill>
+                      <a:schemeClr val="bg1">
+                        <a:lumMod val="50000"/>
+                      </a:schemeClr>
+                    </a:solidFill>
+                    <a:latin typeface="微软雅黑" panose="020B0503020204020204" charset="-122"/>
+                    <a:ea typeface="微软雅黑" panose="020B0503020204020204" charset="-122"/>
+                  </a:rPr>
+                  <a:t>其实就相当于正确答案</a:t>
+                </a:r>
+                <a:endParaRPr lang="en-US" altLang="zh-CN" sz="1400" dirty="0">
+                  <a:solidFill>
+                    <a:schemeClr val="bg1">
+                      <a:lumMod val="50000"/>
+                    </a:schemeClr>
+                  </a:solidFill>
+                  <a:latin typeface="微软雅黑" panose="020B0503020204020204" charset="-122"/>
+                  <a:ea typeface="微软雅黑" panose="020B0503020204020204" charset="-122"/>
+                </a:endParaRPr>
+              </a:p>
+            </p:txBody>
+          </p:sp>
+        </mc:Choice>
+        <mc:Fallback>
+          <p:sp>
+            <p:nvSpPr>
+              <p:cNvPr id="9" name="文本框 8">
+                <a:extLst>
+                  <a:ext uri="{FF2B5EF4-FFF2-40B4-BE49-F238E27FC236}">
+                    <a16:creationId xmlns:a16="http://schemas.microsoft.com/office/drawing/2014/main" id="{6F3FCBFF-CFF3-FD47-B550-968E213D0706}"/>
+                  </a:ext>
+                </a:extLst>
+              </p:cNvPr>
+              <p:cNvSpPr txBox="1">
+                <a:spLocks noRot="1" noChangeAspect="1" noMove="1" noResize="1" noEditPoints="1" noAdjustHandles="1" noChangeArrowheads="1" noChangeShapeType="1" noTextEdit="1"/>
+              </p:cNvSpPr>
+              <p:nvPr/>
+            </p:nvSpPr>
+            <p:spPr>
+              <a:xfrm>
+                <a:off x="565447" y="879337"/>
+                <a:ext cx="6459821" cy="1384995"/>
+              </a:xfrm>
+              <a:prstGeom prst="rect">
+                <a:avLst/>
+              </a:prstGeom>
+              <a:blipFill>
+                <a:blip r:embed="rId2"/>
+                <a:stretch>
+                  <a:fillRect l="-196" b="-2727"/>
+                </a:stretch>
+              </a:blipFill>
+            </p:spPr>
+            <p:txBody>
+              <a:bodyPr/>
+              <a:lstStyle/>
+              <a:p>
+                <a:r>
+                  <a:rPr lang="zh-CN" altLang="en-US">
+                    <a:noFill/>
+                  </a:rPr>
+                  <a:t> </a:t>
+                </a:r>
+              </a:p>
+            </p:txBody>
+          </p:sp>
+        </mc:Fallback>
+      </mc:AlternateContent>
+      <p:sp>
+        <p:nvSpPr>
+          <p:cNvPr id="2" name="文本框 1">
+            <a:extLst>
+              <a:ext uri="{FF2B5EF4-FFF2-40B4-BE49-F238E27FC236}">
+                <a16:creationId xmlns:a16="http://schemas.microsoft.com/office/drawing/2014/main" id="{17064318-B2CD-044C-8E88-703CEBF1D99D}"/>
+              </a:ext>
+            </a:extLst>
+          </p:cNvPr>
+          <p:cNvSpPr txBox="1"/>
+          <p:nvPr/>
+        </p:nvSpPr>
+        <p:spPr>
+          <a:xfrm>
+            <a:off x="565447" y="2662751"/>
+            <a:ext cx="1271239" cy="369332"/>
+          </a:xfrm>
+          <a:prstGeom prst="rect">
+            <a:avLst/>
+          </a:prstGeom>
+          <a:noFill/>
+        </p:spPr>
+        <p:txBody>
+          <a:bodyPr wrap="square" rtlCol="0">
+            <a:spAutoFit/>
+          </a:bodyPr>
+          <a:lstStyle/>
+          <a:p>
+            <a:r>
+              <a:rPr kumimoji="1" lang="zh-CN" altLang="en-US" dirty="0"/>
+              <a:t>反向传播</a:t>
+            </a:r>
+          </a:p>
+        </p:txBody>
+      </p:sp>
+      <p:sp>
+        <p:nvSpPr>
+          <p:cNvPr id="12" name="文本框 11">
+            <a:extLst>
+              <a:ext uri="{FF2B5EF4-FFF2-40B4-BE49-F238E27FC236}">
+                <a16:creationId xmlns:a16="http://schemas.microsoft.com/office/drawing/2014/main" id="{F7097977-1966-8C4D-A1BD-0AFE97EB26BE}"/>
+              </a:ext>
+            </a:extLst>
+          </p:cNvPr>
+          <p:cNvSpPr txBox="1"/>
+          <p:nvPr/>
+        </p:nvSpPr>
+        <p:spPr>
+          <a:xfrm>
+            <a:off x="565447" y="3193360"/>
+            <a:ext cx="6872416" cy="1169551"/>
+          </a:xfrm>
+          <a:prstGeom prst="rect">
+            <a:avLst/>
+          </a:prstGeom>
+          <a:noFill/>
+        </p:spPr>
+        <p:txBody>
+          <a:bodyPr wrap="square" rtlCol="0">
+            <a:spAutoFit/>
+          </a:bodyPr>
+          <a:lstStyle/>
+          <a:p>
+            <a:r>
+              <a:rPr lang="zh-CN" altLang="en-US" sz="1400" dirty="0">
+                <a:solidFill>
+                  <a:schemeClr val="bg1">
+                    <a:lumMod val="50000"/>
+                  </a:schemeClr>
+                </a:solidFill>
+                <a:latin typeface="微软雅黑" panose="020B0503020204020204" charset="-122"/>
+                <a:ea typeface="微软雅黑" panose="020B0503020204020204" charset="-122"/>
+              </a:rPr>
+              <a:t>由于神经网络的初始权重和偏差都是随机初始化的（一般权重</a:t>
+            </a:r>
+            <a:r>
+              <a:rPr lang="en-US" altLang="zh-CN" sz="1400" dirty="0">
+                <a:solidFill>
+                  <a:schemeClr val="bg1">
+                    <a:lumMod val="50000"/>
+                  </a:schemeClr>
+                </a:solidFill>
+                <a:latin typeface="微软雅黑" panose="020B0503020204020204" charset="-122"/>
+                <a:ea typeface="微软雅黑" panose="020B0503020204020204" charset="-122"/>
+              </a:rPr>
+              <a:t>w</a:t>
+            </a:r>
+            <a:r>
+              <a:rPr lang="zh-CN" altLang="en-US" sz="1400" dirty="0">
+                <a:solidFill>
+                  <a:schemeClr val="bg1">
+                    <a:lumMod val="50000"/>
+                  </a:schemeClr>
+                </a:solidFill>
+                <a:latin typeface="微软雅黑" panose="020B0503020204020204" charset="-122"/>
+                <a:ea typeface="微软雅黑" panose="020B0503020204020204" charset="-122"/>
+              </a:rPr>
+              <a:t>会随机初始化，偏差</a:t>
+            </a:r>
+            <a:r>
+              <a:rPr lang="en-US" altLang="zh-CN" sz="1400" dirty="0">
+                <a:solidFill>
+                  <a:schemeClr val="bg1">
+                    <a:lumMod val="50000"/>
+                  </a:schemeClr>
+                </a:solidFill>
+                <a:latin typeface="微软雅黑" panose="020B0503020204020204" charset="-122"/>
+                <a:ea typeface="微软雅黑" panose="020B0503020204020204" charset="-122"/>
+              </a:rPr>
+              <a:t>b</a:t>
+            </a:r>
+            <a:r>
+              <a:rPr lang="zh-CN" altLang="en-US" sz="1400" dirty="0">
+                <a:solidFill>
+                  <a:schemeClr val="bg1">
+                    <a:lumMod val="50000"/>
+                  </a:schemeClr>
+                </a:solidFill>
+                <a:latin typeface="微软雅黑" panose="020B0503020204020204" charset="-122"/>
+                <a:ea typeface="微软雅黑" panose="020B0503020204020204" charset="-122"/>
+              </a:rPr>
+              <a:t>直接置零），所以通过神经网络的计算的 </a:t>
+            </a:r>
+            <a:r>
+              <a:rPr lang="zh-CN" altLang="en-US" sz="1400" dirty="0">
+                <a:solidFill>
+                  <a:srgbClr val="FFC000"/>
+                </a:solidFill>
+                <a:latin typeface="微软雅黑" panose="020B0503020204020204" charset="-122"/>
+                <a:ea typeface="微软雅黑" panose="020B0503020204020204" charset="-122"/>
+              </a:rPr>
+              <a:t>预测值</a:t>
+            </a:r>
+            <a:r>
+              <a:rPr lang="zh-CN" altLang="en-US" sz="1400" dirty="0">
+                <a:solidFill>
+                  <a:schemeClr val="bg1">
+                    <a:lumMod val="50000"/>
+                  </a:schemeClr>
+                </a:solidFill>
+                <a:latin typeface="微软雅黑" panose="020B0503020204020204" charset="-122"/>
+                <a:ea typeface="微软雅黑" panose="020B0503020204020204" charset="-122"/>
+              </a:rPr>
+              <a:t> 和 </a:t>
+            </a:r>
+            <a:r>
+              <a:rPr lang="zh-CN" altLang="en-US" sz="1400" dirty="0">
+                <a:solidFill>
+                  <a:srgbClr val="92D050"/>
+                </a:solidFill>
+                <a:latin typeface="微软雅黑" panose="020B0503020204020204" charset="-122"/>
+                <a:ea typeface="微软雅黑" panose="020B0503020204020204" charset="-122"/>
+              </a:rPr>
+              <a:t>目标值 </a:t>
+            </a:r>
+            <a:r>
+              <a:rPr lang="zh-CN" altLang="en-US" sz="1400" dirty="0">
+                <a:solidFill>
+                  <a:schemeClr val="bg1">
+                    <a:lumMod val="50000"/>
+                  </a:schemeClr>
+                </a:solidFill>
+                <a:latin typeface="微软雅黑" panose="020B0503020204020204" charset="-122"/>
+                <a:ea typeface="微软雅黑" panose="020B0503020204020204" charset="-122"/>
+              </a:rPr>
+              <a:t>的一定会有 </a:t>
+            </a:r>
+            <a:r>
+              <a:rPr lang="zh-CN" altLang="en-US" sz="1400" dirty="0">
+                <a:solidFill>
+                  <a:srgbClr val="FF0000"/>
+                </a:solidFill>
+                <a:latin typeface="微软雅黑" panose="020B0503020204020204" charset="-122"/>
+                <a:ea typeface="微软雅黑" panose="020B0503020204020204" charset="-122"/>
+              </a:rPr>
+              <a:t>误差</a:t>
+            </a:r>
+            <a:r>
+              <a:rPr lang="zh-CN" altLang="en-US" sz="1400" dirty="0">
+                <a:solidFill>
+                  <a:schemeClr val="bg1">
+                    <a:lumMod val="50000"/>
+                  </a:schemeClr>
+                </a:solidFill>
+                <a:latin typeface="微软雅黑" panose="020B0503020204020204" charset="-122"/>
+                <a:ea typeface="微软雅黑" panose="020B0503020204020204" charset="-122"/>
+              </a:rPr>
+              <a:t>，</a:t>
+            </a:r>
+            <a:r>
+              <a:rPr lang="zh-CN" altLang="en-US" sz="1400" dirty="0">
+                <a:solidFill>
+                  <a:srgbClr val="FF0000"/>
+                </a:solidFill>
+                <a:latin typeface="微软雅黑" panose="020B0503020204020204" charset="-122"/>
+                <a:ea typeface="微软雅黑" panose="020B0503020204020204" charset="-122"/>
+              </a:rPr>
+              <a:t>反向传播（</a:t>
+            </a:r>
+            <a:r>
+              <a:rPr lang="en" altLang="zh-CN" sz="1400" dirty="0">
+                <a:solidFill>
+                  <a:srgbClr val="FF0000"/>
+                </a:solidFill>
+                <a:latin typeface="微软雅黑" panose="020B0503020204020204" charset="-122"/>
+                <a:ea typeface="微软雅黑" panose="020B0503020204020204" charset="-122"/>
+              </a:rPr>
+              <a:t>Back</a:t>
+            </a:r>
+            <a:r>
+              <a:rPr lang="zh-CN" altLang="en-US" sz="1400" dirty="0">
+                <a:solidFill>
+                  <a:srgbClr val="FF0000"/>
+                </a:solidFill>
+                <a:latin typeface="微软雅黑" panose="020B0503020204020204" charset="-122"/>
+                <a:ea typeface="微软雅黑" panose="020B0503020204020204" charset="-122"/>
+              </a:rPr>
+              <a:t> </a:t>
+            </a:r>
+            <a:r>
+              <a:rPr lang="en" altLang="zh-CN" sz="1400" dirty="0">
+                <a:solidFill>
+                  <a:srgbClr val="FF0000"/>
+                </a:solidFill>
+                <a:latin typeface="微软雅黑" panose="020B0503020204020204" charset="-122"/>
+                <a:ea typeface="微软雅黑" panose="020B0503020204020204" charset="-122"/>
+              </a:rPr>
+              <a:t>propagation</a:t>
+            </a:r>
+            <a:r>
+              <a:rPr lang="zh-CN" altLang="en-US" sz="1400" dirty="0">
+                <a:solidFill>
+                  <a:srgbClr val="FF0000"/>
+                </a:solidFill>
+                <a:latin typeface="微软雅黑" panose="020B0503020204020204" charset="-122"/>
+                <a:ea typeface="微软雅黑" panose="020B0503020204020204" charset="-122"/>
+              </a:rPr>
+              <a:t> 简称 </a:t>
+            </a:r>
+            <a:r>
+              <a:rPr lang="en-US" altLang="zh-CN" sz="1400" dirty="0">
+                <a:solidFill>
+                  <a:srgbClr val="FF0000"/>
+                </a:solidFill>
+                <a:latin typeface="微软雅黑" panose="020B0503020204020204" charset="-122"/>
+                <a:ea typeface="微软雅黑" panose="020B0503020204020204" charset="-122"/>
+              </a:rPr>
+              <a:t>BP</a:t>
+            </a:r>
+            <a:r>
+              <a:rPr lang="zh-CN" altLang="en-US" sz="1400" dirty="0">
+                <a:solidFill>
+                  <a:srgbClr val="FF0000"/>
+                </a:solidFill>
+                <a:latin typeface="微软雅黑" panose="020B0503020204020204" charset="-122"/>
+                <a:ea typeface="微软雅黑" panose="020B0503020204020204" charset="-122"/>
+              </a:rPr>
+              <a:t>）</a:t>
+            </a:r>
+            <a:r>
+              <a:rPr lang="zh-CN" altLang="en-US" sz="1400" dirty="0">
+                <a:solidFill>
+                  <a:schemeClr val="bg1">
+                    <a:lumMod val="50000"/>
+                  </a:schemeClr>
+                </a:solidFill>
+                <a:latin typeface="微软雅黑" panose="020B0503020204020204" charset="-122"/>
+                <a:ea typeface="微软雅黑" panose="020B0503020204020204" charset="-122"/>
+              </a:rPr>
+              <a:t>则是利用该误差，通过 </a:t>
+            </a:r>
+            <a:r>
+              <a:rPr lang="zh-CN" altLang="en-US" sz="1400" dirty="0">
+                <a:solidFill>
+                  <a:srgbClr val="00B0F0"/>
+                </a:solidFill>
+                <a:latin typeface="微软雅黑" panose="020B0503020204020204" charset="-122"/>
+                <a:ea typeface="微软雅黑" panose="020B0503020204020204" charset="-122"/>
+              </a:rPr>
+              <a:t>梯度下降（上升）</a:t>
+            </a:r>
+            <a:r>
+              <a:rPr lang="zh-CN" altLang="en-US" sz="1400" dirty="0">
+                <a:solidFill>
+                  <a:schemeClr val="bg1">
+                    <a:lumMod val="50000"/>
+                  </a:schemeClr>
+                </a:solidFill>
+                <a:latin typeface="微软雅黑" panose="020B0503020204020204" charset="-122"/>
+                <a:ea typeface="微软雅黑" panose="020B0503020204020204" charset="-122"/>
+              </a:rPr>
+              <a:t> 的手段把 这个误差 传播回 所有的权重</a:t>
+            </a:r>
+            <a:r>
+              <a:rPr lang="en-US" altLang="zh-CN" sz="1400" dirty="0">
+                <a:solidFill>
+                  <a:schemeClr val="bg1">
+                    <a:lumMod val="50000"/>
+                  </a:schemeClr>
+                </a:solidFill>
+                <a:latin typeface="微软雅黑" panose="020B0503020204020204" charset="-122"/>
+                <a:ea typeface="微软雅黑" panose="020B0503020204020204" charset="-122"/>
+              </a:rPr>
+              <a:t>w</a:t>
+            </a:r>
+            <a:r>
+              <a:rPr lang="zh-CN" altLang="en-US" sz="1400" dirty="0">
+                <a:solidFill>
+                  <a:schemeClr val="bg1">
+                    <a:lumMod val="50000"/>
+                  </a:schemeClr>
+                </a:solidFill>
+                <a:latin typeface="微软雅黑" panose="020B0503020204020204" charset="-122"/>
+                <a:ea typeface="微软雅黑" panose="020B0503020204020204" charset="-122"/>
+              </a:rPr>
+              <a:t>和偏差</a:t>
+            </a:r>
+            <a:r>
+              <a:rPr lang="en-US" altLang="zh-CN" sz="1400" dirty="0">
+                <a:solidFill>
+                  <a:schemeClr val="bg1">
+                    <a:lumMod val="50000"/>
+                  </a:schemeClr>
+                </a:solidFill>
+                <a:latin typeface="微软雅黑" panose="020B0503020204020204" charset="-122"/>
+                <a:ea typeface="微软雅黑" panose="020B0503020204020204" charset="-122"/>
+              </a:rPr>
+              <a:t>b</a:t>
+            </a:r>
+            <a:r>
+              <a:rPr lang="zh-CN" altLang="en-US" sz="1400" dirty="0">
+                <a:solidFill>
+                  <a:schemeClr val="bg1">
+                    <a:lumMod val="50000"/>
+                  </a:schemeClr>
+                </a:solidFill>
+                <a:latin typeface="微软雅黑" panose="020B0503020204020204" charset="-122"/>
+                <a:ea typeface="微软雅黑" panose="020B0503020204020204" charset="-122"/>
+              </a:rPr>
+              <a:t>以此来更新它们的过程</a:t>
+            </a:r>
+            <a:endParaRPr lang="en-US" altLang="zh-CN" sz="1400" dirty="0">
+              <a:solidFill>
+                <a:schemeClr val="bg1">
+                  <a:lumMod val="50000"/>
+                </a:schemeClr>
+              </a:solidFill>
+              <a:latin typeface="微软雅黑" panose="020B0503020204020204" charset="-122"/>
+              <a:ea typeface="微软雅黑" panose="020B0503020204020204" charset="-122"/>
+            </a:endParaRPr>
+          </a:p>
+          <a:p>
+            <a:endParaRPr lang="en-US" altLang="zh-CN" sz="1400" dirty="0">
+              <a:solidFill>
+                <a:schemeClr val="bg1">
+                  <a:lumMod val="50000"/>
+                </a:schemeClr>
+              </a:solidFill>
+              <a:latin typeface="微软雅黑" panose="020B0503020204020204" charset="-122"/>
+              <a:ea typeface="微软雅黑" panose="020B0503020204020204" charset="-122"/>
+            </a:endParaRPr>
+          </a:p>
+        </p:txBody>
+      </p:sp>
+      <p:sp>
+        <p:nvSpPr>
+          <p:cNvPr id="13" name="文本框 12">
+            <a:extLst>
+              <a:ext uri="{FF2B5EF4-FFF2-40B4-BE49-F238E27FC236}">
+                <a16:creationId xmlns:a16="http://schemas.microsoft.com/office/drawing/2014/main" id="{7AC1DEBA-20EE-9746-9BCA-3402FCD216E1}"/>
+              </a:ext>
+            </a:extLst>
+          </p:cNvPr>
+          <p:cNvSpPr txBox="1"/>
+          <p:nvPr/>
+        </p:nvSpPr>
+        <p:spPr>
+          <a:xfrm>
+            <a:off x="565448" y="4708854"/>
+            <a:ext cx="2010485" cy="369332"/>
+          </a:xfrm>
+          <a:prstGeom prst="rect">
+            <a:avLst/>
+          </a:prstGeom>
+          <a:noFill/>
+        </p:spPr>
+        <p:txBody>
+          <a:bodyPr wrap="square" rtlCol="0">
+            <a:spAutoFit/>
+          </a:bodyPr>
+          <a:lstStyle/>
+          <a:p>
+            <a:r>
+              <a:rPr kumimoji="1" lang="zh-CN" altLang="en-US" dirty="0"/>
+              <a:t>梯度下降（上升）</a:t>
+            </a:r>
+          </a:p>
+        </p:txBody>
+      </p:sp>
+      <p:sp>
+        <p:nvSpPr>
+          <p:cNvPr id="14" name="文本框 13">
+            <a:extLst>
+              <a:ext uri="{FF2B5EF4-FFF2-40B4-BE49-F238E27FC236}">
+                <a16:creationId xmlns:a16="http://schemas.microsoft.com/office/drawing/2014/main" id="{12AC6C6A-1624-CB48-8B19-9BFF8BDC3F7A}"/>
+              </a:ext>
+            </a:extLst>
+          </p:cNvPr>
+          <p:cNvSpPr txBox="1"/>
+          <p:nvPr/>
+        </p:nvSpPr>
+        <p:spPr>
+          <a:xfrm>
+            <a:off x="565447" y="5239463"/>
+            <a:ext cx="6459821" cy="307777"/>
+          </a:xfrm>
+          <a:prstGeom prst="rect">
+            <a:avLst/>
+          </a:prstGeom>
+          <a:noFill/>
+        </p:spPr>
+        <p:txBody>
+          <a:bodyPr wrap="square" rtlCol="0">
+            <a:spAutoFit/>
+          </a:bodyPr>
+          <a:lstStyle/>
+          <a:p>
+            <a:r>
+              <a:rPr lang="zh-CN" altLang="en-US" sz="1400" dirty="0">
+                <a:solidFill>
+                  <a:schemeClr val="bg1">
+                    <a:lumMod val="50000"/>
+                  </a:schemeClr>
+                </a:solidFill>
+                <a:latin typeface="微软雅黑" panose="020B0503020204020204" charset="-122"/>
+                <a:ea typeface="微软雅黑" panose="020B0503020204020204" charset="-122"/>
+              </a:rPr>
+              <a:t>就是函数当前点的导数加上小步长的迭代搜索，以找到函数的极小（大）值，</a:t>
+            </a:r>
+            <a:endParaRPr lang="en-US" altLang="zh-CN" sz="1400" dirty="0">
+              <a:solidFill>
+                <a:srgbClr val="FF0000"/>
+              </a:solidFill>
+              <a:latin typeface="微软雅黑" panose="020B0503020204020204" charset="-122"/>
+              <a:ea typeface="微软雅黑" panose="020B0503020204020204" charset="-122"/>
+            </a:endParaRPr>
+          </a:p>
+        </p:txBody>
+      </p:sp>
     </p:spTree>
+    <p:extLst>
+      <p:ext uri="{BB962C8B-B14F-4D97-AF65-F5344CB8AC3E}">
+        <p14:creationId xmlns:p14="http://schemas.microsoft.com/office/powerpoint/2010/main" val="3874469648"/>
+      </p:ext>
+    </p:extLst>
   </p:cSld>
   <p:clrMapOvr>
     <a:masterClrMapping/>
   </p:clrMapOvr>
-  <p:transition spd="slow">
-    <p:push dir="u"/>
-  </p:transition>
+  <mc:AlternateContent xmlns:mc="http://schemas.openxmlformats.org/markup-compatibility/2006" xmlns:p14="http://schemas.microsoft.com/office/powerpoint/2010/main">
+    <mc:Choice Requires="p14">
+      <p:transition spd="med" p14:dur="700">
+        <p:fade/>
+      </p:transition>
+    </mc:Choice>
+    <mc:Fallback xmlns="">
+      <p:transition spd="med">
+        <p:fade/>
+      </p:transition>
+    </mc:Fallback>
+  </mc:AlternateContent>
 </p:sld>
 </file>
 
@@ -20032,6 +21187,1546 @@
           <a:chExt cx="0" cy="0"/>
         </a:xfrm>
       </p:grpSpPr>
+      <p:pic>
+        <p:nvPicPr>
+          <p:cNvPr id="24" name="图片 23">
+            <a:extLst>
+              <a:ext uri="{FF2B5EF4-FFF2-40B4-BE49-F238E27FC236}">
+                <a16:creationId xmlns:a16="http://schemas.microsoft.com/office/drawing/2014/main" id="{0C99A331-0A9C-944F-9235-CC9B43223631}"/>
+              </a:ext>
+            </a:extLst>
+          </p:cNvPr>
+          <p:cNvPicPr>
+            <a:picLocks noChangeAspect="1"/>
+          </p:cNvPicPr>
+          <p:nvPr/>
+        </p:nvPicPr>
+        <p:blipFill>
+          <a:blip r:embed="rId2"/>
+          <a:stretch>
+            <a:fillRect/>
+          </a:stretch>
+        </p:blipFill>
+        <p:spPr>
+          <a:xfrm>
+            <a:off x="192390" y="3974409"/>
+            <a:ext cx="3810000" cy="1346200"/>
+          </a:xfrm>
+          <a:prstGeom prst="rect">
+            <a:avLst/>
+          </a:prstGeom>
+        </p:spPr>
+      </p:pic>
+      <p:sp>
+        <p:nvSpPr>
+          <p:cNvPr id="6" name="矩形 5">
+            <a:extLst>
+              <a:ext uri="{FF2B5EF4-FFF2-40B4-BE49-F238E27FC236}">
+                <a16:creationId xmlns:a16="http://schemas.microsoft.com/office/drawing/2014/main" id="{6A32B224-18D4-F447-8FFD-6D635C3F2AC4}"/>
+              </a:ext>
+            </a:extLst>
+          </p:cNvPr>
+          <p:cNvSpPr/>
+          <p:nvPr/>
+        </p:nvSpPr>
+        <p:spPr>
+          <a:xfrm>
+            <a:off x="0" y="60523"/>
+            <a:ext cx="2051074" cy="307777"/>
+          </a:xfrm>
+          <a:prstGeom prst="rect">
+            <a:avLst/>
+          </a:prstGeom>
+        </p:spPr>
+        <p:txBody>
+          <a:bodyPr wrap="none">
+            <a:spAutoFit/>
+          </a:bodyPr>
+          <a:lstStyle/>
+          <a:p>
+            <a:r>
+              <a:rPr lang="en-US" altLang="zh-CN" sz="1400" b="1" dirty="0"/>
+              <a:t>PART ONE </a:t>
+            </a:r>
+            <a:r>
+              <a:rPr lang="zh-CN" altLang="en-US" sz="1400" b="1" dirty="0"/>
+              <a:t>深入神经网络</a:t>
+            </a:r>
+          </a:p>
+        </p:txBody>
+      </p:sp>
+      <p:sp>
+        <p:nvSpPr>
+          <p:cNvPr id="7" name="椭圆 6">
+            <a:extLst>
+              <a:ext uri="{FF2B5EF4-FFF2-40B4-BE49-F238E27FC236}">
+                <a16:creationId xmlns:a16="http://schemas.microsoft.com/office/drawing/2014/main" id="{D1812375-66FF-2A4D-A626-13AE40C330A2}"/>
+              </a:ext>
+            </a:extLst>
+          </p:cNvPr>
+          <p:cNvSpPr/>
+          <p:nvPr/>
+        </p:nvSpPr>
+        <p:spPr>
+          <a:xfrm>
+            <a:off x="1966473" y="157740"/>
+            <a:ext cx="130917" cy="113341"/>
+          </a:xfrm>
+          <a:prstGeom prst="ellipse">
+            <a:avLst/>
+          </a:prstGeom>
+          <a:solidFill>
+            <a:srgbClr val="FF0000"/>
+          </a:solidFill>
+          <a:ln>
+            <a:noFill/>
+          </a:ln>
+        </p:spPr>
+        <p:style>
+          <a:lnRef idx="2">
+            <a:schemeClr val="accent1">
+              <a:shade val="50000"/>
+            </a:schemeClr>
+          </a:lnRef>
+          <a:fillRef idx="1">
+            <a:schemeClr val="accent1"/>
+          </a:fillRef>
+          <a:effectRef idx="0">
+            <a:schemeClr val="accent1"/>
+          </a:effectRef>
+          <a:fontRef idx="minor">
+            <a:schemeClr val="lt1"/>
+          </a:fontRef>
+        </p:style>
+        <p:txBody>
+          <a:bodyPr rot="0" spcFirstLastPara="0" vertOverflow="overflow" horzOverflow="overflow" vert="horz" wrap="square" lIns="91440" tIns="45720" rIns="91440" bIns="45720" numCol="1" spcCol="0" rtlCol="0" fromWordArt="0" anchor="ctr" anchorCtr="0" forceAA="0" compatLnSpc="1">
+            <a:noAutofit/>
+          </a:bodyPr>
+          <a:lstStyle/>
+          <a:p>
+            <a:pPr algn="ctr"/>
+            <a:endParaRPr lang="zh-CN" altLang="en-US" sz="4400"/>
+          </a:p>
+        </p:txBody>
+      </p:sp>
+      <p:sp>
+        <p:nvSpPr>
+          <p:cNvPr id="10" name="文本框 9">
+            <a:extLst>
+              <a:ext uri="{FF2B5EF4-FFF2-40B4-BE49-F238E27FC236}">
+                <a16:creationId xmlns:a16="http://schemas.microsoft.com/office/drawing/2014/main" id="{C2869399-16E9-B841-A198-13EC7F9A10ED}"/>
+              </a:ext>
+            </a:extLst>
+          </p:cNvPr>
+          <p:cNvSpPr txBox="1"/>
+          <p:nvPr/>
+        </p:nvSpPr>
+        <p:spPr>
+          <a:xfrm>
+            <a:off x="416764" y="465517"/>
+            <a:ext cx="5359745" cy="307777"/>
+          </a:xfrm>
+          <a:prstGeom prst="rect">
+            <a:avLst/>
+          </a:prstGeom>
+          <a:noFill/>
+        </p:spPr>
+        <p:txBody>
+          <a:bodyPr wrap="square" rtlCol="0">
+            <a:spAutoFit/>
+          </a:bodyPr>
+          <a:lstStyle/>
+          <a:p>
+            <a:r>
+              <a:rPr lang="zh-CN" altLang="en-US" sz="1400" dirty="0">
+                <a:solidFill>
+                  <a:schemeClr val="bg1">
+                    <a:lumMod val="50000"/>
+                  </a:schemeClr>
+                </a:solidFill>
+                <a:latin typeface="微软雅黑" panose="020B0503020204020204" charset="-122"/>
+                <a:ea typeface="微软雅黑" panose="020B0503020204020204" charset="-122"/>
+              </a:rPr>
+              <a:t>这里还是拿最简单的结构加上之前的身高</a:t>
+            </a:r>
+            <a:r>
+              <a:rPr lang="en-US" altLang="zh-CN" sz="1400" dirty="0">
+                <a:solidFill>
+                  <a:schemeClr val="bg1">
+                    <a:lumMod val="50000"/>
+                  </a:schemeClr>
+                </a:solidFill>
+                <a:latin typeface="微软雅黑" panose="020B0503020204020204" charset="-122"/>
+                <a:ea typeface="微软雅黑" panose="020B0503020204020204" charset="-122"/>
+              </a:rPr>
+              <a:t>-</a:t>
+            </a:r>
+            <a:r>
+              <a:rPr lang="zh-CN" altLang="en-US" sz="1400" dirty="0">
+                <a:solidFill>
+                  <a:schemeClr val="bg1">
+                    <a:lumMod val="50000"/>
+                  </a:schemeClr>
+                </a:solidFill>
+                <a:latin typeface="微软雅黑" panose="020B0503020204020204" charset="-122"/>
+                <a:ea typeface="微软雅黑" panose="020B0503020204020204" charset="-122"/>
+              </a:rPr>
+              <a:t>女朋友的例子来举例：</a:t>
+            </a:r>
+            <a:endParaRPr lang="en-US" altLang="zh-CN" sz="1400" dirty="0">
+              <a:solidFill>
+                <a:schemeClr val="bg1">
+                  <a:lumMod val="50000"/>
+                </a:schemeClr>
+              </a:solidFill>
+              <a:latin typeface="微软雅黑" panose="020B0503020204020204" charset="-122"/>
+              <a:ea typeface="微软雅黑" panose="020B0503020204020204" charset="-122"/>
+            </a:endParaRPr>
+          </a:p>
+        </p:txBody>
+      </p:sp>
+      <p:cxnSp>
+        <p:nvCxnSpPr>
+          <p:cNvPr id="11" name="直线箭头连接符 10">
+            <a:extLst>
+              <a:ext uri="{FF2B5EF4-FFF2-40B4-BE49-F238E27FC236}">
+                <a16:creationId xmlns:a16="http://schemas.microsoft.com/office/drawing/2014/main" id="{1B28683D-24B4-F340-973F-EAED7A7D4EFE}"/>
+              </a:ext>
+            </a:extLst>
+          </p:cNvPr>
+          <p:cNvCxnSpPr>
+            <a:cxnSpLocks/>
+          </p:cNvCxnSpPr>
+          <p:nvPr/>
+        </p:nvCxnSpPr>
+        <p:spPr>
+          <a:xfrm>
+            <a:off x="1586429" y="1915563"/>
+            <a:ext cx="697193" cy="0"/>
+          </a:xfrm>
+          <a:prstGeom prst="straightConnector1">
+            <a:avLst/>
+          </a:prstGeom>
+          <a:ln w="25400">
+            <a:solidFill>
+              <a:schemeClr val="tx1"/>
+            </a:solidFill>
+            <a:tailEnd type="triangle"/>
+          </a:ln>
+        </p:spPr>
+        <p:style>
+          <a:lnRef idx="1">
+            <a:schemeClr val="accent1"/>
+          </a:lnRef>
+          <a:fillRef idx="0">
+            <a:schemeClr val="accent1"/>
+          </a:fillRef>
+          <a:effectRef idx="0">
+            <a:schemeClr val="accent1"/>
+          </a:effectRef>
+          <a:fontRef idx="minor">
+            <a:schemeClr val="tx1"/>
+          </a:fontRef>
+        </p:style>
+      </p:cxnSp>
+      <p:sp>
+        <p:nvSpPr>
+          <p:cNvPr id="15" name="椭圆 14">
+            <a:extLst>
+              <a:ext uri="{FF2B5EF4-FFF2-40B4-BE49-F238E27FC236}">
+                <a16:creationId xmlns:a16="http://schemas.microsoft.com/office/drawing/2014/main" id="{A35155AB-B7F9-1D4D-BF1C-13037935FDF2}"/>
+              </a:ext>
+            </a:extLst>
+          </p:cNvPr>
+          <p:cNvSpPr/>
+          <p:nvPr/>
+        </p:nvSpPr>
+        <p:spPr>
+          <a:xfrm>
+            <a:off x="2283622" y="1212915"/>
+            <a:ext cx="1318894" cy="1331981"/>
+          </a:xfrm>
+          <a:prstGeom prst="ellipse">
+            <a:avLst/>
+          </a:prstGeom>
+          <a:noFill/>
+          <a:ln>
+            <a:solidFill>
+              <a:schemeClr val="tx1"/>
+            </a:solidFill>
+          </a:ln>
+        </p:spPr>
+        <p:style>
+          <a:lnRef idx="2">
+            <a:schemeClr val="accent1">
+              <a:shade val="50000"/>
+            </a:schemeClr>
+          </a:lnRef>
+          <a:fillRef idx="1">
+            <a:schemeClr val="accent1"/>
+          </a:fillRef>
+          <a:effectRef idx="0">
+            <a:schemeClr val="accent1"/>
+          </a:effectRef>
+          <a:fontRef idx="minor">
+            <a:schemeClr val="lt1"/>
+          </a:fontRef>
+        </p:style>
+        <p:txBody>
+          <a:bodyPr rtlCol="0" anchor="ctr"/>
+          <a:lstStyle/>
+          <a:p>
+            <a:pPr algn="ctr"/>
+            <a:endParaRPr kumimoji="1" lang="zh-CN" altLang="en-US"/>
+          </a:p>
+        </p:txBody>
+      </p:sp>
+      <p:cxnSp>
+        <p:nvCxnSpPr>
+          <p:cNvPr id="16" name="直线箭头连接符 15">
+            <a:extLst>
+              <a:ext uri="{FF2B5EF4-FFF2-40B4-BE49-F238E27FC236}">
+                <a16:creationId xmlns:a16="http://schemas.microsoft.com/office/drawing/2014/main" id="{EDE070FA-0ABB-9F41-99AC-C1DE3B7A9021}"/>
+              </a:ext>
+            </a:extLst>
+          </p:cNvPr>
+          <p:cNvCxnSpPr>
+            <a:cxnSpLocks/>
+          </p:cNvCxnSpPr>
+          <p:nvPr/>
+        </p:nvCxnSpPr>
+        <p:spPr>
+          <a:xfrm>
+            <a:off x="3602516" y="1915563"/>
+            <a:ext cx="739862" cy="0"/>
+          </a:xfrm>
+          <a:prstGeom prst="straightConnector1">
+            <a:avLst/>
+          </a:prstGeom>
+          <a:ln w="25400">
+            <a:solidFill>
+              <a:schemeClr val="tx1"/>
+            </a:solidFill>
+            <a:tailEnd type="triangle"/>
+          </a:ln>
+        </p:spPr>
+        <p:style>
+          <a:lnRef idx="1">
+            <a:schemeClr val="accent1"/>
+          </a:lnRef>
+          <a:fillRef idx="0">
+            <a:schemeClr val="accent1"/>
+          </a:fillRef>
+          <a:effectRef idx="0">
+            <a:schemeClr val="accent1"/>
+          </a:effectRef>
+          <a:fontRef idx="minor">
+            <a:schemeClr val="tx1"/>
+          </a:fontRef>
+        </p:style>
+      </p:cxnSp>
+      <p:cxnSp>
+        <p:nvCxnSpPr>
+          <p:cNvPr id="17" name="直线箭头连接符 16">
+            <a:extLst>
+              <a:ext uri="{FF2B5EF4-FFF2-40B4-BE49-F238E27FC236}">
+                <a16:creationId xmlns:a16="http://schemas.microsoft.com/office/drawing/2014/main" id="{C98D22BA-E109-0341-8805-1581AA329314}"/>
+              </a:ext>
+            </a:extLst>
+          </p:cNvPr>
+          <p:cNvCxnSpPr>
+            <a:cxnSpLocks/>
+          </p:cNvCxnSpPr>
+          <p:nvPr/>
+        </p:nvCxnSpPr>
+        <p:spPr>
+          <a:xfrm>
+            <a:off x="2944334" y="1212915"/>
+            <a:ext cx="0" cy="1331981"/>
+          </a:xfrm>
+          <a:prstGeom prst="straightConnector1">
+            <a:avLst/>
+          </a:prstGeom>
+          <a:ln w="22225">
+            <a:solidFill>
+              <a:schemeClr val="tx1"/>
+            </a:solidFill>
+          </a:ln>
+        </p:spPr>
+        <p:style>
+          <a:lnRef idx="1">
+            <a:schemeClr val="accent1"/>
+          </a:lnRef>
+          <a:fillRef idx="0">
+            <a:schemeClr val="accent1"/>
+          </a:fillRef>
+          <a:effectRef idx="0">
+            <a:schemeClr val="accent1"/>
+          </a:effectRef>
+          <a:fontRef idx="minor">
+            <a:schemeClr val="tx1"/>
+          </a:fontRef>
+        </p:style>
+      </p:cxnSp>
+      <p:pic>
+        <p:nvPicPr>
+          <p:cNvPr id="19" name="图片 18">
+            <a:extLst>
+              <a:ext uri="{FF2B5EF4-FFF2-40B4-BE49-F238E27FC236}">
+                <a16:creationId xmlns:a16="http://schemas.microsoft.com/office/drawing/2014/main" id="{50485BCD-09B6-EA4B-80A3-084B8D10C4A5}"/>
+              </a:ext>
+            </a:extLst>
+          </p:cNvPr>
+          <p:cNvPicPr>
+            <a:picLocks noChangeAspect="1"/>
+          </p:cNvPicPr>
+          <p:nvPr/>
+        </p:nvPicPr>
+        <p:blipFill>
+          <a:blip r:embed="rId3"/>
+          <a:stretch>
+            <a:fillRect/>
+          </a:stretch>
+        </p:blipFill>
+        <p:spPr>
+          <a:xfrm>
+            <a:off x="2365836" y="1661557"/>
+            <a:ext cx="569245" cy="434696"/>
+          </a:xfrm>
+          <a:prstGeom prst="rect">
+            <a:avLst/>
+          </a:prstGeom>
+        </p:spPr>
+      </p:pic>
+      <p:pic>
+        <p:nvPicPr>
+          <p:cNvPr id="20" name="图片 19">
+            <a:extLst>
+              <a:ext uri="{FF2B5EF4-FFF2-40B4-BE49-F238E27FC236}">
+                <a16:creationId xmlns:a16="http://schemas.microsoft.com/office/drawing/2014/main" id="{F5F1579F-5A53-6242-BAEA-ED810DFBDC0C}"/>
+              </a:ext>
+            </a:extLst>
+          </p:cNvPr>
+          <p:cNvPicPr>
+            <a:picLocks noChangeAspect="1"/>
+          </p:cNvPicPr>
+          <p:nvPr/>
+        </p:nvPicPr>
+        <p:blipFill>
+          <a:blip r:embed="rId4"/>
+          <a:stretch>
+            <a:fillRect/>
+          </a:stretch>
+        </p:blipFill>
+        <p:spPr>
+          <a:xfrm>
+            <a:off x="3052973" y="1760042"/>
+            <a:ext cx="422396" cy="289008"/>
+          </a:xfrm>
+          <a:prstGeom prst="rect">
+            <a:avLst/>
+          </a:prstGeom>
+        </p:spPr>
+      </p:pic>
+      <p:pic>
+        <p:nvPicPr>
+          <p:cNvPr id="22" name="图片 21">
+            <a:extLst>
+              <a:ext uri="{FF2B5EF4-FFF2-40B4-BE49-F238E27FC236}">
+                <a16:creationId xmlns:a16="http://schemas.microsoft.com/office/drawing/2014/main" id="{5BBE41F9-12D1-E244-854C-3DDC149E3F0F}"/>
+              </a:ext>
+            </a:extLst>
+          </p:cNvPr>
+          <p:cNvPicPr>
+            <a:picLocks noChangeAspect="1"/>
+          </p:cNvPicPr>
+          <p:nvPr/>
+        </p:nvPicPr>
+        <p:blipFill>
+          <a:blip r:embed="rId5"/>
+          <a:stretch>
+            <a:fillRect/>
+          </a:stretch>
+        </p:blipFill>
+        <p:spPr>
+          <a:xfrm>
+            <a:off x="102876" y="1153907"/>
+            <a:ext cx="1411429" cy="1523311"/>
+          </a:xfrm>
+          <a:prstGeom prst="rect">
+            <a:avLst/>
+          </a:prstGeom>
+        </p:spPr>
+      </p:pic>
+      <p:pic>
+        <p:nvPicPr>
+          <p:cNvPr id="3" name="图片 2">
+            <a:extLst>
+              <a:ext uri="{FF2B5EF4-FFF2-40B4-BE49-F238E27FC236}">
+                <a16:creationId xmlns:a16="http://schemas.microsoft.com/office/drawing/2014/main" id="{D33C243D-F11E-D042-BC65-621634FC39C0}"/>
+              </a:ext>
+            </a:extLst>
+          </p:cNvPr>
+          <p:cNvPicPr>
+            <a:picLocks noChangeAspect="1"/>
+          </p:cNvPicPr>
+          <p:nvPr/>
+        </p:nvPicPr>
+        <p:blipFill>
+          <a:blip r:embed="rId6"/>
+          <a:stretch>
+            <a:fillRect/>
+          </a:stretch>
+        </p:blipFill>
+        <p:spPr>
+          <a:xfrm>
+            <a:off x="4469525" y="870511"/>
+            <a:ext cx="972270" cy="967098"/>
+          </a:xfrm>
+          <a:prstGeom prst="rect">
+            <a:avLst/>
+          </a:prstGeom>
+        </p:spPr>
+      </p:pic>
+      <p:pic>
+        <p:nvPicPr>
+          <p:cNvPr id="4" name="图片 3">
+            <a:extLst>
+              <a:ext uri="{FF2B5EF4-FFF2-40B4-BE49-F238E27FC236}">
+                <a16:creationId xmlns:a16="http://schemas.microsoft.com/office/drawing/2014/main" id="{FDA9EC10-23B5-C040-B060-933596C47172}"/>
+              </a:ext>
+            </a:extLst>
+          </p:cNvPr>
+          <p:cNvPicPr>
+            <a:picLocks noChangeAspect="1"/>
+          </p:cNvPicPr>
+          <p:nvPr/>
+        </p:nvPicPr>
+        <p:blipFill>
+          <a:blip r:embed="rId7"/>
+          <a:stretch>
+            <a:fillRect/>
+          </a:stretch>
+        </p:blipFill>
+        <p:spPr>
+          <a:xfrm>
+            <a:off x="4469525" y="1915562"/>
+            <a:ext cx="972270" cy="928518"/>
+          </a:xfrm>
+          <a:prstGeom prst="rect">
+            <a:avLst/>
+          </a:prstGeom>
+        </p:spPr>
+      </p:pic>
+      <p:sp>
+        <p:nvSpPr>
+          <p:cNvPr id="5" name="文本框 4">
+            <a:extLst>
+              <a:ext uri="{FF2B5EF4-FFF2-40B4-BE49-F238E27FC236}">
+                <a16:creationId xmlns:a16="http://schemas.microsoft.com/office/drawing/2014/main" id="{C281EE64-AF90-214B-A7DF-44F8CF4C60DE}"/>
+              </a:ext>
+            </a:extLst>
+          </p:cNvPr>
+          <p:cNvSpPr txBox="1"/>
+          <p:nvPr/>
+        </p:nvSpPr>
+        <p:spPr>
+          <a:xfrm>
+            <a:off x="5394404" y="1489047"/>
+            <a:ext cx="914400" cy="830997"/>
+          </a:xfrm>
+          <a:prstGeom prst="rect">
+            <a:avLst/>
+          </a:prstGeom>
+          <a:noFill/>
+        </p:spPr>
+        <p:txBody>
+          <a:bodyPr wrap="square" rtlCol="0">
+            <a:spAutoFit/>
+          </a:bodyPr>
+          <a:lstStyle/>
+          <a:p>
+            <a:r>
+              <a:rPr kumimoji="1" lang="zh-CN" altLang="en-US" sz="4800" dirty="0"/>
+              <a:t>？</a:t>
+            </a:r>
+          </a:p>
+        </p:txBody>
+      </p:sp>
+      <p:sp>
+        <p:nvSpPr>
+          <p:cNvPr id="23" name="文本框 22">
+            <a:extLst>
+              <a:ext uri="{FF2B5EF4-FFF2-40B4-BE49-F238E27FC236}">
+                <a16:creationId xmlns:a16="http://schemas.microsoft.com/office/drawing/2014/main" id="{B2E9C729-7E2F-E446-9B33-46A0536624D0}"/>
+              </a:ext>
+            </a:extLst>
+          </p:cNvPr>
+          <p:cNvSpPr txBox="1"/>
+          <p:nvPr/>
+        </p:nvSpPr>
+        <p:spPr>
+          <a:xfrm>
+            <a:off x="255208" y="2925589"/>
+            <a:ext cx="5359745" cy="1384995"/>
+          </a:xfrm>
+          <a:prstGeom prst="rect">
+            <a:avLst/>
+          </a:prstGeom>
+          <a:noFill/>
+        </p:spPr>
+        <p:txBody>
+          <a:bodyPr wrap="square" rtlCol="0">
+            <a:spAutoFit/>
+          </a:bodyPr>
+          <a:lstStyle/>
+          <a:p>
+            <a:r>
+              <a:rPr lang="zh-CN" altLang="en-US" sz="1400" dirty="0">
+                <a:solidFill>
+                  <a:schemeClr val="bg1">
+                    <a:lumMod val="50000"/>
+                  </a:schemeClr>
+                </a:solidFill>
+                <a:latin typeface="微软雅黑" panose="020B0503020204020204" charset="-122"/>
+                <a:ea typeface="微软雅黑" panose="020B0503020204020204" charset="-122"/>
+              </a:rPr>
+              <a:t>比如手中有一条样本数据：</a:t>
+            </a:r>
+            <a:endParaRPr lang="en-US" altLang="zh-CN" sz="1400" dirty="0">
+              <a:solidFill>
+                <a:schemeClr val="bg1">
+                  <a:lumMod val="50000"/>
+                </a:schemeClr>
+              </a:solidFill>
+              <a:latin typeface="微软雅黑" panose="020B0503020204020204" charset="-122"/>
+              <a:ea typeface="微软雅黑" panose="020B0503020204020204" charset="-122"/>
+            </a:endParaRPr>
+          </a:p>
+          <a:p>
+            <a:r>
+              <a:rPr lang="en-US" altLang="zh-CN" sz="1400" dirty="0">
+                <a:solidFill>
+                  <a:schemeClr val="bg1">
+                    <a:lumMod val="50000"/>
+                  </a:schemeClr>
+                </a:solidFill>
+                <a:latin typeface="微软雅黑" panose="020B0503020204020204" charset="-122"/>
+                <a:ea typeface="微软雅黑" panose="020B0503020204020204" charset="-122"/>
+              </a:rPr>
+              <a:t>x=177</a:t>
+            </a:r>
+            <a:r>
+              <a:rPr lang="zh-CN" altLang="en-US" sz="1400" dirty="0">
+                <a:solidFill>
+                  <a:schemeClr val="bg1">
+                    <a:lumMod val="50000"/>
+                  </a:schemeClr>
+                </a:solidFill>
+                <a:latin typeface="微软雅黑" panose="020B0503020204020204" charset="-122"/>
+                <a:ea typeface="微软雅黑" panose="020B0503020204020204" charset="-122"/>
+              </a:rPr>
+              <a:t>，</a:t>
+            </a:r>
+            <a:r>
+              <a:rPr lang="en-US" altLang="zh-CN" sz="1400" dirty="0">
+                <a:solidFill>
+                  <a:schemeClr val="bg1">
+                    <a:lumMod val="50000"/>
+                  </a:schemeClr>
+                </a:solidFill>
+                <a:latin typeface="微软雅黑" panose="020B0503020204020204" charset="-122"/>
+                <a:ea typeface="微软雅黑" panose="020B0503020204020204" charset="-122"/>
+              </a:rPr>
+              <a:t>y=1</a:t>
+            </a:r>
+          </a:p>
+          <a:p>
+            <a:r>
+              <a:rPr lang="en-US" altLang="zh-CN" sz="1400" dirty="0">
+                <a:solidFill>
+                  <a:schemeClr val="bg1">
+                    <a:lumMod val="50000"/>
+                  </a:schemeClr>
+                </a:solidFill>
+                <a:latin typeface="微软雅黑" panose="020B0503020204020204" charset="-122"/>
+                <a:ea typeface="微软雅黑" panose="020B0503020204020204" charset="-122"/>
+              </a:rPr>
+              <a:t>177</a:t>
+            </a:r>
+            <a:r>
+              <a:rPr lang="zh-CN" altLang="en-US" sz="1400" dirty="0">
+                <a:solidFill>
+                  <a:schemeClr val="bg1">
+                    <a:lumMod val="50000"/>
+                  </a:schemeClr>
+                </a:solidFill>
+                <a:latin typeface="微软雅黑" panose="020B0503020204020204" charset="-122"/>
+                <a:ea typeface="微软雅黑" panose="020B0503020204020204" charset="-122"/>
+              </a:rPr>
+              <a:t>公分，有女朋友 </a:t>
+            </a:r>
+            <a:endParaRPr lang="en-US" altLang="zh-CN" sz="1400" dirty="0">
+              <a:solidFill>
+                <a:schemeClr val="bg1">
+                  <a:lumMod val="50000"/>
+                </a:schemeClr>
+              </a:solidFill>
+              <a:latin typeface="微软雅黑" panose="020B0503020204020204" charset="-122"/>
+              <a:ea typeface="微软雅黑" panose="020B0503020204020204" charset="-122"/>
+            </a:endParaRPr>
+          </a:p>
+          <a:p>
+            <a:r>
+              <a:rPr lang="zh-CN" altLang="en-US" sz="1400" dirty="0">
+                <a:solidFill>
+                  <a:schemeClr val="bg1">
+                    <a:lumMod val="50000"/>
+                  </a:schemeClr>
+                </a:solidFill>
+                <a:latin typeface="微软雅黑" panose="020B0503020204020204" charset="-122"/>
+                <a:ea typeface="微软雅黑" panose="020B0503020204020204" charset="-122"/>
+              </a:rPr>
+              <a:t>假设我这个神经网络初始权重和偏差都是</a:t>
+            </a:r>
+            <a:r>
+              <a:rPr lang="en-US" altLang="zh-CN" sz="1400" dirty="0">
+                <a:solidFill>
+                  <a:schemeClr val="bg1">
+                    <a:lumMod val="50000"/>
+                  </a:schemeClr>
+                </a:solidFill>
+                <a:latin typeface="微软雅黑" panose="020B0503020204020204" charset="-122"/>
+                <a:ea typeface="微软雅黑" panose="020B0503020204020204" charset="-122"/>
+              </a:rPr>
+              <a:t>0</a:t>
+            </a:r>
+          </a:p>
+          <a:p>
+            <a:r>
+              <a:rPr lang="zh-CN" altLang="en-US" sz="1400" dirty="0">
+                <a:solidFill>
+                  <a:schemeClr val="bg1">
+                    <a:lumMod val="50000"/>
+                  </a:schemeClr>
+                </a:solidFill>
+                <a:latin typeface="微软雅黑" panose="020B0503020204020204" charset="-122"/>
+                <a:ea typeface="微软雅黑" panose="020B0503020204020204" charset="-122"/>
+              </a:rPr>
+              <a:t>那我正向传播的流程是：</a:t>
+            </a:r>
+            <a:endParaRPr lang="en-US" altLang="zh-CN" sz="1400" dirty="0">
+              <a:solidFill>
+                <a:schemeClr val="bg1">
+                  <a:lumMod val="50000"/>
+                </a:schemeClr>
+              </a:solidFill>
+              <a:latin typeface="微软雅黑" panose="020B0503020204020204" charset="-122"/>
+              <a:ea typeface="微软雅黑" panose="020B0503020204020204" charset="-122"/>
+            </a:endParaRPr>
+          </a:p>
+          <a:p>
+            <a:endParaRPr lang="en-US" altLang="zh-CN" sz="1400" dirty="0">
+              <a:solidFill>
+                <a:schemeClr val="bg1">
+                  <a:lumMod val="50000"/>
+                </a:schemeClr>
+              </a:solidFill>
+              <a:latin typeface="微软雅黑" panose="020B0503020204020204" charset="-122"/>
+              <a:ea typeface="微软雅黑" panose="020B0503020204020204" charset="-122"/>
+            </a:endParaRPr>
+          </a:p>
+        </p:txBody>
+      </p:sp>
+      <p:sp>
+        <p:nvSpPr>
+          <p:cNvPr id="25" name="文本框 24">
+            <a:extLst>
+              <a:ext uri="{FF2B5EF4-FFF2-40B4-BE49-F238E27FC236}">
+                <a16:creationId xmlns:a16="http://schemas.microsoft.com/office/drawing/2014/main" id="{D3E7545D-6EBB-CC44-BEDB-317427A2DF22}"/>
+              </a:ext>
+            </a:extLst>
+          </p:cNvPr>
+          <p:cNvSpPr txBox="1"/>
+          <p:nvPr/>
+        </p:nvSpPr>
+        <p:spPr>
+          <a:xfrm>
+            <a:off x="4342378" y="3005021"/>
+            <a:ext cx="5359745" cy="954107"/>
+          </a:xfrm>
+          <a:prstGeom prst="rect">
+            <a:avLst/>
+          </a:prstGeom>
+          <a:noFill/>
+        </p:spPr>
+        <p:txBody>
+          <a:bodyPr wrap="square" rtlCol="0">
+            <a:spAutoFit/>
+          </a:bodyPr>
+          <a:lstStyle/>
+          <a:p>
+            <a:r>
+              <a:rPr lang="zh-CN" altLang="en-US" sz="1400" dirty="0">
+                <a:solidFill>
+                  <a:schemeClr val="bg1">
+                    <a:lumMod val="50000"/>
+                  </a:schemeClr>
+                </a:solidFill>
+                <a:latin typeface="微软雅黑" panose="020B0503020204020204" charset="-122"/>
+                <a:ea typeface="微软雅黑" panose="020B0503020204020204" charset="-122"/>
+              </a:rPr>
+              <a:t>那怎么计算误差呢？</a:t>
+            </a:r>
+            <a:endParaRPr lang="en-US" altLang="zh-CN" sz="1400" dirty="0">
+              <a:solidFill>
+                <a:schemeClr val="bg1">
+                  <a:lumMod val="50000"/>
+                </a:schemeClr>
+              </a:solidFill>
+              <a:latin typeface="微软雅黑" panose="020B0503020204020204" charset="-122"/>
+              <a:ea typeface="微软雅黑" panose="020B0503020204020204" charset="-122"/>
+            </a:endParaRPr>
+          </a:p>
+          <a:p>
+            <a:r>
+              <a:rPr lang="zh-CN" altLang="en-US" sz="1400" dirty="0">
+                <a:solidFill>
+                  <a:schemeClr val="bg1">
+                    <a:lumMod val="50000"/>
+                  </a:schemeClr>
+                </a:solidFill>
+                <a:latin typeface="微软雅黑" panose="020B0503020204020204" charset="-122"/>
+                <a:ea typeface="微软雅黑" panose="020B0503020204020204" charset="-122"/>
+              </a:rPr>
+              <a:t>误差计算也是一个函数用大写的</a:t>
+            </a:r>
+            <a:r>
+              <a:rPr lang="en-US" altLang="zh-CN" sz="1400" dirty="0">
+                <a:solidFill>
+                  <a:schemeClr val="bg1">
+                    <a:lumMod val="50000"/>
+                  </a:schemeClr>
+                </a:solidFill>
+                <a:latin typeface="微软雅黑" panose="020B0503020204020204" charset="-122"/>
+                <a:ea typeface="微软雅黑" panose="020B0503020204020204" charset="-122"/>
+              </a:rPr>
+              <a:t>J</a:t>
+            </a:r>
+            <a:r>
+              <a:rPr lang="zh-CN" altLang="en-US" sz="1400" dirty="0">
+                <a:solidFill>
+                  <a:schemeClr val="bg1">
+                    <a:lumMod val="50000"/>
+                  </a:schemeClr>
+                </a:solidFill>
+                <a:latin typeface="微软雅黑" panose="020B0503020204020204" charset="-122"/>
+                <a:ea typeface="微软雅黑" panose="020B0503020204020204" charset="-122"/>
+              </a:rPr>
+              <a:t>来表示</a:t>
+            </a:r>
+            <a:endParaRPr lang="en-US" altLang="zh-CN" sz="1400" dirty="0">
+              <a:solidFill>
+                <a:schemeClr val="bg1">
+                  <a:lumMod val="50000"/>
+                </a:schemeClr>
+              </a:solidFill>
+              <a:latin typeface="微软雅黑" panose="020B0503020204020204" charset="-122"/>
+              <a:ea typeface="微软雅黑" panose="020B0503020204020204" charset="-122"/>
+            </a:endParaRPr>
+          </a:p>
+          <a:p>
+            <a:r>
+              <a:rPr lang="zh-CN" altLang="en-US" sz="1400" dirty="0">
+                <a:solidFill>
+                  <a:schemeClr val="bg1">
+                    <a:lumMod val="50000"/>
+                  </a:schemeClr>
+                </a:solidFill>
+                <a:latin typeface="微软雅黑" panose="020B0503020204020204" charset="-122"/>
+                <a:ea typeface="微软雅黑" panose="020B0503020204020204" charset="-122"/>
+              </a:rPr>
+              <a:t>计算的方式也有很多种，举两个例子：</a:t>
+            </a:r>
+            <a:endParaRPr lang="en-US" altLang="zh-CN" sz="1400" dirty="0">
+              <a:solidFill>
+                <a:schemeClr val="bg1">
+                  <a:lumMod val="50000"/>
+                </a:schemeClr>
+              </a:solidFill>
+              <a:latin typeface="微软雅黑" panose="020B0503020204020204" charset="-122"/>
+              <a:ea typeface="微软雅黑" panose="020B0503020204020204" charset="-122"/>
+            </a:endParaRPr>
+          </a:p>
+          <a:p>
+            <a:endParaRPr lang="en-US" altLang="zh-CN" sz="1400" dirty="0">
+              <a:solidFill>
+                <a:schemeClr val="bg1">
+                  <a:lumMod val="50000"/>
+                </a:schemeClr>
+              </a:solidFill>
+              <a:latin typeface="微软雅黑" panose="020B0503020204020204" charset="-122"/>
+              <a:ea typeface="微软雅黑" panose="020B0503020204020204" charset="-122"/>
+            </a:endParaRPr>
+          </a:p>
+        </p:txBody>
+      </p:sp>
+      <p:pic>
+        <p:nvPicPr>
+          <p:cNvPr id="26" name="图片 25">
+            <a:extLst>
+              <a:ext uri="{FF2B5EF4-FFF2-40B4-BE49-F238E27FC236}">
+                <a16:creationId xmlns:a16="http://schemas.microsoft.com/office/drawing/2014/main" id="{F8ADABE8-D215-2643-9F80-B0A4BB3943BB}"/>
+              </a:ext>
+            </a:extLst>
+          </p:cNvPr>
+          <p:cNvPicPr>
+            <a:picLocks noChangeAspect="1"/>
+          </p:cNvPicPr>
+          <p:nvPr/>
+        </p:nvPicPr>
+        <p:blipFill>
+          <a:blip r:embed="rId8"/>
+          <a:stretch>
+            <a:fillRect/>
+          </a:stretch>
+        </p:blipFill>
+        <p:spPr>
+          <a:xfrm>
+            <a:off x="4342378" y="3755849"/>
+            <a:ext cx="2400300" cy="812800"/>
+          </a:xfrm>
+          <a:prstGeom prst="rect">
+            <a:avLst/>
+          </a:prstGeom>
+        </p:spPr>
+      </p:pic>
+      <p:sp>
+        <p:nvSpPr>
+          <p:cNvPr id="27" name="文本框 26">
+            <a:extLst>
+              <a:ext uri="{FF2B5EF4-FFF2-40B4-BE49-F238E27FC236}">
+                <a16:creationId xmlns:a16="http://schemas.microsoft.com/office/drawing/2014/main" id="{9BEDF529-7FD9-194A-86CB-3F0CA8C28522}"/>
+              </a:ext>
+            </a:extLst>
+          </p:cNvPr>
+          <p:cNvSpPr txBox="1"/>
+          <p:nvPr/>
+        </p:nvSpPr>
+        <p:spPr>
+          <a:xfrm>
+            <a:off x="4342378" y="4537388"/>
+            <a:ext cx="5359745" cy="738664"/>
+          </a:xfrm>
+          <a:prstGeom prst="rect">
+            <a:avLst/>
+          </a:prstGeom>
+          <a:noFill/>
+        </p:spPr>
+        <p:txBody>
+          <a:bodyPr wrap="square" rtlCol="0">
+            <a:spAutoFit/>
+          </a:bodyPr>
+          <a:lstStyle/>
+          <a:p>
+            <a:r>
+              <a:rPr lang="en-US" altLang="zh-CN" sz="1400" dirty="0">
+                <a:solidFill>
+                  <a:schemeClr val="bg1">
+                    <a:lumMod val="50000"/>
+                  </a:schemeClr>
+                </a:solidFill>
+                <a:latin typeface="微软雅黑" panose="020B0503020204020204" charset="-122"/>
+                <a:ea typeface="微软雅黑" panose="020B0503020204020204" charset="-122"/>
+              </a:rPr>
+              <a:t>J2</a:t>
+            </a:r>
+            <a:r>
+              <a:rPr lang="zh-CN" altLang="en-US" sz="1400" dirty="0">
+                <a:solidFill>
+                  <a:schemeClr val="bg1">
+                    <a:lumMod val="50000"/>
+                  </a:schemeClr>
+                </a:solidFill>
+                <a:latin typeface="微软雅黑" panose="020B0503020204020204" charset="-122"/>
+                <a:ea typeface="微软雅黑" panose="020B0503020204020204" charset="-122"/>
+              </a:rPr>
+              <a:t>其实就是</a:t>
+            </a:r>
+            <a:r>
+              <a:rPr lang="en-US" altLang="zh-CN" sz="1400" dirty="0">
+                <a:solidFill>
+                  <a:schemeClr val="bg1">
+                    <a:lumMod val="50000"/>
+                  </a:schemeClr>
+                </a:solidFill>
+                <a:latin typeface="微软雅黑" panose="020B0503020204020204" charset="-122"/>
+                <a:ea typeface="微软雅黑" panose="020B0503020204020204" charset="-122"/>
+              </a:rPr>
+              <a:t>MSE</a:t>
+            </a:r>
+            <a:r>
+              <a:rPr lang="zh-CN" altLang="en-US" sz="1400" dirty="0">
+                <a:solidFill>
+                  <a:schemeClr val="bg1">
+                    <a:lumMod val="50000"/>
+                  </a:schemeClr>
+                </a:solidFill>
+                <a:latin typeface="微软雅黑" panose="020B0503020204020204" charset="-122"/>
+                <a:ea typeface="微软雅黑" panose="020B0503020204020204" charset="-122"/>
+              </a:rPr>
+              <a:t>（均方误差）更常用，这里我们选用</a:t>
+            </a:r>
+            <a:r>
+              <a:rPr lang="en-US" altLang="zh-CN" sz="1400" dirty="0">
+                <a:solidFill>
+                  <a:schemeClr val="bg1">
+                    <a:lumMod val="50000"/>
+                  </a:schemeClr>
+                </a:solidFill>
+                <a:latin typeface="微软雅黑" panose="020B0503020204020204" charset="-122"/>
+                <a:ea typeface="微软雅黑" panose="020B0503020204020204" charset="-122"/>
+              </a:rPr>
+              <a:t>MSE</a:t>
+            </a:r>
+            <a:r>
+              <a:rPr lang="zh-CN" altLang="en-US" sz="1400" dirty="0">
+                <a:solidFill>
+                  <a:schemeClr val="bg1">
+                    <a:lumMod val="50000"/>
+                  </a:schemeClr>
+                </a:solidFill>
+                <a:latin typeface="微软雅黑" panose="020B0503020204020204" charset="-122"/>
+                <a:ea typeface="微软雅黑" panose="020B0503020204020204" charset="-122"/>
+              </a:rPr>
+              <a:t>作为</a:t>
+            </a:r>
+            <a:r>
+              <a:rPr lang="en-US" altLang="zh-CN" sz="1400" dirty="0">
+                <a:solidFill>
+                  <a:schemeClr val="bg1">
+                    <a:lumMod val="50000"/>
+                  </a:schemeClr>
+                </a:solidFill>
+                <a:latin typeface="微软雅黑" panose="020B0503020204020204" charset="-122"/>
+                <a:ea typeface="微软雅黑" panose="020B0503020204020204" charset="-122"/>
+              </a:rPr>
+              <a:t>Loss</a:t>
+            </a:r>
+            <a:r>
+              <a:rPr lang="zh-CN" altLang="en-US" sz="1400" dirty="0">
+                <a:solidFill>
+                  <a:schemeClr val="bg1">
+                    <a:lumMod val="50000"/>
+                  </a:schemeClr>
+                </a:solidFill>
+                <a:latin typeface="微软雅黑" panose="020B0503020204020204" charset="-122"/>
+                <a:ea typeface="微软雅黑" panose="020B0503020204020204" charset="-122"/>
+              </a:rPr>
+              <a:t>函数，而我们整个神经网络的目标就是</a:t>
+            </a:r>
+            <a:r>
+              <a:rPr lang="zh-CN" altLang="en-US" sz="1400" dirty="0">
+                <a:solidFill>
+                  <a:srgbClr val="FF0000"/>
+                </a:solidFill>
+                <a:latin typeface="微软雅黑" panose="020B0503020204020204" charset="-122"/>
+                <a:ea typeface="微软雅黑" panose="020B0503020204020204" charset="-122"/>
+              </a:rPr>
+              <a:t>让误差值越来越小，</a:t>
+            </a:r>
+            <a:r>
+              <a:rPr lang="zh-CN" altLang="en-US" sz="1400" dirty="0">
+                <a:solidFill>
+                  <a:schemeClr val="bg1">
+                    <a:lumMod val="50000"/>
+                  </a:schemeClr>
+                </a:solidFill>
+                <a:latin typeface="微软雅黑" panose="020B0503020204020204" charset="-122"/>
+                <a:ea typeface="微软雅黑" panose="020B0503020204020204" charset="-122"/>
+              </a:rPr>
+              <a:t>也就是</a:t>
+            </a:r>
+            <a:r>
+              <a:rPr lang="zh-CN" altLang="en-US" sz="1400" dirty="0">
+                <a:solidFill>
+                  <a:srgbClr val="FF0000"/>
+                </a:solidFill>
+                <a:latin typeface="微软雅黑" panose="020B0503020204020204" charset="-122"/>
+                <a:ea typeface="微软雅黑" panose="020B0503020204020204" charset="-122"/>
+              </a:rPr>
+              <a:t>预测值离目标值越来越近</a:t>
+            </a:r>
+            <a:endParaRPr lang="en-US" altLang="zh-CN" sz="1400" dirty="0">
+              <a:solidFill>
+                <a:srgbClr val="FF0000"/>
+              </a:solidFill>
+              <a:latin typeface="微软雅黑" panose="020B0503020204020204" charset="-122"/>
+              <a:ea typeface="微软雅黑" panose="020B0503020204020204" charset="-122"/>
+            </a:endParaRPr>
+          </a:p>
+        </p:txBody>
+      </p:sp>
+      <p:pic>
+        <p:nvPicPr>
+          <p:cNvPr id="28" name="图片 27">
+            <a:extLst>
+              <a:ext uri="{FF2B5EF4-FFF2-40B4-BE49-F238E27FC236}">
+                <a16:creationId xmlns:a16="http://schemas.microsoft.com/office/drawing/2014/main" id="{8706B791-A826-824A-B41A-9937E71CCB72}"/>
+              </a:ext>
+            </a:extLst>
+          </p:cNvPr>
+          <p:cNvPicPr>
+            <a:picLocks noChangeAspect="1"/>
+          </p:cNvPicPr>
+          <p:nvPr/>
+        </p:nvPicPr>
+        <p:blipFill>
+          <a:blip r:embed="rId9"/>
+          <a:stretch>
+            <a:fillRect/>
+          </a:stretch>
+        </p:blipFill>
+        <p:spPr>
+          <a:xfrm>
+            <a:off x="4320076" y="5461699"/>
+            <a:ext cx="3136900" cy="495300"/>
+          </a:xfrm>
+          <a:prstGeom prst="rect">
+            <a:avLst/>
+          </a:prstGeom>
+        </p:spPr>
+      </p:pic>
+      <p:sp>
+        <p:nvSpPr>
+          <p:cNvPr id="29" name="文本框 28">
+            <a:extLst>
+              <a:ext uri="{FF2B5EF4-FFF2-40B4-BE49-F238E27FC236}">
+                <a16:creationId xmlns:a16="http://schemas.microsoft.com/office/drawing/2014/main" id="{64EC6E8B-C7AF-D346-BD8D-C495C3B61E64}"/>
+              </a:ext>
+            </a:extLst>
+          </p:cNvPr>
+          <p:cNvSpPr txBox="1"/>
+          <p:nvPr/>
+        </p:nvSpPr>
+        <p:spPr>
+          <a:xfrm>
+            <a:off x="4342378" y="5243130"/>
+            <a:ext cx="5359745" cy="307777"/>
+          </a:xfrm>
+          <a:prstGeom prst="rect">
+            <a:avLst/>
+          </a:prstGeom>
+          <a:noFill/>
+        </p:spPr>
+        <p:txBody>
+          <a:bodyPr wrap="square" rtlCol="0">
+            <a:spAutoFit/>
+          </a:bodyPr>
+          <a:lstStyle/>
+          <a:p>
+            <a:r>
+              <a:rPr lang="zh-CN" altLang="en-US" sz="1400" dirty="0">
+                <a:solidFill>
+                  <a:schemeClr val="bg1">
+                    <a:lumMod val="50000"/>
+                  </a:schemeClr>
+                </a:solidFill>
+                <a:latin typeface="微软雅黑" panose="020B0503020204020204" charset="-122"/>
+                <a:ea typeface="微软雅黑" panose="020B0503020204020204" charset="-122"/>
+              </a:rPr>
+              <a:t>我们例子的误差如下：</a:t>
+            </a:r>
+            <a:endParaRPr lang="en-US" altLang="zh-CN" sz="1400" dirty="0">
+              <a:solidFill>
+                <a:schemeClr val="bg1">
+                  <a:lumMod val="50000"/>
+                </a:schemeClr>
+              </a:solidFill>
+              <a:latin typeface="微软雅黑" panose="020B0503020204020204" charset="-122"/>
+              <a:ea typeface="微软雅黑" panose="020B0503020204020204" charset="-122"/>
+            </a:endParaRPr>
+          </a:p>
+        </p:txBody>
+      </p:sp>
+      <p:sp>
+        <p:nvSpPr>
+          <p:cNvPr id="30" name="文本框 29">
+            <a:extLst>
+              <a:ext uri="{FF2B5EF4-FFF2-40B4-BE49-F238E27FC236}">
+                <a16:creationId xmlns:a16="http://schemas.microsoft.com/office/drawing/2014/main" id="{2EDD819A-DC72-A34E-92F1-ECCC8C9F5E97}"/>
+              </a:ext>
+            </a:extLst>
+          </p:cNvPr>
+          <p:cNvSpPr txBox="1"/>
+          <p:nvPr/>
+        </p:nvSpPr>
+        <p:spPr>
+          <a:xfrm>
+            <a:off x="255207" y="6243290"/>
+            <a:ext cx="5359745" cy="307777"/>
+          </a:xfrm>
+          <a:prstGeom prst="rect">
+            <a:avLst/>
+          </a:prstGeom>
+          <a:noFill/>
+        </p:spPr>
+        <p:txBody>
+          <a:bodyPr wrap="square" rtlCol="0">
+            <a:spAutoFit/>
+          </a:bodyPr>
+          <a:lstStyle/>
+          <a:p>
+            <a:r>
+              <a:rPr lang="zh-CN" altLang="en-US" sz="1400" dirty="0">
+                <a:solidFill>
+                  <a:schemeClr val="bg1">
+                    <a:lumMod val="50000"/>
+                  </a:schemeClr>
+                </a:solidFill>
+                <a:latin typeface="微软雅黑" panose="020B0503020204020204" charset="-122"/>
+                <a:ea typeface="微软雅黑" panose="020B0503020204020204" charset="-122"/>
+              </a:rPr>
+              <a:t>接下来就是我们的梯度下降法出场了</a:t>
+            </a:r>
+            <a:endParaRPr lang="en-US" altLang="zh-CN" sz="1400" dirty="0">
+              <a:solidFill>
+                <a:schemeClr val="bg1">
+                  <a:lumMod val="50000"/>
+                </a:schemeClr>
+              </a:solidFill>
+              <a:latin typeface="微软雅黑" panose="020B0503020204020204" charset="-122"/>
+              <a:ea typeface="微软雅黑" panose="020B0503020204020204" charset="-122"/>
+            </a:endParaRPr>
+          </a:p>
+        </p:txBody>
+      </p:sp>
+    </p:spTree>
+    <p:extLst>
+      <p:ext uri="{BB962C8B-B14F-4D97-AF65-F5344CB8AC3E}">
+        <p14:creationId xmlns:p14="http://schemas.microsoft.com/office/powerpoint/2010/main" val="4017230977"/>
+      </p:ext>
+    </p:extLst>
+  </p:cSld>
+  <p:clrMapOvr>
+    <a:masterClrMapping/>
+  </p:clrMapOvr>
+  <mc:AlternateContent xmlns:mc="http://schemas.openxmlformats.org/markup-compatibility/2006" xmlns:p14="http://schemas.microsoft.com/office/powerpoint/2010/main">
+    <mc:Choice Requires="p14">
+      <p:transition spd="med" p14:dur="700">
+        <p:fade/>
+      </p:transition>
+    </mc:Choice>
+    <mc:Fallback xmlns="">
+      <p:transition spd="med">
+        <p:fade/>
+      </p:transition>
+    </mc:Fallback>
+  </mc:AlternateContent>
+</p:sld>
+</file>
+
+<file path=ppt/slides/slide21.xml><?xml version="1.0" encoding="utf-8"?>
+<p:sld xmlns:a="http://schemas.openxmlformats.org/drawingml/2006/main" xmlns:r="http://schemas.openxmlformats.org/officeDocument/2006/relationships" xmlns:p="http://schemas.openxmlformats.org/presentationml/2006/main">
+  <p:cSld>
+    <p:spTree>
+      <p:nvGrpSpPr>
+        <p:cNvPr id="1" name=""/>
+        <p:cNvGrpSpPr/>
+        <p:nvPr/>
+      </p:nvGrpSpPr>
+      <p:grpSpPr>
+        <a:xfrm>
+          <a:off x="0" y="0"/>
+          <a:ext cx="0" cy="0"/>
+          <a:chOff x="0" y="0"/>
+          <a:chExt cx="0" cy="0"/>
+        </a:xfrm>
+      </p:grpSpPr>
+      <p:sp>
+        <p:nvSpPr>
+          <p:cNvPr id="6" name="矩形 5">
+            <a:extLst>
+              <a:ext uri="{FF2B5EF4-FFF2-40B4-BE49-F238E27FC236}">
+                <a16:creationId xmlns:a16="http://schemas.microsoft.com/office/drawing/2014/main" id="{6A32B224-18D4-F447-8FFD-6D635C3F2AC4}"/>
+              </a:ext>
+            </a:extLst>
+          </p:cNvPr>
+          <p:cNvSpPr/>
+          <p:nvPr/>
+        </p:nvSpPr>
+        <p:spPr>
+          <a:xfrm>
+            <a:off x="0" y="60523"/>
+            <a:ext cx="2051074" cy="307777"/>
+          </a:xfrm>
+          <a:prstGeom prst="rect">
+            <a:avLst/>
+          </a:prstGeom>
+        </p:spPr>
+        <p:txBody>
+          <a:bodyPr wrap="none">
+            <a:spAutoFit/>
+          </a:bodyPr>
+          <a:lstStyle/>
+          <a:p>
+            <a:r>
+              <a:rPr lang="en-US" altLang="zh-CN" sz="1400" b="1" dirty="0"/>
+              <a:t>PART ONE </a:t>
+            </a:r>
+            <a:r>
+              <a:rPr lang="zh-CN" altLang="en-US" sz="1400" b="1" dirty="0"/>
+              <a:t>深入神经网络</a:t>
+            </a:r>
+          </a:p>
+        </p:txBody>
+      </p:sp>
+      <p:sp>
+        <p:nvSpPr>
+          <p:cNvPr id="7" name="椭圆 6">
+            <a:extLst>
+              <a:ext uri="{FF2B5EF4-FFF2-40B4-BE49-F238E27FC236}">
+                <a16:creationId xmlns:a16="http://schemas.microsoft.com/office/drawing/2014/main" id="{D1812375-66FF-2A4D-A626-13AE40C330A2}"/>
+              </a:ext>
+            </a:extLst>
+          </p:cNvPr>
+          <p:cNvSpPr/>
+          <p:nvPr/>
+        </p:nvSpPr>
+        <p:spPr>
+          <a:xfrm>
+            <a:off x="1966473" y="157740"/>
+            <a:ext cx="130917" cy="113341"/>
+          </a:xfrm>
+          <a:prstGeom prst="ellipse">
+            <a:avLst/>
+          </a:prstGeom>
+          <a:solidFill>
+            <a:srgbClr val="FF0000"/>
+          </a:solidFill>
+          <a:ln>
+            <a:noFill/>
+          </a:ln>
+        </p:spPr>
+        <p:style>
+          <a:lnRef idx="2">
+            <a:schemeClr val="accent1">
+              <a:shade val="50000"/>
+            </a:schemeClr>
+          </a:lnRef>
+          <a:fillRef idx="1">
+            <a:schemeClr val="accent1"/>
+          </a:fillRef>
+          <a:effectRef idx="0">
+            <a:schemeClr val="accent1"/>
+          </a:effectRef>
+          <a:fontRef idx="minor">
+            <a:schemeClr val="lt1"/>
+          </a:fontRef>
+        </p:style>
+        <p:txBody>
+          <a:bodyPr rot="0" spcFirstLastPara="0" vertOverflow="overflow" horzOverflow="overflow" vert="horz" wrap="square" lIns="91440" tIns="45720" rIns="91440" bIns="45720" numCol="1" spcCol="0" rtlCol="0" fromWordArt="0" anchor="ctr" anchorCtr="0" forceAA="0" compatLnSpc="1">
+            <a:noAutofit/>
+          </a:bodyPr>
+          <a:lstStyle/>
+          <a:p>
+            <a:pPr algn="ctr"/>
+            <a:endParaRPr lang="zh-CN" altLang="en-US" sz="4400"/>
+          </a:p>
+        </p:txBody>
+      </p:sp>
+    </p:spTree>
+    <p:extLst>
+      <p:ext uri="{BB962C8B-B14F-4D97-AF65-F5344CB8AC3E}">
+        <p14:creationId xmlns:p14="http://schemas.microsoft.com/office/powerpoint/2010/main" val="1036950366"/>
+      </p:ext>
+    </p:extLst>
+  </p:cSld>
+  <p:clrMapOvr>
+    <a:masterClrMapping/>
+  </p:clrMapOvr>
+  <mc:AlternateContent xmlns:mc="http://schemas.openxmlformats.org/markup-compatibility/2006" xmlns:p14="http://schemas.microsoft.com/office/powerpoint/2010/main">
+    <mc:Choice Requires="p14">
+      <p:transition spd="med" p14:dur="700">
+        <p:fade/>
+      </p:transition>
+    </mc:Choice>
+    <mc:Fallback xmlns="">
+      <p:transition spd="med">
+        <p:fade/>
+      </p:transition>
+    </mc:Fallback>
+  </mc:AlternateContent>
+</p:sld>
+</file>
+
+<file path=ppt/slides/slide22.xml><?xml version="1.0" encoding="utf-8"?>
+<p:sld xmlns:a="http://schemas.openxmlformats.org/drawingml/2006/main" xmlns:r="http://schemas.openxmlformats.org/officeDocument/2006/relationships" xmlns:p="http://schemas.openxmlformats.org/presentationml/2006/main">
+  <p:cSld>
+    <p:spTree>
+      <p:nvGrpSpPr>
+        <p:cNvPr id="1" name=""/>
+        <p:cNvGrpSpPr/>
+        <p:nvPr/>
+      </p:nvGrpSpPr>
+      <p:grpSpPr>
+        <a:xfrm>
+          <a:off x="0" y="0"/>
+          <a:ext cx="0" cy="0"/>
+          <a:chOff x="0" y="0"/>
+          <a:chExt cx="0" cy="0"/>
+        </a:xfrm>
+      </p:grpSpPr>
+      <p:sp>
+        <p:nvSpPr>
+          <p:cNvPr id="2" name="文本框 1"/>
+          <p:cNvSpPr txBox="1"/>
+          <p:nvPr/>
+        </p:nvSpPr>
+        <p:spPr>
+          <a:xfrm>
+            <a:off x="4294927" y="3280457"/>
+            <a:ext cx="3602146" cy="880306"/>
+          </a:xfrm>
+          <a:prstGeom prst="rect">
+            <a:avLst/>
+          </a:prstGeom>
+          <a:noFill/>
+        </p:spPr>
+        <p:txBody>
+          <a:bodyPr wrap="square" rtlCol="0">
+            <a:spAutoFit/>
+          </a:bodyPr>
+          <a:lstStyle/>
+          <a:p>
+            <a:pPr algn="ctr" defTabSz="608965">
+              <a:lnSpc>
+                <a:spcPct val="130000"/>
+              </a:lnSpc>
+            </a:pPr>
+            <a:r>
+              <a:rPr lang="en-US" altLang="zh-CN" sz="4400" b="1" dirty="0">
+                <a:latin typeface="+mj-lt"/>
+                <a:ea typeface="微软雅黑" panose="020B0503020204020204" charset="-122"/>
+              </a:rPr>
+              <a:t>PART TWO</a:t>
+            </a:r>
+          </a:p>
+        </p:txBody>
+      </p:sp>
+      <p:sp>
+        <p:nvSpPr>
+          <p:cNvPr id="3" name="文本框 2"/>
+          <p:cNvSpPr txBox="1"/>
+          <p:nvPr/>
+        </p:nvSpPr>
+        <p:spPr>
+          <a:xfrm>
+            <a:off x="3624569" y="2419773"/>
+            <a:ext cx="4942862" cy="1191416"/>
+          </a:xfrm>
+          <a:prstGeom prst="rect">
+            <a:avLst/>
+          </a:prstGeom>
+          <a:noFill/>
+        </p:spPr>
+        <p:txBody>
+          <a:bodyPr wrap="square" rtlCol="0">
+            <a:spAutoFit/>
+          </a:bodyPr>
+          <a:lstStyle/>
+          <a:p>
+            <a:pPr algn="ctr" defTabSz="608965">
+              <a:lnSpc>
+                <a:spcPct val="130000"/>
+              </a:lnSpc>
+            </a:pPr>
+            <a:r>
+              <a:rPr lang="zh-CN" altLang="en-US" sz="6000" dirty="0">
+                <a:latin typeface="+mj-lt"/>
+                <a:ea typeface="微软雅黑" panose="020B0503020204020204" charset="-122"/>
+              </a:rPr>
+              <a:t>深入神经网络</a:t>
+            </a:r>
+          </a:p>
+        </p:txBody>
+      </p:sp>
+      <p:sp>
+        <p:nvSpPr>
+          <p:cNvPr id="4" name="矩形 3"/>
+          <p:cNvSpPr/>
+          <p:nvPr/>
+        </p:nvSpPr>
+        <p:spPr>
+          <a:xfrm>
+            <a:off x="4889817" y="4139690"/>
+            <a:ext cx="2412366" cy="113341"/>
+          </a:xfrm>
+          <a:prstGeom prst="rect">
+            <a:avLst/>
+          </a:prstGeom>
+          <a:solidFill>
+            <a:srgbClr val="FFC000"/>
+          </a:solidFill>
+          <a:ln>
+            <a:noFill/>
+          </a:ln>
+        </p:spPr>
+        <p:style>
+          <a:lnRef idx="2">
+            <a:schemeClr val="accent1">
+              <a:shade val="50000"/>
+            </a:schemeClr>
+          </a:lnRef>
+          <a:fillRef idx="1">
+            <a:schemeClr val="accent1"/>
+          </a:fillRef>
+          <a:effectRef idx="0">
+            <a:schemeClr val="accent1"/>
+          </a:effectRef>
+          <a:fontRef idx="minor">
+            <a:schemeClr val="lt1"/>
+          </a:fontRef>
+        </p:style>
+        <p:txBody>
+          <a:bodyPr rot="0" spcFirstLastPara="0" vertOverflow="overflow" horzOverflow="overflow" vert="horz" wrap="square" lIns="91440" tIns="45720" rIns="91440" bIns="45720" numCol="1" spcCol="0" rtlCol="0" fromWordArt="0" anchor="ctr" anchorCtr="0" forceAA="0" compatLnSpc="1">
+            <a:noAutofit/>
+          </a:bodyPr>
+          <a:lstStyle/>
+          <a:p>
+            <a:pPr algn="ctr"/>
+            <a:endParaRPr lang="zh-CN" altLang="en-US" sz="4400"/>
+          </a:p>
+        </p:txBody>
+      </p:sp>
+    </p:spTree>
+  </p:cSld>
+  <p:clrMapOvr>
+    <a:masterClrMapping/>
+  </p:clrMapOvr>
+  <p:transition spd="slow">
+    <p:push dir="u"/>
+  </p:transition>
+</p:sld>
+</file>
+
+<file path=ppt/slides/slide23.xml><?xml version="1.0" encoding="utf-8"?>
+<p:sld xmlns:a="http://schemas.openxmlformats.org/drawingml/2006/main" xmlns:r="http://schemas.openxmlformats.org/officeDocument/2006/relationships" xmlns:p="http://schemas.openxmlformats.org/presentationml/2006/main">
+  <p:cSld>
+    <p:spTree>
+      <p:nvGrpSpPr>
+        <p:cNvPr id="1" name=""/>
+        <p:cNvGrpSpPr/>
+        <p:nvPr/>
+      </p:nvGrpSpPr>
+      <p:grpSpPr>
+        <a:xfrm>
+          <a:off x="0" y="0"/>
+          <a:ext cx="0" cy="0"/>
+          <a:chOff x="0" y="0"/>
+          <a:chExt cx="0" cy="0"/>
+        </a:xfrm>
+      </p:grpSpPr>
       <p:sp>
         <p:nvSpPr>
           <p:cNvPr id="4" name="矩形 3">
@@ -20149,7 +22844,7 @@
 </p:sld>
 </file>
 
-<file path=ppt/slides/slide21.xml><?xml version="1.0" encoding="utf-8"?>
+<file path=ppt/slides/slide24.xml><?xml version="1.0" encoding="utf-8"?>
 <p:sld xmlns:a="http://schemas.openxmlformats.org/drawingml/2006/main" xmlns:r="http://schemas.openxmlformats.org/officeDocument/2006/relationships" xmlns:p="http://schemas.openxmlformats.org/presentationml/2006/main">
   <p:cSld>
     <p:spTree>
@@ -23270,7 +25965,7 @@
 </p:sld>
 </file>
 
-<file path=ppt/slides/slide22.xml><?xml version="1.0" encoding="utf-8"?>
+<file path=ppt/slides/slide25.xml><?xml version="1.0" encoding="utf-8"?>
 <p:sld xmlns:a="http://schemas.openxmlformats.org/drawingml/2006/main" xmlns:r="http://schemas.openxmlformats.org/officeDocument/2006/relationships" xmlns:p="http://schemas.openxmlformats.org/presentationml/2006/main">
   <p:cSld>
     <p:spTree>
@@ -23470,7 +26165,7 @@
 </p:sld>
 </file>
 
-<file path=ppt/slides/slide23.xml><?xml version="1.0" encoding="utf-8"?>
+<file path=ppt/slides/slide26.xml><?xml version="1.0" encoding="utf-8"?>
 <p:sld xmlns:a="http://schemas.openxmlformats.org/drawingml/2006/main" xmlns:r="http://schemas.openxmlformats.org/officeDocument/2006/relationships" xmlns:p="http://schemas.openxmlformats.org/presentationml/2006/main">
   <p:cSld>
     <p:spTree>
@@ -25689,7 +28384,7 @@
 </p:sld>
 </file>
 
-<file path=ppt/slides/slide24.xml><?xml version="1.0" encoding="utf-8"?>
+<file path=ppt/slides/slide27.xml><?xml version="1.0" encoding="utf-8"?>
 <p:sld xmlns:a="http://schemas.openxmlformats.org/drawingml/2006/main" xmlns:r="http://schemas.openxmlformats.org/officeDocument/2006/relationships" xmlns:p="http://schemas.openxmlformats.org/presentationml/2006/main">
   <p:cSld>
     <p:spTree>
@@ -26272,7 +28967,7 @@
 </p:sld>
 </file>
 
-<file path=ppt/slides/slide25.xml><?xml version="1.0" encoding="utf-8"?>
+<file path=ppt/slides/slide28.xml><?xml version="1.0" encoding="utf-8"?>
 <p:sld xmlns:a="http://schemas.openxmlformats.org/drawingml/2006/main" xmlns:r="http://schemas.openxmlformats.org/officeDocument/2006/relationships" xmlns:p="http://schemas.openxmlformats.org/presentationml/2006/main">
   <p:cSld>
     <p:spTree>
@@ -26880,7 +29575,7 @@
 </p:sld>
 </file>
 
-<file path=ppt/slides/slide26.xml><?xml version="1.0" encoding="utf-8"?>
+<file path=ppt/slides/slide29.xml><?xml version="1.0" encoding="utf-8"?>
 <p:sld xmlns:a="http://schemas.openxmlformats.org/drawingml/2006/main" xmlns:r="http://schemas.openxmlformats.org/officeDocument/2006/relationships" xmlns:p="http://schemas.openxmlformats.org/presentationml/2006/main">
   <p:cSld>
     <p:spTree>
@@ -27066,7 +29761,175 @@
 </p:sld>
 </file>
 
-<file path=ppt/slides/slide27.xml><?xml version="1.0" encoding="utf-8"?>
+<file path=ppt/slides/slide3.xml><?xml version="1.0" encoding="utf-8"?>
+<p:sld xmlns:a="http://schemas.openxmlformats.org/drawingml/2006/main" xmlns:r="http://schemas.openxmlformats.org/officeDocument/2006/relationships" xmlns:p="http://schemas.openxmlformats.org/presentationml/2006/main">
+  <p:cSld>
+    <p:spTree>
+      <p:nvGrpSpPr>
+        <p:cNvPr id="1" name=""/>
+        <p:cNvGrpSpPr/>
+        <p:nvPr/>
+      </p:nvGrpSpPr>
+      <p:grpSpPr>
+        <a:xfrm>
+          <a:off x="0" y="0"/>
+          <a:ext cx="0" cy="0"/>
+          <a:chOff x="0" y="0"/>
+          <a:chExt cx="0" cy="0"/>
+        </a:xfrm>
+      </p:grpSpPr>
+      <p:sp>
+        <p:nvSpPr>
+          <p:cNvPr id="2" name="文本框 1"/>
+          <p:cNvSpPr txBox="1"/>
+          <p:nvPr/>
+        </p:nvSpPr>
+        <p:spPr>
+          <a:xfrm>
+            <a:off x="4294927" y="3280457"/>
+            <a:ext cx="3602146" cy="880306"/>
+          </a:xfrm>
+          <a:prstGeom prst="rect">
+            <a:avLst/>
+          </a:prstGeom>
+          <a:noFill/>
+        </p:spPr>
+        <p:txBody>
+          <a:bodyPr wrap="square" rtlCol="0">
+            <a:spAutoFit/>
+          </a:bodyPr>
+          <a:lstStyle/>
+          <a:p>
+            <a:pPr algn="ctr" defTabSz="608965">
+              <a:lnSpc>
+                <a:spcPct val="130000"/>
+              </a:lnSpc>
+            </a:pPr>
+            <a:r>
+              <a:rPr lang="en-US" altLang="zh-CN" sz="4400" b="1" dirty="0">
+                <a:latin typeface="+mj-lt"/>
+                <a:ea typeface="微软雅黑" panose="020B0503020204020204" charset="-122"/>
+              </a:rPr>
+              <a:t>PART</a:t>
+            </a:r>
+            <a:r>
+              <a:rPr lang="zh-CN" altLang="en-US" sz="4400" b="1" dirty="0">
+                <a:latin typeface="+mj-lt"/>
+                <a:ea typeface="微软雅黑" panose="020B0503020204020204" charset="-122"/>
+              </a:rPr>
+              <a:t> </a:t>
+            </a:r>
+            <a:r>
+              <a:rPr lang="en-US" altLang="zh-CN" sz="4400" b="1" dirty="0">
+                <a:latin typeface="+mj-lt"/>
+                <a:ea typeface="微软雅黑" panose="020B0503020204020204" charset="-122"/>
+              </a:rPr>
+              <a:t>ONE</a:t>
+            </a:r>
+            <a:endParaRPr lang="zh-CN" altLang="en-US" sz="4400" b="1" dirty="0">
+              <a:latin typeface="+mj-lt"/>
+              <a:ea typeface="微软雅黑" panose="020B0503020204020204" charset="-122"/>
+            </a:endParaRPr>
+          </a:p>
+        </p:txBody>
+      </p:sp>
+      <p:sp>
+        <p:nvSpPr>
+          <p:cNvPr id="3" name="文本框 2"/>
+          <p:cNvSpPr txBox="1"/>
+          <p:nvPr/>
+        </p:nvSpPr>
+        <p:spPr>
+          <a:xfrm>
+            <a:off x="3936733" y="2417412"/>
+            <a:ext cx="4318534" cy="1191416"/>
+          </a:xfrm>
+          <a:prstGeom prst="rect">
+            <a:avLst/>
+          </a:prstGeom>
+          <a:noFill/>
+        </p:spPr>
+        <p:txBody>
+          <a:bodyPr wrap="square" rtlCol="0">
+            <a:spAutoFit/>
+          </a:bodyPr>
+          <a:lstStyle/>
+          <a:p>
+            <a:pPr algn="ctr" defTabSz="608965">
+              <a:lnSpc>
+                <a:spcPct val="130000"/>
+              </a:lnSpc>
+            </a:pPr>
+            <a:r>
+              <a:rPr lang="zh-CN" altLang="en-US" sz="6000" dirty="0">
+                <a:latin typeface="+mj-lt"/>
+                <a:ea typeface="微软雅黑" panose="020B0503020204020204" charset="-122"/>
+              </a:rPr>
+              <a:t>神经网络</a:t>
+            </a:r>
+          </a:p>
+        </p:txBody>
+      </p:sp>
+      <p:sp>
+        <p:nvSpPr>
+          <p:cNvPr id="4" name="矩形 3"/>
+          <p:cNvSpPr/>
+          <p:nvPr/>
+        </p:nvSpPr>
+        <p:spPr>
+          <a:xfrm>
+            <a:off x="4889817" y="4139690"/>
+            <a:ext cx="2412366" cy="113341"/>
+          </a:xfrm>
+          <a:prstGeom prst="rect">
+            <a:avLst/>
+          </a:prstGeom>
+          <a:solidFill>
+            <a:srgbClr val="FF0000"/>
+          </a:solidFill>
+          <a:ln>
+            <a:noFill/>
+          </a:ln>
+        </p:spPr>
+        <p:style>
+          <a:lnRef idx="2">
+            <a:schemeClr val="accent1">
+              <a:shade val="50000"/>
+            </a:schemeClr>
+          </a:lnRef>
+          <a:fillRef idx="1">
+            <a:schemeClr val="accent1"/>
+          </a:fillRef>
+          <a:effectRef idx="0">
+            <a:schemeClr val="accent1"/>
+          </a:effectRef>
+          <a:fontRef idx="minor">
+            <a:schemeClr val="lt1"/>
+          </a:fontRef>
+        </p:style>
+        <p:txBody>
+          <a:bodyPr rot="0" spcFirstLastPara="0" vertOverflow="overflow" horzOverflow="overflow" vert="horz" wrap="square" lIns="91440" tIns="45720" rIns="91440" bIns="45720" numCol="1" spcCol="0" rtlCol="0" fromWordArt="0" anchor="ctr" anchorCtr="0" forceAA="0" compatLnSpc="1">
+            <a:noAutofit/>
+          </a:bodyPr>
+          <a:lstStyle/>
+          <a:p>
+            <a:pPr algn="ctr"/>
+            <a:endParaRPr lang="zh-CN" altLang="en-US" sz="4400"/>
+          </a:p>
+        </p:txBody>
+      </p:sp>
+    </p:spTree>
+  </p:cSld>
+  <p:clrMapOvr>
+    <a:masterClrMapping/>
+  </p:clrMapOvr>
+  <p:transition spd="slow">
+    <p:push dir="u"/>
+  </p:transition>
+</p:sld>
+</file>
+
+<file path=ppt/slides/slide30.xml><?xml version="1.0" encoding="utf-8"?>
 <p:sld xmlns:a="http://schemas.openxmlformats.org/drawingml/2006/main" xmlns:r="http://schemas.openxmlformats.org/officeDocument/2006/relationships" xmlns:p="http://schemas.openxmlformats.org/presentationml/2006/main">
   <p:cSld>
     <p:spTree>
@@ -28434,7 +31297,7 @@
 </p:sld>
 </file>
 
-<file path=ppt/slides/slide28.xml><?xml version="1.0" encoding="utf-8"?>
+<file path=ppt/slides/slide31.xml><?xml version="1.0" encoding="utf-8"?>
 <p:sld xmlns:a="http://schemas.openxmlformats.org/drawingml/2006/main" xmlns:r="http://schemas.openxmlformats.org/officeDocument/2006/relationships" xmlns:p="http://schemas.openxmlformats.org/presentationml/2006/main">
   <p:cSld>
     <p:spTree>
@@ -29307,7 +32170,7 @@
 </p:sld>
 </file>
 
-<file path=ppt/slides/slide29.xml><?xml version="1.0" encoding="utf-8"?>
+<file path=ppt/slides/slide32.xml><?xml version="1.0" encoding="utf-8"?>
 <p:sld xmlns:a="http://schemas.openxmlformats.org/drawingml/2006/main" xmlns:r="http://schemas.openxmlformats.org/officeDocument/2006/relationships" xmlns:p="http://schemas.openxmlformats.org/presentationml/2006/main">
   <p:cSld>
     <p:spTree>
@@ -29493,175 +32356,7 @@
 </p:sld>
 </file>
 
-<file path=ppt/slides/slide3.xml><?xml version="1.0" encoding="utf-8"?>
-<p:sld xmlns:a="http://schemas.openxmlformats.org/drawingml/2006/main" xmlns:r="http://schemas.openxmlformats.org/officeDocument/2006/relationships" xmlns:p="http://schemas.openxmlformats.org/presentationml/2006/main">
-  <p:cSld>
-    <p:spTree>
-      <p:nvGrpSpPr>
-        <p:cNvPr id="1" name=""/>
-        <p:cNvGrpSpPr/>
-        <p:nvPr/>
-      </p:nvGrpSpPr>
-      <p:grpSpPr>
-        <a:xfrm>
-          <a:off x="0" y="0"/>
-          <a:ext cx="0" cy="0"/>
-          <a:chOff x="0" y="0"/>
-          <a:chExt cx="0" cy="0"/>
-        </a:xfrm>
-      </p:grpSpPr>
-      <p:sp>
-        <p:nvSpPr>
-          <p:cNvPr id="2" name="文本框 1"/>
-          <p:cNvSpPr txBox="1"/>
-          <p:nvPr/>
-        </p:nvSpPr>
-        <p:spPr>
-          <a:xfrm>
-            <a:off x="4294927" y="3280457"/>
-            <a:ext cx="3602146" cy="880306"/>
-          </a:xfrm>
-          <a:prstGeom prst="rect">
-            <a:avLst/>
-          </a:prstGeom>
-          <a:noFill/>
-        </p:spPr>
-        <p:txBody>
-          <a:bodyPr wrap="square" rtlCol="0">
-            <a:spAutoFit/>
-          </a:bodyPr>
-          <a:lstStyle/>
-          <a:p>
-            <a:pPr algn="ctr" defTabSz="608965">
-              <a:lnSpc>
-                <a:spcPct val="130000"/>
-              </a:lnSpc>
-            </a:pPr>
-            <a:r>
-              <a:rPr lang="en-US" altLang="zh-CN" sz="4400" b="1" dirty="0">
-                <a:latin typeface="+mj-lt"/>
-                <a:ea typeface="微软雅黑" panose="020B0503020204020204" charset="-122"/>
-              </a:rPr>
-              <a:t>PART</a:t>
-            </a:r>
-            <a:r>
-              <a:rPr lang="zh-CN" altLang="en-US" sz="4400" b="1" dirty="0">
-                <a:latin typeface="+mj-lt"/>
-                <a:ea typeface="微软雅黑" panose="020B0503020204020204" charset="-122"/>
-              </a:rPr>
-              <a:t> </a:t>
-            </a:r>
-            <a:r>
-              <a:rPr lang="en-US" altLang="zh-CN" sz="4400" b="1" dirty="0">
-                <a:latin typeface="+mj-lt"/>
-                <a:ea typeface="微软雅黑" panose="020B0503020204020204" charset="-122"/>
-              </a:rPr>
-              <a:t>ONE</a:t>
-            </a:r>
-            <a:endParaRPr lang="zh-CN" altLang="en-US" sz="4400" b="1" dirty="0">
-              <a:latin typeface="+mj-lt"/>
-              <a:ea typeface="微软雅黑" panose="020B0503020204020204" charset="-122"/>
-            </a:endParaRPr>
-          </a:p>
-        </p:txBody>
-      </p:sp>
-      <p:sp>
-        <p:nvSpPr>
-          <p:cNvPr id="3" name="文本框 2"/>
-          <p:cNvSpPr txBox="1"/>
-          <p:nvPr/>
-        </p:nvSpPr>
-        <p:spPr>
-          <a:xfrm>
-            <a:off x="3936733" y="2417412"/>
-            <a:ext cx="4318534" cy="1191416"/>
-          </a:xfrm>
-          <a:prstGeom prst="rect">
-            <a:avLst/>
-          </a:prstGeom>
-          <a:noFill/>
-        </p:spPr>
-        <p:txBody>
-          <a:bodyPr wrap="square" rtlCol="0">
-            <a:spAutoFit/>
-          </a:bodyPr>
-          <a:lstStyle/>
-          <a:p>
-            <a:pPr algn="ctr" defTabSz="608965">
-              <a:lnSpc>
-                <a:spcPct val="130000"/>
-              </a:lnSpc>
-            </a:pPr>
-            <a:r>
-              <a:rPr lang="zh-CN" altLang="en-US" sz="6000" dirty="0">
-                <a:latin typeface="+mj-lt"/>
-                <a:ea typeface="微软雅黑" panose="020B0503020204020204" charset="-122"/>
-              </a:rPr>
-              <a:t>神经网络</a:t>
-            </a:r>
-          </a:p>
-        </p:txBody>
-      </p:sp>
-      <p:sp>
-        <p:nvSpPr>
-          <p:cNvPr id="4" name="矩形 3"/>
-          <p:cNvSpPr/>
-          <p:nvPr/>
-        </p:nvSpPr>
-        <p:spPr>
-          <a:xfrm>
-            <a:off x="4889817" y="4139690"/>
-            <a:ext cx="2412366" cy="113341"/>
-          </a:xfrm>
-          <a:prstGeom prst="rect">
-            <a:avLst/>
-          </a:prstGeom>
-          <a:solidFill>
-            <a:srgbClr val="FF0000"/>
-          </a:solidFill>
-          <a:ln>
-            <a:noFill/>
-          </a:ln>
-        </p:spPr>
-        <p:style>
-          <a:lnRef idx="2">
-            <a:schemeClr val="accent1">
-              <a:shade val="50000"/>
-            </a:schemeClr>
-          </a:lnRef>
-          <a:fillRef idx="1">
-            <a:schemeClr val="accent1"/>
-          </a:fillRef>
-          <a:effectRef idx="0">
-            <a:schemeClr val="accent1"/>
-          </a:effectRef>
-          <a:fontRef idx="minor">
-            <a:schemeClr val="lt1"/>
-          </a:fontRef>
-        </p:style>
-        <p:txBody>
-          <a:bodyPr rot="0" spcFirstLastPara="0" vertOverflow="overflow" horzOverflow="overflow" vert="horz" wrap="square" lIns="91440" tIns="45720" rIns="91440" bIns="45720" numCol="1" spcCol="0" rtlCol="0" fromWordArt="0" anchor="ctr" anchorCtr="0" forceAA="0" compatLnSpc="1">
-            <a:noAutofit/>
-          </a:bodyPr>
-          <a:lstStyle/>
-          <a:p>
-            <a:pPr algn="ctr"/>
-            <a:endParaRPr lang="zh-CN" altLang="en-US" sz="4400"/>
-          </a:p>
-        </p:txBody>
-      </p:sp>
-    </p:spTree>
-  </p:cSld>
-  <p:clrMapOvr>
-    <a:masterClrMapping/>
-  </p:clrMapOvr>
-  <p:transition spd="slow">
-    <p:push dir="u"/>
-  </p:transition>
-</p:sld>
-</file>
-
-<file path=ppt/slides/slide30.xml><?xml version="1.0" encoding="utf-8"?>
+<file path=ppt/slides/slide33.xml><?xml version="1.0" encoding="utf-8"?>
 <p:sld xmlns:a="http://schemas.openxmlformats.org/drawingml/2006/main" xmlns:r="http://schemas.openxmlformats.org/officeDocument/2006/relationships" xmlns:p="http://schemas.openxmlformats.org/presentationml/2006/main">
   <p:cSld>
     <p:spTree>
@@ -33275,7 +35970,7 @@
 </p:sld>
 </file>
 
-<file path=ppt/slides/slide31.xml><?xml version="1.0" encoding="utf-8"?>
+<file path=ppt/slides/slide34.xml><?xml version="1.0" encoding="utf-8"?>
 <p:sld xmlns:a="http://schemas.openxmlformats.org/drawingml/2006/main" xmlns:r="http://schemas.openxmlformats.org/officeDocument/2006/relationships" xmlns:p="http://schemas.openxmlformats.org/presentationml/2006/main">
   <p:cSld>
     <p:spTree>
@@ -35049,7 +37744,7 @@
 </p:sld>
 </file>
 
-<file path=ppt/slides/slide32.xml><?xml version="1.0" encoding="utf-8"?>
+<file path=ppt/slides/slide35.xml><?xml version="1.0" encoding="utf-8"?>
 <p:sld xmlns:a="http://schemas.openxmlformats.org/drawingml/2006/main" xmlns:r="http://schemas.openxmlformats.org/officeDocument/2006/relationships" xmlns:p="http://schemas.openxmlformats.org/presentationml/2006/main">
   <p:cSld>
     <p:spTree>
@@ -35235,7 +37930,7 @@
 </p:sld>
 </file>
 
-<file path=ppt/slides/slide33.xml><?xml version="1.0" encoding="utf-8"?>
+<file path=ppt/slides/slide36.xml><?xml version="1.0" encoding="utf-8"?>
 <p:sld xmlns:a="http://schemas.openxmlformats.org/drawingml/2006/main" xmlns:r="http://schemas.openxmlformats.org/officeDocument/2006/relationships" xmlns:p="http://schemas.openxmlformats.org/presentationml/2006/main">
   <p:cSld>
     <p:spTree>
@@ -36563,7 +39258,7 @@
 </p:sld>
 </file>
 
-<file path=ppt/slides/slide34.xml><?xml version="1.0" encoding="utf-8"?>
+<file path=ppt/slides/slide37.xml><?xml version="1.0" encoding="utf-8"?>
 <p:sld xmlns:a="http://schemas.openxmlformats.org/drawingml/2006/main" xmlns:r="http://schemas.openxmlformats.org/officeDocument/2006/relationships" xmlns:p="http://schemas.openxmlformats.org/presentationml/2006/main">
   <p:cSld>
     <p:spTree>
@@ -37254,7 +39949,7 @@
 </p:sld>
 </file>
 
-<file path=ppt/slides/slide35.xml><?xml version="1.0" encoding="utf-8"?>
+<file path=ppt/slides/slide38.xml><?xml version="1.0" encoding="utf-8"?>
 <p:sld xmlns:a="http://schemas.openxmlformats.org/drawingml/2006/main" xmlns:r="http://schemas.openxmlformats.org/officeDocument/2006/relationships" xmlns:p="http://schemas.openxmlformats.org/presentationml/2006/main">
   <p:cSld>
     <p:spTree>

--- a/机器学习分享-神经网络.pptx
+++ b/机器学习分享-神经网络.pptx
@@ -6,7 +6,7 @@
     <p:sldMasterId id="2147483656" r:id="rId2"/>
   </p:sldMasterIdLst>
   <p:notesMasterIdLst>
-    <p:notesMasterId r:id="rId41"/>
+    <p:notesMasterId r:id="rId50"/>
   </p:notesMasterIdLst>
   <p:sldIdLst>
     <p:sldId id="259" r:id="rId3"/>
@@ -30,23 +30,32 @@
     <p:sldId id="306" r:id="rId21"/>
     <p:sldId id="307" r:id="rId22"/>
     <p:sldId id="308" r:id="rId23"/>
-    <p:sldId id="267" r:id="rId24"/>
-    <p:sldId id="296" r:id="rId25"/>
-    <p:sldId id="278" r:id="rId26"/>
-    <p:sldId id="268" r:id="rId27"/>
-    <p:sldId id="279" r:id="rId28"/>
-    <p:sldId id="280" r:id="rId29"/>
-    <p:sldId id="281" r:id="rId30"/>
-    <p:sldId id="269" r:id="rId31"/>
-    <p:sldId id="283" r:id="rId32"/>
-    <p:sldId id="282" r:id="rId33"/>
-    <p:sldId id="270" r:id="rId34"/>
-    <p:sldId id="285" r:id="rId35"/>
-    <p:sldId id="287" r:id="rId36"/>
-    <p:sldId id="271" r:id="rId37"/>
-    <p:sldId id="288" r:id="rId38"/>
-    <p:sldId id="272" r:id="rId39"/>
-    <p:sldId id="289" r:id="rId40"/>
+    <p:sldId id="309" r:id="rId24"/>
+    <p:sldId id="310" r:id="rId25"/>
+    <p:sldId id="311" r:id="rId26"/>
+    <p:sldId id="312" r:id="rId27"/>
+    <p:sldId id="313" r:id="rId28"/>
+    <p:sldId id="314" r:id="rId29"/>
+    <p:sldId id="315" r:id="rId30"/>
+    <p:sldId id="316" r:id="rId31"/>
+    <p:sldId id="317" r:id="rId32"/>
+    <p:sldId id="267" r:id="rId33"/>
+    <p:sldId id="296" r:id="rId34"/>
+    <p:sldId id="278" r:id="rId35"/>
+    <p:sldId id="268" r:id="rId36"/>
+    <p:sldId id="279" r:id="rId37"/>
+    <p:sldId id="280" r:id="rId38"/>
+    <p:sldId id="281" r:id="rId39"/>
+    <p:sldId id="269" r:id="rId40"/>
+    <p:sldId id="283" r:id="rId41"/>
+    <p:sldId id="282" r:id="rId42"/>
+    <p:sldId id="270" r:id="rId43"/>
+    <p:sldId id="285" r:id="rId44"/>
+    <p:sldId id="287" r:id="rId45"/>
+    <p:sldId id="271" r:id="rId46"/>
+    <p:sldId id="288" r:id="rId47"/>
+    <p:sldId id="272" r:id="rId48"/>
+    <p:sldId id="289" r:id="rId49"/>
   </p:sldIdLst>
   <p:sldSz cx="12192000" cy="6858000"/>
   <p:notesSz cx="6858000" cy="9144000"/>
@@ -2136,7 +2145,7 @@
           <a:p>
             <a:fld id="{526E8A47-3D46-4DC9-AB0D-52AB6CF44A06}" type="datetimeFigureOut">
               <a:rPr lang="zh-CN" altLang="en-US" smtClean="0"/>
-              <a:t>2018/12/29</a:t>
+              <a:t>2019/1/2</a:t>
             </a:fld>
             <a:endParaRPr lang="zh-CN" altLang="en-US"/>
           </a:p>
@@ -2619,7 +2628,7 @@
                 </a:solidFill>
               </a:rPr>
               <a:pPr/>
-              <a:t>2018/12/29</a:t>
+              <a:t>2019/1/2</a:t>
             </a:fld>
             <a:endParaRPr lang="zh-CN" altLang="en-US">
               <a:solidFill>
@@ -2936,7 +2945,7 @@
                 </a:solidFill>
               </a:rPr>
               <a:pPr/>
-              <a:t>2018/12/29</a:t>
+              <a:t>2019/1/2</a:t>
             </a:fld>
             <a:endParaRPr lang="zh-CN" altLang="en-US">
               <a:solidFill>
@@ -3387,7 +3396,7 @@
                 </a:solidFill>
               </a:rPr>
               <a:pPr/>
-              <a:t>2018/12/29</a:t>
+              <a:t>2019/1/2</a:t>
             </a:fld>
             <a:endParaRPr lang="zh-CN" altLang="en-US">
               <a:solidFill>
@@ -3536,7 +3545,7 @@
                 </a:solidFill>
               </a:rPr>
               <a:pPr/>
-              <a:t>2018/12/29</a:t>
+              <a:t>2019/1/2</a:t>
             </a:fld>
             <a:endParaRPr lang="zh-CN" altLang="en-US">
               <a:solidFill>
@@ -3663,7 +3672,7 @@
                 </a:solidFill>
               </a:rPr>
               <a:pPr/>
-              <a:t>2018/12/29</a:t>
+              <a:t>2019/1/2</a:t>
             </a:fld>
             <a:endParaRPr lang="zh-CN" altLang="en-US">
               <a:solidFill>
@@ -3970,7 +3979,7 @@
                 </a:solidFill>
               </a:rPr>
               <a:pPr/>
-              <a:t>2018/12/29</a:t>
+              <a:t>2019/1/2</a:t>
             </a:fld>
             <a:endParaRPr lang="zh-CN" altLang="en-US">
               <a:solidFill>
@@ -4254,7 +4263,7 @@
                 </a:solidFill>
               </a:rPr>
               <a:pPr/>
-              <a:t>2018/12/29</a:t>
+              <a:t>2019/1/2</a:t>
             </a:fld>
             <a:endParaRPr lang="zh-CN" altLang="en-US">
               <a:solidFill>
@@ -4454,7 +4463,7 @@
                 </a:solidFill>
               </a:rPr>
               <a:pPr/>
-              <a:t>2018/12/29</a:t>
+              <a:t>2019/1/2</a:t>
             </a:fld>
             <a:endParaRPr lang="zh-CN" altLang="en-US">
               <a:solidFill>
@@ -4664,7 +4673,7 @@
                 </a:solidFill>
               </a:rPr>
               <a:pPr/>
-              <a:t>2018/12/29</a:t>
+              <a:t>2019/1/2</a:t>
             </a:fld>
             <a:endParaRPr lang="zh-CN" altLang="en-US">
               <a:solidFill>
@@ -5422,7 +5431,7 @@
                 </a:solidFill>
               </a:rPr>
               <a:pPr/>
-              <a:t>2018/12/29</a:t>
+              <a:t>2019/1/2</a:t>
             </a:fld>
             <a:endParaRPr lang="zh-CN" altLang="en-US">
               <a:solidFill>
@@ -5622,7 +5631,7 @@
                 </a:solidFill>
               </a:rPr>
               <a:pPr/>
-              <a:t>2018/12/29</a:t>
+              <a:t>2019/1/2</a:t>
             </a:fld>
             <a:endParaRPr lang="zh-CN" altLang="en-US">
               <a:solidFill>
@@ -6183,7 +6192,7 @@
                 </a:solidFill>
               </a:rPr>
               <a:pPr defTabSz="914400"/>
-              <a:t>2018/12/29</a:t>
+              <a:t>2019/1/2</a:t>
             </a:fld>
             <a:endParaRPr lang="zh-CN" altLang="en-US">
               <a:solidFill>
@@ -9684,6 +9693,36 @@
           </a:prstGeom>
         </p:spPr>
       </p:pic>
+      <p:pic>
+        <p:nvPicPr>
+          <p:cNvPr id="25" name="图片 24">
+            <a:extLst>
+              <a:ext uri="{FF2B5EF4-FFF2-40B4-BE49-F238E27FC236}">
+                <a16:creationId xmlns:a16="http://schemas.microsoft.com/office/drawing/2014/main" id="{A08567CF-F0CA-4649-AF5E-ADBD6CFEB5ED}"/>
+              </a:ext>
+            </a:extLst>
+          </p:cNvPr>
+          <p:cNvPicPr>
+            <a:picLocks noChangeAspect="1"/>
+          </p:cNvPicPr>
+          <p:nvPr/>
+        </p:nvPicPr>
+        <p:blipFill>
+          <a:blip r:embed="rId10"/>
+          <a:stretch>
+            <a:fillRect/>
+          </a:stretch>
+        </p:blipFill>
+        <p:spPr>
+          <a:xfrm>
+            <a:off x="2307344" y="4313210"/>
+            <a:ext cx="2311400" cy="1308100"/>
+          </a:xfrm>
+          <a:prstGeom prst="rect">
+            <a:avLst/>
+          </a:prstGeom>
+        </p:spPr>
+      </p:pic>
     </p:spTree>
     <p:extLst>
       <p:ext uri="{BB962C8B-B14F-4D97-AF65-F5344CB8AC3E}">
@@ -12561,7 +12600,29 @@
                 <a:latin typeface="微软雅黑" panose="020B0503020204020204" charset="-122"/>
                 <a:ea typeface="微软雅黑" panose="020B0503020204020204" charset="-122"/>
               </a:rPr>
-              <a:t>第二种方法：把样本堆叠起来，用线性代数的方法直接计算</a:t>
+              <a:t>第二种方法：把样本堆叠起来，用</a:t>
+            </a:r>
+            <a:r>
+              <a:rPr lang="zh-CN" altLang="en-US" sz="1400" dirty="0">
+                <a:solidFill>
+                  <a:srgbClr val="92D050"/>
+                </a:solidFill>
+                <a:latin typeface="微软雅黑" panose="020B0503020204020204" charset="-122"/>
+                <a:ea typeface="微软雅黑" panose="020B0503020204020204" charset="-122"/>
+              </a:rPr>
+              <a:t>线性代数</a:t>
+            </a:r>
+            <a:r>
+              <a:rPr lang="zh-CN" altLang="en-US" sz="1400" dirty="0">
+                <a:solidFill>
+                  <a:schemeClr val="bg1">
+                    <a:lumMod val="50000"/>
+                  </a:schemeClr>
+                </a:solidFill>
+                <a:latin typeface="微软雅黑" panose="020B0503020204020204" charset="-122"/>
+                <a:ea typeface="微软雅黑" panose="020B0503020204020204" charset="-122"/>
+              </a:rPr>
+              <a:t>的方法直接计算</a:t>
             </a:r>
             <a:endParaRPr lang="en-US" altLang="zh-CN" sz="1400" dirty="0">
               <a:solidFill>
@@ -14312,6 +14373,36 @@
       </p:grpSpPr>
       <p:pic>
         <p:nvPicPr>
+          <p:cNvPr id="2" name="图片 1">
+            <a:extLst>
+              <a:ext uri="{FF2B5EF4-FFF2-40B4-BE49-F238E27FC236}">
+                <a16:creationId xmlns:a16="http://schemas.microsoft.com/office/drawing/2014/main" id="{0F228DF2-B91D-1F4A-98C1-DE7E873C0391}"/>
+              </a:ext>
+            </a:extLst>
+          </p:cNvPr>
+          <p:cNvPicPr>
+            <a:picLocks noChangeAspect="1"/>
+          </p:cNvPicPr>
+          <p:nvPr/>
+        </p:nvPicPr>
+        <p:blipFill>
+          <a:blip r:embed="rId2"/>
+          <a:stretch>
+            <a:fillRect/>
+          </a:stretch>
+        </p:blipFill>
+        <p:spPr>
+          <a:xfrm>
+            <a:off x="720189" y="1057022"/>
+            <a:ext cx="4598943" cy="1613137"/>
+          </a:xfrm>
+          <a:prstGeom prst="rect">
+            <a:avLst/>
+          </a:prstGeom>
+        </p:spPr>
+      </p:pic>
+      <p:pic>
+        <p:nvPicPr>
           <p:cNvPr id="206" name="图片 205">
             <a:extLst>
               <a:ext uri="{FF2B5EF4-FFF2-40B4-BE49-F238E27FC236}">
@@ -14325,36 +14416,6 @@
           <p:nvPr/>
         </p:nvPicPr>
         <p:blipFill>
-          <a:blip r:embed="rId2"/>
-          <a:stretch>
-            <a:fillRect/>
-          </a:stretch>
-        </p:blipFill>
-        <p:spPr>
-          <a:xfrm>
-            <a:off x="9171160" y="3717464"/>
-            <a:ext cx="1155700" cy="419100"/>
-          </a:xfrm>
-          <a:prstGeom prst="rect">
-            <a:avLst/>
-          </a:prstGeom>
-        </p:spPr>
-      </p:pic>
-      <p:pic>
-        <p:nvPicPr>
-          <p:cNvPr id="41" name="图片 40">
-            <a:extLst>
-              <a:ext uri="{FF2B5EF4-FFF2-40B4-BE49-F238E27FC236}">
-                <a16:creationId xmlns:a16="http://schemas.microsoft.com/office/drawing/2014/main" id="{BB3CB562-6A1C-1A44-89FD-779C7E8211F7}"/>
-              </a:ext>
-            </a:extLst>
-          </p:cNvPr>
-          <p:cNvPicPr>
-            <a:picLocks noChangeAspect="1"/>
-          </p:cNvPicPr>
-          <p:nvPr/>
-        </p:nvPicPr>
-        <p:blipFill>
           <a:blip r:embed="rId3"/>
           <a:stretch>
             <a:fillRect/>
@@ -14362,8 +14423,8 @@
         </p:blipFill>
         <p:spPr>
           <a:xfrm>
-            <a:off x="645783" y="1073300"/>
-            <a:ext cx="4596780" cy="1544820"/>
+            <a:off x="9171160" y="3717464"/>
+            <a:ext cx="1155700" cy="419100"/>
           </a:xfrm>
           <a:prstGeom prst="rect">
             <a:avLst/>
@@ -19596,8 +19657,8 @@
           </a:p>
         </p:txBody>
       </p:sp>
-      <mc:AlternateContent xmlns:mc="http://schemas.openxmlformats.org/markup-compatibility/2006">
-        <mc:Choice xmlns:a14="http://schemas.microsoft.com/office/drawing/2010/main" Requires="a14">
+      <mc:AlternateContent xmlns:mc="http://schemas.openxmlformats.org/markup-compatibility/2006" xmlns:a14="http://schemas.microsoft.com/office/drawing/2010/main">
+        <mc:Choice Requires="a14">
           <p:sp>
             <p:nvSpPr>
               <p:cNvPr id="9" name="文本框 8">
@@ -20011,7 +20072,7 @@
             </p:txBody>
           </p:sp>
         </mc:Choice>
-        <mc:Fallback>
+        <mc:Fallback xmlns="">
           <p:sp>
             <p:nvSpPr>
               <p:cNvPr id="9" name="文本框 8">
@@ -20493,7 +20554,7 @@
                 <a:latin typeface="微软雅黑" panose="020B0503020204020204" charset="-122"/>
                 <a:ea typeface="微软雅黑" panose="020B0503020204020204" charset="-122"/>
               </a:rPr>
-              <a:t>就是函数当前点的导数加上小步长的迭代搜索，以找到函数的极小（大）值，</a:t>
+              <a:t>就是函数当前点的导数加上小步长的迭代搜索，以找到函数的极小（大）值</a:t>
             </a:r>
             <a:endParaRPr lang="en-US" altLang="zh-CN" sz="1400" dirty="0">
               <a:solidFill>
@@ -21209,7 +21270,7 @@
         </p:blipFill>
         <p:spPr>
           <a:xfrm>
-            <a:off x="192390" y="3974409"/>
+            <a:off x="192390" y="4063714"/>
             <a:ext cx="3810000" cy="1346200"/>
           </a:xfrm>
           <a:prstGeom prst="rect">
@@ -21768,7 +21829,7 @@
         <p:spPr>
           <a:xfrm>
             <a:off x="255208" y="2925589"/>
-            <a:ext cx="5359745" cy="1384995"/>
+            <a:ext cx="5359745" cy="1169551"/>
           </a:xfrm>
           <a:prstGeom prst="rect">
             <a:avLst/>
@@ -21915,17 +21976,6 @@
               </a:rPr>
               <a:t>那我正向传播的流程是：</a:t>
             </a:r>
-            <a:endParaRPr lang="en-US" altLang="zh-CN" sz="1400" dirty="0">
-              <a:solidFill>
-                <a:schemeClr val="bg1">
-                  <a:lumMod val="50000"/>
-                </a:schemeClr>
-              </a:solidFill>
-              <a:latin typeface="微软雅黑" panose="020B0503020204020204" charset="-122"/>
-              <a:ea typeface="微软雅黑" panose="020B0503020204020204" charset="-122"/>
-            </a:endParaRPr>
-          </a:p>
-          <a:p>
             <a:endParaRPr lang="en-US" altLang="zh-CN" sz="1400" dirty="0">
               <a:solidFill>
                 <a:schemeClr val="bg1">
@@ -22443,6 +22493,66 @@
           <a:chExt cx="0" cy="0"/>
         </a:xfrm>
       </p:grpSpPr>
+      <p:pic>
+        <p:nvPicPr>
+          <p:cNvPr id="9" name="图片 8">
+            <a:extLst>
+              <a:ext uri="{FF2B5EF4-FFF2-40B4-BE49-F238E27FC236}">
+                <a16:creationId xmlns:a16="http://schemas.microsoft.com/office/drawing/2014/main" id="{CAFC2367-E12B-764C-9047-B201EDAAF611}"/>
+              </a:ext>
+            </a:extLst>
+          </p:cNvPr>
+          <p:cNvPicPr>
+            <a:picLocks noChangeAspect="1"/>
+          </p:cNvPicPr>
+          <p:nvPr/>
+        </p:nvPicPr>
+        <p:blipFill>
+          <a:blip r:embed="rId2"/>
+          <a:stretch>
+            <a:fillRect/>
+          </a:stretch>
+        </p:blipFill>
+        <p:spPr>
+          <a:xfrm>
+            <a:off x="4665946" y="4933594"/>
+            <a:ext cx="838200" cy="393700"/>
+          </a:xfrm>
+          <a:prstGeom prst="rect">
+            <a:avLst/>
+          </a:prstGeom>
+        </p:spPr>
+      </p:pic>
+      <p:pic>
+        <p:nvPicPr>
+          <p:cNvPr id="5" name="图片 4">
+            <a:extLst>
+              <a:ext uri="{FF2B5EF4-FFF2-40B4-BE49-F238E27FC236}">
+                <a16:creationId xmlns:a16="http://schemas.microsoft.com/office/drawing/2014/main" id="{78A704DF-775C-6D40-9EBA-DE4BC7CAE4ED}"/>
+              </a:ext>
+            </a:extLst>
+          </p:cNvPr>
+          <p:cNvPicPr>
+            <a:picLocks noChangeAspect="1"/>
+          </p:cNvPicPr>
+          <p:nvPr/>
+        </p:nvPicPr>
+        <p:blipFill>
+          <a:blip r:embed="rId3"/>
+          <a:stretch>
+            <a:fillRect/>
+          </a:stretch>
+        </p:blipFill>
+        <p:spPr>
+          <a:xfrm>
+            <a:off x="4719998" y="3861164"/>
+            <a:ext cx="774700" cy="419100"/>
+          </a:xfrm>
+          <a:prstGeom prst="rect">
+            <a:avLst/>
+          </a:prstGeom>
+        </p:spPr>
+      </p:pic>
       <p:sp>
         <p:nvSpPr>
           <p:cNvPr id="6" name="矩形 5">
@@ -22532,6 +22642,841 @@
           <a:p>
             <a:pPr algn="ctr"/>
             <a:endParaRPr lang="zh-CN" altLang="en-US" sz="4400"/>
+          </a:p>
+        </p:txBody>
+      </p:sp>
+      <p:sp>
+        <p:nvSpPr>
+          <p:cNvPr id="4" name="文本框 3">
+            <a:extLst>
+              <a:ext uri="{FF2B5EF4-FFF2-40B4-BE49-F238E27FC236}">
+                <a16:creationId xmlns:a16="http://schemas.microsoft.com/office/drawing/2014/main" id="{53D9EF75-2533-994F-A0F0-A4A33D727873}"/>
+              </a:ext>
+            </a:extLst>
+          </p:cNvPr>
+          <p:cNvSpPr txBox="1"/>
+          <p:nvPr/>
+        </p:nvSpPr>
+        <p:spPr>
+          <a:xfrm>
+            <a:off x="416764" y="465517"/>
+            <a:ext cx="5359745" cy="954107"/>
+          </a:xfrm>
+          <a:prstGeom prst="rect">
+            <a:avLst/>
+          </a:prstGeom>
+          <a:noFill/>
+        </p:spPr>
+        <p:txBody>
+          <a:bodyPr wrap="square" rtlCol="0">
+            <a:spAutoFit/>
+          </a:bodyPr>
+          <a:lstStyle/>
+          <a:p>
+            <a:r>
+              <a:rPr lang="zh-CN" altLang="en-US" sz="1400" dirty="0">
+                <a:solidFill>
+                  <a:schemeClr val="bg1">
+                    <a:lumMod val="50000"/>
+                  </a:schemeClr>
+                </a:solidFill>
+                <a:latin typeface="微软雅黑" panose="020B0503020204020204" charset="-122"/>
+                <a:ea typeface="微软雅黑" panose="020B0503020204020204" charset="-122"/>
+              </a:rPr>
+              <a:t>在分享梯度下降之前，先复习下导数：</a:t>
+            </a:r>
+            <a:endParaRPr lang="en-US" altLang="zh-CN" sz="1400" dirty="0">
+              <a:solidFill>
+                <a:schemeClr val="bg1">
+                  <a:lumMod val="50000"/>
+                </a:schemeClr>
+              </a:solidFill>
+              <a:latin typeface="微软雅黑" panose="020B0503020204020204" charset="-122"/>
+              <a:ea typeface="微软雅黑" panose="020B0503020204020204" charset="-122"/>
+            </a:endParaRPr>
+          </a:p>
+          <a:p>
+            <a:r>
+              <a:rPr lang="zh-CN" altLang="en-US" sz="1400" dirty="0">
+                <a:solidFill>
+                  <a:schemeClr val="bg1">
+                    <a:lumMod val="50000"/>
+                  </a:schemeClr>
+                </a:solidFill>
+                <a:latin typeface="微软雅黑" panose="020B0503020204020204" charset="-122"/>
+                <a:ea typeface="微软雅黑" panose="020B0503020204020204" charset="-122"/>
+              </a:rPr>
+              <a:t>导数也称为导函数，是描述当前函数在当前点下的变化率（斜率）。通俗点解释就是 </a:t>
+            </a:r>
+            <a:r>
+              <a:rPr lang="zh-CN" altLang="en-US" sz="1400" dirty="0">
+                <a:solidFill>
+                  <a:srgbClr val="FF0000"/>
+                </a:solidFill>
+                <a:latin typeface="微软雅黑" panose="020B0503020204020204" charset="-122"/>
+                <a:ea typeface="微软雅黑" panose="020B0503020204020204" charset="-122"/>
+              </a:rPr>
+              <a:t>描述当自变量</a:t>
+            </a:r>
+            <a:r>
+              <a:rPr lang="en-US" altLang="zh-CN" sz="1400" dirty="0">
+                <a:solidFill>
+                  <a:srgbClr val="FF0000"/>
+                </a:solidFill>
+                <a:latin typeface="微软雅黑" panose="020B0503020204020204" charset="-122"/>
+                <a:ea typeface="微软雅黑" panose="020B0503020204020204" charset="-122"/>
+              </a:rPr>
+              <a:t>x</a:t>
+            </a:r>
+            <a:r>
+              <a:rPr lang="zh-CN" altLang="en-US" sz="1400" dirty="0">
+                <a:solidFill>
+                  <a:srgbClr val="FF0000"/>
+                </a:solidFill>
+                <a:latin typeface="微软雅黑" panose="020B0503020204020204" charset="-122"/>
+                <a:ea typeface="微软雅黑" panose="020B0503020204020204" charset="-122"/>
+              </a:rPr>
+              <a:t>变化一定量的时候，因变量</a:t>
+            </a:r>
+            <a:r>
+              <a:rPr lang="en-US" altLang="zh-CN" sz="1400" dirty="0">
+                <a:solidFill>
+                  <a:srgbClr val="FF0000"/>
+                </a:solidFill>
+                <a:latin typeface="微软雅黑" panose="020B0503020204020204" charset="-122"/>
+                <a:ea typeface="微软雅黑" panose="020B0503020204020204" charset="-122"/>
+              </a:rPr>
+              <a:t>y</a:t>
+            </a:r>
+            <a:r>
+              <a:rPr lang="zh-CN" altLang="en-US" sz="1400" dirty="0">
+                <a:solidFill>
+                  <a:srgbClr val="FF0000"/>
+                </a:solidFill>
+                <a:latin typeface="微软雅黑" panose="020B0503020204020204" charset="-122"/>
+                <a:ea typeface="微软雅黑" panose="020B0503020204020204" charset="-122"/>
+              </a:rPr>
+              <a:t>变化多少的规律（函数）</a:t>
+            </a:r>
+            <a:endParaRPr lang="en-US" altLang="zh-CN" sz="1400" dirty="0">
+              <a:solidFill>
+                <a:srgbClr val="FF0000"/>
+              </a:solidFill>
+              <a:latin typeface="微软雅黑" panose="020B0503020204020204" charset="-122"/>
+              <a:ea typeface="微软雅黑" panose="020B0503020204020204" charset="-122"/>
+            </a:endParaRPr>
+          </a:p>
+        </p:txBody>
+      </p:sp>
+      <p:pic>
+        <p:nvPicPr>
+          <p:cNvPr id="2" name="图片 1">
+            <a:extLst>
+              <a:ext uri="{FF2B5EF4-FFF2-40B4-BE49-F238E27FC236}">
+                <a16:creationId xmlns:a16="http://schemas.microsoft.com/office/drawing/2014/main" id="{42FF3A45-9D9D-4941-B78C-397418ECA3FA}"/>
+              </a:ext>
+            </a:extLst>
+          </p:cNvPr>
+          <p:cNvPicPr>
+            <a:picLocks noChangeAspect="1"/>
+          </p:cNvPicPr>
+          <p:nvPr/>
+        </p:nvPicPr>
+        <p:blipFill>
+          <a:blip r:embed="rId4"/>
+          <a:stretch>
+            <a:fillRect/>
+          </a:stretch>
+        </p:blipFill>
+        <p:spPr>
+          <a:xfrm>
+            <a:off x="97591" y="1419624"/>
+            <a:ext cx="4519015" cy="3952274"/>
+          </a:xfrm>
+          <a:prstGeom prst="rect">
+            <a:avLst/>
+          </a:prstGeom>
+        </p:spPr>
+      </p:pic>
+      <p:pic>
+        <p:nvPicPr>
+          <p:cNvPr id="3" name="图片 2">
+            <a:extLst>
+              <a:ext uri="{FF2B5EF4-FFF2-40B4-BE49-F238E27FC236}">
+                <a16:creationId xmlns:a16="http://schemas.microsoft.com/office/drawing/2014/main" id="{29E6D95B-6326-EA4B-8D5A-46BF5BC36F34}"/>
+              </a:ext>
+            </a:extLst>
+          </p:cNvPr>
+          <p:cNvPicPr>
+            <a:picLocks noChangeAspect="1"/>
+          </p:cNvPicPr>
+          <p:nvPr/>
+        </p:nvPicPr>
+        <p:blipFill>
+          <a:blip r:embed="rId5"/>
+          <a:stretch>
+            <a:fillRect/>
+          </a:stretch>
+        </p:blipFill>
+        <p:spPr>
+          <a:xfrm>
+            <a:off x="4235262" y="1419624"/>
+            <a:ext cx="5209821" cy="2008513"/>
+          </a:xfrm>
+          <a:prstGeom prst="rect">
+            <a:avLst/>
+          </a:prstGeom>
+        </p:spPr>
+      </p:pic>
+      <p:sp>
+        <p:nvSpPr>
+          <p:cNvPr id="8" name="文本框 7">
+            <a:extLst>
+              <a:ext uri="{FF2B5EF4-FFF2-40B4-BE49-F238E27FC236}">
+                <a16:creationId xmlns:a16="http://schemas.microsoft.com/office/drawing/2014/main" id="{78D937B4-B684-2B47-B5E9-E0652DE01E85}"/>
+              </a:ext>
+            </a:extLst>
+          </p:cNvPr>
+          <p:cNvSpPr txBox="1"/>
+          <p:nvPr/>
+        </p:nvSpPr>
+        <p:spPr>
+          <a:xfrm>
+            <a:off x="4418057" y="3525354"/>
+            <a:ext cx="5359745" cy="3323987"/>
+          </a:xfrm>
+          <a:prstGeom prst="rect">
+            <a:avLst/>
+          </a:prstGeom>
+          <a:noFill/>
+        </p:spPr>
+        <p:txBody>
+          <a:bodyPr wrap="square" rtlCol="0">
+            <a:spAutoFit/>
+          </a:bodyPr>
+          <a:lstStyle/>
+          <a:p>
+            <a:r>
+              <a:rPr lang="zh-CN" altLang="en-US" sz="1400" dirty="0">
+                <a:solidFill>
+                  <a:schemeClr val="bg1">
+                    <a:lumMod val="50000"/>
+                  </a:schemeClr>
+                </a:solidFill>
+                <a:latin typeface="微软雅黑" panose="020B0503020204020204" charset="-122"/>
+                <a:ea typeface="微软雅黑" panose="020B0503020204020204" charset="-122"/>
+              </a:rPr>
+              <a:t>举两个简单的例子：</a:t>
+            </a:r>
+            <a:endParaRPr lang="en-US" altLang="zh-CN" sz="1400" dirty="0">
+              <a:solidFill>
+                <a:schemeClr val="bg1">
+                  <a:lumMod val="50000"/>
+                </a:schemeClr>
+              </a:solidFill>
+              <a:latin typeface="微软雅黑" panose="020B0503020204020204" charset="-122"/>
+              <a:ea typeface="微软雅黑" panose="020B0503020204020204" charset="-122"/>
+            </a:endParaRPr>
+          </a:p>
+          <a:p>
+            <a:endParaRPr lang="en-US" altLang="zh-CN" sz="1400" dirty="0">
+              <a:solidFill>
+                <a:schemeClr val="bg1">
+                  <a:lumMod val="50000"/>
+                </a:schemeClr>
+              </a:solidFill>
+              <a:latin typeface="微软雅黑" panose="020B0503020204020204" charset="-122"/>
+              <a:ea typeface="微软雅黑" panose="020B0503020204020204" charset="-122"/>
+            </a:endParaRPr>
+          </a:p>
+          <a:p>
+            <a:r>
+              <a:rPr lang="en-US" altLang="zh-CN" sz="1400" dirty="0">
+                <a:solidFill>
+                  <a:schemeClr val="bg1">
+                    <a:lumMod val="50000"/>
+                  </a:schemeClr>
+                </a:solidFill>
+                <a:latin typeface="微软雅黑" panose="020B0503020204020204" charset="-122"/>
+                <a:ea typeface="微软雅黑" panose="020B0503020204020204" charset="-122"/>
+              </a:rPr>
+              <a:t>0.</a:t>
+            </a:r>
+            <a:r>
+              <a:rPr lang="zh-CN" altLang="en-US" sz="1400" dirty="0">
+                <a:solidFill>
+                  <a:schemeClr val="bg1">
+                    <a:lumMod val="50000"/>
+                  </a:schemeClr>
+                </a:solidFill>
+                <a:latin typeface="微软雅黑" panose="020B0503020204020204" charset="-122"/>
+                <a:ea typeface="微软雅黑" panose="020B0503020204020204" charset="-122"/>
+              </a:rPr>
+              <a:t> </a:t>
+            </a:r>
+            <a:endParaRPr lang="en-US" altLang="zh-CN" sz="1400" dirty="0">
+              <a:solidFill>
+                <a:schemeClr val="bg1">
+                  <a:lumMod val="50000"/>
+                </a:schemeClr>
+              </a:solidFill>
+              <a:latin typeface="微软雅黑" panose="020B0503020204020204" charset="-122"/>
+              <a:ea typeface="微软雅黑" panose="020B0503020204020204" charset="-122"/>
+            </a:endParaRPr>
+          </a:p>
+          <a:p>
+            <a:r>
+              <a:rPr lang="zh-CN" altLang="en-US" sz="1400" dirty="0">
+                <a:solidFill>
+                  <a:schemeClr val="bg1">
+                    <a:lumMod val="50000"/>
+                  </a:schemeClr>
+                </a:solidFill>
+                <a:latin typeface="微软雅黑" panose="020B0503020204020204" charset="-122"/>
+                <a:ea typeface="微软雅黑" panose="020B0503020204020204" charset="-122"/>
+              </a:rPr>
+              <a:t>这个函数就是一条穿过原点的直线，与</a:t>
+            </a:r>
+            <a:r>
+              <a:rPr lang="en-US" altLang="zh-CN" sz="1400" dirty="0">
+                <a:solidFill>
+                  <a:schemeClr val="bg1">
+                    <a:lumMod val="50000"/>
+                  </a:schemeClr>
+                </a:solidFill>
+                <a:latin typeface="微软雅黑" panose="020B0503020204020204" charset="-122"/>
+                <a:ea typeface="微软雅黑" panose="020B0503020204020204" charset="-122"/>
+              </a:rPr>
+              <a:t>x</a:t>
+            </a:r>
+            <a:r>
+              <a:rPr lang="zh-CN" altLang="en-US" sz="1400" dirty="0">
+                <a:solidFill>
+                  <a:schemeClr val="bg1">
+                    <a:lumMod val="50000"/>
+                  </a:schemeClr>
+                </a:solidFill>
+                <a:latin typeface="微软雅黑" panose="020B0503020204020204" charset="-122"/>
+                <a:ea typeface="微软雅黑" panose="020B0503020204020204" charset="-122"/>
+              </a:rPr>
+              <a:t>轴夹角</a:t>
+            </a:r>
+            <a:r>
+              <a:rPr lang="en-US" altLang="zh-CN" sz="1400" dirty="0">
+                <a:solidFill>
+                  <a:schemeClr val="bg1">
+                    <a:lumMod val="50000"/>
+                  </a:schemeClr>
+                </a:solidFill>
+                <a:latin typeface="微软雅黑" panose="020B0503020204020204" charset="-122"/>
+                <a:ea typeface="微软雅黑" panose="020B0503020204020204" charset="-122"/>
+              </a:rPr>
+              <a:t>45</a:t>
+            </a:r>
+            <a:r>
+              <a:rPr lang="zh-CN" altLang="en-US" sz="1400" dirty="0">
+                <a:solidFill>
+                  <a:schemeClr val="bg1">
+                    <a:lumMod val="50000"/>
+                  </a:schemeClr>
+                </a:solidFill>
+                <a:latin typeface="微软雅黑" panose="020B0503020204020204" charset="-122"/>
+                <a:ea typeface="微软雅黑" panose="020B0503020204020204" charset="-122"/>
+              </a:rPr>
+              <a:t>度。根据</a:t>
+            </a:r>
+            <a:r>
+              <a:rPr lang="zh-CN" altLang="en-US" sz="1400" dirty="0">
+                <a:solidFill>
+                  <a:srgbClr val="FF0000"/>
+                </a:solidFill>
+                <a:latin typeface="微软雅黑" panose="020B0503020204020204" charset="-122"/>
+                <a:ea typeface="微软雅黑" panose="020B0503020204020204" charset="-122"/>
+              </a:rPr>
+              <a:t>（</a:t>
+            </a:r>
+            <a:r>
+              <a:rPr lang="en-US" altLang="zh-CN" sz="1400" dirty="0">
+                <a:solidFill>
+                  <a:srgbClr val="FF0000"/>
+                </a:solidFill>
+                <a:latin typeface="微软雅黑" panose="020B0503020204020204" charset="-122"/>
+                <a:ea typeface="微软雅黑" panose="020B0503020204020204" charset="-122"/>
+              </a:rPr>
+              <a:t>2</a:t>
+            </a:r>
+            <a:r>
+              <a:rPr lang="zh-CN" altLang="en-US" sz="1400" dirty="0">
+                <a:solidFill>
+                  <a:srgbClr val="FF0000"/>
+                </a:solidFill>
+                <a:latin typeface="微软雅黑" panose="020B0503020204020204" charset="-122"/>
+                <a:ea typeface="微软雅黑" panose="020B0503020204020204" charset="-122"/>
+              </a:rPr>
+              <a:t>）</a:t>
+            </a:r>
+            <a:r>
+              <a:rPr lang="zh-CN" altLang="en-US" sz="1400" dirty="0">
+                <a:solidFill>
+                  <a:schemeClr val="bg1">
+                    <a:lumMod val="50000"/>
+                  </a:schemeClr>
+                </a:solidFill>
+                <a:latin typeface="微软雅黑" panose="020B0503020204020204" charset="-122"/>
+                <a:ea typeface="微软雅黑" panose="020B0503020204020204" charset="-122"/>
+              </a:rPr>
+              <a:t>公式可以求出该函数的导（函）数是</a:t>
+            </a:r>
+            <a:r>
+              <a:rPr lang="en-US" altLang="zh-CN" sz="1400" dirty="0">
+                <a:solidFill>
+                  <a:schemeClr val="bg1">
+                    <a:lumMod val="50000"/>
+                  </a:schemeClr>
+                </a:solidFill>
+                <a:latin typeface="微软雅黑" panose="020B0503020204020204" charset="-122"/>
+                <a:ea typeface="微软雅黑" panose="020B0503020204020204" charset="-122"/>
+              </a:rPr>
+              <a:t>1</a:t>
+            </a:r>
+            <a:r>
+              <a:rPr lang="zh-CN" altLang="en-US" sz="1400" dirty="0">
+                <a:solidFill>
+                  <a:schemeClr val="bg1">
+                    <a:lumMod val="50000"/>
+                  </a:schemeClr>
+                </a:solidFill>
+                <a:latin typeface="微软雅黑" panose="020B0503020204020204" charset="-122"/>
+                <a:ea typeface="微软雅黑" panose="020B0503020204020204" charset="-122"/>
+              </a:rPr>
+              <a:t>，也就是当</a:t>
+            </a:r>
+            <a:r>
+              <a:rPr lang="en-US" altLang="zh-CN" sz="1400" dirty="0">
+                <a:solidFill>
+                  <a:schemeClr val="bg1">
+                    <a:lumMod val="50000"/>
+                  </a:schemeClr>
+                </a:solidFill>
+                <a:latin typeface="微软雅黑" panose="020B0503020204020204" charset="-122"/>
+                <a:ea typeface="微软雅黑" panose="020B0503020204020204" charset="-122"/>
+              </a:rPr>
+              <a:t>x</a:t>
+            </a:r>
+            <a:r>
+              <a:rPr lang="zh-CN" altLang="en-US" sz="1400" dirty="0">
+                <a:solidFill>
+                  <a:schemeClr val="bg1">
+                    <a:lumMod val="50000"/>
+                  </a:schemeClr>
+                </a:solidFill>
+                <a:latin typeface="微软雅黑" panose="020B0503020204020204" charset="-122"/>
+                <a:ea typeface="微软雅黑" panose="020B0503020204020204" charset="-122"/>
+              </a:rPr>
+              <a:t>增大（或减小）</a:t>
+            </a:r>
+            <a:r>
+              <a:rPr lang="en-US" altLang="zh-CN" sz="1400" dirty="0">
+                <a:solidFill>
+                  <a:schemeClr val="bg1">
+                    <a:lumMod val="50000"/>
+                  </a:schemeClr>
+                </a:solidFill>
+                <a:latin typeface="微软雅黑" panose="020B0503020204020204" charset="-122"/>
+                <a:ea typeface="微软雅黑" panose="020B0503020204020204" charset="-122"/>
+              </a:rPr>
+              <a:t>n</a:t>
+            </a:r>
+            <a:r>
+              <a:rPr lang="zh-CN" altLang="en-US" sz="1400" dirty="0">
+                <a:solidFill>
+                  <a:schemeClr val="bg1">
+                    <a:lumMod val="50000"/>
+                  </a:schemeClr>
+                </a:solidFill>
+                <a:latin typeface="微软雅黑" panose="020B0503020204020204" charset="-122"/>
+                <a:ea typeface="微软雅黑" panose="020B0503020204020204" charset="-122"/>
+              </a:rPr>
+              <a:t>个单位的时候，</a:t>
+            </a:r>
+            <a:r>
+              <a:rPr lang="en-US" altLang="zh-CN" sz="1400" dirty="0">
+                <a:solidFill>
+                  <a:schemeClr val="bg1">
+                    <a:lumMod val="50000"/>
+                  </a:schemeClr>
+                </a:solidFill>
+                <a:latin typeface="微软雅黑" panose="020B0503020204020204" charset="-122"/>
+                <a:ea typeface="微软雅黑" panose="020B0503020204020204" charset="-122"/>
+              </a:rPr>
+              <a:t>y</a:t>
+            </a:r>
+            <a:r>
+              <a:rPr lang="zh-CN" altLang="en-US" sz="1400" dirty="0">
+                <a:solidFill>
+                  <a:schemeClr val="bg1">
+                    <a:lumMod val="50000"/>
+                  </a:schemeClr>
+                </a:solidFill>
+                <a:latin typeface="微软雅黑" panose="020B0503020204020204" charset="-122"/>
+                <a:ea typeface="微软雅黑" panose="020B0503020204020204" charset="-122"/>
+              </a:rPr>
+              <a:t>就增大（或减小）</a:t>
+            </a:r>
+            <a:r>
+              <a:rPr lang="en-US" altLang="zh-CN" sz="1400" dirty="0">
+                <a:solidFill>
+                  <a:schemeClr val="bg1">
+                    <a:lumMod val="50000"/>
+                  </a:schemeClr>
+                </a:solidFill>
+                <a:latin typeface="微软雅黑" panose="020B0503020204020204" charset="-122"/>
+                <a:ea typeface="微软雅黑" panose="020B0503020204020204" charset="-122"/>
+              </a:rPr>
+              <a:t>1</a:t>
+            </a:r>
+            <a:r>
+              <a:rPr lang="zh-CN" altLang="en-US" sz="1400" dirty="0">
+                <a:solidFill>
+                  <a:schemeClr val="bg1">
+                    <a:lumMod val="50000"/>
+                  </a:schemeClr>
+                </a:solidFill>
+                <a:latin typeface="微软雅黑" panose="020B0503020204020204" charset="-122"/>
+                <a:ea typeface="微软雅黑" panose="020B0503020204020204" charset="-122"/>
+              </a:rPr>
+              <a:t>*</a:t>
+            </a:r>
+            <a:r>
+              <a:rPr lang="en-US" altLang="zh-CN" sz="1400" dirty="0">
+                <a:solidFill>
+                  <a:schemeClr val="bg1">
+                    <a:lumMod val="50000"/>
+                  </a:schemeClr>
+                </a:solidFill>
+                <a:latin typeface="微软雅黑" panose="020B0503020204020204" charset="-122"/>
+                <a:ea typeface="微软雅黑" panose="020B0503020204020204" charset="-122"/>
+              </a:rPr>
+              <a:t>n</a:t>
+            </a:r>
+            <a:r>
+              <a:rPr lang="zh-CN" altLang="en-US" sz="1400" dirty="0">
+                <a:solidFill>
+                  <a:schemeClr val="bg1">
+                    <a:lumMod val="50000"/>
+                  </a:schemeClr>
+                </a:solidFill>
+                <a:latin typeface="微软雅黑" panose="020B0503020204020204" charset="-122"/>
+                <a:ea typeface="微软雅黑" panose="020B0503020204020204" charset="-122"/>
+              </a:rPr>
+              <a:t>个单位</a:t>
+            </a:r>
+            <a:endParaRPr lang="en-US" altLang="zh-CN" sz="1400" dirty="0">
+              <a:solidFill>
+                <a:schemeClr val="bg1">
+                  <a:lumMod val="50000"/>
+                </a:schemeClr>
+              </a:solidFill>
+              <a:latin typeface="微软雅黑" panose="020B0503020204020204" charset="-122"/>
+              <a:ea typeface="微软雅黑" panose="020B0503020204020204" charset="-122"/>
+            </a:endParaRPr>
+          </a:p>
+          <a:p>
+            <a:endParaRPr lang="en-US" altLang="zh-CN" sz="1400" dirty="0">
+              <a:solidFill>
+                <a:schemeClr val="bg1">
+                  <a:lumMod val="50000"/>
+                </a:schemeClr>
+              </a:solidFill>
+              <a:latin typeface="微软雅黑" panose="020B0503020204020204" charset="-122"/>
+              <a:ea typeface="微软雅黑" panose="020B0503020204020204" charset="-122"/>
+            </a:endParaRPr>
+          </a:p>
+          <a:p>
+            <a:r>
+              <a:rPr lang="en-US" altLang="zh-CN" sz="1400" dirty="0">
+                <a:solidFill>
+                  <a:schemeClr val="bg1">
+                    <a:lumMod val="50000"/>
+                  </a:schemeClr>
+                </a:solidFill>
+                <a:latin typeface="微软雅黑" panose="020B0503020204020204" charset="-122"/>
+                <a:ea typeface="微软雅黑" panose="020B0503020204020204" charset="-122"/>
+              </a:rPr>
+              <a:t>1.</a:t>
+            </a:r>
+            <a:r>
+              <a:rPr lang="zh-CN" altLang="en-US" sz="1400" dirty="0">
+                <a:solidFill>
+                  <a:schemeClr val="bg1">
+                    <a:lumMod val="50000"/>
+                  </a:schemeClr>
+                </a:solidFill>
+                <a:latin typeface="微软雅黑" panose="020B0503020204020204" charset="-122"/>
+                <a:ea typeface="微软雅黑" panose="020B0503020204020204" charset="-122"/>
+              </a:rPr>
+              <a:t> </a:t>
+            </a:r>
+            <a:endParaRPr lang="en-US" altLang="zh-CN" sz="1400" dirty="0">
+              <a:solidFill>
+                <a:schemeClr val="bg1">
+                  <a:lumMod val="50000"/>
+                </a:schemeClr>
+              </a:solidFill>
+              <a:latin typeface="微软雅黑" panose="020B0503020204020204" charset="-122"/>
+              <a:ea typeface="微软雅黑" panose="020B0503020204020204" charset="-122"/>
+            </a:endParaRPr>
+          </a:p>
+          <a:p>
+            <a:r>
+              <a:rPr lang="zh-CN" altLang="en-US" sz="1400" dirty="0">
+                <a:solidFill>
+                  <a:schemeClr val="bg1">
+                    <a:lumMod val="50000"/>
+                  </a:schemeClr>
+                </a:solidFill>
+                <a:latin typeface="微软雅黑" panose="020B0503020204020204" charset="-122"/>
+                <a:ea typeface="微软雅黑" panose="020B0503020204020204" charset="-122"/>
+              </a:rPr>
+              <a:t>这个函数是个抛物线，同样根据</a:t>
+            </a:r>
+            <a:r>
+              <a:rPr lang="zh-CN" altLang="en-US" sz="1400" dirty="0">
+                <a:solidFill>
+                  <a:srgbClr val="FF0000"/>
+                </a:solidFill>
+                <a:latin typeface="微软雅黑" panose="020B0503020204020204" charset="-122"/>
+                <a:ea typeface="微软雅黑" panose="020B0503020204020204" charset="-122"/>
+              </a:rPr>
+              <a:t>（</a:t>
+            </a:r>
+            <a:r>
+              <a:rPr lang="en-US" altLang="zh-CN" sz="1400" dirty="0">
+                <a:solidFill>
+                  <a:srgbClr val="FF0000"/>
+                </a:solidFill>
+                <a:latin typeface="微软雅黑" panose="020B0503020204020204" charset="-122"/>
+                <a:ea typeface="微软雅黑" panose="020B0503020204020204" charset="-122"/>
+              </a:rPr>
+              <a:t>2</a:t>
+            </a:r>
+            <a:r>
+              <a:rPr lang="zh-CN" altLang="en-US" sz="1400" dirty="0">
+                <a:solidFill>
+                  <a:srgbClr val="FF0000"/>
+                </a:solidFill>
+                <a:latin typeface="微软雅黑" panose="020B0503020204020204" charset="-122"/>
+                <a:ea typeface="微软雅黑" panose="020B0503020204020204" charset="-122"/>
+              </a:rPr>
+              <a:t>）</a:t>
+            </a:r>
+            <a:r>
+              <a:rPr lang="zh-CN" altLang="en-US" sz="1400" dirty="0">
+                <a:solidFill>
+                  <a:schemeClr val="bg1">
+                    <a:lumMod val="50000"/>
+                  </a:schemeClr>
+                </a:solidFill>
+                <a:latin typeface="微软雅黑" panose="020B0503020204020204" charset="-122"/>
+                <a:ea typeface="微软雅黑" panose="020B0503020204020204" charset="-122"/>
+              </a:rPr>
+              <a:t>公式求出该函数的导（函）数是 </a:t>
+            </a:r>
+            <a:r>
+              <a:rPr lang="en-US" altLang="zh-CN" sz="1400" dirty="0">
+                <a:solidFill>
+                  <a:schemeClr val="bg1">
+                    <a:lumMod val="50000"/>
+                  </a:schemeClr>
+                </a:solidFill>
+                <a:latin typeface="微软雅黑" panose="020B0503020204020204" charset="-122"/>
+                <a:ea typeface="微软雅黑" panose="020B0503020204020204" charset="-122"/>
+              </a:rPr>
+              <a:t>2x</a:t>
+            </a:r>
+            <a:r>
+              <a:rPr lang="zh-CN" altLang="en-US" sz="1400" dirty="0">
+                <a:solidFill>
+                  <a:schemeClr val="bg1">
+                    <a:lumMod val="50000"/>
+                  </a:schemeClr>
+                </a:solidFill>
+                <a:latin typeface="微软雅黑" panose="020B0503020204020204" charset="-122"/>
+                <a:ea typeface="微软雅黑" panose="020B0503020204020204" charset="-122"/>
+              </a:rPr>
+              <a:t>，也就是当</a:t>
+            </a:r>
+            <a:r>
+              <a:rPr lang="en-US" altLang="zh-CN" sz="1400" dirty="0">
+                <a:solidFill>
+                  <a:schemeClr val="bg1">
+                    <a:lumMod val="50000"/>
+                  </a:schemeClr>
+                </a:solidFill>
+                <a:latin typeface="微软雅黑" panose="020B0503020204020204" charset="-122"/>
+                <a:ea typeface="微软雅黑" panose="020B0503020204020204" charset="-122"/>
+              </a:rPr>
+              <a:t>x</a:t>
+            </a:r>
+            <a:r>
+              <a:rPr lang="zh-CN" altLang="en-US" sz="1400" dirty="0">
+                <a:solidFill>
+                  <a:schemeClr val="bg1">
+                    <a:lumMod val="50000"/>
+                  </a:schemeClr>
+                </a:solidFill>
+                <a:latin typeface="微软雅黑" panose="020B0503020204020204" charset="-122"/>
+                <a:ea typeface="微软雅黑" panose="020B0503020204020204" charset="-122"/>
+              </a:rPr>
+              <a:t>增大（或减小）</a:t>
+            </a:r>
+            <a:r>
+              <a:rPr lang="en-US" altLang="zh-CN" sz="1400" dirty="0">
+                <a:solidFill>
+                  <a:schemeClr val="bg1">
+                    <a:lumMod val="50000"/>
+                  </a:schemeClr>
+                </a:solidFill>
+                <a:latin typeface="微软雅黑" panose="020B0503020204020204" charset="-122"/>
+                <a:ea typeface="微软雅黑" panose="020B0503020204020204" charset="-122"/>
+              </a:rPr>
+              <a:t>n</a:t>
+            </a:r>
+            <a:r>
+              <a:rPr lang="zh-CN" altLang="en-US" sz="1400" dirty="0">
+                <a:solidFill>
+                  <a:schemeClr val="bg1">
+                    <a:lumMod val="50000"/>
+                  </a:schemeClr>
+                </a:solidFill>
+                <a:latin typeface="微软雅黑" panose="020B0503020204020204" charset="-122"/>
+                <a:ea typeface="微软雅黑" panose="020B0503020204020204" charset="-122"/>
+              </a:rPr>
+              <a:t>个单位的时候，</a:t>
+            </a:r>
+            <a:r>
+              <a:rPr lang="en-US" altLang="zh-CN" sz="1400" dirty="0">
+                <a:solidFill>
+                  <a:schemeClr val="bg1">
+                    <a:lumMod val="50000"/>
+                  </a:schemeClr>
+                </a:solidFill>
+                <a:latin typeface="微软雅黑" panose="020B0503020204020204" charset="-122"/>
+                <a:ea typeface="微软雅黑" panose="020B0503020204020204" charset="-122"/>
+              </a:rPr>
+              <a:t>y</a:t>
+            </a:r>
+            <a:r>
+              <a:rPr lang="zh-CN" altLang="en-US" sz="1400" dirty="0">
+                <a:solidFill>
+                  <a:schemeClr val="bg1">
+                    <a:lumMod val="50000"/>
+                  </a:schemeClr>
+                </a:solidFill>
+                <a:latin typeface="微软雅黑" panose="020B0503020204020204" charset="-122"/>
+                <a:ea typeface="微软雅黑" panose="020B0503020204020204" charset="-122"/>
+              </a:rPr>
+              <a:t>则增大</a:t>
+            </a:r>
+            <a:r>
+              <a:rPr lang="en-US" altLang="zh-CN" sz="1400" dirty="0">
+                <a:solidFill>
+                  <a:schemeClr val="bg1">
+                    <a:lumMod val="50000"/>
+                  </a:schemeClr>
+                </a:solidFill>
+                <a:latin typeface="微软雅黑" panose="020B0503020204020204" charset="-122"/>
+                <a:ea typeface="微软雅黑" panose="020B0503020204020204" charset="-122"/>
+              </a:rPr>
+              <a:t>2x</a:t>
+            </a:r>
+            <a:r>
+              <a:rPr lang="zh-CN" altLang="en-US" sz="1400" dirty="0">
+                <a:solidFill>
+                  <a:schemeClr val="bg1">
+                    <a:lumMod val="50000"/>
+                  </a:schemeClr>
+                </a:solidFill>
+                <a:latin typeface="微软雅黑" panose="020B0503020204020204" charset="-122"/>
+                <a:ea typeface="微软雅黑" panose="020B0503020204020204" charset="-122"/>
+              </a:rPr>
+              <a:t>*</a:t>
+            </a:r>
+            <a:r>
+              <a:rPr lang="en-US" altLang="zh-CN" sz="1400" dirty="0">
+                <a:solidFill>
+                  <a:schemeClr val="bg1">
+                    <a:lumMod val="50000"/>
+                  </a:schemeClr>
+                </a:solidFill>
+                <a:latin typeface="微软雅黑" panose="020B0503020204020204" charset="-122"/>
+                <a:ea typeface="微软雅黑" panose="020B0503020204020204" charset="-122"/>
+              </a:rPr>
+              <a:t>n</a:t>
+            </a:r>
+            <a:r>
+              <a:rPr lang="zh-CN" altLang="en-US" sz="1400" dirty="0">
+                <a:solidFill>
+                  <a:schemeClr val="bg1">
+                    <a:lumMod val="50000"/>
+                  </a:schemeClr>
+                </a:solidFill>
+                <a:latin typeface="微软雅黑" panose="020B0503020204020204" charset="-122"/>
+                <a:ea typeface="微软雅黑" panose="020B0503020204020204" charset="-122"/>
+              </a:rPr>
+              <a:t>个单位</a:t>
+            </a:r>
+            <a:endParaRPr lang="en-US" altLang="zh-CN" sz="1400" dirty="0">
+              <a:solidFill>
+                <a:schemeClr val="bg1">
+                  <a:lumMod val="50000"/>
+                </a:schemeClr>
+              </a:solidFill>
+              <a:latin typeface="微软雅黑" panose="020B0503020204020204" charset="-122"/>
+              <a:ea typeface="微软雅黑" panose="020B0503020204020204" charset="-122"/>
+            </a:endParaRPr>
+          </a:p>
+          <a:p>
+            <a:endParaRPr lang="en-US" altLang="zh-CN" sz="1400" dirty="0">
+              <a:solidFill>
+                <a:schemeClr val="bg1">
+                  <a:lumMod val="50000"/>
+                </a:schemeClr>
+              </a:solidFill>
+              <a:latin typeface="微软雅黑" panose="020B0503020204020204" charset="-122"/>
+              <a:ea typeface="微软雅黑" panose="020B0503020204020204" charset="-122"/>
+            </a:endParaRPr>
+          </a:p>
+          <a:p>
+            <a:endParaRPr lang="en-US" altLang="zh-CN" sz="1400" dirty="0">
+              <a:solidFill>
+                <a:schemeClr val="bg1">
+                  <a:lumMod val="50000"/>
+                </a:schemeClr>
+              </a:solidFill>
+              <a:latin typeface="微软雅黑" panose="020B0503020204020204" charset="-122"/>
+              <a:ea typeface="微软雅黑" panose="020B0503020204020204" charset="-122"/>
+            </a:endParaRPr>
+          </a:p>
+          <a:p>
+            <a:endParaRPr lang="en-US" altLang="zh-CN" sz="1400" dirty="0">
+              <a:solidFill>
+                <a:schemeClr val="bg1">
+                  <a:lumMod val="50000"/>
+                </a:schemeClr>
+              </a:solidFill>
+              <a:latin typeface="微软雅黑" panose="020B0503020204020204" charset="-122"/>
+              <a:ea typeface="微软雅黑" panose="020B0503020204020204" charset="-122"/>
+            </a:endParaRPr>
+          </a:p>
+          <a:p>
+            <a:endParaRPr lang="en-US" altLang="zh-CN" sz="1400" dirty="0">
+              <a:solidFill>
+                <a:srgbClr val="FF0000"/>
+              </a:solidFill>
+              <a:latin typeface="微软雅黑" panose="020B0503020204020204" charset="-122"/>
+              <a:ea typeface="微软雅黑" panose="020B0503020204020204" charset="-122"/>
+            </a:endParaRPr>
           </a:p>
         </p:txBody>
       </p:sp>
@@ -22577,16 +23522,174 @@
           <a:chExt cx="0" cy="0"/>
         </a:xfrm>
       </p:grpSpPr>
+      <p:pic>
+        <p:nvPicPr>
+          <p:cNvPr id="3" name="图片 2">
+            <a:extLst>
+              <a:ext uri="{FF2B5EF4-FFF2-40B4-BE49-F238E27FC236}">
+                <a16:creationId xmlns:a16="http://schemas.microsoft.com/office/drawing/2014/main" id="{6E045834-1039-9647-8CEB-8845078E10EE}"/>
+              </a:ext>
+            </a:extLst>
+          </p:cNvPr>
+          <p:cNvPicPr>
+            <a:picLocks noChangeAspect="1"/>
+          </p:cNvPicPr>
+          <p:nvPr/>
+        </p:nvPicPr>
+        <p:blipFill>
+          <a:blip r:embed="rId2"/>
+          <a:stretch>
+            <a:fillRect/>
+          </a:stretch>
+        </p:blipFill>
+        <p:spPr>
+          <a:xfrm>
+            <a:off x="186304" y="4136483"/>
+            <a:ext cx="3251200" cy="1930400"/>
+          </a:xfrm>
+          <a:prstGeom prst="rect">
+            <a:avLst/>
+          </a:prstGeom>
+        </p:spPr>
+      </p:pic>
+      <p:pic>
+        <p:nvPicPr>
+          <p:cNvPr id="2" name="图片 1">
+            <a:extLst>
+              <a:ext uri="{FF2B5EF4-FFF2-40B4-BE49-F238E27FC236}">
+                <a16:creationId xmlns:a16="http://schemas.microsoft.com/office/drawing/2014/main" id="{A49369AB-224D-774D-A123-E39F13B20020}"/>
+              </a:ext>
+            </a:extLst>
+          </p:cNvPr>
+          <p:cNvPicPr>
+            <a:picLocks noChangeAspect="1"/>
+          </p:cNvPicPr>
+          <p:nvPr/>
+        </p:nvPicPr>
+        <p:blipFill>
+          <a:blip r:embed="rId3"/>
+          <a:stretch>
+            <a:fillRect/>
+          </a:stretch>
+        </p:blipFill>
+        <p:spPr>
+          <a:xfrm>
+            <a:off x="186304" y="1812548"/>
+            <a:ext cx="5868808" cy="2038269"/>
+          </a:xfrm>
+          <a:prstGeom prst="rect">
+            <a:avLst/>
+          </a:prstGeom>
+        </p:spPr>
+      </p:pic>
       <p:sp>
         <p:nvSpPr>
-          <p:cNvPr id="2" name="文本框 1"/>
+          <p:cNvPr id="6" name="矩形 5">
+            <a:extLst>
+              <a:ext uri="{FF2B5EF4-FFF2-40B4-BE49-F238E27FC236}">
+                <a16:creationId xmlns:a16="http://schemas.microsoft.com/office/drawing/2014/main" id="{6A32B224-18D4-F447-8FFD-6D635C3F2AC4}"/>
+              </a:ext>
+            </a:extLst>
+          </p:cNvPr>
+          <p:cNvSpPr/>
+          <p:nvPr/>
+        </p:nvSpPr>
+        <p:spPr>
+          <a:xfrm>
+            <a:off x="0" y="60523"/>
+            <a:ext cx="2051074" cy="307777"/>
+          </a:xfrm>
+          <a:prstGeom prst="rect">
+            <a:avLst/>
+          </a:prstGeom>
+        </p:spPr>
+        <p:txBody>
+          <a:bodyPr wrap="none">
+            <a:spAutoFit/>
+          </a:bodyPr>
+          <a:lstStyle/>
+          <a:p>
+            <a:r>
+              <a:rPr lang="en-US" altLang="zh-CN" sz="1400" b="1" dirty="0"/>
+              <a:t>PART ONE </a:t>
+            </a:r>
+            <a:r>
+              <a:rPr lang="zh-CN" altLang="en-US" sz="1400" b="1" dirty="0"/>
+              <a:t>深入神经网络</a:t>
+            </a:r>
+          </a:p>
+        </p:txBody>
+      </p:sp>
+      <p:sp>
+        <p:nvSpPr>
+          <p:cNvPr id="7" name="椭圆 6">
+            <a:extLst>
+              <a:ext uri="{FF2B5EF4-FFF2-40B4-BE49-F238E27FC236}">
+                <a16:creationId xmlns:a16="http://schemas.microsoft.com/office/drawing/2014/main" id="{D1812375-66FF-2A4D-A626-13AE40C330A2}"/>
+              </a:ext>
+            </a:extLst>
+          </p:cNvPr>
+          <p:cNvSpPr/>
+          <p:nvPr/>
+        </p:nvSpPr>
+        <p:spPr>
+          <a:xfrm>
+            <a:off x="1966473" y="157740"/>
+            <a:ext cx="130917" cy="113341"/>
+          </a:xfrm>
+          <a:prstGeom prst="ellipse">
+            <a:avLst/>
+          </a:prstGeom>
+          <a:solidFill>
+            <a:srgbClr val="FF0000"/>
+          </a:solidFill>
+          <a:ln>
+            <a:noFill/>
+          </a:ln>
+        </p:spPr>
+        <p:style>
+          <a:lnRef idx="2">
+            <a:schemeClr val="accent1">
+              <a:shade val="50000"/>
+            </a:schemeClr>
+          </a:lnRef>
+          <a:fillRef idx="1">
+            <a:schemeClr val="accent1"/>
+          </a:fillRef>
+          <a:effectRef idx="0">
+            <a:schemeClr val="accent1"/>
+          </a:effectRef>
+          <a:fontRef idx="minor">
+            <a:schemeClr val="lt1"/>
+          </a:fontRef>
+        </p:style>
+        <p:txBody>
+          <a:bodyPr rot="0" spcFirstLastPara="0" vertOverflow="overflow" horzOverflow="overflow" vert="horz" wrap="square" lIns="91440" tIns="45720" rIns="91440" bIns="45720" numCol="1" spcCol="0" rtlCol="0" fromWordArt="0" anchor="ctr" anchorCtr="0" forceAA="0" compatLnSpc="1">
+            <a:noAutofit/>
+          </a:bodyPr>
+          <a:lstStyle/>
+          <a:p>
+            <a:pPr algn="ctr"/>
+            <a:endParaRPr lang="zh-CN" altLang="en-US" sz="4400"/>
+          </a:p>
+        </p:txBody>
+      </p:sp>
+      <p:sp>
+        <p:nvSpPr>
+          <p:cNvPr id="5" name="文本框 4">
+            <a:extLst>
+              <a:ext uri="{FF2B5EF4-FFF2-40B4-BE49-F238E27FC236}">
+                <a16:creationId xmlns:a16="http://schemas.microsoft.com/office/drawing/2014/main" id="{1F206195-DCBE-7743-A07E-E9CA1185A9AB}"/>
+              </a:ext>
+            </a:extLst>
+          </p:cNvPr>
           <p:cNvSpPr txBox="1"/>
           <p:nvPr/>
         </p:nvSpPr>
         <p:spPr>
           <a:xfrm>
-            <a:off x="4294927" y="3280457"/>
-            <a:ext cx="3602146" cy="880306"/>
+            <a:off x="186304" y="465517"/>
+            <a:ext cx="6459821" cy="954107"/>
           </a:xfrm>
           <a:prstGeom prst="rect">
             <a:avLst/>
@@ -22599,6 +23702,3722 @@
           </a:bodyPr>
           <a:lstStyle/>
           <a:p>
+            <a:r>
+              <a:rPr lang="zh-CN" altLang="en-US" sz="1400" dirty="0">
+                <a:solidFill>
+                  <a:schemeClr val="bg1">
+                    <a:lumMod val="50000"/>
+                  </a:schemeClr>
+                </a:solidFill>
+                <a:latin typeface="微软雅黑" panose="020B0503020204020204" charset="-122"/>
+                <a:ea typeface="微软雅黑" panose="020B0503020204020204" charset="-122"/>
+              </a:rPr>
+              <a:t>偏导数</a:t>
+            </a:r>
+            <a:endParaRPr lang="en-US" altLang="zh-CN" sz="1400" dirty="0">
+              <a:solidFill>
+                <a:schemeClr val="bg1">
+                  <a:lumMod val="50000"/>
+                </a:schemeClr>
+              </a:solidFill>
+              <a:latin typeface="微软雅黑" panose="020B0503020204020204" charset="-122"/>
+              <a:ea typeface="微软雅黑" panose="020B0503020204020204" charset="-122"/>
+            </a:endParaRPr>
+          </a:p>
+          <a:p>
+            <a:r>
+              <a:rPr lang="zh-CN" altLang="en-US" sz="1400" dirty="0">
+                <a:solidFill>
+                  <a:schemeClr val="tx1">
+                    <a:lumMod val="50000"/>
+                    <a:lumOff val="50000"/>
+                  </a:schemeClr>
+                </a:solidFill>
+                <a:latin typeface="微软雅黑" panose="020B0503020204020204" charset="-122"/>
+                <a:ea typeface="微软雅黑" panose="020B0503020204020204" charset="-122"/>
+              </a:rPr>
+              <a:t>刚刚举的简单例子，都是</a:t>
+            </a:r>
+            <a:r>
+              <a:rPr lang="zh-CN" altLang="en-US" sz="1400" dirty="0">
+                <a:solidFill>
+                  <a:srgbClr val="92D050"/>
+                </a:solidFill>
+                <a:latin typeface="微软雅黑" panose="020B0503020204020204" charset="-122"/>
+                <a:ea typeface="微软雅黑" panose="020B0503020204020204" charset="-122"/>
+              </a:rPr>
+              <a:t>单元</a:t>
+            </a:r>
+            <a:r>
+              <a:rPr lang="zh-CN" altLang="en-US" sz="1400" dirty="0">
+                <a:solidFill>
+                  <a:schemeClr val="tx1">
+                    <a:lumMod val="50000"/>
+                    <a:lumOff val="50000"/>
+                  </a:schemeClr>
+                </a:solidFill>
+                <a:latin typeface="微软雅黑" panose="020B0503020204020204" charset="-122"/>
+                <a:ea typeface="微软雅黑" panose="020B0503020204020204" charset="-122"/>
+              </a:rPr>
+              <a:t>的，如果等号右边不止一个变量的话，函数就变成了</a:t>
+            </a:r>
+            <a:r>
+              <a:rPr lang="zh-CN" altLang="en-US" sz="1400" dirty="0">
+                <a:solidFill>
+                  <a:srgbClr val="FF0000"/>
+                </a:solidFill>
+                <a:latin typeface="微软雅黑" panose="020B0503020204020204" charset="-122"/>
+                <a:ea typeface="微软雅黑" panose="020B0503020204020204" charset="-122"/>
+              </a:rPr>
+              <a:t>多元</a:t>
+            </a:r>
+            <a:r>
+              <a:rPr lang="zh-CN" altLang="en-US" sz="1400" dirty="0">
+                <a:solidFill>
+                  <a:schemeClr val="tx1">
+                    <a:lumMod val="50000"/>
+                    <a:lumOff val="50000"/>
+                  </a:schemeClr>
+                </a:solidFill>
+                <a:latin typeface="微软雅黑" panose="020B0503020204020204" charset="-122"/>
+                <a:ea typeface="微软雅黑" panose="020B0503020204020204" charset="-122"/>
+              </a:rPr>
+              <a:t>的，比如我们之前的线性公式 </a:t>
+            </a:r>
+            <a:r>
+              <a:rPr lang="en-US" altLang="zh-CN" sz="1400" dirty="0">
+                <a:solidFill>
+                  <a:schemeClr val="tx1">
+                    <a:lumMod val="50000"/>
+                    <a:lumOff val="50000"/>
+                  </a:schemeClr>
+                </a:solidFill>
+                <a:latin typeface="微软雅黑" panose="020B0503020204020204" charset="-122"/>
+                <a:ea typeface="微软雅黑" panose="020B0503020204020204" charset="-122"/>
+              </a:rPr>
+              <a:t>y=</a:t>
+            </a:r>
+            <a:r>
+              <a:rPr lang="en-US" altLang="zh-CN" sz="1400" dirty="0" err="1">
+                <a:solidFill>
+                  <a:schemeClr val="tx1">
+                    <a:lumMod val="50000"/>
+                    <a:lumOff val="50000"/>
+                  </a:schemeClr>
+                </a:solidFill>
+                <a:latin typeface="微软雅黑" panose="020B0503020204020204" charset="-122"/>
+                <a:ea typeface="微软雅黑" panose="020B0503020204020204" charset="-122"/>
+              </a:rPr>
+              <a:t>wx+b</a:t>
+            </a:r>
+            <a:r>
+              <a:rPr lang="zh-CN" altLang="en-US" sz="1400" dirty="0">
+                <a:solidFill>
+                  <a:schemeClr val="tx1">
+                    <a:lumMod val="50000"/>
+                    <a:lumOff val="50000"/>
+                  </a:schemeClr>
+                </a:solidFill>
+                <a:latin typeface="微软雅黑" panose="020B0503020204020204" charset="-122"/>
+                <a:ea typeface="微软雅黑" panose="020B0503020204020204" charset="-122"/>
+              </a:rPr>
+              <a:t>，所以就有了偏导数：</a:t>
+            </a:r>
+            <a:endParaRPr lang="en-US" altLang="zh-CN" sz="1400" dirty="0">
+              <a:solidFill>
+                <a:schemeClr val="tx1">
+                  <a:lumMod val="50000"/>
+                  <a:lumOff val="50000"/>
+                </a:schemeClr>
+              </a:solidFill>
+              <a:latin typeface="微软雅黑" panose="020B0503020204020204" charset="-122"/>
+              <a:ea typeface="微软雅黑" panose="020B0503020204020204" charset="-122"/>
+            </a:endParaRPr>
+          </a:p>
+          <a:p>
+            <a:r>
+              <a:rPr lang="zh-CN" altLang="en-US" sz="1400" dirty="0">
+                <a:solidFill>
+                  <a:schemeClr val="tx1">
+                    <a:lumMod val="50000"/>
+                    <a:lumOff val="50000"/>
+                  </a:schemeClr>
+                </a:solidFill>
+                <a:latin typeface="微软雅黑" panose="020B0503020204020204" charset="-122"/>
+                <a:ea typeface="微软雅黑" panose="020B0503020204020204" charset="-122"/>
+              </a:rPr>
+              <a:t>偏导数是它关于其中一个变量的</a:t>
+            </a:r>
+            <a:r>
+              <a:rPr lang="zh-CN" altLang="en-US" sz="1400" dirty="0">
+                <a:solidFill>
+                  <a:schemeClr val="tx1">
+                    <a:lumMod val="50000"/>
+                    <a:lumOff val="50000"/>
+                  </a:schemeClr>
+                </a:solidFill>
+                <a:latin typeface="微软雅黑" panose="020B0503020204020204" charset="-122"/>
+                <a:ea typeface="微软雅黑" panose="020B0503020204020204" charset="-122"/>
+                <a:hlinkClick r:id="rId4" tooltip="导数"/>
+              </a:rPr>
+              <a:t>导数</a:t>
+            </a:r>
+            <a:r>
+              <a:rPr lang="zh-CN" altLang="en-US" sz="1400" dirty="0">
+                <a:solidFill>
+                  <a:schemeClr val="tx1">
+                    <a:lumMod val="50000"/>
+                    <a:lumOff val="50000"/>
+                  </a:schemeClr>
+                </a:solidFill>
+                <a:latin typeface="微软雅黑" panose="020B0503020204020204" charset="-122"/>
+                <a:ea typeface="微软雅黑" panose="020B0503020204020204" charset="-122"/>
+              </a:rPr>
+              <a:t>，而保持其他变量恒定</a:t>
+            </a:r>
+            <a:endParaRPr lang="en-US" altLang="zh-CN" sz="1400" dirty="0">
+              <a:solidFill>
+                <a:schemeClr val="tx1">
+                  <a:lumMod val="50000"/>
+                  <a:lumOff val="50000"/>
+                </a:schemeClr>
+              </a:solidFill>
+              <a:latin typeface="微软雅黑" panose="020B0503020204020204" charset="-122"/>
+              <a:ea typeface="微软雅黑" panose="020B0503020204020204" charset="-122"/>
+            </a:endParaRPr>
+          </a:p>
+        </p:txBody>
+      </p:sp>
+      <p:sp>
+        <p:nvSpPr>
+          <p:cNvPr id="8" name="文本框 7">
+            <a:extLst>
+              <a:ext uri="{FF2B5EF4-FFF2-40B4-BE49-F238E27FC236}">
+                <a16:creationId xmlns:a16="http://schemas.microsoft.com/office/drawing/2014/main" id="{39FB7590-9166-D142-A34C-957865E21C83}"/>
+              </a:ext>
+            </a:extLst>
+          </p:cNvPr>
+          <p:cNvSpPr txBox="1"/>
+          <p:nvPr/>
+        </p:nvSpPr>
+        <p:spPr>
+          <a:xfrm>
+            <a:off x="186304" y="1494814"/>
+            <a:ext cx="6459821" cy="523220"/>
+          </a:xfrm>
+          <a:prstGeom prst="rect">
+            <a:avLst/>
+          </a:prstGeom>
+          <a:noFill/>
+        </p:spPr>
+        <p:txBody>
+          <a:bodyPr wrap="square" rtlCol="0">
+            <a:spAutoFit/>
+          </a:bodyPr>
+          <a:lstStyle/>
+          <a:p>
+            <a:r>
+              <a:rPr lang="zh-CN" altLang="en-US" sz="1400" dirty="0">
+                <a:solidFill>
+                  <a:schemeClr val="tx1">
+                    <a:lumMod val="50000"/>
+                    <a:lumOff val="50000"/>
+                  </a:schemeClr>
+                </a:solidFill>
+                <a:latin typeface="微软雅黑" panose="020B0503020204020204" charset="-122"/>
+                <a:ea typeface="微软雅黑" panose="020B0503020204020204" charset="-122"/>
+              </a:rPr>
+              <a:t>以上面的线性公式（</a:t>
+            </a:r>
+            <a:r>
+              <a:rPr lang="en-US" altLang="zh-CN" sz="1400" dirty="0">
+                <a:solidFill>
+                  <a:schemeClr val="tx1">
+                    <a:lumMod val="50000"/>
+                    <a:lumOff val="50000"/>
+                  </a:schemeClr>
+                </a:solidFill>
+                <a:latin typeface="微软雅黑" panose="020B0503020204020204" charset="-122"/>
+                <a:ea typeface="微软雅黑" panose="020B0503020204020204" charset="-122"/>
+              </a:rPr>
+              <a:t>y=</a:t>
+            </a:r>
+            <a:r>
+              <a:rPr lang="en-US" altLang="zh-CN" sz="1400" dirty="0" err="1">
+                <a:solidFill>
+                  <a:schemeClr val="tx1">
+                    <a:lumMod val="50000"/>
+                    <a:lumOff val="50000"/>
+                  </a:schemeClr>
+                </a:solidFill>
+                <a:latin typeface="微软雅黑" panose="020B0503020204020204" charset="-122"/>
+                <a:ea typeface="微软雅黑" panose="020B0503020204020204" charset="-122"/>
+              </a:rPr>
+              <a:t>wx+b</a:t>
+            </a:r>
+            <a:r>
+              <a:rPr lang="zh-CN" altLang="en-US" sz="1400" dirty="0">
+                <a:solidFill>
+                  <a:schemeClr val="tx1">
+                    <a:lumMod val="50000"/>
+                    <a:lumOff val="50000"/>
+                  </a:schemeClr>
+                </a:solidFill>
+                <a:latin typeface="微软雅黑" panose="020B0503020204020204" charset="-122"/>
+                <a:ea typeface="微软雅黑" panose="020B0503020204020204" charset="-122"/>
+              </a:rPr>
+              <a:t>）举例：</a:t>
+            </a:r>
+            <a:endParaRPr lang="en-US" altLang="zh-CN" sz="1400" dirty="0">
+              <a:solidFill>
+                <a:schemeClr val="tx1">
+                  <a:lumMod val="50000"/>
+                  <a:lumOff val="50000"/>
+                </a:schemeClr>
+              </a:solidFill>
+              <a:latin typeface="微软雅黑" panose="020B0503020204020204" charset="-122"/>
+              <a:ea typeface="微软雅黑" panose="020B0503020204020204" charset="-122"/>
+            </a:endParaRPr>
+          </a:p>
+          <a:p>
+            <a:endParaRPr lang="en-US" altLang="zh-CN" sz="1400" dirty="0">
+              <a:solidFill>
+                <a:schemeClr val="tx1">
+                  <a:lumMod val="50000"/>
+                  <a:lumOff val="50000"/>
+                </a:schemeClr>
+              </a:solidFill>
+              <a:latin typeface="微软雅黑" panose="020B0503020204020204" charset="-122"/>
+              <a:ea typeface="微软雅黑" panose="020B0503020204020204" charset="-122"/>
+            </a:endParaRPr>
+          </a:p>
+        </p:txBody>
+      </p:sp>
+      <p:sp>
+        <p:nvSpPr>
+          <p:cNvPr id="9" name="文本框 8">
+            <a:extLst>
+              <a:ext uri="{FF2B5EF4-FFF2-40B4-BE49-F238E27FC236}">
+                <a16:creationId xmlns:a16="http://schemas.microsoft.com/office/drawing/2014/main" id="{9DB60351-D2CC-8B4C-9EE5-C865F22A9088}"/>
+              </a:ext>
+            </a:extLst>
+          </p:cNvPr>
+          <p:cNvSpPr txBox="1"/>
+          <p:nvPr/>
+        </p:nvSpPr>
+        <p:spPr>
+          <a:xfrm>
+            <a:off x="186304" y="3746883"/>
+            <a:ext cx="6459821" cy="1815882"/>
+          </a:xfrm>
+          <a:prstGeom prst="rect">
+            <a:avLst/>
+          </a:prstGeom>
+          <a:noFill/>
+        </p:spPr>
+        <p:txBody>
+          <a:bodyPr wrap="square" rtlCol="0">
+            <a:spAutoFit/>
+          </a:bodyPr>
+          <a:lstStyle/>
+          <a:p>
+            <a:r>
+              <a:rPr lang="zh-CN" altLang="en-US" sz="1400" dirty="0">
+                <a:solidFill>
+                  <a:schemeClr val="tx1">
+                    <a:lumMod val="50000"/>
+                    <a:lumOff val="50000"/>
+                  </a:schemeClr>
+                </a:solidFill>
+                <a:latin typeface="微软雅黑" panose="020B0503020204020204" charset="-122"/>
+                <a:ea typeface="微软雅黑" panose="020B0503020204020204" charset="-122"/>
+              </a:rPr>
+              <a:t>还有微积分中非常重要的 </a:t>
+            </a:r>
+            <a:r>
+              <a:rPr lang="zh-CN" altLang="en-US" sz="1400" dirty="0">
+                <a:solidFill>
+                  <a:srgbClr val="FF0000"/>
+                </a:solidFill>
+                <a:latin typeface="微软雅黑" panose="020B0503020204020204" charset="-122"/>
+                <a:ea typeface="微软雅黑" panose="020B0503020204020204" charset="-122"/>
+              </a:rPr>
+              <a:t>链式法则</a:t>
+            </a:r>
+            <a:r>
+              <a:rPr lang="zh-CN" altLang="en-US" sz="1400" dirty="0">
+                <a:solidFill>
+                  <a:schemeClr val="tx1">
+                    <a:lumMod val="50000"/>
+                    <a:lumOff val="50000"/>
+                  </a:schemeClr>
+                </a:solidFill>
+                <a:latin typeface="微软雅黑" panose="020B0503020204020204" charset="-122"/>
+                <a:ea typeface="微软雅黑" panose="020B0503020204020204" charset="-122"/>
+              </a:rPr>
+              <a:t>，由于我们的神经元可能是复合函数，输入到输出不光光是只有一个线性的公式还有一个激活函数：</a:t>
+            </a:r>
+            <a:endParaRPr lang="en-US" altLang="zh-CN" sz="1400" dirty="0">
+              <a:solidFill>
+                <a:schemeClr val="tx1">
+                  <a:lumMod val="50000"/>
+                  <a:lumOff val="50000"/>
+                </a:schemeClr>
+              </a:solidFill>
+              <a:latin typeface="微软雅黑" panose="020B0503020204020204" charset="-122"/>
+              <a:ea typeface="微软雅黑" panose="020B0503020204020204" charset="-122"/>
+            </a:endParaRPr>
+          </a:p>
+          <a:p>
+            <a:endParaRPr lang="en-US" altLang="zh-CN" sz="1400" dirty="0">
+              <a:solidFill>
+                <a:schemeClr val="tx1">
+                  <a:lumMod val="50000"/>
+                  <a:lumOff val="50000"/>
+                </a:schemeClr>
+              </a:solidFill>
+              <a:latin typeface="微软雅黑" panose="020B0503020204020204" charset="-122"/>
+              <a:ea typeface="微软雅黑" panose="020B0503020204020204" charset="-122"/>
+            </a:endParaRPr>
+          </a:p>
+          <a:p>
+            <a:endParaRPr lang="en-US" altLang="zh-CN" sz="1400" dirty="0">
+              <a:solidFill>
+                <a:schemeClr val="tx1">
+                  <a:lumMod val="50000"/>
+                  <a:lumOff val="50000"/>
+                </a:schemeClr>
+              </a:solidFill>
+              <a:latin typeface="微软雅黑" panose="020B0503020204020204" charset="-122"/>
+              <a:ea typeface="微软雅黑" panose="020B0503020204020204" charset="-122"/>
+            </a:endParaRPr>
+          </a:p>
+          <a:p>
+            <a:endParaRPr lang="en-US" altLang="zh-CN" sz="1400" dirty="0">
+              <a:solidFill>
+                <a:schemeClr val="tx1">
+                  <a:lumMod val="50000"/>
+                  <a:lumOff val="50000"/>
+                </a:schemeClr>
+              </a:solidFill>
+              <a:latin typeface="微软雅黑" panose="020B0503020204020204" charset="-122"/>
+              <a:ea typeface="微软雅黑" panose="020B0503020204020204" charset="-122"/>
+            </a:endParaRPr>
+          </a:p>
+          <a:p>
+            <a:endParaRPr lang="en-US" altLang="zh-CN" sz="1400" dirty="0">
+              <a:solidFill>
+                <a:schemeClr val="tx1">
+                  <a:lumMod val="50000"/>
+                  <a:lumOff val="50000"/>
+                </a:schemeClr>
+              </a:solidFill>
+              <a:latin typeface="微软雅黑" panose="020B0503020204020204" charset="-122"/>
+              <a:ea typeface="微软雅黑" panose="020B0503020204020204" charset="-122"/>
+            </a:endParaRPr>
+          </a:p>
+          <a:p>
+            <a:endParaRPr lang="en-US" altLang="zh-CN" sz="1400" dirty="0">
+              <a:solidFill>
+                <a:schemeClr val="tx1">
+                  <a:lumMod val="50000"/>
+                  <a:lumOff val="50000"/>
+                </a:schemeClr>
+              </a:solidFill>
+              <a:latin typeface="微软雅黑" panose="020B0503020204020204" charset="-122"/>
+              <a:ea typeface="微软雅黑" panose="020B0503020204020204" charset="-122"/>
+            </a:endParaRPr>
+          </a:p>
+          <a:p>
+            <a:endParaRPr lang="en-US" altLang="zh-CN" sz="1400" dirty="0">
+              <a:solidFill>
+                <a:schemeClr val="tx1">
+                  <a:lumMod val="50000"/>
+                  <a:lumOff val="50000"/>
+                </a:schemeClr>
+              </a:solidFill>
+              <a:latin typeface="微软雅黑" panose="020B0503020204020204" charset="-122"/>
+              <a:ea typeface="微软雅黑" panose="020B0503020204020204" charset="-122"/>
+            </a:endParaRPr>
+          </a:p>
+        </p:txBody>
+      </p:sp>
+      <p:sp>
+        <p:nvSpPr>
+          <p:cNvPr id="10" name="文本框 9">
+            <a:extLst>
+              <a:ext uri="{FF2B5EF4-FFF2-40B4-BE49-F238E27FC236}">
+                <a16:creationId xmlns:a16="http://schemas.microsoft.com/office/drawing/2014/main" id="{BA6FAB48-062A-1042-82BD-C8FB0650A122}"/>
+              </a:ext>
+            </a:extLst>
+          </p:cNvPr>
+          <p:cNvSpPr txBox="1"/>
+          <p:nvPr/>
+        </p:nvSpPr>
+        <p:spPr>
+          <a:xfrm>
+            <a:off x="2669309" y="5158942"/>
+            <a:ext cx="3385803" cy="1815882"/>
+          </a:xfrm>
+          <a:prstGeom prst="rect">
+            <a:avLst/>
+          </a:prstGeom>
+          <a:noFill/>
+        </p:spPr>
+        <p:txBody>
+          <a:bodyPr wrap="square" rtlCol="0">
+            <a:spAutoFit/>
+          </a:bodyPr>
+          <a:lstStyle/>
+          <a:p>
+            <a:r>
+              <a:rPr lang="zh-CN" altLang="en-US" sz="1400" dirty="0">
+                <a:solidFill>
+                  <a:schemeClr val="tx1">
+                    <a:lumMod val="50000"/>
+                    <a:lumOff val="50000"/>
+                  </a:schemeClr>
+                </a:solidFill>
+                <a:latin typeface="微软雅黑" panose="020B0503020204020204" charset="-122"/>
+                <a:ea typeface="微软雅黑" panose="020B0503020204020204" charset="-122"/>
+              </a:rPr>
+              <a:t>可以看到关于复合函数的求导就等于这些有限个复合函数在相应点导数的</a:t>
+            </a:r>
+            <a:r>
+              <a:rPr lang="zh-CN" altLang="en-US" sz="1400" dirty="0">
+                <a:solidFill>
+                  <a:srgbClr val="FF0000"/>
+                </a:solidFill>
+                <a:latin typeface="微软雅黑" panose="020B0503020204020204" charset="-122"/>
+                <a:ea typeface="微软雅黑" panose="020B0503020204020204" charset="-122"/>
+              </a:rPr>
+              <a:t>乘积</a:t>
+            </a:r>
+            <a:endParaRPr lang="en-US" altLang="zh-CN" sz="1400" dirty="0">
+              <a:solidFill>
+                <a:srgbClr val="FF0000"/>
+              </a:solidFill>
+              <a:latin typeface="微软雅黑" panose="020B0503020204020204" charset="-122"/>
+              <a:ea typeface="微软雅黑" panose="020B0503020204020204" charset="-122"/>
+            </a:endParaRPr>
+          </a:p>
+          <a:p>
+            <a:endParaRPr lang="en-US" altLang="zh-CN" sz="1400" dirty="0">
+              <a:solidFill>
+                <a:schemeClr val="tx1">
+                  <a:lumMod val="50000"/>
+                  <a:lumOff val="50000"/>
+                </a:schemeClr>
+              </a:solidFill>
+              <a:latin typeface="微软雅黑" panose="020B0503020204020204" charset="-122"/>
+              <a:ea typeface="微软雅黑" panose="020B0503020204020204" charset="-122"/>
+            </a:endParaRPr>
+          </a:p>
+          <a:p>
+            <a:endParaRPr lang="en-US" altLang="zh-CN" sz="1400" dirty="0">
+              <a:solidFill>
+                <a:schemeClr val="tx1">
+                  <a:lumMod val="50000"/>
+                  <a:lumOff val="50000"/>
+                </a:schemeClr>
+              </a:solidFill>
+              <a:latin typeface="微软雅黑" panose="020B0503020204020204" charset="-122"/>
+              <a:ea typeface="微软雅黑" panose="020B0503020204020204" charset="-122"/>
+            </a:endParaRPr>
+          </a:p>
+          <a:p>
+            <a:endParaRPr lang="en-US" altLang="zh-CN" sz="1400" dirty="0">
+              <a:solidFill>
+                <a:schemeClr val="tx1">
+                  <a:lumMod val="50000"/>
+                  <a:lumOff val="50000"/>
+                </a:schemeClr>
+              </a:solidFill>
+              <a:latin typeface="微软雅黑" panose="020B0503020204020204" charset="-122"/>
+              <a:ea typeface="微软雅黑" panose="020B0503020204020204" charset="-122"/>
+            </a:endParaRPr>
+          </a:p>
+          <a:p>
+            <a:endParaRPr lang="en-US" altLang="zh-CN" sz="1400" dirty="0">
+              <a:solidFill>
+                <a:schemeClr val="tx1">
+                  <a:lumMod val="50000"/>
+                  <a:lumOff val="50000"/>
+                </a:schemeClr>
+              </a:solidFill>
+              <a:latin typeface="微软雅黑" panose="020B0503020204020204" charset="-122"/>
+              <a:ea typeface="微软雅黑" panose="020B0503020204020204" charset="-122"/>
+            </a:endParaRPr>
+          </a:p>
+          <a:p>
+            <a:endParaRPr lang="en-US" altLang="zh-CN" sz="1400" dirty="0">
+              <a:solidFill>
+                <a:schemeClr val="tx1">
+                  <a:lumMod val="50000"/>
+                  <a:lumOff val="50000"/>
+                </a:schemeClr>
+              </a:solidFill>
+              <a:latin typeface="微软雅黑" panose="020B0503020204020204" charset="-122"/>
+              <a:ea typeface="微软雅黑" panose="020B0503020204020204" charset="-122"/>
+            </a:endParaRPr>
+          </a:p>
+          <a:p>
+            <a:endParaRPr lang="en-US" altLang="zh-CN" sz="1400" dirty="0">
+              <a:solidFill>
+                <a:schemeClr val="tx1">
+                  <a:lumMod val="50000"/>
+                  <a:lumOff val="50000"/>
+                </a:schemeClr>
+              </a:solidFill>
+              <a:latin typeface="微软雅黑" panose="020B0503020204020204" charset="-122"/>
+              <a:ea typeface="微软雅黑" panose="020B0503020204020204" charset="-122"/>
+            </a:endParaRPr>
+          </a:p>
+        </p:txBody>
+      </p:sp>
+    </p:spTree>
+    <p:extLst>
+      <p:ext uri="{BB962C8B-B14F-4D97-AF65-F5344CB8AC3E}">
+        <p14:creationId xmlns:p14="http://schemas.microsoft.com/office/powerpoint/2010/main" val="967056233"/>
+      </p:ext>
+    </p:extLst>
+  </p:cSld>
+  <p:clrMapOvr>
+    <a:masterClrMapping/>
+  </p:clrMapOvr>
+  <mc:AlternateContent xmlns:mc="http://schemas.openxmlformats.org/markup-compatibility/2006" xmlns:p14="http://schemas.microsoft.com/office/powerpoint/2010/main">
+    <mc:Choice Requires="p14">
+      <p:transition spd="med" p14:dur="700">
+        <p:fade/>
+      </p:transition>
+    </mc:Choice>
+    <mc:Fallback xmlns="">
+      <p:transition spd="med">
+        <p:fade/>
+      </p:transition>
+    </mc:Fallback>
+  </mc:AlternateContent>
+</p:sld>
+</file>
+
+<file path=ppt/slides/slide23.xml><?xml version="1.0" encoding="utf-8"?>
+<p:sld xmlns:a="http://schemas.openxmlformats.org/drawingml/2006/main" xmlns:r="http://schemas.openxmlformats.org/officeDocument/2006/relationships" xmlns:p="http://schemas.openxmlformats.org/presentationml/2006/main">
+  <p:cSld>
+    <p:spTree>
+      <p:nvGrpSpPr>
+        <p:cNvPr id="1" name=""/>
+        <p:cNvGrpSpPr/>
+        <p:nvPr/>
+      </p:nvGrpSpPr>
+      <p:grpSpPr>
+        <a:xfrm>
+          <a:off x="0" y="0"/>
+          <a:ext cx="0" cy="0"/>
+          <a:chOff x="0" y="0"/>
+          <a:chExt cx="0" cy="0"/>
+        </a:xfrm>
+      </p:grpSpPr>
+      <p:sp>
+        <p:nvSpPr>
+          <p:cNvPr id="6" name="矩形 5">
+            <a:extLst>
+              <a:ext uri="{FF2B5EF4-FFF2-40B4-BE49-F238E27FC236}">
+                <a16:creationId xmlns:a16="http://schemas.microsoft.com/office/drawing/2014/main" id="{6A32B224-18D4-F447-8FFD-6D635C3F2AC4}"/>
+              </a:ext>
+            </a:extLst>
+          </p:cNvPr>
+          <p:cNvSpPr/>
+          <p:nvPr/>
+        </p:nvSpPr>
+        <p:spPr>
+          <a:xfrm>
+            <a:off x="0" y="60523"/>
+            <a:ext cx="2051074" cy="307777"/>
+          </a:xfrm>
+          <a:prstGeom prst="rect">
+            <a:avLst/>
+          </a:prstGeom>
+        </p:spPr>
+        <p:txBody>
+          <a:bodyPr wrap="none">
+            <a:spAutoFit/>
+          </a:bodyPr>
+          <a:lstStyle/>
+          <a:p>
+            <a:r>
+              <a:rPr lang="en-US" altLang="zh-CN" sz="1400" b="1" dirty="0"/>
+              <a:t>PART ONE </a:t>
+            </a:r>
+            <a:r>
+              <a:rPr lang="zh-CN" altLang="en-US" sz="1400" b="1" dirty="0"/>
+              <a:t>深入神经网络</a:t>
+            </a:r>
+          </a:p>
+        </p:txBody>
+      </p:sp>
+      <p:sp>
+        <p:nvSpPr>
+          <p:cNvPr id="7" name="椭圆 6">
+            <a:extLst>
+              <a:ext uri="{FF2B5EF4-FFF2-40B4-BE49-F238E27FC236}">
+                <a16:creationId xmlns:a16="http://schemas.microsoft.com/office/drawing/2014/main" id="{D1812375-66FF-2A4D-A626-13AE40C330A2}"/>
+              </a:ext>
+            </a:extLst>
+          </p:cNvPr>
+          <p:cNvSpPr/>
+          <p:nvPr/>
+        </p:nvSpPr>
+        <p:spPr>
+          <a:xfrm>
+            <a:off x="1966473" y="157740"/>
+            <a:ext cx="130917" cy="113341"/>
+          </a:xfrm>
+          <a:prstGeom prst="ellipse">
+            <a:avLst/>
+          </a:prstGeom>
+          <a:solidFill>
+            <a:srgbClr val="FF0000"/>
+          </a:solidFill>
+          <a:ln>
+            <a:noFill/>
+          </a:ln>
+        </p:spPr>
+        <p:style>
+          <a:lnRef idx="2">
+            <a:schemeClr val="accent1">
+              <a:shade val="50000"/>
+            </a:schemeClr>
+          </a:lnRef>
+          <a:fillRef idx="1">
+            <a:schemeClr val="accent1"/>
+          </a:fillRef>
+          <a:effectRef idx="0">
+            <a:schemeClr val="accent1"/>
+          </a:effectRef>
+          <a:fontRef idx="minor">
+            <a:schemeClr val="lt1"/>
+          </a:fontRef>
+        </p:style>
+        <p:txBody>
+          <a:bodyPr rot="0" spcFirstLastPara="0" vertOverflow="overflow" horzOverflow="overflow" vert="horz" wrap="square" lIns="91440" tIns="45720" rIns="91440" bIns="45720" numCol="1" spcCol="0" rtlCol="0" fromWordArt="0" anchor="ctr" anchorCtr="0" forceAA="0" compatLnSpc="1">
+            <a:noAutofit/>
+          </a:bodyPr>
+          <a:lstStyle/>
+          <a:p>
+            <a:pPr algn="ctr"/>
+            <a:endParaRPr lang="zh-CN" altLang="en-US" sz="4400"/>
+          </a:p>
+        </p:txBody>
+      </p:sp>
+      <p:sp>
+        <p:nvSpPr>
+          <p:cNvPr id="4" name="文本框 3">
+            <a:extLst>
+              <a:ext uri="{FF2B5EF4-FFF2-40B4-BE49-F238E27FC236}">
+                <a16:creationId xmlns:a16="http://schemas.microsoft.com/office/drawing/2014/main" id="{7D67B2A5-A3DB-3745-A5B7-506193046F6F}"/>
+              </a:ext>
+            </a:extLst>
+          </p:cNvPr>
+          <p:cNvSpPr txBox="1"/>
+          <p:nvPr/>
+        </p:nvSpPr>
+        <p:spPr>
+          <a:xfrm>
+            <a:off x="186304" y="465517"/>
+            <a:ext cx="6459821" cy="954107"/>
+          </a:xfrm>
+          <a:prstGeom prst="rect">
+            <a:avLst/>
+          </a:prstGeom>
+          <a:noFill/>
+        </p:spPr>
+        <p:txBody>
+          <a:bodyPr wrap="square" rtlCol="0">
+            <a:spAutoFit/>
+          </a:bodyPr>
+          <a:lstStyle/>
+          <a:p>
+            <a:r>
+              <a:rPr lang="zh-CN" altLang="en-US" sz="1400" dirty="0">
+                <a:solidFill>
+                  <a:schemeClr val="bg1">
+                    <a:lumMod val="50000"/>
+                  </a:schemeClr>
+                </a:solidFill>
+                <a:latin typeface="微软雅黑" panose="020B0503020204020204" charset="-122"/>
+                <a:ea typeface="微软雅黑" panose="020B0503020204020204" charset="-122"/>
+              </a:rPr>
+              <a:t>回到我们之前的损失函数，我现在需要知道对于整体的损失函数，权重</a:t>
+            </a:r>
+            <a:r>
+              <a:rPr lang="en-US" altLang="zh-CN" sz="1400" dirty="0">
+                <a:solidFill>
+                  <a:schemeClr val="bg1">
+                    <a:lumMod val="50000"/>
+                  </a:schemeClr>
+                </a:solidFill>
+                <a:latin typeface="微软雅黑" panose="020B0503020204020204" charset="-122"/>
+                <a:ea typeface="微软雅黑" panose="020B0503020204020204" charset="-122"/>
+              </a:rPr>
+              <a:t>w</a:t>
+            </a:r>
+            <a:r>
+              <a:rPr lang="zh-CN" altLang="en-US" sz="1400" dirty="0">
+                <a:solidFill>
+                  <a:schemeClr val="bg1">
+                    <a:lumMod val="50000"/>
+                  </a:schemeClr>
+                </a:solidFill>
+                <a:latin typeface="微软雅黑" panose="020B0503020204020204" charset="-122"/>
+                <a:ea typeface="微软雅黑" panose="020B0503020204020204" charset="-122"/>
+              </a:rPr>
+              <a:t>和</a:t>
+            </a:r>
+            <a:r>
+              <a:rPr lang="en-US" altLang="zh-CN" sz="1400" dirty="0">
+                <a:solidFill>
+                  <a:schemeClr val="bg1">
+                    <a:lumMod val="50000"/>
+                  </a:schemeClr>
+                </a:solidFill>
+                <a:latin typeface="微软雅黑" panose="020B0503020204020204" charset="-122"/>
+                <a:ea typeface="微软雅黑" panose="020B0503020204020204" charset="-122"/>
+              </a:rPr>
+              <a:t>b</a:t>
+            </a:r>
+            <a:r>
+              <a:rPr lang="zh-CN" altLang="en-US" sz="1400" dirty="0">
+                <a:solidFill>
+                  <a:schemeClr val="bg1">
+                    <a:lumMod val="50000"/>
+                  </a:schemeClr>
+                </a:solidFill>
+                <a:latin typeface="微软雅黑" panose="020B0503020204020204" charset="-122"/>
+                <a:ea typeface="微软雅黑" panose="020B0503020204020204" charset="-122"/>
+              </a:rPr>
+              <a:t>的导数是多少？</a:t>
+            </a:r>
+            <a:endParaRPr lang="en-US" altLang="zh-CN" sz="1400" dirty="0">
+              <a:solidFill>
+                <a:schemeClr val="bg1">
+                  <a:lumMod val="50000"/>
+                </a:schemeClr>
+              </a:solidFill>
+              <a:latin typeface="微软雅黑" panose="020B0503020204020204" charset="-122"/>
+              <a:ea typeface="微软雅黑" panose="020B0503020204020204" charset="-122"/>
+            </a:endParaRPr>
+          </a:p>
+          <a:p>
+            <a:endParaRPr lang="en-US" altLang="zh-CN" sz="1400" dirty="0">
+              <a:solidFill>
+                <a:schemeClr val="bg1">
+                  <a:lumMod val="50000"/>
+                </a:schemeClr>
+              </a:solidFill>
+              <a:latin typeface="微软雅黑" panose="020B0503020204020204" charset="-122"/>
+              <a:ea typeface="微软雅黑" panose="020B0503020204020204" charset="-122"/>
+            </a:endParaRPr>
+          </a:p>
+          <a:p>
+            <a:endParaRPr lang="en-US" altLang="zh-CN" sz="1400" dirty="0">
+              <a:solidFill>
+                <a:schemeClr val="tx1">
+                  <a:lumMod val="50000"/>
+                  <a:lumOff val="50000"/>
+                </a:schemeClr>
+              </a:solidFill>
+              <a:latin typeface="微软雅黑" panose="020B0503020204020204" charset="-122"/>
+              <a:ea typeface="微软雅黑" panose="020B0503020204020204" charset="-122"/>
+            </a:endParaRPr>
+          </a:p>
+        </p:txBody>
+      </p:sp>
+      <p:pic>
+        <p:nvPicPr>
+          <p:cNvPr id="3" name="图片 2">
+            <a:extLst>
+              <a:ext uri="{FF2B5EF4-FFF2-40B4-BE49-F238E27FC236}">
+                <a16:creationId xmlns:a16="http://schemas.microsoft.com/office/drawing/2014/main" id="{7E67B62C-84BB-3746-8E3B-B4EA4211BF51}"/>
+              </a:ext>
+            </a:extLst>
+          </p:cNvPr>
+          <p:cNvPicPr>
+            <a:picLocks noChangeAspect="1"/>
+          </p:cNvPicPr>
+          <p:nvPr/>
+        </p:nvPicPr>
+        <p:blipFill>
+          <a:blip r:embed="rId2"/>
+          <a:stretch>
+            <a:fillRect/>
+          </a:stretch>
+        </p:blipFill>
+        <p:spPr>
+          <a:xfrm>
+            <a:off x="186304" y="942570"/>
+            <a:ext cx="10033310" cy="5835930"/>
+          </a:xfrm>
+          <a:prstGeom prst="rect">
+            <a:avLst/>
+          </a:prstGeom>
+        </p:spPr>
+      </p:pic>
+    </p:spTree>
+    <p:extLst>
+      <p:ext uri="{BB962C8B-B14F-4D97-AF65-F5344CB8AC3E}">
+        <p14:creationId xmlns:p14="http://schemas.microsoft.com/office/powerpoint/2010/main" val="1638569064"/>
+      </p:ext>
+    </p:extLst>
+  </p:cSld>
+  <p:clrMapOvr>
+    <a:masterClrMapping/>
+  </p:clrMapOvr>
+  <mc:AlternateContent xmlns:mc="http://schemas.openxmlformats.org/markup-compatibility/2006" xmlns:p14="http://schemas.microsoft.com/office/powerpoint/2010/main">
+    <mc:Choice Requires="p14">
+      <p:transition spd="med" p14:dur="700">
+        <p:fade/>
+      </p:transition>
+    </mc:Choice>
+    <mc:Fallback xmlns="">
+      <p:transition spd="med">
+        <p:fade/>
+      </p:transition>
+    </mc:Fallback>
+  </mc:AlternateContent>
+</p:sld>
+</file>
+
+<file path=ppt/slides/slide24.xml><?xml version="1.0" encoding="utf-8"?>
+<p:sld xmlns:a="http://schemas.openxmlformats.org/drawingml/2006/main" xmlns:r="http://schemas.openxmlformats.org/officeDocument/2006/relationships" xmlns:p="http://schemas.openxmlformats.org/presentationml/2006/main">
+  <p:cSld>
+    <p:spTree>
+      <p:nvGrpSpPr>
+        <p:cNvPr id="1" name=""/>
+        <p:cNvGrpSpPr/>
+        <p:nvPr/>
+      </p:nvGrpSpPr>
+      <p:grpSpPr>
+        <a:xfrm>
+          <a:off x="0" y="0"/>
+          <a:ext cx="0" cy="0"/>
+          <a:chOff x="0" y="0"/>
+          <a:chExt cx="0" cy="0"/>
+        </a:xfrm>
+      </p:grpSpPr>
+      <p:pic>
+        <p:nvPicPr>
+          <p:cNvPr id="4" name="图片 3">
+            <a:extLst>
+              <a:ext uri="{FF2B5EF4-FFF2-40B4-BE49-F238E27FC236}">
+                <a16:creationId xmlns:a16="http://schemas.microsoft.com/office/drawing/2014/main" id="{3C669200-DEE6-3D4C-86D1-4C70D9B7CF00}"/>
+              </a:ext>
+            </a:extLst>
+          </p:cNvPr>
+          <p:cNvPicPr>
+            <a:picLocks noChangeAspect="1"/>
+          </p:cNvPicPr>
+          <p:nvPr/>
+        </p:nvPicPr>
+        <p:blipFill>
+          <a:blip r:embed="rId2"/>
+          <a:stretch>
+            <a:fillRect/>
+          </a:stretch>
+        </p:blipFill>
+        <p:spPr>
+          <a:xfrm>
+            <a:off x="0" y="2219664"/>
+            <a:ext cx="5308600" cy="2146300"/>
+          </a:xfrm>
+          <a:prstGeom prst="rect">
+            <a:avLst/>
+          </a:prstGeom>
+        </p:spPr>
+      </p:pic>
+      <p:pic>
+        <p:nvPicPr>
+          <p:cNvPr id="3" name="图片 2">
+            <a:extLst>
+              <a:ext uri="{FF2B5EF4-FFF2-40B4-BE49-F238E27FC236}">
+                <a16:creationId xmlns:a16="http://schemas.microsoft.com/office/drawing/2014/main" id="{E5BA0029-D4D5-8945-B49B-59B821376AB7}"/>
+              </a:ext>
+            </a:extLst>
+          </p:cNvPr>
+          <p:cNvPicPr>
+            <a:picLocks noChangeAspect="1"/>
+          </p:cNvPicPr>
+          <p:nvPr/>
+        </p:nvPicPr>
+        <p:blipFill>
+          <a:blip r:embed="rId3"/>
+          <a:stretch>
+            <a:fillRect/>
+          </a:stretch>
+        </p:blipFill>
+        <p:spPr>
+          <a:xfrm>
+            <a:off x="0" y="790242"/>
+            <a:ext cx="6172200" cy="1206500"/>
+          </a:xfrm>
+          <a:prstGeom prst="rect">
+            <a:avLst/>
+          </a:prstGeom>
+        </p:spPr>
+      </p:pic>
+      <p:sp>
+        <p:nvSpPr>
+          <p:cNvPr id="6" name="矩形 5">
+            <a:extLst>
+              <a:ext uri="{FF2B5EF4-FFF2-40B4-BE49-F238E27FC236}">
+                <a16:creationId xmlns:a16="http://schemas.microsoft.com/office/drawing/2014/main" id="{6A32B224-18D4-F447-8FFD-6D635C3F2AC4}"/>
+              </a:ext>
+            </a:extLst>
+          </p:cNvPr>
+          <p:cNvSpPr/>
+          <p:nvPr/>
+        </p:nvSpPr>
+        <p:spPr>
+          <a:xfrm>
+            <a:off x="0" y="60523"/>
+            <a:ext cx="2051074" cy="307777"/>
+          </a:xfrm>
+          <a:prstGeom prst="rect">
+            <a:avLst/>
+          </a:prstGeom>
+        </p:spPr>
+        <p:txBody>
+          <a:bodyPr wrap="none">
+            <a:spAutoFit/>
+          </a:bodyPr>
+          <a:lstStyle/>
+          <a:p>
+            <a:r>
+              <a:rPr lang="en-US" altLang="zh-CN" sz="1400" b="1" dirty="0"/>
+              <a:t>PART ONE </a:t>
+            </a:r>
+            <a:r>
+              <a:rPr lang="zh-CN" altLang="en-US" sz="1400" b="1" dirty="0"/>
+              <a:t>深入神经网络</a:t>
+            </a:r>
+          </a:p>
+        </p:txBody>
+      </p:sp>
+      <p:sp>
+        <p:nvSpPr>
+          <p:cNvPr id="7" name="椭圆 6">
+            <a:extLst>
+              <a:ext uri="{FF2B5EF4-FFF2-40B4-BE49-F238E27FC236}">
+                <a16:creationId xmlns:a16="http://schemas.microsoft.com/office/drawing/2014/main" id="{D1812375-66FF-2A4D-A626-13AE40C330A2}"/>
+              </a:ext>
+            </a:extLst>
+          </p:cNvPr>
+          <p:cNvSpPr/>
+          <p:nvPr/>
+        </p:nvSpPr>
+        <p:spPr>
+          <a:xfrm>
+            <a:off x="1966473" y="157740"/>
+            <a:ext cx="130917" cy="113341"/>
+          </a:xfrm>
+          <a:prstGeom prst="ellipse">
+            <a:avLst/>
+          </a:prstGeom>
+          <a:solidFill>
+            <a:srgbClr val="FF0000"/>
+          </a:solidFill>
+          <a:ln>
+            <a:noFill/>
+          </a:ln>
+        </p:spPr>
+        <p:style>
+          <a:lnRef idx="2">
+            <a:schemeClr val="accent1">
+              <a:shade val="50000"/>
+            </a:schemeClr>
+          </a:lnRef>
+          <a:fillRef idx="1">
+            <a:schemeClr val="accent1"/>
+          </a:fillRef>
+          <a:effectRef idx="0">
+            <a:schemeClr val="accent1"/>
+          </a:effectRef>
+          <a:fontRef idx="minor">
+            <a:schemeClr val="lt1"/>
+          </a:fontRef>
+        </p:style>
+        <p:txBody>
+          <a:bodyPr rot="0" spcFirstLastPara="0" vertOverflow="overflow" horzOverflow="overflow" vert="horz" wrap="square" lIns="91440" tIns="45720" rIns="91440" bIns="45720" numCol="1" spcCol="0" rtlCol="0" fromWordArt="0" anchor="ctr" anchorCtr="0" forceAA="0" compatLnSpc="1">
+            <a:noAutofit/>
+          </a:bodyPr>
+          <a:lstStyle/>
+          <a:p>
+            <a:pPr algn="ctr"/>
+            <a:endParaRPr lang="zh-CN" altLang="en-US" sz="4400"/>
+          </a:p>
+        </p:txBody>
+      </p:sp>
+      <p:sp>
+        <p:nvSpPr>
+          <p:cNvPr id="5" name="文本框 4">
+            <a:extLst>
+              <a:ext uri="{FF2B5EF4-FFF2-40B4-BE49-F238E27FC236}">
+                <a16:creationId xmlns:a16="http://schemas.microsoft.com/office/drawing/2014/main" id="{A3C12A91-12D5-D543-9224-F3D6163055AE}"/>
+              </a:ext>
+            </a:extLst>
+          </p:cNvPr>
+          <p:cNvSpPr txBox="1"/>
+          <p:nvPr/>
+        </p:nvSpPr>
+        <p:spPr>
+          <a:xfrm>
+            <a:off x="48463" y="567320"/>
+            <a:ext cx="5359745" cy="738664"/>
+          </a:xfrm>
+          <a:prstGeom prst="rect">
+            <a:avLst/>
+          </a:prstGeom>
+          <a:noFill/>
+        </p:spPr>
+        <p:txBody>
+          <a:bodyPr wrap="square" rtlCol="0">
+            <a:spAutoFit/>
+          </a:bodyPr>
+          <a:lstStyle/>
+          <a:p>
+            <a:r>
+              <a:rPr lang="zh-CN" altLang="en-US" sz="1400" dirty="0">
+                <a:solidFill>
+                  <a:schemeClr val="bg1">
+                    <a:lumMod val="50000"/>
+                  </a:schemeClr>
+                </a:solidFill>
+                <a:latin typeface="微软雅黑" panose="020B0503020204020204" charset="-122"/>
+                <a:ea typeface="微软雅黑" panose="020B0503020204020204" charset="-122"/>
+              </a:rPr>
+              <a:t>所以把之前身高的例子，代入上面的两个公式得到：</a:t>
+            </a:r>
+            <a:endParaRPr lang="en-US" altLang="zh-CN" sz="1400" dirty="0">
+              <a:solidFill>
+                <a:schemeClr val="bg1">
+                  <a:lumMod val="50000"/>
+                </a:schemeClr>
+              </a:solidFill>
+              <a:latin typeface="微软雅黑" panose="020B0503020204020204" charset="-122"/>
+              <a:ea typeface="微软雅黑" panose="020B0503020204020204" charset="-122"/>
+            </a:endParaRPr>
+          </a:p>
+          <a:p>
+            <a:endParaRPr lang="en-US" altLang="zh-CN" sz="1400" dirty="0">
+              <a:solidFill>
+                <a:schemeClr val="bg1">
+                  <a:lumMod val="50000"/>
+                </a:schemeClr>
+              </a:solidFill>
+              <a:latin typeface="微软雅黑" panose="020B0503020204020204" charset="-122"/>
+              <a:ea typeface="微软雅黑" panose="020B0503020204020204" charset="-122"/>
+            </a:endParaRPr>
+          </a:p>
+          <a:p>
+            <a:endParaRPr lang="en-US" altLang="zh-CN" sz="1400" dirty="0">
+              <a:solidFill>
+                <a:schemeClr val="bg1">
+                  <a:lumMod val="50000"/>
+                </a:schemeClr>
+              </a:solidFill>
+              <a:latin typeface="微软雅黑" panose="020B0503020204020204" charset="-122"/>
+              <a:ea typeface="微软雅黑" panose="020B0503020204020204" charset="-122"/>
+            </a:endParaRPr>
+          </a:p>
+        </p:txBody>
+      </p:sp>
+      <p:sp>
+        <p:nvSpPr>
+          <p:cNvPr id="8" name="文本框 7">
+            <a:extLst>
+              <a:ext uri="{FF2B5EF4-FFF2-40B4-BE49-F238E27FC236}">
+                <a16:creationId xmlns:a16="http://schemas.microsoft.com/office/drawing/2014/main" id="{E7BCF002-CBF9-FE49-8692-9C853E46606D}"/>
+              </a:ext>
+            </a:extLst>
+          </p:cNvPr>
+          <p:cNvSpPr txBox="1"/>
+          <p:nvPr/>
+        </p:nvSpPr>
+        <p:spPr>
+          <a:xfrm>
+            <a:off x="48463" y="1996742"/>
+            <a:ext cx="5359745" cy="738664"/>
+          </a:xfrm>
+          <a:prstGeom prst="rect">
+            <a:avLst/>
+          </a:prstGeom>
+          <a:noFill/>
+        </p:spPr>
+        <p:txBody>
+          <a:bodyPr wrap="square" rtlCol="0">
+            <a:spAutoFit/>
+          </a:bodyPr>
+          <a:lstStyle/>
+          <a:p>
+            <a:r>
+              <a:rPr lang="zh-CN" altLang="en-US" sz="1400" dirty="0">
+                <a:solidFill>
+                  <a:schemeClr val="bg1">
+                    <a:lumMod val="50000"/>
+                  </a:schemeClr>
+                </a:solidFill>
+                <a:latin typeface="微软雅黑" panose="020B0503020204020204" charset="-122"/>
+                <a:ea typeface="微软雅黑" panose="020B0503020204020204" charset="-122"/>
+              </a:rPr>
+              <a:t>终于到 介绍梯度下降方法的更新公式了</a:t>
+            </a:r>
+            <a:endParaRPr lang="en-US" altLang="zh-CN" sz="1400" dirty="0">
+              <a:solidFill>
+                <a:schemeClr val="bg1">
+                  <a:lumMod val="50000"/>
+                </a:schemeClr>
+              </a:solidFill>
+              <a:latin typeface="微软雅黑" panose="020B0503020204020204" charset="-122"/>
+              <a:ea typeface="微软雅黑" panose="020B0503020204020204" charset="-122"/>
+            </a:endParaRPr>
+          </a:p>
+          <a:p>
+            <a:endParaRPr lang="en-US" altLang="zh-CN" sz="1400" dirty="0">
+              <a:solidFill>
+                <a:schemeClr val="bg1">
+                  <a:lumMod val="50000"/>
+                </a:schemeClr>
+              </a:solidFill>
+              <a:latin typeface="微软雅黑" panose="020B0503020204020204" charset="-122"/>
+              <a:ea typeface="微软雅黑" panose="020B0503020204020204" charset="-122"/>
+            </a:endParaRPr>
+          </a:p>
+          <a:p>
+            <a:endParaRPr lang="en-US" altLang="zh-CN" sz="1400" dirty="0">
+              <a:solidFill>
+                <a:schemeClr val="bg1">
+                  <a:lumMod val="50000"/>
+                </a:schemeClr>
+              </a:solidFill>
+              <a:latin typeface="微软雅黑" panose="020B0503020204020204" charset="-122"/>
+              <a:ea typeface="微软雅黑" panose="020B0503020204020204" charset="-122"/>
+            </a:endParaRPr>
+          </a:p>
+        </p:txBody>
+      </p:sp>
+      <p:sp>
+        <p:nvSpPr>
+          <p:cNvPr id="9" name="文本框 8">
+            <a:extLst>
+              <a:ext uri="{FF2B5EF4-FFF2-40B4-BE49-F238E27FC236}">
+                <a16:creationId xmlns:a16="http://schemas.microsoft.com/office/drawing/2014/main" id="{8F4F0D85-714E-3842-A7E2-8587768AA9E4}"/>
+              </a:ext>
+            </a:extLst>
+          </p:cNvPr>
+          <p:cNvSpPr txBox="1"/>
+          <p:nvPr/>
+        </p:nvSpPr>
+        <p:spPr>
+          <a:xfrm>
+            <a:off x="48463" y="4219554"/>
+            <a:ext cx="5359745" cy="1169551"/>
+          </a:xfrm>
+          <a:prstGeom prst="rect">
+            <a:avLst/>
+          </a:prstGeom>
+          <a:noFill/>
+        </p:spPr>
+        <p:txBody>
+          <a:bodyPr wrap="square" rtlCol="0">
+            <a:spAutoFit/>
+          </a:bodyPr>
+          <a:lstStyle/>
+          <a:p>
+            <a:r>
+              <a:rPr lang="zh-CN" altLang="en-US" sz="1400" dirty="0">
+                <a:solidFill>
+                  <a:schemeClr val="bg1">
+                    <a:lumMod val="50000"/>
+                  </a:schemeClr>
+                </a:solidFill>
+                <a:latin typeface="微软雅黑" panose="020B0503020204020204" charset="-122"/>
+                <a:ea typeface="微软雅黑" panose="020B0503020204020204" charset="-122"/>
+              </a:rPr>
+              <a:t>至此一次反向传播的过程就完成了，之后神经网络会再进行正向传播，计算误差，然后反向传播，更新参数，正向传播，计算误差</a:t>
+            </a:r>
+            <a:r>
+              <a:rPr lang="en-US" altLang="zh-CN" sz="1400" dirty="0">
+                <a:solidFill>
+                  <a:schemeClr val="bg1">
+                    <a:lumMod val="50000"/>
+                  </a:schemeClr>
+                </a:solidFill>
+                <a:latin typeface="微软雅黑" panose="020B0503020204020204" charset="-122"/>
+                <a:ea typeface="微软雅黑" panose="020B0503020204020204" charset="-122"/>
+              </a:rPr>
+              <a:t>…… </a:t>
+            </a:r>
+            <a:r>
+              <a:rPr lang="zh-CN" altLang="en-US" sz="1400" dirty="0">
+                <a:solidFill>
+                  <a:schemeClr val="bg1">
+                    <a:lumMod val="50000"/>
+                  </a:schemeClr>
+                </a:solidFill>
+                <a:latin typeface="微软雅黑" panose="020B0503020204020204" charset="-122"/>
+                <a:ea typeface="微软雅黑" panose="020B0503020204020204" charset="-122"/>
+              </a:rPr>
+              <a:t>，一直重复到</a:t>
+            </a:r>
+            <a:r>
+              <a:rPr lang="zh-CN" altLang="en-US" sz="1400" dirty="0">
+                <a:solidFill>
+                  <a:srgbClr val="FF0000"/>
+                </a:solidFill>
+                <a:latin typeface="微软雅黑" panose="020B0503020204020204" charset="-122"/>
+                <a:ea typeface="微软雅黑" panose="020B0503020204020204" charset="-122"/>
+              </a:rPr>
+              <a:t>误差接近于</a:t>
+            </a:r>
+            <a:r>
+              <a:rPr lang="en-US" altLang="zh-CN" sz="1400" dirty="0">
+                <a:solidFill>
+                  <a:srgbClr val="FF0000"/>
+                </a:solidFill>
+                <a:latin typeface="微软雅黑" panose="020B0503020204020204" charset="-122"/>
+                <a:ea typeface="微软雅黑" panose="020B0503020204020204" charset="-122"/>
+              </a:rPr>
+              <a:t>0</a:t>
+            </a:r>
+            <a:r>
+              <a:rPr lang="zh-CN" altLang="en-US" sz="1400" dirty="0">
+                <a:solidFill>
+                  <a:schemeClr val="bg1">
+                    <a:lumMod val="50000"/>
+                  </a:schemeClr>
+                </a:solidFill>
+                <a:latin typeface="微软雅黑" panose="020B0503020204020204" charset="-122"/>
+                <a:ea typeface="微软雅黑" panose="020B0503020204020204" charset="-122"/>
+              </a:rPr>
+              <a:t>或者</a:t>
+            </a:r>
+            <a:r>
+              <a:rPr lang="zh-CN" altLang="en-US" sz="1400" dirty="0">
+                <a:solidFill>
+                  <a:srgbClr val="FF0000"/>
+                </a:solidFill>
+                <a:latin typeface="微软雅黑" panose="020B0503020204020204" charset="-122"/>
+                <a:ea typeface="微软雅黑" panose="020B0503020204020204" charset="-122"/>
+              </a:rPr>
+              <a:t>达到了设置好的迭代次数</a:t>
+            </a:r>
+            <a:r>
+              <a:rPr lang="zh-CN" altLang="en-US" sz="1400" dirty="0">
+                <a:solidFill>
+                  <a:schemeClr val="bg1">
+                    <a:lumMod val="50000"/>
+                  </a:schemeClr>
+                </a:solidFill>
+                <a:latin typeface="微软雅黑" panose="020B0503020204020204" charset="-122"/>
+                <a:ea typeface="微软雅黑" panose="020B0503020204020204" charset="-122"/>
+              </a:rPr>
+              <a:t>。</a:t>
+            </a:r>
+            <a:endParaRPr lang="en-US" altLang="zh-CN" sz="1400" dirty="0">
+              <a:solidFill>
+                <a:schemeClr val="bg1">
+                  <a:lumMod val="50000"/>
+                </a:schemeClr>
+              </a:solidFill>
+              <a:latin typeface="微软雅黑" panose="020B0503020204020204" charset="-122"/>
+              <a:ea typeface="微软雅黑" panose="020B0503020204020204" charset="-122"/>
+            </a:endParaRPr>
+          </a:p>
+          <a:p>
+            <a:endParaRPr lang="en-US" altLang="zh-CN" sz="1400" dirty="0">
+              <a:solidFill>
+                <a:schemeClr val="bg1">
+                  <a:lumMod val="50000"/>
+                </a:schemeClr>
+              </a:solidFill>
+              <a:latin typeface="微软雅黑" panose="020B0503020204020204" charset="-122"/>
+              <a:ea typeface="微软雅黑" panose="020B0503020204020204" charset="-122"/>
+            </a:endParaRPr>
+          </a:p>
+          <a:p>
+            <a:endParaRPr lang="en-US" altLang="zh-CN" sz="1400" dirty="0">
+              <a:solidFill>
+                <a:schemeClr val="bg1">
+                  <a:lumMod val="50000"/>
+                </a:schemeClr>
+              </a:solidFill>
+              <a:latin typeface="微软雅黑" panose="020B0503020204020204" charset="-122"/>
+              <a:ea typeface="微软雅黑" panose="020B0503020204020204" charset="-122"/>
+            </a:endParaRPr>
+          </a:p>
+        </p:txBody>
+      </p:sp>
+      <mc:AlternateContent xmlns:mc="http://schemas.openxmlformats.org/markup-compatibility/2006">
+        <mc:Choice xmlns:a14="http://schemas.microsoft.com/office/drawing/2010/main" Requires="a14">
+          <p:sp>
+            <p:nvSpPr>
+              <p:cNvPr id="10" name="文本框 9">
+                <a:extLst>
+                  <a:ext uri="{FF2B5EF4-FFF2-40B4-BE49-F238E27FC236}">
+                    <a16:creationId xmlns:a16="http://schemas.microsoft.com/office/drawing/2014/main" id="{41DB5958-53C3-964C-8478-CCC5E1D32404}"/>
+                  </a:ext>
+                </a:extLst>
+              </p:cNvPr>
+              <p:cNvSpPr txBox="1"/>
+              <p:nvPr/>
+            </p:nvSpPr>
+            <p:spPr>
+              <a:xfrm>
+                <a:off x="48463" y="5022164"/>
+                <a:ext cx="1271239" cy="369332"/>
+              </a:xfrm>
+              <a:prstGeom prst="rect">
+                <a:avLst/>
+              </a:prstGeom>
+              <a:noFill/>
+            </p:spPr>
+            <p:txBody>
+              <a:bodyPr wrap="square" rtlCol="0">
+                <a:spAutoFit/>
+              </a:bodyPr>
+              <a:lstStyle/>
+              <a:p>
+                <a:r>
+                  <a:rPr kumimoji="1" lang="zh-CN" altLang="en-US" dirty="0"/>
+                  <a:t>学习率</a:t>
+                </a:r>
+                <a14:m>
+                  <m:oMath xmlns:m="http://schemas.openxmlformats.org/officeDocument/2006/math">
+                    <m:r>
+                      <a:rPr kumimoji="1" lang="zh-CN" altLang="en-US" i="1" smtClean="0">
+                        <a:latin typeface="Cambria Math" panose="02040503050406030204" pitchFamily="18" charset="0"/>
+                      </a:rPr>
+                      <m:t>𝛼</m:t>
+                    </m:r>
+                  </m:oMath>
+                </a14:m>
+                <a:endParaRPr kumimoji="1" lang="zh-CN" altLang="en-US" dirty="0"/>
+              </a:p>
+            </p:txBody>
+          </p:sp>
+        </mc:Choice>
+        <mc:Fallback>
+          <p:sp>
+            <p:nvSpPr>
+              <p:cNvPr id="10" name="文本框 9">
+                <a:extLst>
+                  <a:ext uri="{FF2B5EF4-FFF2-40B4-BE49-F238E27FC236}">
+                    <a16:creationId xmlns:a16="http://schemas.microsoft.com/office/drawing/2014/main" id="{41DB5958-53C3-964C-8478-CCC5E1D32404}"/>
+                  </a:ext>
+                </a:extLst>
+              </p:cNvPr>
+              <p:cNvSpPr txBox="1">
+                <a:spLocks noRot="1" noChangeAspect="1" noMove="1" noResize="1" noEditPoints="1" noAdjustHandles="1" noChangeArrowheads="1" noChangeShapeType="1" noTextEdit="1"/>
+              </p:cNvSpPr>
+              <p:nvPr/>
+            </p:nvSpPr>
+            <p:spPr>
+              <a:xfrm>
+                <a:off x="48463" y="5022164"/>
+                <a:ext cx="1271239" cy="369332"/>
+              </a:xfrm>
+              <a:prstGeom prst="rect">
+                <a:avLst/>
+              </a:prstGeom>
+              <a:blipFill>
+                <a:blip r:embed="rId4"/>
+                <a:stretch>
+                  <a:fillRect l="-2970" t="-3226" b="-19355"/>
+                </a:stretch>
+              </a:blipFill>
+            </p:spPr>
+            <p:txBody>
+              <a:bodyPr/>
+              <a:lstStyle/>
+              <a:p>
+                <a:r>
+                  <a:rPr lang="zh-CN" altLang="en-US">
+                    <a:noFill/>
+                  </a:rPr>
+                  <a:t> </a:t>
+                </a:r>
+              </a:p>
+            </p:txBody>
+          </p:sp>
+        </mc:Fallback>
+      </mc:AlternateContent>
+      <p:sp>
+        <p:nvSpPr>
+          <p:cNvPr id="11" name="文本框 10">
+            <a:extLst>
+              <a:ext uri="{FF2B5EF4-FFF2-40B4-BE49-F238E27FC236}">
+                <a16:creationId xmlns:a16="http://schemas.microsoft.com/office/drawing/2014/main" id="{DF9BA0A1-FCFF-CF47-8925-49A4EFACC2A7}"/>
+              </a:ext>
+            </a:extLst>
+          </p:cNvPr>
+          <p:cNvSpPr txBox="1"/>
+          <p:nvPr/>
+        </p:nvSpPr>
+        <p:spPr>
+          <a:xfrm>
+            <a:off x="48463" y="5389105"/>
+            <a:ext cx="7820270" cy="954107"/>
+          </a:xfrm>
+          <a:prstGeom prst="rect">
+            <a:avLst/>
+          </a:prstGeom>
+          <a:noFill/>
+        </p:spPr>
+        <p:txBody>
+          <a:bodyPr wrap="square" rtlCol="0">
+            <a:spAutoFit/>
+          </a:bodyPr>
+          <a:lstStyle/>
+          <a:p>
+            <a:r>
+              <a:rPr lang="zh-CN" altLang="en-US" sz="1400" dirty="0">
+                <a:solidFill>
+                  <a:schemeClr val="bg1">
+                    <a:lumMod val="50000"/>
+                  </a:schemeClr>
+                </a:solidFill>
+                <a:latin typeface="微软雅黑" panose="020B0503020204020204" charset="-122"/>
+                <a:ea typeface="微软雅黑" panose="020B0503020204020204" charset="-122"/>
+              </a:rPr>
+              <a:t>学习率其实就是控制参数更新的步长，一般是</a:t>
+            </a:r>
+            <a:r>
+              <a:rPr lang="en-US" altLang="zh-CN" sz="1400" dirty="0">
+                <a:solidFill>
+                  <a:schemeClr val="bg1">
+                    <a:lumMod val="50000"/>
+                  </a:schemeClr>
+                </a:solidFill>
+                <a:latin typeface="微软雅黑" panose="020B0503020204020204" charset="-122"/>
+                <a:ea typeface="微软雅黑" panose="020B0503020204020204" charset="-122"/>
+              </a:rPr>
+              <a:t>0</a:t>
+            </a:r>
+            <a:r>
+              <a:rPr lang="zh-CN" altLang="en-US" sz="1400" dirty="0">
+                <a:solidFill>
+                  <a:schemeClr val="bg1">
+                    <a:lumMod val="50000"/>
+                  </a:schemeClr>
+                </a:solidFill>
+                <a:latin typeface="微软雅黑" panose="020B0503020204020204" charset="-122"/>
+                <a:ea typeface="微软雅黑" panose="020B0503020204020204" charset="-122"/>
+              </a:rPr>
+              <a:t>到</a:t>
+            </a:r>
+            <a:r>
+              <a:rPr lang="en-US" altLang="zh-CN" sz="1400" dirty="0">
+                <a:solidFill>
+                  <a:schemeClr val="bg1">
+                    <a:lumMod val="50000"/>
+                  </a:schemeClr>
+                </a:solidFill>
+                <a:latin typeface="微软雅黑" panose="020B0503020204020204" charset="-122"/>
+                <a:ea typeface="微软雅黑" panose="020B0503020204020204" charset="-122"/>
+              </a:rPr>
+              <a:t>1</a:t>
+            </a:r>
+            <a:r>
+              <a:rPr lang="zh-CN" altLang="en-US" sz="1400" dirty="0">
+                <a:solidFill>
+                  <a:schemeClr val="bg1">
+                    <a:lumMod val="50000"/>
+                  </a:schemeClr>
+                </a:solidFill>
+                <a:latin typeface="微软雅黑" panose="020B0503020204020204" charset="-122"/>
+                <a:ea typeface="微软雅黑" panose="020B0503020204020204" charset="-122"/>
+              </a:rPr>
+              <a:t>之间的数，通常设置是</a:t>
+            </a:r>
+            <a:r>
+              <a:rPr lang="en-US" altLang="zh-CN" sz="1400" dirty="0">
+                <a:solidFill>
+                  <a:schemeClr val="bg1">
+                    <a:lumMod val="50000"/>
+                  </a:schemeClr>
+                </a:solidFill>
+                <a:latin typeface="微软雅黑" panose="020B0503020204020204" charset="-122"/>
+                <a:ea typeface="微软雅黑" panose="020B0503020204020204" charset="-122"/>
+              </a:rPr>
+              <a:t>0.1</a:t>
+            </a:r>
+            <a:r>
+              <a:rPr lang="zh-CN" altLang="en-US" sz="1400" dirty="0">
+                <a:solidFill>
+                  <a:schemeClr val="bg1">
+                    <a:lumMod val="50000"/>
+                  </a:schemeClr>
+                </a:solidFill>
+                <a:latin typeface="微软雅黑" panose="020B0503020204020204" charset="-122"/>
+                <a:ea typeface="微软雅黑" panose="020B0503020204020204" charset="-122"/>
+              </a:rPr>
+              <a:t>，</a:t>
+            </a:r>
+            <a:r>
+              <a:rPr lang="en-US" altLang="zh-CN" sz="1400" dirty="0">
+                <a:solidFill>
+                  <a:schemeClr val="bg1">
+                    <a:lumMod val="50000"/>
+                  </a:schemeClr>
+                </a:solidFill>
+                <a:latin typeface="微软雅黑" panose="020B0503020204020204" charset="-122"/>
+                <a:ea typeface="微软雅黑" panose="020B0503020204020204" charset="-122"/>
+              </a:rPr>
+              <a:t>0.01</a:t>
+            </a:r>
+            <a:r>
+              <a:rPr lang="zh-CN" altLang="en-US" sz="1400" dirty="0">
+                <a:solidFill>
+                  <a:schemeClr val="bg1">
+                    <a:lumMod val="50000"/>
+                  </a:schemeClr>
+                </a:solidFill>
+                <a:latin typeface="微软雅黑" panose="020B0503020204020204" charset="-122"/>
+                <a:ea typeface="微软雅黑" panose="020B0503020204020204" charset="-122"/>
+              </a:rPr>
+              <a:t>，</a:t>
+            </a:r>
+            <a:r>
+              <a:rPr lang="en-US" altLang="zh-CN" sz="1400" dirty="0">
+                <a:solidFill>
+                  <a:schemeClr val="bg1">
+                    <a:lumMod val="50000"/>
+                  </a:schemeClr>
+                </a:solidFill>
+                <a:latin typeface="微软雅黑" panose="020B0503020204020204" charset="-122"/>
+                <a:ea typeface="微软雅黑" panose="020B0503020204020204" charset="-122"/>
+              </a:rPr>
+              <a:t>0.001</a:t>
+            </a:r>
+            <a:r>
+              <a:rPr lang="zh-CN" altLang="en-US" sz="1400" dirty="0">
+                <a:solidFill>
+                  <a:schemeClr val="bg1">
+                    <a:lumMod val="50000"/>
+                  </a:schemeClr>
+                </a:solidFill>
+                <a:latin typeface="微软雅黑" panose="020B0503020204020204" charset="-122"/>
+                <a:ea typeface="微软雅黑" panose="020B0503020204020204" charset="-122"/>
+              </a:rPr>
+              <a:t>，</a:t>
+            </a:r>
+            <a:endParaRPr lang="en-US" altLang="zh-CN" sz="1400" dirty="0">
+              <a:solidFill>
+                <a:schemeClr val="bg1">
+                  <a:lumMod val="50000"/>
+                </a:schemeClr>
+              </a:solidFill>
+              <a:latin typeface="微软雅黑" panose="020B0503020204020204" charset="-122"/>
+              <a:ea typeface="微软雅黑" panose="020B0503020204020204" charset="-122"/>
+            </a:endParaRPr>
+          </a:p>
+          <a:p>
+            <a:r>
+              <a:rPr lang="zh-CN" altLang="en-US" sz="1400" dirty="0">
+                <a:solidFill>
+                  <a:schemeClr val="bg1">
+                    <a:lumMod val="50000"/>
+                  </a:schemeClr>
+                </a:solidFill>
+                <a:latin typeface="微软雅黑" panose="020B0503020204020204" charset="-122"/>
+                <a:ea typeface="微软雅黑" panose="020B0503020204020204" charset="-122"/>
+              </a:rPr>
+              <a:t>如果学习率太大会导致无法收敛到最小值，而学习率太小会导致学习速度太慢影响性能。</a:t>
+            </a:r>
+            <a:endParaRPr lang="en-US" altLang="zh-CN" sz="1400" dirty="0">
+              <a:solidFill>
+                <a:schemeClr val="bg1">
+                  <a:lumMod val="50000"/>
+                </a:schemeClr>
+              </a:solidFill>
+              <a:latin typeface="微软雅黑" panose="020B0503020204020204" charset="-122"/>
+              <a:ea typeface="微软雅黑" panose="020B0503020204020204" charset="-122"/>
+            </a:endParaRPr>
+          </a:p>
+          <a:p>
+            <a:endParaRPr lang="en-US" altLang="zh-CN" sz="1400" dirty="0">
+              <a:solidFill>
+                <a:schemeClr val="bg1">
+                  <a:lumMod val="50000"/>
+                </a:schemeClr>
+              </a:solidFill>
+              <a:latin typeface="微软雅黑" panose="020B0503020204020204" charset="-122"/>
+              <a:ea typeface="微软雅黑" panose="020B0503020204020204" charset="-122"/>
+            </a:endParaRPr>
+          </a:p>
+          <a:p>
+            <a:endParaRPr lang="en-US" altLang="zh-CN" sz="1400" dirty="0">
+              <a:solidFill>
+                <a:schemeClr val="bg1">
+                  <a:lumMod val="50000"/>
+                </a:schemeClr>
+              </a:solidFill>
+              <a:latin typeface="微软雅黑" panose="020B0503020204020204" charset="-122"/>
+              <a:ea typeface="微软雅黑" panose="020B0503020204020204" charset="-122"/>
+            </a:endParaRPr>
+          </a:p>
+        </p:txBody>
+      </p:sp>
+    </p:spTree>
+    <p:extLst>
+      <p:ext uri="{BB962C8B-B14F-4D97-AF65-F5344CB8AC3E}">
+        <p14:creationId xmlns:p14="http://schemas.microsoft.com/office/powerpoint/2010/main" val="2058027990"/>
+      </p:ext>
+    </p:extLst>
+  </p:cSld>
+  <p:clrMapOvr>
+    <a:masterClrMapping/>
+  </p:clrMapOvr>
+  <mc:AlternateContent xmlns:mc="http://schemas.openxmlformats.org/markup-compatibility/2006" xmlns:p14="http://schemas.microsoft.com/office/powerpoint/2010/main">
+    <mc:Choice Requires="p14">
+      <p:transition spd="med" p14:dur="700">
+        <p:fade/>
+      </p:transition>
+    </mc:Choice>
+    <mc:Fallback xmlns="">
+      <p:transition spd="med">
+        <p:fade/>
+      </p:transition>
+    </mc:Fallback>
+  </mc:AlternateContent>
+</p:sld>
+</file>
+
+<file path=ppt/slides/slide25.xml><?xml version="1.0" encoding="utf-8"?>
+<p:sld xmlns:a="http://schemas.openxmlformats.org/drawingml/2006/main" xmlns:r="http://schemas.openxmlformats.org/officeDocument/2006/relationships" xmlns:p="http://schemas.openxmlformats.org/presentationml/2006/main">
+  <p:cSld>
+    <p:spTree>
+      <p:nvGrpSpPr>
+        <p:cNvPr id="1" name=""/>
+        <p:cNvGrpSpPr/>
+        <p:nvPr/>
+      </p:nvGrpSpPr>
+      <p:grpSpPr>
+        <a:xfrm>
+          <a:off x="0" y="0"/>
+          <a:ext cx="0" cy="0"/>
+          <a:chOff x="0" y="0"/>
+          <a:chExt cx="0" cy="0"/>
+        </a:xfrm>
+      </p:grpSpPr>
+      <p:pic>
+        <p:nvPicPr>
+          <p:cNvPr id="3" name="图片 2">
+            <a:extLst>
+              <a:ext uri="{FF2B5EF4-FFF2-40B4-BE49-F238E27FC236}">
+                <a16:creationId xmlns:a16="http://schemas.microsoft.com/office/drawing/2014/main" id="{FE2A7614-E66B-464B-A7FE-737D28E537A8}"/>
+              </a:ext>
+            </a:extLst>
+          </p:cNvPr>
+          <p:cNvPicPr>
+            <a:picLocks noChangeAspect="1"/>
+          </p:cNvPicPr>
+          <p:nvPr/>
+        </p:nvPicPr>
+        <p:blipFill>
+          <a:blip r:embed="rId2"/>
+          <a:stretch>
+            <a:fillRect/>
+          </a:stretch>
+        </p:blipFill>
+        <p:spPr>
+          <a:xfrm>
+            <a:off x="103337" y="4323784"/>
+            <a:ext cx="3695700" cy="2019300"/>
+          </a:xfrm>
+          <a:prstGeom prst="rect">
+            <a:avLst/>
+          </a:prstGeom>
+        </p:spPr>
+      </p:pic>
+      <p:sp>
+        <p:nvSpPr>
+          <p:cNvPr id="6" name="矩形 5">
+            <a:extLst>
+              <a:ext uri="{FF2B5EF4-FFF2-40B4-BE49-F238E27FC236}">
+                <a16:creationId xmlns:a16="http://schemas.microsoft.com/office/drawing/2014/main" id="{6A32B224-18D4-F447-8FFD-6D635C3F2AC4}"/>
+              </a:ext>
+            </a:extLst>
+          </p:cNvPr>
+          <p:cNvSpPr/>
+          <p:nvPr/>
+        </p:nvSpPr>
+        <p:spPr>
+          <a:xfrm>
+            <a:off x="0" y="60523"/>
+            <a:ext cx="2051074" cy="307777"/>
+          </a:xfrm>
+          <a:prstGeom prst="rect">
+            <a:avLst/>
+          </a:prstGeom>
+        </p:spPr>
+        <p:txBody>
+          <a:bodyPr wrap="none">
+            <a:spAutoFit/>
+          </a:bodyPr>
+          <a:lstStyle/>
+          <a:p>
+            <a:r>
+              <a:rPr lang="en-US" altLang="zh-CN" sz="1400" b="1" dirty="0"/>
+              <a:t>PART ONE </a:t>
+            </a:r>
+            <a:r>
+              <a:rPr lang="zh-CN" altLang="en-US" sz="1400" b="1" dirty="0"/>
+              <a:t>深入神经网络</a:t>
+            </a:r>
+          </a:p>
+        </p:txBody>
+      </p:sp>
+      <p:sp>
+        <p:nvSpPr>
+          <p:cNvPr id="7" name="椭圆 6">
+            <a:extLst>
+              <a:ext uri="{FF2B5EF4-FFF2-40B4-BE49-F238E27FC236}">
+                <a16:creationId xmlns:a16="http://schemas.microsoft.com/office/drawing/2014/main" id="{D1812375-66FF-2A4D-A626-13AE40C330A2}"/>
+              </a:ext>
+            </a:extLst>
+          </p:cNvPr>
+          <p:cNvSpPr/>
+          <p:nvPr/>
+        </p:nvSpPr>
+        <p:spPr>
+          <a:xfrm>
+            <a:off x="1966473" y="157740"/>
+            <a:ext cx="130917" cy="113341"/>
+          </a:xfrm>
+          <a:prstGeom prst="ellipse">
+            <a:avLst/>
+          </a:prstGeom>
+          <a:solidFill>
+            <a:srgbClr val="FF0000"/>
+          </a:solidFill>
+          <a:ln>
+            <a:noFill/>
+          </a:ln>
+        </p:spPr>
+        <p:style>
+          <a:lnRef idx="2">
+            <a:schemeClr val="accent1">
+              <a:shade val="50000"/>
+            </a:schemeClr>
+          </a:lnRef>
+          <a:fillRef idx="1">
+            <a:schemeClr val="accent1"/>
+          </a:fillRef>
+          <a:effectRef idx="0">
+            <a:schemeClr val="accent1"/>
+          </a:effectRef>
+          <a:fontRef idx="minor">
+            <a:schemeClr val="lt1"/>
+          </a:fontRef>
+        </p:style>
+        <p:txBody>
+          <a:bodyPr rot="0" spcFirstLastPara="0" vertOverflow="overflow" horzOverflow="overflow" vert="horz" wrap="square" lIns="91440" tIns="45720" rIns="91440" bIns="45720" numCol="1" spcCol="0" rtlCol="0" fromWordArt="0" anchor="ctr" anchorCtr="0" forceAA="0" compatLnSpc="1">
+            <a:noAutofit/>
+          </a:bodyPr>
+          <a:lstStyle/>
+          <a:p>
+            <a:pPr algn="ctr"/>
+            <a:endParaRPr lang="zh-CN" altLang="en-US" sz="4400"/>
+          </a:p>
+        </p:txBody>
+      </p:sp>
+      <p:sp>
+        <p:nvSpPr>
+          <p:cNvPr id="9" name="文本框 8">
+            <a:extLst>
+              <a:ext uri="{FF2B5EF4-FFF2-40B4-BE49-F238E27FC236}">
+                <a16:creationId xmlns:a16="http://schemas.microsoft.com/office/drawing/2014/main" id="{D26CD600-737D-DF4A-8847-01200A71CCA4}"/>
+              </a:ext>
+            </a:extLst>
+          </p:cNvPr>
+          <p:cNvSpPr txBox="1"/>
+          <p:nvPr/>
+        </p:nvSpPr>
+        <p:spPr>
+          <a:xfrm>
+            <a:off x="131903" y="493331"/>
+            <a:ext cx="7820270" cy="523220"/>
+          </a:xfrm>
+          <a:prstGeom prst="rect">
+            <a:avLst/>
+          </a:prstGeom>
+          <a:noFill/>
+        </p:spPr>
+        <p:txBody>
+          <a:bodyPr wrap="square" rtlCol="0">
+            <a:spAutoFit/>
+          </a:bodyPr>
+          <a:lstStyle/>
+          <a:p>
+            <a:r>
+              <a:rPr lang="zh-CN" altLang="en-US" sz="1400" dirty="0">
+                <a:solidFill>
+                  <a:schemeClr val="bg1">
+                    <a:lumMod val="50000"/>
+                  </a:schemeClr>
+                </a:solidFill>
+                <a:latin typeface="微软雅黑" panose="020B0503020204020204" charset="-122"/>
+                <a:ea typeface="微软雅黑" panose="020B0503020204020204" charset="-122"/>
+              </a:rPr>
+              <a:t>这里再举一个复杂点的例子，神经网络结构如下</a:t>
+            </a:r>
+            <a:endParaRPr lang="en-US" altLang="zh-CN" sz="1400" dirty="0">
+              <a:solidFill>
+                <a:schemeClr val="bg1">
+                  <a:lumMod val="50000"/>
+                </a:schemeClr>
+              </a:solidFill>
+              <a:latin typeface="微软雅黑" panose="020B0503020204020204" charset="-122"/>
+              <a:ea typeface="微软雅黑" panose="020B0503020204020204" charset="-122"/>
+            </a:endParaRPr>
+          </a:p>
+          <a:p>
+            <a:endParaRPr lang="en-US" altLang="zh-CN" sz="1400" dirty="0">
+              <a:solidFill>
+                <a:schemeClr val="bg1">
+                  <a:lumMod val="50000"/>
+                </a:schemeClr>
+              </a:solidFill>
+              <a:latin typeface="微软雅黑" panose="020B0503020204020204" charset="-122"/>
+              <a:ea typeface="微软雅黑" panose="020B0503020204020204" charset="-122"/>
+            </a:endParaRPr>
+          </a:p>
+        </p:txBody>
+      </p:sp>
+      <p:cxnSp>
+        <p:nvCxnSpPr>
+          <p:cNvPr id="10" name="直线箭头连接符 9">
+            <a:extLst>
+              <a:ext uri="{FF2B5EF4-FFF2-40B4-BE49-F238E27FC236}">
+                <a16:creationId xmlns:a16="http://schemas.microsoft.com/office/drawing/2014/main" id="{7435E46F-BB66-C141-9DD9-C9B9FAB30E06}"/>
+              </a:ext>
+            </a:extLst>
+          </p:cNvPr>
+          <p:cNvCxnSpPr>
+            <a:cxnSpLocks/>
+            <a:stCxn id="25" idx="3"/>
+            <a:endCxn id="11" idx="2"/>
+          </p:cNvCxnSpPr>
+          <p:nvPr/>
+        </p:nvCxnSpPr>
+        <p:spPr>
+          <a:xfrm>
+            <a:off x="1316617" y="1872750"/>
+            <a:ext cx="973276" cy="2026"/>
+          </a:xfrm>
+          <a:prstGeom prst="straightConnector1">
+            <a:avLst/>
+          </a:prstGeom>
+          <a:ln w="25400">
+            <a:solidFill>
+              <a:schemeClr val="tx1"/>
+            </a:solidFill>
+            <a:tailEnd type="triangle"/>
+          </a:ln>
+        </p:spPr>
+        <p:style>
+          <a:lnRef idx="1">
+            <a:schemeClr val="accent1"/>
+          </a:lnRef>
+          <a:fillRef idx="0">
+            <a:schemeClr val="accent1"/>
+          </a:fillRef>
+          <a:effectRef idx="0">
+            <a:schemeClr val="accent1"/>
+          </a:effectRef>
+          <a:fontRef idx="minor">
+            <a:schemeClr val="tx1"/>
+          </a:fontRef>
+        </p:style>
+      </p:cxnSp>
+      <p:sp>
+        <p:nvSpPr>
+          <p:cNvPr id="11" name="椭圆 10">
+            <a:extLst>
+              <a:ext uri="{FF2B5EF4-FFF2-40B4-BE49-F238E27FC236}">
+                <a16:creationId xmlns:a16="http://schemas.microsoft.com/office/drawing/2014/main" id="{A0A32B8D-E3B7-5547-B1FE-0F91567D7C47}"/>
+              </a:ext>
+            </a:extLst>
+          </p:cNvPr>
+          <p:cNvSpPr/>
+          <p:nvPr/>
+        </p:nvSpPr>
+        <p:spPr>
+          <a:xfrm>
+            <a:off x="2289893" y="1263870"/>
+            <a:ext cx="1209807" cy="1221812"/>
+          </a:xfrm>
+          <a:prstGeom prst="ellipse">
+            <a:avLst/>
+          </a:prstGeom>
+          <a:noFill/>
+          <a:ln>
+            <a:solidFill>
+              <a:schemeClr val="tx1"/>
+            </a:solidFill>
+          </a:ln>
+        </p:spPr>
+        <p:style>
+          <a:lnRef idx="2">
+            <a:schemeClr val="accent1">
+              <a:shade val="50000"/>
+            </a:schemeClr>
+          </a:lnRef>
+          <a:fillRef idx="1">
+            <a:schemeClr val="accent1"/>
+          </a:fillRef>
+          <a:effectRef idx="0">
+            <a:schemeClr val="accent1"/>
+          </a:effectRef>
+          <a:fontRef idx="minor">
+            <a:schemeClr val="lt1"/>
+          </a:fontRef>
+        </p:style>
+        <p:txBody>
+          <a:bodyPr rtlCol="0" anchor="ctr"/>
+          <a:lstStyle/>
+          <a:p>
+            <a:pPr algn="ctr"/>
+            <a:endParaRPr kumimoji="1" lang="zh-CN" altLang="en-US"/>
+          </a:p>
+        </p:txBody>
+      </p:sp>
+      <p:cxnSp>
+        <p:nvCxnSpPr>
+          <p:cNvPr id="12" name="直线箭头连接符 11">
+            <a:extLst>
+              <a:ext uri="{FF2B5EF4-FFF2-40B4-BE49-F238E27FC236}">
+                <a16:creationId xmlns:a16="http://schemas.microsoft.com/office/drawing/2014/main" id="{73C9E1ED-D0F0-6847-909A-DAC3C4FA6ED0}"/>
+              </a:ext>
+            </a:extLst>
+          </p:cNvPr>
+          <p:cNvCxnSpPr>
+            <a:cxnSpLocks/>
+            <a:stCxn id="11" idx="6"/>
+            <a:endCxn id="14" idx="2"/>
+          </p:cNvCxnSpPr>
+          <p:nvPr/>
+        </p:nvCxnSpPr>
+        <p:spPr>
+          <a:xfrm>
+            <a:off x="3499700" y="1874776"/>
+            <a:ext cx="589056" cy="617978"/>
+          </a:xfrm>
+          <a:prstGeom prst="straightConnector1">
+            <a:avLst/>
+          </a:prstGeom>
+          <a:ln w="25400">
+            <a:solidFill>
+              <a:schemeClr val="tx1"/>
+            </a:solidFill>
+            <a:tailEnd type="triangle"/>
+          </a:ln>
+        </p:spPr>
+        <p:style>
+          <a:lnRef idx="1">
+            <a:schemeClr val="accent1"/>
+          </a:lnRef>
+          <a:fillRef idx="0">
+            <a:schemeClr val="accent1"/>
+          </a:fillRef>
+          <a:effectRef idx="0">
+            <a:schemeClr val="accent1"/>
+          </a:effectRef>
+          <a:fontRef idx="minor">
+            <a:schemeClr val="tx1"/>
+          </a:fontRef>
+        </p:style>
+      </p:cxnSp>
+      <p:cxnSp>
+        <p:nvCxnSpPr>
+          <p:cNvPr id="13" name="直线箭头连接符 12">
+            <a:extLst>
+              <a:ext uri="{FF2B5EF4-FFF2-40B4-BE49-F238E27FC236}">
+                <a16:creationId xmlns:a16="http://schemas.microsoft.com/office/drawing/2014/main" id="{210CBAF4-3F8A-9D40-9AFB-4F8634222837}"/>
+              </a:ext>
+            </a:extLst>
+          </p:cNvPr>
+          <p:cNvCxnSpPr>
+            <a:cxnSpLocks/>
+            <a:stCxn id="11" idx="0"/>
+            <a:endCxn id="11" idx="4"/>
+          </p:cNvCxnSpPr>
+          <p:nvPr/>
+        </p:nvCxnSpPr>
+        <p:spPr>
+          <a:xfrm>
+            <a:off x="2894797" y="1263870"/>
+            <a:ext cx="0" cy="1221812"/>
+          </a:xfrm>
+          <a:prstGeom prst="straightConnector1">
+            <a:avLst/>
+          </a:prstGeom>
+          <a:ln w="22225">
+            <a:solidFill>
+              <a:schemeClr val="tx1"/>
+            </a:solidFill>
+          </a:ln>
+        </p:spPr>
+        <p:style>
+          <a:lnRef idx="1">
+            <a:schemeClr val="accent1"/>
+          </a:lnRef>
+          <a:fillRef idx="0">
+            <a:schemeClr val="accent1"/>
+          </a:fillRef>
+          <a:effectRef idx="0">
+            <a:schemeClr val="accent1"/>
+          </a:effectRef>
+          <a:fontRef idx="minor">
+            <a:schemeClr val="tx1"/>
+          </a:fontRef>
+        </p:style>
+      </p:cxnSp>
+      <p:sp>
+        <p:nvSpPr>
+          <p:cNvPr id="14" name="椭圆 13">
+            <a:extLst>
+              <a:ext uri="{FF2B5EF4-FFF2-40B4-BE49-F238E27FC236}">
+                <a16:creationId xmlns:a16="http://schemas.microsoft.com/office/drawing/2014/main" id="{754A9024-0AB9-394F-9E1C-91D2432489C5}"/>
+              </a:ext>
+            </a:extLst>
+          </p:cNvPr>
+          <p:cNvSpPr/>
+          <p:nvPr/>
+        </p:nvSpPr>
+        <p:spPr>
+          <a:xfrm>
+            <a:off x="4088756" y="1881848"/>
+            <a:ext cx="1209807" cy="1221812"/>
+          </a:xfrm>
+          <a:prstGeom prst="ellipse">
+            <a:avLst/>
+          </a:prstGeom>
+          <a:noFill/>
+          <a:ln>
+            <a:solidFill>
+              <a:schemeClr val="tx1"/>
+            </a:solidFill>
+          </a:ln>
+        </p:spPr>
+        <p:style>
+          <a:lnRef idx="2">
+            <a:schemeClr val="accent1">
+              <a:shade val="50000"/>
+            </a:schemeClr>
+          </a:lnRef>
+          <a:fillRef idx="1">
+            <a:schemeClr val="accent1"/>
+          </a:fillRef>
+          <a:effectRef idx="0">
+            <a:schemeClr val="accent1"/>
+          </a:effectRef>
+          <a:fontRef idx="minor">
+            <a:schemeClr val="lt1"/>
+          </a:fontRef>
+        </p:style>
+        <p:txBody>
+          <a:bodyPr rtlCol="0" anchor="ctr"/>
+          <a:lstStyle/>
+          <a:p>
+            <a:pPr algn="ctr"/>
+            <a:endParaRPr kumimoji="1" lang="zh-CN" altLang="en-US"/>
+          </a:p>
+        </p:txBody>
+      </p:sp>
+      <p:cxnSp>
+        <p:nvCxnSpPr>
+          <p:cNvPr id="15" name="直线箭头连接符 14">
+            <a:extLst>
+              <a:ext uri="{FF2B5EF4-FFF2-40B4-BE49-F238E27FC236}">
+                <a16:creationId xmlns:a16="http://schemas.microsoft.com/office/drawing/2014/main" id="{D8EEF9CC-5904-6F4C-9984-928995DCD4A1}"/>
+              </a:ext>
+            </a:extLst>
+          </p:cNvPr>
+          <p:cNvCxnSpPr>
+            <a:cxnSpLocks/>
+          </p:cNvCxnSpPr>
+          <p:nvPr/>
+        </p:nvCxnSpPr>
+        <p:spPr>
+          <a:xfrm>
+            <a:off x="5298563" y="2518393"/>
+            <a:ext cx="739862" cy="0"/>
+          </a:xfrm>
+          <a:prstGeom prst="straightConnector1">
+            <a:avLst/>
+          </a:prstGeom>
+          <a:ln w="25400">
+            <a:solidFill>
+              <a:schemeClr val="tx1"/>
+            </a:solidFill>
+            <a:tailEnd type="triangle"/>
+          </a:ln>
+        </p:spPr>
+        <p:style>
+          <a:lnRef idx="1">
+            <a:schemeClr val="accent1"/>
+          </a:lnRef>
+          <a:fillRef idx="0">
+            <a:schemeClr val="accent1"/>
+          </a:fillRef>
+          <a:effectRef idx="0">
+            <a:schemeClr val="accent1"/>
+          </a:effectRef>
+          <a:fontRef idx="minor">
+            <a:schemeClr val="tx1"/>
+          </a:fontRef>
+        </p:style>
+      </p:cxnSp>
+      <p:cxnSp>
+        <p:nvCxnSpPr>
+          <p:cNvPr id="16" name="直线箭头连接符 15">
+            <a:extLst>
+              <a:ext uri="{FF2B5EF4-FFF2-40B4-BE49-F238E27FC236}">
+                <a16:creationId xmlns:a16="http://schemas.microsoft.com/office/drawing/2014/main" id="{C020B894-9EB9-5648-AC85-24609D115C85}"/>
+              </a:ext>
+            </a:extLst>
+          </p:cNvPr>
+          <p:cNvCxnSpPr>
+            <a:cxnSpLocks/>
+            <a:stCxn id="14" idx="0"/>
+            <a:endCxn id="14" idx="4"/>
+          </p:cNvCxnSpPr>
+          <p:nvPr/>
+        </p:nvCxnSpPr>
+        <p:spPr>
+          <a:xfrm>
+            <a:off x="4693660" y="1881848"/>
+            <a:ext cx="0" cy="1221812"/>
+          </a:xfrm>
+          <a:prstGeom prst="straightConnector1">
+            <a:avLst/>
+          </a:prstGeom>
+          <a:ln w="22225">
+            <a:solidFill>
+              <a:schemeClr val="tx1"/>
+            </a:solidFill>
+          </a:ln>
+        </p:spPr>
+        <p:style>
+          <a:lnRef idx="1">
+            <a:schemeClr val="accent1"/>
+          </a:lnRef>
+          <a:fillRef idx="0">
+            <a:schemeClr val="accent1"/>
+          </a:fillRef>
+          <a:effectRef idx="0">
+            <a:schemeClr val="accent1"/>
+          </a:effectRef>
+          <a:fontRef idx="minor">
+            <a:schemeClr val="tx1"/>
+          </a:fontRef>
+        </p:style>
+      </p:cxnSp>
+      <p:pic>
+        <p:nvPicPr>
+          <p:cNvPr id="17" name="图片 16">
+            <a:extLst>
+              <a:ext uri="{FF2B5EF4-FFF2-40B4-BE49-F238E27FC236}">
+                <a16:creationId xmlns:a16="http://schemas.microsoft.com/office/drawing/2014/main" id="{B775F4F7-A7C8-0341-B1AB-19F49BD20C5C}"/>
+              </a:ext>
+            </a:extLst>
+          </p:cNvPr>
+          <p:cNvPicPr>
+            <a:picLocks noChangeAspect="1"/>
+          </p:cNvPicPr>
+          <p:nvPr/>
+        </p:nvPicPr>
+        <p:blipFill>
+          <a:blip r:embed="rId3"/>
+          <a:stretch>
+            <a:fillRect/>
+          </a:stretch>
+        </p:blipFill>
+        <p:spPr>
+          <a:xfrm>
+            <a:off x="5668494" y="1933127"/>
+            <a:ext cx="1943100" cy="520700"/>
+          </a:xfrm>
+          <a:prstGeom prst="rect">
+            <a:avLst/>
+          </a:prstGeom>
+        </p:spPr>
+      </p:pic>
+      <p:pic>
+        <p:nvPicPr>
+          <p:cNvPr id="18" name="图片 17">
+            <a:extLst>
+              <a:ext uri="{FF2B5EF4-FFF2-40B4-BE49-F238E27FC236}">
+                <a16:creationId xmlns:a16="http://schemas.microsoft.com/office/drawing/2014/main" id="{7361E96D-434E-1C46-AA66-AFFB83141FF5}"/>
+              </a:ext>
+            </a:extLst>
+          </p:cNvPr>
+          <p:cNvPicPr>
+            <a:picLocks noChangeAspect="1"/>
+          </p:cNvPicPr>
+          <p:nvPr/>
+        </p:nvPicPr>
+        <p:blipFill>
+          <a:blip r:embed="rId4"/>
+          <a:stretch>
+            <a:fillRect/>
+          </a:stretch>
+        </p:blipFill>
+        <p:spPr>
+          <a:xfrm>
+            <a:off x="2340523" y="1694912"/>
+            <a:ext cx="537028" cy="304583"/>
+          </a:xfrm>
+          <a:prstGeom prst="rect">
+            <a:avLst/>
+          </a:prstGeom>
+        </p:spPr>
+      </p:pic>
+      <p:pic>
+        <p:nvPicPr>
+          <p:cNvPr id="19" name="图片 18">
+            <a:extLst>
+              <a:ext uri="{FF2B5EF4-FFF2-40B4-BE49-F238E27FC236}">
+                <a16:creationId xmlns:a16="http://schemas.microsoft.com/office/drawing/2014/main" id="{7C89D2AC-CE1A-8C44-9AC8-225374BA07DE}"/>
+              </a:ext>
+            </a:extLst>
+          </p:cNvPr>
+          <p:cNvPicPr>
+            <a:picLocks noChangeAspect="1"/>
+          </p:cNvPicPr>
+          <p:nvPr/>
+        </p:nvPicPr>
+        <p:blipFill>
+          <a:blip r:embed="rId5"/>
+          <a:stretch>
+            <a:fillRect/>
+          </a:stretch>
+        </p:blipFill>
+        <p:spPr>
+          <a:xfrm>
+            <a:off x="2932997" y="1734680"/>
+            <a:ext cx="507847" cy="280191"/>
+          </a:xfrm>
+          <a:prstGeom prst="rect">
+            <a:avLst/>
+          </a:prstGeom>
+        </p:spPr>
+      </p:pic>
+      <p:pic>
+        <p:nvPicPr>
+          <p:cNvPr id="20" name="图片 19">
+            <a:extLst>
+              <a:ext uri="{FF2B5EF4-FFF2-40B4-BE49-F238E27FC236}">
+                <a16:creationId xmlns:a16="http://schemas.microsoft.com/office/drawing/2014/main" id="{043846DF-05C9-2343-B032-E3BD11BF318C}"/>
+              </a:ext>
+            </a:extLst>
+          </p:cNvPr>
+          <p:cNvPicPr>
+            <a:picLocks noChangeAspect="1"/>
+          </p:cNvPicPr>
+          <p:nvPr/>
+        </p:nvPicPr>
+        <p:blipFill>
+          <a:blip r:embed="rId6"/>
+          <a:stretch>
+            <a:fillRect/>
+          </a:stretch>
+        </p:blipFill>
+        <p:spPr>
+          <a:xfrm>
+            <a:off x="4124979" y="2390382"/>
+            <a:ext cx="554490" cy="291342"/>
+          </a:xfrm>
+          <a:prstGeom prst="rect">
+            <a:avLst/>
+          </a:prstGeom>
+        </p:spPr>
+      </p:pic>
+      <p:pic>
+        <p:nvPicPr>
+          <p:cNvPr id="21" name="图片 20">
+            <a:extLst>
+              <a:ext uri="{FF2B5EF4-FFF2-40B4-BE49-F238E27FC236}">
+                <a16:creationId xmlns:a16="http://schemas.microsoft.com/office/drawing/2014/main" id="{26DD4B6D-1C81-B44C-8D7D-C57A4196E44E}"/>
+              </a:ext>
+            </a:extLst>
+          </p:cNvPr>
+          <p:cNvPicPr>
+            <a:picLocks noChangeAspect="1"/>
+          </p:cNvPicPr>
+          <p:nvPr/>
+        </p:nvPicPr>
+        <p:blipFill>
+          <a:blip r:embed="rId7"/>
+          <a:stretch>
+            <a:fillRect/>
+          </a:stretch>
+        </p:blipFill>
+        <p:spPr>
+          <a:xfrm>
+            <a:off x="4714723" y="2395358"/>
+            <a:ext cx="562778" cy="281389"/>
+          </a:xfrm>
+          <a:prstGeom prst="rect">
+            <a:avLst/>
+          </a:prstGeom>
+        </p:spPr>
+      </p:pic>
+      <p:sp>
+        <p:nvSpPr>
+          <p:cNvPr id="22" name="文本框 21">
+            <a:extLst>
+              <a:ext uri="{FF2B5EF4-FFF2-40B4-BE49-F238E27FC236}">
+                <a16:creationId xmlns:a16="http://schemas.microsoft.com/office/drawing/2014/main" id="{ACEF3D5F-9798-F343-B9E6-1AB7A3505F94}"/>
+              </a:ext>
+            </a:extLst>
+          </p:cNvPr>
+          <p:cNvSpPr txBox="1"/>
+          <p:nvPr/>
+        </p:nvSpPr>
+        <p:spPr>
+          <a:xfrm>
+            <a:off x="2585300" y="831136"/>
+            <a:ext cx="914400" cy="369332"/>
+          </a:xfrm>
+          <a:prstGeom prst="rect">
+            <a:avLst/>
+          </a:prstGeom>
+          <a:noFill/>
+        </p:spPr>
+        <p:txBody>
+          <a:bodyPr wrap="square" rtlCol="0">
+            <a:spAutoFit/>
+          </a:bodyPr>
+          <a:lstStyle/>
+          <a:p>
+            <a:r>
+              <a:rPr kumimoji="1" lang="en-US" altLang="zh-CN" dirty="0"/>
+              <a:t>L1</a:t>
+            </a:r>
+          </a:p>
+        </p:txBody>
+      </p:sp>
+      <p:sp>
+        <p:nvSpPr>
+          <p:cNvPr id="23" name="文本框 22">
+            <a:extLst>
+              <a:ext uri="{FF2B5EF4-FFF2-40B4-BE49-F238E27FC236}">
+                <a16:creationId xmlns:a16="http://schemas.microsoft.com/office/drawing/2014/main" id="{C83F292A-DCF8-F746-A90A-B3EA56D1C0B2}"/>
+              </a:ext>
+            </a:extLst>
+          </p:cNvPr>
+          <p:cNvSpPr txBox="1"/>
+          <p:nvPr/>
+        </p:nvSpPr>
+        <p:spPr>
+          <a:xfrm>
+            <a:off x="4516878" y="1433242"/>
+            <a:ext cx="914400" cy="369332"/>
+          </a:xfrm>
+          <a:prstGeom prst="rect">
+            <a:avLst/>
+          </a:prstGeom>
+          <a:noFill/>
+        </p:spPr>
+        <p:txBody>
+          <a:bodyPr wrap="square" rtlCol="0">
+            <a:spAutoFit/>
+          </a:bodyPr>
+          <a:lstStyle/>
+          <a:p>
+            <a:r>
+              <a:rPr kumimoji="1" lang="en-US" altLang="zh-CN" dirty="0"/>
+              <a:t>L2</a:t>
+            </a:r>
+          </a:p>
+        </p:txBody>
+      </p:sp>
+      <p:cxnSp>
+        <p:nvCxnSpPr>
+          <p:cNvPr id="24" name="直线箭头连接符 23">
+            <a:extLst>
+              <a:ext uri="{FF2B5EF4-FFF2-40B4-BE49-F238E27FC236}">
+                <a16:creationId xmlns:a16="http://schemas.microsoft.com/office/drawing/2014/main" id="{4F19FC88-8BFC-6E4E-9065-C9B420F17A5B}"/>
+              </a:ext>
+            </a:extLst>
+          </p:cNvPr>
+          <p:cNvCxnSpPr>
+            <a:cxnSpLocks/>
+            <a:stCxn id="26" idx="3"/>
+          </p:cNvCxnSpPr>
+          <p:nvPr/>
+        </p:nvCxnSpPr>
+        <p:spPr>
+          <a:xfrm flipV="1">
+            <a:off x="1314227" y="1905105"/>
+            <a:ext cx="971383" cy="1301112"/>
+          </a:xfrm>
+          <a:prstGeom prst="straightConnector1">
+            <a:avLst/>
+          </a:prstGeom>
+          <a:ln w="25400">
+            <a:solidFill>
+              <a:schemeClr val="tx1"/>
+            </a:solidFill>
+            <a:tailEnd type="triangle"/>
+          </a:ln>
+        </p:spPr>
+        <p:style>
+          <a:lnRef idx="1">
+            <a:schemeClr val="accent1"/>
+          </a:lnRef>
+          <a:fillRef idx="0">
+            <a:schemeClr val="accent1"/>
+          </a:fillRef>
+          <a:effectRef idx="0">
+            <a:schemeClr val="accent1"/>
+          </a:effectRef>
+          <a:fontRef idx="minor">
+            <a:schemeClr val="tx1"/>
+          </a:fontRef>
+        </p:style>
+      </p:cxnSp>
+      <p:pic>
+        <p:nvPicPr>
+          <p:cNvPr id="25" name="图片 24">
+            <a:extLst>
+              <a:ext uri="{FF2B5EF4-FFF2-40B4-BE49-F238E27FC236}">
+                <a16:creationId xmlns:a16="http://schemas.microsoft.com/office/drawing/2014/main" id="{099A1B0B-804E-364A-92EC-BBFC3B465EC2}"/>
+              </a:ext>
+            </a:extLst>
+          </p:cNvPr>
+          <p:cNvPicPr>
+            <a:picLocks noChangeAspect="1"/>
+          </p:cNvPicPr>
+          <p:nvPr/>
+        </p:nvPicPr>
+        <p:blipFill>
+          <a:blip r:embed="rId8"/>
+          <a:stretch>
+            <a:fillRect/>
+          </a:stretch>
+        </p:blipFill>
+        <p:spPr>
+          <a:xfrm>
+            <a:off x="224417" y="1656850"/>
+            <a:ext cx="1092200" cy="431800"/>
+          </a:xfrm>
+          <a:prstGeom prst="rect">
+            <a:avLst/>
+          </a:prstGeom>
+        </p:spPr>
+      </p:pic>
+      <p:pic>
+        <p:nvPicPr>
+          <p:cNvPr id="26" name="图片 25">
+            <a:extLst>
+              <a:ext uri="{FF2B5EF4-FFF2-40B4-BE49-F238E27FC236}">
+                <a16:creationId xmlns:a16="http://schemas.microsoft.com/office/drawing/2014/main" id="{F941CD4F-92AA-6540-A242-DDF3FD565AE4}"/>
+              </a:ext>
+            </a:extLst>
+          </p:cNvPr>
+          <p:cNvPicPr>
+            <a:picLocks noChangeAspect="1"/>
+          </p:cNvPicPr>
+          <p:nvPr/>
+        </p:nvPicPr>
+        <p:blipFill>
+          <a:blip r:embed="rId9"/>
+          <a:stretch>
+            <a:fillRect/>
+          </a:stretch>
+        </p:blipFill>
+        <p:spPr>
+          <a:xfrm>
+            <a:off x="209327" y="2983967"/>
+            <a:ext cx="1104900" cy="444500"/>
+          </a:xfrm>
+          <a:prstGeom prst="rect">
+            <a:avLst/>
+          </a:prstGeom>
+        </p:spPr>
+      </p:pic>
+      <p:sp>
+        <p:nvSpPr>
+          <p:cNvPr id="27" name="椭圆 26">
+            <a:extLst>
+              <a:ext uri="{FF2B5EF4-FFF2-40B4-BE49-F238E27FC236}">
+                <a16:creationId xmlns:a16="http://schemas.microsoft.com/office/drawing/2014/main" id="{CEB234B1-7E22-C24E-9E36-0E92F37AAE63}"/>
+              </a:ext>
+            </a:extLst>
+          </p:cNvPr>
+          <p:cNvSpPr/>
+          <p:nvPr/>
+        </p:nvSpPr>
+        <p:spPr>
+          <a:xfrm>
+            <a:off x="2280775" y="2595311"/>
+            <a:ext cx="1209807" cy="1221812"/>
+          </a:xfrm>
+          <a:prstGeom prst="ellipse">
+            <a:avLst/>
+          </a:prstGeom>
+          <a:noFill/>
+          <a:ln>
+            <a:solidFill>
+              <a:schemeClr val="tx1"/>
+            </a:solidFill>
+          </a:ln>
+        </p:spPr>
+        <p:style>
+          <a:lnRef idx="2">
+            <a:schemeClr val="accent1">
+              <a:shade val="50000"/>
+            </a:schemeClr>
+          </a:lnRef>
+          <a:fillRef idx="1">
+            <a:schemeClr val="accent1"/>
+          </a:fillRef>
+          <a:effectRef idx="0">
+            <a:schemeClr val="accent1"/>
+          </a:effectRef>
+          <a:fontRef idx="minor">
+            <a:schemeClr val="lt1"/>
+          </a:fontRef>
+        </p:style>
+        <p:txBody>
+          <a:bodyPr rtlCol="0" anchor="ctr"/>
+          <a:lstStyle/>
+          <a:p>
+            <a:pPr algn="ctr"/>
+            <a:endParaRPr kumimoji="1" lang="zh-CN" altLang="en-US"/>
+          </a:p>
+        </p:txBody>
+      </p:sp>
+      <p:cxnSp>
+        <p:nvCxnSpPr>
+          <p:cNvPr id="28" name="直线箭头连接符 27">
+            <a:extLst>
+              <a:ext uri="{FF2B5EF4-FFF2-40B4-BE49-F238E27FC236}">
+                <a16:creationId xmlns:a16="http://schemas.microsoft.com/office/drawing/2014/main" id="{65627D82-1CFB-6E40-AB94-683DA6EDC7F2}"/>
+              </a:ext>
+            </a:extLst>
+          </p:cNvPr>
+          <p:cNvCxnSpPr>
+            <a:cxnSpLocks/>
+            <a:stCxn id="27" idx="0"/>
+            <a:endCxn id="27" idx="4"/>
+          </p:cNvCxnSpPr>
+          <p:nvPr/>
+        </p:nvCxnSpPr>
+        <p:spPr>
+          <a:xfrm>
+            <a:off x="2885679" y="2595311"/>
+            <a:ext cx="0" cy="1221812"/>
+          </a:xfrm>
+          <a:prstGeom prst="straightConnector1">
+            <a:avLst/>
+          </a:prstGeom>
+          <a:ln w="22225">
+            <a:solidFill>
+              <a:schemeClr val="tx1"/>
+            </a:solidFill>
+          </a:ln>
+        </p:spPr>
+        <p:style>
+          <a:lnRef idx="1">
+            <a:schemeClr val="accent1"/>
+          </a:lnRef>
+          <a:fillRef idx="0">
+            <a:schemeClr val="accent1"/>
+          </a:fillRef>
+          <a:effectRef idx="0">
+            <a:schemeClr val="accent1"/>
+          </a:effectRef>
+          <a:fontRef idx="minor">
+            <a:schemeClr val="tx1"/>
+          </a:fontRef>
+        </p:style>
+      </p:cxnSp>
+      <p:pic>
+        <p:nvPicPr>
+          <p:cNvPr id="29" name="图片 28">
+            <a:extLst>
+              <a:ext uri="{FF2B5EF4-FFF2-40B4-BE49-F238E27FC236}">
+                <a16:creationId xmlns:a16="http://schemas.microsoft.com/office/drawing/2014/main" id="{CB3A147D-8FA5-6840-B839-C2A0369EAEEE}"/>
+              </a:ext>
+            </a:extLst>
+          </p:cNvPr>
+          <p:cNvPicPr>
+            <a:picLocks noChangeAspect="1"/>
+          </p:cNvPicPr>
+          <p:nvPr/>
+        </p:nvPicPr>
+        <p:blipFill>
+          <a:blip r:embed="rId4"/>
+          <a:stretch>
+            <a:fillRect/>
+          </a:stretch>
+        </p:blipFill>
+        <p:spPr>
+          <a:xfrm>
+            <a:off x="2331405" y="3026353"/>
+            <a:ext cx="537028" cy="304583"/>
+          </a:xfrm>
+          <a:prstGeom prst="rect">
+            <a:avLst/>
+          </a:prstGeom>
+        </p:spPr>
+      </p:pic>
+      <p:pic>
+        <p:nvPicPr>
+          <p:cNvPr id="30" name="图片 29">
+            <a:extLst>
+              <a:ext uri="{FF2B5EF4-FFF2-40B4-BE49-F238E27FC236}">
+                <a16:creationId xmlns:a16="http://schemas.microsoft.com/office/drawing/2014/main" id="{B7E590B5-8CC6-3B49-9158-37C3B008F089}"/>
+              </a:ext>
+            </a:extLst>
+          </p:cNvPr>
+          <p:cNvPicPr>
+            <a:picLocks noChangeAspect="1"/>
+          </p:cNvPicPr>
+          <p:nvPr/>
+        </p:nvPicPr>
+        <p:blipFill>
+          <a:blip r:embed="rId5"/>
+          <a:stretch>
+            <a:fillRect/>
+          </a:stretch>
+        </p:blipFill>
+        <p:spPr>
+          <a:xfrm>
+            <a:off x="2923879" y="3066121"/>
+            <a:ext cx="507847" cy="280191"/>
+          </a:xfrm>
+          <a:prstGeom prst="rect">
+            <a:avLst/>
+          </a:prstGeom>
+        </p:spPr>
+      </p:pic>
+      <p:cxnSp>
+        <p:nvCxnSpPr>
+          <p:cNvPr id="31" name="直线箭头连接符 30">
+            <a:extLst>
+              <a:ext uri="{FF2B5EF4-FFF2-40B4-BE49-F238E27FC236}">
+                <a16:creationId xmlns:a16="http://schemas.microsoft.com/office/drawing/2014/main" id="{2F2FC9FA-6063-E743-B366-C021A0CFCAF5}"/>
+              </a:ext>
+            </a:extLst>
+          </p:cNvPr>
+          <p:cNvCxnSpPr>
+            <a:cxnSpLocks/>
+            <a:stCxn id="27" idx="6"/>
+            <a:endCxn id="14" idx="2"/>
+          </p:cNvCxnSpPr>
+          <p:nvPr/>
+        </p:nvCxnSpPr>
+        <p:spPr>
+          <a:xfrm flipV="1">
+            <a:off x="3490582" y="2492754"/>
+            <a:ext cx="598174" cy="713463"/>
+          </a:xfrm>
+          <a:prstGeom prst="straightConnector1">
+            <a:avLst/>
+          </a:prstGeom>
+          <a:ln w="25400">
+            <a:solidFill>
+              <a:schemeClr val="tx1"/>
+            </a:solidFill>
+            <a:tailEnd type="triangle"/>
+          </a:ln>
+        </p:spPr>
+        <p:style>
+          <a:lnRef idx="1">
+            <a:schemeClr val="accent1"/>
+          </a:lnRef>
+          <a:fillRef idx="0">
+            <a:schemeClr val="accent1"/>
+          </a:fillRef>
+          <a:effectRef idx="0">
+            <a:schemeClr val="accent1"/>
+          </a:effectRef>
+          <a:fontRef idx="minor">
+            <a:schemeClr val="tx1"/>
+          </a:fontRef>
+        </p:style>
+      </p:cxnSp>
+      <p:cxnSp>
+        <p:nvCxnSpPr>
+          <p:cNvPr id="32" name="直线箭头连接符 31">
+            <a:extLst>
+              <a:ext uri="{FF2B5EF4-FFF2-40B4-BE49-F238E27FC236}">
+                <a16:creationId xmlns:a16="http://schemas.microsoft.com/office/drawing/2014/main" id="{3AA90FDB-4B67-A84E-B5A9-546629F0DF4C}"/>
+              </a:ext>
+            </a:extLst>
+          </p:cNvPr>
+          <p:cNvCxnSpPr>
+            <a:cxnSpLocks/>
+            <a:stCxn id="25" idx="3"/>
+            <a:endCxn id="27" idx="2"/>
+          </p:cNvCxnSpPr>
+          <p:nvPr/>
+        </p:nvCxnSpPr>
+        <p:spPr>
+          <a:xfrm>
+            <a:off x="1316617" y="1872750"/>
+            <a:ext cx="964158" cy="1333467"/>
+          </a:xfrm>
+          <a:prstGeom prst="straightConnector1">
+            <a:avLst/>
+          </a:prstGeom>
+          <a:ln w="25400">
+            <a:solidFill>
+              <a:schemeClr val="tx1"/>
+            </a:solidFill>
+            <a:tailEnd type="triangle"/>
+          </a:ln>
+        </p:spPr>
+        <p:style>
+          <a:lnRef idx="1">
+            <a:schemeClr val="accent1"/>
+          </a:lnRef>
+          <a:fillRef idx="0">
+            <a:schemeClr val="accent1"/>
+          </a:fillRef>
+          <a:effectRef idx="0">
+            <a:schemeClr val="accent1"/>
+          </a:effectRef>
+          <a:fontRef idx="minor">
+            <a:schemeClr val="tx1"/>
+          </a:fontRef>
+        </p:style>
+      </p:cxnSp>
+      <p:cxnSp>
+        <p:nvCxnSpPr>
+          <p:cNvPr id="33" name="直线箭头连接符 32">
+            <a:extLst>
+              <a:ext uri="{FF2B5EF4-FFF2-40B4-BE49-F238E27FC236}">
+                <a16:creationId xmlns:a16="http://schemas.microsoft.com/office/drawing/2014/main" id="{B2B459A2-EED2-7043-9A0C-ADF62D9A59C9}"/>
+              </a:ext>
+            </a:extLst>
+          </p:cNvPr>
+          <p:cNvCxnSpPr>
+            <a:cxnSpLocks/>
+            <a:stCxn id="26" idx="3"/>
+            <a:endCxn id="27" idx="2"/>
+          </p:cNvCxnSpPr>
+          <p:nvPr/>
+        </p:nvCxnSpPr>
+        <p:spPr>
+          <a:xfrm>
+            <a:off x="1314227" y="3206217"/>
+            <a:ext cx="966548" cy="0"/>
+          </a:xfrm>
+          <a:prstGeom prst="straightConnector1">
+            <a:avLst/>
+          </a:prstGeom>
+          <a:ln w="25400">
+            <a:solidFill>
+              <a:schemeClr val="tx1"/>
+            </a:solidFill>
+            <a:tailEnd type="triangle"/>
+          </a:ln>
+        </p:spPr>
+        <p:style>
+          <a:lnRef idx="1">
+            <a:schemeClr val="accent1"/>
+          </a:lnRef>
+          <a:fillRef idx="0">
+            <a:schemeClr val="accent1"/>
+          </a:fillRef>
+          <a:effectRef idx="0">
+            <a:schemeClr val="accent1"/>
+          </a:effectRef>
+          <a:fontRef idx="minor">
+            <a:schemeClr val="tx1"/>
+          </a:fontRef>
+        </p:style>
+      </p:cxnSp>
+      <p:sp>
+        <p:nvSpPr>
+          <p:cNvPr id="34" name="文本框 33">
+            <a:extLst>
+              <a:ext uri="{FF2B5EF4-FFF2-40B4-BE49-F238E27FC236}">
+                <a16:creationId xmlns:a16="http://schemas.microsoft.com/office/drawing/2014/main" id="{81F8C9A7-B632-4E43-A612-5C6BF02573B4}"/>
+              </a:ext>
+            </a:extLst>
+          </p:cNvPr>
+          <p:cNvSpPr txBox="1"/>
+          <p:nvPr/>
+        </p:nvSpPr>
+        <p:spPr>
+          <a:xfrm>
+            <a:off x="431267" y="862932"/>
+            <a:ext cx="914400" cy="369332"/>
+          </a:xfrm>
+          <a:prstGeom prst="rect">
+            <a:avLst/>
+          </a:prstGeom>
+          <a:noFill/>
+        </p:spPr>
+        <p:txBody>
+          <a:bodyPr wrap="square" rtlCol="0">
+            <a:spAutoFit/>
+          </a:bodyPr>
+          <a:lstStyle/>
+          <a:p>
+            <a:r>
+              <a:rPr kumimoji="1" lang="en-US" altLang="zh-CN" dirty="0"/>
+              <a:t>L0</a:t>
+            </a:r>
+          </a:p>
+        </p:txBody>
+      </p:sp>
+      <p:sp>
+        <p:nvSpPr>
+          <p:cNvPr id="35" name="文本框 34">
+            <a:extLst>
+              <a:ext uri="{FF2B5EF4-FFF2-40B4-BE49-F238E27FC236}">
+                <a16:creationId xmlns:a16="http://schemas.microsoft.com/office/drawing/2014/main" id="{6CEA15B4-6304-B244-8E0C-AE8769D9DF01}"/>
+              </a:ext>
+            </a:extLst>
+          </p:cNvPr>
+          <p:cNvSpPr txBox="1"/>
+          <p:nvPr/>
+        </p:nvSpPr>
+        <p:spPr>
+          <a:xfrm>
+            <a:off x="131903" y="3824195"/>
+            <a:ext cx="7820270" cy="307777"/>
+          </a:xfrm>
+          <a:prstGeom prst="rect">
+            <a:avLst/>
+          </a:prstGeom>
+          <a:noFill/>
+        </p:spPr>
+        <p:txBody>
+          <a:bodyPr wrap="square" rtlCol="0">
+            <a:spAutoFit/>
+          </a:bodyPr>
+          <a:lstStyle/>
+          <a:p>
+            <a:r>
+              <a:rPr lang="zh-CN" altLang="en-US" sz="1400" dirty="0">
+                <a:solidFill>
+                  <a:schemeClr val="bg1">
+                    <a:lumMod val="50000"/>
+                  </a:schemeClr>
+                </a:solidFill>
+                <a:latin typeface="微软雅黑" panose="020B0503020204020204" charset="-122"/>
+                <a:ea typeface="微软雅黑" panose="020B0503020204020204" charset="-122"/>
+              </a:rPr>
+              <a:t>还是身高和体重，假设有输入</a:t>
+            </a:r>
+            <a:r>
+              <a:rPr lang="en-US" altLang="zh-CN" sz="1400" dirty="0">
+                <a:solidFill>
+                  <a:schemeClr val="bg1">
+                    <a:lumMod val="50000"/>
+                  </a:schemeClr>
+                </a:solidFill>
+                <a:latin typeface="微软雅黑" panose="020B0503020204020204" charset="-122"/>
+                <a:ea typeface="微软雅黑" panose="020B0503020204020204" charset="-122"/>
+              </a:rPr>
+              <a:t>x</a:t>
+            </a:r>
+            <a:r>
+              <a:rPr lang="zh-CN" altLang="en-US" sz="1400" dirty="0">
+                <a:solidFill>
+                  <a:schemeClr val="bg1">
+                    <a:lumMod val="50000"/>
+                  </a:schemeClr>
+                </a:solidFill>
+                <a:latin typeface="微软雅黑" panose="020B0503020204020204" charset="-122"/>
+                <a:ea typeface="微软雅黑" panose="020B0503020204020204" charset="-122"/>
+              </a:rPr>
+              <a:t>和目标</a:t>
+            </a:r>
+            <a:r>
+              <a:rPr lang="en-US" altLang="zh-CN" sz="1400" dirty="0">
+                <a:solidFill>
+                  <a:schemeClr val="bg1">
+                    <a:lumMod val="50000"/>
+                  </a:schemeClr>
+                </a:solidFill>
+                <a:latin typeface="微软雅黑" panose="020B0503020204020204" charset="-122"/>
+                <a:ea typeface="微软雅黑" panose="020B0503020204020204" charset="-122"/>
+              </a:rPr>
+              <a:t>y</a:t>
+            </a:r>
+            <a:r>
+              <a:rPr lang="zh-CN" altLang="en-US" sz="1400" dirty="0">
+                <a:solidFill>
+                  <a:schemeClr val="bg1">
+                    <a:lumMod val="50000"/>
+                  </a:schemeClr>
+                </a:solidFill>
+                <a:latin typeface="微软雅黑" panose="020B0503020204020204" charset="-122"/>
+                <a:ea typeface="微软雅黑" panose="020B0503020204020204" charset="-122"/>
+              </a:rPr>
+              <a:t>，有这么</a:t>
+            </a:r>
+            <a:r>
+              <a:rPr lang="en-US" altLang="zh-CN" sz="1400" dirty="0">
+                <a:solidFill>
+                  <a:schemeClr val="bg1">
+                    <a:lumMod val="50000"/>
+                  </a:schemeClr>
+                </a:solidFill>
+                <a:latin typeface="微软雅黑" panose="020B0503020204020204" charset="-122"/>
+                <a:ea typeface="微软雅黑" panose="020B0503020204020204" charset="-122"/>
+              </a:rPr>
+              <a:t>4</a:t>
+            </a:r>
+            <a:r>
+              <a:rPr lang="zh-CN" altLang="en-US" sz="1400" dirty="0">
+                <a:solidFill>
+                  <a:schemeClr val="bg1">
+                    <a:lumMod val="50000"/>
+                  </a:schemeClr>
+                </a:solidFill>
+                <a:latin typeface="微软雅黑" panose="020B0503020204020204" charset="-122"/>
+                <a:ea typeface="微软雅黑" panose="020B0503020204020204" charset="-122"/>
+              </a:rPr>
+              <a:t>个样本</a:t>
+            </a:r>
+            <a:endParaRPr lang="en-US" altLang="zh-CN" sz="1400" dirty="0">
+              <a:solidFill>
+                <a:schemeClr val="bg1">
+                  <a:lumMod val="50000"/>
+                </a:schemeClr>
+              </a:solidFill>
+              <a:latin typeface="微软雅黑" panose="020B0503020204020204" charset="-122"/>
+              <a:ea typeface="微软雅黑" panose="020B0503020204020204" charset="-122"/>
+            </a:endParaRPr>
+          </a:p>
+        </p:txBody>
+      </p:sp>
+      <p:pic>
+        <p:nvPicPr>
+          <p:cNvPr id="36" name="图片 35">
+            <a:extLst>
+              <a:ext uri="{FF2B5EF4-FFF2-40B4-BE49-F238E27FC236}">
+                <a16:creationId xmlns:a16="http://schemas.microsoft.com/office/drawing/2014/main" id="{B55AAEC9-4FE5-4D46-BF32-80F90E7F75B0}"/>
+              </a:ext>
+            </a:extLst>
+          </p:cNvPr>
+          <p:cNvPicPr>
+            <a:picLocks noChangeAspect="1"/>
+          </p:cNvPicPr>
+          <p:nvPr/>
+        </p:nvPicPr>
+        <p:blipFill>
+          <a:blip r:embed="rId10"/>
+          <a:stretch>
+            <a:fillRect/>
+          </a:stretch>
+        </p:blipFill>
+        <p:spPr>
+          <a:xfrm>
+            <a:off x="5081973" y="4146862"/>
+            <a:ext cx="2870200" cy="2082800"/>
+          </a:xfrm>
+          <a:prstGeom prst="rect">
+            <a:avLst/>
+          </a:prstGeom>
+        </p:spPr>
+      </p:pic>
+      <p:sp>
+        <p:nvSpPr>
+          <p:cNvPr id="37" name="文本框 36">
+            <a:extLst>
+              <a:ext uri="{FF2B5EF4-FFF2-40B4-BE49-F238E27FC236}">
+                <a16:creationId xmlns:a16="http://schemas.microsoft.com/office/drawing/2014/main" id="{69CB827F-339D-2047-AFFB-757B126A770C}"/>
+              </a:ext>
+            </a:extLst>
+          </p:cNvPr>
+          <p:cNvSpPr txBox="1"/>
+          <p:nvPr/>
+        </p:nvSpPr>
+        <p:spPr>
+          <a:xfrm>
+            <a:off x="4974078" y="3821210"/>
+            <a:ext cx="7820270" cy="307777"/>
+          </a:xfrm>
+          <a:prstGeom prst="rect">
+            <a:avLst/>
+          </a:prstGeom>
+          <a:noFill/>
+        </p:spPr>
+        <p:txBody>
+          <a:bodyPr wrap="square" rtlCol="0">
+            <a:spAutoFit/>
+          </a:bodyPr>
+          <a:lstStyle/>
+          <a:p>
+            <a:r>
+              <a:rPr lang="zh-CN" altLang="en-US" sz="1400" dirty="0">
+                <a:solidFill>
+                  <a:schemeClr val="bg1">
+                    <a:lumMod val="50000"/>
+                  </a:schemeClr>
+                </a:solidFill>
+                <a:latin typeface="微软雅黑" panose="020B0503020204020204" charset="-122"/>
+                <a:ea typeface="微软雅黑" panose="020B0503020204020204" charset="-122"/>
+              </a:rPr>
+              <a:t>同样初始化两层网络的权重和偏差都为</a:t>
+            </a:r>
+            <a:r>
+              <a:rPr lang="en-US" altLang="zh-CN" sz="1400" dirty="0">
+                <a:solidFill>
+                  <a:schemeClr val="bg1">
+                    <a:lumMod val="50000"/>
+                  </a:schemeClr>
+                </a:solidFill>
+                <a:latin typeface="微软雅黑" panose="020B0503020204020204" charset="-122"/>
+                <a:ea typeface="微软雅黑" panose="020B0503020204020204" charset="-122"/>
+              </a:rPr>
+              <a:t>0</a:t>
+            </a:r>
+          </a:p>
+        </p:txBody>
+      </p:sp>
+    </p:spTree>
+    <p:extLst>
+      <p:ext uri="{BB962C8B-B14F-4D97-AF65-F5344CB8AC3E}">
+        <p14:creationId xmlns:p14="http://schemas.microsoft.com/office/powerpoint/2010/main" val="2523190769"/>
+      </p:ext>
+    </p:extLst>
+  </p:cSld>
+  <p:clrMapOvr>
+    <a:masterClrMapping/>
+  </p:clrMapOvr>
+  <mc:AlternateContent xmlns:mc="http://schemas.openxmlformats.org/markup-compatibility/2006" xmlns:p14="http://schemas.microsoft.com/office/powerpoint/2010/main">
+    <mc:Choice Requires="p14">
+      <p:transition spd="med" p14:dur="700">
+        <p:fade/>
+      </p:transition>
+    </mc:Choice>
+    <mc:Fallback xmlns="">
+      <p:transition spd="med">
+        <p:fade/>
+      </p:transition>
+    </mc:Fallback>
+  </mc:AlternateContent>
+</p:sld>
+</file>
+
+<file path=ppt/slides/slide26.xml><?xml version="1.0" encoding="utf-8"?>
+<p:sld xmlns:a="http://schemas.openxmlformats.org/drawingml/2006/main" xmlns:r="http://schemas.openxmlformats.org/officeDocument/2006/relationships" xmlns:p="http://schemas.openxmlformats.org/presentationml/2006/main">
+  <p:cSld>
+    <p:spTree>
+      <p:nvGrpSpPr>
+        <p:cNvPr id="1" name=""/>
+        <p:cNvGrpSpPr/>
+        <p:nvPr/>
+      </p:nvGrpSpPr>
+      <p:grpSpPr>
+        <a:xfrm>
+          <a:off x="0" y="0"/>
+          <a:ext cx="0" cy="0"/>
+          <a:chOff x="0" y="0"/>
+          <a:chExt cx="0" cy="0"/>
+        </a:xfrm>
+      </p:grpSpPr>
+      <p:sp>
+        <p:nvSpPr>
+          <p:cNvPr id="6" name="矩形 5">
+            <a:extLst>
+              <a:ext uri="{FF2B5EF4-FFF2-40B4-BE49-F238E27FC236}">
+                <a16:creationId xmlns:a16="http://schemas.microsoft.com/office/drawing/2014/main" id="{6A32B224-18D4-F447-8FFD-6D635C3F2AC4}"/>
+              </a:ext>
+            </a:extLst>
+          </p:cNvPr>
+          <p:cNvSpPr/>
+          <p:nvPr/>
+        </p:nvSpPr>
+        <p:spPr>
+          <a:xfrm>
+            <a:off x="0" y="60523"/>
+            <a:ext cx="2051074" cy="307777"/>
+          </a:xfrm>
+          <a:prstGeom prst="rect">
+            <a:avLst/>
+          </a:prstGeom>
+        </p:spPr>
+        <p:txBody>
+          <a:bodyPr wrap="none">
+            <a:spAutoFit/>
+          </a:bodyPr>
+          <a:lstStyle/>
+          <a:p>
+            <a:r>
+              <a:rPr lang="en-US" altLang="zh-CN" sz="1400" b="1" dirty="0"/>
+              <a:t>PART ONE </a:t>
+            </a:r>
+            <a:r>
+              <a:rPr lang="zh-CN" altLang="en-US" sz="1400" b="1" dirty="0"/>
+              <a:t>深入神经网络</a:t>
+            </a:r>
+          </a:p>
+        </p:txBody>
+      </p:sp>
+      <p:sp>
+        <p:nvSpPr>
+          <p:cNvPr id="7" name="椭圆 6">
+            <a:extLst>
+              <a:ext uri="{FF2B5EF4-FFF2-40B4-BE49-F238E27FC236}">
+                <a16:creationId xmlns:a16="http://schemas.microsoft.com/office/drawing/2014/main" id="{D1812375-66FF-2A4D-A626-13AE40C330A2}"/>
+              </a:ext>
+            </a:extLst>
+          </p:cNvPr>
+          <p:cNvSpPr/>
+          <p:nvPr/>
+        </p:nvSpPr>
+        <p:spPr>
+          <a:xfrm>
+            <a:off x="1966473" y="157740"/>
+            <a:ext cx="130917" cy="113341"/>
+          </a:xfrm>
+          <a:prstGeom prst="ellipse">
+            <a:avLst/>
+          </a:prstGeom>
+          <a:solidFill>
+            <a:srgbClr val="FF0000"/>
+          </a:solidFill>
+          <a:ln>
+            <a:noFill/>
+          </a:ln>
+        </p:spPr>
+        <p:style>
+          <a:lnRef idx="2">
+            <a:schemeClr val="accent1">
+              <a:shade val="50000"/>
+            </a:schemeClr>
+          </a:lnRef>
+          <a:fillRef idx="1">
+            <a:schemeClr val="accent1"/>
+          </a:fillRef>
+          <a:effectRef idx="0">
+            <a:schemeClr val="accent1"/>
+          </a:effectRef>
+          <a:fontRef idx="minor">
+            <a:schemeClr val="lt1"/>
+          </a:fontRef>
+        </p:style>
+        <p:txBody>
+          <a:bodyPr rot="0" spcFirstLastPara="0" vertOverflow="overflow" horzOverflow="overflow" vert="horz" wrap="square" lIns="91440" tIns="45720" rIns="91440" bIns="45720" numCol="1" spcCol="0" rtlCol="0" fromWordArt="0" anchor="ctr" anchorCtr="0" forceAA="0" compatLnSpc="1">
+            <a:noAutofit/>
+          </a:bodyPr>
+          <a:lstStyle/>
+          <a:p>
+            <a:pPr algn="ctr"/>
+            <a:endParaRPr lang="zh-CN" altLang="en-US" sz="4400"/>
+          </a:p>
+        </p:txBody>
+      </p:sp>
+      <p:pic>
+        <p:nvPicPr>
+          <p:cNvPr id="2" name="图片 1">
+            <a:extLst>
+              <a:ext uri="{FF2B5EF4-FFF2-40B4-BE49-F238E27FC236}">
+                <a16:creationId xmlns:a16="http://schemas.microsoft.com/office/drawing/2014/main" id="{269C639A-31FA-0B4B-869E-13F86356E681}"/>
+              </a:ext>
+            </a:extLst>
+          </p:cNvPr>
+          <p:cNvPicPr>
+            <a:picLocks noChangeAspect="1"/>
+          </p:cNvPicPr>
+          <p:nvPr/>
+        </p:nvPicPr>
+        <p:blipFill>
+          <a:blip r:embed="rId2"/>
+          <a:stretch>
+            <a:fillRect/>
+          </a:stretch>
+        </p:blipFill>
+        <p:spPr>
+          <a:xfrm>
+            <a:off x="698345" y="858335"/>
+            <a:ext cx="7048500" cy="4851400"/>
+          </a:xfrm>
+          <a:prstGeom prst="rect">
+            <a:avLst/>
+          </a:prstGeom>
+        </p:spPr>
+      </p:pic>
+    </p:spTree>
+    <p:extLst>
+      <p:ext uri="{BB962C8B-B14F-4D97-AF65-F5344CB8AC3E}">
+        <p14:creationId xmlns:p14="http://schemas.microsoft.com/office/powerpoint/2010/main" val="2692810345"/>
+      </p:ext>
+    </p:extLst>
+  </p:cSld>
+  <p:clrMapOvr>
+    <a:masterClrMapping/>
+  </p:clrMapOvr>
+  <mc:AlternateContent xmlns:mc="http://schemas.openxmlformats.org/markup-compatibility/2006" xmlns:p14="http://schemas.microsoft.com/office/powerpoint/2010/main">
+    <mc:Choice Requires="p14">
+      <p:transition spd="med" p14:dur="700">
+        <p:fade/>
+      </p:transition>
+    </mc:Choice>
+    <mc:Fallback xmlns="">
+      <p:transition spd="med">
+        <p:fade/>
+      </p:transition>
+    </mc:Fallback>
+  </mc:AlternateContent>
+</p:sld>
+</file>
+
+<file path=ppt/slides/slide27.xml><?xml version="1.0" encoding="utf-8"?>
+<p:sld xmlns:a="http://schemas.openxmlformats.org/drawingml/2006/main" xmlns:r="http://schemas.openxmlformats.org/officeDocument/2006/relationships" xmlns:p="http://schemas.openxmlformats.org/presentationml/2006/main">
+  <p:cSld>
+    <p:spTree>
+      <p:nvGrpSpPr>
+        <p:cNvPr id="1" name=""/>
+        <p:cNvGrpSpPr/>
+        <p:nvPr/>
+      </p:nvGrpSpPr>
+      <p:grpSpPr>
+        <a:xfrm>
+          <a:off x="0" y="0"/>
+          <a:ext cx="0" cy="0"/>
+          <a:chOff x="0" y="0"/>
+          <a:chExt cx="0" cy="0"/>
+        </a:xfrm>
+      </p:grpSpPr>
+      <p:sp>
+        <p:nvSpPr>
+          <p:cNvPr id="6" name="矩形 5">
+            <a:extLst>
+              <a:ext uri="{FF2B5EF4-FFF2-40B4-BE49-F238E27FC236}">
+                <a16:creationId xmlns:a16="http://schemas.microsoft.com/office/drawing/2014/main" id="{6A32B224-18D4-F447-8FFD-6D635C3F2AC4}"/>
+              </a:ext>
+            </a:extLst>
+          </p:cNvPr>
+          <p:cNvSpPr/>
+          <p:nvPr/>
+        </p:nvSpPr>
+        <p:spPr>
+          <a:xfrm>
+            <a:off x="0" y="60523"/>
+            <a:ext cx="2051074" cy="307777"/>
+          </a:xfrm>
+          <a:prstGeom prst="rect">
+            <a:avLst/>
+          </a:prstGeom>
+        </p:spPr>
+        <p:txBody>
+          <a:bodyPr wrap="none">
+            <a:spAutoFit/>
+          </a:bodyPr>
+          <a:lstStyle/>
+          <a:p>
+            <a:r>
+              <a:rPr lang="en-US" altLang="zh-CN" sz="1400" b="1" dirty="0"/>
+              <a:t>PART ONE </a:t>
+            </a:r>
+            <a:r>
+              <a:rPr lang="zh-CN" altLang="en-US" sz="1400" b="1" dirty="0"/>
+              <a:t>深入神经网络</a:t>
+            </a:r>
+          </a:p>
+        </p:txBody>
+      </p:sp>
+      <p:sp>
+        <p:nvSpPr>
+          <p:cNvPr id="7" name="椭圆 6">
+            <a:extLst>
+              <a:ext uri="{FF2B5EF4-FFF2-40B4-BE49-F238E27FC236}">
+                <a16:creationId xmlns:a16="http://schemas.microsoft.com/office/drawing/2014/main" id="{D1812375-66FF-2A4D-A626-13AE40C330A2}"/>
+              </a:ext>
+            </a:extLst>
+          </p:cNvPr>
+          <p:cNvSpPr/>
+          <p:nvPr/>
+        </p:nvSpPr>
+        <p:spPr>
+          <a:xfrm>
+            <a:off x="1966473" y="157740"/>
+            <a:ext cx="130917" cy="113341"/>
+          </a:xfrm>
+          <a:prstGeom prst="ellipse">
+            <a:avLst/>
+          </a:prstGeom>
+          <a:solidFill>
+            <a:srgbClr val="FF0000"/>
+          </a:solidFill>
+          <a:ln>
+            <a:noFill/>
+          </a:ln>
+        </p:spPr>
+        <p:style>
+          <a:lnRef idx="2">
+            <a:schemeClr val="accent1">
+              <a:shade val="50000"/>
+            </a:schemeClr>
+          </a:lnRef>
+          <a:fillRef idx="1">
+            <a:schemeClr val="accent1"/>
+          </a:fillRef>
+          <a:effectRef idx="0">
+            <a:schemeClr val="accent1"/>
+          </a:effectRef>
+          <a:fontRef idx="minor">
+            <a:schemeClr val="lt1"/>
+          </a:fontRef>
+        </p:style>
+        <p:txBody>
+          <a:bodyPr rot="0" spcFirstLastPara="0" vertOverflow="overflow" horzOverflow="overflow" vert="horz" wrap="square" lIns="91440" tIns="45720" rIns="91440" bIns="45720" numCol="1" spcCol="0" rtlCol="0" fromWordArt="0" anchor="ctr" anchorCtr="0" forceAA="0" compatLnSpc="1">
+            <a:noAutofit/>
+          </a:bodyPr>
+          <a:lstStyle/>
+          <a:p>
+            <a:pPr algn="ctr"/>
+            <a:endParaRPr lang="zh-CN" altLang="en-US" sz="4400"/>
+          </a:p>
+        </p:txBody>
+      </p:sp>
+    </p:spTree>
+    <p:extLst>
+      <p:ext uri="{BB962C8B-B14F-4D97-AF65-F5344CB8AC3E}">
+        <p14:creationId xmlns:p14="http://schemas.microsoft.com/office/powerpoint/2010/main" val="1747190674"/>
+      </p:ext>
+    </p:extLst>
+  </p:cSld>
+  <p:clrMapOvr>
+    <a:masterClrMapping/>
+  </p:clrMapOvr>
+  <mc:AlternateContent xmlns:mc="http://schemas.openxmlformats.org/markup-compatibility/2006" xmlns:p14="http://schemas.microsoft.com/office/powerpoint/2010/main">
+    <mc:Choice Requires="p14">
+      <p:transition spd="med" p14:dur="700">
+        <p:fade/>
+      </p:transition>
+    </mc:Choice>
+    <mc:Fallback xmlns="">
+      <p:transition spd="med">
+        <p:fade/>
+      </p:transition>
+    </mc:Fallback>
+  </mc:AlternateContent>
+</p:sld>
+</file>
+
+<file path=ppt/slides/slide28.xml><?xml version="1.0" encoding="utf-8"?>
+<p:sld xmlns:a="http://schemas.openxmlformats.org/drawingml/2006/main" xmlns:r="http://schemas.openxmlformats.org/officeDocument/2006/relationships" xmlns:p="http://schemas.openxmlformats.org/presentationml/2006/main">
+  <p:cSld>
+    <p:spTree>
+      <p:nvGrpSpPr>
+        <p:cNvPr id="1" name=""/>
+        <p:cNvGrpSpPr/>
+        <p:nvPr/>
+      </p:nvGrpSpPr>
+      <p:grpSpPr>
+        <a:xfrm>
+          <a:off x="0" y="0"/>
+          <a:ext cx="0" cy="0"/>
+          <a:chOff x="0" y="0"/>
+          <a:chExt cx="0" cy="0"/>
+        </a:xfrm>
+      </p:grpSpPr>
+      <p:sp>
+        <p:nvSpPr>
+          <p:cNvPr id="6" name="矩形 5">
+            <a:extLst>
+              <a:ext uri="{FF2B5EF4-FFF2-40B4-BE49-F238E27FC236}">
+                <a16:creationId xmlns:a16="http://schemas.microsoft.com/office/drawing/2014/main" id="{6A32B224-18D4-F447-8FFD-6D635C3F2AC4}"/>
+              </a:ext>
+            </a:extLst>
+          </p:cNvPr>
+          <p:cNvSpPr/>
+          <p:nvPr/>
+        </p:nvSpPr>
+        <p:spPr>
+          <a:xfrm>
+            <a:off x="0" y="60523"/>
+            <a:ext cx="2051074" cy="307777"/>
+          </a:xfrm>
+          <a:prstGeom prst="rect">
+            <a:avLst/>
+          </a:prstGeom>
+        </p:spPr>
+        <p:txBody>
+          <a:bodyPr wrap="none">
+            <a:spAutoFit/>
+          </a:bodyPr>
+          <a:lstStyle/>
+          <a:p>
+            <a:r>
+              <a:rPr lang="en-US" altLang="zh-CN" sz="1400" b="1" dirty="0"/>
+              <a:t>PART ONE </a:t>
+            </a:r>
+            <a:r>
+              <a:rPr lang="zh-CN" altLang="en-US" sz="1400" b="1" dirty="0"/>
+              <a:t>深入神经网络</a:t>
+            </a:r>
+          </a:p>
+        </p:txBody>
+      </p:sp>
+      <p:sp>
+        <p:nvSpPr>
+          <p:cNvPr id="7" name="椭圆 6">
+            <a:extLst>
+              <a:ext uri="{FF2B5EF4-FFF2-40B4-BE49-F238E27FC236}">
+                <a16:creationId xmlns:a16="http://schemas.microsoft.com/office/drawing/2014/main" id="{D1812375-66FF-2A4D-A626-13AE40C330A2}"/>
+              </a:ext>
+            </a:extLst>
+          </p:cNvPr>
+          <p:cNvSpPr/>
+          <p:nvPr/>
+        </p:nvSpPr>
+        <p:spPr>
+          <a:xfrm>
+            <a:off x="1966473" y="157740"/>
+            <a:ext cx="130917" cy="113341"/>
+          </a:xfrm>
+          <a:prstGeom prst="ellipse">
+            <a:avLst/>
+          </a:prstGeom>
+          <a:solidFill>
+            <a:srgbClr val="FF0000"/>
+          </a:solidFill>
+          <a:ln>
+            <a:noFill/>
+          </a:ln>
+        </p:spPr>
+        <p:style>
+          <a:lnRef idx="2">
+            <a:schemeClr val="accent1">
+              <a:shade val="50000"/>
+            </a:schemeClr>
+          </a:lnRef>
+          <a:fillRef idx="1">
+            <a:schemeClr val="accent1"/>
+          </a:fillRef>
+          <a:effectRef idx="0">
+            <a:schemeClr val="accent1"/>
+          </a:effectRef>
+          <a:fontRef idx="minor">
+            <a:schemeClr val="lt1"/>
+          </a:fontRef>
+        </p:style>
+        <p:txBody>
+          <a:bodyPr rot="0" spcFirstLastPara="0" vertOverflow="overflow" horzOverflow="overflow" vert="horz" wrap="square" lIns="91440" tIns="45720" rIns="91440" bIns="45720" numCol="1" spcCol="0" rtlCol="0" fromWordArt="0" anchor="ctr" anchorCtr="0" forceAA="0" compatLnSpc="1">
+            <a:noAutofit/>
+          </a:bodyPr>
+          <a:lstStyle/>
+          <a:p>
+            <a:pPr algn="ctr"/>
+            <a:endParaRPr lang="zh-CN" altLang="en-US" sz="4400"/>
+          </a:p>
+        </p:txBody>
+      </p:sp>
+    </p:spTree>
+    <p:extLst>
+      <p:ext uri="{BB962C8B-B14F-4D97-AF65-F5344CB8AC3E}">
+        <p14:creationId xmlns:p14="http://schemas.microsoft.com/office/powerpoint/2010/main" val="334118303"/>
+      </p:ext>
+    </p:extLst>
+  </p:cSld>
+  <p:clrMapOvr>
+    <a:masterClrMapping/>
+  </p:clrMapOvr>
+  <mc:AlternateContent xmlns:mc="http://schemas.openxmlformats.org/markup-compatibility/2006" xmlns:p14="http://schemas.microsoft.com/office/powerpoint/2010/main">
+    <mc:Choice Requires="p14">
+      <p:transition spd="med" p14:dur="700">
+        <p:fade/>
+      </p:transition>
+    </mc:Choice>
+    <mc:Fallback xmlns="">
+      <p:transition spd="med">
+        <p:fade/>
+      </p:transition>
+    </mc:Fallback>
+  </mc:AlternateContent>
+</p:sld>
+</file>
+
+<file path=ppt/slides/slide29.xml><?xml version="1.0" encoding="utf-8"?>
+<p:sld xmlns:a="http://schemas.openxmlformats.org/drawingml/2006/main" xmlns:r="http://schemas.openxmlformats.org/officeDocument/2006/relationships" xmlns:p="http://schemas.openxmlformats.org/presentationml/2006/main">
+  <p:cSld>
+    <p:spTree>
+      <p:nvGrpSpPr>
+        <p:cNvPr id="1" name=""/>
+        <p:cNvGrpSpPr/>
+        <p:nvPr/>
+      </p:nvGrpSpPr>
+      <p:grpSpPr>
+        <a:xfrm>
+          <a:off x="0" y="0"/>
+          <a:ext cx="0" cy="0"/>
+          <a:chOff x="0" y="0"/>
+          <a:chExt cx="0" cy="0"/>
+        </a:xfrm>
+      </p:grpSpPr>
+      <p:sp>
+        <p:nvSpPr>
+          <p:cNvPr id="6" name="矩形 5">
+            <a:extLst>
+              <a:ext uri="{FF2B5EF4-FFF2-40B4-BE49-F238E27FC236}">
+                <a16:creationId xmlns:a16="http://schemas.microsoft.com/office/drawing/2014/main" id="{6A32B224-18D4-F447-8FFD-6D635C3F2AC4}"/>
+              </a:ext>
+            </a:extLst>
+          </p:cNvPr>
+          <p:cNvSpPr/>
+          <p:nvPr/>
+        </p:nvSpPr>
+        <p:spPr>
+          <a:xfrm>
+            <a:off x="0" y="60523"/>
+            <a:ext cx="2051074" cy="307777"/>
+          </a:xfrm>
+          <a:prstGeom prst="rect">
+            <a:avLst/>
+          </a:prstGeom>
+        </p:spPr>
+        <p:txBody>
+          <a:bodyPr wrap="none">
+            <a:spAutoFit/>
+          </a:bodyPr>
+          <a:lstStyle/>
+          <a:p>
+            <a:r>
+              <a:rPr lang="en-US" altLang="zh-CN" sz="1400" b="1" dirty="0"/>
+              <a:t>PART ONE </a:t>
+            </a:r>
+            <a:r>
+              <a:rPr lang="zh-CN" altLang="en-US" sz="1400" b="1" dirty="0"/>
+              <a:t>深入神经网络</a:t>
+            </a:r>
+          </a:p>
+        </p:txBody>
+      </p:sp>
+      <p:sp>
+        <p:nvSpPr>
+          <p:cNvPr id="7" name="椭圆 6">
+            <a:extLst>
+              <a:ext uri="{FF2B5EF4-FFF2-40B4-BE49-F238E27FC236}">
+                <a16:creationId xmlns:a16="http://schemas.microsoft.com/office/drawing/2014/main" id="{D1812375-66FF-2A4D-A626-13AE40C330A2}"/>
+              </a:ext>
+            </a:extLst>
+          </p:cNvPr>
+          <p:cNvSpPr/>
+          <p:nvPr/>
+        </p:nvSpPr>
+        <p:spPr>
+          <a:xfrm>
+            <a:off x="1966473" y="157740"/>
+            <a:ext cx="130917" cy="113341"/>
+          </a:xfrm>
+          <a:prstGeom prst="ellipse">
+            <a:avLst/>
+          </a:prstGeom>
+          <a:solidFill>
+            <a:srgbClr val="FF0000"/>
+          </a:solidFill>
+          <a:ln>
+            <a:noFill/>
+          </a:ln>
+        </p:spPr>
+        <p:style>
+          <a:lnRef idx="2">
+            <a:schemeClr val="accent1">
+              <a:shade val="50000"/>
+            </a:schemeClr>
+          </a:lnRef>
+          <a:fillRef idx="1">
+            <a:schemeClr val="accent1"/>
+          </a:fillRef>
+          <a:effectRef idx="0">
+            <a:schemeClr val="accent1"/>
+          </a:effectRef>
+          <a:fontRef idx="minor">
+            <a:schemeClr val="lt1"/>
+          </a:fontRef>
+        </p:style>
+        <p:txBody>
+          <a:bodyPr rot="0" spcFirstLastPara="0" vertOverflow="overflow" horzOverflow="overflow" vert="horz" wrap="square" lIns="91440" tIns="45720" rIns="91440" bIns="45720" numCol="1" spcCol="0" rtlCol="0" fromWordArt="0" anchor="ctr" anchorCtr="0" forceAA="0" compatLnSpc="1">
+            <a:noAutofit/>
+          </a:bodyPr>
+          <a:lstStyle/>
+          <a:p>
+            <a:pPr algn="ctr"/>
+            <a:endParaRPr lang="zh-CN" altLang="en-US" sz="4400"/>
+          </a:p>
+        </p:txBody>
+      </p:sp>
+    </p:spTree>
+    <p:extLst>
+      <p:ext uri="{BB962C8B-B14F-4D97-AF65-F5344CB8AC3E}">
+        <p14:creationId xmlns:p14="http://schemas.microsoft.com/office/powerpoint/2010/main" val="2156620535"/>
+      </p:ext>
+    </p:extLst>
+  </p:cSld>
+  <p:clrMapOvr>
+    <a:masterClrMapping/>
+  </p:clrMapOvr>
+  <mc:AlternateContent xmlns:mc="http://schemas.openxmlformats.org/markup-compatibility/2006" xmlns:p14="http://schemas.microsoft.com/office/powerpoint/2010/main">
+    <mc:Choice Requires="p14">
+      <p:transition spd="med" p14:dur="700">
+        <p:fade/>
+      </p:transition>
+    </mc:Choice>
+    <mc:Fallback xmlns="">
+      <p:transition spd="med">
+        <p:fade/>
+      </p:transition>
+    </mc:Fallback>
+  </mc:AlternateContent>
+</p:sld>
+</file>
+
+<file path=ppt/slides/slide3.xml><?xml version="1.0" encoding="utf-8"?>
+<p:sld xmlns:a="http://schemas.openxmlformats.org/drawingml/2006/main" xmlns:r="http://schemas.openxmlformats.org/officeDocument/2006/relationships" xmlns:p="http://schemas.openxmlformats.org/presentationml/2006/main">
+  <p:cSld>
+    <p:spTree>
+      <p:nvGrpSpPr>
+        <p:cNvPr id="1" name=""/>
+        <p:cNvGrpSpPr/>
+        <p:nvPr/>
+      </p:nvGrpSpPr>
+      <p:grpSpPr>
+        <a:xfrm>
+          <a:off x="0" y="0"/>
+          <a:ext cx="0" cy="0"/>
+          <a:chOff x="0" y="0"/>
+          <a:chExt cx="0" cy="0"/>
+        </a:xfrm>
+      </p:grpSpPr>
+      <p:sp>
+        <p:nvSpPr>
+          <p:cNvPr id="2" name="文本框 1"/>
+          <p:cNvSpPr txBox="1"/>
+          <p:nvPr/>
+        </p:nvSpPr>
+        <p:spPr>
+          <a:xfrm>
+            <a:off x="4294927" y="3280457"/>
+            <a:ext cx="3602146" cy="880306"/>
+          </a:xfrm>
+          <a:prstGeom prst="rect">
+            <a:avLst/>
+          </a:prstGeom>
+          <a:noFill/>
+        </p:spPr>
+        <p:txBody>
+          <a:bodyPr wrap="square" rtlCol="0">
+            <a:spAutoFit/>
+          </a:bodyPr>
+          <a:lstStyle/>
+          <a:p>
             <a:pPr algn="ctr" defTabSz="608965">
               <a:lnSpc>
                 <a:spcPct val="130000"/>
@@ -22609,8 +27428,26 @@
                 <a:latin typeface="+mj-lt"/>
                 <a:ea typeface="微软雅黑" panose="020B0503020204020204" charset="-122"/>
               </a:rPr>
-              <a:t>PART TWO</a:t>
-            </a:r>
+              <a:t>PART</a:t>
+            </a:r>
+            <a:r>
+              <a:rPr lang="zh-CN" altLang="en-US" sz="4400" b="1" dirty="0">
+                <a:latin typeface="+mj-lt"/>
+                <a:ea typeface="微软雅黑" panose="020B0503020204020204" charset="-122"/>
+              </a:rPr>
+              <a:t> </a:t>
+            </a:r>
+            <a:r>
+              <a:rPr lang="en-US" altLang="zh-CN" sz="4400" b="1" dirty="0">
+                <a:latin typeface="+mj-lt"/>
+                <a:ea typeface="微软雅黑" panose="020B0503020204020204" charset="-122"/>
+              </a:rPr>
+              <a:t>ONE</a:t>
+            </a:r>
+            <a:endParaRPr lang="zh-CN" altLang="en-US" sz="4400" b="1" dirty="0">
+              <a:latin typeface="+mj-lt"/>
+              <a:ea typeface="微软雅黑" panose="020B0503020204020204" charset="-122"/>
+            </a:endParaRPr>
           </a:p>
         </p:txBody>
       </p:sp>
@@ -22622,8 +27459,8 @@
         </p:nvSpPr>
         <p:spPr>
           <a:xfrm>
-            <a:off x="3624569" y="2419773"/>
-            <a:ext cx="4942862" cy="1191416"/>
+            <a:off x="3936733" y="2417412"/>
+            <a:ext cx="4318534" cy="1191416"/>
           </a:xfrm>
           <a:prstGeom prst="rect">
             <a:avLst/>
@@ -22646,7 +27483,7 @@
                 <a:latin typeface="+mj-lt"/>
                 <a:ea typeface="微软雅黑" panose="020B0503020204020204" charset="-122"/>
               </a:rPr>
-              <a:t>深入神经网络</a:t>
+              <a:t>神经网络</a:t>
             </a:r>
           </a:p>
         </p:txBody>
@@ -22666,7 +27503,7 @@
             <a:avLst/>
           </a:prstGeom>
           <a:solidFill>
-            <a:srgbClr val="FFC000"/>
+            <a:srgbClr val="FF0000"/>
           </a:solidFill>
           <a:ln>
             <a:noFill/>
@@ -22710,7 +27547,291 @@
 </p:sld>
 </file>
 
-<file path=ppt/slides/slide23.xml><?xml version="1.0" encoding="utf-8"?>
+<file path=ppt/slides/slide30.xml><?xml version="1.0" encoding="utf-8"?>
+<p:sld xmlns:a="http://schemas.openxmlformats.org/drawingml/2006/main" xmlns:r="http://schemas.openxmlformats.org/officeDocument/2006/relationships" xmlns:p="http://schemas.openxmlformats.org/presentationml/2006/main">
+  <p:cSld>
+    <p:spTree>
+      <p:nvGrpSpPr>
+        <p:cNvPr id="1" name=""/>
+        <p:cNvGrpSpPr/>
+        <p:nvPr/>
+      </p:nvGrpSpPr>
+      <p:grpSpPr>
+        <a:xfrm>
+          <a:off x="0" y="0"/>
+          <a:ext cx="0" cy="0"/>
+          <a:chOff x="0" y="0"/>
+          <a:chExt cx="0" cy="0"/>
+        </a:xfrm>
+      </p:grpSpPr>
+      <p:sp>
+        <p:nvSpPr>
+          <p:cNvPr id="6" name="矩形 5">
+            <a:extLst>
+              <a:ext uri="{FF2B5EF4-FFF2-40B4-BE49-F238E27FC236}">
+                <a16:creationId xmlns:a16="http://schemas.microsoft.com/office/drawing/2014/main" id="{6A32B224-18D4-F447-8FFD-6D635C3F2AC4}"/>
+              </a:ext>
+            </a:extLst>
+          </p:cNvPr>
+          <p:cNvSpPr/>
+          <p:nvPr/>
+        </p:nvSpPr>
+        <p:spPr>
+          <a:xfrm>
+            <a:off x="0" y="60523"/>
+            <a:ext cx="2051074" cy="307777"/>
+          </a:xfrm>
+          <a:prstGeom prst="rect">
+            <a:avLst/>
+          </a:prstGeom>
+        </p:spPr>
+        <p:txBody>
+          <a:bodyPr wrap="none">
+            <a:spAutoFit/>
+          </a:bodyPr>
+          <a:lstStyle/>
+          <a:p>
+            <a:r>
+              <a:rPr lang="en-US" altLang="zh-CN" sz="1400" b="1" dirty="0"/>
+              <a:t>PART ONE </a:t>
+            </a:r>
+            <a:r>
+              <a:rPr lang="zh-CN" altLang="en-US" sz="1400" b="1" dirty="0"/>
+              <a:t>深入神经网络</a:t>
+            </a:r>
+          </a:p>
+        </p:txBody>
+      </p:sp>
+      <p:sp>
+        <p:nvSpPr>
+          <p:cNvPr id="7" name="椭圆 6">
+            <a:extLst>
+              <a:ext uri="{FF2B5EF4-FFF2-40B4-BE49-F238E27FC236}">
+                <a16:creationId xmlns:a16="http://schemas.microsoft.com/office/drawing/2014/main" id="{D1812375-66FF-2A4D-A626-13AE40C330A2}"/>
+              </a:ext>
+            </a:extLst>
+          </p:cNvPr>
+          <p:cNvSpPr/>
+          <p:nvPr/>
+        </p:nvSpPr>
+        <p:spPr>
+          <a:xfrm>
+            <a:off x="1966473" y="157740"/>
+            <a:ext cx="130917" cy="113341"/>
+          </a:xfrm>
+          <a:prstGeom prst="ellipse">
+            <a:avLst/>
+          </a:prstGeom>
+          <a:solidFill>
+            <a:srgbClr val="FF0000"/>
+          </a:solidFill>
+          <a:ln>
+            <a:noFill/>
+          </a:ln>
+        </p:spPr>
+        <p:style>
+          <a:lnRef idx="2">
+            <a:schemeClr val="accent1">
+              <a:shade val="50000"/>
+            </a:schemeClr>
+          </a:lnRef>
+          <a:fillRef idx="1">
+            <a:schemeClr val="accent1"/>
+          </a:fillRef>
+          <a:effectRef idx="0">
+            <a:schemeClr val="accent1"/>
+          </a:effectRef>
+          <a:fontRef idx="minor">
+            <a:schemeClr val="lt1"/>
+          </a:fontRef>
+        </p:style>
+        <p:txBody>
+          <a:bodyPr rot="0" spcFirstLastPara="0" vertOverflow="overflow" horzOverflow="overflow" vert="horz" wrap="square" lIns="91440" tIns="45720" rIns="91440" bIns="45720" numCol="1" spcCol="0" rtlCol="0" fromWordArt="0" anchor="ctr" anchorCtr="0" forceAA="0" compatLnSpc="1">
+            <a:noAutofit/>
+          </a:bodyPr>
+          <a:lstStyle/>
+          <a:p>
+            <a:pPr algn="ctr"/>
+            <a:endParaRPr lang="zh-CN" altLang="en-US" sz="4400"/>
+          </a:p>
+        </p:txBody>
+      </p:sp>
+    </p:spTree>
+    <p:extLst>
+      <p:ext uri="{BB962C8B-B14F-4D97-AF65-F5344CB8AC3E}">
+        <p14:creationId xmlns:p14="http://schemas.microsoft.com/office/powerpoint/2010/main" val="2729138023"/>
+      </p:ext>
+    </p:extLst>
+  </p:cSld>
+  <p:clrMapOvr>
+    <a:masterClrMapping/>
+  </p:clrMapOvr>
+  <mc:AlternateContent xmlns:mc="http://schemas.openxmlformats.org/markup-compatibility/2006" xmlns:p14="http://schemas.microsoft.com/office/powerpoint/2010/main">
+    <mc:Choice Requires="p14">
+      <p:transition spd="med" p14:dur="700">
+        <p:fade/>
+      </p:transition>
+    </mc:Choice>
+    <mc:Fallback xmlns="">
+      <p:transition spd="med">
+        <p:fade/>
+      </p:transition>
+    </mc:Fallback>
+  </mc:AlternateContent>
+</p:sld>
+</file>
+
+<file path=ppt/slides/slide31.xml><?xml version="1.0" encoding="utf-8"?>
+<p:sld xmlns:a="http://schemas.openxmlformats.org/drawingml/2006/main" xmlns:r="http://schemas.openxmlformats.org/officeDocument/2006/relationships" xmlns:p="http://schemas.openxmlformats.org/presentationml/2006/main">
+  <p:cSld>
+    <p:spTree>
+      <p:nvGrpSpPr>
+        <p:cNvPr id="1" name=""/>
+        <p:cNvGrpSpPr/>
+        <p:nvPr/>
+      </p:nvGrpSpPr>
+      <p:grpSpPr>
+        <a:xfrm>
+          <a:off x="0" y="0"/>
+          <a:ext cx="0" cy="0"/>
+          <a:chOff x="0" y="0"/>
+          <a:chExt cx="0" cy="0"/>
+        </a:xfrm>
+      </p:grpSpPr>
+      <p:sp>
+        <p:nvSpPr>
+          <p:cNvPr id="2" name="文本框 1"/>
+          <p:cNvSpPr txBox="1"/>
+          <p:nvPr/>
+        </p:nvSpPr>
+        <p:spPr>
+          <a:xfrm>
+            <a:off x="4294927" y="3280457"/>
+            <a:ext cx="3602146" cy="880306"/>
+          </a:xfrm>
+          <a:prstGeom prst="rect">
+            <a:avLst/>
+          </a:prstGeom>
+          <a:noFill/>
+        </p:spPr>
+        <p:txBody>
+          <a:bodyPr wrap="square" rtlCol="0">
+            <a:spAutoFit/>
+          </a:bodyPr>
+          <a:lstStyle/>
+          <a:p>
+            <a:pPr algn="ctr" defTabSz="608965">
+              <a:lnSpc>
+                <a:spcPct val="130000"/>
+              </a:lnSpc>
+            </a:pPr>
+            <a:r>
+              <a:rPr lang="en-US" altLang="zh-CN" sz="4400" b="1" dirty="0">
+                <a:latin typeface="+mj-lt"/>
+                <a:ea typeface="微软雅黑" panose="020B0503020204020204" charset="-122"/>
+              </a:rPr>
+              <a:t>PART TWO</a:t>
+            </a:r>
+          </a:p>
+        </p:txBody>
+      </p:sp>
+      <p:sp>
+        <p:nvSpPr>
+          <p:cNvPr id="3" name="文本框 2"/>
+          <p:cNvSpPr txBox="1"/>
+          <p:nvPr/>
+        </p:nvSpPr>
+        <p:spPr>
+          <a:xfrm>
+            <a:off x="3624569" y="2419773"/>
+            <a:ext cx="4942862" cy="1191416"/>
+          </a:xfrm>
+          <a:prstGeom prst="rect">
+            <a:avLst/>
+          </a:prstGeom>
+          <a:noFill/>
+        </p:spPr>
+        <p:txBody>
+          <a:bodyPr wrap="square" rtlCol="0">
+            <a:spAutoFit/>
+          </a:bodyPr>
+          <a:lstStyle/>
+          <a:p>
+            <a:pPr algn="ctr" defTabSz="608965">
+              <a:lnSpc>
+                <a:spcPct val="130000"/>
+              </a:lnSpc>
+            </a:pPr>
+            <a:r>
+              <a:rPr lang="zh-CN" altLang="en-US" sz="6000" dirty="0">
+                <a:latin typeface="+mj-lt"/>
+                <a:ea typeface="微软雅黑" panose="020B0503020204020204" charset="-122"/>
+              </a:rPr>
+              <a:t>深入神经网络</a:t>
+            </a:r>
+          </a:p>
+        </p:txBody>
+      </p:sp>
+      <p:sp>
+        <p:nvSpPr>
+          <p:cNvPr id="4" name="矩形 3"/>
+          <p:cNvSpPr/>
+          <p:nvPr/>
+        </p:nvSpPr>
+        <p:spPr>
+          <a:xfrm>
+            <a:off x="4889817" y="4139690"/>
+            <a:ext cx="2412366" cy="113341"/>
+          </a:xfrm>
+          <a:prstGeom prst="rect">
+            <a:avLst/>
+          </a:prstGeom>
+          <a:solidFill>
+            <a:srgbClr val="FFC000"/>
+          </a:solidFill>
+          <a:ln>
+            <a:noFill/>
+          </a:ln>
+        </p:spPr>
+        <p:style>
+          <a:lnRef idx="2">
+            <a:schemeClr val="accent1">
+              <a:shade val="50000"/>
+            </a:schemeClr>
+          </a:lnRef>
+          <a:fillRef idx="1">
+            <a:schemeClr val="accent1"/>
+          </a:fillRef>
+          <a:effectRef idx="0">
+            <a:schemeClr val="accent1"/>
+          </a:effectRef>
+          <a:fontRef idx="minor">
+            <a:schemeClr val="lt1"/>
+          </a:fontRef>
+        </p:style>
+        <p:txBody>
+          <a:bodyPr rot="0" spcFirstLastPara="0" vertOverflow="overflow" horzOverflow="overflow" vert="horz" wrap="square" lIns="91440" tIns="45720" rIns="91440" bIns="45720" numCol="1" spcCol="0" rtlCol="0" fromWordArt="0" anchor="ctr" anchorCtr="0" forceAA="0" compatLnSpc="1">
+            <a:noAutofit/>
+          </a:bodyPr>
+          <a:lstStyle/>
+          <a:p>
+            <a:pPr algn="ctr"/>
+            <a:endParaRPr lang="zh-CN" altLang="en-US" sz="4400"/>
+          </a:p>
+        </p:txBody>
+      </p:sp>
+    </p:spTree>
+  </p:cSld>
+  <p:clrMapOvr>
+    <a:masterClrMapping/>
+  </p:clrMapOvr>
+  <p:transition spd="slow">
+    <p:push dir="u"/>
+  </p:transition>
+</p:sld>
+</file>
+
+<file path=ppt/slides/slide32.xml><?xml version="1.0" encoding="utf-8"?>
 <p:sld xmlns:a="http://schemas.openxmlformats.org/drawingml/2006/main" xmlns:r="http://schemas.openxmlformats.org/officeDocument/2006/relationships" xmlns:p="http://schemas.openxmlformats.org/presentationml/2006/main">
   <p:cSld>
     <p:spTree>
@@ -22844,7 +27965,7 @@
 </p:sld>
 </file>
 
-<file path=ppt/slides/slide24.xml><?xml version="1.0" encoding="utf-8"?>
+<file path=ppt/slides/slide33.xml><?xml version="1.0" encoding="utf-8"?>
 <p:sld xmlns:a="http://schemas.openxmlformats.org/drawingml/2006/main" xmlns:r="http://schemas.openxmlformats.org/officeDocument/2006/relationships" xmlns:p="http://schemas.openxmlformats.org/presentationml/2006/main">
   <p:cSld>
     <p:spTree>
@@ -25965,7 +31086,7 @@
 </p:sld>
 </file>
 
-<file path=ppt/slides/slide25.xml><?xml version="1.0" encoding="utf-8"?>
+<file path=ppt/slides/slide34.xml><?xml version="1.0" encoding="utf-8"?>
 <p:sld xmlns:a="http://schemas.openxmlformats.org/drawingml/2006/main" xmlns:r="http://schemas.openxmlformats.org/officeDocument/2006/relationships" xmlns:p="http://schemas.openxmlformats.org/presentationml/2006/main">
   <p:cSld>
     <p:spTree>
@@ -26165,7 +31286,7 @@
 </p:sld>
 </file>
 
-<file path=ppt/slides/slide26.xml><?xml version="1.0" encoding="utf-8"?>
+<file path=ppt/slides/slide35.xml><?xml version="1.0" encoding="utf-8"?>
 <p:sld xmlns:a="http://schemas.openxmlformats.org/drawingml/2006/main" xmlns:r="http://schemas.openxmlformats.org/officeDocument/2006/relationships" xmlns:p="http://schemas.openxmlformats.org/presentationml/2006/main">
   <p:cSld>
     <p:spTree>
@@ -28384,7 +33505,7 @@
 </p:sld>
 </file>
 
-<file path=ppt/slides/slide27.xml><?xml version="1.0" encoding="utf-8"?>
+<file path=ppt/slides/slide36.xml><?xml version="1.0" encoding="utf-8"?>
 <p:sld xmlns:a="http://schemas.openxmlformats.org/drawingml/2006/main" xmlns:r="http://schemas.openxmlformats.org/officeDocument/2006/relationships" xmlns:p="http://schemas.openxmlformats.org/presentationml/2006/main">
   <p:cSld>
     <p:spTree>
@@ -28967,7 +34088,7 @@
 </p:sld>
 </file>
 
-<file path=ppt/slides/slide28.xml><?xml version="1.0" encoding="utf-8"?>
+<file path=ppt/slides/slide37.xml><?xml version="1.0" encoding="utf-8"?>
 <p:sld xmlns:a="http://schemas.openxmlformats.org/drawingml/2006/main" xmlns:r="http://schemas.openxmlformats.org/officeDocument/2006/relationships" xmlns:p="http://schemas.openxmlformats.org/presentationml/2006/main">
   <p:cSld>
     <p:spTree>
@@ -29575,7 +34696,7 @@
 </p:sld>
 </file>
 
-<file path=ppt/slides/slide29.xml><?xml version="1.0" encoding="utf-8"?>
+<file path=ppt/slides/slide38.xml><?xml version="1.0" encoding="utf-8"?>
 <p:sld xmlns:a="http://schemas.openxmlformats.org/drawingml/2006/main" xmlns:r="http://schemas.openxmlformats.org/officeDocument/2006/relationships" xmlns:p="http://schemas.openxmlformats.org/presentationml/2006/main">
   <p:cSld>
     <p:spTree>
@@ -29761,175 +34882,7 @@
 </p:sld>
 </file>
 
-<file path=ppt/slides/slide3.xml><?xml version="1.0" encoding="utf-8"?>
-<p:sld xmlns:a="http://schemas.openxmlformats.org/drawingml/2006/main" xmlns:r="http://schemas.openxmlformats.org/officeDocument/2006/relationships" xmlns:p="http://schemas.openxmlformats.org/presentationml/2006/main">
-  <p:cSld>
-    <p:spTree>
-      <p:nvGrpSpPr>
-        <p:cNvPr id="1" name=""/>
-        <p:cNvGrpSpPr/>
-        <p:nvPr/>
-      </p:nvGrpSpPr>
-      <p:grpSpPr>
-        <a:xfrm>
-          <a:off x="0" y="0"/>
-          <a:ext cx="0" cy="0"/>
-          <a:chOff x="0" y="0"/>
-          <a:chExt cx="0" cy="0"/>
-        </a:xfrm>
-      </p:grpSpPr>
-      <p:sp>
-        <p:nvSpPr>
-          <p:cNvPr id="2" name="文本框 1"/>
-          <p:cNvSpPr txBox="1"/>
-          <p:nvPr/>
-        </p:nvSpPr>
-        <p:spPr>
-          <a:xfrm>
-            <a:off x="4294927" y="3280457"/>
-            <a:ext cx="3602146" cy="880306"/>
-          </a:xfrm>
-          <a:prstGeom prst="rect">
-            <a:avLst/>
-          </a:prstGeom>
-          <a:noFill/>
-        </p:spPr>
-        <p:txBody>
-          <a:bodyPr wrap="square" rtlCol="0">
-            <a:spAutoFit/>
-          </a:bodyPr>
-          <a:lstStyle/>
-          <a:p>
-            <a:pPr algn="ctr" defTabSz="608965">
-              <a:lnSpc>
-                <a:spcPct val="130000"/>
-              </a:lnSpc>
-            </a:pPr>
-            <a:r>
-              <a:rPr lang="en-US" altLang="zh-CN" sz="4400" b="1" dirty="0">
-                <a:latin typeface="+mj-lt"/>
-                <a:ea typeface="微软雅黑" panose="020B0503020204020204" charset="-122"/>
-              </a:rPr>
-              <a:t>PART</a:t>
-            </a:r>
-            <a:r>
-              <a:rPr lang="zh-CN" altLang="en-US" sz="4400" b="1" dirty="0">
-                <a:latin typeface="+mj-lt"/>
-                <a:ea typeface="微软雅黑" panose="020B0503020204020204" charset="-122"/>
-              </a:rPr>
-              <a:t> </a:t>
-            </a:r>
-            <a:r>
-              <a:rPr lang="en-US" altLang="zh-CN" sz="4400" b="1" dirty="0">
-                <a:latin typeface="+mj-lt"/>
-                <a:ea typeface="微软雅黑" panose="020B0503020204020204" charset="-122"/>
-              </a:rPr>
-              <a:t>ONE</a:t>
-            </a:r>
-            <a:endParaRPr lang="zh-CN" altLang="en-US" sz="4400" b="1" dirty="0">
-              <a:latin typeface="+mj-lt"/>
-              <a:ea typeface="微软雅黑" panose="020B0503020204020204" charset="-122"/>
-            </a:endParaRPr>
-          </a:p>
-        </p:txBody>
-      </p:sp>
-      <p:sp>
-        <p:nvSpPr>
-          <p:cNvPr id="3" name="文本框 2"/>
-          <p:cNvSpPr txBox="1"/>
-          <p:nvPr/>
-        </p:nvSpPr>
-        <p:spPr>
-          <a:xfrm>
-            <a:off x="3936733" y="2417412"/>
-            <a:ext cx="4318534" cy="1191416"/>
-          </a:xfrm>
-          <a:prstGeom prst="rect">
-            <a:avLst/>
-          </a:prstGeom>
-          <a:noFill/>
-        </p:spPr>
-        <p:txBody>
-          <a:bodyPr wrap="square" rtlCol="0">
-            <a:spAutoFit/>
-          </a:bodyPr>
-          <a:lstStyle/>
-          <a:p>
-            <a:pPr algn="ctr" defTabSz="608965">
-              <a:lnSpc>
-                <a:spcPct val="130000"/>
-              </a:lnSpc>
-            </a:pPr>
-            <a:r>
-              <a:rPr lang="zh-CN" altLang="en-US" sz="6000" dirty="0">
-                <a:latin typeface="+mj-lt"/>
-                <a:ea typeface="微软雅黑" panose="020B0503020204020204" charset="-122"/>
-              </a:rPr>
-              <a:t>神经网络</a:t>
-            </a:r>
-          </a:p>
-        </p:txBody>
-      </p:sp>
-      <p:sp>
-        <p:nvSpPr>
-          <p:cNvPr id="4" name="矩形 3"/>
-          <p:cNvSpPr/>
-          <p:nvPr/>
-        </p:nvSpPr>
-        <p:spPr>
-          <a:xfrm>
-            <a:off x="4889817" y="4139690"/>
-            <a:ext cx="2412366" cy="113341"/>
-          </a:xfrm>
-          <a:prstGeom prst="rect">
-            <a:avLst/>
-          </a:prstGeom>
-          <a:solidFill>
-            <a:srgbClr val="FF0000"/>
-          </a:solidFill>
-          <a:ln>
-            <a:noFill/>
-          </a:ln>
-        </p:spPr>
-        <p:style>
-          <a:lnRef idx="2">
-            <a:schemeClr val="accent1">
-              <a:shade val="50000"/>
-            </a:schemeClr>
-          </a:lnRef>
-          <a:fillRef idx="1">
-            <a:schemeClr val="accent1"/>
-          </a:fillRef>
-          <a:effectRef idx="0">
-            <a:schemeClr val="accent1"/>
-          </a:effectRef>
-          <a:fontRef idx="minor">
-            <a:schemeClr val="lt1"/>
-          </a:fontRef>
-        </p:style>
-        <p:txBody>
-          <a:bodyPr rot="0" spcFirstLastPara="0" vertOverflow="overflow" horzOverflow="overflow" vert="horz" wrap="square" lIns="91440" tIns="45720" rIns="91440" bIns="45720" numCol="1" spcCol="0" rtlCol="0" fromWordArt="0" anchor="ctr" anchorCtr="0" forceAA="0" compatLnSpc="1">
-            <a:noAutofit/>
-          </a:bodyPr>
-          <a:lstStyle/>
-          <a:p>
-            <a:pPr algn="ctr"/>
-            <a:endParaRPr lang="zh-CN" altLang="en-US" sz="4400"/>
-          </a:p>
-        </p:txBody>
-      </p:sp>
-    </p:spTree>
-  </p:cSld>
-  <p:clrMapOvr>
-    <a:masterClrMapping/>
-  </p:clrMapOvr>
-  <p:transition spd="slow">
-    <p:push dir="u"/>
-  </p:transition>
-</p:sld>
-</file>
-
-<file path=ppt/slides/slide30.xml><?xml version="1.0" encoding="utf-8"?>
+<file path=ppt/slides/slide39.xml><?xml version="1.0" encoding="utf-8"?>
 <p:sld xmlns:a="http://schemas.openxmlformats.org/drawingml/2006/main" xmlns:r="http://schemas.openxmlformats.org/officeDocument/2006/relationships" xmlns:p="http://schemas.openxmlformats.org/presentationml/2006/main">
   <p:cSld>
     <p:spTree>
@@ -31297,7 +36250,7 @@
 </p:sld>
 </file>
 
-<file path=ppt/slides/slide31.xml><?xml version="1.0" encoding="utf-8"?>
+<file path=ppt/slides/slide4.xml><?xml version="1.0" encoding="utf-8"?>
 <p:sld xmlns:a="http://schemas.openxmlformats.org/drawingml/2006/main" xmlns:r="http://schemas.openxmlformats.org/officeDocument/2006/relationships" xmlns:p="http://schemas.openxmlformats.org/presentationml/2006/main">
   <p:cSld>
     <p:spTree>
@@ -31323,7 +36276,7 @@
         <p:spPr>
           <a:xfrm>
             <a:off x="0" y="60523"/>
-            <a:ext cx="1924181" cy="307777"/>
+            <a:ext cx="1692002" cy="307777"/>
           </a:xfrm>
           <a:prstGeom prst="rect">
             <a:avLst/>
@@ -31337,11 +36290,11 @@
           <a:p>
             <a:r>
               <a:rPr lang="en-US" altLang="zh-CN" sz="1400" b="1" dirty="0"/>
-              <a:t>PART FOUR </a:t>
+              <a:t>PART ONE </a:t>
             </a:r>
             <a:r>
               <a:rPr lang="zh-CN" altLang="en-US" sz="1400" b="1" dirty="0"/>
-              <a:t>添加标题</a:t>
+              <a:t>神经网络</a:t>
             </a:r>
           </a:p>
         </p:txBody>
@@ -31354,14 +36307,14 @@
         </p:nvSpPr>
         <p:spPr>
           <a:xfrm>
-            <a:off x="1886619" y="157740"/>
+            <a:off x="1757150" y="157740"/>
             <a:ext cx="130917" cy="113341"/>
           </a:xfrm>
           <a:prstGeom prst="ellipse">
             <a:avLst/>
           </a:prstGeom>
           <a:solidFill>
-            <a:srgbClr val="92D050"/>
+            <a:srgbClr val="FF0000"/>
           </a:solidFill>
           <a:ln>
             <a:noFill/>
@@ -31394,470 +36347,299 @@
           </a:p>
         </p:txBody>
       </p:sp>
+      <p:grpSp>
+        <p:nvGrpSpPr>
+          <p:cNvPr id="13" name="组合 12"/>
+          <p:cNvGrpSpPr/>
+          <p:nvPr/>
+        </p:nvGrpSpPr>
+        <p:grpSpPr>
+          <a:xfrm>
+            <a:off x="910794" y="928946"/>
+            <a:ext cx="2300757" cy="509896"/>
+            <a:chOff x="888096" y="1000203"/>
+            <a:chExt cx="4259825" cy="944066"/>
+          </a:xfrm>
+        </p:grpSpPr>
+        <p:sp>
+          <p:nvSpPr>
+            <p:cNvPr id="5" name="矩形 4"/>
+            <p:cNvSpPr/>
+            <p:nvPr/>
+          </p:nvSpPr>
+          <p:spPr>
+            <a:xfrm>
+              <a:off x="911225" y="1045634"/>
+              <a:ext cx="4199467" cy="872066"/>
+            </a:xfrm>
+            <a:prstGeom prst="rect">
+              <a:avLst/>
+            </a:prstGeom>
+            <a:noFill/>
+            <a:ln>
+              <a:solidFill>
+                <a:schemeClr val="bg1">
+                  <a:lumMod val="75000"/>
+                </a:schemeClr>
+              </a:solidFill>
+            </a:ln>
+          </p:spPr>
+          <p:style>
+            <a:lnRef idx="2">
+              <a:schemeClr val="accent1">
+                <a:shade val="50000"/>
+              </a:schemeClr>
+            </a:lnRef>
+            <a:fillRef idx="1">
+              <a:schemeClr val="accent1"/>
+            </a:fillRef>
+            <a:effectRef idx="0">
+              <a:schemeClr val="accent1"/>
+            </a:effectRef>
+            <a:fontRef idx="minor">
+              <a:schemeClr val="lt1"/>
+            </a:fontRef>
+          </p:style>
+          <p:txBody>
+            <a:bodyPr rot="0" spcFirstLastPara="0" vertOverflow="overflow" horzOverflow="overflow" vert="horz" wrap="square" lIns="91440" tIns="45720" rIns="91440" bIns="45720" numCol="1" spcCol="0" rtlCol="0" fromWordArt="0" anchor="ctr" anchorCtr="0" forceAA="0" compatLnSpc="1">
+              <a:noAutofit/>
+            </a:bodyPr>
+            <a:lstStyle/>
+            <a:p>
+              <a:pPr algn="ctr"/>
+              <a:endParaRPr lang="zh-CN" altLang="en-US"/>
+            </a:p>
+          </p:txBody>
+        </p:sp>
+        <p:sp>
+          <p:nvSpPr>
+            <p:cNvPr id="6" name="椭圆 5"/>
+            <p:cNvSpPr/>
+            <p:nvPr/>
+          </p:nvSpPr>
+          <p:spPr>
+            <a:xfrm>
+              <a:off x="888096" y="1000203"/>
+              <a:ext cx="72000" cy="72000"/>
+            </a:xfrm>
+            <a:prstGeom prst="ellipse">
+              <a:avLst/>
+            </a:prstGeom>
+            <a:solidFill>
+              <a:schemeClr val="tx1">
+                <a:lumMod val="65000"/>
+                <a:lumOff val="35000"/>
+              </a:schemeClr>
+            </a:solidFill>
+            <a:ln>
+              <a:noFill/>
+            </a:ln>
+          </p:spPr>
+          <p:style>
+            <a:lnRef idx="2">
+              <a:schemeClr val="accent1">
+                <a:shade val="50000"/>
+              </a:schemeClr>
+            </a:lnRef>
+            <a:fillRef idx="1">
+              <a:schemeClr val="accent1"/>
+            </a:fillRef>
+            <a:effectRef idx="0">
+              <a:schemeClr val="accent1"/>
+            </a:effectRef>
+            <a:fontRef idx="minor">
+              <a:schemeClr val="lt1"/>
+            </a:fontRef>
+          </p:style>
+          <p:txBody>
+            <a:bodyPr rot="0" spcFirstLastPara="0" vertOverflow="overflow" horzOverflow="overflow" vert="horz" wrap="square" lIns="91440" tIns="45720" rIns="91440" bIns="45720" numCol="1" spcCol="0" rtlCol="0" fromWordArt="0" anchor="ctr" anchorCtr="0" forceAA="0" compatLnSpc="1">
+              <a:noAutofit/>
+            </a:bodyPr>
+            <a:lstStyle/>
+            <a:p>
+              <a:pPr algn="ctr"/>
+              <a:endParaRPr lang="zh-CN" altLang="en-US"/>
+            </a:p>
+          </p:txBody>
+        </p:sp>
+        <p:sp>
+          <p:nvSpPr>
+            <p:cNvPr id="7" name="椭圆 6"/>
+            <p:cNvSpPr/>
+            <p:nvPr/>
+          </p:nvSpPr>
+          <p:spPr>
+            <a:xfrm>
+              <a:off x="888096" y="1872269"/>
+              <a:ext cx="72000" cy="72000"/>
+            </a:xfrm>
+            <a:prstGeom prst="ellipse">
+              <a:avLst/>
+            </a:prstGeom>
+            <a:solidFill>
+              <a:schemeClr val="tx1">
+                <a:lumMod val="65000"/>
+                <a:lumOff val="35000"/>
+              </a:schemeClr>
+            </a:solidFill>
+            <a:ln>
+              <a:noFill/>
+            </a:ln>
+          </p:spPr>
+          <p:style>
+            <a:lnRef idx="2">
+              <a:schemeClr val="accent1">
+                <a:shade val="50000"/>
+              </a:schemeClr>
+            </a:lnRef>
+            <a:fillRef idx="1">
+              <a:schemeClr val="accent1"/>
+            </a:fillRef>
+            <a:effectRef idx="0">
+              <a:schemeClr val="accent1"/>
+            </a:effectRef>
+            <a:fontRef idx="minor">
+              <a:schemeClr val="lt1"/>
+            </a:fontRef>
+          </p:style>
+          <p:txBody>
+            <a:bodyPr rot="0" spcFirstLastPara="0" vertOverflow="overflow" horzOverflow="overflow" vert="horz" wrap="square" lIns="91440" tIns="45720" rIns="91440" bIns="45720" numCol="1" spcCol="0" rtlCol="0" fromWordArt="0" anchor="ctr" anchorCtr="0" forceAA="0" compatLnSpc="1">
+              <a:noAutofit/>
+            </a:bodyPr>
+            <a:lstStyle/>
+            <a:p>
+              <a:pPr algn="ctr"/>
+              <a:endParaRPr lang="zh-CN" altLang="en-US"/>
+            </a:p>
+          </p:txBody>
+        </p:sp>
+        <p:sp>
+          <p:nvSpPr>
+            <p:cNvPr id="8" name="椭圆 7"/>
+            <p:cNvSpPr/>
+            <p:nvPr/>
+          </p:nvSpPr>
+          <p:spPr>
+            <a:xfrm>
+              <a:off x="5075921" y="1872269"/>
+              <a:ext cx="72000" cy="72000"/>
+            </a:xfrm>
+            <a:prstGeom prst="ellipse">
+              <a:avLst/>
+            </a:prstGeom>
+            <a:solidFill>
+              <a:schemeClr val="tx1">
+                <a:lumMod val="65000"/>
+                <a:lumOff val="35000"/>
+              </a:schemeClr>
+            </a:solidFill>
+            <a:ln>
+              <a:noFill/>
+            </a:ln>
+          </p:spPr>
+          <p:style>
+            <a:lnRef idx="2">
+              <a:schemeClr val="accent1">
+                <a:shade val="50000"/>
+              </a:schemeClr>
+            </a:lnRef>
+            <a:fillRef idx="1">
+              <a:schemeClr val="accent1"/>
+            </a:fillRef>
+            <a:effectRef idx="0">
+              <a:schemeClr val="accent1"/>
+            </a:effectRef>
+            <a:fontRef idx="minor">
+              <a:schemeClr val="lt1"/>
+            </a:fontRef>
+          </p:style>
+          <p:txBody>
+            <a:bodyPr rot="0" spcFirstLastPara="0" vertOverflow="overflow" horzOverflow="overflow" vert="horz" wrap="square" lIns="91440" tIns="45720" rIns="91440" bIns="45720" numCol="1" spcCol="0" rtlCol="0" fromWordArt="0" anchor="ctr" anchorCtr="0" forceAA="0" compatLnSpc="1">
+              <a:noAutofit/>
+            </a:bodyPr>
+            <a:lstStyle/>
+            <a:p>
+              <a:pPr algn="ctr"/>
+              <a:endParaRPr lang="zh-CN" altLang="en-US"/>
+            </a:p>
+          </p:txBody>
+        </p:sp>
+        <p:sp>
+          <p:nvSpPr>
+            <p:cNvPr id="9" name="椭圆 8"/>
+            <p:cNvSpPr/>
+            <p:nvPr/>
+          </p:nvSpPr>
+          <p:spPr>
+            <a:xfrm>
+              <a:off x="5074692" y="1009634"/>
+              <a:ext cx="72000" cy="72000"/>
+            </a:xfrm>
+            <a:prstGeom prst="ellipse">
+              <a:avLst/>
+            </a:prstGeom>
+            <a:solidFill>
+              <a:schemeClr val="tx1">
+                <a:lumMod val="65000"/>
+                <a:lumOff val="35000"/>
+              </a:schemeClr>
+            </a:solidFill>
+            <a:ln>
+              <a:noFill/>
+            </a:ln>
+          </p:spPr>
+          <p:style>
+            <a:lnRef idx="2">
+              <a:schemeClr val="accent1">
+                <a:shade val="50000"/>
+              </a:schemeClr>
+            </a:lnRef>
+            <a:fillRef idx="1">
+              <a:schemeClr val="accent1"/>
+            </a:fillRef>
+            <a:effectRef idx="0">
+              <a:schemeClr val="accent1"/>
+            </a:effectRef>
+            <a:fontRef idx="minor">
+              <a:schemeClr val="lt1"/>
+            </a:fontRef>
+          </p:style>
+          <p:txBody>
+            <a:bodyPr rot="0" spcFirstLastPara="0" vertOverflow="overflow" horzOverflow="overflow" vert="horz" wrap="square" lIns="91440" tIns="45720" rIns="91440" bIns="45720" numCol="1" spcCol="0" rtlCol="0" fromWordArt="0" anchor="ctr" anchorCtr="0" forceAA="0" compatLnSpc="1">
+              <a:noAutofit/>
+            </a:bodyPr>
+            <a:lstStyle/>
+            <a:p>
+              <a:pPr algn="ctr"/>
+              <a:endParaRPr lang="zh-CN" altLang="en-US"/>
+            </a:p>
+          </p:txBody>
+        </p:sp>
+      </p:grpSp>
       <p:sp>
         <p:nvSpPr>
-          <p:cNvPr id="6" name="文本框 5"/>
-          <p:cNvSpPr txBox="1"/>
+          <p:cNvPr id="17" name="矩形 16"/>
+          <p:cNvSpPr/>
           <p:nvPr/>
         </p:nvSpPr>
         <p:spPr>
           <a:xfrm>
-            <a:off x="3513079" y="2538042"/>
-            <a:ext cx="1461198" cy="414665"/>
+            <a:off x="1041701" y="1004322"/>
+            <a:ext cx="1569660" cy="369332"/>
           </a:xfrm>
           <a:prstGeom prst="rect">
             <a:avLst/>
           </a:prstGeom>
-          <a:noFill/>
         </p:spPr>
         <p:txBody>
-          <a:bodyPr wrap="square" rtlCol="0">
+          <a:bodyPr wrap="none">
             <a:spAutoFit/>
           </a:bodyPr>
           <a:lstStyle/>
           <a:p>
-            <a:pPr algn="ctr" defTabSz="608965">
-              <a:lnSpc>
-                <a:spcPct val="130000"/>
-              </a:lnSpc>
-            </a:pPr>
-            <a:r>
-              <a:rPr lang="en-US" altLang="zh-CN" dirty="0">
-                <a:latin typeface="+mj-lt"/>
-                <a:ea typeface="微软雅黑" panose="020B0503020204020204" charset="-122"/>
-              </a:rPr>
-              <a:t>ONE</a:t>
-            </a:r>
-            <a:endParaRPr lang="zh-CN" altLang="en-US" dirty="0">
-              <a:latin typeface="+mj-lt"/>
-              <a:ea typeface="微软雅黑" panose="020B0503020204020204" charset="-122"/>
-            </a:endParaRPr>
-          </a:p>
-        </p:txBody>
-      </p:sp>
-      <p:sp>
-        <p:nvSpPr>
-          <p:cNvPr id="7" name="文本框 6"/>
-          <p:cNvSpPr txBox="1"/>
-          <p:nvPr/>
-        </p:nvSpPr>
-        <p:spPr>
-          <a:xfrm>
-            <a:off x="5271623" y="2538042"/>
-            <a:ext cx="1587032" cy="414665"/>
-          </a:xfrm>
-          <a:prstGeom prst="rect">
-            <a:avLst/>
-          </a:prstGeom>
-          <a:noFill/>
-        </p:spPr>
-        <p:txBody>
-          <a:bodyPr wrap="square" rtlCol="0">
-            <a:spAutoFit/>
-          </a:bodyPr>
-          <a:lstStyle/>
-          <a:p>
-            <a:pPr algn="ctr" defTabSz="608965">
-              <a:lnSpc>
-                <a:spcPct val="130000"/>
-              </a:lnSpc>
-            </a:pPr>
-            <a:r>
-              <a:rPr lang="en-US" altLang="zh-CN" dirty="0">
-                <a:latin typeface="+mj-lt"/>
-                <a:ea typeface="微软雅黑" panose="020B0503020204020204" charset="-122"/>
-              </a:rPr>
-              <a:t>TWO</a:t>
-            </a:r>
-            <a:endParaRPr lang="zh-CN" altLang="en-US" dirty="0">
-              <a:latin typeface="+mj-lt"/>
-              <a:ea typeface="微软雅黑" panose="020B0503020204020204" charset="-122"/>
-            </a:endParaRPr>
-          </a:p>
-        </p:txBody>
-      </p:sp>
-      <p:sp>
-        <p:nvSpPr>
-          <p:cNvPr id="8" name="文本框 7"/>
-          <p:cNvSpPr txBox="1"/>
-          <p:nvPr/>
-        </p:nvSpPr>
-        <p:spPr>
-          <a:xfrm>
-            <a:off x="7095429" y="2538042"/>
-            <a:ext cx="1712161" cy="414665"/>
-          </a:xfrm>
-          <a:prstGeom prst="rect">
-            <a:avLst/>
-          </a:prstGeom>
-          <a:noFill/>
-        </p:spPr>
-        <p:txBody>
-          <a:bodyPr wrap="square" rtlCol="0">
-            <a:spAutoFit/>
-          </a:bodyPr>
-          <a:lstStyle/>
-          <a:p>
-            <a:pPr algn="ctr" defTabSz="608965">
-              <a:lnSpc>
-                <a:spcPct val="130000"/>
-              </a:lnSpc>
-            </a:pPr>
-            <a:r>
-              <a:rPr lang="en-US" altLang="zh-CN" dirty="0">
-                <a:latin typeface="+mj-lt"/>
-                <a:ea typeface="微软雅黑" panose="020B0503020204020204" charset="-122"/>
-              </a:rPr>
-              <a:t>THREE</a:t>
-            </a:r>
-            <a:endParaRPr lang="zh-CN" altLang="en-US" dirty="0">
-              <a:latin typeface="+mj-lt"/>
-              <a:ea typeface="微软雅黑" panose="020B0503020204020204" charset="-122"/>
-            </a:endParaRPr>
-          </a:p>
-        </p:txBody>
-      </p:sp>
-      <p:sp>
-        <p:nvSpPr>
-          <p:cNvPr id="9" name="文本框 8"/>
-          <p:cNvSpPr txBox="1"/>
-          <p:nvPr/>
-        </p:nvSpPr>
-        <p:spPr>
-          <a:xfrm>
-            <a:off x="3542385" y="4087442"/>
-            <a:ext cx="1405108" cy="414665"/>
-          </a:xfrm>
-          <a:prstGeom prst="rect">
-            <a:avLst/>
-          </a:prstGeom>
-          <a:noFill/>
-        </p:spPr>
-        <p:txBody>
-          <a:bodyPr wrap="square" rtlCol="0">
-            <a:spAutoFit/>
-          </a:bodyPr>
-          <a:lstStyle/>
-          <a:p>
-            <a:pPr algn="ctr" defTabSz="608965">
-              <a:lnSpc>
-                <a:spcPct val="130000"/>
-              </a:lnSpc>
-            </a:pPr>
-            <a:r>
-              <a:rPr lang="en-US" altLang="zh-CN" dirty="0">
-                <a:latin typeface="+mj-lt"/>
-                <a:ea typeface="微软雅黑" panose="020B0503020204020204" charset="-122"/>
-              </a:rPr>
-              <a:t>FOUR</a:t>
-            </a:r>
-            <a:endParaRPr kumimoji="1" lang="zh-CN" altLang="en-US" dirty="0">
-              <a:latin typeface="+mj-lt"/>
-              <a:ea typeface="微软雅黑" panose="020B0503020204020204" charset="-122"/>
-            </a:endParaRPr>
-          </a:p>
-        </p:txBody>
-      </p:sp>
-      <p:sp>
-        <p:nvSpPr>
-          <p:cNvPr id="10" name="文本框 9"/>
-          <p:cNvSpPr txBox="1"/>
-          <p:nvPr/>
-        </p:nvSpPr>
-        <p:spPr>
-          <a:xfrm>
-            <a:off x="5461977" y="4087442"/>
-            <a:ext cx="1214679" cy="414665"/>
-          </a:xfrm>
-          <a:prstGeom prst="rect">
-            <a:avLst/>
-          </a:prstGeom>
-          <a:noFill/>
-        </p:spPr>
-        <p:txBody>
-          <a:bodyPr wrap="square" rtlCol="0">
-            <a:spAutoFit/>
-          </a:bodyPr>
-          <a:lstStyle/>
-          <a:p>
-            <a:pPr algn="ctr" defTabSz="608965">
-              <a:lnSpc>
-                <a:spcPct val="130000"/>
-              </a:lnSpc>
-            </a:pPr>
-            <a:r>
-              <a:rPr lang="en-US" altLang="zh-CN" dirty="0">
-                <a:latin typeface="+mj-lt"/>
-                <a:ea typeface="微软雅黑" panose="020B0503020204020204" charset="-122"/>
-              </a:rPr>
-              <a:t>FIVE</a:t>
-            </a:r>
-            <a:endParaRPr kumimoji="1" lang="zh-CN" altLang="en-US" dirty="0">
-              <a:latin typeface="+mj-lt"/>
-              <a:ea typeface="微软雅黑" panose="020B0503020204020204" charset="-122"/>
-            </a:endParaRPr>
-          </a:p>
-        </p:txBody>
-      </p:sp>
-      <p:sp>
-        <p:nvSpPr>
-          <p:cNvPr id="11" name="文本框 10"/>
-          <p:cNvSpPr txBox="1"/>
-          <p:nvPr/>
-        </p:nvSpPr>
-        <p:spPr>
-          <a:xfrm>
-            <a:off x="7324351" y="4087442"/>
-            <a:ext cx="1221273" cy="414665"/>
-          </a:xfrm>
-          <a:prstGeom prst="rect">
-            <a:avLst/>
-          </a:prstGeom>
-          <a:noFill/>
-        </p:spPr>
-        <p:txBody>
-          <a:bodyPr wrap="square" rtlCol="0">
-            <a:spAutoFit/>
-          </a:bodyPr>
-          <a:lstStyle/>
-          <a:p>
-            <a:pPr algn="ctr" defTabSz="608965">
-              <a:lnSpc>
-                <a:spcPct val="130000"/>
-              </a:lnSpc>
-            </a:pPr>
-            <a:r>
-              <a:rPr lang="en-US" altLang="zh-CN" dirty="0">
-                <a:latin typeface="+mj-lt"/>
-                <a:ea typeface="微软雅黑" panose="020B0503020204020204" charset="-122"/>
-              </a:rPr>
-              <a:t>SIX</a:t>
-            </a:r>
-            <a:endParaRPr kumimoji="1" lang="zh-CN" altLang="en-US" dirty="0">
-              <a:latin typeface="+mj-lt"/>
-              <a:ea typeface="微软雅黑" panose="020B0503020204020204" charset="-122"/>
-            </a:endParaRPr>
-          </a:p>
-        </p:txBody>
-      </p:sp>
-      <p:sp>
-        <p:nvSpPr>
-          <p:cNvPr id="12" name="文本框 11"/>
-          <p:cNvSpPr txBox="1"/>
-          <p:nvPr/>
-        </p:nvSpPr>
-        <p:spPr>
-          <a:xfrm>
-            <a:off x="3386829" y="2073285"/>
-            <a:ext cx="1751798" cy="597087"/>
-          </a:xfrm>
-          <a:prstGeom prst="rect">
-            <a:avLst/>
-          </a:prstGeom>
-          <a:noFill/>
-        </p:spPr>
-        <p:txBody>
-          <a:bodyPr wrap="square" rtlCol="0">
-            <a:spAutoFit/>
-          </a:bodyPr>
-          <a:lstStyle/>
-          <a:p>
-            <a:pPr algn="ctr" defTabSz="608965">
-              <a:lnSpc>
-                <a:spcPct val="130000"/>
-              </a:lnSpc>
-            </a:pPr>
-            <a:r>
-              <a:rPr lang="zh-CN" altLang="en-US" sz="2800" b="1" dirty="0">
-                <a:latin typeface="+mj-lt"/>
-                <a:ea typeface="微软雅黑" panose="020B0503020204020204" charset="-122"/>
-              </a:rPr>
-              <a:t>输入标题</a:t>
-            </a:r>
-          </a:p>
-        </p:txBody>
-      </p:sp>
-      <p:sp>
-        <p:nvSpPr>
-          <p:cNvPr id="13" name="文本框 12"/>
-          <p:cNvSpPr txBox="1"/>
-          <p:nvPr/>
-        </p:nvSpPr>
-        <p:spPr>
-          <a:xfrm>
-            <a:off x="5186276" y="2073285"/>
-            <a:ext cx="1751798" cy="597087"/>
-          </a:xfrm>
-          <a:prstGeom prst="rect">
-            <a:avLst/>
-          </a:prstGeom>
-          <a:noFill/>
-        </p:spPr>
-        <p:txBody>
-          <a:bodyPr wrap="square" rtlCol="0">
-            <a:spAutoFit/>
-          </a:bodyPr>
-          <a:lstStyle/>
-          <a:p>
-            <a:pPr algn="ctr" defTabSz="608965">
-              <a:lnSpc>
-                <a:spcPct val="130000"/>
-              </a:lnSpc>
-            </a:pPr>
-            <a:r>
-              <a:rPr lang="zh-CN" altLang="en-US" sz="2800" b="1" dirty="0">
-                <a:latin typeface="+mj-lt"/>
-                <a:ea typeface="微软雅黑" panose="020B0503020204020204" charset="-122"/>
-              </a:rPr>
-              <a:t>输入标题</a:t>
-            </a:r>
-          </a:p>
-        </p:txBody>
-      </p:sp>
-      <p:sp>
-        <p:nvSpPr>
-          <p:cNvPr id="14" name="文本框 13"/>
-          <p:cNvSpPr txBox="1"/>
-          <p:nvPr/>
-        </p:nvSpPr>
-        <p:spPr>
-          <a:xfrm>
-            <a:off x="7090120" y="2073285"/>
-            <a:ext cx="1751798" cy="597087"/>
-          </a:xfrm>
-          <a:prstGeom prst="rect">
-            <a:avLst/>
-          </a:prstGeom>
-          <a:noFill/>
-        </p:spPr>
-        <p:txBody>
-          <a:bodyPr wrap="square" rtlCol="0">
-            <a:spAutoFit/>
-          </a:bodyPr>
-          <a:lstStyle/>
-          <a:p>
-            <a:pPr algn="ctr" defTabSz="608965">
-              <a:lnSpc>
-                <a:spcPct val="130000"/>
-              </a:lnSpc>
-            </a:pPr>
-            <a:r>
-              <a:rPr lang="zh-CN" altLang="en-US" sz="2800" b="1" dirty="0">
-                <a:latin typeface="+mj-lt"/>
-                <a:ea typeface="微软雅黑" panose="020B0503020204020204" charset="-122"/>
-              </a:rPr>
-              <a:t>输入标题</a:t>
-            </a:r>
-          </a:p>
-        </p:txBody>
-      </p:sp>
-      <p:sp>
-        <p:nvSpPr>
-          <p:cNvPr id="15" name="文本框 14"/>
-          <p:cNvSpPr txBox="1"/>
-          <p:nvPr/>
-        </p:nvSpPr>
-        <p:spPr>
-          <a:xfrm>
-            <a:off x="3350094" y="3622685"/>
-            <a:ext cx="1751798" cy="597087"/>
-          </a:xfrm>
-          <a:prstGeom prst="rect">
-            <a:avLst/>
-          </a:prstGeom>
-          <a:noFill/>
-        </p:spPr>
-        <p:txBody>
-          <a:bodyPr wrap="square" rtlCol="0">
-            <a:spAutoFit/>
-          </a:bodyPr>
-          <a:lstStyle/>
-          <a:p>
-            <a:pPr algn="ctr" defTabSz="608965">
-              <a:lnSpc>
-                <a:spcPct val="130000"/>
-              </a:lnSpc>
-            </a:pPr>
-            <a:r>
-              <a:rPr lang="zh-CN" altLang="en-US" sz="2800" b="1" dirty="0">
-                <a:latin typeface="+mj-lt"/>
-                <a:ea typeface="微软雅黑" panose="020B0503020204020204" charset="-122"/>
-              </a:rPr>
-              <a:t>输入标题</a:t>
-            </a:r>
-          </a:p>
-        </p:txBody>
-      </p:sp>
-      <p:sp>
-        <p:nvSpPr>
-          <p:cNvPr id="16" name="文本框 15"/>
-          <p:cNvSpPr txBox="1"/>
-          <p:nvPr/>
-        </p:nvSpPr>
-        <p:spPr>
-          <a:xfrm>
-            <a:off x="5212468" y="3622685"/>
-            <a:ext cx="1751798" cy="597087"/>
-          </a:xfrm>
-          <a:prstGeom prst="rect">
-            <a:avLst/>
-          </a:prstGeom>
-          <a:noFill/>
-        </p:spPr>
-        <p:txBody>
-          <a:bodyPr wrap="square" rtlCol="0">
-            <a:spAutoFit/>
-          </a:bodyPr>
-          <a:lstStyle/>
-          <a:p>
-            <a:pPr algn="ctr" defTabSz="608965">
-              <a:lnSpc>
-                <a:spcPct val="130000"/>
-              </a:lnSpc>
-            </a:pPr>
-            <a:r>
-              <a:rPr lang="zh-CN" altLang="en-US" sz="2800" b="1" dirty="0">
-                <a:latin typeface="+mj-lt"/>
-                <a:ea typeface="微软雅黑" panose="020B0503020204020204" charset="-122"/>
-              </a:rPr>
-              <a:t>输入标题</a:t>
-            </a:r>
-          </a:p>
-        </p:txBody>
-      </p:sp>
-      <p:sp>
-        <p:nvSpPr>
-          <p:cNvPr id="17" name="文本框 16"/>
-          <p:cNvSpPr txBox="1"/>
-          <p:nvPr/>
-        </p:nvSpPr>
-        <p:spPr>
-          <a:xfrm>
-            <a:off x="7074842" y="3622685"/>
-            <a:ext cx="1751798" cy="597087"/>
-          </a:xfrm>
-          <a:prstGeom prst="rect">
-            <a:avLst/>
-          </a:prstGeom>
-          <a:noFill/>
-        </p:spPr>
-        <p:txBody>
-          <a:bodyPr wrap="square" rtlCol="0">
-            <a:spAutoFit/>
-          </a:bodyPr>
-          <a:lstStyle/>
-          <a:p>
-            <a:pPr algn="ctr" defTabSz="608965">
-              <a:lnSpc>
-                <a:spcPct val="130000"/>
-              </a:lnSpc>
-            </a:pPr>
-            <a:r>
-              <a:rPr lang="zh-CN" altLang="en-US" sz="2800" b="1" dirty="0">
-                <a:latin typeface="+mj-lt"/>
-                <a:ea typeface="微软雅黑" panose="020B0503020204020204" charset="-122"/>
-              </a:rPr>
-              <a:t>输入标题</a:t>
+            <a:r>
+              <a:rPr lang="zh-CN" altLang="en-US" dirty="0"/>
+              <a:t>初识神经网络</a:t>
             </a:r>
           </a:p>
         </p:txBody>
@@ -31870,283 +36652,820 @@
         </p:nvSpPr>
         <p:spPr>
           <a:xfrm>
-            <a:off x="3448190" y="3013326"/>
-            <a:ext cx="1638300" cy="113341"/>
+            <a:off x="959621" y="1481030"/>
+            <a:ext cx="6550312" cy="345094"/>
           </a:xfrm>
           <a:prstGeom prst="rect">
             <a:avLst/>
           </a:prstGeom>
-          <a:solidFill>
-            <a:srgbClr val="FF0000"/>
-          </a:solidFill>
-          <a:ln>
-            <a:noFill/>
-          </a:ln>
-        </p:spPr>
-        <p:style>
-          <a:lnRef idx="2">
-            <a:schemeClr val="accent1">
-              <a:shade val="50000"/>
-            </a:schemeClr>
-          </a:lnRef>
-          <a:fillRef idx="1">
-            <a:schemeClr val="accent1"/>
-          </a:fillRef>
-          <a:effectRef idx="0">
-            <a:schemeClr val="accent1"/>
-          </a:effectRef>
-          <a:fontRef idx="minor">
-            <a:schemeClr val="lt1"/>
-          </a:fontRef>
-        </p:style>
+        </p:spPr>
         <p:txBody>
-          <a:bodyPr rot="0" spcFirstLastPara="0" vertOverflow="overflow" horzOverflow="overflow" vert="horz" wrap="square" lIns="91440" tIns="45720" rIns="91440" bIns="45720" numCol="1" spcCol="0" rtlCol="0" fromWordArt="0" anchor="ctr" anchorCtr="0" forceAA="0" compatLnSpc="1">
-            <a:noAutofit/>
+          <a:bodyPr wrap="square">
+            <a:spAutoFit/>
           </a:bodyPr>
           <a:lstStyle/>
           <a:p>
-            <a:pPr algn="ctr"/>
-            <a:endParaRPr lang="zh-CN" altLang="en-US"/>
+            <a:pPr>
+              <a:lnSpc>
+                <a:spcPct val="130000"/>
+              </a:lnSpc>
+            </a:pPr>
+            <a:r>
+              <a:rPr lang="zh-CN" altLang="en-US" sz="1400" dirty="0">
+                <a:solidFill>
+                  <a:schemeClr val="bg1">
+                    <a:lumMod val="50000"/>
+                  </a:schemeClr>
+                </a:solidFill>
+                <a:latin typeface="微软雅黑" panose="020B0503020204020204" charset="-122"/>
+                <a:ea typeface="微软雅黑" panose="020B0503020204020204" charset="-122"/>
+              </a:rPr>
+              <a:t>神经元，感知器，多层感知器，神经网络的介绍</a:t>
+            </a:r>
+          </a:p>
+        </p:txBody>
+      </p:sp>
+      <p:grpSp>
+        <p:nvGrpSpPr>
+          <p:cNvPr id="19" name="组合 18"/>
+          <p:cNvGrpSpPr/>
+          <p:nvPr/>
+        </p:nvGrpSpPr>
+        <p:grpSpPr>
+          <a:xfrm>
+            <a:off x="910794" y="2786453"/>
+            <a:ext cx="2300757" cy="509896"/>
+            <a:chOff x="888096" y="1000203"/>
+            <a:chExt cx="4259825" cy="944066"/>
+          </a:xfrm>
+        </p:grpSpPr>
+        <p:sp>
+          <p:nvSpPr>
+            <p:cNvPr id="20" name="矩形 19"/>
+            <p:cNvSpPr/>
+            <p:nvPr/>
+          </p:nvSpPr>
+          <p:spPr>
+            <a:xfrm>
+              <a:off x="911225" y="1045634"/>
+              <a:ext cx="4199467" cy="872066"/>
+            </a:xfrm>
+            <a:prstGeom prst="rect">
+              <a:avLst/>
+            </a:prstGeom>
+            <a:noFill/>
+            <a:ln>
+              <a:solidFill>
+                <a:schemeClr val="bg1">
+                  <a:lumMod val="75000"/>
+                </a:schemeClr>
+              </a:solidFill>
+            </a:ln>
+          </p:spPr>
+          <p:style>
+            <a:lnRef idx="2">
+              <a:schemeClr val="accent1">
+                <a:shade val="50000"/>
+              </a:schemeClr>
+            </a:lnRef>
+            <a:fillRef idx="1">
+              <a:schemeClr val="accent1"/>
+            </a:fillRef>
+            <a:effectRef idx="0">
+              <a:schemeClr val="accent1"/>
+            </a:effectRef>
+            <a:fontRef idx="minor">
+              <a:schemeClr val="lt1"/>
+            </a:fontRef>
+          </p:style>
+          <p:txBody>
+            <a:bodyPr rot="0" spcFirstLastPara="0" vertOverflow="overflow" horzOverflow="overflow" vert="horz" wrap="square" lIns="91440" tIns="45720" rIns="91440" bIns="45720" numCol="1" spcCol="0" rtlCol="0" fromWordArt="0" anchor="ctr" anchorCtr="0" forceAA="0" compatLnSpc="1">
+              <a:noAutofit/>
+            </a:bodyPr>
+            <a:lstStyle/>
+            <a:p>
+              <a:pPr algn="ctr"/>
+              <a:endParaRPr lang="zh-CN" altLang="en-US"/>
+            </a:p>
+          </p:txBody>
+        </p:sp>
+        <p:sp>
+          <p:nvSpPr>
+            <p:cNvPr id="21" name="椭圆 20"/>
+            <p:cNvSpPr/>
+            <p:nvPr/>
+          </p:nvSpPr>
+          <p:spPr>
+            <a:xfrm>
+              <a:off x="888096" y="1000203"/>
+              <a:ext cx="72000" cy="72000"/>
+            </a:xfrm>
+            <a:prstGeom prst="ellipse">
+              <a:avLst/>
+            </a:prstGeom>
+            <a:solidFill>
+              <a:schemeClr val="tx1">
+                <a:lumMod val="65000"/>
+                <a:lumOff val="35000"/>
+              </a:schemeClr>
+            </a:solidFill>
+            <a:ln>
+              <a:noFill/>
+            </a:ln>
+          </p:spPr>
+          <p:style>
+            <a:lnRef idx="2">
+              <a:schemeClr val="accent1">
+                <a:shade val="50000"/>
+              </a:schemeClr>
+            </a:lnRef>
+            <a:fillRef idx="1">
+              <a:schemeClr val="accent1"/>
+            </a:fillRef>
+            <a:effectRef idx="0">
+              <a:schemeClr val="accent1"/>
+            </a:effectRef>
+            <a:fontRef idx="minor">
+              <a:schemeClr val="lt1"/>
+            </a:fontRef>
+          </p:style>
+          <p:txBody>
+            <a:bodyPr rot="0" spcFirstLastPara="0" vertOverflow="overflow" horzOverflow="overflow" vert="horz" wrap="square" lIns="91440" tIns="45720" rIns="91440" bIns="45720" numCol="1" spcCol="0" rtlCol="0" fromWordArt="0" anchor="ctr" anchorCtr="0" forceAA="0" compatLnSpc="1">
+              <a:noAutofit/>
+            </a:bodyPr>
+            <a:lstStyle/>
+            <a:p>
+              <a:pPr algn="ctr"/>
+              <a:endParaRPr lang="zh-CN" altLang="en-US"/>
+            </a:p>
+          </p:txBody>
+        </p:sp>
+        <p:sp>
+          <p:nvSpPr>
+            <p:cNvPr id="22" name="椭圆 21"/>
+            <p:cNvSpPr/>
+            <p:nvPr/>
+          </p:nvSpPr>
+          <p:spPr>
+            <a:xfrm>
+              <a:off x="888096" y="1872269"/>
+              <a:ext cx="72000" cy="72000"/>
+            </a:xfrm>
+            <a:prstGeom prst="ellipse">
+              <a:avLst/>
+            </a:prstGeom>
+            <a:solidFill>
+              <a:schemeClr val="tx1">
+                <a:lumMod val="65000"/>
+                <a:lumOff val="35000"/>
+              </a:schemeClr>
+            </a:solidFill>
+            <a:ln>
+              <a:noFill/>
+            </a:ln>
+          </p:spPr>
+          <p:style>
+            <a:lnRef idx="2">
+              <a:schemeClr val="accent1">
+                <a:shade val="50000"/>
+              </a:schemeClr>
+            </a:lnRef>
+            <a:fillRef idx="1">
+              <a:schemeClr val="accent1"/>
+            </a:fillRef>
+            <a:effectRef idx="0">
+              <a:schemeClr val="accent1"/>
+            </a:effectRef>
+            <a:fontRef idx="minor">
+              <a:schemeClr val="lt1"/>
+            </a:fontRef>
+          </p:style>
+          <p:txBody>
+            <a:bodyPr rot="0" spcFirstLastPara="0" vertOverflow="overflow" horzOverflow="overflow" vert="horz" wrap="square" lIns="91440" tIns="45720" rIns="91440" bIns="45720" numCol="1" spcCol="0" rtlCol="0" fromWordArt="0" anchor="ctr" anchorCtr="0" forceAA="0" compatLnSpc="1">
+              <a:noAutofit/>
+            </a:bodyPr>
+            <a:lstStyle/>
+            <a:p>
+              <a:pPr algn="ctr"/>
+              <a:endParaRPr lang="zh-CN" altLang="en-US"/>
+            </a:p>
+          </p:txBody>
+        </p:sp>
+        <p:sp>
+          <p:nvSpPr>
+            <p:cNvPr id="23" name="椭圆 22"/>
+            <p:cNvSpPr/>
+            <p:nvPr/>
+          </p:nvSpPr>
+          <p:spPr>
+            <a:xfrm>
+              <a:off x="5075921" y="1872269"/>
+              <a:ext cx="72000" cy="72000"/>
+            </a:xfrm>
+            <a:prstGeom prst="ellipse">
+              <a:avLst/>
+            </a:prstGeom>
+            <a:solidFill>
+              <a:schemeClr val="tx1">
+                <a:lumMod val="65000"/>
+                <a:lumOff val="35000"/>
+              </a:schemeClr>
+            </a:solidFill>
+            <a:ln>
+              <a:noFill/>
+            </a:ln>
+          </p:spPr>
+          <p:style>
+            <a:lnRef idx="2">
+              <a:schemeClr val="accent1">
+                <a:shade val="50000"/>
+              </a:schemeClr>
+            </a:lnRef>
+            <a:fillRef idx="1">
+              <a:schemeClr val="accent1"/>
+            </a:fillRef>
+            <a:effectRef idx="0">
+              <a:schemeClr val="accent1"/>
+            </a:effectRef>
+            <a:fontRef idx="minor">
+              <a:schemeClr val="lt1"/>
+            </a:fontRef>
+          </p:style>
+          <p:txBody>
+            <a:bodyPr rot="0" spcFirstLastPara="0" vertOverflow="overflow" horzOverflow="overflow" vert="horz" wrap="square" lIns="91440" tIns="45720" rIns="91440" bIns="45720" numCol="1" spcCol="0" rtlCol="0" fromWordArt="0" anchor="ctr" anchorCtr="0" forceAA="0" compatLnSpc="1">
+              <a:noAutofit/>
+            </a:bodyPr>
+            <a:lstStyle/>
+            <a:p>
+              <a:pPr algn="ctr"/>
+              <a:endParaRPr lang="zh-CN" altLang="en-US"/>
+            </a:p>
+          </p:txBody>
+        </p:sp>
+        <p:sp>
+          <p:nvSpPr>
+            <p:cNvPr id="24" name="椭圆 23"/>
+            <p:cNvSpPr/>
+            <p:nvPr/>
+          </p:nvSpPr>
+          <p:spPr>
+            <a:xfrm>
+              <a:off x="5074692" y="1009634"/>
+              <a:ext cx="72000" cy="72000"/>
+            </a:xfrm>
+            <a:prstGeom prst="ellipse">
+              <a:avLst/>
+            </a:prstGeom>
+            <a:solidFill>
+              <a:schemeClr val="tx1">
+                <a:lumMod val="65000"/>
+                <a:lumOff val="35000"/>
+              </a:schemeClr>
+            </a:solidFill>
+            <a:ln>
+              <a:noFill/>
+            </a:ln>
+          </p:spPr>
+          <p:style>
+            <a:lnRef idx="2">
+              <a:schemeClr val="accent1">
+                <a:shade val="50000"/>
+              </a:schemeClr>
+            </a:lnRef>
+            <a:fillRef idx="1">
+              <a:schemeClr val="accent1"/>
+            </a:fillRef>
+            <a:effectRef idx="0">
+              <a:schemeClr val="accent1"/>
+            </a:effectRef>
+            <a:fontRef idx="minor">
+              <a:schemeClr val="lt1"/>
+            </a:fontRef>
+          </p:style>
+          <p:txBody>
+            <a:bodyPr rot="0" spcFirstLastPara="0" vertOverflow="overflow" horzOverflow="overflow" vert="horz" wrap="square" lIns="91440" tIns="45720" rIns="91440" bIns="45720" numCol="1" spcCol="0" rtlCol="0" fromWordArt="0" anchor="ctr" anchorCtr="0" forceAA="0" compatLnSpc="1">
+              <a:noAutofit/>
+            </a:bodyPr>
+            <a:lstStyle/>
+            <a:p>
+              <a:pPr algn="ctr"/>
+              <a:endParaRPr lang="zh-CN" altLang="en-US"/>
+            </a:p>
+          </p:txBody>
+        </p:sp>
+      </p:grpSp>
+      <p:sp>
+        <p:nvSpPr>
+          <p:cNvPr id="25" name="矩形 24"/>
+          <p:cNvSpPr/>
+          <p:nvPr/>
+        </p:nvSpPr>
+        <p:spPr>
+          <a:xfrm>
+            <a:off x="1041701" y="2861829"/>
+            <a:ext cx="1569660" cy="369332"/>
+          </a:xfrm>
+          <a:prstGeom prst="rect">
+            <a:avLst/>
+          </a:prstGeom>
+        </p:spPr>
+        <p:txBody>
+          <a:bodyPr wrap="none">
+            <a:spAutoFit/>
+          </a:bodyPr>
+          <a:lstStyle/>
+          <a:p>
+            <a:r>
+              <a:rPr lang="zh-CN" altLang="en-US" dirty="0"/>
+              <a:t>深入神经网络</a:t>
+            </a:r>
           </a:p>
         </p:txBody>
       </p:sp>
       <p:sp>
         <p:nvSpPr>
-          <p:cNvPr id="19" name="矩形 18"/>
+          <p:cNvPr id="26" name="矩形 25"/>
           <p:cNvSpPr/>
           <p:nvPr/>
         </p:nvSpPr>
         <p:spPr>
           <a:xfrm>
-            <a:off x="5308740" y="3013326"/>
-            <a:ext cx="1638300" cy="113341"/>
+            <a:off x="959621" y="3338537"/>
+            <a:ext cx="6550312" cy="345094"/>
           </a:xfrm>
           <a:prstGeom prst="rect">
             <a:avLst/>
           </a:prstGeom>
-          <a:solidFill>
-            <a:srgbClr val="FFC000"/>
-          </a:solidFill>
-          <a:ln>
-            <a:noFill/>
-          </a:ln>
-        </p:spPr>
-        <p:style>
-          <a:lnRef idx="2">
-            <a:schemeClr val="accent1">
-              <a:shade val="50000"/>
-            </a:schemeClr>
-          </a:lnRef>
-          <a:fillRef idx="1">
-            <a:schemeClr val="accent1"/>
-          </a:fillRef>
-          <a:effectRef idx="0">
-            <a:schemeClr val="accent1"/>
-          </a:effectRef>
-          <a:fontRef idx="minor">
-            <a:schemeClr val="lt1"/>
-          </a:fontRef>
-        </p:style>
+        </p:spPr>
         <p:txBody>
-          <a:bodyPr rot="0" spcFirstLastPara="0" vertOverflow="overflow" horzOverflow="overflow" vert="horz" wrap="square" lIns="91440" tIns="45720" rIns="91440" bIns="45720" numCol="1" spcCol="0" rtlCol="0" fromWordArt="0" anchor="ctr" anchorCtr="0" forceAA="0" compatLnSpc="1">
-            <a:noAutofit/>
+          <a:bodyPr wrap="square">
+            <a:spAutoFit/>
           </a:bodyPr>
           <a:lstStyle/>
           <a:p>
-            <a:pPr algn="ctr"/>
-            <a:endParaRPr lang="zh-CN" altLang="en-US"/>
+            <a:pPr>
+              <a:lnSpc>
+                <a:spcPct val="130000"/>
+              </a:lnSpc>
+            </a:pPr>
+            <a:r>
+              <a:rPr lang="zh-CN" altLang="en-US" sz="1400" dirty="0">
+                <a:solidFill>
+                  <a:schemeClr val="bg1">
+                    <a:lumMod val="50000"/>
+                  </a:schemeClr>
+                </a:solidFill>
+                <a:latin typeface="微软雅黑" panose="020B0503020204020204" charset="-122"/>
+                <a:ea typeface="微软雅黑" panose="020B0503020204020204" charset="-122"/>
+              </a:rPr>
+              <a:t>前向传播，反向传播，梯度下降的介绍</a:t>
+            </a:r>
+          </a:p>
+        </p:txBody>
+      </p:sp>
+      <p:grpSp>
+        <p:nvGrpSpPr>
+          <p:cNvPr id="27" name="组合 26"/>
+          <p:cNvGrpSpPr/>
+          <p:nvPr/>
+        </p:nvGrpSpPr>
+        <p:grpSpPr>
+          <a:xfrm>
+            <a:off x="910794" y="4913818"/>
+            <a:ext cx="2300757" cy="509896"/>
+            <a:chOff x="888096" y="1000203"/>
+            <a:chExt cx="4259825" cy="944066"/>
+          </a:xfrm>
+        </p:grpSpPr>
+        <p:sp>
+          <p:nvSpPr>
+            <p:cNvPr id="28" name="矩形 27"/>
+            <p:cNvSpPr/>
+            <p:nvPr/>
+          </p:nvSpPr>
+          <p:spPr>
+            <a:xfrm>
+              <a:off x="911225" y="1045634"/>
+              <a:ext cx="4199467" cy="872066"/>
+            </a:xfrm>
+            <a:prstGeom prst="rect">
+              <a:avLst/>
+            </a:prstGeom>
+            <a:noFill/>
+            <a:ln>
+              <a:solidFill>
+                <a:schemeClr val="bg1">
+                  <a:lumMod val="75000"/>
+                </a:schemeClr>
+              </a:solidFill>
+            </a:ln>
+          </p:spPr>
+          <p:style>
+            <a:lnRef idx="2">
+              <a:schemeClr val="accent1">
+                <a:shade val="50000"/>
+              </a:schemeClr>
+            </a:lnRef>
+            <a:fillRef idx="1">
+              <a:schemeClr val="accent1"/>
+            </a:fillRef>
+            <a:effectRef idx="0">
+              <a:schemeClr val="accent1"/>
+            </a:effectRef>
+            <a:fontRef idx="minor">
+              <a:schemeClr val="lt1"/>
+            </a:fontRef>
+          </p:style>
+          <p:txBody>
+            <a:bodyPr rot="0" spcFirstLastPara="0" vertOverflow="overflow" horzOverflow="overflow" vert="horz" wrap="square" lIns="91440" tIns="45720" rIns="91440" bIns="45720" numCol="1" spcCol="0" rtlCol="0" fromWordArt="0" anchor="ctr" anchorCtr="0" forceAA="0" compatLnSpc="1">
+              <a:noAutofit/>
+            </a:bodyPr>
+            <a:lstStyle/>
+            <a:p>
+              <a:pPr algn="ctr"/>
+              <a:endParaRPr lang="zh-CN" altLang="en-US"/>
+            </a:p>
+          </p:txBody>
+        </p:sp>
+        <p:sp>
+          <p:nvSpPr>
+            <p:cNvPr id="29" name="椭圆 28"/>
+            <p:cNvSpPr/>
+            <p:nvPr/>
+          </p:nvSpPr>
+          <p:spPr>
+            <a:xfrm>
+              <a:off x="888096" y="1000203"/>
+              <a:ext cx="72000" cy="72000"/>
+            </a:xfrm>
+            <a:prstGeom prst="ellipse">
+              <a:avLst/>
+            </a:prstGeom>
+            <a:solidFill>
+              <a:schemeClr val="tx1">
+                <a:lumMod val="65000"/>
+                <a:lumOff val="35000"/>
+              </a:schemeClr>
+            </a:solidFill>
+            <a:ln>
+              <a:noFill/>
+            </a:ln>
+          </p:spPr>
+          <p:style>
+            <a:lnRef idx="2">
+              <a:schemeClr val="accent1">
+                <a:shade val="50000"/>
+              </a:schemeClr>
+            </a:lnRef>
+            <a:fillRef idx="1">
+              <a:schemeClr val="accent1"/>
+            </a:fillRef>
+            <a:effectRef idx="0">
+              <a:schemeClr val="accent1"/>
+            </a:effectRef>
+            <a:fontRef idx="minor">
+              <a:schemeClr val="lt1"/>
+            </a:fontRef>
+          </p:style>
+          <p:txBody>
+            <a:bodyPr rot="0" spcFirstLastPara="0" vertOverflow="overflow" horzOverflow="overflow" vert="horz" wrap="square" lIns="91440" tIns="45720" rIns="91440" bIns="45720" numCol="1" spcCol="0" rtlCol="0" fromWordArt="0" anchor="ctr" anchorCtr="0" forceAA="0" compatLnSpc="1">
+              <a:noAutofit/>
+            </a:bodyPr>
+            <a:lstStyle/>
+            <a:p>
+              <a:pPr algn="ctr"/>
+              <a:endParaRPr lang="zh-CN" altLang="en-US"/>
+            </a:p>
+          </p:txBody>
+        </p:sp>
+        <p:sp>
+          <p:nvSpPr>
+            <p:cNvPr id="30" name="椭圆 29"/>
+            <p:cNvSpPr/>
+            <p:nvPr/>
+          </p:nvSpPr>
+          <p:spPr>
+            <a:xfrm>
+              <a:off x="888096" y="1872269"/>
+              <a:ext cx="72000" cy="72000"/>
+            </a:xfrm>
+            <a:prstGeom prst="ellipse">
+              <a:avLst/>
+            </a:prstGeom>
+            <a:solidFill>
+              <a:schemeClr val="tx1">
+                <a:lumMod val="65000"/>
+                <a:lumOff val="35000"/>
+              </a:schemeClr>
+            </a:solidFill>
+            <a:ln>
+              <a:noFill/>
+            </a:ln>
+          </p:spPr>
+          <p:style>
+            <a:lnRef idx="2">
+              <a:schemeClr val="accent1">
+                <a:shade val="50000"/>
+              </a:schemeClr>
+            </a:lnRef>
+            <a:fillRef idx="1">
+              <a:schemeClr val="accent1"/>
+            </a:fillRef>
+            <a:effectRef idx="0">
+              <a:schemeClr val="accent1"/>
+            </a:effectRef>
+            <a:fontRef idx="minor">
+              <a:schemeClr val="lt1"/>
+            </a:fontRef>
+          </p:style>
+          <p:txBody>
+            <a:bodyPr rot="0" spcFirstLastPara="0" vertOverflow="overflow" horzOverflow="overflow" vert="horz" wrap="square" lIns="91440" tIns="45720" rIns="91440" bIns="45720" numCol="1" spcCol="0" rtlCol="0" fromWordArt="0" anchor="ctr" anchorCtr="0" forceAA="0" compatLnSpc="1">
+              <a:noAutofit/>
+            </a:bodyPr>
+            <a:lstStyle/>
+            <a:p>
+              <a:pPr algn="ctr"/>
+              <a:endParaRPr lang="zh-CN" altLang="en-US"/>
+            </a:p>
+          </p:txBody>
+        </p:sp>
+        <p:sp>
+          <p:nvSpPr>
+            <p:cNvPr id="31" name="椭圆 30"/>
+            <p:cNvSpPr/>
+            <p:nvPr/>
+          </p:nvSpPr>
+          <p:spPr>
+            <a:xfrm>
+              <a:off x="5075921" y="1872269"/>
+              <a:ext cx="72000" cy="72000"/>
+            </a:xfrm>
+            <a:prstGeom prst="ellipse">
+              <a:avLst/>
+            </a:prstGeom>
+            <a:solidFill>
+              <a:schemeClr val="tx1">
+                <a:lumMod val="65000"/>
+                <a:lumOff val="35000"/>
+              </a:schemeClr>
+            </a:solidFill>
+            <a:ln>
+              <a:noFill/>
+            </a:ln>
+          </p:spPr>
+          <p:style>
+            <a:lnRef idx="2">
+              <a:schemeClr val="accent1">
+                <a:shade val="50000"/>
+              </a:schemeClr>
+            </a:lnRef>
+            <a:fillRef idx="1">
+              <a:schemeClr val="accent1"/>
+            </a:fillRef>
+            <a:effectRef idx="0">
+              <a:schemeClr val="accent1"/>
+            </a:effectRef>
+            <a:fontRef idx="minor">
+              <a:schemeClr val="lt1"/>
+            </a:fontRef>
+          </p:style>
+          <p:txBody>
+            <a:bodyPr rot="0" spcFirstLastPara="0" vertOverflow="overflow" horzOverflow="overflow" vert="horz" wrap="square" lIns="91440" tIns="45720" rIns="91440" bIns="45720" numCol="1" spcCol="0" rtlCol="0" fromWordArt="0" anchor="ctr" anchorCtr="0" forceAA="0" compatLnSpc="1">
+              <a:noAutofit/>
+            </a:bodyPr>
+            <a:lstStyle/>
+            <a:p>
+              <a:pPr algn="ctr"/>
+              <a:endParaRPr lang="zh-CN" altLang="en-US"/>
+            </a:p>
+          </p:txBody>
+        </p:sp>
+        <p:sp>
+          <p:nvSpPr>
+            <p:cNvPr id="32" name="椭圆 31"/>
+            <p:cNvSpPr/>
+            <p:nvPr/>
+          </p:nvSpPr>
+          <p:spPr>
+            <a:xfrm>
+              <a:off x="5074692" y="1009634"/>
+              <a:ext cx="72000" cy="72000"/>
+            </a:xfrm>
+            <a:prstGeom prst="ellipse">
+              <a:avLst/>
+            </a:prstGeom>
+            <a:solidFill>
+              <a:schemeClr val="tx1">
+                <a:lumMod val="65000"/>
+                <a:lumOff val="35000"/>
+              </a:schemeClr>
+            </a:solidFill>
+            <a:ln>
+              <a:noFill/>
+            </a:ln>
+          </p:spPr>
+          <p:style>
+            <a:lnRef idx="2">
+              <a:schemeClr val="accent1">
+                <a:shade val="50000"/>
+              </a:schemeClr>
+            </a:lnRef>
+            <a:fillRef idx="1">
+              <a:schemeClr val="accent1"/>
+            </a:fillRef>
+            <a:effectRef idx="0">
+              <a:schemeClr val="accent1"/>
+            </a:effectRef>
+            <a:fontRef idx="minor">
+              <a:schemeClr val="lt1"/>
+            </a:fontRef>
+          </p:style>
+          <p:txBody>
+            <a:bodyPr rot="0" spcFirstLastPara="0" vertOverflow="overflow" horzOverflow="overflow" vert="horz" wrap="square" lIns="91440" tIns="45720" rIns="91440" bIns="45720" numCol="1" spcCol="0" rtlCol="0" fromWordArt="0" anchor="ctr" anchorCtr="0" forceAA="0" compatLnSpc="1">
+              <a:noAutofit/>
+            </a:bodyPr>
+            <a:lstStyle/>
+            <a:p>
+              <a:pPr algn="ctr"/>
+              <a:endParaRPr lang="zh-CN" altLang="en-US"/>
+            </a:p>
+          </p:txBody>
+        </p:sp>
+      </p:grpSp>
+      <p:sp>
+        <p:nvSpPr>
+          <p:cNvPr id="33" name="矩形 32"/>
+          <p:cNvSpPr/>
+          <p:nvPr/>
+        </p:nvSpPr>
+        <p:spPr>
+          <a:xfrm>
+            <a:off x="1041701" y="4989194"/>
+            <a:ext cx="1569660" cy="369332"/>
+          </a:xfrm>
+          <a:prstGeom prst="rect">
+            <a:avLst/>
+          </a:prstGeom>
+        </p:spPr>
+        <p:txBody>
+          <a:bodyPr wrap="none">
+            <a:spAutoFit/>
+          </a:bodyPr>
+          <a:lstStyle/>
+          <a:p>
+            <a:r>
+              <a:rPr lang="zh-CN" altLang="en-US" dirty="0"/>
+              <a:t>应用神经网络</a:t>
+            </a:r>
           </a:p>
         </p:txBody>
       </p:sp>
       <p:sp>
         <p:nvSpPr>
-          <p:cNvPr id="20" name="矩形 19"/>
+          <p:cNvPr id="34" name="矩形 33"/>
           <p:cNvSpPr/>
           <p:nvPr/>
         </p:nvSpPr>
         <p:spPr>
           <a:xfrm>
-            <a:off x="7169290" y="3013326"/>
-            <a:ext cx="1638300" cy="113341"/>
+            <a:off x="959621" y="5465902"/>
+            <a:ext cx="6550312" cy="345094"/>
           </a:xfrm>
           <a:prstGeom prst="rect">
             <a:avLst/>
           </a:prstGeom>
-          <a:solidFill>
-            <a:srgbClr val="FFFF00"/>
-          </a:solidFill>
-          <a:ln>
-            <a:noFill/>
-          </a:ln>
-        </p:spPr>
-        <p:style>
-          <a:lnRef idx="2">
-            <a:schemeClr val="accent1">
-              <a:shade val="50000"/>
-            </a:schemeClr>
-          </a:lnRef>
-          <a:fillRef idx="1">
-            <a:schemeClr val="accent1"/>
-          </a:fillRef>
-          <a:effectRef idx="0">
-            <a:schemeClr val="accent1"/>
-          </a:effectRef>
-          <a:fontRef idx="minor">
-            <a:schemeClr val="lt1"/>
-          </a:fontRef>
-        </p:style>
+        </p:spPr>
         <p:txBody>
-          <a:bodyPr rot="0" spcFirstLastPara="0" vertOverflow="overflow" horzOverflow="overflow" vert="horz" wrap="square" lIns="91440" tIns="45720" rIns="91440" bIns="45720" numCol="1" spcCol="0" rtlCol="0" fromWordArt="0" anchor="ctr" anchorCtr="0" forceAA="0" compatLnSpc="1">
-            <a:noAutofit/>
+          <a:bodyPr wrap="square">
+            <a:spAutoFit/>
           </a:bodyPr>
           <a:lstStyle/>
           <a:p>
-            <a:pPr algn="ctr"/>
-            <a:endParaRPr lang="zh-CN" altLang="en-US"/>
-          </a:p>
-        </p:txBody>
-      </p:sp>
-      <p:sp>
-        <p:nvSpPr>
-          <p:cNvPr id="21" name="矩形 20"/>
-          <p:cNvSpPr/>
-          <p:nvPr/>
-        </p:nvSpPr>
-        <p:spPr>
-          <a:xfrm>
-            <a:off x="3444542" y="4562726"/>
-            <a:ext cx="1638300" cy="113341"/>
-          </a:xfrm>
-          <a:prstGeom prst="rect">
-            <a:avLst/>
-          </a:prstGeom>
-          <a:solidFill>
-            <a:srgbClr val="92D050"/>
-          </a:solidFill>
-          <a:ln>
-            <a:noFill/>
-          </a:ln>
-        </p:spPr>
-        <p:style>
-          <a:lnRef idx="2">
-            <a:schemeClr val="accent1">
-              <a:shade val="50000"/>
-            </a:schemeClr>
-          </a:lnRef>
-          <a:fillRef idx="1">
-            <a:schemeClr val="accent1"/>
-          </a:fillRef>
-          <a:effectRef idx="0">
-            <a:schemeClr val="accent1"/>
-          </a:effectRef>
-          <a:fontRef idx="minor">
-            <a:schemeClr val="lt1"/>
-          </a:fontRef>
-        </p:style>
-        <p:txBody>
-          <a:bodyPr rot="0" spcFirstLastPara="0" vertOverflow="overflow" horzOverflow="overflow" vert="horz" wrap="square" lIns="91440" tIns="45720" rIns="91440" bIns="45720" numCol="1" spcCol="0" rtlCol="0" fromWordArt="0" anchor="ctr" anchorCtr="0" forceAA="0" compatLnSpc="1">
-            <a:noAutofit/>
-          </a:bodyPr>
-          <a:lstStyle/>
-          <a:p>
-            <a:pPr algn="ctr"/>
-            <a:endParaRPr lang="zh-CN" altLang="en-US"/>
-          </a:p>
-        </p:txBody>
-      </p:sp>
-      <p:sp>
-        <p:nvSpPr>
-          <p:cNvPr id="22" name="矩形 21"/>
-          <p:cNvSpPr/>
-          <p:nvPr/>
-        </p:nvSpPr>
-        <p:spPr>
-          <a:xfrm>
-            <a:off x="5306916" y="4562726"/>
-            <a:ext cx="1638300" cy="113341"/>
-          </a:xfrm>
-          <a:prstGeom prst="rect">
-            <a:avLst/>
-          </a:prstGeom>
-          <a:solidFill>
-            <a:srgbClr val="00B0F0"/>
-          </a:solidFill>
-          <a:ln>
-            <a:noFill/>
-          </a:ln>
-        </p:spPr>
-        <p:style>
-          <a:lnRef idx="2">
-            <a:schemeClr val="accent1">
-              <a:shade val="50000"/>
-            </a:schemeClr>
-          </a:lnRef>
-          <a:fillRef idx="1">
-            <a:schemeClr val="accent1"/>
-          </a:fillRef>
-          <a:effectRef idx="0">
-            <a:schemeClr val="accent1"/>
-          </a:effectRef>
-          <a:fontRef idx="minor">
-            <a:schemeClr val="lt1"/>
-          </a:fontRef>
-        </p:style>
-        <p:txBody>
-          <a:bodyPr rot="0" spcFirstLastPara="0" vertOverflow="overflow" horzOverflow="overflow" vert="horz" wrap="square" lIns="91440" tIns="45720" rIns="91440" bIns="45720" numCol="1" spcCol="0" rtlCol="0" fromWordArt="0" anchor="ctr" anchorCtr="0" forceAA="0" compatLnSpc="1">
-            <a:noAutofit/>
-          </a:bodyPr>
-          <a:lstStyle/>
-          <a:p>
-            <a:pPr algn="ctr"/>
-            <a:endParaRPr lang="zh-CN" altLang="en-US"/>
-          </a:p>
-        </p:txBody>
-      </p:sp>
-      <p:sp>
-        <p:nvSpPr>
-          <p:cNvPr id="23" name="矩形 22"/>
-          <p:cNvSpPr/>
-          <p:nvPr/>
-        </p:nvSpPr>
-        <p:spPr>
-          <a:xfrm>
-            <a:off x="7169290" y="4562726"/>
-            <a:ext cx="1638300" cy="113341"/>
-          </a:xfrm>
-          <a:prstGeom prst="rect">
-            <a:avLst/>
-          </a:prstGeom>
-          <a:solidFill>
-            <a:srgbClr val="002060"/>
-          </a:solidFill>
-          <a:ln>
-            <a:noFill/>
-          </a:ln>
-        </p:spPr>
-        <p:style>
-          <a:lnRef idx="2">
-            <a:schemeClr val="accent1">
-              <a:shade val="50000"/>
-            </a:schemeClr>
-          </a:lnRef>
-          <a:fillRef idx="1">
-            <a:schemeClr val="accent1"/>
-          </a:fillRef>
-          <a:effectRef idx="0">
-            <a:schemeClr val="accent1"/>
-          </a:effectRef>
-          <a:fontRef idx="minor">
-            <a:schemeClr val="lt1"/>
-          </a:fontRef>
-        </p:style>
-        <p:txBody>
-          <a:bodyPr rot="0" spcFirstLastPara="0" vertOverflow="overflow" horzOverflow="overflow" vert="horz" wrap="square" lIns="91440" tIns="45720" rIns="91440" bIns="45720" numCol="1" spcCol="0" rtlCol="0" fromWordArt="0" anchor="ctr" anchorCtr="0" forceAA="0" compatLnSpc="1">
-            <a:noAutofit/>
-          </a:bodyPr>
-          <a:lstStyle/>
-          <a:p>
-            <a:pPr algn="ctr"/>
-            <a:endParaRPr lang="zh-CN" altLang="en-US"/>
+            <a:pPr>
+              <a:lnSpc>
+                <a:spcPct val="130000"/>
+              </a:lnSpc>
+            </a:pPr>
+            <a:r>
+              <a:rPr lang="en-US" altLang="zh-CN" sz="1400" dirty="0">
+                <a:solidFill>
+                  <a:schemeClr val="bg1">
+                    <a:lumMod val="50000"/>
+                  </a:schemeClr>
+                </a:solidFill>
+                <a:latin typeface="微软雅黑" panose="020B0503020204020204" charset="-122"/>
+                <a:ea typeface="微软雅黑" panose="020B0503020204020204" charset="-122"/>
+              </a:rPr>
+              <a:t>MNIST</a:t>
+            </a:r>
+            <a:r>
+              <a:rPr lang="zh-CN" altLang="en-US" sz="1400" dirty="0">
+                <a:solidFill>
+                  <a:schemeClr val="bg1">
+                    <a:lumMod val="50000"/>
+                  </a:schemeClr>
+                </a:solidFill>
+                <a:latin typeface="微软雅黑" panose="020B0503020204020204" charset="-122"/>
+                <a:ea typeface="微软雅黑" panose="020B0503020204020204" charset="-122"/>
+              </a:rPr>
+              <a:t>数字分类，</a:t>
+            </a:r>
+            <a:r>
+              <a:rPr lang="en-US" altLang="zh-CN" sz="1400" dirty="0">
+                <a:solidFill>
+                  <a:schemeClr val="bg1">
+                    <a:lumMod val="50000"/>
+                  </a:schemeClr>
+                </a:solidFill>
+                <a:latin typeface="微软雅黑" panose="020B0503020204020204" charset="-122"/>
+                <a:ea typeface="微软雅黑" panose="020B0503020204020204" charset="-122"/>
+              </a:rPr>
+              <a:t>python</a:t>
+            </a:r>
+            <a:r>
+              <a:rPr lang="zh-CN" altLang="en-US" sz="1400" dirty="0">
+                <a:solidFill>
+                  <a:schemeClr val="bg1">
+                    <a:lumMod val="50000"/>
+                  </a:schemeClr>
+                </a:solidFill>
+                <a:latin typeface="微软雅黑" panose="020B0503020204020204" charset="-122"/>
+                <a:ea typeface="微软雅黑" panose="020B0503020204020204" charset="-122"/>
+              </a:rPr>
+              <a:t>（</a:t>
+            </a:r>
+            <a:r>
+              <a:rPr lang="en-US" altLang="zh-CN" sz="1400" dirty="0" err="1">
+                <a:solidFill>
+                  <a:schemeClr val="bg1">
+                    <a:lumMod val="50000"/>
+                  </a:schemeClr>
+                </a:solidFill>
+                <a:latin typeface="微软雅黑" panose="020B0503020204020204" charset="-122"/>
+                <a:ea typeface="微软雅黑" panose="020B0503020204020204" charset="-122"/>
+              </a:rPr>
+              <a:t>tensorflow</a:t>
+            </a:r>
+            <a:r>
+              <a:rPr lang="zh-CN" altLang="en-US" sz="1400" dirty="0">
+                <a:solidFill>
+                  <a:schemeClr val="bg1">
+                    <a:lumMod val="50000"/>
+                  </a:schemeClr>
+                </a:solidFill>
+                <a:latin typeface="微软雅黑" panose="020B0503020204020204" charset="-122"/>
+                <a:ea typeface="微软雅黑" panose="020B0503020204020204" charset="-122"/>
+              </a:rPr>
+              <a:t>，</a:t>
+            </a:r>
+            <a:r>
+              <a:rPr lang="en-US" altLang="zh-CN" sz="1400" dirty="0" err="1">
+                <a:solidFill>
+                  <a:schemeClr val="bg1">
+                    <a:lumMod val="50000"/>
+                  </a:schemeClr>
+                </a:solidFill>
+                <a:latin typeface="微软雅黑" panose="020B0503020204020204" charset="-122"/>
+                <a:ea typeface="微软雅黑" panose="020B0503020204020204" charset="-122"/>
+              </a:rPr>
+              <a:t>keras</a:t>
+            </a:r>
+            <a:r>
+              <a:rPr lang="zh-CN" altLang="en-US" sz="1400" dirty="0">
+                <a:solidFill>
+                  <a:schemeClr val="bg1">
+                    <a:lumMod val="50000"/>
+                  </a:schemeClr>
+                </a:solidFill>
+                <a:latin typeface="微软雅黑" panose="020B0503020204020204" charset="-122"/>
+                <a:ea typeface="微软雅黑" panose="020B0503020204020204" charset="-122"/>
+              </a:rPr>
+              <a:t>，</a:t>
+            </a:r>
+            <a:r>
+              <a:rPr lang="en-US" altLang="zh-CN" sz="1400" dirty="0" err="1">
+                <a:solidFill>
+                  <a:schemeClr val="bg1">
+                    <a:lumMod val="50000"/>
+                  </a:schemeClr>
+                </a:solidFill>
+                <a:latin typeface="微软雅黑" panose="020B0503020204020204" charset="-122"/>
+                <a:ea typeface="微软雅黑" panose="020B0503020204020204" charset="-122"/>
+              </a:rPr>
+              <a:t>pytorch</a:t>
+            </a:r>
+            <a:r>
+              <a:rPr lang="zh-CN" altLang="en-US" sz="1400" dirty="0">
+                <a:solidFill>
+                  <a:schemeClr val="bg1">
+                    <a:lumMod val="50000"/>
+                  </a:schemeClr>
+                </a:solidFill>
+                <a:latin typeface="微软雅黑" panose="020B0503020204020204" charset="-122"/>
+                <a:ea typeface="微软雅黑" panose="020B0503020204020204" charset="-122"/>
+              </a:rPr>
+              <a:t>）实现</a:t>
+            </a:r>
           </a:p>
         </p:txBody>
       </p:sp>
@@ -32170,7 +37489,880 @@
 </p:sld>
 </file>
 
-<file path=ppt/slides/slide32.xml><?xml version="1.0" encoding="utf-8"?>
+<file path=ppt/slides/slide40.xml><?xml version="1.0" encoding="utf-8"?>
+<p:sld xmlns:a="http://schemas.openxmlformats.org/drawingml/2006/main" xmlns:r="http://schemas.openxmlformats.org/officeDocument/2006/relationships" xmlns:p="http://schemas.openxmlformats.org/presentationml/2006/main">
+  <p:cSld>
+    <p:spTree>
+      <p:nvGrpSpPr>
+        <p:cNvPr id="1" name=""/>
+        <p:cNvGrpSpPr/>
+        <p:nvPr/>
+      </p:nvGrpSpPr>
+      <p:grpSpPr>
+        <a:xfrm>
+          <a:off x="0" y="0"/>
+          <a:ext cx="0" cy="0"/>
+          <a:chOff x="0" y="0"/>
+          <a:chExt cx="0" cy="0"/>
+        </a:xfrm>
+      </p:grpSpPr>
+      <p:sp>
+        <p:nvSpPr>
+          <p:cNvPr id="2" name="矩形 1"/>
+          <p:cNvSpPr/>
+          <p:nvPr/>
+        </p:nvSpPr>
+        <p:spPr>
+          <a:xfrm>
+            <a:off x="0" y="60523"/>
+            <a:ext cx="1924181" cy="307777"/>
+          </a:xfrm>
+          <a:prstGeom prst="rect">
+            <a:avLst/>
+          </a:prstGeom>
+        </p:spPr>
+        <p:txBody>
+          <a:bodyPr wrap="none">
+            <a:spAutoFit/>
+          </a:bodyPr>
+          <a:lstStyle/>
+          <a:p>
+            <a:r>
+              <a:rPr lang="en-US" altLang="zh-CN" sz="1400" b="1" dirty="0"/>
+              <a:t>PART FOUR </a:t>
+            </a:r>
+            <a:r>
+              <a:rPr lang="zh-CN" altLang="en-US" sz="1400" b="1" dirty="0"/>
+              <a:t>添加标题</a:t>
+            </a:r>
+          </a:p>
+        </p:txBody>
+      </p:sp>
+      <p:sp>
+        <p:nvSpPr>
+          <p:cNvPr id="3" name="椭圆 2"/>
+          <p:cNvSpPr/>
+          <p:nvPr/>
+        </p:nvSpPr>
+        <p:spPr>
+          <a:xfrm>
+            <a:off x="1886619" y="157740"/>
+            <a:ext cx="130917" cy="113341"/>
+          </a:xfrm>
+          <a:prstGeom prst="ellipse">
+            <a:avLst/>
+          </a:prstGeom>
+          <a:solidFill>
+            <a:srgbClr val="92D050"/>
+          </a:solidFill>
+          <a:ln>
+            <a:noFill/>
+          </a:ln>
+        </p:spPr>
+        <p:style>
+          <a:lnRef idx="2">
+            <a:schemeClr val="accent1">
+              <a:shade val="50000"/>
+            </a:schemeClr>
+          </a:lnRef>
+          <a:fillRef idx="1">
+            <a:schemeClr val="accent1"/>
+          </a:fillRef>
+          <a:effectRef idx="0">
+            <a:schemeClr val="accent1"/>
+          </a:effectRef>
+          <a:fontRef idx="minor">
+            <a:schemeClr val="lt1"/>
+          </a:fontRef>
+        </p:style>
+        <p:txBody>
+          <a:bodyPr rot="0" spcFirstLastPara="0" vertOverflow="overflow" horzOverflow="overflow" vert="horz" wrap="square" lIns="91440" tIns="45720" rIns="91440" bIns="45720" numCol="1" spcCol="0" rtlCol="0" fromWordArt="0" anchor="ctr" anchorCtr="0" forceAA="0" compatLnSpc="1">
+            <a:noAutofit/>
+          </a:bodyPr>
+          <a:lstStyle/>
+          <a:p>
+            <a:pPr algn="ctr"/>
+            <a:endParaRPr lang="zh-CN" altLang="en-US" sz="4400"/>
+          </a:p>
+        </p:txBody>
+      </p:sp>
+      <p:sp>
+        <p:nvSpPr>
+          <p:cNvPr id="6" name="文本框 5"/>
+          <p:cNvSpPr txBox="1"/>
+          <p:nvPr/>
+        </p:nvSpPr>
+        <p:spPr>
+          <a:xfrm>
+            <a:off x="3513079" y="2538042"/>
+            <a:ext cx="1461198" cy="414665"/>
+          </a:xfrm>
+          <a:prstGeom prst="rect">
+            <a:avLst/>
+          </a:prstGeom>
+          <a:noFill/>
+        </p:spPr>
+        <p:txBody>
+          <a:bodyPr wrap="square" rtlCol="0">
+            <a:spAutoFit/>
+          </a:bodyPr>
+          <a:lstStyle/>
+          <a:p>
+            <a:pPr algn="ctr" defTabSz="608965">
+              <a:lnSpc>
+                <a:spcPct val="130000"/>
+              </a:lnSpc>
+            </a:pPr>
+            <a:r>
+              <a:rPr lang="en-US" altLang="zh-CN" dirty="0">
+                <a:latin typeface="+mj-lt"/>
+                <a:ea typeface="微软雅黑" panose="020B0503020204020204" charset="-122"/>
+              </a:rPr>
+              <a:t>ONE</a:t>
+            </a:r>
+            <a:endParaRPr lang="zh-CN" altLang="en-US" dirty="0">
+              <a:latin typeface="+mj-lt"/>
+              <a:ea typeface="微软雅黑" panose="020B0503020204020204" charset="-122"/>
+            </a:endParaRPr>
+          </a:p>
+        </p:txBody>
+      </p:sp>
+      <p:sp>
+        <p:nvSpPr>
+          <p:cNvPr id="7" name="文本框 6"/>
+          <p:cNvSpPr txBox="1"/>
+          <p:nvPr/>
+        </p:nvSpPr>
+        <p:spPr>
+          <a:xfrm>
+            <a:off x="5271623" y="2538042"/>
+            <a:ext cx="1587032" cy="414665"/>
+          </a:xfrm>
+          <a:prstGeom prst="rect">
+            <a:avLst/>
+          </a:prstGeom>
+          <a:noFill/>
+        </p:spPr>
+        <p:txBody>
+          <a:bodyPr wrap="square" rtlCol="0">
+            <a:spAutoFit/>
+          </a:bodyPr>
+          <a:lstStyle/>
+          <a:p>
+            <a:pPr algn="ctr" defTabSz="608965">
+              <a:lnSpc>
+                <a:spcPct val="130000"/>
+              </a:lnSpc>
+            </a:pPr>
+            <a:r>
+              <a:rPr lang="en-US" altLang="zh-CN" dirty="0">
+                <a:latin typeface="+mj-lt"/>
+                <a:ea typeface="微软雅黑" panose="020B0503020204020204" charset="-122"/>
+              </a:rPr>
+              <a:t>TWO</a:t>
+            </a:r>
+            <a:endParaRPr lang="zh-CN" altLang="en-US" dirty="0">
+              <a:latin typeface="+mj-lt"/>
+              <a:ea typeface="微软雅黑" panose="020B0503020204020204" charset="-122"/>
+            </a:endParaRPr>
+          </a:p>
+        </p:txBody>
+      </p:sp>
+      <p:sp>
+        <p:nvSpPr>
+          <p:cNvPr id="8" name="文本框 7"/>
+          <p:cNvSpPr txBox="1"/>
+          <p:nvPr/>
+        </p:nvSpPr>
+        <p:spPr>
+          <a:xfrm>
+            <a:off x="7095429" y="2538042"/>
+            <a:ext cx="1712161" cy="414665"/>
+          </a:xfrm>
+          <a:prstGeom prst="rect">
+            <a:avLst/>
+          </a:prstGeom>
+          <a:noFill/>
+        </p:spPr>
+        <p:txBody>
+          <a:bodyPr wrap="square" rtlCol="0">
+            <a:spAutoFit/>
+          </a:bodyPr>
+          <a:lstStyle/>
+          <a:p>
+            <a:pPr algn="ctr" defTabSz="608965">
+              <a:lnSpc>
+                <a:spcPct val="130000"/>
+              </a:lnSpc>
+            </a:pPr>
+            <a:r>
+              <a:rPr lang="en-US" altLang="zh-CN" dirty="0">
+                <a:latin typeface="+mj-lt"/>
+                <a:ea typeface="微软雅黑" panose="020B0503020204020204" charset="-122"/>
+              </a:rPr>
+              <a:t>THREE</a:t>
+            </a:r>
+            <a:endParaRPr lang="zh-CN" altLang="en-US" dirty="0">
+              <a:latin typeface="+mj-lt"/>
+              <a:ea typeface="微软雅黑" panose="020B0503020204020204" charset="-122"/>
+            </a:endParaRPr>
+          </a:p>
+        </p:txBody>
+      </p:sp>
+      <p:sp>
+        <p:nvSpPr>
+          <p:cNvPr id="9" name="文本框 8"/>
+          <p:cNvSpPr txBox="1"/>
+          <p:nvPr/>
+        </p:nvSpPr>
+        <p:spPr>
+          <a:xfrm>
+            <a:off x="3542385" y="4087442"/>
+            <a:ext cx="1405108" cy="414665"/>
+          </a:xfrm>
+          <a:prstGeom prst="rect">
+            <a:avLst/>
+          </a:prstGeom>
+          <a:noFill/>
+        </p:spPr>
+        <p:txBody>
+          <a:bodyPr wrap="square" rtlCol="0">
+            <a:spAutoFit/>
+          </a:bodyPr>
+          <a:lstStyle/>
+          <a:p>
+            <a:pPr algn="ctr" defTabSz="608965">
+              <a:lnSpc>
+                <a:spcPct val="130000"/>
+              </a:lnSpc>
+            </a:pPr>
+            <a:r>
+              <a:rPr lang="en-US" altLang="zh-CN" dirty="0">
+                <a:latin typeface="+mj-lt"/>
+                <a:ea typeface="微软雅黑" panose="020B0503020204020204" charset="-122"/>
+              </a:rPr>
+              <a:t>FOUR</a:t>
+            </a:r>
+            <a:endParaRPr kumimoji="1" lang="zh-CN" altLang="en-US" dirty="0">
+              <a:latin typeface="+mj-lt"/>
+              <a:ea typeface="微软雅黑" panose="020B0503020204020204" charset="-122"/>
+            </a:endParaRPr>
+          </a:p>
+        </p:txBody>
+      </p:sp>
+      <p:sp>
+        <p:nvSpPr>
+          <p:cNvPr id="10" name="文本框 9"/>
+          <p:cNvSpPr txBox="1"/>
+          <p:nvPr/>
+        </p:nvSpPr>
+        <p:spPr>
+          <a:xfrm>
+            <a:off x="5461977" y="4087442"/>
+            <a:ext cx="1214679" cy="414665"/>
+          </a:xfrm>
+          <a:prstGeom prst="rect">
+            <a:avLst/>
+          </a:prstGeom>
+          <a:noFill/>
+        </p:spPr>
+        <p:txBody>
+          <a:bodyPr wrap="square" rtlCol="0">
+            <a:spAutoFit/>
+          </a:bodyPr>
+          <a:lstStyle/>
+          <a:p>
+            <a:pPr algn="ctr" defTabSz="608965">
+              <a:lnSpc>
+                <a:spcPct val="130000"/>
+              </a:lnSpc>
+            </a:pPr>
+            <a:r>
+              <a:rPr lang="en-US" altLang="zh-CN" dirty="0">
+                <a:latin typeface="+mj-lt"/>
+                <a:ea typeface="微软雅黑" panose="020B0503020204020204" charset="-122"/>
+              </a:rPr>
+              <a:t>FIVE</a:t>
+            </a:r>
+            <a:endParaRPr kumimoji="1" lang="zh-CN" altLang="en-US" dirty="0">
+              <a:latin typeface="+mj-lt"/>
+              <a:ea typeface="微软雅黑" panose="020B0503020204020204" charset="-122"/>
+            </a:endParaRPr>
+          </a:p>
+        </p:txBody>
+      </p:sp>
+      <p:sp>
+        <p:nvSpPr>
+          <p:cNvPr id="11" name="文本框 10"/>
+          <p:cNvSpPr txBox="1"/>
+          <p:nvPr/>
+        </p:nvSpPr>
+        <p:spPr>
+          <a:xfrm>
+            <a:off x="7324351" y="4087442"/>
+            <a:ext cx="1221273" cy="414665"/>
+          </a:xfrm>
+          <a:prstGeom prst="rect">
+            <a:avLst/>
+          </a:prstGeom>
+          <a:noFill/>
+        </p:spPr>
+        <p:txBody>
+          <a:bodyPr wrap="square" rtlCol="0">
+            <a:spAutoFit/>
+          </a:bodyPr>
+          <a:lstStyle/>
+          <a:p>
+            <a:pPr algn="ctr" defTabSz="608965">
+              <a:lnSpc>
+                <a:spcPct val="130000"/>
+              </a:lnSpc>
+            </a:pPr>
+            <a:r>
+              <a:rPr lang="en-US" altLang="zh-CN" dirty="0">
+                <a:latin typeface="+mj-lt"/>
+                <a:ea typeface="微软雅黑" panose="020B0503020204020204" charset="-122"/>
+              </a:rPr>
+              <a:t>SIX</a:t>
+            </a:r>
+            <a:endParaRPr kumimoji="1" lang="zh-CN" altLang="en-US" dirty="0">
+              <a:latin typeface="+mj-lt"/>
+              <a:ea typeface="微软雅黑" panose="020B0503020204020204" charset="-122"/>
+            </a:endParaRPr>
+          </a:p>
+        </p:txBody>
+      </p:sp>
+      <p:sp>
+        <p:nvSpPr>
+          <p:cNvPr id="12" name="文本框 11"/>
+          <p:cNvSpPr txBox="1"/>
+          <p:nvPr/>
+        </p:nvSpPr>
+        <p:spPr>
+          <a:xfrm>
+            <a:off x="3386829" y="2073285"/>
+            <a:ext cx="1751798" cy="597087"/>
+          </a:xfrm>
+          <a:prstGeom prst="rect">
+            <a:avLst/>
+          </a:prstGeom>
+          <a:noFill/>
+        </p:spPr>
+        <p:txBody>
+          <a:bodyPr wrap="square" rtlCol="0">
+            <a:spAutoFit/>
+          </a:bodyPr>
+          <a:lstStyle/>
+          <a:p>
+            <a:pPr algn="ctr" defTabSz="608965">
+              <a:lnSpc>
+                <a:spcPct val="130000"/>
+              </a:lnSpc>
+            </a:pPr>
+            <a:r>
+              <a:rPr lang="zh-CN" altLang="en-US" sz="2800" b="1" dirty="0">
+                <a:latin typeface="+mj-lt"/>
+                <a:ea typeface="微软雅黑" panose="020B0503020204020204" charset="-122"/>
+              </a:rPr>
+              <a:t>输入标题</a:t>
+            </a:r>
+          </a:p>
+        </p:txBody>
+      </p:sp>
+      <p:sp>
+        <p:nvSpPr>
+          <p:cNvPr id="13" name="文本框 12"/>
+          <p:cNvSpPr txBox="1"/>
+          <p:nvPr/>
+        </p:nvSpPr>
+        <p:spPr>
+          <a:xfrm>
+            <a:off x="5186276" y="2073285"/>
+            <a:ext cx="1751798" cy="597087"/>
+          </a:xfrm>
+          <a:prstGeom prst="rect">
+            <a:avLst/>
+          </a:prstGeom>
+          <a:noFill/>
+        </p:spPr>
+        <p:txBody>
+          <a:bodyPr wrap="square" rtlCol="0">
+            <a:spAutoFit/>
+          </a:bodyPr>
+          <a:lstStyle/>
+          <a:p>
+            <a:pPr algn="ctr" defTabSz="608965">
+              <a:lnSpc>
+                <a:spcPct val="130000"/>
+              </a:lnSpc>
+            </a:pPr>
+            <a:r>
+              <a:rPr lang="zh-CN" altLang="en-US" sz="2800" b="1" dirty="0">
+                <a:latin typeface="+mj-lt"/>
+                <a:ea typeface="微软雅黑" panose="020B0503020204020204" charset="-122"/>
+              </a:rPr>
+              <a:t>输入标题</a:t>
+            </a:r>
+          </a:p>
+        </p:txBody>
+      </p:sp>
+      <p:sp>
+        <p:nvSpPr>
+          <p:cNvPr id="14" name="文本框 13"/>
+          <p:cNvSpPr txBox="1"/>
+          <p:nvPr/>
+        </p:nvSpPr>
+        <p:spPr>
+          <a:xfrm>
+            <a:off x="7090120" y="2073285"/>
+            <a:ext cx="1751798" cy="597087"/>
+          </a:xfrm>
+          <a:prstGeom prst="rect">
+            <a:avLst/>
+          </a:prstGeom>
+          <a:noFill/>
+        </p:spPr>
+        <p:txBody>
+          <a:bodyPr wrap="square" rtlCol="0">
+            <a:spAutoFit/>
+          </a:bodyPr>
+          <a:lstStyle/>
+          <a:p>
+            <a:pPr algn="ctr" defTabSz="608965">
+              <a:lnSpc>
+                <a:spcPct val="130000"/>
+              </a:lnSpc>
+            </a:pPr>
+            <a:r>
+              <a:rPr lang="zh-CN" altLang="en-US" sz="2800" b="1" dirty="0">
+                <a:latin typeface="+mj-lt"/>
+                <a:ea typeface="微软雅黑" panose="020B0503020204020204" charset="-122"/>
+              </a:rPr>
+              <a:t>输入标题</a:t>
+            </a:r>
+          </a:p>
+        </p:txBody>
+      </p:sp>
+      <p:sp>
+        <p:nvSpPr>
+          <p:cNvPr id="15" name="文本框 14"/>
+          <p:cNvSpPr txBox="1"/>
+          <p:nvPr/>
+        </p:nvSpPr>
+        <p:spPr>
+          <a:xfrm>
+            <a:off x="3350094" y="3622685"/>
+            <a:ext cx="1751798" cy="597087"/>
+          </a:xfrm>
+          <a:prstGeom prst="rect">
+            <a:avLst/>
+          </a:prstGeom>
+          <a:noFill/>
+        </p:spPr>
+        <p:txBody>
+          <a:bodyPr wrap="square" rtlCol="0">
+            <a:spAutoFit/>
+          </a:bodyPr>
+          <a:lstStyle/>
+          <a:p>
+            <a:pPr algn="ctr" defTabSz="608965">
+              <a:lnSpc>
+                <a:spcPct val="130000"/>
+              </a:lnSpc>
+            </a:pPr>
+            <a:r>
+              <a:rPr lang="zh-CN" altLang="en-US" sz="2800" b="1" dirty="0">
+                <a:latin typeface="+mj-lt"/>
+                <a:ea typeface="微软雅黑" panose="020B0503020204020204" charset="-122"/>
+              </a:rPr>
+              <a:t>输入标题</a:t>
+            </a:r>
+          </a:p>
+        </p:txBody>
+      </p:sp>
+      <p:sp>
+        <p:nvSpPr>
+          <p:cNvPr id="16" name="文本框 15"/>
+          <p:cNvSpPr txBox="1"/>
+          <p:nvPr/>
+        </p:nvSpPr>
+        <p:spPr>
+          <a:xfrm>
+            <a:off x="5212468" y="3622685"/>
+            <a:ext cx="1751798" cy="597087"/>
+          </a:xfrm>
+          <a:prstGeom prst="rect">
+            <a:avLst/>
+          </a:prstGeom>
+          <a:noFill/>
+        </p:spPr>
+        <p:txBody>
+          <a:bodyPr wrap="square" rtlCol="0">
+            <a:spAutoFit/>
+          </a:bodyPr>
+          <a:lstStyle/>
+          <a:p>
+            <a:pPr algn="ctr" defTabSz="608965">
+              <a:lnSpc>
+                <a:spcPct val="130000"/>
+              </a:lnSpc>
+            </a:pPr>
+            <a:r>
+              <a:rPr lang="zh-CN" altLang="en-US" sz="2800" b="1" dirty="0">
+                <a:latin typeface="+mj-lt"/>
+                <a:ea typeface="微软雅黑" panose="020B0503020204020204" charset="-122"/>
+              </a:rPr>
+              <a:t>输入标题</a:t>
+            </a:r>
+          </a:p>
+        </p:txBody>
+      </p:sp>
+      <p:sp>
+        <p:nvSpPr>
+          <p:cNvPr id="17" name="文本框 16"/>
+          <p:cNvSpPr txBox="1"/>
+          <p:nvPr/>
+        </p:nvSpPr>
+        <p:spPr>
+          <a:xfrm>
+            <a:off x="7074842" y="3622685"/>
+            <a:ext cx="1751798" cy="597087"/>
+          </a:xfrm>
+          <a:prstGeom prst="rect">
+            <a:avLst/>
+          </a:prstGeom>
+          <a:noFill/>
+        </p:spPr>
+        <p:txBody>
+          <a:bodyPr wrap="square" rtlCol="0">
+            <a:spAutoFit/>
+          </a:bodyPr>
+          <a:lstStyle/>
+          <a:p>
+            <a:pPr algn="ctr" defTabSz="608965">
+              <a:lnSpc>
+                <a:spcPct val="130000"/>
+              </a:lnSpc>
+            </a:pPr>
+            <a:r>
+              <a:rPr lang="zh-CN" altLang="en-US" sz="2800" b="1" dirty="0">
+                <a:latin typeface="+mj-lt"/>
+                <a:ea typeface="微软雅黑" panose="020B0503020204020204" charset="-122"/>
+              </a:rPr>
+              <a:t>输入标题</a:t>
+            </a:r>
+          </a:p>
+        </p:txBody>
+      </p:sp>
+      <p:sp>
+        <p:nvSpPr>
+          <p:cNvPr id="18" name="矩形 17"/>
+          <p:cNvSpPr/>
+          <p:nvPr/>
+        </p:nvSpPr>
+        <p:spPr>
+          <a:xfrm>
+            <a:off x="3448190" y="3013326"/>
+            <a:ext cx="1638300" cy="113341"/>
+          </a:xfrm>
+          <a:prstGeom prst="rect">
+            <a:avLst/>
+          </a:prstGeom>
+          <a:solidFill>
+            <a:srgbClr val="FF0000"/>
+          </a:solidFill>
+          <a:ln>
+            <a:noFill/>
+          </a:ln>
+        </p:spPr>
+        <p:style>
+          <a:lnRef idx="2">
+            <a:schemeClr val="accent1">
+              <a:shade val="50000"/>
+            </a:schemeClr>
+          </a:lnRef>
+          <a:fillRef idx="1">
+            <a:schemeClr val="accent1"/>
+          </a:fillRef>
+          <a:effectRef idx="0">
+            <a:schemeClr val="accent1"/>
+          </a:effectRef>
+          <a:fontRef idx="minor">
+            <a:schemeClr val="lt1"/>
+          </a:fontRef>
+        </p:style>
+        <p:txBody>
+          <a:bodyPr rot="0" spcFirstLastPara="0" vertOverflow="overflow" horzOverflow="overflow" vert="horz" wrap="square" lIns="91440" tIns="45720" rIns="91440" bIns="45720" numCol="1" spcCol="0" rtlCol="0" fromWordArt="0" anchor="ctr" anchorCtr="0" forceAA="0" compatLnSpc="1">
+            <a:noAutofit/>
+          </a:bodyPr>
+          <a:lstStyle/>
+          <a:p>
+            <a:pPr algn="ctr"/>
+            <a:endParaRPr lang="zh-CN" altLang="en-US"/>
+          </a:p>
+        </p:txBody>
+      </p:sp>
+      <p:sp>
+        <p:nvSpPr>
+          <p:cNvPr id="19" name="矩形 18"/>
+          <p:cNvSpPr/>
+          <p:nvPr/>
+        </p:nvSpPr>
+        <p:spPr>
+          <a:xfrm>
+            <a:off x="5308740" y="3013326"/>
+            <a:ext cx="1638300" cy="113341"/>
+          </a:xfrm>
+          <a:prstGeom prst="rect">
+            <a:avLst/>
+          </a:prstGeom>
+          <a:solidFill>
+            <a:srgbClr val="FFC000"/>
+          </a:solidFill>
+          <a:ln>
+            <a:noFill/>
+          </a:ln>
+        </p:spPr>
+        <p:style>
+          <a:lnRef idx="2">
+            <a:schemeClr val="accent1">
+              <a:shade val="50000"/>
+            </a:schemeClr>
+          </a:lnRef>
+          <a:fillRef idx="1">
+            <a:schemeClr val="accent1"/>
+          </a:fillRef>
+          <a:effectRef idx="0">
+            <a:schemeClr val="accent1"/>
+          </a:effectRef>
+          <a:fontRef idx="minor">
+            <a:schemeClr val="lt1"/>
+          </a:fontRef>
+        </p:style>
+        <p:txBody>
+          <a:bodyPr rot="0" spcFirstLastPara="0" vertOverflow="overflow" horzOverflow="overflow" vert="horz" wrap="square" lIns="91440" tIns="45720" rIns="91440" bIns="45720" numCol="1" spcCol="0" rtlCol="0" fromWordArt="0" anchor="ctr" anchorCtr="0" forceAA="0" compatLnSpc="1">
+            <a:noAutofit/>
+          </a:bodyPr>
+          <a:lstStyle/>
+          <a:p>
+            <a:pPr algn="ctr"/>
+            <a:endParaRPr lang="zh-CN" altLang="en-US"/>
+          </a:p>
+        </p:txBody>
+      </p:sp>
+      <p:sp>
+        <p:nvSpPr>
+          <p:cNvPr id="20" name="矩形 19"/>
+          <p:cNvSpPr/>
+          <p:nvPr/>
+        </p:nvSpPr>
+        <p:spPr>
+          <a:xfrm>
+            <a:off x="7169290" y="3013326"/>
+            <a:ext cx="1638300" cy="113341"/>
+          </a:xfrm>
+          <a:prstGeom prst="rect">
+            <a:avLst/>
+          </a:prstGeom>
+          <a:solidFill>
+            <a:srgbClr val="FFFF00"/>
+          </a:solidFill>
+          <a:ln>
+            <a:noFill/>
+          </a:ln>
+        </p:spPr>
+        <p:style>
+          <a:lnRef idx="2">
+            <a:schemeClr val="accent1">
+              <a:shade val="50000"/>
+            </a:schemeClr>
+          </a:lnRef>
+          <a:fillRef idx="1">
+            <a:schemeClr val="accent1"/>
+          </a:fillRef>
+          <a:effectRef idx="0">
+            <a:schemeClr val="accent1"/>
+          </a:effectRef>
+          <a:fontRef idx="minor">
+            <a:schemeClr val="lt1"/>
+          </a:fontRef>
+        </p:style>
+        <p:txBody>
+          <a:bodyPr rot="0" spcFirstLastPara="0" vertOverflow="overflow" horzOverflow="overflow" vert="horz" wrap="square" lIns="91440" tIns="45720" rIns="91440" bIns="45720" numCol="1" spcCol="0" rtlCol="0" fromWordArt="0" anchor="ctr" anchorCtr="0" forceAA="0" compatLnSpc="1">
+            <a:noAutofit/>
+          </a:bodyPr>
+          <a:lstStyle/>
+          <a:p>
+            <a:pPr algn="ctr"/>
+            <a:endParaRPr lang="zh-CN" altLang="en-US"/>
+          </a:p>
+        </p:txBody>
+      </p:sp>
+      <p:sp>
+        <p:nvSpPr>
+          <p:cNvPr id="21" name="矩形 20"/>
+          <p:cNvSpPr/>
+          <p:nvPr/>
+        </p:nvSpPr>
+        <p:spPr>
+          <a:xfrm>
+            <a:off x="3444542" y="4562726"/>
+            <a:ext cx="1638300" cy="113341"/>
+          </a:xfrm>
+          <a:prstGeom prst="rect">
+            <a:avLst/>
+          </a:prstGeom>
+          <a:solidFill>
+            <a:srgbClr val="92D050"/>
+          </a:solidFill>
+          <a:ln>
+            <a:noFill/>
+          </a:ln>
+        </p:spPr>
+        <p:style>
+          <a:lnRef idx="2">
+            <a:schemeClr val="accent1">
+              <a:shade val="50000"/>
+            </a:schemeClr>
+          </a:lnRef>
+          <a:fillRef idx="1">
+            <a:schemeClr val="accent1"/>
+          </a:fillRef>
+          <a:effectRef idx="0">
+            <a:schemeClr val="accent1"/>
+          </a:effectRef>
+          <a:fontRef idx="minor">
+            <a:schemeClr val="lt1"/>
+          </a:fontRef>
+        </p:style>
+        <p:txBody>
+          <a:bodyPr rot="0" spcFirstLastPara="0" vertOverflow="overflow" horzOverflow="overflow" vert="horz" wrap="square" lIns="91440" tIns="45720" rIns="91440" bIns="45720" numCol="1" spcCol="0" rtlCol="0" fromWordArt="0" anchor="ctr" anchorCtr="0" forceAA="0" compatLnSpc="1">
+            <a:noAutofit/>
+          </a:bodyPr>
+          <a:lstStyle/>
+          <a:p>
+            <a:pPr algn="ctr"/>
+            <a:endParaRPr lang="zh-CN" altLang="en-US"/>
+          </a:p>
+        </p:txBody>
+      </p:sp>
+      <p:sp>
+        <p:nvSpPr>
+          <p:cNvPr id="22" name="矩形 21"/>
+          <p:cNvSpPr/>
+          <p:nvPr/>
+        </p:nvSpPr>
+        <p:spPr>
+          <a:xfrm>
+            <a:off x="5306916" y="4562726"/>
+            <a:ext cx="1638300" cy="113341"/>
+          </a:xfrm>
+          <a:prstGeom prst="rect">
+            <a:avLst/>
+          </a:prstGeom>
+          <a:solidFill>
+            <a:srgbClr val="00B0F0"/>
+          </a:solidFill>
+          <a:ln>
+            <a:noFill/>
+          </a:ln>
+        </p:spPr>
+        <p:style>
+          <a:lnRef idx="2">
+            <a:schemeClr val="accent1">
+              <a:shade val="50000"/>
+            </a:schemeClr>
+          </a:lnRef>
+          <a:fillRef idx="1">
+            <a:schemeClr val="accent1"/>
+          </a:fillRef>
+          <a:effectRef idx="0">
+            <a:schemeClr val="accent1"/>
+          </a:effectRef>
+          <a:fontRef idx="minor">
+            <a:schemeClr val="lt1"/>
+          </a:fontRef>
+        </p:style>
+        <p:txBody>
+          <a:bodyPr rot="0" spcFirstLastPara="0" vertOverflow="overflow" horzOverflow="overflow" vert="horz" wrap="square" lIns="91440" tIns="45720" rIns="91440" bIns="45720" numCol="1" spcCol="0" rtlCol="0" fromWordArt="0" anchor="ctr" anchorCtr="0" forceAA="0" compatLnSpc="1">
+            <a:noAutofit/>
+          </a:bodyPr>
+          <a:lstStyle/>
+          <a:p>
+            <a:pPr algn="ctr"/>
+            <a:endParaRPr lang="zh-CN" altLang="en-US"/>
+          </a:p>
+        </p:txBody>
+      </p:sp>
+      <p:sp>
+        <p:nvSpPr>
+          <p:cNvPr id="23" name="矩形 22"/>
+          <p:cNvSpPr/>
+          <p:nvPr/>
+        </p:nvSpPr>
+        <p:spPr>
+          <a:xfrm>
+            <a:off x="7169290" y="4562726"/>
+            <a:ext cx="1638300" cy="113341"/>
+          </a:xfrm>
+          <a:prstGeom prst="rect">
+            <a:avLst/>
+          </a:prstGeom>
+          <a:solidFill>
+            <a:srgbClr val="002060"/>
+          </a:solidFill>
+          <a:ln>
+            <a:noFill/>
+          </a:ln>
+        </p:spPr>
+        <p:style>
+          <a:lnRef idx="2">
+            <a:schemeClr val="accent1">
+              <a:shade val="50000"/>
+            </a:schemeClr>
+          </a:lnRef>
+          <a:fillRef idx="1">
+            <a:schemeClr val="accent1"/>
+          </a:fillRef>
+          <a:effectRef idx="0">
+            <a:schemeClr val="accent1"/>
+          </a:effectRef>
+          <a:fontRef idx="minor">
+            <a:schemeClr val="lt1"/>
+          </a:fontRef>
+        </p:style>
+        <p:txBody>
+          <a:bodyPr rot="0" spcFirstLastPara="0" vertOverflow="overflow" horzOverflow="overflow" vert="horz" wrap="square" lIns="91440" tIns="45720" rIns="91440" bIns="45720" numCol="1" spcCol="0" rtlCol="0" fromWordArt="0" anchor="ctr" anchorCtr="0" forceAA="0" compatLnSpc="1">
+            <a:noAutofit/>
+          </a:bodyPr>
+          <a:lstStyle/>
+          <a:p>
+            <a:pPr algn="ctr"/>
+            <a:endParaRPr lang="zh-CN" altLang="en-US"/>
+          </a:p>
+        </p:txBody>
+      </p:sp>
+    </p:spTree>
+  </p:cSld>
+  <p:clrMapOvr>
+    <a:masterClrMapping/>
+  </p:clrMapOvr>
+  <mc:AlternateContent xmlns:mc="http://schemas.openxmlformats.org/markup-compatibility/2006" xmlns:p14="http://schemas.microsoft.com/office/powerpoint/2010/main">
+    <mc:Choice Requires="p14">
+      <p:transition spd="med" p14:dur="700">
+        <p:fade/>
+      </p:transition>
+    </mc:Choice>
+    <mc:Fallback xmlns="">
+      <p:transition spd="med">
+        <p:fade/>
+      </p:transition>
+    </mc:Fallback>
+  </mc:AlternateContent>
+</p:sld>
+</file>
+
+<file path=ppt/slides/slide41.xml><?xml version="1.0" encoding="utf-8"?>
 <p:sld xmlns:a="http://schemas.openxmlformats.org/drawingml/2006/main" xmlns:r="http://schemas.openxmlformats.org/officeDocument/2006/relationships" xmlns:p="http://schemas.openxmlformats.org/presentationml/2006/main">
   <p:cSld>
     <p:spTree>
@@ -32356,7 +38548,7 @@
 </p:sld>
 </file>
 
-<file path=ppt/slides/slide33.xml><?xml version="1.0" encoding="utf-8"?>
+<file path=ppt/slides/slide42.xml><?xml version="1.0" encoding="utf-8"?>
 <p:sld xmlns:a="http://schemas.openxmlformats.org/drawingml/2006/main" xmlns:r="http://schemas.openxmlformats.org/officeDocument/2006/relationships" xmlns:p="http://schemas.openxmlformats.org/presentationml/2006/main">
   <p:cSld>
     <p:spTree>
@@ -35970,7 +42162,7 @@
 </p:sld>
 </file>
 
-<file path=ppt/slides/slide34.xml><?xml version="1.0" encoding="utf-8"?>
+<file path=ppt/slides/slide43.xml><?xml version="1.0" encoding="utf-8"?>
 <p:sld xmlns:a="http://schemas.openxmlformats.org/drawingml/2006/main" xmlns:r="http://schemas.openxmlformats.org/officeDocument/2006/relationships" xmlns:p="http://schemas.openxmlformats.org/presentationml/2006/main">
   <p:cSld>
     <p:spTree>
@@ -37744,7 +43936,7 @@
 </p:sld>
 </file>
 
-<file path=ppt/slides/slide35.xml><?xml version="1.0" encoding="utf-8"?>
+<file path=ppt/slides/slide44.xml><?xml version="1.0" encoding="utf-8"?>
 <p:sld xmlns:a="http://schemas.openxmlformats.org/drawingml/2006/main" xmlns:r="http://schemas.openxmlformats.org/officeDocument/2006/relationships" xmlns:p="http://schemas.openxmlformats.org/presentationml/2006/main">
   <p:cSld>
     <p:spTree>
@@ -37930,7 +44122,7 @@
 </p:sld>
 </file>
 
-<file path=ppt/slides/slide36.xml><?xml version="1.0" encoding="utf-8"?>
+<file path=ppt/slides/slide45.xml><?xml version="1.0" encoding="utf-8"?>
 <p:sld xmlns:a="http://schemas.openxmlformats.org/drawingml/2006/main" xmlns:r="http://schemas.openxmlformats.org/officeDocument/2006/relationships" xmlns:p="http://schemas.openxmlformats.org/presentationml/2006/main">
   <p:cSld>
     <p:spTree>
@@ -39258,7 +45450,7 @@
 </p:sld>
 </file>
 
-<file path=ppt/slides/slide37.xml><?xml version="1.0" encoding="utf-8"?>
+<file path=ppt/slides/slide46.xml><?xml version="1.0" encoding="utf-8"?>
 <p:sld xmlns:a="http://schemas.openxmlformats.org/drawingml/2006/main" xmlns:r="http://schemas.openxmlformats.org/officeDocument/2006/relationships" xmlns:p="http://schemas.openxmlformats.org/presentationml/2006/main">
   <p:cSld>
     <p:spTree>
@@ -39949,7 +46141,7 @@
 </p:sld>
 </file>
 
-<file path=ppt/slides/slide38.xml><?xml version="1.0" encoding="utf-8"?>
+<file path=ppt/slides/slide47.xml><?xml version="1.0" encoding="utf-8"?>
 <p:sld xmlns:a="http://schemas.openxmlformats.org/drawingml/2006/main" xmlns:r="http://schemas.openxmlformats.org/officeDocument/2006/relationships" xmlns:p="http://schemas.openxmlformats.org/presentationml/2006/main">
   <p:cSld>
     <p:spTree>
@@ -41210,1245 +47402,6 @@
   <p:clrMapOvr>
     <a:masterClrMapping/>
   </p:clrMapOvr>
-</p:sld>
-</file>
-
-<file path=ppt/slides/slide4.xml><?xml version="1.0" encoding="utf-8"?>
-<p:sld xmlns:a="http://schemas.openxmlformats.org/drawingml/2006/main" xmlns:r="http://schemas.openxmlformats.org/officeDocument/2006/relationships" xmlns:p="http://schemas.openxmlformats.org/presentationml/2006/main">
-  <p:cSld>
-    <p:spTree>
-      <p:nvGrpSpPr>
-        <p:cNvPr id="1" name=""/>
-        <p:cNvGrpSpPr/>
-        <p:nvPr/>
-      </p:nvGrpSpPr>
-      <p:grpSpPr>
-        <a:xfrm>
-          <a:off x="0" y="0"/>
-          <a:ext cx="0" cy="0"/>
-          <a:chOff x="0" y="0"/>
-          <a:chExt cx="0" cy="0"/>
-        </a:xfrm>
-      </p:grpSpPr>
-      <p:sp>
-        <p:nvSpPr>
-          <p:cNvPr id="2" name="矩形 1"/>
-          <p:cNvSpPr/>
-          <p:nvPr/>
-        </p:nvSpPr>
-        <p:spPr>
-          <a:xfrm>
-            <a:off x="0" y="60523"/>
-            <a:ext cx="1692002" cy="307777"/>
-          </a:xfrm>
-          <a:prstGeom prst="rect">
-            <a:avLst/>
-          </a:prstGeom>
-        </p:spPr>
-        <p:txBody>
-          <a:bodyPr wrap="none">
-            <a:spAutoFit/>
-          </a:bodyPr>
-          <a:lstStyle/>
-          <a:p>
-            <a:r>
-              <a:rPr lang="en-US" altLang="zh-CN" sz="1400" b="1" dirty="0"/>
-              <a:t>PART ONE </a:t>
-            </a:r>
-            <a:r>
-              <a:rPr lang="zh-CN" altLang="en-US" sz="1400" b="1" dirty="0"/>
-              <a:t>神经网络</a:t>
-            </a:r>
-          </a:p>
-        </p:txBody>
-      </p:sp>
-      <p:sp>
-        <p:nvSpPr>
-          <p:cNvPr id="3" name="椭圆 2"/>
-          <p:cNvSpPr/>
-          <p:nvPr/>
-        </p:nvSpPr>
-        <p:spPr>
-          <a:xfrm>
-            <a:off x="1757150" y="157740"/>
-            <a:ext cx="130917" cy="113341"/>
-          </a:xfrm>
-          <a:prstGeom prst="ellipse">
-            <a:avLst/>
-          </a:prstGeom>
-          <a:solidFill>
-            <a:srgbClr val="FF0000"/>
-          </a:solidFill>
-          <a:ln>
-            <a:noFill/>
-          </a:ln>
-        </p:spPr>
-        <p:style>
-          <a:lnRef idx="2">
-            <a:schemeClr val="accent1">
-              <a:shade val="50000"/>
-            </a:schemeClr>
-          </a:lnRef>
-          <a:fillRef idx="1">
-            <a:schemeClr val="accent1"/>
-          </a:fillRef>
-          <a:effectRef idx="0">
-            <a:schemeClr val="accent1"/>
-          </a:effectRef>
-          <a:fontRef idx="minor">
-            <a:schemeClr val="lt1"/>
-          </a:fontRef>
-        </p:style>
-        <p:txBody>
-          <a:bodyPr rot="0" spcFirstLastPara="0" vertOverflow="overflow" horzOverflow="overflow" vert="horz" wrap="square" lIns="91440" tIns="45720" rIns="91440" bIns="45720" numCol="1" spcCol="0" rtlCol="0" fromWordArt="0" anchor="ctr" anchorCtr="0" forceAA="0" compatLnSpc="1">
-            <a:noAutofit/>
-          </a:bodyPr>
-          <a:lstStyle/>
-          <a:p>
-            <a:pPr algn="ctr"/>
-            <a:endParaRPr lang="zh-CN" altLang="en-US" sz="4400"/>
-          </a:p>
-        </p:txBody>
-      </p:sp>
-      <p:grpSp>
-        <p:nvGrpSpPr>
-          <p:cNvPr id="13" name="组合 12"/>
-          <p:cNvGrpSpPr/>
-          <p:nvPr/>
-        </p:nvGrpSpPr>
-        <p:grpSpPr>
-          <a:xfrm>
-            <a:off x="910794" y="928946"/>
-            <a:ext cx="2300757" cy="509896"/>
-            <a:chOff x="888096" y="1000203"/>
-            <a:chExt cx="4259825" cy="944066"/>
-          </a:xfrm>
-        </p:grpSpPr>
-        <p:sp>
-          <p:nvSpPr>
-            <p:cNvPr id="5" name="矩形 4"/>
-            <p:cNvSpPr/>
-            <p:nvPr/>
-          </p:nvSpPr>
-          <p:spPr>
-            <a:xfrm>
-              <a:off x="911225" y="1045634"/>
-              <a:ext cx="4199467" cy="872066"/>
-            </a:xfrm>
-            <a:prstGeom prst="rect">
-              <a:avLst/>
-            </a:prstGeom>
-            <a:noFill/>
-            <a:ln>
-              <a:solidFill>
-                <a:schemeClr val="bg1">
-                  <a:lumMod val="75000"/>
-                </a:schemeClr>
-              </a:solidFill>
-            </a:ln>
-          </p:spPr>
-          <p:style>
-            <a:lnRef idx="2">
-              <a:schemeClr val="accent1">
-                <a:shade val="50000"/>
-              </a:schemeClr>
-            </a:lnRef>
-            <a:fillRef idx="1">
-              <a:schemeClr val="accent1"/>
-            </a:fillRef>
-            <a:effectRef idx="0">
-              <a:schemeClr val="accent1"/>
-            </a:effectRef>
-            <a:fontRef idx="minor">
-              <a:schemeClr val="lt1"/>
-            </a:fontRef>
-          </p:style>
-          <p:txBody>
-            <a:bodyPr rot="0" spcFirstLastPara="0" vertOverflow="overflow" horzOverflow="overflow" vert="horz" wrap="square" lIns="91440" tIns="45720" rIns="91440" bIns="45720" numCol="1" spcCol="0" rtlCol="0" fromWordArt="0" anchor="ctr" anchorCtr="0" forceAA="0" compatLnSpc="1">
-              <a:noAutofit/>
-            </a:bodyPr>
-            <a:lstStyle/>
-            <a:p>
-              <a:pPr algn="ctr"/>
-              <a:endParaRPr lang="zh-CN" altLang="en-US"/>
-            </a:p>
-          </p:txBody>
-        </p:sp>
-        <p:sp>
-          <p:nvSpPr>
-            <p:cNvPr id="6" name="椭圆 5"/>
-            <p:cNvSpPr/>
-            <p:nvPr/>
-          </p:nvSpPr>
-          <p:spPr>
-            <a:xfrm>
-              <a:off x="888096" y="1000203"/>
-              <a:ext cx="72000" cy="72000"/>
-            </a:xfrm>
-            <a:prstGeom prst="ellipse">
-              <a:avLst/>
-            </a:prstGeom>
-            <a:solidFill>
-              <a:schemeClr val="tx1">
-                <a:lumMod val="65000"/>
-                <a:lumOff val="35000"/>
-              </a:schemeClr>
-            </a:solidFill>
-            <a:ln>
-              <a:noFill/>
-            </a:ln>
-          </p:spPr>
-          <p:style>
-            <a:lnRef idx="2">
-              <a:schemeClr val="accent1">
-                <a:shade val="50000"/>
-              </a:schemeClr>
-            </a:lnRef>
-            <a:fillRef idx="1">
-              <a:schemeClr val="accent1"/>
-            </a:fillRef>
-            <a:effectRef idx="0">
-              <a:schemeClr val="accent1"/>
-            </a:effectRef>
-            <a:fontRef idx="minor">
-              <a:schemeClr val="lt1"/>
-            </a:fontRef>
-          </p:style>
-          <p:txBody>
-            <a:bodyPr rot="0" spcFirstLastPara="0" vertOverflow="overflow" horzOverflow="overflow" vert="horz" wrap="square" lIns="91440" tIns="45720" rIns="91440" bIns="45720" numCol="1" spcCol="0" rtlCol="0" fromWordArt="0" anchor="ctr" anchorCtr="0" forceAA="0" compatLnSpc="1">
-              <a:noAutofit/>
-            </a:bodyPr>
-            <a:lstStyle/>
-            <a:p>
-              <a:pPr algn="ctr"/>
-              <a:endParaRPr lang="zh-CN" altLang="en-US"/>
-            </a:p>
-          </p:txBody>
-        </p:sp>
-        <p:sp>
-          <p:nvSpPr>
-            <p:cNvPr id="7" name="椭圆 6"/>
-            <p:cNvSpPr/>
-            <p:nvPr/>
-          </p:nvSpPr>
-          <p:spPr>
-            <a:xfrm>
-              <a:off x="888096" y="1872269"/>
-              <a:ext cx="72000" cy="72000"/>
-            </a:xfrm>
-            <a:prstGeom prst="ellipse">
-              <a:avLst/>
-            </a:prstGeom>
-            <a:solidFill>
-              <a:schemeClr val="tx1">
-                <a:lumMod val="65000"/>
-                <a:lumOff val="35000"/>
-              </a:schemeClr>
-            </a:solidFill>
-            <a:ln>
-              <a:noFill/>
-            </a:ln>
-          </p:spPr>
-          <p:style>
-            <a:lnRef idx="2">
-              <a:schemeClr val="accent1">
-                <a:shade val="50000"/>
-              </a:schemeClr>
-            </a:lnRef>
-            <a:fillRef idx="1">
-              <a:schemeClr val="accent1"/>
-            </a:fillRef>
-            <a:effectRef idx="0">
-              <a:schemeClr val="accent1"/>
-            </a:effectRef>
-            <a:fontRef idx="minor">
-              <a:schemeClr val="lt1"/>
-            </a:fontRef>
-          </p:style>
-          <p:txBody>
-            <a:bodyPr rot="0" spcFirstLastPara="0" vertOverflow="overflow" horzOverflow="overflow" vert="horz" wrap="square" lIns="91440" tIns="45720" rIns="91440" bIns="45720" numCol="1" spcCol="0" rtlCol="0" fromWordArt="0" anchor="ctr" anchorCtr="0" forceAA="0" compatLnSpc="1">
-              <a:noAutofit/>
-            </a:bodyPr>
-            <a:lstStyle/>
-            <a:p>
-              <a:pPr algn="ctr"/>
-              <a:endParaRPr lang="zh-CN" altLang="en-US"/>
-            </a:p>
-          </p:txBody>
-        </p:sp>
-        <p:sp>
-          <p:nvSpPr>
-            <p:cNvPr id="8" name="椭圆 7"/>
-            <p:cNvSpPr/>
-            <p:nvPr/>
-          </p:nvSpPr>
-          <p:spPr>
-            <a:xfrm>
-              <a:off x="5075921" y="1872269"/>
-              <a:ext cx="72000" cy="72000"/>
-            </a:xfrm>
-            <a:prstGeom prst="ellipse">
-              <a:avLst/>
-            </a:prstGeom>
-            <a:solidFill>
-              <a:schemeClr val="tx1">
-                <a:lumMod val="65000"/>
-                <a:lumOff val="35000"/>
-              </a:schemeClr>
-            </a:solidFill>
-            <a:ln>
-              <a:noFill/>
-            </a:ln>
-          </p:spPr>
-          <p:style>
-            <a:lnRef idx="2">
-              <a:schemeClr val="accent1">
-                <a:shade val="50000"/>
-              </a:schemeClr>
-            </a:lnRef>
-            <a:fillRef idx="1">
-              <a:schemeClr val="accent1"/>
-            </a:fillRef>
-            <a:effectRef idx="0">
-              <a:schemeClr val="accent1"/>
-            </a:effectRef>
-            <a:fontRef idx="minor">
-              <a:schemeClr val="lt1"/>
-            </a:fontRef>
-          </p:style>
-          <p:txBody>
-            <a:bodyPr rot="0" spcFirstLastPara="0" vertOverflow="overflow" horzOverflow="overflow" vert="horz" wrap="square" lIns="91440" tIns="45720" rIns="91440" bIns="45720" numCol="1" spcCol="0" rtlCol="0" fromWordArt="0" anchor="ctr" anchorCtr="0" forceAA="0" compatLnSpc="1">
-              <a:noAutofit/>
-            </a:bodyPr>
-            <a:lstStyle/>
-            <a:p>
-              <a:pPr algn="ctr"/>
-              <a:endParaRPr lang="zh-CN" altLang="en-US"/>
-            </a:p>
-          </p:txBody>
-        </p:sp>
-        <p:sp>
-          <p:nvSpPr>
-            <p:cNvPr id="9" name="椭圆 8"/>
-            <p:cNvSpPr/>
-            <p:nvPr/>
-          </p:nvSpPr>
-          <p:spPr>
-            <a:xfrm>
-              <a:off x="5074692" y="1009634"/>
-              <a:ext cx="72000" cy="72000"/>
-            </a:xfrm>
-            <a:prstGeom prst="ellipse">
-              <a:avLst/>
-            </a:prstGeom>
-            <a:solidFill>
-              <a:schemeClr val="tx1">
-                <a:lumMod val="65000"/>
-                <a:lumOff val="35000"/>
-              </a:schemeClr>
-            </a:solidFill>
-            <a:ln>
-              <a:noFill/>
-            </a:ln>
-          </p:spPr>
-          <p:style>
-            <a:lnRef idx="2">
-              <a:schemeClr val="accent1">
-                <a:shade val="50000"/>
-              </a:schemeClr>
-            </a:lnRef>
-            <a:fillRef idx="1">
-              <a:schemeClr val="accent1"/>
-            </a:fillRef>
-            <a:effectRef idx="0">
-              <a:schemeClr val="accent1"/>
-            </a:effectRef>
-            <a:fontRef idx="minor">
-              <a:schemeClr val="lt1"/>
-            </a:fontRef>
-          </p:style>
-          <p:txBody>
-            <a:bodyPr rot="0" spcFirstLastPara="0" vertOverflow="overflow" horzOverflow="overflow" vert="horz" wrap="square" lIns="91440" tIns="45720" rIns="91440" bIns="45720" numCol="1" spcCol="0" rtlCol="0" fromWordArt="0" anchor="ctr" anchorCtr="0" forceAA="0" compatLnSpc="1">
-              <a:noAutofit/>
-            </a:bodyPr>
-            <a:lstStyle/>
-            <a:p>
-              <a:pPr algn="ctr"/>
-              <a:endParaRPr lang="zh-CN" altLang="en-US"/>
-            </a:p>
-          </p:txBody>
-        </p:sp>
-      </p:grpSp>
-      <p:sp>
-        <p:nvSpPr>
-          <p:cNvPr id="17" name="矩形 16"/>
-          <p:cNvSpPr/>
-          <p:nvPr/>
-        </p:nvSpPr>
-        <p:spPr>
-          <a:xfrm>
-            <a:off x="1041701" y="1004322"/>
-            <a:ext cx="1569660" cy="369332"/>
-          </a:xfrm>
-          <a:prstGeom prst="rect">
-            <a:avLst/>
-          </a:prstGeom>
-        </p:spPr>
-        <p:txBody>
-          <a:bodyPr wrap="none">
-            <a:spAutoFit/>
-          </a:bodyPr>
-          <a:lstStyle/>
-          <a:p>
-            <a:r>
-              <a:rPr lang="zh-CN" altLang="en-US" dirty="0"/>
-              <a:t>初识神经网络</a:t>
-            </a:r>
-          </a:p>
-        </p:txBody>
-      </p:sp>
-      <p:sp>
-        <p:nvSpPr>
-          <p:cNvPr id="18" name="矩形 17"/>
-          <p:cNvSpPr/>
-          <p:nvPr/>
-        </p:nvSpPr>
-        <p:spPr>
-          <a:xfrm>
-            <a:off x="959621" y="1481030"/>
-            <a:ext cx="6550312" cy="345094"/>
-          </a:xfrm>
-          <a:prstGeom prst="rect">
-            <a:avLst/>
-          </a:prstGeom>
-        </p:spPr>
-        <p:txBody>
-          <a:bodyPr wrap="square">
-            <a:spAutoFit/>
-          </a:bodyPr>
-          <a:lstStyle/>
-          <a:p>
-            <a:pPr>
-              <a:lnSpc>
-                <a:spcPct val="130000"/>
-              </a:lnSpc>
-            </a:pPr>
-            <a:r>
-              <a:rPr lang="zh-CN" altLang="en-US" sz="1400" dirty="0">
-                <a:solidFill>
-                  <a:schemeClr val="bg1">
-                    <a:lumMod val="50000"/>
-                  </a:schemeClr>
-                </a:solidFill>
-                <a:latin typeface="微软雅黑" panose="020B0503020204020204" charset="-122"/>
-                <a:ea typeface="微软雅黑" panose="020B0503020204020204" charset="-122"/>
-              </a:rPr>
-              <a:t>神经元，感知器，多层感知器，神经网络的介绍</a:t>
-            </a:r>
-          </a:p>
-        </p:txBody>
-      </p:sp>
-      <p:grpSp>
-        <p:nvGrpSpPr>
-          <p:cNvPr id="19" name="组合 18"/>
-          <p:cNvGrpSpPr/>
-          <p:nvPr/>
-        </p:nvGrpSpPr>
-        <p:grpSpPr>
-          <a:xfrm>
-            <a:off x="910794" y="2786453"/>
-            <a:ext cx="2300757" cy="509896"/>
-            <a:chOff x="888096" y="1000203"/>
-            <a:chExt cx="4259825" cy="944066"/>
-          </a:xfrm>
-        </p:grpSpPr>
-        <p:sp>
-          <p:nvSpPr>
-            <p:cNvPr id="20" name="矩形 19"/>
-            <p:cNvSpPr/>
-            <p:nvPr/>
-          </p:nvSpPr>
-          <p:spPr>
-            <a:xfrm>
-              <a:off x="911225" y="1045634"/>
-              <a:ext cx="4199467" cy="872066"/>
-            </a:xfrm>
-            <a:prstGeom prst="rect">
-              <a:avLst/>
-            </a:prstGeom>
-            <a:noFill/>
-            <a:ln>
-              <a:solidFill>
-                <a:schemeClr val="bg1">
-                  <a:lumMod val="75000"/>
-                </a:schemeClr>
-              </a:solidFill>
-            </a:ln>
-          </p:spPr>
-          <p:style>
-            <a:lnRef idx="2">
-              <a:schemeClr val="accent1">
-                <a:shade val="50000"/>
-              </a:schemeClr>
-            </a:lnRef>
-            <a:fillRef idx="1">
-              <a:schemeClr val="accent1"/>
-            </a:fillRef>
-            <a:effectRef idx="0">
-              <a:schemeClr val="accent1"/>
-            </a:effectRef>
-            <a:fontRef idx="minor">
-              <a:schemeClr val="lt1"/>
-            </a:fontRef>
-          </p:style>
-          <p:txBody>
-            <a:bodyPr rot="0" spcFirstLastPara="0" vertOverflow="overflow" horzOverflow="overflow" vert="horz" wrap="square" lIns="91440" tIns="45720" rIns="91440" bIns="45720" numCol="1" spcCol="0" rtlCol="0" fromWordArt="0" anchor="ctr" anchorCtr="0" forceAA="0" compatLnSpc="1">
-              <a:noAutofit/>
-            </a:bodyPr>
-            <a:lstStyle/>
-            <a:p>
-              <a:pPr algn="ctr"/>
-              <a:endParaRPr lang="zh-CN" altLang="en-US"/>
-            </a:p>
-          </p:txBody>
-        </p:sp>
-        <p:sp>
-          <p:nvSpPr>
-            <p:cNvPr id="21" name="椭圆 20"/>
-            <p:cNvSpPr/>
-            <p:nvPr/>
-          </p:nvSpPr>
-          <p:spPr>
-            <a:xfrm>
-              <a:off x="888096" y="1000203"/>
-              <a:ext cx="72000" cy="72000"/>
-            </a:xfrm>
-            <a:prstGeom prst="ellipse">
-              <a:avLst/>
-            </a:prstGeom>
-            <a:solidFill>
-              <a:schemeClr val="tx1">
-                <a:lumMod val="65000"/>
-                <a:lumOff val="35000"/>
-              </a:schemeClr>
-            </a:solidFill>
-            <a:ln>
-              <a:noFill/>
-            </a:ln>
-          </p:spPr>
-          <p:style>
-            <a:lnRef idx="2">
-              <a:schemeClr val="accent1">
-                <a:shade val="50000"/>
-              </a:schemeClr>
-            </a:lnRef>
-            <a:fillRef idx="1">
-              <a:schemeClr val="accent1"/>
-            </a:fillRef>
-            <a:effectRef idx="0">
-              <a:schemeClr val="accent1"/>
-            </a:effectRef>
-            <a:fontRef idx="minor">
-              <a:schemeClr val="lt1"/>
-            </a:fontRef>
-          </p:style>
-          <p:txBody>
-            <a:bodyPr rot="0" spcFirstLastPara="0" vertOverflow="overflow" horzOverflow="overflow" vert="horz" wrap="square" lIns="91440" tIns="45720" rIns="91440" bIns="45720" numCol="1" spcCol="0" rtlCol="0" fromWordArt="0" anchor="ctr" anchorCtr="0" forceAA="0" compatLnSpc="1">
-              <a:noAutofit/>
-            </a:bodyPr>
-            <a:lstStyle/>
-            <a:p>
-              <a:pPr algn="ctr"/>
-              <a:endParaRPr lang="zh-CN" altLang="en-US"/>
-            </a:p>
-          </p:txBody>
-        </p:sp>
-        <p:sp>
-          <p:nvSpPr>
-            <p:cNvPr id="22" name="椭圆 21"/>
-            <p:cNvSpPr/>
-            <p:nvPr/>
-          </p:nvSpPr>
-          <p:spPr>
-            <a:xfrm>
-              <a:off x="888096" y="1872269"/>
-              <a:ext cx="72000" cy="72000"/>
-            </a:xfrm>
-            <a:prstGeom prst="ellipse">
-              <a:avLst/>
-            </a:prstGeom>
-            <a:solidFill>
-              <a:schemeClr val="tx1">
-                <a:lumMod val="65000"/>
-                <a:lumOff val="35000"/>
-              </a:schemeClr>
-            </a:solidFill>
-            <a:ln>
-              <a:noFill/>
-            </a:ln>
-          </p:spPr>
-          <p:style>
-            <a:lnRef idx="2">
-              <a:schemeClr val="accent1">
-                <a:shade val="50000"/>
-              </a:schemeClr>
-            </a:lnRef>
-            <a:fillRef idx="1">
-              <a:schemeClr val="accent1"/>
-            </a:fillRef>
-            <a:effectRef idx="0">
-              <a:schemeClr val="accent1"/>
-            </a:effectRef>
-            <a:fontRef idx="minor">
-              <a:schemeClr val="lt1"/>
-            </a:fontRef>
-          </p:style>
-          <p:txBody>
-            <a:bodyPr rot="0" spcFirstLastPara="0" vertOverflow="overflow" horzOverflow="overflow" vert="horz" wrap="square" lIns="91440" tIns="45720" rIns="91440" bIns="45720" numCol="1" spcCol="0" rtlCol="0" fromWordArt="0" anchor="ctr" anchorCtr="0" forceAA="0" compatLnSpc="1">
-              <a:noAutofit/>
-            </a:bodyPr>
-            <a:lstStyle/>
-            <a:p>
-              <a:pPr algn="ctr"/>
-              <a:endParaRPr lang="zh-CN" altLang="en-US"/>
-            </a:p>
-          </p:txBody>
-        </p:sp>
-        <p:sp>
-          <p:nvSpPr>
-            <p:cNvPr id="23" name="椭圆 22"/>
-            <p:cNvSpPr/>
-            <p:nvPr/>
-          </p:nvSpPr>
-          <p:spPr>
-            <a:xfrm>
-              <a:off x="5075921" y="1872269"/>
-              <a:ext cx="72000" cy="72000"/>
-            </a:xfrm>
-            <a:prstGeom prst="ellipse">
-              <a:avLst/>
-            </a:prstGeom>
-            <a:solidFill>
-              <a:schemeClr val="tx1">
-                <a:lumMod val="65000"/>
-                <a:lumOff val="35000"/>
-              </a:schemeClr>
-            </a:solidFill>
-            <a:ln>
-              <a:noFill/>
-            </a:ln>
-          </p:spPr>
-          <p:style>
-            <a:lnRef idx="2">
-              <a:schemeClr val="accent1">
-                <a:shade val="50000"/>
-              </a:schemeClr>
-            </a:lnRef>
-            <a:fillRef idx="1">
-              <a:schemeClr val="accent1"/>
-            </a:fillRef>
-            <a:effectRef idx="0">
-              <a:schemeClr val="accent1"/>
-            </a:effectRef>
-            <a:fontRef idx="minor">
-              <a:schemeClr val="lt1"/>
-            </a:fontRef>
-          </p:style>
-          <p:txBody>
-            <a:bodyPr rot="0" spcFirstLastPara="0" vertOverflow="overflow" horzOverflow="overflow" vert="horz" wrap="square" lIns="91440" tIns="45720" rIns="91440" bIns="45720" numCol="1" spcCol="0" rtlCol="0" fromWordArt="0" anchor="ctr" anchorCtr="0" forceAA="0" compatLnSpc="1">
-              <a:noAutofit/>
-            </a:bodyPr>
-            <a:lstStyle/>
-            <a:p>
-              <a:pPr algn="ctr"/>
-              <a:endParaRPr lang="zh-CN" altLang="en-US"/>
-            </a:p>
-          </p:txBody>
-        </p:sp>
-        <p:sp>
-          <p:nvSpPr>
-            <p:cNvPr id="24" name="椭圆 23"/>
-            <p:cNvSpPr/>
-            <p:nvPr/>
-          </p:nvSpPr>
-          <p:spPr>
-            <a:xfrm>
-              <a:off x="5074692" y="1009634"/>
-              <a:ext cx="72000" cy="72000"/>
-            </a:xfrm>
-            <a:prstGeom prst="ellipse">
-              <a:avLst/>
-            </a:prstGeom>
-            <a:solidFill>
-              <a:schemeClr val="tx1">
-                <a:lumMod val="65000"/>
-                <a:lumOff val="35000"/>
-              </a:schemeClr>
-            </a:solidFill>
-            <a:ln>
-              <a:noFill/>
-            </a:ln>
-          </p:spPr>
-          <p:style>
-            <a:lnRef idx="2">
-              <a:schemeClr val="accent1">
-                <a:shade val="50000"/>
-              </a:schemeClr>
-            </a:lnRef>
-            <a:fillRef idx="1">
-              <a:schemeClr val="accent1"/>
-            </a:fillRef>
-            <a:effectRef idx="0">
-              <a:schemeClr val="accent1"/>
-            </a:effectRef>
-            <a:fontRef idx="minor">
-              <a:schemeClr val="lt1"/>
-            </a:fontRef>
-          </p:style>
-          <p:txBody>
-            <a:bodyPr rot="0" spcFirstLastPara="0" vertOverflow="overflow" horzOverflow="overflow" vert="horz" wrap="square" lIns="91440" tIns="45720" rIns="91440" bIns="45720" numCol="1" spcCol="0" rtlCol="0" fromWordArt="0" anchor="ctr" anchorCtr="0" forceAA="0" compatLnSpc="1">
-              <a:noAutofit/>
-            </a:bodyPr>
-            <a:lstStyle/>
-            <a:p>
-              <a:pPr algn="ctr"/>
-              <a:endParaRPr lang="zh-CN" altLang="en-US"/>
-            </a:p>
-          </p:txBody>
-        </p:sp>
-      </p:grpSp>
-      <p:sp>
-        <p:nvSpPr>
-          <p:cNvPr id="25" name="矩形 24"/>
-          <p:cNvSpPr/>
-          <p:nvPr/>
-        </p:nvSpPr>
-        <p:spPr>
-          <a:xfrm>
-            <a:off x="1041701" y="2861829"/>
-            <a:ext cx="1569660" cy="369332"/>
-          </a:xfrm>
-          <a:prstGeom prst="rect">
-            <a:avLst/>
-          </a:prstGeom>
-        </p:spPr>
-        <p:txBody>
-          <a:bodyPr wrap="none">
-            <a:spAutoFit/>
-          </a:bodyPr>
-          <a:lstStyle/>
-          <a:p>
-            <a:r>
-              <a:rPr lang="zh-CN" altLang="en-US" dirty="0"/>
-              <a:t>深入神经网络</a:t>
-            </a:r>
-          </a:p>
-        </p:txBody>
-      </p:sp>
-      <p:sp>
-        <p:nvSpPr>
-          <p:cNvPr id="26" name="矩形 25"/>
-          <p:cNvSpPr/>
-          <p:nvPr/>
-        </p:nvSpPr>
-        <p:spPr>
-          <a:xfrm>
-            <a:off x="959621" y="3338537"/>
-            <a:ext cx="6550312" cy="345094"/>
-          </a:xfrm>
-          <a:prstGeom prst="rect">
-            <a:avLst/>
-          </a:prstGeom>
-        </p:spPr>
-        <p:txBody>
-          <a:bodyPr wrap="square">
-            <a:spAutoFit/>
-          </a:bodyPr>
-          <a:lstStyle/>
-          <a:p>
-            <a:pPr>
-              <a:lnSpc>
-                <a:spcPct val="130000"/>
-              </a:lnSpc>
-            </a:pPr>
-            <a:r>
-              <a:rPr lang="zh-CN" altLang="en-US" sz="1400" dirty="0">
-                <a:solidFill>
-                  <a:schemeClr val="bg1">
-                    <a:lumMod val="50000"/>
-                  </a:schemeClr>
-                </a:solidFill>
-                <a:latin typeface="微软雅黑" panose="020B0503020204020204" charset="-122"/>
-                <a:ea typeface="微软雅黑" panose="020B0503020204020204" charset="-122"/>
-              </a:rPr>
-              <a:t>前向传播，反向传播，梯度下降的介绍</a:t>
-            </a:r>
-          </a:p>
-        </p:txBody>
-      </p:sp>
-      <p:grpSp>
-        <p:nvGrpSpPr>
-          <p:cNvPr id="27" name="组合 26"/>
-          <p:cNvGrpSpPr/>
-          <p:nvPr/>
-        </p:nvGrpSpPr>
-        <p:grpSpPr>
-          <a:xfrm>
-            <a:off x="910794" y="4913818"/>
-            <a:ext cx="2300757" cy="509896"/>
-            <a:chOff x="888096" y="1000203"/>
-            <a:chExt cx="4259825" cy="944066"/>
-          </a:xfrm>
-        </p:grpSpPr>
-        <p:sp>
-          <p:nvSpPr>
-            <p:cNvPr id="28" name="矩形 27"/>
-            <p:cNvSpPr/>
-            <p:nvPr/>
-          </p:nvSpPr>
-          <p:spPr>
-            <a:xfrm>
-              <a:off x="911225" y="1045634"/>
-              <a:ext cx="4199467" cy="872066"/>
-            </a:xfrm>
-            <a:prstGeom prst="rect">
-              <a:avLst/>
-            </a:prstGeom>
-            <a:noFill/>
-            <a:ln>
-              <a:solidFill>
-                <a:schemeClr val="bg1">
-                  <a:lumMod val="75000"/>
-                </a:schemeClr>
-              </a:solidFill>
-            </a:ln>
-          </p:spPr>
-          <p:style>
-            <a:lnRef idx="2">
-              <a:schemeClr val="accent1">
-                <a:shade val="50000"/>
-              </a:schemeClr>
-            </a:lnRef>
-            <a:fillRef idx="1">
-              <a:schemeClr val="accent1"/>
-            </a:fillRef>
-            <a:effectRef idx="0">
-              <a:schemeClr val="accent1"/>
-            </a:effectRef>
-            <a:fontRef idx="minor">
-              <a:schemeClr val="lt1"/>
-            </a:fontRef>
-          </p:style>
-          <p:txBody>
-            <a:bodyPr rot="0" spcFirstLastPara="0" vertOverflow="overflow" horzOverflow="overflow" vert="horz" wrap="square" lIns="91440" tIns="45720" rIns="91440" bIns="45720" numCol="1" spcCol="0" rtlCol="0" fromWordArt="0" anchor="ctr" anchorCtr="0" forceAA="0" compatLnSpc="1">
-              <a:noAutofit/>
-            </a:bodyPr>
-            <a:lstStyle/>
-            <a:p>
-              <a:pPr algn="ctr"/>
-              <a:endParaRPr lang="zh-CN" altLang="en-US"/>
-            </a:p>
-          </p:txBody>
-        </p:sp>
-        <p:sp>
-          <p:nvSpPr>
-            <p:cNvPr id="29" name="椭圆 28"/>
-            <p:cNvSpPr/>
-            <p:nvPr/>
-          </p:nvSpPr>
-          <p:spPr>
-            <a:xfrm>
-              <a:off x="888096" y="1000203"/>
-              <a:ext cx="72000" cy="72000"/>
-            </a:xfrm>
-            <a:prstGeom prst="ellipse">
-              <a:avLst/>
-            </a:prstGeom>
-            <a:solidFill>
-              <a:schemeClr val="tx1">
-                <a:lumMod val="65000"/>
-                <a:lumOff val="35000"/>
-              </a:schemeClr>
-            </a:solidFill>
-            <a:ln>
-              <a:noFill/>
-            </a:ln>
-          </p:spPr>
-          <p:style>
-            <a:lnRef idx="2">
-              <a:schemeClr val="accent1">
-                <a:shade val="50000"/>
-              </a:schemeClr>
-            </a:lnRef>
-            <a:fillRef idx="1">
-              <a:schemeClr val="accent1"/>
-            </a:fillRef>
-            <a:effectRef idx="0">
-              <a:schemeClr val="accent1"/>
-            </a:effectRef>
-            <a:fontRef idx="minor">
-              <a:schemeClr val="lt1"/>
-            </a:fontRef>
-          </p:style>
-          <p:txBody>
-            <a:bodyPr rot="0" spcFirstLastPara="0" vertOverflow="overflow" horzOverflow="overflow" vert="horz" wrap="square" lIns="91440" tIns="45720" rIns="91440" bIns="45720" numCol="1" spcCol="0" rtlCol="0" fromWordArt="0" anchor="ctr" anchorCtr="0" forceAA="0" compatLnSpc="1">
-              <a:noAutofit/>
-            </a:bodyPr>
-            <a:lstStyle/>
-            <a:p>
-              <a:pPr algn="ctr"/>
-              <a:endParaRPr lang="zh-CN" altLang="en-US"/>
-            </a:p>
-          </p:txBody>
-        </p:sp>
-        <p:sp>
-          <p:nvSpPr>
-            <p:cNvPr id="30" name="椭圆 29"/>
-            <p:cNvSpPr/>
-            <p:nvPr/>
-          </p:nvSpPr>
-          <p:spPr>
-            <a:xfrm>
-              <a:off x="888096" y="1872269"/>
-              <a:ext cx="72000" cy="72000"/>
-            </a:xfrm>
-            <a:prstGeom prst="ellipse">
-              <a:avLst/>
-            </a:prstGeom>
-            <a:solidFill>
-              <a:schemeClr val="tx1">
-                <a:lumMod val="65000"/>
-                <a:lumOff val="35000"/>
-              </a:schemeClr>
-            </a:solidFill>
-            <a:ln>
-              <a:noFill/>
-            </a:ln>
-          </p:spPr>
-          <p:style>
-            <a:lnRef idx="2">
-              <a:schemeClr val="accent1">
-                <a:shade val="50000"/>
-              </a:schemeClr>
-            </a:lnRef>
-            <a:fillRef idx="1">
-              <a:schemeClr val="accent1"/>
-            </a:fillRef>
-            <a:effectRef idx="0">
-              <a:schemeClr val="accent1"/>
-            </a:effectRef>
-            <a:fontRef idx="minor">
-              <a:schemeClr val="lt1"/>
-            </a:fontRef>
-          </p:style>
-          <p:txBody>
-            <a:bodyPr rot="0" spcFirstLastPara="0" vertOverflow="overflow" horzOverflow="overflow" vert="horz" wrap="square" lIns="91440" tIns="45720" rIns="91440" bIns="45720" numCol="1" spcCol="0" rtlCol="0" fromWordArt="0" anchor="ctr" anchorCtr="0" forceAA="0" compatLnSpc="1">
-              <a:noAutofit/>
-            </a:bodyPr>
-            <a:lstStyle/>
-            <a:p>
-              <a:pPr algn="ctr"/>
-              <a:endParaRPr lang="zh-CN" altLang="en-US"/>
-            </a:p>
-          </p:txBody>
-        </p:sp>
-        <p:sp>
-          <p:nvSpPr>
-            <p:cNvPr id="31" name="椭圆 30"/>
-            <p:cNvSpPr/>
-            <p:nvPr/>
-          </p:nvSpPr>
-          <p:spPr>
-            <a:xfrm>
-              <a:off x="5075921" y="1872269"/>
-              <a:ext cx="72000" cy="72000"/>
-            </a:xfrm>
-            <a:prstGeom prst="ellipse">
-              <a:avLst/>
-            </a:prstGeom>
-            <a:solidFill>
-              <a:schemeClr val="tx1">
-                <a:lumMod val="65000"/>
-                <a:lumOff val="35000"/>
-              </a:schemeClr>
-            </a:solidFill>
-            <a:ln>
-              <a:noFill/>
-            </a:ln>
-          </p:spPr>
-          <p:style>
-            <a:lnRef idx="2">
-              <a:schemeClr val="accent1">
-                <a:shade val="50000"/>
-              </a:schemeClr>
-            </a:lnRef>
-            <a:fillRef idx="1">
-              <a:schemeClr val="accent1"/>
-            </a:fillRef>
-            <a:effectRef idx="0">
-              <a:schemeClr val="accent1"/>
-            </a:effectRef>
-            <a:fontRef idx="minor">
-              <a:schemeClr val="lt1"/>
-            </a:fontRef>
-          </p:style>
-          <p:txBody>
-            <a:bodyPr rot="0" spcFirstLastPara="0" vertOverflow="overflow" horzOverflow="overflow" vert="horz" wrap="square" lIns="91440" tIns="45720" rIns="91440" bIns="45720" numCol="1" spcCol="0" rtlCol="0" fromWordArt="0" anchor="ctr" anchorCtr="0" forceAA="0" compatLnSpc="1">
-              <a:noAutofit/>
-            </a:bodyPr>
-            <a:lstStyle/>
-            <a:p>
-              <a:pPr algn="ctr"/>
-              <a:endParaRPr lang="zh-CN" altLang="en-US"/>
-            </a:p>
-          </p:txBody>
-        </p:sp>
-        <p:sp>
-          <p:nvSpPr>
-            <p:cNvPr id="32" name="椭圆 31"/>
-            <p:cNvSpPr/>
-            <p:nvPr/>
-          </p:nvSpPr>
-          <p:spPr>
-            <a:xfrm>
-              <a:off x="5074692" y="1009634"/>
-              <a:ext cx="72000" cy="72000"/>
-            </a:xfrm>
-            <a:prstGeom prst="ellipse">
-              <a:avLst/>
-            </a:prstGeom>
-            <a:solidFill>
-              <a:schemeClr val="tx1">
-                <a:lumMod val="65000"/>
-                <a:lumOff val="35000"/>
-              </a:schemeClr>
-            </a:solidFill>
-            <a:ln>
-              <a:noFill/>
-            </a:ln>
-          </p:spPr>
-          <p:style>
-            <a:lnRef idx="2">
-              <a:schemeClr val="accent1">
-                <a:shade val="50000"/>
-              </a:schemeClr>
-            </a:lnRef>
-            <a:fillRef idx="1">
-              <a:schemeClr val="accent1"/>
-            </a:fillRef>
-            <a:effectRef idx="0">
-              <a:schemeClr val="accent1"/>
-            </a:effectRef>
-            <a:fontRef idx="minor">
-              <a:schemeClr val="lt1"/>
-            </a:fontRef>
-          </p:style>
-          <p:txBody>
-            <a:bodyPr rot="0" spcFirstLastPara="0" vertOverflow="overflow" horzOverflow="overflow" vert="horz" wrap="square" lIns="91440" tIns="45720" rIns="91440" bIns="45720" numCol="1" spcCol="0" rtlCol="0" fromWordArt="0" anchor="ctr" anchorCtr="0" forceAA="0" compatLnSpc="1">
-              <a:noAutofit/>
-            </a:bodyPr>
-            <a:lstStyle/>
-            <a:p>
-              <a:pPr algn="ctr"/>
-              <a:endParaRPr lang="zh-CN" altLang="en-US"/>
-            </a:p>
-          </p:txBody>
-        </p:sp>
-      </p:grpSp>
-      <p:sp>
-        <p:nvSpPr>
-          <p:cNvPr id="33" name="矩形 32"/>
-          <p:cNvSpPr/>
-          <p:nvPr/>
-        </p:nvSpPr>
-        <p:spPr>
-          <a:xfrm>
-            <a:off x="1041701" y="4989194"/>
-            <a:ext cx="1569660" cy="369332"/>
-          </a:xfrm>
-          <a:prstGeom prst="rect">
-            <a:avLst/>
-          </a:prstGeom>
-        </p:spPr>
-        <p:txBody>
-          <a:bodyPr wrap="none">
-            <a:spAutoFit/>
-          </a:bodyPr>
-          <a:lstStyle/>
-          <a:p>
-            <a:r>
-              <a:rPr lang="zh-CN" altLang="en-US" dirty="0"/>
-              <a:t>应用神经网络</a:t>
-            </a:r>
-          </a:p>
-        </p:txBody>
-      </p:sp>
-      <p:sp>
-        <p:nvSpPr>
-          <p:cNvPr id="34" name="矩形 33"/>
-          <p:cNvSpPr/>
-          <p:nvPr/>
-        </p:nvSpPr>
-        <p:spPr>
-          <a:xfrm>
-            <a:off x="959621" y="5465902"/>
-            <a:ext cx="6550312" cy="345094"/>
-          </a:xfrm>
-          <a:prstGeom prst="rect">
-            <a:avLst/>
-          </a:prstGeom>
-        </p:spPr>
-        <p:txBody>
-          <a:bodyPr wrap="square">
-            <a:spAutoFit/>
-          </a:bodyPr>
-          <a:lstStyle/>
-          <a:p>
-            <a:pPr>
-              <a:lnSpc>
-                <a:spcPct val="130000"/>
-              </a:lnSpc>
-            </a:pPr>
-            <a:r>
-              <a:rPr lang="en-US" altLang="zh-CN" sz="1400" dirty="0">
-                <a:solidFill>
-                  <a:schemeClr val="bg1">
-                    <a:lumMod val="50000"/>
-                  </a:schemeClr>
-                </a:solidFill>
-                <a:latin typeface="微软雅黑" panose="020B0503020204020204" charset="-122"/>
-                <a:ea typeface="微软雅黑" panose="020B0503020204020204" charset="-122"/>
-              </a:rPr>
-              <a:t>MNIST</a:t>
-            </a:r>
-            <a:r>
-              <a:rPr lang="zh-CN" altLang="en-US" sz="1400" dirty="0">
-                <a:solidFill>
-                  <a:schemeClr val="bg1">
-                    <a:lumMod val="50000"/>
-                  </a:schemeClr>
-                </a:solidFill>
-                <a:latin typeface="微软雅黑" panose="020B0503020204020204" charset="-122"/>
-                <a:ea typeface="微软雅黑" panose="020B0503020204020204" charset="-122"/>
-              </a:rPr>
-              <a:t>数字分类，</a:t>
-            </a:r>
-            <a:r>
-              <a:rPr lang="en-US" altLang="zh-CN" sz="1400" dirty="0">
-                <a:solidFill>
-                  <a:schemeClr val="bg1">
-                    <a:lumMod val="50000"/>
-                  </a:schemeClr>
-                </a:solidFill>
-                <a:latin typeface="微软雅黑" panose="020B0503020204020204" charset="-122"/>
-                <a:ea typeface="微软雅黑" panose="020B0503020204020204" charset="-122"/>
-              </a:rPr>
-              <a:t>python</a:t>
-            </a:r>
-            <a:r>
-              <a:rPr lang="zh-CN" altLang="en-US" sz="1400" dirty="0">
-                <a:solidFill>
-                  <a:schemeClr val="bg1">
-                    <a:lumMod val="50000"/>
-                  </a:schemeClr>
-                </a:solidFill>
-                <a:latin typeface="微软雅黑" panose="020B0503020204020204" charset="-122"/>
-                <a:ea typeface="微软雅黑" panose="020B0503020204020204" charset="-122"/>
-              </a:rPr>
-              <a:t>（</a:t>
-            </a:r>
-            <a:r>
-              <a:rPr lang="en-US" altLang="zh-CN" sz="1400" dirty="0" err="1">
-                <a:solidFill>
-                  <a:schemeClr val="bg1">
-                    <a:lumMod val="50000"/>
-                  </a:schemeClr>
-                </a:solidFill>
-                <a:latin typeface="微软雅黑" panose="020B0503020204020204" charset="-122"/>
-                <a:ea typeface="微软雅黑" panose="020B0503020204020204" charset="-122"/>
-              </a:rPr>
-              <a:t>tensorflow</a:t>
-            </a:r>
-            <a:r>
-              <a:rPr lang="zh-CN" altLang="en-US" sz="1400" dirty="0">
-                <a:solidFill>
-                  <a:schemeClr val="bg1">
-                    <a:lumMod val="50000"/>
-                  </a:schemeClr>
-                </a:solidFill>
-                <a:latin typeface="微软雅黑" panose="020B0503020204020204" charset="-122"/>
-                <a:ea typeface="微软雅黑" panose="020B0503020204020204" charset="-122"/>
-              </a:rPr>
-              <a:t>，</a:t>
-            </a:r>
-            <a:r>
-              <a:rPr lang="en-US" altLang="zh-CN" sz="1400" dirty="0" err="1">
-                <a:solidFill>
-                  <a:schemeClr val="bg1">
-                    <a:lumMod val="50000"/>
-                  </a:schemeClr>
-                </a:solidFill>
-                <a:latin typeface="微软雅黑" panose="020B0503020204020204" charset="-122"/>
-                <a:ea typeface="微软雅黑" panose="020B0503020204020204" charset="-122"/>
-              </a:rPr>
-              <a:t>keras</a:t>
-            </a:r>
-            <a:r>
-              <a:rPr lang="zh-CN" altLang="en-US" sz="1400" dirty="0">
-                <a:solidFill>
-                  <a:schemeClr val="bg1">
-                    <a:lumMod val="50000"/>
-                  </a:schemeClr>
-                </a:solidFill>
-                <a:latin typeface="微软雅黑" panose="020B0503020204020204" charset="-122"/>
-                <a:ea typeface="微软雅黑" panose="020B0503020204020204" charset="-122"/>
-              </a:rPr>
-              <a:t>，</a:t>
-            </a:r>
-            <a:r>
-              <a:rPr lang="en-US" altLang="zh-CN" sz="1400" dirty="0" err="1">
-                <a:solidFill>
-                  <a:schemeClr val="bg1">
-                    <a:lumMod val="50000"/>
-                  </a:schemeClr>
-                </a:solidFill>
-                <a:latin typeface="微软雅黑" panose="020B0503020204020204" charset="-122"/>
-                <a:ea typeface="微软雅黑" panose="020B0503020204020204" charset="-122"/>
-              </a:rPr>
-              <a:t>pytorch</a:t>
-            </a:r>
-            <a:r>
-              <a:rPr lang="zh-CN" altLang="en-US" sz="1400" dirty="0">
-                <a:solidFill>
-                  <a:schemeClr val="bg1">
-                    <a:lumMod val="50000"/>
-                  </a:schemeClr>
-                </a:solidFill>
-                <a:latin typeface="微软雅黑" panose="020B0503020204020204" charset="-122"/>
-                <a:ea typeface="微软雅黑" panose="020B0503020204020204" charset="-122"/>
-              </a:rPr>
-              <a:t>）实现</a:t>
-            </a:r>
-          </a:p>
-        </p:txBody>
-      </p:sp>
-    </p:spTree>
-  </p:cSld>
-  <p:clrMapOvr>
-    <a:masterClrMapping/>
-  </p:clrMapOvr>
-  <mc:AlternateContent xmlns:mc="http://schemas.openxmlformats.org/markup-compatibility/2006" xmlns:p14="http://schemas.microsoft.com/office/powerpoint/2010/main">
-    <mc:Choice Requires="p14">
-      <p:transition spd="med" p14:dur="700">
-        <p:fade/>
-      </p:transition>
-    </mc:Choice>
-    <mc:Fallback xmlns="">
-      <p:transition spd="med">
-        <p:fade/>
-      </p:transition>
-    </mc:Fallback>
-  </mc:AlternateContent>
 </p:sld>
 </file>
 

--- a/机器学习分享-神经网络.pptx
+++ b/机器学习分享-神经网络.pptx
@@ -6,7 +6,7 @@
     <p:sldMasterId id="2147483656" r:id="rId2"/>
   </p:sldMasterIdLst>
   <p:notesMasterIdLst>
-    <p:notesMasterId r:id="rId50"/>
+    <p:notesMasterId r:id="rId57"/>
   </p:notesMasterIdLst>
   <p:sldIdLst>
     <p:sldId id="259" r:id="rId3"/>
@@ -39,23 +39,30 @@
     <p:sldId id="315" r:id="rId30"/>
     <p:sldId id="316" r:id="rId31"/>
     <p:sldId id="317" r:id="rId32"/>
-    <p:sldId id="267" r:id="rId33"/>
-    <p:sldId id="296" r:id="rId34"/>
-    <p:sldId id="278" r:id="rId35"/>
-    <p:sldId id="268" r:id="rId36"/>
-    <p:sldId id="279" r:id="rId37"/>
-    <p:sldId id="280" r:id="rId38"/>
-    <p:sldId id="281" r:id="rId39"/>
-    <p:sldId id="269" r:id="rId40"/>
-    <p:sldId id="283" r:id="rId41"/>
-    <p:sldId id="282" r:id="rId42"/>
-    <p:sldId id="270" r:id="rId43"/>
-    <p:sldId id="285" r:id="rId44"/>
-    <p:sldId id="287" r:id="rId45"/>
-    <p:sldId id="271" r:id="rId46"/>
-    <p:sldId id="288" r:id="rId47"/>
-    <p:sldId id="272" r:id="rId48"/>
-    <p:sldId id="289" r:id="rId49"/>
+    <p:sldId id="319" r:id="rId33"/>
+    <p:sldId id="318" r:id="rId34"/>
+    <p:sldId id="320" r:id="rId35"/>
+    <p:sldId id="321" r:id="rId36"/>
+    <p:sldId id="322" r:id="rId37"/>
+    <p:sldId id="323" r:id="rId38"/>
+    <p:sldId id="324" r:id="rId39"/>
+    <p:sldId id="267" r:id="rId40"/>
+    <p:sldId id="296" r:id="rId41"/>
+    <p:sldId id="278" r:id="rId42"/>
+    <p:sldId id="268" r:id="rId43"/>
+    <p:sldId id="279" r:id="rId44"/>
+    <p:sldId id="280" r:id="rId45"/>
+    <p:sldId id="281" r:id="rId46"/>
+    <p:sldId id="269" r:id="rId47"/>
+    <p:sldId id="283" r:id="rId48"/>
+    <p:sldId id="282" r:id="rId49"/>
+    <p:sldId id="270" r:id="rId50"/>
+    <p:sldId id="285" r:id="rId51"/>
+    <p:sldId id="287" r:id="rId52"/>
+    <p:sldId id="271" r:id="rId53"/>
+    <p:sldId id="288" r:id="rId54"/>
+    <p:sldId id="272" r:id="rId55"/>
+    <p:sldId id="289" r:id="rId56"/>
   </p:sldIdLst>
   <p:sldSz cx="12192000" cy="6858000"/>
   <p:notesSz cx="6858000" cy="9144000"/>
@@ -27086,6 +27093,148 @@
           </a:p>
         </p:txBody>
       </p:sp>
+      <p:pic>
+        <p:nvPicPr>
+          <p:cNvPr id="4" name="图片 3">
+            <a:extLst>
+              <a:ext uri="{FF2B5EF4-FFF2-40B4-BE49-F238E27FC236}">
+                <a16:creationId xmlns:a16="http://schemas.microsoft.com/office/drawing/2014/main" id="{E1FD6656-5AF2-E34F-B9CD-CC521847DAFE}"/>
+              </a:ext>
+            </a:extLst>
+          </p:cNvPr>
+          <p:cNvPicPr>
+            <a:picLocks noChangeAspect="1"/>
+          </p:cNvPicPr>
+          <p:nvPr/>
+        </p:nvPicPr>
+        <p:blipFill>
+          <a:blip r:embed="rId2"/>
+          <a:stretch>
+            <a:fillRect/>
+          </a:stretch>
+        </p:blipFill>
+        <p:spPr>
+          <a:xfrm>
+            <a:off x="103769" y="465517"/>
+            <a:ext cx="9575800" cy="5270500"/>
+          </a:xfrm>
+          <a:prstGeom prst="rect">
+            <a:avLst/>
+          </a:prstGeom>
+        </p:spPr>
+      </p:pic>
+      <p:sp>
+        <p:nvSpPr>
+          <p:cNvPr id="8" name="文本框 7">
+            <a:extLst>
+              <a:ext uri="{FF2B5EF4-FFF2-40B4-BE49-F238E27FC236}">
+                <a16:creationId xmlns:a16="http://schemas.microsoft.com/office/drawing/2014/main" id="{7CA02FA7-9EF5-054E-9ED5-A475AF7C0DC1}"/>
+              </a:ext>
+            </a:extLst>
+          </p:cNvPr>
+          <p:cNvSpPr txBox="1"/>
+          <p:nvPr/>
+        </p:nvSpPr>
+        <p:spPr>
+          <a:xfrm>
+            <a:off x="2390220" y="3277066"/>
+            <a:ext cx="5359745" cy="954107"/>
+          </a:xfrm>
+          <a:prstGeom prst="rect">
+            <a:avLst/>
+          </a:prstGeom>
+          <a:noFill/>
+        </p:spPr>
+        <p:txBody>
+          <a:bodyPr wrap="square" rtlCol="0">
+            <a:spAutoFit/>
+          </a:bodyPr>
+          <a:lstStyle/>
+          <a:p>
+            <a:r>
+              <a:rPr lang="zh-CN" altLang="en-US" sz="1400" dirty="0">
+                <a:solidFill>
+                  <a:schemeClr val="bg1">
+                    <a:lumMod val="50000"/>
+                  </a:schemeClr>
+                </a:solidFill>
+                <a:latin typeface="微软雅黑" panose="020B0503020204020204" charset="-122"/>
+                <a:ea typeface="微软雅黑" panose="020B0503020204020204" charset="-122"/>
+              </a:rPr>
+              <a:t>可以看到向量化后的反向传播变得复杂了很多，并且多了一些转置还有函数的操作，这些操作其实 就是为了 </a:t>
+            </a:r>
+            <a:r>
+              <a:rPr lang="zh-CN" altLang="en-US" sz="1400" dirty="0">
+                <a:solidFill>
+                  <a:srgbClr val="FF0000"/>
+                </a:solidFill>
+                <a:latin typeface="微软雅黑" panose="020B0503020204020204" charset="-122"/>
+                <a:ea typeface="微软雅黑" panose="020B0503020204020204" charset="-122"/>
+              </a:rPr>
+              <a:t>让维度变得匹配</a:t>
+            </a:r>
+            <a:endParaRPr lang="en-US" altLang="zh-CN" sz="1400" dirty="0">
+              <a:solidFill>
+                <a:srgbClr val="FF0000"/>
+              </a:solidFill>
+              <a:latin typeface="微软雅黑" panose="020B0503020204020204" charset="-122"/>
+              <a:ea typeface="微软雅黑" panose="020B0503020204020204" charset="-122"/>
+            </a:endParaRPr>
+          </a:p>
+          <a:p>
+            <a:endParaRPr lang="en-US" altLang="zh-CN" sz="1400" dirty="0">
+              <a:solidFill>
+                <a:schemeClr val="bg1">
+                  <a:lumMod val="50000"/>
+                </a:schemeClr>
+              </a:solidFill>
+              <a:latin typeface="微软雅黑" panose="020B0503020204020204" charset="-122"/>
+              <a:ea typeface="微软雅黑" panose="020B0503020204020204" charset="-122"/>
+            </a:endParaRPr>
+          </a:p>
+          <a:p>
+            <a:endParaRPr lang="en-US" altLang="zh-CN" sz="1400" dirty="0">
+              <a:solidFill>
+                <a:schemeClr val="bg1">
+                  <a:lumMod val="50000"/>
+                </a:schemeClr>
+              </a:solidFill>
+              <a:latin typeface="微软雅黑" panose="020B0503020204020204" charset="-122"/>
+              <a:ea typeface="微软雅黑" panose="020B0503020204020204" charset="-122"/>
+            </a:endParaRPr>
+          </a:p>
+        </p:txBody>
+      </p:sp>
+      <p:pic>
+        <p:nvPicPr>
+          <p:cNvPr id="5" name="图片 4">
+            <a:extLst>
+              <a:ext uri="{FF2B5EF4-FFF2-40B4-BE49-F238E27FC236}">
+                <a16:creationId xmlns:a16="http://schemas.microsoft.com/office/drawing/2014/main" id="{EB419E0F-AE6A-D245-A232-8257A3CE9512}"/>
+              </a:ext>
+            </a:extLst>
+          </p:cNvPr>
+          <p:cNvPicPr>
+            <a:picLocks noChangeAspect="1"/>
+          </p:cNvPicPr>
+          <p:nvPr/>
+        </p:nvPicPr>
+        <p:blipFill>
+          <a:blip r:embed="rId3"/>
+          <a:stretch>
+            <a:fillRect/>
+          </a:stretch>
+        </p:blipFill>
+        <p:spPr>
+          <a:xfrm>
+            <a:off x="2390220" y="3882638"/>
+            <a:ext cx="3644900" cy="1612900"/>
+          </a:xfrm>
+          <a:prstGeom prst="rect">
+            <a:avLst/>
+          </a:prstGeom>
+        </p:spPr>
+      </p:pic>
     </p:spTree>
     <p:extLst>
       <p:ext uri="{BB962C8B-B14F-4D97-AF65-F5344CB8AC3E}">
@@ -27217,6 +27366,549 @@
           <a:p>
             <a:pPr algn="ctr"/>
             <a:endParaRPr lang="zh-CN" altLang="en-US" sz="4400"/>
+          </a:p>
+        </p:txBody>
+      </p:sp>
+      <p:sp>
+        <p:nvSpPr>
+          <p:cNvPr id="4" name="矩形 3">
+            <a:extLst>
+              <a:ext uri="{FF2B5EF4-FFF2-40B4-BE49-F238E27FC236}">
+                <a16:creationId xmlns:a16="http://schemas.microsoft.com/office/drawing/2014/main" id="{96F5212D-270F-A941-811D-6DA1E2722300}"/>
+              </a:ext>
+            </a:extLst>
+          </p:cNvPr>
+          <p:cNvSpPr/>
+          <p:nvPr/>
+        </p:nvSpPr>
+        <p:spPr>
+          <a:xfrm>
+            <a:off x="673183" y="465517"/>
+            <a:ext cx="3775393" cy="523220"/>
+          </a:xfrm>
+          <a:prstGeom prst="rect">
+            <a:avLst/>
+          </a:prstGeom>
+        </p:spPr>
+        <p:txBody>
+          <a:bodyPr wrap="none">
+            <a:spAutoFit/>
+          </a:bodyPr>
+          <a:lstStyle/>
+          <a:p>
+            <a:r>
+              <a:rPr lang="zh-CN" altLang="en-US" sz="2800" dirty="0"/>
+              <a:t>更泛化的反向传播公式</a:t>
+            </a:r>
+          </a:p>
+        </p:txBody>
+      </p:sp>
+      <p:pic>
+        <p:nvPicPr>
+          <p:cNvPr id="2" name="图片 1">
+            <a:extLst>
+              <a:ext uri="{FF2B5EF4-FFF2-40B4-BE49-F238E27FC236}">
+                <a16:creationId xmlns:a16="http://schemas.microsoft.com/office/drawing/2014/main" id="{5B27D1C9-E1F9-0C43-B75F-2D0D66F91C12}"/>
+              </a:ext>
+            </a:extLst>
+          </p:cNvPr>
+          <p:cNvPicPr>
+            <a:picLocks noChangeAspect="1"/>
+          </p:cNvPicPr>
+          <p:nvPr/>
+        </p:nvPicPr>
+        <p:blipFill>
+          <a:blip r:embed="rId2"/>
+          <a:stretch>
+            <a:fillRect/>
+          </a:stretch>
+        </p:blipFill>
+        <p:spPr>
+          <a:xfrm>
+            <a:off x="673183" y="1183173"/>
+            <a:ext cx="5486400" cy="2336800"/>
+          </a:xfrm>
+          <a:prstGeom prst="rect">
+            <a:avLst/>
+          </a:prstGeom>
+        </p:spPr>
+      </p:pic>
+      <p:sp>
+        <p:nvSpPr>
+          <p:cNvPr id="8" name="文本框 7">
+            <a:extLst>
+              <a:ext uri="{FF2B5EF4-FFF2-40B4-BE49-F238E27FC236}">
+                <a16:creationId xmlns:a16="http://schemas.microsoft.com/office/drawing/2014/main" id="{55025EEC-925C-DE4A-832F-BA861CED3343}"/>
+              </a:ext>
+            </a:extLst>
+          </p:cNvPr>
+          <p:cNvSpPr txBox="1"/>
+          <p:nvPr/>
+        </p:nvSpPr>
+        <p:spPr>
+          <a:xfrm>
+            <a:off x="232264" y="3519973"/>
+            <a:ext cx="7820270" cy="1600438"/>
+          </a:xfrm>
+          <a:prstGeom prst="rect">
+            <a:avLst/>
+          </a:prstGeom>
+          <a:noFill/>
+        </p:spPr>
+        <p:txBody>
+          <a:bodyPr wrap="square" rtlCol="0">
+            <a:spAutoFit/>
+          </a:bodyPr>
+          <a:lstStyle/>
+          <a:p>
+            <a:r>
+              <a:rPr lang="zh-CN" altLang="en-US" sz="1400" dirty="0">
+                <a:solidFill>
+                  <a:schemeClr val="bg1">
+                    <a:lumMod val="50000"/>
+                  </a:schemeClr>
+                </a:solidFill>
+                <a:latin typeface="微软雅黑" panose="020B0503020204020204" charset="-122"/>
+                <a:ea typeface="微软雅黑" panose="020B0503020204020204" charset="-122"/>
+              </a:rPr>
+              <a:t>这一页的公式可以说是 神经网络 反向传播的 最终公式了，</a:t>
+            </a:r>
+            <a:endParaRPr lang="en-US" altLang="zh-CN" sz="1400" dirty="0">
+              <a:solidFill>
+                <a:schemeClr val="bg1">
+                  <a:lumMod val="50000"/>
+                </a:schemeClr>
+              </a:solidFill>
+              <a:latin typeface="微软雅黑" panose="020B0503020204020204" charset="-122"/>
+              <a:ea typeface="微软雅黑" panose="020B0503020204020204" charset="-122"/>
+            </a:endParaRPr>
+          </a:p>
+          <a:p>
+            <a:r>
+              <a:rPr lang="zh-CN" altLang="en-US" sz="1400" dirty="0">
+                <a:solidFill>
+                  <a:schemeClr val="bg1">
+                    <a:lumMod val="50000"/>
+                  </a:schemeClr>
+                </a:solidFill>
+                <a:latin typeface="微软雅黑" panose="020B0503020204020204" charset="-122"/>
+                <a:ea typeface="微软雅黑" panose="020B0503020204020204" charset="-122"/>
+              </a:rPr>
+              <a:t>下面的说明只针对</a:t>
+            </a:r>
+            <a:r>
+              <a:rPr lang="zh-CN" altLang="en-US" sz="1400" dirty="0">
+                <a:solidFill>
+                  <a:srgbClr val="FF0000"/>
+                </a:solidFill>
+                <a:latin typeface="微软雅黑" panose="020B0503020204020204" charset="-122"/>
+                <a:ea typeface="微软雅黑" panose="020B0503020204020204" charset="-122"/>
+              </a:rPr>
+              <a:t>当前页</a:t>
+            </a:r>
+            <a:r>
+              <a:rPr lang="zh-CN" altLang="en-US" sz="1400" dirty="0">
+                <a:solidFill>
+                  <a:schemeClr val="bg1">
+                    <a:lumMod val="50000"/>
+                  </a:schemeClr>
+                </a:solidFill>
+                <a:latin typeface="微软雅黑" panose="020B0503020204020204" charset="-122"/>
+                <a:ea typeface="微软雅黑" panose="020B0503020204020204" charset="-122"/>
+              </a:rPr>
+              <a:t>的公式：</a:t>
+            </a:r>
+            <a:endParaRPr lang="en-US" altLang="zh-CN" sz="1400" dirty="0">
+              <a:solidFill>
+                <a:schemeClr val="bg1">
+                  <a:lumMod val="50000"/>
+                </a:schemeClr>
+              </a:solidFill>
+              <a:latin typeface="微软雅黑" panose="020B0503020204020204" charset="-122"/>
+              <a:ea typeface="微软雅黑" panose="020B0503020204020204" charset="-122"/>
+            </a:endParaRPr>
+          </a:p>
+          <a:p>
+            <a:r>
+              <a:rPr lang="zh-CN" altLang="en-US" sz="1400" dirty="0">
+                <a:solidFill>
+                  <a:schemeClr val="bg1">
+                    <a:lumMod val="50000"/>
+                  </a:schemeClr>
+                </a:solidFill>
+                <a:latin typeface="微软雅黑" panose="020B0503020204020204" charset="-122"/>
+                <a:ea typeface="微软雅黑" panose="020B0503020204020204" charset="-122"/>
+              </a:rPr>
+              <a:t>上述公式中 ‘</a:t>
+            </a:r>
+            <a:r>
+              <a:rPr lang="zh-CN" altLang="en-US" sz="1400" dirty="0">
+                <a:solidFill>
+                  <a:srgbClr val="FF0000"/>
+                </a:solidFill>
+                <a:latin typeface="微软雅黑" panose="020B0503020204020204" charset="-122"/>
+                <a:ea typeface="微软雅黑" panose="020B0503020204020204" charset="-122"/>
+              </a:rPr>
+              <a:t>*</a:t>
+            </a:r>
+            <a:r>
+              <a:rPr lang="zh-CN" altLang="en-US" sz="1400" dirty="0">
+                <a:solidFill>
+                  <a:schemeClr val="bg1">
+                    <a:lumMod val="50000"/>
+                  </a:schemeClr>
+                </a:solidFill>
+                <a:latin typeface="微软雅黑" panose="020B0503020204020204" charset="-122"/>
+                <a:ea typeface="微软雅黑" panose="020B0503020204020204" charset="-122"/>
+              </a:rPr>
+              <a:t>’星号代表 两个矩阵是进行</a:t>
+            </a:r>
+            <a:r>
+              <a:rPr lang="zh-CN" altLang="en-US" sz="1400" dirty="0">
+                <a:solidFill>
+                  <a:srgbClr val="FF0000"/>
+                </a:solidFill>
+                <a:latin typeface="微软雅黑" panose="020B0503020204020204" charset="-122"/>
+                <a:ea typeface="微软雅黑" panose="020B0503020204020204" charset="-122"/>
+              </a:rPr>
+              <a:t>逐元素相乘</a:t>
+            </a:r>
+            <a:r>
+              <a:rPr lang="zh-CN" altLang="en-US" sz="1400" dirty="0">
+                <a:solidFill>
+                  <a:schemeClr val="bg1">
+                    <a:lumMod val="50000"/>
+                  </a:schemeClr>
+                </a:solidFill>
+                <a:latin typeface="微软雅黑" panose="020B0503020204020204" charset="-122"/>
+                <a:ea typeface="微软雅黑" panose="020B0503020204020204" charset="-122"/>
+              </a:rPr>
+              <a:t>，所以此时这</a:t>
+            </a:r>
+            <a:r>
+              <a:rPr lang="zh-CN" altLang="en-US" sz="1400" dirty="0">
+                <a:solidFill>
+                  <a:srgbClr val="FF0000"/>
+                </a:solidFill>
+                <a:latin typeface="微软雅黑" panose="020B0503020204020204" charset="-122"/>
+                <a:ea typeface="微软雅黑" panose="020B0503020204020204" charset="-122"/>
+              </a:rPr>
+              <a:t>两个矩阵的维度必须是一致的</a:t>
+            </a:r>
+            <a:r>
+              <a:rPr lang="zh-CN" altLang="en-US" sz="1400" dirty="0">
+                <a:solidFill>
+                  <a:schemeClr val="bg1">
+                    <a:lumMod val="50000"/>
+                  </a:schemeClr>
+                </a:solidFill>
+                <a:latin typeface="微软雅黑" panose="020B0503020204020204" charset="-122"/>
+                <a:ea typeface="微软雅黑" panose="020B0503020204020204" charset="-122"/>
+              </a:rPr>
+              <a:t>！</a:t>
+            </a:r>
+            <a:endParaRPr lang="en-US" altLang="zh-CN" sz="1400" dirty="0">
+              <a:solidFill>
+                <a:schemeClr val="bg1">
+                  <a:lumMod val="50000"/>
+                </a:schemeClr>
+              </a:solidFill>
+              <a:latin typeface="微软雅黑" panose="020B0503020204020204" charset="-122"/>
+              <a:ea typeface="微软雅黑" panose="020B0503020204020204" charset="-122"/>
+            </a:endParaRPr>
+          </a:p>
+          <a:p>
+            <a:r>
+              <a:rPr lang="zh-CN" altLang="en-US" sz="1400" dirty="0">
+                <a:solidFill>
+                  <a:schemeClr val="bg1">
+                    <a:lumMod val="50000"/>
+                  </a:schemeClr>
+                </a:solidFill>
+                <a:latin typeface="微软雅黑" panose="020B0503020204020204" charset="-122"/>
+                <a:ea typeface="微软雅黑" panose="020B0503020204020204" charset="-122"/>
+              </a:rPr>
+              <a:t>而</a:t>
+            </a:r>
+            <a:endParaRPr lang="en-US" altLang="zh-CN" sz="1400" dirty="0">
+              <a:solidFill>
+                <a:schemeClr val="bg1">
+                  <a:lumMod val="50000"/>
+                </a:schemeClr>
+              </a:solidFill>
+              <a:latin typeface="微软雅黑" panose="020B0503020204020204" charset="-122"/>
+              <a:ea typeface="微软雅黑" panose="020B0503020204020204" charset="-122"/>
+            </a:endParaRPr>
+          </a:p>
+          <a:p>
+            <a:r>
+              <a:rPr lang="zh-CN" altLang="en-US" sz="1400" dirty="0">
+                <a:solidFill>
+                  <a:schemeClr val="bg1">
+                    <a:lumMod val="50000"/>
+                  </a:schemeClr>
+                </a:solidFill>
+                <a:latin typeface="微软雅黑" panose="020B0503020204020204" charset="-122"/>
+                <a:ea typeface="微软雅黑" panose="020B0503020204020204" charset="-122"/>
+              </a:rPr>
+              <a:t>上述公式中 两个矩阵直接</a:t>
+            </a:r>
+            <a:r>
+              <a:rPr lang="zh-CN" altLang="en-US" sz="1400" dirty="0">
+                <a:solidFill>
+                  <a:srgbClr val="00B0F0"/>
+                </a:solidFill>
+                <a:latin typeface="微软雅黑" panose="020B0503020204020204" charset="-122"/>
+                <a:ea typeface="微软雅黑" panose="020B0503020204020204" charset="-122"/>
+              </a:rPr>
+              <a:t>连着写</a:t>
+            </a:r>
+            <a:r>
+              <a:rPr lang="zh-CN" altLang="en-US" sz="1400" dirty="0">
+                <a:solidFill>
+                  <a:schemeClr val="bg1">
+                    <a:lumMod val="50000"/>
+                  </a:schemeClr>
+                </a:solidFill>
+                <a:latin typeface="微软雅黑" panose="020B0503020204020204" charset="-122"/>
+                <a:ea typeface="微软雅黑" panose="020B0503020204020204" charset="-122"/>
+              </a:rPr>
+              <a:t>代表 两个矩阵进行的是</a:t>
+            </a:r>
+            <a:r>
+              <a:rPr lang="zh-CN" altLang="en-US" sz="1400" dirty="0">
+                <a:solidFill>
+                  <a:srgbClr val="00B0F0"/>
+                </a:solidFill>
+                <a:latin typeface="微软雅黑" panose="020B0503020204020204" charset="-122"/>
+                <a:ea typeface="微软雅黑" panose="020B0503020204020204" charset="-122"/>
+              </a:rPr>
+              <a:t>矩阵的乘法</a:t>
+            </a:r>
+            <a:r>
+              <a:rPr lang="zh-CN" altLang="en-US" sz="1400" dirty="0">
+                <a:solidFill>
+                  <a:schemeClr val="bg1">
+                    <a:lumMod val="50000"/>
+                  </a:schemeClr>
+                </a:solidFill>
+                <a:latin typeface="微软雅黑" panose="020B0503020204020204" charset="-122"/>
+                <a:ea typeface="微软雅黑" panose="020B0503020204020204" charset="-122"/>
+              </a:rPr>
+              <a:t>，两个矩阵的维度必须满足</a:t>
+            </a:r>
+            <a:r>
+              <a:rPr lang="zh-CN" altLang="en-US" sz="1400" dirty="0">
+                <a:solidFill>
+                  <a:srgbClr val="00B0F0"/>
+                </a:solidFill>
+                <a:latin typeface="微软雅黑" panose="020B0503020204020204" charset="-122"/>
+                <a:ea typeface="微软雅黑" panose="020B0503020204020204" charset="-122"/>
+              </a:rPr>
+              <a:t>第一个矩阵的列数等于第二个矩阵的行数</a:t>
+            </a:r>
+            <a:r>
+              <a:rPr lang="zh-CN" altLang="en-US" sz="1400" dirty="0">
+                <a:solidFill>
+                  <a:schemeClr val="bg1">
+                    <a:lumMod val="50000"/>
+                  </a:schemeClr>
+                </a:solidFill>
+                <a:latin typeface="微软雅黑" panose="020B0503020204020204" charset="-122"/>
+                <a:ea typeface="微软雅黑" panose="020B0503020204020204" charset="-122"/>
+              </a:rPr>
+              <a:t>！</a:t>
+            </a:r>
+            <a:endParaRPr lang="en-US" altLang="zh-CN" sz="1400" dirty="0">
+              <a:solidFill>
+                <a:schemeClr val="bg1">
+                  <a:lumMod val="50000"/>
+                </a:schemeClr>
+              </a:solidFill>
+              <a:latin typeface="微软雅黑" panose="020B0503020204020204" charset="-122"/>
+              <a:ea typeface="微软雅黑" panose="020B0503020204020204" charset="-122"/>
+            </a:endParaRPr>
+          </a:p>
+        </p:txBody>
+      </p:sp>
+      <p:sp>
+        <p:nvSpPr>
+          <p:cNvPr id="9" name="文本框 8">
+            <a:extLst>
+              <a:ext uri="{FF2B5EF4-FFF2-40B4-BE49-F238E27FC236}">
+                <a16:creationId xmlns:a16="http://schemas.microsoft.com/office/drawing/2014/main" id="{5761D498-3B09-B646-B77E-620396EB89DF}"/>
+              </a:ext>
+            </a:extLst>
+          </p:cNvPr>
+          <p:cNvSpPr txBox="1"/>
+          <p:nvPr/>
+        </p:nvSpPr>
+        <p:spPr>
+          <a:xfrm>
+            <a:off x="5939699" y="2362723"/>
+            <a:ext cx="4018340" cy="523220"/>
+          </a:xfrm>
+          <a:prstGeom prst="rect">
+            <a:avLst/>
+          </a:prstGeom>
+          <a:noFill/>
+        </p:spPr>
+        <p:txBody>
+          <a:bodyPr wrap="square" rtlCol="0">
+            <a:spAutoFit/>
+          </a:bodyPr>
+          <a:lstStyle/>
+          <a:p>
+            <a:r>
+              <a:rPr lang="en-US" altLang="zh-CN" sz="1400" dirty="0">
+                <a:solidFill>
+                  <a:schemeClr val="bg1">
+                    <a:lumMod val="50000"/>
+                  </a:schemeClr>
+                </a:solidFill>
+                <a:latin typeface="微软雅黑" panose="020B0503020204020204" charset="-122"/>
+                <a:ea typeface="微软雅黑" panose="020B0503020204020204" charset="-122"/>
+              </a:rPr>
+              <a:t>axis=1</a:t>
+            </a:r>
+            <a:r>
+              <a:rPr lang="zh-CN" altLang="en-US" sz="1400" dirty="0">
+                <a:solidFill>
+                  <a:schemeClr val="bg1">
+                    <a:lumMod val="50000"/>
+                  </a:schemeClr>
+                </a:solidFill>
+                <a:latin typeface="微软雅黑" panose="020B0503020204020204" charset="-122"/>
+                <a:ea typeface="微软雅黑" panose="020B0503020204020204" charset="-122"/>
+              </a:rPr>
+              <a:t>意思是 按行求和，</a:t>
+            </a:r>
+            <a:endParaRPr lang="en-US" altLang="zh-CN" sz="1400" dirty="0">
+              <a:solidFill>
+                <a:schemeClr val="bg1">
+                  <a:lumMod val="50000"/>
+                </a:schemeClr>
+              </a:solidFill>
+              <a:latin typeface="微软雅黑" panose="020B0503020204020204" charset="-122"/>
+              <a:ea typeface="微软雅黑" panose="020B0503020204020204" charset="-122"/>
+            </a:endParaRPr>
+          </a:p>
+          <a:p>
+            <a:r>
+              <a:rPr lang="en-US" altLang="zh-CN" sz="1400" dirty="0" err="1">
+                <a:solidFill>
+                  <a:schemeClr val="bg1">
+                    <a:lumMod val="50000"/>
+                  </a:schemeClr>
+                </a:solidFill>
+                <a:latin typeface="微软雅黑" panose="020B0503020204020204" charset="-122"/>
+                <a:ea typeface="微软雅黑" panose="020B0503020204020204" charset="-122"/>
+              </a:rPr>
+              <a:t>keepdim</a:t>
+            </a:r>
+            <a:r>
+              <a:rPr lang="zh-CN" altLang="en-US" sz="1400" dirty="0">
+                <a:solidFill>
+                  <a:schemeClr val="bg1">
+                    <a:lumMod val="50000"/>
+                  </a:schemeClr>
+                </a:solidFill>
+                <a:latin typeface="微软雅黑" panose="020B0503020204020204" charset="-122"/>
+                <a:ea typeface="微软雅黑" panose="020B0503020204020204" charset="-122"/>
+              </a:rPr>
+              <a:t>意思是保持维度（这里就是保持二维）</a:t>
+            </a:r>
+            <a:endParaRPr lang="en-US" altLang="zh-CN" sz="1400" dirty="0">
+              <a:solidFill>
+                <a:schemeClr val="bg1">
+                  <a:lumMod val="50000"/>
+                </a:schemeClr>
+              </a:solidFill>
+              <a:latin typeface="微软雅黑" panose="020B0503020204020204" charset="-122"/>
+              <a:ea typeface="微软雅黑" panose="020B0503020204020204" charset="-122"/>
+            </a:endParaRPr>
+          </a:p>
+        </p:txBody>
+      </p:sp>
+      <p:pic>
+        <p:nvPicPr>
+          <p:cNvPr id="3" name="图片 2">
+            <a:extLst>
+              <a:ext uri="{FF2B5EF4-FFF2-40B4-BE49-F238E27FC236}">
+                <a16:creationId xmlns:a16="http://schemas.microsoft.com/office/drawing/2014/main" id="{478D6AE3-7C68-2740-B93C-2550DD16FF8B}"/>
+              </a:ext>
+            </a:extLst>
+          </p:cNvPr>
+          <p:cNvPicPr>
+            <a:picLocks noChangeAspect="1"/>
+          </p:cNvPicPr>
+          <p:nvPr/>
+        </p:nvPicPr>
+        <p:blipFill>
+          <a:blip r:embed="rId3"/>
+          <a:stretch>
+            <a:fillRect/>
+          </a:stretch>
+        </p:blipFill>
+        <p:spPr>
+          <a:xfrm>
+            <a:off x="837890" y="5641330"/>
+            <a:ext cx="3022600" cy="736600"/>
+          </a:xfrm>
+          <a:prstGeom prst="rect">
+            <a:avLst/>
+          </a:prstGeom>
+        </p:spPr>
+      </p:pic>
+      <p:sp>
+        <p:nvSpPr>
+          <p:cNvPr id="11" name="文本框 10">
+            <a:extLst>
+              <a:ext uri="{FF2B5EF4-FFF2-40B4-BE49-F238E27FC236}">
+                <a16:creationId xmlns:a16="http://schemas.microsoft.com/office/drawing/2014/main" id="{68A0540D-CD1F-9745-94B6-8FDB841E6292}"/>
+              </a:ext>
+            </a:extLst>
+          </p:cNvPr>
+          <p:cNvSpPr txBox="1"/>
+          <p:nvPr/>
+        </p:nvSpPr>
+        <p:spPr>
+          <a:xfrm>
+            <a:off x="673183" y="5226982"/>
+            <a:ext cx="4018340" cy="307777"/>
+          </a:xfrm>
+          <a:prstGeom prst="rect">
+            <a:avLst/>
+          </a:prstGeom>
+          <a:noFill/>
+        </p:spPr>
+        <p:txBody>
+          <a:bodyPr wrap="square" rtlCol="0">
+            <a:spAutoFit/>
+          </a:bodyPr>
+          <a:lstStyle/>
+          <a:p>
+            <a:r>
+              <a:rPr lang="zh-CN" altLang="en-US" sz="1400" dirty="0">
+                <a:solidFill>
+                  <a:schemeClr val="bg1">
+                    <a:lumMod val="50000"/>
+                  </a:schemeClr>
+                </a:solidFill>
+                <a:latin typeface="微软雅黑" panose="020B0503020204020204" charset="-122"/>
+                <a:ea typeface="微软雅黑" panose="020B0503020204020204" charset="-122"/>
+              </a:rPr>
+              <a:t>那与之对应的就是 更新权重和偏差的公式了</a:t>
+            </a:r>
+            <a:endParaRPr lang="en-US" altLang="zh-CN" sz="1400" dirty="0">
+              <a:solidFill>
+                <a:schemeClr val="bg1">
+                  <a:lumMod val="50000"/>
+                </a:schemeClr>
+              </a:solidFill>
+              <a:latin typeface="微软雅黑" panose="020B0503020204020204" charset="-122"/>
+              <a:ea typeface="微软雅黑" panose="020B0503020204020204" charset="-122"/>
+            </a:endParaRPr>
           </a:p>
         </p:txBody>
       </p:sp>
@@ -27354,6 +28046,607 @@
           </a:p>
         </p:txBody>
       </p:sp>
+      <p:sp>
+        <p:nvSpPr>
+          <p:cNvPr id="4" name="文本框 3">
+            <a:extLst>
+              <a:ext uri="{FF2B5EF4-FFF2-40B4-BE49-F238E27FC236}">
+                <a16:creationId xmlns:a16="http://schemas.microsoft.com/office/drawing/2014/main" id="{27188407-EF98-A242-9C72-B2B4F9A1960E}"/>
+              </a:ext>
+            </a:extLst>
+          </p:cNvPr>
+          <p:cNvSpPr txBox="1"/>
+          <p:nvPr/>
+        </p:nvSpPr>
+        <p:spPr>
+          <a:xfrm>
+            <a:off x="673183" y="1710423"/>
+            <a:ext cx="6664319" cy="1815882"/>
+          </a:xfrm>
+          <a:prstGeom prst="rect">
+            <a:avLst/>
+          </a:prstGeom>
+          <a:noFill/>
+        </p:spPr>
+        <p:txBody>
+          <a:bodyPr wrap="square" rtlCol="0">
+            <a:spAutoFit/>
+          </a:bodyPr>
+          <a:lstStyle/>
+          <a:p>
+            <a:r>
+              <a:rPr lang="zh-CN" altLang="en-US" sz="1400" dirty="0">
+                <a:solidFill>
+                  <a:schemeClr val="bg1">
+                    <a:lumMod val="50000"/>
+                  </a:schemeClr>
+                </a:solidFill>
+                <a:latin typeface="微软雅黑" panose="020B0503020204020204" charset="-122"/>
+                <a:ea typeface="微软雅黑" panose="020B0503020204020204" charset="-122"/>
+              </a:rPr>
+              <a:t>神经网络是由一个个神经元组成的，有输入</a:t>
+            </a:r>
+            <a:r>
+              <a:rPr lang="en-US" altLang="zh-CN" sz="1400" dirty="0">
+                <a:solidFill>
+                  <a:schemeClr val="bg1">
+                    <a:lumMod val="50000"/>
+                  </a:schemeClr>
+                </a:solidFill>
+                <a:latin typeface="微软雅黑" panose="020B0503020204020204" charset="-122"/>
+                <a:ea typeface="微软雅黑" panose="020B0503020204020204" charset="-122"/>
+              </a:rPr>
+              <a:t>x</a:t>
+            </a:r>
+            <a:r>
+              <a:rPr lang="zh-CN" altLang="en-US" sz="1400" dirty="0">
+                <a:solidFill>
+                  <a:schemeClr val="bg1">
+                    <a:lumMod val="50000"/>
+                  </a:schemeClr>
+                </a:solidFill>
+                <a:latin typeface="微软雅黑" panose="020B0503020204020204" charset="-122"/>
+                <a:ea typeface="微软雅黑" panose="020B0503020204020204" charset="-122"/>
+              </a:rPr>
+              <a:t>和目标</a:t>
+            </a:r>
+            <a:r>
+              <a:rPr lang="en-US" altLang="zh-CN" sz="1400" dirty="0">
+                <a:solidFill>
+                  <a:schemeClr val="bg1">
+                    <a:lumMod val="50000"/>
+                  </a:schemeClr>
+                </a:solidFill>
+                <a:latin typeface="微软雅黑" panose="020B0503020204020204" charset="-122"/>
+                <a:ea typeface="微软雅黑" panose="020B0503020204020204" charset="-122"/>
+              </a:rPr>
+              <a:t>y</a:t>
+            </a:r>
+            <a:r>
+              <a:rPr lang="zh-CN" altLang="en-US" sz="1400" dirty="0">
+                <a:solidFill>
+                  <a:schemeClr val="bg1">
+                    <a:lumMod val="50000"/>
+                  </a:schemeClr>
+                </a:solidFill>
+                <a:latin typeface="微软雅黑" panose="020B0503020204020204" charset="-122"/>
+                <a:ea typeface="微软雅黑" panose="020B0503020204020204" charset="-122"/>
+              </a:rPr>
+              <a:t>，学习过程如下：</a:t>
+            </a:r>
+            <a:endParaRPr lang="en-US" altLang="zh-CN" sz="1400" dirty="0">
+              <a:solidFill>
+                <a:schemeClr val="bg1">
+                  <a:lumMod val="50000"/>
+                </a:schemeClr>
+              </a:solidFill>
+              <a:latin typeface="微软雅黑" panose="020B0503020204020204" charset="-122"/>
+              <a:ea typeface="微软雅黑" panose="020B0503020204020204" charset="-122"/>
+            </a:endParaRPr>
+          </a:p>
+          <a:p>
+            <a:r>
+              <a:rPr lang="en-US" altLang="zh-CN" sz="1400" dirty="0">
+                <a:solidFill>
+                  <a:schemeClr val="bg1">
+                    <a:lumMod val="50000"/>
+                  </a:schemeClr>
+                </a:solidFill>
+                <a:latin typeface="微软雅黑" panose="020B0503020204020204" charset="-122"/>
+                <a:ea typeface="微软雅黑" panose="020B0503020204020204" charset="-122"/>
+              </a:rPr>
+              <a:t>0.</a:t>
+            </a:r>
+            <a:r>
+              <a:rPr lang="zh-CN" altLang="en-US" sz="1400" dirty="0">
+                <a:solidFill>
+                  <a:schemeClr val="bg1">
+                    <a:lumMod val="50000"/>
+                  </a:schemeClr>
+                </a:solidFill>
+                <a:latin typeface="微软雅黑" panose="020B0503020204020204" charset="-122"/>
+                <a:ea typeface="微软雅黑" panose="020B0503020204020204" charset="-122"/>
+              </a:rPr>
+              <a:t>初始化各层的权重</a:t>
+            </a:r>
+            <a:r>
+              <a:rPr lang="en-US" altLang="zh-CN" sz="1400" dirty="0">
+                <a:solidFill>
+                  <a:schemeClr val="bg1">
+                    <a:lumMod val="50000"/>
+                  </a:schemeClr>
+                </a:solidFill>
+                <a:latin typeface="微软雅黑" panose="020B0503020204020204" charset="-122"/>
+                <a:ea typeface="微软雅黑" panose="020B0503020204020204" charset="-122"/>
+              </a:rPr>
+              <a:t>w</a:t>
+            </a:r>
+            <a:r>
+              <a:rPr lang="zh-CN" altLang="en-US" sz="1400" dirty="0">
+                <a:solidFill>
+                  <a:schemeClr val="bg1">
+                    <a:lumMod val="50000"/>
+                  </a:schemeClr>
+                </a:solidFill>
+                <a:latin typeface="微软雅黑" panose="020B0503020204020204" charset="-122"/>
+                <a:ea typeface="微软雅黑" panose="020B0503020204020204" charset="-122"/>
+              </a:rPr>
+              <a:t>和</a:t>
+            </a:r>
+            <a:r>
+              <a:rPr lang="en-US" altLang="zh-CN" sz="1400" dirty="0">
+                <a:solidFill>
+                  <a:schemeClr val="bg1">
+                    <a:lumMod val="50000"/>
+                  </a:schemeClr>
+                </a:solidFill>
+                <a:latin typeface="微软雅黑" panose="020B0503020204020204" charset="-122"/>
+                <a:ea typeface="微软雅黑" panose="020B0503020204020204" charset="-122"/>
+              </a:rPr>
+              <a:t>b</a:t>
+            </a:r>
+            <a:r>
+              <a:rPr lang="zh-CN" altLang="en-US" sz="1400" dirty="0">
+                <a:solidFill>
+                  <a:schemeClr val="bg1">
+                    <a:lumMod val="50000"/>
+                  </a:schemeClr>
+                </a:solidFill>
+                <a:latin typeface="微软雅黑" panose="020B0503020204020204" charset="-122"/>
+                <a:ea typeface="微软雅黑" panose="020B0503020204020204" charset="-122"/>
+              </a:rPr>
+              <a:t>（</a:t>
+            </a:r>
+            <a:r>
+              <a:rPr lang="en-US" altLang="zh-CN" sz="1400" dirty="0">
+                <a:solidFill>
+                  <a:schemeClr val="bg1">
+                    <a:lumMod val="50000"/>
+                  </a:schemeClr>
+                </a:solidFill>
+                <a:latin typeface="微软雅黑" panose="020B0503020204020204" charset="-122"/>
+                <a:ea typeface="微软雅黑" panose="020B0503020204020204" charset="-122"/>
+              </a:rPr>
+              <a:t>w</a:t>
+            </a:r>
+            <a:r>
+              <a:rPr lang="zh-CN" altLang="en-US" sz="1400" dirty="0">
+                <a:solidFill>
+                  <a:schemeClr val="bg1">
+                    <a:lumMod val="50000"/>
+                  </a:schemeClr>
+                </a:solidFill>
+                <a:latin typeface="微软雅黑" panose="020B0503020204020204" charset="-122"/>
+                <a:ea typeface="微软雅黑" panose="020B0503020204020204" charset="-122"/>
+              </a:rPr>
+              <a:t>随机初始化，</a:t>
+            </a:r>
+            <a:r>
+              <a:rPr lang="en-US" altLang="zh-CN" sz="1400" dirty="0">
+                <a:solidFill>
+                  <a:schemeClr val="bg1">
+                    <a:lumMod val="50000"/>
+                  </a:schemeClr>
+                </a:solidFill>
+                <a:latin typeface="微软雅黑" panose="020B0503020204020204" charset="-122"/>
+                <a:ea typeface="微软雅黑" panose="020B0503020204020204" charset="-122"/>
+              </a:rPr>
+              <a:t>b</a:t>
+            </a:r>
+            <a:r>
+              <a:rPr lang="zh-CN" altLang="en-US" sz="1400" dirty="0">
+                <a:solidFill>
+                  <a:schemeClr val="bg1">
+                    <a:lumMod val="50000"/>
+                  </a:schemeClr>
+                </a:solidFill>
+                <a:latin typeface="微软雅黑" panose="020B0503020204020204" charset="-122"/>
+                <a:ea typeface="微软雅黑" panose="020B0503020204020204" charset="-122"/>
+              </a:rPr>
+              <a:t>置</a:t>
+            </a:r>
+            <a:r>
+              <a:rPr lang="en-US" altLang="zh-CN" sz="1400" dirty="0">
+                <a:solidFill>
+                  <a:schemeClr val="bg1">
+                    <a:lumMod val="50000"/>
+                  </a:schemeClr>
+                </a:solidFill>
+                <a:latin typeface="微软雅黑" panose="020B0503020204020204" charset="-122"/>
+                <a:ea typeface="微软雅黑" panose="020B0503020204020204" charset="-122"/>
+              </a:rPr>
+              <a:t>0</a:t>
+            </a:r>
+            <a:r>
+              <a:rPr lang="zh-CN" altLang="en-US" sz="1400" dirty="0">
+                <a:solidFill>
+                  <a:schemeClr val="bg1">
+                    <a:lumMod val="50000"/>
+                  </a:schemeClr>
+                </a:solidFill>
+                <a:latin typeface="微软雅黑" panose="020B0503020204020204" charset="-122"/>
+                <a:ea typeface="微软雅黑" panose="020B0503020204020204" charset="-122"/>
+              </a:rPr>
+              <a:t>）</a:t>
+            </a:r>
+            <a:endParaRPr lang="en-US" altLang="zh-CN" sz="1400" dirty="0">
+              <a:solidFill>
+                <a:schemeClr val="bg1">
+                  <a:lumMod val="50000"/>
+                </a:schemeClr>
+              </a:solidFill>
+              <a:latin typeface="微软雅黑" panose="020B0503020204020204" charset="-122"/>
+              <a:ea typeface="微软雅黑" panose="020B0503020204020204" charset="-122"/>
+            </a:endParaRPr>
+          </a:p>
+          <a:p>
+            <a:r>
+              <a:rPr lang="en-US" altLang="zh-CN" sz="1400" dirty="0">
+                <a:solidFill>
+                  <a:schemeClr val="bg1">
+                    <a:lumMod val="50000"/>
+                  </a:schemeClr>
+                </a:solidFill>
+                <a:latin typeface="微软雅黑" panose="020B0503020204020204" charset="-122"/>
+                <a:ea typeface="微软雅黑" panose="020B0503020204020204" charset="-122"/>
+              </a:rPr>
+              <a:t>1.</a:t>
+            </a:r>
+            <a:r>
+              <a:rPr lang="zh-CN" altLang="en-US" sz="1400" dirty="0">
+                <a:solidFill>
+                  <a:schemeClr val="bg1">
+                    <a:lumMod val="50000"/>
+                  </a:schemeClr>
+                </a:solidFill>
+                <a:latin typeface="微软雅黑" panose="020B0503020204020204" charset="-122"/>
+                <a:ea typeface="微软雅黑" panose="020B0503020204020204" charset="-122"/>
+              </a:rPr>
+              <a:t>将</a:t>
+            </a:r>
+            <a:r>
+              <a:rPr lang="en-US" altLang="zh-CN" sz="1400" dirty="0">
+                <a:solidFill>
+                  <a:schemeClr val="bg1">
+                    <a:lumMod val="50000"/>
+                  </a:schemeClr>
+                </a:solidFill>
+                <a:latin typeface="微软雅黑" panose="020B0503020204020204" charset="-122"/>
+                <a:ea typeface="微软雅黑" panose="020B0503020204020204" charset="-122"/>
+              </a:rPr>
+              <a:t>x</a:t>
+            </a:r>
+            <a:r>
+              <a:rPr lang="zh-CN" altLang="en-US" sz="1400" dirty="0">
+                <a:solidFill>
+                  <a:schemeClr val="bg1">
+                    <a:lumMod val="50000"/>
+                  </a:schemeClr>
+                </a:solidFill>
+                <a:latin typeface="微软雅黑" panose="020B0503020204020204" charset="-122"/>
+                <a:ea typeface="微软雅黑" panose="020B0503020204020204" charset="-122"/>
+              </a:rPr>
+              <a:t>喂入神经网络，经过正向传播得到预测</a:t>
+            </a:r>
+            <a:r>
+              <a:rPr lang="en-US" altLang="zh-CN" sz="1400" dirty="0">
+                <a:solidFill>
+                  <a:schemeClr val="bg1">
+                    <a:lumMod val="50000"/>
+                  </a:schemeClr>
+                </a:solidFill>
+                <a:latin typeface="微软雅黑" panose="020B0503020204020204" charset="-122"/>
+                <a:ea typeface="微软雅黑" panose="020B0503020204020204" charset="-122"/>
+              </a:rPr>
+              <a:t>y</a:t>
+            </a:r>
+          </a:p>
+          <a:p>
+            <a:r>
+              <a:rPr lang="en-US" altLang="zh-CN" sz="1400" dirty="0">
+                <a:solidFill>
+                  <a:schemeClr val="bg1">
+                    <a:lumMod val="50000"/>
+                  </a:schemeClr>
+                </a:solidFill>
+                <a:latin typeface="微软雅黑" panose="020B0503020204020204" charset="-122"/>
+                <a:ea typeface="微软雅黑" panose="020B0503020204020204" charset="-122"/>
+              </a:rPr>
+              <a:t>2.</a:t>
+            </a:r>
+            <a:r>
+              <a:rPr lang="zh-CN" altLang="en-US" sz="1400" dirty="0">
+                <a:solidFill>
+                  <a:schemeClr val="bg1">
+                    <a:lumMod val="50000"/>
+                  </a:schemeClr>
+                </a:solidFill>
+                <a:latin typeface="微软雅黑" panose="020B0503020204020204" charset="-122"/>
+                <a:ea typeface="微软雅黑" panose="020B0503020204020204" charset="-122"/>
+              </a:rPr>
+              <a:t>对预测</a:t>
+            </a:r>
+            <a:r>
+              <a:rPr lang="en-US" altLang="zh-CN" sz="1400" dirty="0">
+                <a:solidFill>
+                  <a:schemeClr val="bg1">
+                    <a:lumMod val="50000"/>
+                  </a:schemeClr>
+                </a:solidFill>
+                <a:latin typeface="微软雅黑" panose="020B0503020204020204" charset="-122"/>
+                <a:ea typeface="微软雅黑" panose="020B0503020204020204" charset="-122"/>
+              </a:rPr>
+              <a:t>y</a:t>
+            </a:r>
+            <a:r>
+              <a:rPr lang="zh-CN" altLang="en-US" sz="1400" dirty="0">
+                <a:solidFill>
+                  <a:schemeClr val="bg1">
+                    <a:lumMod val="50000"/>
+                  </a:schemeClr>
+                </a:solidFill>
+                <a:latin typeface="微软雅黑" panose="020B0503020204020204" charset="-122"/>
+                <a:ea typeface="微软雅黑" panose="020B0503020204020204" charset="-122"/>
+              </a:rPr>
+              <a:t>和目标</a:t>
+            </a:r>
+            <a:r>
+              <a:rPr lang="en-US" altLang="zh-CN" sz="1400" dirty="0">
+                <a:solidFill>
+                  <a:schemeClr val="bg1">
+                    <a:lumMod val="50000"/>
+                  </a:schemeClr>
+                </a:solidFill>
+                <a:latin typeface="微软雅黑" panose="020B0503020204020204" charset="-122"/>
+                <a:ea typeface="微软雅黑" panose="020B0503020204020204" charset="-122"/>
+              </a:rPr>
+              <a:t>y</a:t>
+            </a:r>
+            <a:r>
+              <a:rPr lang="zh-CN" altLang="en-US" sz="1400" dirty="0">
+                <a:solidFill>
+                  <a:schemeClr val="bg1">
+                    <a:lumMod val="50000"/>
+                  </a:schemeClr>
+                </a:solidFill>
+                <a:latin typeface="微软雅黑" panose="020B0503020204020204" charset="-122"/>
+                <a:ea typeface="微软雅黑" panose="020B0503020204020204" charset="-122"/>
+              </a:rPr>
+              <a:t>进行误差计算得到误差值</a:t>
+            </a:r>
+            <a:endParaRPr lang="en-US" altLang="zh-CN" sz="1400" dirty="0">
+              <a:solidFill>
+                <a:schemeClr val="bg1">
+                  <a:lumMod val="50000"/>
+                </a:schemeClr>
+              </a:solidFill>
+              <a:latin typeface="微软雅黑" panose="020B0503020204020204" charset="-122"/>
+              <a:ea typeface="微软雅黑" panose="020B0503020204020204" charset="-122"/>
+            </a:endParaRPr>
+          </a:p>
+          <a:p>
+            <a:r>
+              <a:rPr lang="en-US" altLang="zh-CN" sz="1400" dirty="0">
+                <a:solidFill>
+                  <a:schemeClr val="bg1">
+                    <a:lumMod val="50000"/>
+                  </a:schemeClr>
+                </a:solidFill>
+                <a:latin typeface="微软雅黑" panose="020B0503020204020204" charset="-122"/>
+                <a:ea typeface="微软雅黑" panose="020B0503020204020204" charset="-122"/>
+              </a:rPr>
+              <a:t>3.</a:t>
+            </a:r>
+            <a:r>
+              <a:rPr lang="zh-CN" altLang="en-US" sz="1400" dirty="0">
+                <a:solidFill>
+                  <a:schemeClr val="bg1">
+                    <a:lumMod val="50000"/>
+                  </a:schemeClr>
+                </a:solidFill>
+                <a:latin typeface="微软雅黑" panose="020B0503020204020204" charset="-122"/>
+                <a:ea typeface="微软雅黑" panose="020B0503020204020204" charset="-122"/>
+              </a:rPr>
+              <a:t>将该误差值反向传递到各层神经网络</a:t>
+            </a:r>
+            <a:endParaRPr lang="en-US" altLang="zh-CN" sz="1400" dirty="0">
+              <a:solidFill>
+                <a:schemeClr val="bg1">
+                  <a:lumMod val="50000"/>
+                </a:schemeClr>
+              </a:solidFill>
+              <a:latin typeface="微软雅黑" panose="020B0503020204020204" charset="-122"/>
+              <a:ea typeface="微软雅黑" panose="020B0503020204020204" charset="-122"/>
+            </a:endParaRPr>
+          </a:p>
+          <a:p>
+            <a:r>
+              <a:rPr lang="en-US" altLang="zh-CN" sz="1400" dirty="0">
+                <a:solidFill>
+                  <a:schemeClr val="bg1">
+                    <a:lumMod val="50000"/>
+                  </a:schemeClr>
+                </a:solidFill>
+                <a:latin typeface="微软雅黑" panose="020B0503020204020204" charset="-122"/>
+                <a:ea typeface="微软雅黑" panose="020B0503020204020204" charset="-122"/>
+              </a:rPr>
+              <a:t>4.</a:t>
+            </a:r>
+            <a:r>
+              <a:rPr lang="zh-CN" altLang="en-US" sz="1400" dirty="0">
+                <a:solidFill>
+                  <a:schemeClr val="bg1">
+                    <a:lumMod val="50000"/>
+                  </a:schemeClr>
+                </a:solidFill>
+                <a:latin typeface="微软雅黑" panose="020B0503020204020204" charset="-122"/>
+                <a:ea typeface="微软雅黑" panose="020B0503020204020204" charset="-122"/>
+              </a:rPr>
+              <a:t>用梯度下降方法更新权重</a:t>
+            </a:r>
+            <a:r>
+              <a:rPr lang="en-US" altLang="zh-CN" sz="1400" dirty="0">
+                <a:solidFill>
+                  <a:schemeClr val="bg1">
+                    <a:lumMod val="50000"/>
+                  </a:schemeClr>
+                </a:solidFill>
+                <a:latin typeface="微软雅黑" panose="020B0503020204020204" charset="-122"/>
+                <a:ea typeface="微软雅黑" panose="020B0503020204020204" charset="-122"/>
+              </a:rPr>
+              <a:t>w</a:t>
+            </a:r>
+            <a:r>
+              <a:rPr lang="zh-CN" altLang="en-US" sz="1400" dirty="0">
+                <a:solidFill>
+                  <a:schemeClr val="bg1">
+                    <a:lumMod val="50000"/>
+                  </a:schemeClr>
+                </a:solidFill>
+                <a:latin typeface="微软雅黑" panose="020B0503020204020204" charset="-122"/>
+                <a:ea typeface="微软雅黑" panose="020B0503020204020204" charset="-122"/>
+              </a:rPr>
+              <a:t>和</a:t>
+            </a:r>
+            <a:r>
+              <a:rPr lang="en-US" altLang="zh-CN" sz="1400" dirty="0">
+                <a:solidFill>
+                  <a:schemeClr val="bg1">
+                    <a:lumMod val="50000"/>
+                  </a:schemeClr>
+                </a:solidFill>
+                <a:latin typeface="微软雅黑" panose="020B0503020204020204" charset="-122"/>
+                <a:ea typeface="微软雅黑" panose="020B0503020204020204" charset="-122"/>
+              </a:rPr>
+              <a:t>b</a:t>
+            </a:r>
+          </a:p>
+          <a:p>
+            <a:r>
+              <a:rPr lang="en-US" altLang="zh-CN" sz="1400" dirty="0">
+                <a:solidFill>
+                  <a:schemeClr val="bg1">
+                    <a:lumMod val="50000"/>
+                  </a:schemeClr>
+                </a:solidFill>
+                <a:latin typeface="微软雅黑" panose="020B0503020204020204" charset="-122"/>
+                <a:ea typeface="微软雅黑" panose="020B0503020204020204" charset="-122"/>
+              </a:rPr>
+              <a:t>5.</a:t>
+            </a:r>
+            <a:r>
+              <a:rPr lang="zh-CN" altLang="en-US" sz="1400" dirty="0">
+                <a:solidFill>
+                  <a:schemeClr val="bg1">
+                    <a:lumMod val="50000"/>
+                  </a:schemeClr>
+                </a:solidFill>
+                <a:latin typeface="微软雅黑" panose="020B0503020204020204" charset="-122"/>
+                <a:ea typeface="微软雅黑" panose="020B0503020204020204" charset="-122"/>
+              </a:rPr>
+              <a:t>重复</a:t>
+            </a:r>
+            <a:r>
+              <a:rPr lang="en-US" altLang="zh-CN" sz="1400" dirty="0">
+                <a:solidFill>
+                  <a:schemeClr val="bg1">
+                    <a:lumMod val="50000"/>
+                  </a:schemeClr>
+                </a:solidFill>
+                <a:latin typeface="微软雅黑" panose="020B0503020204020204" charset="-122"/>
+                <a:ea typeface="微软雅黑" panose="020B0503020204020204" charset="-122"/>
+              </a:rPr>
+              <a:t>1-4</a:t>
+            </a:r>
+            <a:r>
+              <a:rPr lang="zh-CN" altLang="en-US" sz="1400" dirty="0">
+                <a:solidFill>
+                  <a:schemeClr val="bg1">
+                    <a:lumMod val="50000"/>
+                  </a:schemeClr>
+                </a:solidFill>
+                <a:latin typeface="微软雅黑" panose="020B0503020204020204" charset="-122"/>
+                <a:ea typeface="微软雅黑" panose="020B0503020204020204" charset="-122"/>
+              </a:rPr>
+              <a:t>，直到误差低于某个阈值或达到了迭代次数或通过了性能的评估</a:t>
+            </a:r>
+            <a:endParaRPr lang="en-US" altLang="zh-CN" sz="1400" dirty="0">
+              <a:solidFill>
+                <a:schemeClr val="bg1">
+                  <a:lumMod val="50000"/>
+                </a:schemeClr>
+              </a:solidFill>
+              <a:latin typeface="微软雅黑" panose="020B0503020204020204" charset="-122"/>
+              <a:ea typeface="微软雅黑" panose="020B0503020204020204" charset="-122"/>
+            </a:endParaRPr>
+          </a:p>
+          <a:p>
+            <a:endParaRPr lang="en-US" altLang="zh-CN" sz="1400" dirty="0">
+              <a:solidFill>
+                <a:schemeClr val="bg1">
+                  <a:lumMod val="50000"/>
+                </a:schemeClr>
+              </a:solidFill>
+              <a:latin typeface="微软雅黑" panose="020B0503020204020204" charset="-122"/>
+              <a:ea typeface="微软雅黑" panose="020B0503020204020204" charset="-122"/>
+            </a:endParaRPr>
+          </a:p>
+        </p:txBody>
+      </p:sp>
+      <p:sp>
+        <p:nvSpPr>
+          <p:cNvPr id="5" name="矩形 4">
+            <a:extLst>
+              <a:ext uri="{FF2B5EF4-FFF2-40B4-BE49-F238E27FC236}">
+                <a16:creationId xmlns:a16="http://schemas.microsoft.com/office/drawing/2014/main" id="{09E8F1B3-E239-374C-BD72-C744120D171B}"/>
+              </a:ext>
+            </a:extLst>
+          </p:cNvPr>
+          <p:cNvSpPr/>
+          <p:nvPr/>
+        </p:nvSpPr>
+        <p:spPr>
+          <a:xfrm>
+            <a:off x="673183" y="826361"/>
+            <a:ext cx="4254370" cy="523220"/>
+          </a:xfrm>
+          <a:prstGeom prst="rect">
+            <a:avLst/>
+          </a:prstGeom>
+        </p:spPr>
+        <p:txBody>
+          <a:bodyPr wrap="none">
+            <a:spAutoFit/>
+          </a:bodyPr>
+          <a:lstStyle/>
+          <a:p>
+            <a:r>
+              <a:rPr lang="zh-CN" altLang="en-US" sz="2800" dirty="0"/>
+              <a:t>神经网络学习原理的总结</a:t>
+            </a:r>
+          </a:p>
+        </p:txBody>
+      </p:sp>
     </p:spTree>
     <p:extLst>
       <p:ext uri="{BB962C8B-B14F-4D97-AF65-F5344CB8AC3E}">
@@ -27597,7 +28890,7 @@
             </a:r>
             <a:r>
               <a:rPr lang="zh-CN" altLang="en-US" sz="1400" b="1" dirty="0"/>
-              <a:t>深入神经网络</a:t>
+              <a:t>应用神经网络</a:t>
             </a:r>
           </a:p>
         </p:txBody>
@@ -27653,6 +28946,683 @@
           <a:p>
             <a:pPr algn="ctr"/>
             <a:endParaRPr lang="zh-CN" altLang="en-US" sz="4400"/>
+          </a:p>
+        </p:txBody>
+      </p:sp>
+      <p:sp>
+        <p:nvSpPr>
+          <p:cNvPr id="4" name="矩形 3">
+            <a:extLst>
+              <a:ext uri="{FF2B5EF4-FFF2-40B4-BE49-F238E27FC236}">
+                <a16:creationId xmlns:a16="http://schemas.microsoft.com/office/drawing/2014/main" id="{C45A60DE-8BA0-D04A-8A28-3961B549BD3C}"/>
+              </a:ext>
+            </a:extLst>
+          </p:cNvPr>
+          <p:cNvSpPr/>
+          <p:nvPr/>
+        </p:nvSpPr>
+        <p:spPr>
+          <a:xfrm>
+            <a:off x="673183" y="465517"/>
+            <a:ext cx="2339102" cy="523220"/>
+          </a:xfrm>
+          <a:prstGeom prst="rect">
+            <a:avLst/>
+          </a:prstGeom>
+        </p:spPr>
+        <p:txBody>
+          <a:bodyPr wrap="none">
+            <a:spAutoFit/>
+          </a:bodyPr>
+          <a:lstStyle/>
+          <a:p>
+            <a:r>
+              <a:rPr lang="zh-CN" altLang="en-US" sz="2800" dirty="0"/>
+              <a:t>应用神经网络</a:t>
+            </a:r>
+          </a:p>
+        </p:txBody>
+      </p:sp>
+      <p:sp>
+        <p:nvSpPr>
+          <p:cNvPr id="5" name="文本框 4">
+            <a:extLst>
+              <a:ext uri="{FF2B5EF4-FFF2-40B4-BE49-F238E27FC236}">
+                <a16:creationId xmlns:a16="http://schemas.microsoft.com/office/drawing/2014/main" id="{D72FE054-D69A-4045-AF0C-4A6163EE99AF}"/>
+              </a:ext>
+            </a:extLst>
+          </p:cNvPr>
+          <p:cNvSpPr txBox="1"/>
+          <p:nvPr/>
+        </p:nvSpPr>
+        <p:spPr>
+          <a:xfrm>
+            <a:off x="673183" y="1085954"/>
+            <a:ext cx="2482864" cy="369332"/>
+          </a:xfrm>
+          <a:prstGeom prst="rect">
+            <a:avLst/>
+          </a:prstGeom>
+          <a:noFill/>
+        </p:spPr>
+        <p:txBody>
+          <a:bodyPr wrap="square" rtlCol="0">
+            <a:spAutoFit/>
+          </a:bodyPr>
+          <a:lstStyle/>
+          <a:p>
+            <a:r>
+              <a:rPr kumimoji="1" lang="zh-CN" altLang="en-US" dirty="0"/>
+              <a:t>识别手写数字</a:t>
+            </a:r>
+            <a:r>
+              <a:rPr kumimoji="1" lang="en-US" altLang="zh-CN" dirty="0"/>
+              <a:t>MNIST</a:t>
+            </a:r>
+            <a:endParaRPr kumimoji="1" lang="zh-CN" altLang="en-US" dirty="0"/>
+          </a:p>
+        </p:txBody>
+      </p:sp>
+      <p:sp>
+        <p:nvSpPr>
+          <p:cNvPr id="8" name="文本框 7">
+            <a:extLst>
+              <a:ext uri="{FF2B5EF4-FFF2-40B4-BE49-F238E27FC236}">
+                <a16:creationId xmlns:a16="http://schemas.microsoft.com/office/drawing/2014/main" id="{62D60FDE-F421-7242-990A-D74B6D760172}"/>
+              </a:ext>
+            </a:extLst>
+          </p:cNvPr>
+          <p:cNvSpPr txBox="1"/>
+          <p:nvPr/>
+        </p:nvSpPr>
+        <p:spPr>
+          <a:xfrm>
+            <a:off x="673183" y="1552503"/>
+            <a:ext cx="7820270" cy="738664"/>
+          </a:xfrm>
+          <a:prstGeom prst="rect">
+            <a:avLst/>
+          </a:prstGeom>
+          <a:noFill/>
+        </p:spPr>
+        <p:txBody>
+          <a:bodyPr wrap="square" rtlCol="0">
+            <a:spAutoFit/>
+          </a:bodyPr>
+          <a:lstStyle/>
+          <a:p>
+            <a:r>
+              <a:rPr lang="zh-CN" altLang="en-US" sz="1400" dirty="0">
+                <a:solidFill>
+                  <a:schemeClr val="bg1">
+                    <a:lumMod val="50000"/>
+                  </a:schemeClr>
+                </a:solidFill>
+                <a:latin typeface="微软雅黑" panose="020B0503020204020204" charset="-122"/>
+                <a:ea typeface="微软雅黑" panose="020B0503020204020204" charset="-122"/>
+              </a:rPr>
+              <a:t>用神经网络去处理手写数字</a:t>
+            </a:r>
+            <a:r>
+              <a:rPr lang="en-US" altLang="zh-CN" sz="1400" dirty="0">
+                <a:solidFill>
+                  <a:schemeClr val="bg1">
+                    <a:lumMod val="50000"/>
+                  </a:schemeClr>
+                </a:solidFill>
+                <a:latin typeface="微软雅黑" panose="020B0503020204020204" charset="-122"/>
+                <a:ea typeface="微软雅黑" panose="020B0503020204020204" charset="-122"/>
+              </a:rPr>
+              <a:t>MNIST</a:t>
+            </a:r>
+            <a:r>
+              <a:rPr lang="zh-CN" altLang="en-US" sz="1400" dirty="0">
+                <a:solidFill>
+                  <a:schemeClr val="bg1">
+                    <a:lumMod val="50000"/>
+                  </a:schemeClr>
+                </a:solidFill>
+                <a:latin typeface="微软雅黑" panose="020B0503020204020204" charset="-122"/>
+                <a:ea typeface="微软雅黑" panose="020B0503020204020204" charset="-122"/>
+              </a:rPr>
+              <a:t>集就好比学习编程时的</a:t>
+            </a:r>
+            <a:r>
+              <a:rPr lang="en-US" altLang="zh-CN" sz="1400" dirty="0" err="1">
+                <a:solidFill>
+                  <a:schemeClr val="bg1">
+                    <a:lumMod val="50000"/>
+                  </a:schemeClr>
+                </a:solidFill>
+                <a:latin typeface="微软雅黑" panose="020B0503020204020204" charset="-122"/>
+                <a:ea typeface="微软雅黑" panose="020B0503020204020204" charset="-122"/>
+              </a:rPr>
+              <a:t>helloworld</a:t>
+            </a:r>
+            <a:r>
+              <a:rPr lang="zh-CN" altLang="en-US" sz="1400" dirty="0">
+                <a:solidFill>
+                  <a:schemeClr val="bg1">
+                    <a:lumMod val="50000"/>
+                  </a:schemeClr>
+                </a:solidFill>
+                <a:latin typeface="微软雅黑" panose="020B0503020204020204" charset="-122"/>
+                <a:ea typeface="微软雅黑" panose="020B0503020204020204" charset="-122"/>
+              </a:rPr>
+              <a:t>，是一个快速熟悉神经网络搭建的入门小项目</a:t>
+            </a:r>
+            <a:endParaRPr lang="en-US" altLang="zh-CN" sz="1400" dirty="0">
+              <a:solidFill>
+                <a:schemeClr val="bg1">
+                  <a:lumMod val="50000"/>
+                </a:schemeClr>
+              </a:solidFill>
+              <a:latin typeface="微软雅黑" panose="020B0503020204020204" charset="-122"/>
+              <a:ea typeface="微软雅黑" panose="020B0503020204020204" charset="-122"/>
+            </a:endParaRPr>
+          </a:p>
+          <a:p>
+            <a:r>
+              <a:rPr lang="en-US" altLang="zh-CN" sz="1400" dirty="0">
+                <a:solidFill>
+                  <a:schemeClr val="bg1">
+                    <a:lumMod val="50000"/>
+                  </a:schemeClr>
+                </a:solidFill>
+                <a:latin typeface="微软雅黑" panose="020B0503020204020204" charset="-122"/>
+                <a:ea typeface="微软雅黑" panose="020B0503020204020204" charset="-122"/>
+              </a:rPr>
+              <a:t>MNIST</a:t>
+            </a:r>
+            <a:r>
+              <a:rPr lang="zh-CN" altLang="en-US" sz="1400" dirty="0">
+                <a:solidFill>
+                  <a:schemeClr val="bg1">
+                    <a:lumMod val="50000"/>
+                  </a:schemeClr>
+                </a:solidFill>
+                <a:latin typeface="微软雅黑" panose="020B0503020204020204" charset="-122"/>
+                <a:ea typeface="微软雅黑" panose="020B0503020204020204" charset="-122"/>
+              </a:rPr>
+              <a:t>是已经标准化整理过的输入素材，以</a:t>
+            </a:r>
+            <a:r>
+              <a:rPr lang="en-US" altLang="zh-CN" sz="1400" dirty="0" err="1">
+                <a:solidFill>
+                  <a:schemeClr val="bg1">
+                    <a:lumMod val="50000"/>
+                  </a:schemeClr>
+                </a:solidFill>
+                <a:latin typeface="微软雅黑" panose="020B0503020204020204" charset="-122"/>
+                <a:ea typeface="微软雅黑" panose="020B0503020204020204" charset="-122"/>
+              </a:rPr>
+              <a:t>Keras</a:t>
+            </a:r>
+            <a:r>
+              <a:rPr lang="zh-CN" altLang="en-US" sz="1400" dirty="0">
+                <a:solidFill>
+                  <a:schemeClr val="bg1">
+                    <a:lumMod val="50000"/>
+                  </a:schemeClr>
+                </a:solidFill>
+                <a:latin typeface="微软雅黑" panose="020B0503020204020204" charset="-122"/>
+                <a:ea typeface="微软雅黑" panose="020B0503020204020204" charset="-122"/>
+              </a:rPr>
+              <a:t>为例，下载下来的数据包是这样</a:t>
+            </a:r>
+            <a:endParaRPr lang="en-US" altLang="zh-CN" sz="1400" dirty="0">
+              <a:solidFill>
+                <a:schemeClr val="bg1">
+                  <a:lumMod val="50000"/>
+                </a:schemeClr>
+              </a:solidFill>
+              <a:latin typeface="微软雅黑" panose="020B0503020204020204" charset="-122"/>
+              <a:ea typeface="微软雅黑" panose="020B0503020204020204" charset="-122"/>
+            </a:endParaRPr>
+          </a:p>
+        </p:txBody>
+      </p:sp>
+      <p:pic>
+        <p:nvPicPr>
+          <p:cNvPr id="2" name="图片 1">
+            <a:extLst>
+              <a:ext uri="{FF2B5EF4-FFF2-40B4-BE49-F238E27FC236}">
+                <a16:creationId xmlns:a16="http://schemas.microsoft.com/office/drawing/2014/main" id="{961A652F-D15D-6E4C-93DD-0A62EC8B04D1}"/>
+              </a:ext>
+            </a:extLst>
+          </p:cNvPr>
+          <p:cNvPicPr>
+            <a:picLocks noChangeAspect="1"/>
+          </p:cNvPicPr>
+          <p:nvPr/>
+        </p:nvPicPr>
+        <p:blipFill>
+          <a:blip r:embed="rId2"/>
+          <a:stretch>
+            <a:fillRect/>
+          </a:stretch>
+        </p:blipFill>
+        <p:spPr>
+          <a:xfrm>
+            <a:off x="673183" y="2324057"/>
+            <a:ext cx="7899400" cy="1460500"/>
+          </a:xfrm>
+          <a:prstGeom prst="rect">
+            <a:avLst/>
+          </a:prstGeom>
+        </p:spPr>
+      </p:pic>
+      <p:sp>
+        <p:nvSpPr>
+          <p:cNvPr id="9" name="文本框 8">
+            <a:extLst>
+              <a:ext uri="{FF2B5EF4-FFF2-40B4-BE49-F238E27FC236}">
+                <a16:creationId xmlns:a16="http://schemas.microsoft.com/office/drawing/2014/main" id="{B429F146-ED81-AE43-96DF-D7E4F742E785}"/>
+              </a:ext>
+            </a:extLst>
+          </p:cNvPr>
+          <p:cNvSpPr txBox="1"/>
+          <p:nvPr/>
+        </p:nvSpPr>
+        <p:spPr>
+          <a:xfrm>
+            <a:off x="673183" y="3935148"/>
+            <a:ext cx="7820270" cy="523220"/>
+          </a:xfrm>
+          <a:prstGeom prst="rect">
+            <a:avLst/>
+          </a:prstGeom>
+          <a:noFill/>
+        </p:spPr>
+        <p:txBody>
+          <a:bodyPr wrap="square" rtlCol="0">
+            <a:spAutoFit/>
+          </a:bodyPr>
+          <a:lstStyle/>
+          <a:p>
+            <a:r>
+              <a:rPr lang="en-US" altLang="zh-CN" sz="1400" dirty="0" err="1">
+                <a:solidFill>
+                  <a:schemeClr val="bg1">
+                    <a:lumMod val="50000"/>
+                  </a:schemeClr>
+                </a:solidFill>
+                <a:latin typeface="微软雅黑" panose="020B0503020204020204" charset="-122"/>
+                <a:ea typeface="微软雅黑" panose="020B0503020204020204" charset="-122"/>
+              </a:rPr>
+              <a:t>npz</a:t>
+            </a:r>
+            <a:r>
+              <a:rPr lang="zh-CN" altLang="en-US" sz="1400" dirty="0">
+                <a:solidFill>
+                  <a:schemeClr val="bg1">
+                    <a:lumMod val="50000"/>
+                  </a:schemeClr>
+                </a:solidFill>
+                <a:latin typeface="微软雅黑" panose="020B0503020204020204" charset="-122"/>
+                <a:ea typeface="微软雅黑" panose="020B0503020204020204" charset="-122"/>
+              </a:rPr>
+              <a:t>是一个压缩包，用</a:t>
+            </a:r>
+            <a:r>
+              <a:rPr lang="en-US" altLang="zh-CN" sz="1400" dirty="0">
+                <a:solidFill>
+                  <a:schemeClr val="bg1">
+                    <a:lumMod val="50000"/>
+                  </a:schemeClr>
+                </a:solidFill>
+                <a:latin typeface="微软雅黑" panose="020B0503020204020204" charset="-122"/>
+                <a:ea typeface="微软雅黑" panose="020B0503020204020204" charset="-122"/>
+              </a:rPr>
+              <a:t>unzip</a:t>
+            </a:r>
+            <a:r>
+              <a:rPr lang="zh-CN" altLang="en-US" sz="1400" dirty="0">
+                <a:solidFill>
+                  <a:schemeClr val="bg1">
+                    <a:lumMod val="50000"/>
+                  </a:schemeClr>
+                </a:solidFill>
+                <a:latin typeface="微软雅黑" panose="020B0503020204020204" charset="-122"/>
+                <a:ea typeface="微软雅黑" panose="020B0503020204020204" charset="-122"/>
+              </a:rPr>
+              <a:t>命令解压得到后面的</a:t>
+            </a:r>
+            <a:r>
+              <a:rPr lang="en-US" altLang="zh-CN" sz="1400" dirty="0">
+                <a:solidFill>
+                  <a:schemeClr val="bg1">
+                    <a:lumMod val="50000"/>
+                  </a:schemeClr>
+                </a:solidFill>
+                <a:latin typeface="微软雅黑" panose="020B0503020204020204" charset="-122"/>
+                <a:ea typeface="微软雅黑" panose="020B0503020204020204" charset="-122"/>
+              </a:rPr>
+              <a:t>4</a:t>
+            </a:r>
+            <a:r>
+              <a:rPr lang="zh-CN" altLang="en-US" sz="1400" dirty="0">
+                <a:solidFill>
+                  <a:schemeClr val="bg1">
+                    <a:lumMod val="50000"/>
+                  </a:schemeClr>
+                </a:solidFill>
+                <a:latin typeface="微软雅黑" panose="020B0503020204020204" charset="-122"/>
+                <a:ea typeface="微软雅黑" panose="020B0503020204020204" charset="-122"/>
+              </a:rPr>
+              <a:t>个</a:t>
+            </a:r>
+            <a:r>
+              <a:rPr lang="en-US" altLang="zh-CN" sz="1400" dirty="0" err="1">
+                <a:solidFill>
+                  <a:schemeClr val="bg1">
+                    <a:lumMod val="50000"/>
+                  </a:schemeClr>
+                </a:solidFill>
+                <a:latin typeface="微软雅黑" panose="020B0503020204020204" charset="-122"/>
+                <a:ea typeface="微软雅黑" panose="020B0503020204020204" charset="-122"/>
+              </a:rPr>
+              <a:t>npy</a:t>
+            </a:r>
+            <a:r>
+              <a:rPr lang="zh-CN" altLang="en-US" sz="1400" dirty="0">
+                <a:solidFill>
+                  <a:schemeClr val="bg1">
+                    <a:lumMod val="50000"/>
+                  </a:schemeClr>
+                </a:solidFill>
+                <a:latin typeface="微软雅黑" panose="020B0503020204020204" charset="-122"/>
+                <a:ea typeface="微软雅黑" panose="020B0503020204020204" charset="-122"/>
+              </a:rPr>
+              <a:t>文件，对应的是训练集的输入</a:t>
+            </a:r>
+            <a:r>
+              <a:rPr lang="en-US" altLang="zh-CN" sz="1400" dirty="0">
+                <a:solidFill>
+                  <a:schemeClr val="bg1">
+                    <a:lumMod val="50000"/>
+                  </a:schemeClr>
+                </a:solidFill>
+                <a:latin typeface="微软雅黑" panose="020B0503020204020204" charset="-122"/>
+                <a:ea typeface="微软雅黑" panose="020B0503020204020204" charset="-122"/>
+              </a:rPr>
+              <a:t>x</a:t>
+            </a:r>
+            <a:r>
+              <a:rPr lang="zh-CN" altLang="en-US" sz="1400" dirty="0">
+                <a:solidFill>
+                  <a:schemeClr val="bg1">
+                    <a:lumMod val="50000"/>
+                  </a:schemeClr>
+                </a:solidFill>
+                <a:latin typeface="微软雅黑" panose="020B0503020204020204" charset="-122"/>
+                <a:ea typeface="微软雅黑" panose="020B0503020204020204" charset="-122"/>
+              </a:rPr>
+              <a:t>和标签</a:t>
+            </a:r>
+            <a:r>
+              <a:rPr lang="en-US" altLang="zh-CN" sz="1400" dirty="0">
+                <a:solidFill>
+                  <a:schemeClr val="bg1">
+                    <a:lumMod val="50000"/>
+                  </a:schemeClr>
+                </a:solidFill>
+                <a:latin typeface="微软雅黑" panose="020B0503020204020204" charset="-122"/>
+                <a:ea typeface="微软雅黑" panose="020B0503020204020204" charset="-122"/>
+              </a:rPr>
+              <a:t>y</a:t>
+            </a:r>
+            <a:r>
+              <a:rPr lang="zh-CN" altLang="en-US" sz="1400" dirty="0">
+                <a:solidFill>
+                  <a:schemeClr val="bg1">
+                    <a:lumMod val="50000"/>
+                  </a:schemeClr>
+                </a:solidFill>
+                <a:latin typeface="微软雅黑" panose="020B0503020204020204" charset="-122"/>
+                <a:ea typeface="微软雅黑" panose="020B0503020204020204" charset="-122"/>
+              </a:rPr>
+              <a:t>，测试集的输入</a:t>
+            </a:r>
+            <a:r>
+              <a:rPr lang="en-US" altLang="zh-CN" sz="1400" dirty="0">
+                <a:solidFill>
+                  <a:schemeClr val="bg1">
+                    <a:lumMod val="50000"/>
+                  </a:schemeClr>
+                </a:solidFill>
+                <a:latin typeface="微软雅黑" panose="020B0503020204020204" charset="-122"/>
+                <a:ea typeface="微软雅黑" panose="020B0503020204020204" charset="-122"/>
+              </a:rPr>
+              <a:t>x</a:t>
+            </a:r>
+            <a:r>
+              <a:rPr lang="zh-CN" altLang="en-US" sz="1400" dirty="0">
+                <a:solidFill>
+                  <a:schemeClr val="bg1">
+                    <a:lumMod val="50000"/>
+                  </a:schemeClr>
+                </a:solidFill>
+                <a:latin typeface="微软雅黑" panose="020B0503020204020204" charset="-122"/>
+                <a:ea typeface="微软雅黑" panose="020B0503020204020204" charset="-122"/>
+              </a:rPr>
+              <a:t>和标签</a:t>
+            </a:r>
+            <a:r>
+              <a:rPr lang="en-US" altLang="zh-CN" sz="1400" dirty="0">
+                <a:solidFill>
+                  <a:schemeClr val="bg1">
+                    <a:lumMod val="50000"/>
+                  </a:schemeClr>
+                </a:solidFill>
+                <a:latin typeface="微软雅黑" panose="020B0503020204020204" charset="-122"/>
+                <a:ea typeface="微软雅黑" panose="020B0503020204020204" charset="-122"/>
+              </a:rPr>
+              <a:t>y</a:t>
+            </a:r>
+            <a:r>
+              <a:rPr lang="zh-CN" altLang="en-US" sz="1400" dirty="0">
+                <a:solidFill>
+                  <a:schemeClr val="bg1">
+                    <a:lumMod val="50000"/>
+                  </a:schemeClr>
+                </a:solidFill>
+                <a:latin typeface="微软雅黑" panose="020B0503020204020204" charset="-122"/>
+                <a:ea typeface="微软雅黑" panose="020B0503020204020204" charset="-122"/>
+              </a:rPr>
+              <a:t>，我们用可视化的库打开第一张图片和标签</a:t>
+            </a:r>
+            <a:endParaRPr lang="en-US" altLang="zh-CN" sz="1400" dirty="0">
+              <a:solidFill>
+                <a:schemeClr val="bg1">
+                  <a:lumMod val="50000"/>
+                </a:schemeClr>
+              </a:solidFill>
+              <a:latin typeface="微软雅黑" panose="020B0503020204020204" charset="-122"/>
+              <a:ea typeface="微软雅黑" panose="020B0503020204020204" charset="-122"/>
+            </a:endParaRPr>
+          </a:p>
+        </p:txBody>
+      </p:sp>
+      <p:pic>
+        <p:nvPicPr>
+          <p:cNvPr id="3" name="图片 2">
+            <a:extLst>
+              <a:ext uri="{FF2B5EF4-FFF2-40B4-BE49-F238E27FC236}">
+                <a16:creationId xmlns:a16="http://schemas.microsoft.com/office/drawing/2014/main" id="{97513FBF-8D81-8140-AF9D-53D8369B88F2}"/>
+              </a:ext>
+            </a:extLst>
+          </p:cNvPr>
+          <p:cNvPicPr>
+            <a:picLocks noChangeAspect="1"/>
+          </p:cNvPicPr>
+          <p:nvPr/>
+        </p:nvPicPr>
+        <p:blipFill>
+          <a:blip r:embed="rId3"/>
+          <a:stretch>
+            <a:fillRect/>
+          </a:stretch>
+        </p:blipFill>
+        <p:spPr>
+          <a:xfrm>
+            <a:off x="537904" y="4608958"/>
+            <a:ext cx="1839022" cy="1773635"/>
+          </a:xfrm>
+          <a:prstGeom prst="rect">
+            <a:avLst/>
+          </a:prstGeom>
+        </p:spPr>
+      </p:pic>
+      <p:pic>
+        <p:nvPicPr>
+          <p:cNvPr id="10" name="图片 9">
+            <a:extLst>
+              <a:ext uri="{FF2B5EF4-FFF2-40B4-BE49-F238E27FC236}">
+                <a16:creationId xmlns:a16="http://schemas.microsoft.com/office/drawing/2014/main" id="{89E25CDF-541D-4B43-BC02-13B8F509764F}"/>
+              </a:ext>
+            </a:extLst>
+          </p:cNvPr>
+          <p:cNvPicPr>
+            <a:picLocks noChangeAspect="1"/>
+          </p:cNvPicPr>
+          <p:nvPr/>
+        </p:nvPicPr>
+        <p:blipFill>
+          <a:blip r:embed="rId4"/>
+          <a:stretch>
+            <a:fillRect/>
+          </a:stretch>
+        </p:blipFill>
+        <p:spPr>
+          <a:xfrm>
+            <a:off x="2834577" y="5108425"/>
+            <a:ext cx="2463800" cy="774700"/>
+          </a:xfrm>
+          <a:prstGeom prst="rect">
+            <a:avLst/>
+          </a:prstGeom>
+        </p:spPr>
+      </p:pic>
+      <p:sp>
+        <p:nvSpPr>
+          <p:cNvPr id="11" name="文本框 10">
+            <a:extLst>
+              <a:ext uri="{FF2B5EF4-FFF2-40B4-BE49-F238E27FC236}">
+                <a16:creationId xmlns:a16="http://schemas.microsoft.com/office/drawing/2014/main" id="{0F8E77B6-596A-474D-AAD7-B261F802BA12}"/>
+              </a:ext>
+            </a:extLst>
+          </p:cNvPr>
+          <p:cNvSpPr txBox="1"/>
+          <p:nvPr/>
+        </p:nvSpPr>
+        <p:spPr>
+          <a:xfrm>
+            <a:off x="5464491" y="5108425"/>
+            <a:ext cx="2408270" cy="738664"/>
+          </a:xfrm>
+          <a:prstGeom prst="rect">
+            <a:avLst/>
+          </a:prstGeom>
+          <a:noFill/>
+        </p:spPr>
+        <p:txBody>
+          <a:bodyPr wrap="square" rtlCol="0">
+            <a:spAutoFit/>
+          </a:bodyPr>
+          <a:lstStyle/>
+          <a:p>
+            <a:r>
+              <a:rPr lang="zh-CN" altLang="en-US" sz="1400" dirty="0">
+                <a:solidFill>
+                  <a:schemeClr val="bg1">
+                    <a:lumMod val="50000"/>
+                  </a:schemeClr>
+                </a:solidFill>
+                <a:latin typeface="微软雅黑" panose="020B0503020204020204" charset="-122"/>
+                <a:ea typeface="微软雅黑" panose="020B0503020204020204" charset="-122"/>
+              </a:rPr>
+              <a:t>这个库拥有</a:t>
+            </a:r>
+            <a:endParaRPr lang="en-US" altLang="zh-CN" sz="1400" dirty="0">
+              <a:solidFill>
+                <a:schemeClr val="bg1">
+                  <a:lumMod val="50000"/>
+                </a:schemeClr>
+              </a:solidFill>
+              <a:latin typeface="微软雅黑" panose="020B0503020204020204" charset="-122"/>
+              <a:ea typeface="微软雅黑" panose="020B0503020204020204" charset="-122"/>
+            </a:endParaRPr>
+          </a:p>
+          <a:p>
+            <a:r>
+              <a:rPr lang="en-US" altLang="zh-CN" sz="1400" dirty="0">
+                <a:solidFill>
+                  <a:schemeClr val="bg1">
+                    <a:lumMod val="50000"/>
+                  </a:schemeClr>
+                </a:solidFill>
+                <a:latin typeface="微软雅黑" panose="020B0503020204020204" charset="-122"/>
+                <a:ea typeface="微软雅黑" panose="020B0503020204020204" charset="-122"/>
+              </a:rPr>
+              <a:t>60000</a:t>
+            </a:r>
+            <a:r>
+              <a:rPr lang="zh-CN" altLang="en-US" sz="1400" dirty="0">
+                <a:solidFill>
+                  <a:schemeClr val="bg1">
+                    <a:lumMod val="50000"/>
+                  </a:schemeClr>
+                </a:solidFill>
+                <a:latin typeface="微软雅黑" panose="020B0503020204020204" charset="-122"/>
+                <a:ea typeface="微软雅黑" panose="020B0503020204020204" charset="-122"/>
+              </a:rPr>
+              <a:t>个训练样本，</a:t>
+            </a:r>
+            <a:endParaRPr lang="en-US" altLang="zh-CN" sz="1400" dirty="0">
+              <a:solidFill>
+                <a:schemeClr val="bg1">
+                  <a:lumMod val="50000"/>
+                </a:schemeClr>
+              </a:solidFill>
+              <a:latin typeface="微软雅黑" panose="020B0503020204020204" charset="-122"/>
+              <a:ea typeface="微软雅黑" panose="020B0503020204020204" charset="-122"/>
+            </a:endParaRPr>
+          </a:p>
+          <a:p>
+            <a:r>
+              <a:rPr lang="en-US" altLang="zh-CN" sz="1400" dirty="0">
+                <a:solidFill>
+                  <a:schemeClr val="bg1">
+                    <a:lumMod val="50000"/>
+                  </a:schemeClr>
+                </a:solidFill>
+                <a:latin typeface="微软雅黑" panose="020B0503020204020204" charset="-122"/>
+                <a:ea typeface="微软雅黑" panose="020B0503020204020204" charset="-122"/>
+              </a:rPr>
+              <a:t>10000</a:t>
+            </a:r>
+            <a:r>
+              <a:rPr lang="zh-CN" altLang="en-US" sz="1400" dirty="0">
+                <a:solidFill>
+                  <a:schemeClr val="bg1">
+                    <a:lumMod val="50000"/>
+                  </a:schemeClr>
+                </a:solidFill>
+                <a:latin typeface="微软雅黑" panose="020B0503020204020204" charset="-122"/>
+                <a:ea typeface="微软雅黑" panose="020B0503020204020204" charset="-122"/>
+              </a:rPr>
+              <a:t>个测试样本</a:t>
+            </a:r>
+            <a:endParaRPr lang="en-US" altLang="zh-CN" sz="1400" dirty="0">
+              <a:solidFill>
+                <a:schemeClr val="bg1">
+                  <a:lumMod val="50000"/>
+                </a:schemeClr>
+              </a:solidFill>
+              <a:latin typeface="微软雅黑" panose="020B0503020204020204" charset="-122"/>
+              <a:ea typeface="微软雅黑" panose="020B0503020204020204" charset="-122"/>
+            </a:endParaRPr>
           </a:p>
         </p:txBody>
       </p:sp>
@@ -27698,6 +29668,1468 @@
           <a:chExt cx="0" cy="0"/>
         </a:xfrm>
       </p:grpSpPr>
+      <p:pic>
+        <p:nvPicPr>
+          <p:cNvPr id="4" name="图片 3">
+            <a:extLst>
+              <a:ext uri="{FF2B5EF4-FFF2-40B4-BE49-F238E27FC236}">
+                <a16:creationId xmlns:a16="http://schemas.microsoft.com/office/drawing/2014/main" id="{8AB57A4F-4AA7-C447-8C81-8B9C0D54848D}"/>
+              </a:ext>
+            </a:extLst>
+          </p:cNvPr>
+          <p:cNvPicPr>
+            <a:picLocks noChangeAspect="1"/>
+          </p:cNvPicPr>
+          <p:nvPr/>
+        </p:nvPicPr>
+        <p:blipFill>
+          <a:blip r:embed="rId2"/>
+          <a:stretch>
+            <a:fillRect/>
+          </a:stretch>
+        </p:blipFill>
+        <p:spPr>
+          <a:xfrm>
+            <a:off x="256476" y="722909"/>
+            <a:ext cx="8695629" cy="6095261"/>
+          </a:xfrm>
+          <a:prstGeom prst="rect">
+            <a:avLst/>
+          </a:prstGeom>
+        </p:spPr>
+      </p:pic>
+      <p:sp>
+        <p:nvSpPr>
+          <p:cNvPr id="6" name="矩形 5">
+            <a:extLst>
+              <a:ext uri="{FF2B5EF4-FFF2-40B4-BE49-F238E27FC236}">
+                <a16:creationId xmlns:a16="http://schemas.microsoft.com/office/drawing/2014/main" id="{6A32B224-18D4-F447-8FFD-6D635C3F2AC4}"/>
+              </a:ext>
+            </a:extLst>
+          </p:cNvPr>
+          <p:cNvSpPr/>
+          <p:nvPr/>
+        </p:nvSpPr>
+        <p:spPr>
+          <a:xfrm>
+            <a:off x="0" y="60523"/>
+            <a:ext cx="2051074" cy="307777"/>
+          </a:xfrm>
+          <a:prstGeom prst="rect">
+            <a:avLst/>
+          </a:prstGeom>
+        </p:spPr>
+        <p:txBody>
+          <a:bodyPr wrap="none">
+            <a:spAutoFit/>
+          </a:bodyPr>
+          <a:lstStyle/>
+          <a:p>
+            <a:r>
+              <a:rPr lang="en-US" altLang="zh-CN" sz="1400" b="1" dirty="0"/>
+              <a:t>PART ONE </a:t>
+            </a:r>
+            <a:r>
+              <a:rPr lang="zh-CN" altLang="en-US" sz="1400" b="1" dirty="0"/>
+              <a:t>应用神经网络</a:t>
+            </a:r>
+          </a:p>
+        </p:txBody>
+      </p:sp>
+      <p:sp>
+        <p:nvSpPr>
+          <p:cNvPr id="7" name="椭圆 6">
+            <a:extLst>
+              <a:ext uri="{FF2B5EF4-FFF2-40B4-BE49-F238E27FC236}">
+                <a16:creationId xmlns:a16="http://schemas.microsoft.com/office/drawing/2014/main" id="{D1812375-66FF-2A4D-A626-13AE40C330A2}"/>
+              </a:ext>
+            </a:extLst>
+          </p:cNvPr>
+          <p:cNvSpPr/>
+          <p:nvPr/>
+        </p:nvSpPr>
+        <p:spPr>
+          <a:xfrm>
+            <a:off x="1966473" y="157740"/>
+            <a:ext cx="130917" cy="113341"/>
+          </a:xfrm>
+          <a:prstGeom prst="ellipse">
+            <a:avLst/>
+          </a:prstGeom>
+          <a:solidFill>
+            <a:srgbClr val="FF0000"/>
+          </a:solidFill>
+          <a:ln>
+            <a:noFill/>
+          </a:ln>
+        </p:spPr>
+        <p:style>
+          <a:lnRef idx="2">
+            <a:schemeClr val="accent1">
+              <a:shade val="50000"/>
+            </a:schemeClr>
+          </a:lnRef>
+          <a:fillRef idx="1">
+            <a:schemeClr val="accent1"/>
+          </a:fillRef>
+          <a:effectRef idx="0">
+            <a:schemeClr val="accent1"/>
+          </a:effectRef>
+          <a:fontRef idx="minor">
+            <a:schemeClr val="lt1"/>
+          </a:fontRef>
+        </p:style>
+        <p:txBody>
+          <a:bodyPr rot="0" spcFirstLastPara="0" vertOverflow="overflow" horzOverflow="overflow" vert="horz" wrap="square" lIns="91440" tIns="45720" rIns="91440" bIns="45720" numCol="1" spcCol="0" rtlCol="0" fromWordArt="0" anchor="ctr" anchorCtr="0" forceAA="0" compatLnSpc="1">
+            <a:noAutofit/>
+          </a:bodyPr>
+          <a:lstStyle/>
+          <a:p>
+            <a:pPr algn="ctr"/>
+            <a:endParaRPr lang="zh-CN" altLang="en-US" sz="4400"/>
+          </a:p>
+        </p:txBody>
+      </p:sp>
+      <p:pic>
+        <p:nvPicPr>
+          <p:cNvPr id="2" name="图片 1">
+            <a:extLst>
+              <a:ext uri="{FF2B5EF4-FFF2-40B4-BE49-F238E27FC236}">
+                <a16:creationId xmlns:a16="http://schemas.microsoft.com/office/drawing/2014/main" id="{431A09AB-5F23-1E42-8B4C-385A6A006C97}"/>
+              </a:ext>
+            </a:extLst>
+          </p:cNvPr>
+          <p:cNvPicPr>
+            <a:picLocks noChangeAspect="1"/>
+          </p:cNvPicPr>
+          <p:nvPr/>
+        </p:nvPicPr>
+        <p:blipFill>
+          <a:blip r:embed="rId3"/>
+          <a:stretch>
+            <a:fillRect/>
+          </a:stretch>
+        </p:blipFill>
+        <p:spPr>
+          <a:xfrm>
+            <a:off x="5840605" y="722909"/>
+            <a:ext cx="3111500" cy="1257300"/>
+          </a:xfrm>
+          <a:prstGeom prst="rect">
+            <a:avLst/>
+          </a:prstGeom>
+        </p:spPr>
+      </p:pic>
+      <p:sp>
+        <p:nvSpPr>
+          <p:cNvPr id="5" name="文本框 4">
+            <a:extLst>
+              <a:ext uri="{FF2B5EF4-FFF2-40B4-BE49-F238E27FC236}">
+                <a16:creationId xmlns:a16="http://schemas.microsoft.com/office/drawing/2014/main" id="{2D52375D-43DD-3E4D-B581-EF69858EBB38}"/>
+              </a:ext>
+            </a:extLst>
+          </p:cNvPr>
+          <p:cNvSpPr txBox="1"/>
+          <p:nvPr/>
+        </p:nvSpPr>
+        <p:spPr>
+          <a:xfrm>
+            <a:off x="256476" y="415132"/>
+            <a:ext cx="4426640" cy="307777"/>
+          </a:xfrm>
+          <a:prstGeom prst="rect">
+            <a:avLst/>
+          </a:prstGeom>
+          <a:noFill/>
+        </p:spPr>
+        <p:txBody>
+          <a:bodyPr wrap="square" rtlCol="0">
+            <a:spAutoFit/>
+          </a:bodyPr>
+          <a:lstStyle/>
+          <a:p>
+            <a:r>
+              <a:rPr lang="en-US" altLang="zh-CN" sz="1400" dirty="0" err="1">
+                <a:solidFill>
+                  <a:schemeClr val="bg1">
+                    <a:lumMod val="50000"/>
+                  </a:schemeClr>
+                </a:solidFill>
+                <a:latin typeface="微软雅黑" panose="020B0503020204020204" charset="-122"/>
+                <a:ea typeface="微软雅黑" panose="020B0503020204020204" charset="-122"/>
+              </a:rPr>
+              <a:t>Tensorflow</a:t>
+            </a:r>
+            <a:r>
+              <a:rPr lang="zh-CN" altLang="en-US" sz="1400" dirty="0">
+                <a:solidFill>
+                  <a:schemeClr val="bg1">
+                    <a:lumMod val="50000"/>
+                  </a:schemeClr>
+                </a:solidFill>
+                <a:latin typeface="微软雅黑" panose="020B0503020204020204" charset="-122"/>
+                <a:ea typeface="微软雅黑" panose="020B0503020204020204" charset="-122"/>
+              </a:rPr>
+              <a:t>的实现</a:t>
+            </a:r>
+            <a:endParaRPr lang="en-US" altLang="zh-CN" sz="1400" dirty="0">
+              <a:solidFill>
+                <a:schemeClr val="bg1">
+                  <a:lumMod val="50000"/>
+                </a:schemeClr>
+              </a:solidFill>
+              <a:latin typeface="微软雅黑" panose="020B0503020204020204" charset="-122"/>
+              <a:ea typeface="微软雅黑" panose="020B0503020204020204" charset="-122"/>
+            </a:endParaRPr>
+          </a:p>
+        </p:txBody>
+      </p:sp>
+      <p:sp>
+        <p:nvSpPr>
+          <p:cNvPr id="8" name="文本框 7">
+            <a:extLst>
+              <a:ext uri="{FF2B5EF4-FFF2-40B4-BE49-F238E27FC236}">
+                <a16:creationId xmlns:a16="http://schemas.microsoft.com/office/drawing/2014/main" id="{5D6FE0B0-AEFF-5C48-A3D5-D5D1AD94BA7C}"/>
+              </a:ext>
+            </a:extLst>
+          </p:cNvPr>
+          <p:cNvSpPr txBox="1"/>
+          <p:nvPr/>
+        </p:nvSpPr>
+        <p:spPr>
+          <a:xfrm>
+            <a:off x="5840605" y="342192"/>
+            <a:ext cx="4426640" cy="307777"/>
+          </a:xfrm>
+          <a:prstGeom prst="rect">
+            <a:avLst/>
+          </a:prstGeom>
+          <a:noFill/>
+        </p:spPr>
+        <p:txBody>
+          <a:bodyPr wrap="square" rtlCol="0">
+            <a:spAutoFit/>
+          </a:bodyPr>
+          <a:lstStyle/>
+          <a:p>
+            <a:r>
+              <a:rPr lang="en-US" altLang="zh-CN" sz="1400" dirty="0" err="1">
+                <a:solidFill>
+                  <a:schemeClr val="bg1">
+                    <a:lumMod val="50000"/>
+                  </a:schemeClr>
+                </a:solidFill>
+                <a:latin typeface="微软雅黑" panose="020B0503020204020204" charset="-122"/>
+                <a:ea typeface="微软雅黑" panose="020B0503020204020204" charset="-122"/>
+              </a:rPr>
+              <a:t>tf</a:t>
+            </a:r>
+            <a:r>
+              <a:rPr lang="zh-CN" altLang="en-US" sz="1400" dirty="0">
+                <a:solidFill>
+                  <a:schemeClr val="bg1">
+                    <a:lumMod val="50000"/>
+                  </a:schemeClr>
+                </a:solidFill>
+                <a:latin typeface="微软雅黑" panose="020B0503020204020204" charset="-122"/>
+                <a:ea typeface="微软雅黑" panose="020B0503020204020204" charset="-122"/>
+              </a:rPr>
+              <a:t>也会自动下载数据集，如下的</a:t>
+            </a:r>
+            <a:r>
+              <a:rPr lang="en-US" altLang="zh-CN" sz="1400" dirty="0">
+                <a:solidFill>
+                  <a:schemeClr val="bg1">
+                    <a:lumMod val="50000"/>
+                  </a:schemeClr>
+                </a:solidFill>
+                <a:latin typeface="微软雅黑" panose="020B0503020204020204" charset="-122"/>
+                <a:ea typeface="微软雅黑" panose="020B0503020204020204" charset="-122"/>
+              </a:rPr>
+              <a:t>4</a:t>
+            </a:r>
+            <a:r>
+              <a:rPr lang="zh-CN" altLang="en-US" sz="1400" dirty="0">
+                <a:solidFill>
+                  <a:schemeClr val="bg1">
+                    <a:lumMod val="50000"/>
+                  </a:schemeClr>
+                </a:solidFill>
+                <a:latin typeface="微软雅黑" panose="020B0503020204020204" charset="-122"/>
+                <a:ea typeface="微软雅黑" panose="020B0503020204020204" charset="-122"/>
+              </a:rPr>
+              <a:t>个压缩包</a:t>
+            </a:r>
+            <a:endParaRPr lang="en-US" altLang="zh-CN" sz="1400" dirty="0">
+              <a:solidFill>
+                <a:schemeClr val="bg1">
+                  <a:lumMod val="50000"/>
+                </a:schemeClr>
+              </a:solidFill>
+              <a:latin typeface="微软雅黑" panose="020B0503020204020204" charset="-122"/>
+              <a:ea typeface="微软雅黑" panose="020B0503020204020204" charset="-122"/>
+            </a:endParaRPr>
+          </a:p>
+        </p:txBody>
+      </p:sp>
+    </p:spTree>
+    <p:extLst>
+      <p:ext uri="{BB962C8B-B14F-4D97-AF65-F5344CB8AC3E}">
+        <p14:creationId xmlns:p14="http://schemas.microsoft.com/office/powerpoint/2010/main" val="3176753000"/>
+      </p:ext>
+    </p:extLst>
+  </p:cSld>
+  <p:clrMapOvr>
+    <a:masterClrMapping/>
+  </p:clrMapOvr>
+  <mc:AlternateContent xmlns:mc="http://schemas.openxmlformats.org/markup-compatibility/2006" xmlns:p14="http://schemas.microsoft.com/office/powerpoint/2010/main">
+    <mc:Choice Requires="p14">
+      <p:transition spd="med" p14:dur="700">
+        <p:fade/>
+      </p:transition>
+    </mc:Choice>
+    <mc:Fallback xmlns="">
+      <p:transition spd="med">
+        <p:fade/>
+      </p:transition>
+    </mc:Fallback>
+  </mc:AlternateContent>
+</p:sld>
+</file>
+
+<file path=ppt/slides/slide32.xml><?xml version="1.0" encoding="utf-8"?>
+<p:sld xmlns:a="http://schemas.openxmlformats.org/drawingml/2006/main" xmlns:r="http://schemas.openxmlformats.org/officeDocument/2006/relationships" xmlns:p="http://schemas.openxmlformats.org/presentationml/2006/main">
+  <p:cSld>
+    <p:spTree>
+      <p:nvGrpSpPr>
+        <p:cNvPr id="1" name=""/>
+        <p:cNvGrpSpPr/>
+        <p:nvPr/>
+      </p:nvGrpSpPr>
+      <p:grpSpPr>
+        <a:xfrm>
+          <a:off x="0" y="0"/>
+          <a:ext cx="0" cy="0"/>
+          <a:chOff x="0" y="0"/>
+          <a:chExt cx="0" cy="0"/>
+        </a:xfrm>
+      </p:grpSpPr>
+      <p:sp>
+        <p:nvSpPr>
+          <p:cNvPr id="6" name="矩形 5">
+            <a:extLst>
+              <a:ext uri="{FF2B5EF4-FFF2-40B4-BE49-F238E27FC236}">
+                <a16:creationId xmlns:a16="http://schemas.microsoft.com/office/drawing/2014/main" id="{6A32B224-18D4-F447-8FFD-6D635C3F2AC4}"/>
+              </a:ext>
+            </a:extLst>
+          </p:cNvPr>
+          <p:cNvSpPr/>
+          <p:nvPr/>
+        </p:nvSpPr>
+        <p:spPr>
+          <a:xfrm>
+            <a:off x="0" y="60523"/>
+            <a:ext cx="2051074" cy="307777"/>
+          </a:xfrm>
+          <a:prstGeom prst="rect">
+            <a:avLst/>
+          </a:prstGeom>
+        </p:spPr>
+        <p:txBody>
+          <a:bodyPr wrap="none">
+            <a:spAutoFit/>
+          </a:bodyPr>
+          <a:lstStyle/>
+          <a:p>
+            <a:r>
+              <a:rPr lang="en-US" altLang="zh-CN" sz="1400" b="1" dirty="0"/>
+              <a:t>PART ONE </a:t>
+            </a:r>
+            <a:r>
+              <a:rPr lang="zh-CN" altLang="en-US" sz="1400" b="1" dirty="0"/>
+              <a:t>应用神经网络</a:t>
+            </a:r>
+          </a:p>
+        </p:txBody>
+      </p:sp>
+      <p:sp>
+        <p:nvSpPr>
+          <p:cNvPr id="7" name="椭圆 6">
+            <a:extLst>
+              <a:ext uri="{FF2B5EF4-FFF2-40B4-BE49-F238E27FC236}">
+                <a16:creationId xmlns:a16="http://schemas.microsoft.com/office/drawing/2014/main" id="{D1812375-66FF-2A4D-A626-13AE40C330A2}"/>
+              </a:ext>
+            </a:extLst>
+          </p:cNvPr>
+          <p:cNvSpPr/>
+          <p:nvPr/>
+        </p:nvSpPr>
+        <p:spPr>
+          <a:xfrm>
+            <a:off x="1966473" y="157740"/>
+            <a:ext cx="130917" cy="113341"/>
+          </a:xfrm>
+          <a:prstGeom prst="ellipse">
+            <a:avLst/>
+          </a:prstGeom>
+          <a:solidFill>
+            <a:srgbClr val="FF0000"/>
+          </a:solidFill>
+          <a:ln>
+            <a:noFill/>
+          </a:ln>
+        </p:spPr>
+        <p:style>
+          <a:lnRef idx="2">
+            <a:schemeClr val="accent1">
+              <a:shade val="50000"/>
+            </a:schemeClr>
+          </a:lnRef>
+          <a:fillRef idx="1">
+            <a:schemeClr val="accent1"/>
+          </a:fillRef>
+          <a:effectRef idx="0">
+            <a:schemeClr val="accent1"/>
+          </a:effectRef>
+          <a:fontRef idx="minor">
+            <a:schemeClr val="lt1"/>
+          </a:fontRef>
+        </p:style>
+        <p:txBody>
+          <a:bodyPr rot="0" spcFirstLastPara="0" vertOverflow="overflow" horzOverflow="overflow" vert="horz" wrap="square" lIns="91440" tIns="45720" rIns="91440" bIns="45720" numCol="1" spcCol="0" rtlCol="0" fromWordArt="0" anchor="ctr" anchorCtr="0" forceAA="0" compatLnSpc="1">
+            <a:noAutofit/>
+          </a:bodyPr>
+          <a:lstStyle/>
+          <a:p>
+            <a:pPr algn="ctr"/>
+            <a:endParaRPr lang="zh-CN" altLang="en-US" sz="4400"/>
+          </a:p>
+        </p:txBody>
+      </p:sp>
+      <p:pic>
+        <p:nvPicPr>
+          <p:cNvPr id="12" name="图片 11">
+            <a:extLst>
+              <a:ext uri="{FF2B5EF4-FFF2-40B4-BE49-F238E27FC236}">
+                <a16:creationId xmlns:a16="http://schemas.microsoft.com/office/drawing/2014/main" id="{9AD6F600-F330-BC44-AD75-592CCBD9EF12}"/>
+              </a:ext>
+            </a:extLst>
+          </p:cNvPr>
+          <p:cNvPicPr>
+            <a:picLocks noChangeAspect="1"/>
+          </p:cNvPicPr>
+          <p:nvPr/>
+        </p:nvPicPr>
+        <p:blipFill>
+          <a:blip r:embed="rId2"/>
+          <a:stretch>
+            <a:fillRect/>
+          </a:stretch>
+        </p:blipFill>
+        <p:spPr>
+          <a:xfrm>
+            <a:off x="256476" y="866961"/>
+            <a:ext cx="6253633" cy="5824850"/>
+          </a:xfrm>
+          <a:prstGeom prst="rect">
+            <a:avLst/>
+          </a:prstGeom>
+        </p:spPr>
+      </p:pic>
+      <p:sp>
+        <p:nvSpPr>
+          <p:cNvPr id="14" name="文本框 13">
+            <a:extLst>
+              <a:ext uri="{FF2B5EF4-FFF2-40B4-BE49-F238E27FC236}">
+                <a16:creationId xmlns:a16="http://schemas.microsoft.com/office/drawing/2014/main" id="{B55642B7-540C-D843-A309-A2D536E68137}"/>
+              </a:ext>
+            </a:extLst>
+          </p:cNvPr>
+          <p:cNvSpPr txBox="1"/>
+          <p:nvPr/>
+        </p:nvSpPr>
+        <p:spPr>
+          <a:xfrm>
+            <a:off x="256476" y="415132"/>
+            <a:ext cx="4426640" cy="307777"/>
+          </a:xfrm>
+          <a:prstGeom prst="rect">
+            <a:avLst/>
+          </a:prstGeom>
+          <a:noFill/>
+        </p:spPr>
+        <p:txBody>
+          <a:bodyPr wrap="square" rtlCol="0">
+            <a:spAutoFit/>
+          </a:bodyPr>
+          <a:lstStyle/>
+          <a:p>
+            <a:r>
+              <a:rPr lang="en-US" altLang="zh-CN" sz="1400" dirty="0" err="1">
+                <a:solidFill>
+                  <a:schemeClr val="bg1">
+                    <a:lumMod val="50000"/>
+                  </a:schemeClr>
+                </a:solidFill>
+                <a:latin typeface="微软雅黑" panose="020B0503020204020204" charset="-122"/>
+                <a:ea typeface="微软雅黑" panose="020B0503020204020204" charset="-122"/>
+              </a:rPr>
+              <a:t>Keras</a:t>
+            </a:r>
+            <a:r>
+              <a:rPr lang="zh-CN" altLang="en-US" sz="1400" dirty="0">
+                <a:solidFill>
+                  <a:schemeClr val="bg1">
+                    <a:lumMod val="50000"/>
+                  </a:schemeClr>
+                </a:solidFill>
+                <a:latin typeface="微软雅黑" panose="020B0503020204020204" charset="-122"/>
+                <a:ea typeface="微软雅黑" panose="020B0503020204020204" charset="-122"/>
+              </a:rPr>
+              <a:t>的实现</a:t>
+            </a:r>
+            <a:endParaRPr lang="en-US" altLang="zh-CN" sz="1400" dirty="0">
+              <a:solidFill>
+                <a:schemeClr val="bg1">
+                  <a:lumMod val="50000"/>
+                </a:schemeClr>
+              </a:solidFill>
+              <a:latin typeface="微软雅黑" panose="020B0503020204020204" charset="-122"/>
+              <a:ea typeface="微软雅黑" panose="020B0503020204020204" charset="-122"/>
+            </a:endParaRPr>
+          </a:p>
+        </p:txBody>
+      </p:sp>
+      <p:pic>
+        <p:nvPicPr>
+          <p:cNvPr id="15" name="图片 14">
+            <a:extLst>
+              <a:ext uri="{FF2B5EF4-FFF2-40B4-BE49-F238E27FC236}">
+                <a16:creationId xmlns:a16="http://schemas.microsoft.com/office/drawing/2014/main" id="{ECF0805C-800D-6E45-A445-54BC79AAEB93}"/>
+              </a:ext>
+            </a:extLst>
+          </p:cNvPr>
+          <p:cNvPicPr>
+            <a:picLocks noChangeAspect="1"/>
+          </p:cNvPicPr>
+          <p:nvPr/>
+        </p:nvPicPr>
+        <p:blipFill>
+          <a:blip r:embed="rId3"/>
+          <a:stretch>
+            <a:fillRect/>
+          </a:stretch>
+        </p:blipFill>
+        <p:spPr>
+          <a:xfrm>
+            <a:off x="4572000" y="1194804"/>
+            <a:ext cx="6780975" cy="1861083"/>
+          </a:xfrm>
+          <a:prstGeom prst="rect">
+            <a:avLst/>
+          </a:prstGeom>
+        </p:spPr>
+      </p:pic>
+    </p:spTree>
+    <p:extLst>
+      <p:ext uri="{BB962C8B-B14F-4D97-AF65-F5344CB8AC3E}">
+        <p14:creationId xmlns:p14="http://schemas.microsoft.com/office/powerpoint/2010/main" val="3468580770"/>
+      </p:ext>
+    </p:extLst>
+  </p:cSld>
+  <p:clrMapOvr>
+    <a:masterClrMapping/>
+  </p:clrMapOvr>
+  <mc:AlternateContent xmlns:mc="http://schemas.openxmlformats.org/markup-compatibility/2006" xmlns:p14="http://schemas.microsoft.com/office/powerpoint/2010/main">
+    <mc:Choice Requires="p14">
+      <p:transition spd="med" p14:dur="700">
+        <p:fade/>
+      </p:transition>
+    </mc:Choice>
+    <mc:Fallback xmlns="">
+      <p:transition spd="med">
+        <p:fade/>
+      </p:transition>
+    </mc:Fallback>
+  </mc:AlternateContent>
+</p:sld>
+</file>
+
+<file path=ppt/slides/slide33.xml><?xml version="1.0" encoding="utf-8"?>
+<p:sld xmlns:a="http://schemas.openxmlformats.org/drawingml/2006/main" xmlns:r="http://schemas.openxmlformats.org/officeDocument/2006/relationships" xmlns:p="http://schemas.openxmlformats.org/presentationml/2006/main">
+  <p:cSld>
+    <p:spTree>
+      <p:nvGrpSpPr>
+        <p:cNvPr id="1" name=""/>
+        <p:cNvGrpSpPr/>
+        <p:nvPr/>
+      </p:nvGrpSpPr>
+      <p:grpSpPr>
+        <a:xfrm>
+          <a:off x="0" y="0"/>
+          <a:ext cx="0" cy="0"/>
+          <a:chOff x="0" y="0"/>
+          <a:chExt cx="0" cy="0"/>
+        </a:xfrm>
+      </p:grpSpPr>
+      <p:sp>
+        <p:nvSpPr>
+          <p:cNvPr id="6" name="矩形 5">
+            <a:extLst>
+              <a:ext uri="{FF2B5EF4-FFF2-40B4-BE49-F238E27FC236}">
+                <a16:creationId xmlns:a16="http://schemas.microsoft.com/office/drawing/2014/main" id="{6A32B224-18D4-F447-8FFD-6D635C3F2AC4}"/>
+              </a:ext>
+            </a:extLst>
+          </p:cNvPr>
+          <p:cNvSpPr/>
+          <p:nvPr/>
+        </p:nvSpPr>
+        <p:spPr>
+          <a:xfrm>
+            <a:off x="0" y="60523"/>
+            <a:ext cx="2051074" cy="307777"/>
+          </a:xfrm>
+          <a:prstGeom prst="rect">
+            <a:avLst/>
+          </a:prstGeom>
+        </p:spPr>
+        <p:txBody>
+          <a:bodyPr wrap="none">
+            <a:spAutoFit/>
+          </a:bodyPr>
+          <a:lstStyle/>
+          <a:p>
+            <a:r>
+              <a:rPr lang="en-US" altLang="zh-CN" sz="1400" b="1" dirty="0"/>
+              <a:t>PART ONE </a:t>
+            </a:r>
+            <a:r>
+              <a:rPr lang="zh-CN" altLang="en-US" sz="1400" b="1" dirty="0"/>
+              <a:t>应用神经网络</a:t>
+            </a:r>
+          </a:p>
+        </p:txBody>
+      </p:sp>
+      <p:sp>
+        <p:nvSpPr>
+          <p:cNvPr id="7" name="椭圆 6">
+            <a:extLst>
+              <a:ext uri="{FF2B5EF4-FFF2-40B4-BE49-F238E27FC236}">
+                <a16:creationId xmlns:a16="http://schemas.microsoft.com/office/drawing/2014/main" id="{D1812375-66FF-2A4D-A626-13AE40C330A2}"/>
+              </a:ext>
+            </a:extLst>
+          </p:cNvPr>
+          <p:cNvSpPr/>
+          <p:nvPr/>
+        </p:nvSpPr>
+        <p:spPr>
+          <a:xfrm>
+            <a:off x="1966473" y="157740"/>
+            <a:ext cx="130917" cy="113341"/>
+          </a:xfrm>
+          <a:prstGeom prst="ellipse">
+            <a:avLst/>
+          </a:prstGeom>
+          <a:solidFill>
+            <a:srgbClr val="FF0000"/>
+          </a:solidFill>
+          <a:ln>
+            <a:noFill/>
+          </a:ln>
+        </p:spPr>
+        <p:style>
+          <a:lnRef idx="2">
+            <a:schemeClr val="accent1">
+              <a:shade val="50000"/>
+            </a:schemeClr>
+          </a:lnRef>
+          <a:fillRef idx="1">
+            <a:schemeClr val="accent1"/>
+          </a:fillRef>
+          <a:effectRef idx="0">
+            <a:schemeClr val="accent1"/>
+          </a:effectRef>
+          <a:fontRef idx="minor">
+            <a:schemeClr val="lt1"/>
+          </a:fontRef>
+        </p:style>
+        <p:txBody>
+          <a:bodyPr rot="0" spcFirstLastPara="0" vertOverflow="overflow" horzOverflow="overflow" vert="horz" wrap="square" lIns="91440" tIns="45720" rIns="91440" bIns="45720" numCol="1" spcCol="0" rtlCol="0" fromWordArt="0" anchor="ctr" anchorCtr="0" forceAA="0" compatLnSpc="1">
+            <a:noAutofit/>
+          </a:bodyPr>
+          <a:lstStyle/>
+          <a:p>
+            <a:pPr algn="ctr"/>
+            <a:endParaRPr lang="zh-CN" altLang="en-US" sz="4400"/>
+          </a:p>
+        </p:txBody>
+      </p:sp>
+      <p:sp>
+        <p:nvSpPr>
+          <p:cNvPr id="4" name="文本框 3">
+            <a:extLst>
+              <a:ext uri="{FF2B5EF4-FFF2-40B4-BE49-F238E27FC236}">
+                <a16:creationId xmlns:a16="http://schemas.microsoft.com/office/drawing/2014/main" id="{FC162D07-0BDE-FF42-8360-2EE873E2C01E}"/>
+              </a:ext>
+            </a:extLst>
+          </p:cNvPr>
+          <p:cNvSpPr txBox="1"/>
+          <p:nvPr/>
+        </p:nvSpPr>
+        <p:spPr>
+          <a:xfrm>
+            <a:off x="256476" y="415132"/>
+            <a:ext cx="4426640" cy="307777"/>
+          </a:xfrm>
+          <a:prstGeom prst="rect">
+            <a:avLst/>
+          </a:prstGeom>
+          <a:noFill/>
+        </p:spPr>
+        <p:txBody>
+          <a:bodyPr wrap="square" rtlCol="0">
+            <a:spAutoFit/>
+          </a:bodyPr>
+          <a:lstStyle/>
+          <a:p>
+            <a:r>
+              <a:rPr lang="en-US" altLang="zh-CN" sz="1400" dirty="0" err="1">
+                <a:solidFill>
+                  <a:schemeClr val="bg1">
+                    <a:lumMod val="50000"/>
+                  </a:schemeClr>
+                </a:solidFill>
+                <a:latin typeface="微软雅黑" panose="020B0503020204020204" charset="-122"/>
+                <a:ea typeface="微软雅黑" panose="020B0503020204020204" charset="-122"/>
+              </a:rPr>
+              <a:t>Pytorch</a:t>
+            </a:r>
+            <a:r>
+              <a:rPr lang="zh-CN" altLang="en-US" sz="1400" dirty="0">
+                <a:solidFill>
+                  <a:schemeClr val="bg1">
+                    <a:lumMod val="50000"/>
+                  </a:schemeClr>
+                </a:solidFill>
+                <a:latin typeface="微软雅黑" panose="020B0503020204020204" charset="-122"/>
+                <a:ea typeface="微软雅黑" panose="020B0503020204020204" charset="-122"/>
+              </a:rPr>
+              <a:t>的实现</a:t>
+            </a:r>
+            <a:endParaRPr lang="en-US" altLang="zh-CN" sz="1400" dirty="0">
+              <a:solidFill>
+                <a:schemeClr val="bg1">
+                  <a:lumMod val="50000"/>
+                </a:schemeClr>
+              </a:solidFill>
+              <a:latin typeface="微软雅黑" panose="020B0503020204020204" charset="-122"/>
+              <a:ea typeface="微软雅黑" panose="020B0503020204020204" charset="-122"/>
+            </a:endParaRPr>
+          </a:p>
+        </p:txBody>
+      </p:sp>
+      <p:pic>
+        <p:nvPicPr>
+          <p:cNvPr id="2" name="图片 1">
+            <a:extLst>
+              <a:ext uri="{FF2B5EF4-FFF2-40B4-BE49-F238E27FC236}">
+                <a16:creationId xmlns:a16="http://schemas.microsoft.com/office/drawing/2014/main" id="{8E22431A-00FC-DA46-B6FC-3C7C28C6326A}"/>
+              </a:ext>
+            </a:extLst>
+          </p:cNvPr>
+          <p:cNvPicPr>
+            <a:picLocks noChangeAspect="1"/>
+          </p:cNvPicPr>
+          <p:nvPr/>
+        </p:nvPicPr>
+        <p:blipFill>
+          <a:blip r:embed="rId2"/>
+          <a:stretch>
+            <a:fillRect/>
+          </a:stretch>
+        </p:blipFill>
+        <p:spPr>
+          <a:xfrm>
+            <a:off x="343880" y="769741"/>
+            <a:ext cx="6350492" cy="5835107"/>
+          </a:xfrm>
+          <a:prstGeom prst="rect">
+            <a:avLst/>
+          </a:prstGeom>
+        </p:spPr>
+      </p:pic>
+      <p:sp>
+        <p:nvSpPr>
+          <p:cNvPr id="9" name="文本框 8">
+            <a:extLst>
+              <a:ext uri="{FF2B5EF4-FFF2-40B4-BE49-F238E27FC236}">
+                <a16:creationId xmlns:a16="http://schemas.microsoft.com/office/drawing/2014/main" id="{96B17A9D-67CE-A74C-925F-E09C0D0A4818}"/>
+              </a:ext>
+            </a:extLst>
+          </p:cNvPr>
+          <p:cNvSpPr txBox="1"/>
+          <p:nvPr/>
+        </p:nvSpPr>
+        <p:spPr>
+          <a:xfrm>
+            <a:off x="5840605" y="342192"/>
+            <a:ext cx="4426640" cy="307777"/>
+          </a:xfrm>
+          <a:prstGeom prst="rect">
+            <a:avLst/>
+          </a:prstGeom>
+          <a:noFill/>
+        </p:spPr>
+        <p:txBody>
+          <a:bodyPr wrap="square" rtlCol="0">
+            <a:spAutoFit/>
+          </a:bodyPr>
+          <a:lstStyle/>
+          <a:p>
+            <a:r>
+              <a:rPr lang="en-US" altLang="zh-CN" sz="1400" dirty="0" err="1">
+                <a:solidFill>
+                  <a:schemeClr val="bg1">
+                    <a:lumMod val="50000"/>
+                  </a:schemeClr>
+                </a:solidFill>
+                <a:latin typeface="微软雅黑" panose="020B0503020204020204" charset="-122"/>
+                <a:ea typeface="微软雅黑" panose="020B0503020204020204" charset="-122"/>
+              </a:rPr>
+              <a:t>pytorch</a:t>
+            </a:r>
+            <a:r>
+              <a:rPr lang="zh-CN" altLang="en-US" sz="1400" dirty="0">
+                <a:solidFill>
+                  <a:schemeClr val="bg1">
+                    <a:lumMod val="50000"/>
+                  </a:schemeClr>
+                </a:solidFill>
+                <a:latin typeface="微软雅黑" panose="020B0503020204020204" charset="-122"/>
+                <a:ea typeface="微软雅黑" panose="020B0503020204020204" charset="-122"/>
+              </a:rPr>
+              <a:t>也一样</a:t>
+            </a:r>
+            <a:endParaRPr lang="en-US" altLang="zh-CN" sz="1400" dirty="0">
+              <a:solidFill>
+                <a:schemeClr val="bg1">
+                  <a:lumMod val="50000"/>
+                </a:schemeClr>
+              </a:solidFill>
+              <a:latin typeface="微软雅黑" panose="020B0503020204020204" charset="-122"/>
+              <a:ea typeface="微软雅黑" panose="020B0503020204020204" charset="-122"/>
+            </a:endParaRPr>
+          </a:p>
+        </p:txBody>
+      </p:sp>
+      <p:pic>
+        <p:nvPicPr>
+          <p:cNvPr id="3" name="图片 2">
+            <a:extLst>
+              <a:ext uri="{FF2B5EF4-FFF2-40B4-BE49-F238E27FC236}">
+                <a16:creationId xmlns:a16="http://schemas.microsoft.com/office/drawing/2014/main" id="{0CFD7CE5-4EB1-CB42-91D0-6D4AEF6A2667}"/>
+              </a:ext>
+            </a:extLst>
+          </p:cNvPr>
+          <p:cNvPicPr>
+            <a:picLocks noChangeAspect="1"/>
+          </p:cNvPicPr>
+          <p:nvPr/>
+        </p:nvPicPr>
+        <p:blipFill>
+          <a:blip r:embed="rId3"/>
+          <a:stretch>
+            <a:fillRect/>
+          </a:stretch>
+        </p:blipFill>
+        <p:spPr>
+          <a:xfrm>
+            <a:off x="5840605" y="649969"/>
+            <a:ext cx="3124200" cy="2247900"/>
+          </a:xfrm>
+          <a:prstGeom prst="rect">
+            <a:avLst/>
+          </a:prstGeom>
+        </p:spPr>
+      </p:pic>
+    </p:spTree>
+    <p:extLst>
+      <p:ext uri="{BB962C8B-B14F-4D97-AF65-F5344CB8AC3E}">
+        <p14:creationId xmlns:p14="http://schemas.microsoft.com/office/powerpoint/2010/main" val="1427817431"/>
+      </p:ext>
+    </p:extLst>
+  </p:cSld>
+  <p:clrMapOvr>
+    <a:masterClrMapping/>
+  </p:clrMapOvr>
+  <mc:AlternateContent xmlns:mc="http://schemas.openxmlformats.org/markup-compatibility/2006" xmlns:p14="http://schemas.microsoft.com/office/powerpoint/2010/main">
+    <mc:Choice Requires="p14">
+      <p:transition spd="med" p14:dur="700">
+        <p:fade/>
+      </p:transition>
+    </mc:Choice>
+    <mc:Fallback xmlns="">
+      <p:transition spd="med">
+        <p:fade/>
+      </p:transition>
+    </mc:Fallback>
+  </mc:AlternateContent>
+</p:sld>
+</file>
+
+<file path=ppt/slides/slide34.xml><?xml version="1.0" encoding="utf-8"?>
+<p:sld xmlns:a="http://schemas.openxmlformats.org/drawingml/2006/main" xmlns:r="http://schemas.openxmlformats.org/officeDocument/2006/relationships" xmlns:p="http://schemas.openxmlformats.org/presentationml/2006/main">
+  <p:cSld>
+    <p:spTree>
+      <p:nvGrpSpPr>
+        <p:cNvPr id="1" name=""/>
+        <p:cNvGrpSpPr/>
+        <p:nvPr/>
+      </p:nvGrpSpPr>
+      <p:grpSpPr>
+        <a:xfrm>
+          <a:off x="0" y="0"/>
+          <a:ext cx="0" cy="0"/>
+          <a:chOff x="0" y="0"/>
+          <a:chExt cx="0" cy="0"/>
+        </a:xfrm>
+      </p:grpSpPr>
+      <p:sp>
+        <p:nvSpPr>
+          <p:cNvPr id="6" name="矩形 5">
+            <a:extLst>
+              <a:ext uri="{FF2B5EF4-FFF2-40B4-BE49-F238E27FC236}">
+                <a16:creationId xmlns:a16="http://schemas.microsoft.com/office/drawing/2014/main" id="{6A32B224-18D4-F447-8FFD-6D635C3F2AC4}"/>
+              </a:ext>
+            </a:extLst>
+          </p:cNvPr>
+          <p:cNvSpPr/>
+          <p:nvPr/>
+        </p:nvSpPr>
+        <p:spPr>
+          <a:xfrm>
+            <a:off x="0" y="60523"/>
+            <a:ext cx="2051074" cy="307777"/>
+          </a:xfrm>
+          <a:prstGeom prst="rect">
+            <a:avLst/>
+          </a:prstGeom>
+        </p:spPr>
+        <p:txBody>
+          <a:bodyPr wrap="none">
+            <a:spAutoFit/>
+          </a:bodyPr>
+          <a:lstStyle/>
+          <a:p>
+            <a:r>
+              <a:rPr lang="en-US" altLang="zh-CN" sz="1400" b="1" dirty="0"/>
+              <a:t>PART ONE </a:t>
+            </a:r>
+            <a:r>
+              <a:rPr lang="zh-CN" altLang="en-US" sz="1400" b="1" dirty="0"/>
+              <a:t>应用神经网络</a:t>
+            </a:r>
+          </a:p>
+        </p:txBody>
+      </p:sp>
+      <p:sp>
+        <p:nvSpPr>
+          <p:cNvPr id="7" name="椭圆 6">
+            <a:extLst>
+              <a:ext uri="{FF2B5EF4-FFF2-40B4-BE49-F238E27FC236}">
+                <a16:creationId xmlns:a16="http://schemas.microsoft.com/office/drawing/2014/main" id="{D1812375-66FF-2A4D-A626-13AE40C330A2}"/>
+              </a:ext>
+            </a:extLst>
+          </p:cNvPr>
+          <p:cNvSpPr/>
+          <p:nvPr/>
+        </p:nvSpPr>
+        <p:spPr>
+          <a:xfrm>
+            <a:off x="1966473" y="157740"/>
+            <a:ext cx="130917" cy="113341"/>
+          </a:xfrm>
+          <a:prstGeom prst="ellipse">
+            <a:avLst/>
+          </a:prstGeom>
+          <a:solidFill>
+            <a:srgbClr val="FF0000"/>
+          </a:solidFill>
+          <a:ln>
+            <a:noFill/>
+          </a:ln>
+        </p:spPr>
+        <p:style>
+          <a:lnRef idx="2">
+            <a:schemeClr val="accent1">
+              <a:shade val="50000"/>
+            </a:schemeClr>
+          </a:lnRef>
+          <a:fillRef idx="1">
+            <a:schemeClr val="accent1"/>
+          </a:fillRef>
+          <a:effectRef idx="0">
+            <a:schemeClr val="accent1"/>
+          </a:effectRef>
+          <a:fontRef idx="minor">
+            <a:schemeClr val="lt1"/>
+          </a:fontRef>
+        </p:style>
+        <p:txBody>
+          <a:bodyPr rot="0" spcFirstLastPara="0" vertOverflow="overflow" horzOverflow="overflow" vert="horz" wrap="square" lIns="91440" tIns="45720" rIns="91440" bIns="45720" numCol="1" spcCol="0" rtlCol="0" fromWordArt="0" anchor="ctr" anchorCtr="0" forceAA="0" compatLnSpc="1">
+            <a:noAutofit/>
+          </a:bodyPr>
+          <a:lstStyle/>
+          <a:p>
+            <a:pPr algn="ctr"/>
+            <a:endParaRPr lang="zh-CN" altLang="en-US" sz="4400"/>
+          </a:p>
+        </p:txBody>
+      </p:sp>
+    </p:spTree>
+    <p:extLst>
+      <p:ext uri="{BB962C8B-B14F-4D97-AF65-F5344CB8AC3E}">
+        <p14:creationId xmlns:p14="http://schemas.microsoft.com/office/powerpoint/2010/main" val="1246463843"/>
+      </p:ext>
+    </p:extLst>
+  </p:cSld>
+  <p:clrMapOvr>
+    <a:masterClrMapping/>
+  </p:clrMapOvr>
+  <mc:AlternateContent xmlns:mc="http://schemas.openxmlformats.org/markup-compatibility/2006" xmlns:p14="http://schemas.microsoft.com/office/powerpoint/2010/main">
+    <mc:Choice Requires="p14">
+      <p:transition spd="med" p14:dur="700">
+        <p:fade/>
+      </p:transition>
+    </mc:Choice>
+    <mc:Fallback xmlns="">
+      <p:transition spd="med">
+        <p:fade/>
+      </p:transition>
+    </mc:Fallback>
+  </mc:AlternateContent>
+</p:sld>
+</file>
+
+<file path=ppt/slides/slide35.xml><?xml version="1.0" encoding="utf-8"?>
+<p:sld xmlns:a="http://schemas.openxmlformats.org/drawingml/2006/main" xmlns:r="http://schemas.openxmlformats.org/officeDocument/2006/relationships" xmlns:p="http://schemas.openxmlformats.org/presentationml/2006/main">
+  <p:cSld>
+    <p:spTree>
+      <p:nvGrpSpPr>
+        <p:cNvPr id="1" name=""/>
+        <p:cNvGrpSpPr/>
+        <p:nvPr/>
+      </p:nvGrpSpPr>
+      <p:grpSpPr>
+        <a:xfrm>
+          <a:off x="0" y="0"/>
+          <a:ext cx="0" cy="0"/>
+          <a:chOff x="0" y="0"/>
+          <a:chExt cx="0" cy="0"/>
+        </a:xfrm>
+      </p:grpSpPr>
+      <p:sp>
+        <p:nvSpPr>
+          <p:cNvPr id="6" name="矩形 5">
+            <a:extLst>
+              <a:ext uri="{FF2B5EF4-FFF2-40B4-BE49-F238E27FC236}">
+                <a16:creationId xmlns:a16="http://schemas.microsoft.com/office/drawing/2014/main" id="{6A32B224-18D4-F447-8FFD-6D635C3F2AC4}"/>
+              </a:ext>
+            </a:extLst>
+          </p:cNvPr>
+          <p:cNvSpPr/>
+          <p:nvPr/>
+        </p:nvSpPr>
+        <p:spPr>
+          <a:xfrm>
+            <a:off x="0" y="60523"/>
+            <a:ext cx="2051074" cy="307777"/>
+          </a:xfrm>
+          <a:prstGeom prst="rect">
+            <a:avLst/>
+          </a:prstGeom>
+        </p:spPr>
+        <p:txBody>
+          <a:bodyPr wrap="none">
+            <a:spAutoFit/>
+          </a:bodyPr>
+          <a:lstStyle/>
+          <a:p>
+            <a:r>
+              <a:rPr lang="en-US" altLang="zh-CN" sz="1400" b="1" dirty="0"/>
+              <a:t>PART ONE </a:t>
+            </a:r>
+            <a:r>
+              <a:rPr lang="zh-CN" altLang="en-US" sz="1400" b="1" dirty="0"/>
+              <a:t>应用神经网络</a:t>
+            </a:r>
+          </a:p>
+        </p:txBody>
+      </p:sp>
+      <p:sp>
+        <p:nvSpPr>
+          <p:cNvPr id="7" name="椭圆 6">
+            <a:extLst>
+              <a:ext uri="{FF2B5EF4-FFF2-40B4-BE49-F238E27FC236}">
+                <a16:creationId xmlns:a16="http://schemas.microsoft.com/office/drawing/2014/main" id="{D1812375-66FF-2A4D-A626-13AE40C330A2}"/>
+              </a:ext>
+            </a:extLst>
+          </p:cNvPr>
+          <p:cNvSpPr/>
+          <p:nvPr/>
+        </p:nvSpPr>
+        <p:spPr>
+          <a:xfrm>
+            <a:off x="1966473" y="157740"/>
+            <a:ext cx="130917" cy="113341"/>
+          </a:xfrm>
+          <a:prstGeom prst="ellipse">
+            <a:avLst/>
+          </a:prstGeom>
+          <a:solidFill>
+            <a:srgbClr val="FF0000"/>
+          </a:solidFill>
+          <a:ln>
+            <a:noFill/>
+          </a:ln>
+        </p:spPr>
+        <p:style>
+          <a:lnRef idx="2">
+            <a:schemeClr val="accent1">
+              <a:shade val="50000"/>
+            </a:schemeClr>
+          </a:lnRef>
+          <a:fillRef idx="1">
+            <a:schemeClr val="accent1"/>
+          </a:fillRef>
+          <a:effectRef idx="0">
+            <a:schemeClr val="accent1"/>
+          </a:effectRef>
+          <a:fontRef idx="minor">
+            <a:schemeClr val="lt1"/>
+          </a:fontRef>
+        </p:style>
+        <p:txBody>
+          <a:bodyPr rot="0" spcFirstLastPara="0" vertOverflow="overflow" horzOverflow="overflow" vert="horz" wrap="square" lIns="91440" tIns="45720" rIns="91440" bIns="45720" numCol="1" spcCol="0" rtlCol="0" fromWordArt="0" anchor="ctr" anchorCtr="0" forceAA="0" compatLnSpc="1">
+            <a:noAutofit/>
+          </a:bodyPr>
+          <a:lstStyle/>
+          <a:p>
+            <a:pPr algn="ctr"/>
+            <a:endParaRPr lang="zh-CN" altLang="en-US" sz="4400"/>
+          </a:p>
+        </p:txBody>
+      </p:sp>
+    </p:spTree>
+    <p:extLst>
+      <p:ext uri="{BB962C8B-B14F-4D97-AF65-F5344CB8AC3E}">
+        <p14:creationId xmlns:p14="http://schemas.microsoft.com/office/powerpoint/2010/main" val="868164553"/>
+      </p:ext>
+    </p:extLst>
+  </p:cSld>
+  <p:clrMapOvr>
+    <a:masterClrMapping/>
+  </p:clrMapOvr>
+  <mc:AlternateContent xmlns:mc="http://schemas.openxmlformats.org/markup-compatibility/2006" xmlns:p14="http://schemas.microsoft.com/office/powerpoint/2010/main">
+    <mc:Choice Requires="p14">
+      <p:transition spd="med" p14:dur="700">
+        <p:fade/>
+      </p:transition>
+    </mc:Choice>
+    <mc:Fallback xmlns="">
+      <p:transition spd="med">
+        <p:fade/>
+      </p:transition>
+    </mc:Fallback>
+  </mc:AlternateContent>
+</p:sld>
+</file>
+
+<file path=ppt/slides/slide36.xml><?xml version="1.0" encoding="utf-8"?>
+<p:sld xmlns:a="http://schemas.openxmlformats.org/drawingml/2006/main" xmlns:r="http://schemas.openxmlformats.org/officeDocument/2006/relationships" xmlns:p="http://schemas.openxmlformats.org/presentationml/2006/main">
+  <p:cSld>
+    <p:spTree>
+      <p:nvGrpSpPr>
+        <p:cNvPr id="1" name=""/>
+        <p:cNvGrpSpPr/>
+        <p:nvPr/>
+      </p:nvGrpSpPr>
+      <p:grpSpPr>
+        <a:xfrm>
+          <a:off x="0" y="0"/>
+          <a:ext cx="0" cy="0"/>
+          <a:chOff x="0" y="0"/>
+          <a:chExt cx="0" cy="0"/>
+        </a:xfrm>
+      </p:grpSpPr>
+      <p:sp>
+        <p:nvSpPr>
+          <p:cNvPr id="6" name="矩形 5">
+            <a:extLst>
+              <a:ext uri="{FF2B5EF4-FFF2-40B4-BE49-F238E27FC236}">
+                <a16:creationId xmlns:a16="http://schemas.microsoft.com/office/drawing/2014/main" id="{6A32B224-18D4-F447-8FFD-6D635C3F2AC4}"/>
+              </a:ext>
+            </a:extLst>
+          </p:cNvPr>
+          <p:cNvSpPr/>
+          <p:nvPr/>
+        </p:nvSpPr>
+        <p:spPr>
+          <a:xfrm>
+            <a:off x="0" y="60523"/>
+            <a:ext cx="2051074" cy="307777"/>
+          </a:xfrm>
+          <a:prstGeom prst="rect">
+            <a:avLst/>
+          </a:prstGeom>
+        </p:spPr>
+        <p:txBody>
+          <a:bodyPr wrap="none">
+            <a:spAutoFit/>
+          </a:bodyPr>
+          <a:lstStyle/>
+          <a:p>
+            <a:r>
+              <a:rPr lang="en-US" altLang="zh-CN" sz="1400" b="1" dirty="0"/>
+              <a:t>PART ONE </a:t>
+            </a:r>
+            <a:r>
+              <a:rPr lang="zh-CN" altLang="en-US" sz="1400" b="1" dirty="0"/>
+              <a:t>应用神经网络</a:t>
+            </a:r>
+          </a:p>
+        </p:txBody>
+      </p:sp>
+      <p:sp>
+        <p:nvSpPr>
+          <p:cNvPr id="7" name="椭圆 6">
+            <a:extLst>
+              <a:ext uri="{FF2B5EF4-FFF2-40B4-BE49-F238E27FC236}">
+                <a16:creationId xmlns:a16="http://schemas.microsoft.com/office/drawing/2014/main" id="{D1812375-66FF-2A4D-A626-13AE40C330A2}"/>
+              </a:ext>
+            </a:extLst>
+          </p:cNvPr>
+          <p:cNvSpPr/>
+          <p:nvPr/>
+        </p:nvSpPr>
+        <p:spPr>
+          <a:xfrm>
+            <a:off x="1966473" y="157740"/>
+            <a:ext cx="130917" cy="113341"/>
+          </a:xfrm>
+          <a:prstGeom prst="ellipse">
+            <a:avLst/>
+          </a:prstGeom>
+          <a:solidFill>
+            <a:srgbClr val="FF0000"/>
+          </a:solidFill>
+          <a:ln>
+            <a:noFill/>
+          </a:ln>
+        </p:spPr>
+        <p:style>
+          <a:lnRef idx="2">
+            <a:schemeClr val="accent1">
+              <a:shade val="50000"/>
+            </a:schemeClr>
+          </a:lnRef>
+          <a:fillRef idx="1">
+            <a:schemeClr val="accent1"/>
+          </a:fillRef>
+          <a:effectRef idx="0">
+            <a:schemeClr val="accent1"/>
+          </a:effectRef>
+          <a:fontRef idx="minor">
+            <a:schemeClr val="lt1"/>
+          </a:fontRef>
+        </p:style>
+        <p:txBody>
+          <a:bodyPr rot="0" spcFirstLastPara="0" vertOverflow="overflow" horzOverflow="overflow" vert="horz" wrap="square" lIns="91440" tIns="45720" rIns="91440" bIns="45720" numCol="1" spcCol="0" rtlCol="0" fromWordArt="0" anchor="ctr" anchorCtr="0" forceAA="0" compatLnSpc="1">
+            <a:noAutofit/>
+          </a:bodyPr>
+          <a:lstStyle/>
+          <a:p>
+            <a:pPr algn="ctr"/>
+            <a:endParaRPr lang="zh-CN" altLang="en-US" sz="4400"/>
+          </a:p>
+        </p:txBody>
+      </p:sp>
+    </p:spTree>
+    <p:extLst>
+      <p:ext uri="{BB962C8B-B14F-4D97-AF65-F5344CB8AC3E}">
+        <p14:creationId xmlns:p14="http://schemas.microsoft.com/office/powerpoint/2010/main" val="2870917358"/>
+      </p:ext>
+    </p:extLst>
+  </p:cSld>
+  <p:clrMapOvr>
+    <a:masterClrMapping/>
+  </p:clrMapOvr>
+  <mc:AlternateContent xmlns:mc="http://schemas.openxmlformats.org/markup-compatibility/2006" xmlns:p14="http://schemas.microsoft.com/office/powerpoint/2010/main">
+    <mc:Choice Requires="p14">
+      <p:transition spd="med" p14:dur="700">
+        <p:fade/>
+      </p:transition>
+    </mc:Choice>
+    <mc:Fallback xmlns="">
+      <p:transition spd="med">
+        <p:fade/>
+      </p:transition>
+    </mc:Fallback>
+  </mc:AlternateContent>
+</p:sld>
+</file>
+
+<file path=ppt/slides/slide37.xml><?xml version="1.0" encoding="utf-8"?>
+<p:sld xmlns:a="http://schemas.openxmlformats.org/drawingml/2006/main" xmlns:r="http://schemas.openxmlformats.org/officeDocument/2006/relationships" xmlns:p="http://schemas.openxmlformats.org/presentationml/2006/main">
+  <p:cSld>
+    <p:spTree>
+      <p:nvGrpSpPr>
+        <p:cNvPr id="1" name=""/>
+        <p:cNvGrpSpPr/>
+        <p:nvPr/>
+      </p:nvGrpSpPr>
+      <p:grpSpPr>
+        <a:xfrm>
+          <a:off x="0" y="0"/>
+          <a:ext cx="0" cy="0"/>
+          <a:chOff x="0" y="0"/>
+          <a:chExt cx="0" cy="0"/>
+        </a:xfrm>
+      </p:grpSpPr>
+      <p:sp>
+        <p:nvSpPr>
+          <p:cNvPr id="6" name="矩形 5">
+            <a:extLst>
+              <a:ext uri="{FF2B5EF4-FFF2-40B4-BE49-F238E27FC236}">
+                <a16:creationId xmlns:a16="http://schemas.microsoft.com/office/drawing/2014/main" id="{6A32B224-18D4-F447-8FFD-6D635C3F2AC4}"/>
+              </a:ext>
+            </a:extLst>
+          </p:cNvPr>
+          <p:cNvSpPr/>
+          <p:nvPr/>
+        </p:nvSpPr>
+        <p:spPr>
+          <a:xfrm>
+            <a:off x="0" y="60523"/>
+            <a:ext cx="2051074" cy="307777"/>
+          </a:xfrm>
+          <a:prstGeom prst="rect">
+            <a:avLst/>
+          </a:prstGeom>
+        </p:spPr>
+        <p:txBody>
+          <a:bodyPr wrap="none">
+            <a:spAutoFit/>
+          </a:bodyPr>
+          <a:lstStyle/>
+          <a:p>
+            <a:r>
+              <a:rPr lang="en-US" altLang="zh-CN" sz="1400" b="1" dirty="0"/>
+              <a:t>PART ONE </a:t>
+            </a:r>
+            <a:r>
+              <a:rPr lang="zh-CN" altLang="en-US" sz="1400" b="1" dirty="0"/>
+              <a:t>应用神经网络</a:t>
+            </a:r>
+          </a:p>
+        </p:txBody>
+      </p:sp>
+      <p:sp>
+        <p:nvSpPr>
+          <p:cNvPr id="7" name="椭圆 6">
+            <a:extLst>
+              <a:ext uri="{FF2B5EF4-FFF2-40B4-BE49-F238E27FC236}">
+                <a16:creationId xmlns:a16="http://schemas.microsoft.com/office/drawing/2014/main" id="{D1812375-66FF-2A4D-A626-13AE40C330A2}"/>
+              </a:ext>
+            </a:extLst>
+          </p:cNvPr>
+          <p:cNvSpPr/>
+          <p:nvPr/>
+        </p:nvSpPr>
+        <p:spPr>
+          <a:xfrm>
+            <a:off x="1966473" y="157740"/>
+            <a:ext cx="130917" cy="113341"/>
+          </a:xfrm>
+          <a:prstGeom prst="ellipse">
+            <a:avLst/>
+          </a:prstGeom>
+          <a:solidFill>
+            <a:srgbClr val="FF0000"/>
+          </a:solidFill>
+          <a:ln>
+            <a:noFill/>
+          </a:ln>
+        </p:spPr>
+        <p:style>
+          <a:lnRef idx="2">
+            <a:schemeClr val="accent1">
+              <a:shade val="50000"/>
+            </a:schemeClr>
+          </a:lnRef>
+          <a:fillRef idx="1">
+            <a:schemeClr val="accent1"/>
+          </a:fillRef>
+          <a:effectRef idx="0">
+            <a:schemeClr val="accent1"/>
+          </a:effectRef>
+          <a:fontRef idx="minor">
+            <a:schemeClr val="lt1"/>
+          </a:fontRef>
+        </p:style>
+        <p:txBody>
+          <a:bodyPr rot="0" spcFirstLastPara="0" vertOverflow="overflow" horzOverflow="overflow" vert="horz" wrap="square" lIns="91440" tIns="45720" rIns="91440" bIns="45720" numCol="1" spcCol="0" rtlCol="0" fromWordArt="0" anchor="ctr" anchorCtr="0" forceAA="0" compatLnSpc="1">
+            <a:noAutofit/>
+          </a:bodyPr>
+          <a:lstStyle/>
+          <a:p>
+            <a:pPr algn="ctr"/>
+            <a:endParaRPr lang="zh-CN" altLang="en-US" sz="4400"/>
+          </a:p>
+        </p:txBody>
+      </p:sp>
+    </p:spTree>
+    <p:extLst>
+      <p:ext uri="{BB962C8B-B14F-4D97-AF65-F5344CB8AC3E}">
+        <p14:creationId xmlns:p14="http://schemas.microsoft.com/office/powerpoint/2010/main" val="2669385880"/>
+      </p:ext>
+    </p:extLst>
+  </p:cSld>
+  <p:clrMapOvr>
+    <a:masterClrMapping/>
+  </p:clrMapOvr>
+  <mc:AlternateContent xmlns:mc="http://schemas.openxmlformats.org/markup-compatibility/2006" xmlns:p14="http://schemas.microsoft.com/office/powerpoint/2010/main">
+    <mc:Choice Requires="p14">
+      <p:transition spd="med" p14:dur="700">
+        <p:fade/>
+      </p:transition>
+    </mc:Choice>
+    <mc:Fallback xmlns="">
+      <p:transition spd="med">
+        <p:fade/>
+      </p:transition>
+    </mc:Fallback>
+  </mc:AlternateContent>
+</p:sld>
+</file>
+
+<file path=ppt/slides/slide38.xml><?xml version="1.0" encoding="utf-8"?>
+<p:sld xmlns:a="http://schemas.openxmlformats.org/drawingml/2006/main" xmlns:r="http://schemas.openxmlformats.org/officeDocument/2006/relationships" xmlns:p="http://schemas.openxmlformats.org/presentationml/2006/main">
+  <p:cSld>
+    <p:spTree>
+      <p:nvGrpSpPr>
+        <p:cNvPr id="1" name=""/>
+        <p:cNvGrpSpPr/>
+        <p:nvPr/>
+      </p:nvGrpSpPr>
+      <p:grpSpPr>
+        <a:xfrm>
+          <a:off x="0" y="0"/>
+          <a:ext cx="0" cy="0"/>
+          <a:chOff x="0" y="0"/>
+          <a:chExt cx="0" cy="0"/>
+        </a:xfrm>
+      </p:grpSpPr>
       <p:sp>
         <p:nvSpPr>
           <p:cNvPr id="2" name="文本框 1"/>
@@ -27767,7 +31199,7 @@
                 <a:latin typeface="+mj-lt"/>
                 <a:ea typeface="微软雅黑" panose="020B0503020204020204" charset="-122"/>
               </a:rPr>
-              <a:t>深入神经网络</a:t>
+              <a:t>神经网络调优</a:t>
             </a:r>
           </a:p>
         </p:txBody>
@@ -27831,7 +31263,7 @@
 </p:sld>
 </file>
 
-<file path=ppt/slides/slide32.xml><?xml version="1.0" encoding="utf-8"?>
+<file path=ppt/slides/slide39.xml><?xml version="1.0" encoding="utf-8"?>
 <p:sld xmlns:a="http://schemas.openxmlformats.org/drawingml/2006/main" xmlns:r="http://schemas.openxmlformats.org/officeDocument/2006/relationships" xmlns:p="http://schemas.openxmlformats.org/presentationml/2006/main">
   <p:cSld>
     <p:spTree>
@@ -27965,7 +31397,1246 @@
 </p:sld>
 </file>
 
-<file path=ppt/slides/slide33.xml><?xml version="1.0" encoding="utf-8"?>
+<file path=ppt/slides/slide4.xml><?xml version="1.0" encoding="utf-8"?>
+<p:sld xmlns:a="http://schemas.openxmlformats.org/drawingml/2006/main" xmlns:r="http://schemas.openxmlformats.org/officeDocument/2006/relationships" xmlns:p="http://schemas.openxmlformats.org/presentationml/2006/main">
+  <p:cSld>
+    <p:spTree>
+      <p:nvGrpSpPr>
+        <p:cNvPr id="1" name=""/>
+        <p:cNvGrpSpPr/>
+        <p:nvPr/>
+      </p:nvGrpSpPr>
+      <p:grpSpPr>
+        <a:xfrm>
+          <a:off x="0" y="0"/>
+          <a:ext cx="0" cy="0"/>
+          <a:chOff x="0" y="0"/>
+          <a:chExt cx="0" cy="0"/>
+        </a:xfrm>
+      </p:grpSpPr>
+      <p:sp>
+        <p:nvSpPr>
+          <p:cNvPr id="2" name="矩形 1"/>
+          <p:cNvSpPr/>
+          <p:nvPr/>
+        </p:nvSpPr>
+        <p:spPr>
+          <a:xfrm>
+            <a:off x="0" y="60523"/>
+            <a:ext cx="1692002" cy="307777"/>
+          </a:xfrm>
+          <a:prstGeom prst="rect">
+            <a:avLst/>
+          </a:prstGeom>
+        </p:spPr>
+        <p:txBody>
+          <a:bodyPr wrap="none">
+            <a:spAutoFit/>
+          </a:bodyPr>
+          <a:lstStyle/>
+          <a:p>
+            <a:r>
+              <a:rPr lang="en-US" altLang="zh-CN" sz="1400" b="1" dirty="0"/>
+              <a:t>PART ONE </a:t>
+            </a:r>
+            <a:r>
+              <a:rPr lang="zh-CN" altLang="en-US" sz="1400" b="1" dirty="0"/>
+              <a:t>神经网络</a:t>
+            </a:r>
+          </a:p>
+        </p:txBody>
+      </p:sp>
+      <p:sp>
+        <p:nvSpPr>
+          <p:cNvPr id="3" name="椭圆 2"/>
+          <p:cNvSpPr/>
+          <p:nvPr/>
+        </p:nvSpPr>
+        <p:spPr>
+          <a:xfrm>
+            <a:off x="1757150" y="157740"/>
+            <a:ext cx="130917" cy="113341"/>
+          </a:xfrm>
+          <a:prstGeom prst="ellipse">
+            <a:avLst/>
+          </a:prstGeom>
+          <a:solidFill>
+            <a:srgbClr val="FF0000"/>
+          </a:solidFill>
+          <a:ln>
+            <a:noFill/>
+          </a:ln>
+        </p:spPr>
+        <p:style>
+          <a:lnRef idx="2">
+            <a:schemeClr val="accent1">
+              <a:shade val="50000"/>
+            </a:schemeClr>
+          </a:lnRef>
+          <a:fillRef idx="1">
+            <a:schemeClr val="accent1"/>
+          </a:fillRef>
+          <a:effectRef idx="0">
+            <a:schemeClr val="accent1"/>
+          </a:effectRef>
+          <a:fontRef idx="minor">
+            <a:schemeClr val="lt1"/>
+          </a:fontRef>
+        </p:style>
+        <p:txBody>
+          <a:bodyPr rot="0" spcFirstLastPara="0" vertOverflow="overflow" horzOverflow="overflow" vert="horz" wrap="square" lIns="91440" tIns="45720" rIns="91440" bIns="45720" numCol="1" spcCol="0" rtlCol="0" fromWordArt="0" anchor="ctr" anchorCtr="0" forceAA="0" compatLnSpc="1">
+            <a:noAutofit/>
+          </a:bodyPr>
+          <a:lstStyle/>
+          <a:p>
+            <a:pPr algn="ctr"/>
+            <a:endParaRPr lang="zh-CN" altLang="en-US" sz="4400"/>
+          </a:p>
+        </p:txBody>
+      </p:sp>
+      <p:grpSp>
+        <p:nvGrpSpPr>
+          <p:cNvPr id="13" name="组合 12"/>
+          <p:cNvGrpSpPr/>
+          <p:nvPr/>
+        </p:nvGrpSpPr>
+        <p:grpSpPr>
+          <a:xfrm>
+            <a:off x="910794" y="928946"/>
+            <a:ext cx="2300757" cy="509896"/>
+            <a:chOff x="888096" y="1000203"/>
+            <a:chExt cx="4259825" cy="944066"/>
+          </a:xfrm>
+        </p:grpSpPr>
+        <p:sp>
+          <p:nvSpPr>
+            <p:cNvPr id="5" name="矩形 4"/>
+            <p:cNvSpPr/>
+            <p:nvPr/>
+          </p:nvSpPr>
+          <p:spPr>
+            <a:xfrm>
+              <a:off x="911225" y="1045634"/>
+              <a:ext cx="4199467" cy="872066"/>
+            </a:xfrm>
+            <a:prstGeom prst="rect">
+              <a:avLst/>
+            </a:prstGeom>
+            <a:noFill/>
+            <a:ln>
+              <a:solidFill>
+                <a:schemeClr val="bg1">
+                  <a:lumMod val="75000"/>
+                </a:schemeClr>
+              </a:solidFill>
+            </a:ln>
+          </p:spPr>
+          <p:style>
+            <a:lnRef idx="2">
+              <a:schemeClr val="accent1">
+                <a:shade val="50000"/>
+              </a:schemeClr>
+            </a:lnRef>
+            <a:fillRef idx="1">
+              <a:schemeClr val="accent1"/>
+            </a:fillRef>
+            <a:effectRef idx="0">
+              <a:schemeClr val="accent1"/>
+            </a:effectRef>
+            <a:fontRef idx="minor">
+              <a:schemeClr val="lt1"/>
+            </a:fontRef>
+          </p:style>
+          <p:txBody>
+            <a:bodyPr rot="0" spcFirstLastPara="0" vertOverflow="overflow" horzOverflow="overflow" vert="horz" wrap="square" lIns="91440" tIns="45720" rIns="91440" bIns="45720" numCol="1" spcCol="0" rtlCol="0" fromWordArt="0" anchor="ctr" anchorCtr="0" forceAA="0" compatLnSpc="1">
+              <a:noAutofit/>
+            </a:bodyPr>
+            <a:lstStyle/>
+            <a:p>
+              <a:pPr algn="ctr"/>
+              <a:endParaRPr lang="zh-CN" altLang="en-US"/>
+            </a:p>
+          </p:txBody>
+        </p:sp>
+        <p:sp>
+          <p:nvSpPr>
+            <p:cNvPr id="6" name="椭圆 5"/>
+            <p:cNvSpPr/>
+            <p:nvPr/>
+          </p:nvSpPr>
+          <p:spPr>
+            <a:xfrm>
+              <a:off x="888096" y="1000203"/>
+              <a:ext cx="72000" cy="72000"/>
+            </a:xfrm>
+            <a:prstGeom prst="ellipse">
+              <a:avLst/>
+            </a:prstGeom>
+            <a:solidFill>
+              <a:schemeClr val="tx1">
+                <a:lumMod val="65000"/>
+                <a:lumOff val="35000"/>
+              </a:schemeClr>
+            </a:solidFill>
+            <a:ln>
+              <a:noFill/>
+            </a:ln>
+          </p:spPr>
+          <p:style>
+            <a:lnRef idx="2">
+              <a:schemeClr val="accent1">
+                <a:shade val="50000"/>
+              </a:schemeClr>
+            </a:lnRef>
+            <a:fillRef idx="1">
+              <a:schemeClr val="accent1"/>
+            </a:fillRef>
+            <a:effectRef idx="0">
+              <a:schemeClr val="accent1"/>
+            </a:effectRef>
+            <a:fontRef idx="minor">
+              <a:schemeClr val="lt1"/>
+            </a:fontRef>
+          </p:style>
+          <p:txBody>
+            <a:bodyPr rot="0" spcFirstLastPara="0" vertOverflow="overflow" horzOverflow="overflow" vert="horz" wrap="square" lIns="91440" tIns="45720" rIns="91440" bIns="45720" numCol="1" spcCol="0" rtlCol="0" fromWordArt="0" anchor="ctr" anchorCtr="0" forceAA="0" compatLnSpc="1">
+              <a:noAutofit/>
+            </a:bodyPr>
+            <a:lstStyle/>
+            <a:p>
+              <a:pPr algn="ctr"/>
+              <a:endParaRPr lang="zh-CN" altLang="en-US"/>
+            </a:p>
+          </p:txBody>
+        </p:sp>
+        <p:sp>
+          <p:nvSpPr>
+            <p:cNvPr id="7" name="椭圆 6"/>
+            <p:cNvSpPr/>
+            <p:nvPr/>
+          </p:nvSpPr>
+          <p:spPr>
+            <a:xfrm>
+              <a:off x="888096" y="1872269"/>
+              <a:ext cx="72000" cy="72000"/>
+            </a:xfrm>
+            <a:prstGeom prst="ellipse">
+              <a:avLst/>
+            </a:prstGeom>
+            <a:solidFill>
+              <a:schemeClr val="tx1">
+                <a:lumMod val="65000"/>
+                <a:lumOff val="35000"/>
+              </a:schemeClr>
+            </a:solidFill>
+            <a:ln>
+              <a:noFill/>
+            </a:ln>
+          </p:spPr>
+          <p:style>
+            <a:lnRef idx="2">
+              <a:schemeClr val="accent1">
+                <a:shade val="50000"/>
+              </a:schemeClr>
+            </a:lnRef>
+            <a:fillRef idx="1">
+              <a:schemeClr val="accent1"/>
+            </a:fillRef>
+            <a:effectRef idx="0">
+              <a:schemeClr val="accent1"/>
+            </a:effectRef>
+            <a:fontRef idx="minor">
+              <a:schemeClr val="lt1"/>
+            </a:fontRef>
+          </p:style>
+          <p:txBody>
+            <a:bodyPr rot="0" spcFirstLastPara="0" vertOverflow="overflow" horzOverflow="overflow" vert="horz" wrap="square" lIns="91440" tIns="45720" rIns="91440" bIns="45720" numCol="1" spcCol="0" rtlCol="0" fromWordArt="0" anchor="ctr" anchorCtr="0" forceAA="0" compatLnSpc="1">
+              <a:noAutofit/>
+            </a:bodyPr>
+            <a:lstStyle/>
+            <a:p>
+              <a:pPr algn="ctr"/>
+              <a:endParaRPr lang="zh-CN" altLang="en-US"/>
+            </a:p>
+          </p:txBody>
+        </p:sp>
+        <p:sp>
+          <p:nvSpPr>
+            <p:cNvPr id="8" name="椭圆 7"/>
+            <p:cNvSpPr/>
+            <p:nvPr/>
+          </p:nvSpPr>
+          <p:spPr>
+            <a:xfrm>
+              <a:off x="5075921" y="1872269"/>
+              <a:ext cx="72000" cy="72000"/>
+            </a:xfrm>
+            <a:prstGeom prst="ellipse">
+              <a:avLst/>
+            </a:prstGeom>
+            <a:solidFill>
+              <a:schemeClr val="tx1">
+                <a:lumMod val="65000"/>
+                <a:lumOff val="35000"/>
+              </a:schemeClr>
+            </a:solidFill>
+            <a:ln>
+              <a:noFill/>
+            </a:ln>
+          </p:spPr>
+          <p:style>
+            <a:lnRef idx="2">
+              <a:schemeClr val="accent1">
+                <a:shade val="50000"/>
+              </a:schemeClr>
+            </a:lnRef>
+            <a:fillRef idx="1">
+              <a:schemeClr val="accent1"/>
+            </a:fillRef>
+            <a:effectRef idx="0">
+              <a:schemeClr val="accent1"/>
+            </a:effectRef>
+            <a:fontRef idx="minor">
+              <a:schemeClr val="lt1"/>
+            </a:fontRef>
+          </p:style>
+          <p:txBody>
+            <a:bodyPr rot="0" spcFirstLastPara="0" vertOverflow="overflow" horzOverflow="overflow" vert="horz" wrap="square" lIns="91440" tIns="45720" rIns="91440" bIns="45720" numCol="1" spcCol="0" rtlCol="0" fromWordArt="0" anchor="ctr" anchorCtr="0" forceAA="0" compatLnSpc="1">
+              <a:noAutofit/>
+            </a:bodyPr>
+            <a:lstStyle/>
+            <a:p>
+              <a:pPr algn="ctr"/>
+              <a:endParaRPr lang="zh-CN" altLang="en-US"/>
+            </a:p>
+          </p:txBody>
+        </p:sp>
+        <p:sp>
+          <p:nvSpPr>
+            <p:cNvPr id="9" name="椭圆 8"/>
+            <p:cNvSpPr/>
+            <p:nvPr/>
+          </p:nvSpPr>
+          <p:spPr>
+            <a:xfrm>
+              <a:off x="5074692" y="1009634"/>
+              <a:ext cx="72000" cy="72000"/>
+            </a:xfrm>
+            <a:prstGeom prst="ellipse">
+              <a:avLst/>
+            </a:prstGeom>
+            <a:solidFill>
+              <a:schemeClr val="tx1">
+                <a:lumMod val="65000"/>
+                <a:lumOff val="35000"/>
+              </a:schemeClr>
+            </a:solidFill>
+            <a:ln>
+              <a:noFill/>
+            </a:ln>
+          </p:spPr>
+          <p:style>
+            <a:lnRef idx="2">
+              <a:schemeClr val="accent1">
+                <a:shade val="50000"/>
+              </a:schemeClr>
+            </a:lnRef>
+            <a:fillRef idx="1">
+              <a:schemeClr val="accent1"/>
+            </a:fillRef>
+            <a:effectRef idx="0">
+              <a:schemeClr val="accent1"/>
+            </a:effectRef>
+            <a:fontRef idx="minor">
+              <a:schemeClr val="lt1"/>
+            </a:fontRef>
+          </p:style>
+          <p:txBody>
+            <a:bodyPr rot="0" spcFirstLastPara="0" vertOverflow="overflow" horzOverflow="overflow" vert="horz" wrap="square" lIns="91440" tIns="45720" rIns="91440" bIns="45720" numCol="1" spcCol="0" rtlCol="0" fromWordArt="0" anchor="ctr" anchorCtr="0" forceAA="0" compatLnSpc="1">
+              <a:noAutofit/>
+            </a:bodyPr>
+            <a:lstStyle/>
+            <a:p>
+              <a:pPr algn="ctr"/>
+              <a:endParaRPr lang="zh-CN" altLang="en-US"/>
+            </a:p>
+          </p:txBody>
+        </p:sp>
+      </p:grpSp>
+      <p:sp>
+        <p:nvSpPr>
+          <p:cNvPr id="17" name="矩形 16"/>
+          <p:cNvSpPr/>
+          <p:nvPr/>
+        </p:nvSpPr>
+        <p:spPr>
+          <a:xfrm>
+            <a:off x="1041701" y="1004322"/>
+            <a:ext cx="1569660" cy="369332"/>
+          </a:xfrm>
+          <a:prstGeom prst="rect">
+            <a:avLst/>
+          </a:prstGeom>
+        </p:spPr>
+        <p:txBody>
+          <a:bodyPr wrap="none">
+            <a:spAutoFit/>
+          </a:bodyPr>
+          <a:lstStyle/>
+          <a:p>
+            <a:r>
+              <a:rPr lang="zh-CN" altLang="en-US" dirty="0"/>
+              <a:t>初识神经网络</a:t>
+            </a:r>
+          </a:p>
+        </p:txBody>
+      </p:sp>
+      <p:sp>
+        <p:nvSpPr>
+          <p:cNvPr id="18" name="矩形 17"/>
+          <p:cNvSpPr/>
+          <p:nvPr/>
+        </p:nvSpPr>
+        <p:spPr>
+          <a:xfrm>
+            <a:off x="959621" y="1481030"/>
+            <a:ext cx="6550312" cy="345094"/>
+          </a:xfrm>
+          <a:prstGeom prst="rect">
+            <a:avLst/>
+          </a:prstGeom>
+        </p:spPr>
+        <p:txBody>
+          <a:bodyPr wrap="square">
+            <a:spAutoFit/>
+          </a:bodyPr>
+          <a:lstStyle/>
+          <a:p>
+            <a:pPr>
+              <a:lnSpc>
+                <a:spcPct val="130000"/>
+              </a:lnSpc>
+            </a:pPr>
+            <a:r>
+              <a:rPr lang="zh-CN" altLang="en-US" sz="1400" dirty="0">
+                <a:solidFill>
+                  <a:schemeClr val="bg1">
+                    <a:lumMod val="50000"/>
+                  </a:schemeClr>
+                </a:solidFill>
+                <a:latin typeface="微软雅黑" panose="020B0503020204020204" charset="-122"/>
+                <a:ea typeface="微软雅黑" panose="020B0503020204020204" charset="-122"/>
+              </a:rPr>
+              <a:t>神经元，感知器，多层感知器，神经网络的介绍</a:t>
+            </a:r>
+          </a:p>
+        </p:txBody>
+      </p:sp>
+      <p:grpSp>
+        <p:nvGrpSpPr>
+          <p:cNvPr id="19" name="组合 18"/>
+          <p:cNvGrpSpPr/>
+          <p:nvPr/>
+        </p:nvGrpSpPr>
+        <p:grpSpPr>
+          <a:xfrm>
+            <a:off x="910794" y="2786453"/>
+            <a:ext cx="2300757" cy="509896"/>
+            <a:chOff x="888096" y="1000203"/>
+            <a:chExt cx="4259825" cy="944066"/>
+          </a:xfrm>
+        </p:grpSpPr>
+        <p:sp>
+          <p:nvSpPr>
+            <p:cNvPr id="20" name="矩形 19"/>
+            <p:cNvSpPr/>
+            <p:nvPr/>
+          </p:nvSpPr>
+          <p:spPr>
+            <a:xfrm>
+              <a:off x="911225" y="1045634"/>
+              <a:ext cx="4199467" cy="872066"/>
+            </a:xfrm>
+            <a:prstGeom prst="rect">
+              <a:avLst/>
+            </a:prstGeom>
+            <a:noFill/>
+            <a:ln>
+              <a:solidFill>
+                <a:schemeClr val="bg1">
+                  <a:lumMod val="75000"/>
+                </a:schemeClr>
+              </a:solidFill>
+            </a:ln>
+          </p:spPr>
+          <p:style>
+            <a:lnRef idx="2">
+              <a:schemeClr val="accent1">
+                <a:shade val="50000"/>
+              </a:schemeClr>
+            </a:lnRef>
+            <a:fillRef idx="1">
+              <a:schemeClr val="accent1"/>
+            </a:fillRef>
+            <a:effectRef idx="0">
+              <a:schemeClr val="accent1"/>
+            </a:effectRef>
+            <a:fontRef idx="minor">
+              <a:schemeClr val="lt1"/>
+            </a:fontRef>
+          </p:style>
+          <p:txBody>
+            <a:bodyPr rot="0" spcFirstLastPara="0" vertOverflow="overflow" horzOverflow="overflow" vert="horz" wrap="square" lIns="91440" tIns="45720" rIns="91440" bIns="45720" numCol="1" spcCol="0" rtlCol="0" fromWordArt="0" anchor="ctr" anchorCtr="0" forceAA="0" compatLnSpc="1">
+              <a:noAutofit/>
+            </a:bodyPr>
+            <a:lstStyle/>
+            <a:p>
+              <a:pPr algn="ctr"/>
+              <a:endParaRPr lang="zh-CN" altLang="en-US"/>
+            </a:p>
+          </p:txBody>
+        </p:sp>
+        <p:sp>
+          <p:nvSpPr>
+            <p:cNvPr id="21" name="椭圆 20"/>
+            <p:cNvSpPr/>
+            <p:nvPr/>
+          </p:nvSpPr>
+          <p:spPr>
+            <a:xfrm>
+              <a:off x="888096" y="1000203"/>
+              <a:ext cx="72000" cy="72000"/>
+            </a:xfrm>
+            <a:prstGeom prst="ellipse">
+              <a:avLst/>
+            </a:prstGeom>
+            <a:solidFill>
+              <a:schemeClr val="tx1">
+                <a:lumMod val="65000"/>
+                <a:lumOff val="35000"/>
+              </a:schemeClr>
+            </a:solidFill>
+            <a:ln>
+              <a:noFill/>
+            </a:ln>
+          </p:spPr>
+          <p:style>
+            <a:lnRef idx="2">
+              <a:schemeClr val="accent1">
+                <a:shade val="50000"/>
+              </a:schemeClr>
+            </a:lnRef>
+            <a:fillRef idx="1">
+              <a:schemeClr val="accent1"/>
+            </a:fillRef>
+            <a:effectRef idx="0">
+              <a:schemeClr val="accent1"/>
+            </a:effectRef>
+            <a:fontRef idx="minor">
+              <a:schemeClr val="lt1"/>
+            </a:fontRef>
+          </p:style>
+          <p:txBody>
+            <a:bodyPr rot="0" spcFirstLastPara="0" vertOverflow="overflow" horzOverflow="overflow" vert="horz" wrap="square" lIns="91440" tIns="45720" rIns="91440" bIns="45720" numCol="1" spcCol="0" rtlCol="0" fromWordArt="0" anchor="ctr" anchorCtr="0" forceAA="0" compatLnSpc="1">
+              <a:noAutofit/>
+            </a:bodyPr>
+            <a:lstStyle/>
+            <a:p>
+              <a:pPr algn="ctr"/>
+              <a:endParaRPr lang="zh-CN" altLang="en-US"/>
+            </a:p>
+          </p:txBody>
+        </p:sp>
+        <p:sp>
+          <p:nvSpPr>
+            <p:cNvPr id="22" name="椭圆 21"/>
+            <p:cNvSpPr/>
+            <p:nvPr/>
+          </p:nvSpPr>
+          <p:spPr>
+            <a:xfrm>
+              <a:off x="888096" y="1872269"/>
+              <a:ext cx="72000" cy="72000"/>
+            </a:xfrm>
+            <a:prstGeom prst="ellipse">
+              <a:avLst/>
+            </a:prstGeom>
+            <a:solidFill>
+              <a:schemeClr val="tx1">
+                <a:lumMod val="65000"/>
+                <a:lumOff val="35000"/>
+              </a:schemeClr>
+            </a:solidFill>
+            <a:ln>
+              <a:noFill/>
+            </a:ln>
+          </p:spPr>
+          <p:style>
+            <a:lnRef idx="2">
+              <a:schemeClr val="accent1">
+                <a:shade val="50000"/>
+              </a:schemeClr>
+            </a:lnRef>
+            <a:fillRef idx="1">
+              <a:schemeClr val="accent1"/>
+            </a:fillRef>
+            <a:effectRef idx="0">
+              <a:schemeClr val="accent1"/>
+            </a:effectRef>
+            <a:fontRef idx="minor">
+              <a:schemeClr val="lt1"/>
+            </a:fontRef>
+          </p:style>
+          <p:txBody>
+            <a:bodyPr rot="0" spcFirstLastPara="0" vertOverflow="overflow" horzOverflow="overflow" vert="horz" wrap="square" lIns="91440" tIns="45720" rIns="91440" bIns="45720" numCol="1" spcCol="0" rtlCol="0" fromWordArt="0" anchor="ctr" anchorCtr="0" forceAA="0" compatLnSpc="1">
+              <a:noAutofit/>
+            </a:bodyPr>
+            <a:lstStyle/>
+            <a:p>
+              <a:pPr algn="ctr"/>
+              <a:endParaRPr lang="zh-CN" altLang="en-US"/>
+            </a:p>
+          </p:txBody>
+        </p:sp>
+        <p:sp>
+          <p:nvSpPr>
+            <p:cNvPr id="23" name="椭圆 22"/>
+            <p:cNvSpPr/>
+            <p:nvPr/>
+          </p:nvSpPr>
+          <p:spPr>
+            <a:xfrm>
+              <a:off x="5075921" y="1872269"/>
+              <a:ext cx="72000" cy="72000"/>
+            </a:xfrm>
+            <a:prstGeom prst="ellipse">
+              <a:avLst/>
+            </a:prstGeom>
+            <a:solidFill>
+              <a:schemeClr val="tx1">
+                <a:lumMod val="65000"/>
+                <a:lumOff val="35000"/>
+              </a:schemeClr>
+            </a:solidFill>
+            <a:ln>
+              <a:noFill/>
+            </a:ln>
+          </p:spPr>
+          <p:style>
+            <a:lnRef idx="2">
+              <a:schemeClr val="accent1">
+                <a:shade val="50000"/>
+              </a:schemeClr>
+            </a:lnRef>
+            <a:fillRef idx="1">
+              <a:schemeClr val="accent1"/>
+            </a:fillRef>
+            <a:effectRef idx="0">
+              <a:schemeClr val="accent1"/>
+            </a:effectRef>
+            <a:fontRef idx="minor">
+              <a:schemeClr val="lt1"/>
+            </a:fontRef>
+          </p:style>
+          <p:txBody>
+            <a:bodyPr rot="0" spcFirstLastPara="0" vertOverflow="overflow" horzOverflow="overflow" vert="horz" wrap="square" lIns="91440" tIns="45720" rIns="91440" bIns="45720" numCol="1" spcCol="0" rtlCol="0" fromWordArt="0" anchor="ctr" anchorCtr="0" forceAA="0" compatLnSpc="1">
+              <a:noAutofit/>
+            </a:bodyPr>
+            <a:lstStyle/>
+            <a:p>
+              <a:pPr algn="ctr"/>
+              <a:endParaRPr lang="zh-CN" altLang="en-US"/>
+            </a:p>
+          </p:txBody>
+        </p:sp>
+        <p:sp>
+          <p:nvSpPr>
+            <p:cNvPr id="24" name="椭圆 23"/>
+            <p:cNvSpPr/>
+            <p:nvPr/>
+          </p:nvSpPr>
+          <p:spPr>
+            <a:xfrm>
+              <a:off x="5074692" y="1009634"/>
+              <a:ext cx="72000" cy="72000"/>
+            </a:xfrm>
+            <a:prstGeom prst="ellipse">
+              <a:avLst/>
+            </a:prstGeom>
+            <a:solidFill>
+              <a:schemeClr val="tx1">
+                <a:lumMod val="65000"/>
+                <a:lumOff val="35000"/>
+              </a:schemeClr>
+            </a:solidFill>
+            <a:ln>
+              <a:noFill/>
+            </a:ln>
+          </p:spPr>
+          <p:style>
+            <a:lnRef idx="2">
+              <a:schemeClr val="accent1">
+                <a:shade val="50000"/>
+              </a:schemeClr>
+            </a:lnRef>
+            <a:fillRef idx="1">
+              <a:schemeClr val="accent1"/>
+            </a:fillRef>
+            <a:effectRef idx="0">
+              <a:schemeClr val="accent1"/>
+            </a:effectRef>
+            <a:fontRef idx="minor">
+              <a:schemeClr val="lt1"/>
+            </a:fontRef>
+          </p:style>
+          <p:txBody>
+            <a:bodyPr rot="0" spcFirstLastPara="0" vertOverflow="overflow" horzOverflow="overflow" vert="horz" wrap="square" lIns="91440" tIns="45720" rIns="91440" bIns="45720" numCol="1" spcCol="0" rtlCol="0" fromWordArt="0" anchor="ctr" anchorCtr="0" forceAA="0" compatLnSpc="1">
+              <a:noAutofit/>
+            </a:bodyPr>
+            <a:lstStyle/>
+            <a:p>
+              <a:pPr algn="ctr"/>
+              <a:endParaRPr lang="zh-CN" altLang="en-US"/>
+            </a:p>
+          </p:txBody>
+        </p:sp>
+      </p:grpSp>
+      <p:sp>
+        <p:nvSpPr>
+          <p:cNvPr id="25" name="矩形 24"/>
+          <p:cNvSpPr/>
+          <p:nvPr/>
+        </p:nvSpPr>
+        <p:spPr>
+          <a:xfrm>
+            <a:off x="1041701" y="2861829"/>
+            <a:ext cx="1569660" cy="369332"/>
+          </a:xfrm>
+          <a:prstGeom prst="rect">
+            <a:avLst/>
+          </a:prstGeom>
+        </p:spPr>
+        <p:txBody>
+          <a:bodyPr wrap="none">
+            <a:spAutoFit/>
+          </a:bodyPr>
+          <a:lstStyle/>
+          <a:p>
+            <a:r>
+              <a:rPr lang="zh-CN" altLang="en-US" dirty="0"/>
+              <a:t>深入神经网络</a:t>
+            </a:r>
+          </a:p>
+        </p:txBody>
+      </p:sp>
+      <p:sp>
+        <p:nvSpPr>
+          <p:cNvPr id="26" name="矩形 25"/>
+          <p:cNvSpPr/>
+          <p:nvPr/>
+        </p:nvSpPr>
+        <p:spPr>
+          <a:xfrm>
+            <a:off x="959621" y="3338537"/>
+            <a:ext cx="6550312" cy="345094"/>
+          </a:xfrm>
+          <a:prstGeom prst="rect">
+            <a:avLst/>
+          </a:prstGeom>
+        </p:spPr>
+        <p:txBody>
+          <a:bodyPr wrap="square">
+            <a:spAutoFit/>
+          </a:bodyPr>
+          <a:lstStyle/>
+          <a:p>
+            <a:pPr>
+              <a:lnSpc>
+                <a:spcPct val="130000"/>
+              </a:lnSpc>
+            </a:pPr>
+            <a:r>
+              <a:rPr lang="zh-CN" altLang="en-US" sz="1400" dirty="0">
+                <a:solidFill>
+                  <a:schemeClr val="bg1">
+                    <a:lumMod val="50000"/>
+                  </a:schemeClr>
+                </a:solidFill>
+                <a:latin typeface="微软雅黑" panose="020B0503020204020204" charset="-122"/>
+                <a:ea typeface="微软雅黑" panose="020B0503020204020204" charset="-122"/>
+              </a:rPr>
+              <a:t>前向传播，反向传播，梯度下降的介绍</a:t>
+            </a:r>
+          </a:p>
+        </p:txBody>
+      </p:sp>
+      <p:grpSp>
+        <p:nvGrpSpPr>
+          <p:cNvPr id="27" name="组合 26"/>
+          <p:cNvGrpSpPr/>
+          <p:nvPr/>
+        </p:nvGrpSpPr>
+        <p:grpSpPr>
+          <a:xfrm>
+            <a:off x="910794" y="4913818"/>
+            <a:ext cx="2300757" cy="509896"/>
+            <a:chOff x="888096" y="1000203"/>
+            <a:chExt cx="4259825" cy="944066"/>
+          </a:xfrm>
+        </p:grpSpPr>
+        <p:sp>
+          <p:nvSpPr>
+            <p:cNvPr id="28" name="矩形 27"/>
+            <p:cNvSpPr/>
+            <p:nvPr/>
+          </p:nvSpPr>
+          <p:spPr>
+            <a:xfrm>
+              <a:off x="911225" y="1045634"/>
+              <a:ext cx="4199467" cy="872066"/>
+            </a:xfrm>
+            <a:prstGeom prst="rect">
+              <a:avLst/>
+            </a:prstGeom>
+            <a:noFill/>
+            <a:ln>
+              <a:solidFill>
+                <a:schemeClr val="bg1">
+                  <a:lumMod val="75000"/>
+                </a:schemeClr>
+              </a:solidFill>
+            </a:ln>
+          </p:spPr>
+          <p:style>
+            <a:lnRef idx="2">
+              <a:schemeClr val="accent1">
+                <a:shade val="50000"/>
+              </a:schemeClr>
+            </a:lnRef>
+            <a:fillRef idx="1">
+              <a:schemeClr val="accent1"/>
+            </a:fillRef>
+            <a:effectRef idx="0">
+              <a:schemeClr val="accent1"/>
+            </a:effectRef>
+            <a:fontRef idx="minor">
+              <a:schemeClr val="lt1"/>
+            </a:fontRef>
+          </p:style>
+          <p:txBody>
+            <a:bodyPr rot="0" spcFirstLastPara="0" vertOverflow="overflow" horzOverflow="overflow" vert="horz" wrap="square" lIns="91440" tIns="45720" rIns="91440" bIns="45720" numCol="1" spcCol="0" rtlCol="0" fromWordArt="0" anchor="ctr" anchorCtr="0" forceAA="0" compatLnSpc="1">
+              <a:noAutofit/>
+            </a:bodyPr>
+            <a:lstStyle/>
+            <a:p>
+              <a:pPr algn="ctr"/>
+              <a:endParaRPr lang="zh-CN" altLang="en-US"/>
+            </a:p>
+          </p:txBody>
+        </p:sp>
+        <p:sp>
+          <p:nvSpPr>
+            <p:cNvPr id="29" name="椭圆 28"/>
+            <p:cNvSpPr/>
+            <p:nvPr/>
+          </p:nvSpPr>
+          <p:spPr>
+            <a:xfrm>
+              <a:off x="888096" y="1000203"/>
+              <a:ext cx="72000" cy="72000"/>
+            </a:xfrm>
+            <a:prstGeom prst="ellipse">
+              <a:avLst/>
+            </a:prstGeom>
+            <a:solidFill>
+              <a:schemeClr val="tx1">
+                <a:lumMod val="65000"/>
+                <a:lumOff val="35000"/>
+              </a:schemeClr>
+            </a:solidFill>
+            <a:ln>
+              <a:noFill/>
+            </a:ln>
+          </p:spPr>
+          <p:style>
+            <a:lnRef idx="2">
+              <a:schemeClr val="accent1">
+                <a:shade val="50000"/>
+              </a:schemeClr>
+            </a:lnRef>
+            <a:fillRef idx="1">
+              <a:schemeClr val="accent1"/>
+            </a:fillRef>
+            <a:effectRef idx="0">
+              <a:schemeClr val="accent1"/>
+            </a:effectRef>
+            <a:fontRef idx="minor">
+              <a:schemeClr val="lt1"/>
+            </a:fontRef>
+          </p:style>
+          <p:txBody>
+            <a:bodyPr rot="0" spcFirstLastPara="0" vertOverflow="overflow" horzOverflow="overflow" vert="horz" wrap="square" lIns="91440" tIns="45720" rIns="91440" bIns="45720" numCol="1" spcCol="0" rtlCol="0" fromWordArt="0" anchor="ctr" anchorCtr="0" forceAA="0" compatLnSpc="1">
+              <a:noAutofit/>
+            </a:bodyPr>
+            <a:lstStyle/>
+            <a:p>
+              <a:pPr algn="ctr"/>
+              <a:endParaRPr lang="zh-CN" altLang="en-US"/>
+            </a:p>
+          </p:txBody>
+        </p:sp>
+        <p:sp>
+          <p:nvSpPr>
+            <p:cNvPr id="30" name="椭圆 29"/>
+            <p:cNvSpPr/>
+            <p:nvPr/>
+          </p:nvSpPr>
+          <p:spPr>
+            <a:xfrm>
+              <a:off x="888096" y="1872269"/>
+              <a:ext cx="72000" cy="72000"/>
+            </a:xfrm>
+            <a:prstGeom prst="ellipse">
+              <a:avLst/>
+            </a:prstGeom>
+            <a:solidFill>
+              <a:schemeClr val="tx1">
+                <a:lumMod val="65000"/>
+                <a:lumOff val="35000"/>
+              </a:schemeClr>
+            </a:solidFill>
+            <a:ln>
+              <a:noFill/>
+            </a:ln>
+          </p:spPr>
+          <p:style>
+            <a:lnRef idx="2">
+              <a:schemeClr val="accent1">
+                <a:shade val="50000"/>
+              </a:schemeClr>
+            </a:lnRef>
+            <a:fillRef idx="1">
+              <a:schemeClr val="accent1"/>
+            </a:fillRef>
+            <a:effectRef idx="0">
+              <a:schemeClr val="accent1"/>
+            </a:effectRef>
+            <a:fontRef idx="minor">
+              <a:schemeClr val="lt1"/>
+            </a:fontRef>
+          </p:style>
+          <p:txBody>
+            <a:bodyPr rot="0" spcFirstLastPara="0" vertOverflow="overflow" horzOverflow="overflow" vert="horz" wrap="square" lIns="91440" tIns="45720" rIns="91440" bIns="45720" numCol="1" spcCol="0" rtlCol="0" fromWordArt="0" anchor="ctr" anchorCtr="0" forceAA="0" compatLnSpc="1">
+              <a:noAutofit/>
+            </a:bodyPr>
+            <a:lstStyle/>
+            <a:p>
+              <a:pPr algn="ctr"/>
+              <a:endParaRPr lang="zh-CN" altLang="en-US"/>
+            </a:p>
+          </p:txBody>
+        </p:sp>
+        <p:sp>
+          <p:nvSpPr>
+            <p:cNvPr id="31" name="椭圆 30"/>
+            <p:cNvSpPr/>
+            <p:nvPr/>
+          </p:nvSpPr>
+          <p:spPr>
+            <a:xfrm>
+              <a:off x="5075921" y="1872269"/>
+              <a:ext cx="72000" cy="72000"/>
+            </a:xfrm>
+            <a:prstGeom prst="ellipse">
+              <a:avLst/>
+            </a:prstGeom>
+            <a:solidFill>
+              <a:schemeClr val="tx1">
+                <a:lumMod val="65000"/>
+                <a:lumOff val="35000"/>
+              </a:schemeClr>
+            </a:solidFill>
+            <a:ln>
+              <a:noFill/>
+            </a:ln>
+          </p:spPr>
+          <p:style>
+            <a:lnRef idx="2">
+              <a:schemeClr val="accent1">
+                <a:shade val="50000"/>
+              </a:schemeClr>
+            </a:lnRef>
+            <a:fillRef idx="1">
+              <a:schemeClr val="accent1"/>
+            </a:fillRef>
+            <a:effectRef idx="0">
+              <a:schemeClr val="accent1"/>
+            </a:effectRef>
+            <a:fontRef idx="minor">
+              <a:schemeClr val="lt1"/>
+            </a:fontRef>
+          </p:style>
+          <p:txBody>
+            <a:bodyPr rot="0" spcFirstLastPara="0" vertOverflow="overflow" horzOverflow="overflow" vert="horz" wrap="square" lIns="91440" tIns="45720" rIns="91440" bIns="45720" numCol="1" spcCol="0" rtlCol="0" fromWordArt="0" anchor="ctr" anchorCtr="0" forceAA="0" compatLnSpc="1">
+              <a:noAutofit/>
+            </a:bodyPr>
+            <a:lstStyle/>
+            <a:p>
+              <a:pPr algn="ctr"/>
+              <a:endParaRPr lang="zh-CN" altLang="en-US"/>
+            </a:p>
+          </p:txBody>
+        </p:sp>
+        <p:sp>
+          <p:nvSpPr>
+            <p:cNvPr id="32" name="椭圆 31"/>
+            <p:cNvSpPr/>
+            <p:nvPr/>
+          </p:nvSpPr>
+          <p:spPr>
+            <a:xfrm>
+              <a:off x="5074692" y="1009634"/>
+              <a:ext cx="72000" cy="72000"/>
+            </a:xfrm>
+            <a:prstGeom prst="ellipse">
+              <a:avLst/>
+            </a:prstGeom>
+            <a:solidFill>
+              <a:schemeClr val="tx1">
+                <a:lumMod val="65000"/>
+                <a:lumOff val="35000"/>
+              </a:schemeClr>
+            </a:solidFill>
+            <a:ln>
+              <a:noFill/>
+            </a:ln>
+          </p:spPr>
+          <p:style>
+            <a:lnRef idx="2">
+              <a:schemeClr val="accent1">
+                <a:shade val="50000"/>
+              </a:schemeClr>
+            </a:lnRef>
+            <a:fillRef idx="1">
+              <a:schemeClr val="accent1"/>
+            </a:fillRef>
+            <a:effectRef idx="0">
+              <a:schemeClr val="accent1"/>
+            </a:effectRef>
+            <a:fontRef idx="minor">
+              <a:schemeClr val="lt1"/>
+            </a:fontRef>
+          </p:style>
+          <p:txBody>
+            <a:bodyPr rot="0" spcFirstLastPara="0" vertOverflow="overflow" horzOverflow="overflow" vert="horz" wrap="square" lIns="91440" tIns="45720" rIns="91440" bIns="45720" numCol="1" spcCol="0" rtlCol="0" fromWordArt="0" anchor="ctr" anchorCtr="0" forceAA="0" compatLnSpc="1">
+              <a:noAutofit/>
+            </a:bodyPr>
+            <a:lstStyle/>
+            <a:p>
+              <a:pPr algn="ctr"/>
+              <a:endParaRPr lang="zh-CN" altLang="en-US"/>
+            </a:p>
+          </p:txBody>
+        </p:sp>
+      </p:grpSp>
+      <p:sp>
+        <p:nvSpPr>
+          <p:cNvPr id="33" name="矩形 32"/>
+          <p:cNvSpPr/>
+          <p:nvPr/>
+        </p:nvSpPr>
+        <p:spPr>
+          <a:xfrm>
+            <a:off x="1041701" y="4989194"/>
+            <a:ext cx="1569660" cy="369332"/>
+          </a:xfrm>
+          <a:prstGeom prst="rect">
+            <a:avLst/>
+          </a:prstGeom>
+        </p:spPr>
+        <p:txBody>
+          <a:bodyPr wrap="none">
+            <a:spAutoFit/>
+          </a:bodyPr>
+          <a:lstStyle/>
+          <a:p>
+            <a:r>
+              <a:rPr lang="zh-CN" altLang="en-US" dirty="0"/>
+              <a:t>应用神经网络</a:t>
+            </a:r>
+          </a:p>
+        </p:txBody>
+      </p:sp>
+      <p:sp>
+        <p:nvSpPr>
+          <p:cNvPr id="34" name="矩形 33"/>
+          <p:cNvSpPr/>
+          <p:nvPr/>
+        </p:nvSpPr>
+        <p:spPr>
+          <a:xfrm>
+            <a:off x="959621" y="5465902"/>
+            <a:ext cx="6550312" cy="345094"/>
+          </a:xfrm>
+          <a:prstGeom prst="rect">
+            <a:avLst/>
+          </a:prstGeom>
+        </p:spPr>
+        <p:txBody>
+          <a:bodyPr wrap="square">
+            <a:spAutoFit/>
+          </a:bodyPr>
+          <a:lstStyle/>
+          <a:p>
+            <a:pPr>
+              <a:lnSpc>
+                <a:spcPct val="130000"/>
+              </a:lnSpc>
+            </a:pPr>
+            <a:r>
+              <a:rPr lang="en-US" altLang="zh-CN" sz="1400" dirty="0">
+                <a:solidFill>
+                  <a:schemeClr val="bg1">
+                    <a:lumMod val="50000"/>
+                  </a:schemeClr>
+                </a:solidFill>
+                <a:latin typeface="微软雅黑" panose="020B0503020204020204" charset="-122"/>
+                <a:ea typeface="微软雅黑" panose="020B0503020204020204" charset="-122"/>
+              </a:rPr>
+              <a:t>MNIST</a:t>
+            </a:r>
+            <a:r>
+              <a:rPr lang="zh-CN" altLang="en-US" sz="1400" dirty="0">
+                <a:solidFill>
+                  <a:schemeClr val="bg1">
+                    <a:lumMod val="50000"/>
+                  </a:schemeClr>
+                </a:solidFill>
+                <a:latin typeface="微软雅黑" panose="020B0503020204020204" charset="-122"/>
+                <a:ea typeface="微软雅黑" panose="020B0503020204020204" charset="-122"/>
+              </a:rPr>
+              <a:t>数字分类，</a:t>
+            </a:r>
+            <a:r>
+              <a:rPr lang="en-US" altLang="zh-CN" sz="1400" dirty="0">
+                <a:solidFill>
+                  <a:schemeClr val="bg1">
+                    <a:lumMod val="50000"/>
+                  </a:schemeClr>
+                </a:solidFill>
+                <a:latin typeface="微软雅黑" panose="020B0503020204020204" charset="-122"/>
+                <a:ea typeface="微软雅黑" panose="020B0503020204020204" charset="-122"/>
+              </a:rPr>
+              <a:t>python</a:t>
+            </a:r>
+            <a:r>
+              <a:rPr lang="zh-CN" altLang="en-US" sz="1400" dirty="0">
+                <a:solidFill>
+                  <a:schemeClr val="bg1">
+                    <a:lumMod val="50000"/>
+                  </a:schemeClr>
+                </a:solidFill>
+                <a:latin typeface="微软雅黑" panose="020B0503020204020204" charset="-122"/>
+                <a:ea typeface="微软雅黑" panose="020B0503020204020204" charset="-122"/>
+              </a:rPr>
+              <a:t>（</a:t>
+            </a:r>
+            <a:r>
+              <a:rPr lang="en-US" altLang="zh-CN" sz="1400" dirty="0" err="1">
+                <a:solidFill>
+                  <a:schemeClr val="bg1">
+                    <a:lumMod val="50000"/>
+                  </a:schemeClr>
+                </a:solidFill>
+                <a:latin typeface="微软雅黑" panose="020B0503020204020204" charset="-122"/>
+                <a:ea typeface="微软雅黑" panose="020B0503020204020204" charset="-122"/>
+              </a:rPr>
+              <a:t>tensorflow</a:t>
+            </a:r>
+            <a:r>
+              <a:rPr lang="zh-CN" altLang="en-US" sz="1400" dirty="0">
+                <a:solidFill>
+                  <a:schemeClr val="bg1">
+                    <a:lumMod val="50000"/>
+                  </a:schemeClr>
+                </a:solidFill>
+                <a:latin typeface="微软雅黑" panose="020B0503020204020204" charset="-122"/>
+                <a:ea typeface="微软雅黑" panose="020B0503020204020204" charset="-122"/>
+              </a:rPr>
+              <a:t>，</a:t>
+            </a:r>
+            <a:r>
+              <a:rPr lang="en-US" altLang="zh-CN" sz="1400" dirty="0" err="1">
+                <a:solidFill>
+                  <a:schemeClr val="bg1">
+                    <a:lumMod val="50000"/>
+                  </a:schemeClr>
+                </a:solidFill>
+                <a:latin typeface="微软雅黑" panose="020B0503020204020204" charset="-122"/>
+                <a:ea typeface="微软雅黑" panose="020B0503020204020204" charset="-122"/>
+              </a:rPr>
+              <a:t>keras</a:t>
+            </a:r>
+            <a:r>
+              <a:rPr lang="zh-CN" altLang="en-US" sz="1400" dirty="0">
+                <a:solidFill>
+                  <a:schemeClr val="bg1">
+                    <a:lumMod val="50000"/>
+                  </a:schemeClr>
+                </a:solidFill>
+                <a:latin typeface="微软雅黑" panose="020B0503020204020204" charset="-122"/>
+                <a:ea typeface="微软雅黑" panose="020B0503020204020204" charset="-122"/>
+              </a:rPr>
+              <a:t>，</a:t>
+            </a:r>
+            <a:r>
+              <a:rPr lang="en-US" altLang="zh-CN" sz="1400" dirty="0" err="1">
+                <a:solidFill>
+                  <a:schemeClr val="bg1">
+                    <a:lumMod val="50000"/>
+                  </a:schemeClr>
+                </a:solidFill>
+                <a:latin typeface="微软雅黑" panose="020B0503020204020204" charset="-122"/>
+                <a:ea typeface="微软雅黑" panose="020B0503020204020204" charset="-122"/>
+              </a:rPr>
+              <a:t>pytorch</a:t>
+            </a:r>
+            <a:r>
+              <a:rPr lang="zh-CN" altLang="en-US" sz="1400" dirty="0">
+                <a:solidFill>
+                  <a:schemeClr val="bg1">
+                    <a:lumMod val="50000"/>
+                  </a:schemeClr>
+                </a:solidFill>
+                <a:latin typeface="微软雅黑" panose="020B0503020204020204" charset="-122"/>
+                <a:ea typeface="微软雅黑" panose="020B0503020204020204" charset="-122"/>
+              </a:rPr>
+              <a:t>）实现</a:t>
+            </a:r>
+          </a:p>
+        </p:txBody>
+      </p:sp>
+    </p:spTree>
+  </p:cSld>
+  <p:clrMapOvr>
+    <a:masterClrMapping/>
+  </p:clrMapOvr>
+  <mc:AlternateContent xmlns:mc="http://schemas.openxmlformats.org/markup-compatibility/2006" xmlns:p14="http://schemas.microsoft.com/office/powerpoint/2010/main">
+    <mc:Choice Requires="p14">
+      <p:transition spd="med" p14:dur="700">
+        <p:fade/>
+      </p:transition>
+    </mc:Choice>
+    <mc:Fallback xmlns="">
+      <p:transition spd="med">
+        <p:fade/>
+      </p:transition>
+    </mc:Fallback>
+  </mc:AlternateContent>
+</p:sld>
+</file>
+
+<file path=ppt/slides/slide40.xml><?xml version="1.0" encoding="utf-8"?>
 <p:sld xmlns:a="http://schemas.openxmlformats.org/drawingml/2006/main" xmlns:r="http://schemas.openxmlformats.org/officeDocument/2006/relationships" xmlns:p="http://schemas.openxmlformats.org/presentationml/2006/main">
   <p:cSld>
     <p:spTree>
@@ -31086,7 +35757,7 @@
 </p:sld>
 </file>
 
-<file path=ppt/slides/slide34.xml><?xml version="1.0" encoding="utf-8"?>
+<file path=ppt/slides/slide41.xml><?xml version="1.0" encoding="utf-8"?>
 <p:sld xmlns:a="http://schemas.openxmlformats.org/drawingml/2006/main" xmlns:r="http://schemas.openxmlformats.org/officeDocument/2006/relationships" xmlns:p="http://schemas.openxmlformats.org/presentationml/2006/main">
   <p:cSld>
     <p:spTree>
@@ -31286,7 +35957,7 @@
 </p:sld>
 </file>
 
-<file path=ppt/slides/slide35.xml><?xml version="1.0" encoding="utf-8"?>
+<file path=ppt/slides/slide42.xml><?xml version="1.0" encoding="utf-8"?>
 <p:sld xmlns:a="http://schemas.openxmlformats.org/drawingml/2006/main" xmlns:r="http://schemas.openxmlformats.org/officeDocument/2006/relationships" xmlns:p="http://schemas.openxmlformats.org/presentationml/2006/main">
   <p:cSld>
     <p:spTree>
@@ -33505,7 +38176,7 @@
 </p:sld>
 </file>
 
-<file path=ppt/slides/slide36.xml><?xml version="1.0" encoding="utf-8"?>
+<file path=ppt/slides/slide43.xml><?xml version="1.0" encoding="utf-8"?>
 <p:sld xmlns:a="http://schemas.openxmlformats.org/drawingml/2006/main" xmlns:r="http://schemas.openxmlformats.org/officeDocument/2006/relationships" xmlns:p="http://schemas.openxmlformats.org/presentationml/2006/main">
   <p:cSld>
     <p:spTree>
@@ -34088,7 +38759,7 @@
 </p:sld>
 </file>
 
-<file path=ppt/slides/slide37.xml><?xml version="1.0" encoding="utf-8"?>
+<file path=ppt/slides/slide44.xml><?xml version="1.0" encoding="utf-8"?>
 <p:sld xmlns:a="http://schemas.openxmlformats.org/drawingml/2006/main" xmlns:r="http://schemas.openxmlformats.org/officeDocument/2006/relationships" xmlns:p="http://schemas.openxmlformats.org/presentationml/2006/main">
   <p:cSld>
     <p:spTree>
@@ -34696,7 +39367,7 @@
 </p:sld>
 </file>
 
-<file path=ppt/slides/slide38.xml><?xml version="1.0" encoding="utf-8"?>
+<file path=ppt/slides/slide45.xml><?xml version="1.0" encoding="utf-8"?>
 <p:sld xmlns:a="http://schemas.openxmlformats.org/drawingml/2006/main" xmlns:r="http://schemas.openxmlformats.org/officeDocument/2006/relationships" xmlns:p="http://schemas.openxmlformats.org/presentationml/2006/main">
   <p:cSld>
     <p:spTree>
@@ -34882,7 +39553,7 @@
 </p:sld>
 </file>
 
-<file path=ppt/slides/slide39.xml><?xml version="1.0" encoding="utf-8"?>
+<file path=ppt/slides/slide46.xml><?xml version="1.0" encoding="utf-8"?>
 <p:sld xmlns:a="http://schemas.openxmlformats.org/drawingml/2006/main" xmlns:r="http://schemas.openxmlformats.org/officeDocument/2006/relationships" xmlns:p="http://schemas.openxmlformats.org/presentationml/2006/main">
   <p:cSld>
     <p:spTree>
@@ -36250,7 +40921,7 @@
 </p:sld>
 </file>
 
-<file path=ppt/slides/slide4.xml><?xml version="1.0" encoding="utf-8"?>
+<file path=ppt/slides/slide47.xml><?xml version="1.0" encoding="utf-8"?>
 <p:sld xmlns:a="http://schemas.openxmlformats.org/drawingml/2006/main" xmlns:r="http://schemas.openxmlformats.org/officeDocument/2006/relationships" xmlns:p="http://schemas.openxmlformats.org/presentationml/2006/main">
   <p:cSld>
     <p:spTree>
@@ -36276,7 +40947,7 @@
         <p:spPr>
           <a:xfrm>
             <a:off x="0" y="60523"/>
-            <a:ext cx="1692002" cy="307777"/>
+            <a:ext cx="1924181" cy="307777"/>
           </a:xfrm>
           <a:prstGeom prst="rect">
             <a:avLst/>
@@ -36290,11 +40961,11 @@
           <a:p>
             <a:r>
               <a:rPr lang="en-US" altLang="zh-CN" sz="1400" b="1" dirty="0"/>
-              <a:t>PART ONE </a:t>
+              <a:t>PART FOUR </a:t>
             </a:r>
             <a:r>
               <a:rPr lang="zh-CN" altLang="en-US" sz="1400" b="1" dirty="0"/>
-              <a:t>神经网络</a:t>
+              <a:t>添加标题</a:t>
             </a:r>
           </a:p>
         </p:txBody>
@@ -36307,14 +40978,14 @@
         </p:nvSpPr>
         <p:spPr>
           <a:xfrm>
-            <a:off x="1757150" y="157740"/>
+            <a:off x="1886619" y="157740"/>
             <a:ext cx="130917" cy="113341"/>
           </a:xfrm>
           <a:prstGeom prst="ellipse">
             <a:avLst/>
           </a:prstGeom>
           <a:solidFill>
-            <a:srgbClr val="FF0000"/>
+            <a:srgbClr val="92D050"/>
           </a:solidFill>
           <a:ln>
             <a:noFill/>
@@ -36347,299 +41018,470 @@
           </a:p>
         </p:txBody>
       </p:sp>
-      <p:grpSp>
-        <p:nvGrpSpPr>
-          <p:cNvPr id="13" name="组合 12"/>
-          <p:cNvGrpSpPr/>
-          <p:nvPr/>
-        </p:nvGrpSpPr>
-        <p:grpSpPr>
-          <a:xfrm>
-            <a:off x="910794" y="928946"/>
-            <a:ext cx="2300757" cy="509896"/>
-            <a:chOff x="888096" y="1000203"/>
-            <a:chExt cx="4259825" cy="944066"/>
-          </a:xfrm>
-        </p:grpSpPr>
-        <p:sp>
-          <p:nvSpPr>
-            <p:cNvPr id="5" name="矩形 4"/>
-            <p:cNvSpPr/>
-            <p:nvPr/>
-          </p:nvSpPr>
-          <p:spPr>
-            <a:xfrm>
-              <a:off x="911225" y="1045634"/>
-              <a:ext cx="4199467" cy="872066"/>
-            </a:xfrm>
-            <a:prstGeom prst="rect">
-              <a:avLst/>
-            </a:prstGeom>
-            <a:noFill/>
-            <a:ln>
-              <a:solidFill>
-                <a:schemeClr val="bg1">
-                  <a:lumMod val="75000"/>
-                </a:schemeClr>
-              </a:solidFill>
-            </a:ln>
-          </p:spPr>
-          <p:style>
-            <a:lnRef idx="2">
-              <a:schemeClr val="accent1">
-                <a:shade val="50000"/>
-              </a:schemeClr>
-            </a:lnRef>
-            <a:fillRef idx="1">
-              <a:schemeClr val="accent1"/>
-            </a:fillRef>
-            <a:effectRef idx="0">
-              <a:schemeClr val="accent1"/>
-            </a:effectRef>
-            <a:fontRef idx="minor">
-              <a:schemeClr val="lt1"/>
-            </a:fontRef>
-          </p:style>
-          <p:txBody>
-            <a:bodyPr rot="0" spcFirstLastPara="0" vertOverflow="overflow" horzOverflow="overflow" vert="horz" wrap="square" lIns="91440" tIns="45720" rIns="91440" bIns="45720" numCol="1" spcCol="0" rtlCol="0" fromWordArt="0" anchor="ctr" anchorCtr="0" forceAA="0" compatLnSpc="1">
-              <a:noAutofit/>
-            </a:bodyPr>
-            <a:lstStyle/>
-            <a:p>
-              <a:pPr algn="ctr"/>
-              <a:endParaRPr lang="zh-CN" altLang="en-US"/>
-            </a:p>
-          </p:txBody>
-        </p:sp>
-        <p:sp>
-          <p:nvSpPr>
-            <p:cNvPr id="6" name="椭圆 5"/>
-            <p:cNvSpPr/>
-            <p:nvPr/>
-          </p:nvSpPr>
-          <p:spPr>
-            <a:xfrm>
-              <a:off x="888096" y="1000203"/>
-              <a:ext cx="72000" cy="72000"/>
-            </a:xfrm>
-            <a:prstGeom prst="ellipse">
-              <a:avLst/>
-            </a:prstGeom>
-            <a:solidFill>
-              <a:schemeClr val="tx1">
-                <a:lumMod val="65000"/>
-                <a:lumOff val="35000"/>
-              </a:schemeClr>
-            </a:solidFill>
-            <a:ln>
-              <a:noFill/>
-            </a:ln>
-          </p:spPr>
-          <p:style>
-            <a:lnRef idx="2">
-              <a:schemeClr val="accent1">
-                <a:shade val="50000"/>
-              </a:schemeClr>
-            </a:lnRef>
-            <a:fillRef idx="1">
-              <a:schemeClr val="accent1"/>
-            </a:fillRef>
-            <a:effectRef idx="0">
-              <a:schemeClr val="accent1"/>
-            </a:effectRef>
-            <a:fontRef idx="minor">
-              <a:schemeClr val="lt1"/>
-            </a:fontRef>
-          </p:style>
-          <p:txBody>
-            <a:bodyPr rot="0" spcFirstLastPara="0" vertOverflow="overflow" horzOverflow="overflow" vert="horz" wrap="square" lIns="91440" tIns="45720" rIns="91440" bIns="45720" numCol="1" spcCol="0" rtlCol="0" fromWordArt="0" anchor="ctr" anchorCtr="0" forceAA="0" compatLnSpc="1">
-              <a:noAutofit/>
-            </a:bodyPr>
-            <a:lstStyle/>
-            <a:p>
-              <a:pPr algn="ctr"/>
-              <a:endParaRPr lang="zh-CN" altLang="en-US"/>
-            </a:p>
-          </p:txBody>
-        </p:sp>
-        <p:sp>
-          <p:nvSpPr>
-            <p:cNvPr id="7" name="椭圆 6"/>
-            <p:cNvSpPr/>
-            <p:nvPr/>
-          </p:nvSpPr>
-          <p:spPr>
-            <a:xfrm>
-              <a:off x="888096" y="1872269"/>
-              <a:ext cx="72000" cy="72000"/>
-            </a:xfrm>
-            <a:prstGeom prst="ellipse">
-              <a:avLst/>
-            </a:prstGeom>
-            <a:solidFill>
-              <a:schemeClr val="tx1">
-                <a:lumMod val="65000"/>
-                <a:lumOff val="35000"/>
-              </a:schemeClr>
-            </a:solidFill>
-            <a:ln>
-              <a:noFill/>
-            </a:ln>
-          </p:spPr>
-          <p:style>
-            <a:lnRef idx="2">
-              <a:schemeClr val="accent1">
-                <a:shade val="50000"/>
-              </a:schemeClr>
-            </a:lnRef>
-            <a:fillRef idx="1">
-              <a:schemeClr val="accent1"/>
-            </a:fillRef>
-            <a:effectRef idx="0">
-              <a:schemeClr val="accent1"/>
-            </a:effectRef>
-            <a:fontRef idx="minor">
-              <a:schemeClr val="lt1"/>
-            </a:fontRef>
-          </p:style>
-          <p:txBody>
-            <a:bodyPr rot="0" spcFirstLastPara="0" vertOverflow="overflow" horzOverflow="overflow" vert="horz" wrap="square" lIns="91440" tIns="45720" rIns="91440" bIns="45720" numCol="1" spcCol="0" rtlCol="0" fromWordArt="0" anchor="ctr" anchorCtr="0" forceAA="0" compatLnSpc="1">
-              <a:noAutofit/>
-            </a:bodyPr>
-            <a:lstStyle/>
-            <a:p>
-              <a:pPr algn="ctr"/>
-              <a:endParaRPr lang="zh-CN" altLang="en-US"/>
-            </a:p>
-          </p:txBody>
-        </p:sp>
-        <p:sp>
-          <p:nvSpPr>
-            <p:cNvPr id="8" name="椭圆 7"/>
-            <p:cNvSpPr/>
-            <p:nvPr/>
-          </p:nvSpPr>
-          <p:spPr>
-            <a:xfrm>
-              <a:off x="5075921" y="1872269"/>
-              <a:ext cx="72000" cy="72000"/>
-            </a:xfrm>
-            <a:prstGeom prst="ellipse">
-              <a:avLst/>
-            </a:prstGeom>
-            <a:solidFill>
-              <a:schemeClr val="tx1">
-                <a:lumMod val="65000"/>
-                <a:lumOff val="35000"/>
-              </a:schemeClr>
-            </a:solidFill>
-            <a:ln>
-              <a:noFill/>
-            </a:ln>
-          </p:spPr>
-          <p:style>
-            <a:lnRef idx="2">
-              <a:schemeClr val="accent1">
-                <a:shade val="50000"/>
-              </a:schemeClr>
-            </a:lnRef>
-            <a:fillRef idx="1">
-              <a:schemeClr val="accent1"/>
-            </a:fillRef>
-            <a:effectRef idx="0">
-              <a:schemeClr val="accent1"/>
-            </a:effectRef>
-            <a:fontRef idx="minor">
-              <a:schemeClr val="lt1"/>
-            </a:fontRef>
-          </p:style>
-          <p:txBody>
-            <a:bodyPr rot="0" spcFirstLastPara="0" vertOverflow="overflow" horzOverflow="overflow" vert="horz" wrap="square" lIns="91440" tIns="45720" rIns="91440" bIns="45720" numCol="1" spcCol="0" rtlCol="0" fromWordArt="0" anchor="ctr" anchorCtr="0" forceAA="0" compatLnSpc="1">
-              <a:noAutofit/>
-            </a:bodyPr>
-            <a:lstStyle/>
-            <a:p>
-              <a:pPr algn="ctr"/>
-              <a:endParaRPr lang="zh-CN" altLang="en-US"/>
-            </a:p>
-          </p:txBody>
-        </p:sp>
-        <p:sp>
-          <p:nvSpPr>
-            <p:cNvPr id="9" name="椭圆 8"/>
-            <p:cNvSpPr/>
-            <p:nvPr/>
-          </p:nvSpPr>
-          <p:spPr>
-            <a:xfrm>
-              <a:off x="5074692" y="1009634"/>
-              <a:ext cx="72000" cy="72000"/>
-            </a:xfrm>
-            <a:prstGeom prst="ellipse">
-              <a:avLst/>
-            </a:prstGeom>
-            <a:solidFill>
-              <a:schemeClr val="tx1">
-                <a:lumMod val="65000"/>
-                <a:lumOff val="35000"/>
-              </a:schemeClr>
-            </a:solidFill>
-            <a:ln>
-              <a:noFill/>
-            </a:ln>
-          </p:spPr>
-          <p:style>
-            <a:lnRef idx="2">
-              <a:schemeClr val="accent1">
-                <a:shade val="50000"/>
-              </a:schemeClr>
-            </a:lnRef>
-            <a:fillRef idx="1">
-              <a:schemeClr val="accent1"/>
-            </a:fillRef>
-            <a:effectRef idx="0">
-              <a:schemeClr val="accent1"/>
-            </a:effectRef>
-            <a:fontRef idx="minor">
-              <a:schemeClr val="lt1"/>
-            </a:fontRef>
-          </p:style>
-          <p:txBody>
-            <a:bodyPr rot="0" spcFirstLastPara="0" vertOverflow="overflow" horzOverflow="overflow" vert="horz" wrap="square" lIns="91440" tIns="45720" rIns="91440" bIns="45720" numCol="1" spcCol="0" rtlCol="0" fromWordArt="0" anchor="ctr" anchorCtr="0" forceAA="0" compatLnSpc="1">
-              <a:noAutofit/>
-            </a:bodyPr>
-            <a:lstStyle/>
-            <a:p>
-              <a:pPr algn="ctr"/>
-              <a:endParaRPr lang="zh-CN" altLang="en-US"/>
-            </a:p>
-          </p:txBody>
-        </p:sp>
-      </p:grpSp>
       <p:sp>
         <p:nvSpPr>
-          <p:cNvPr id="17" name="矩形 16"/>
-          <p:cNvSpPr/>
+          <p:cNvPr id="6" name="文本框 5"/>
+          <p:cNvSpPr txBox="1"/>
           <p:nvPr/>
         </p:nvSpPr>
         <p:spPr>
           <a:xfrm>
-            <a:off x="1041701" y="1004322"/>
-            <a:ext cx="1569660" cy="369332"/>
+            <a:off x="3513079" y="2538042"/>
+            <a:ext cx="1461198" cy="414665"/>
           </a:xfrm>
           <a:prstGeom prst="rect">
             <a:avLst/>
           </a:prstGeom>
+          <a:noFill/>
         </p:spPr>
         <p:txBody>
-          <a:bodyPr wrap="none">
+          <a:bodyPr wrap="square" rtlCol="0">
             <a:spAutoFit/>
           </a:bodyPr>
           <a:lstStyle/>
           <a:p>
-            <a:r>
-              <a:rPr lang="zh-CN" altLang="en-US" dirty="0"/>
-              <a:t>初识神经网络</a:t>
+            <a:pPr algn="ctr" defTabSz="608965">
+              <a:lnSpc>
+                <a:spcPct val="130000"/>
+              </a:lnSpc>
+            </a:pPr>
+            <a:r>
+              <a:rPr lang="en-US" altLang="zh-CN" dirty="0">
+                <a:latin typeface="+mj-lt"/>
+                <a:ea typeface="微软雅黑" panose="020B0503020204020204" charset="-122"/>
+              </a:rPr>
+              <a:t>ONE</a:t>
+            </a:r>
+            <a:endParaRPr lang="zh-CN" altLang="en-US" dirty="0">
+              <a:latin typeface="+mj-lt"/>
+              <a:ea typeface="微软雅黑" panose="020B0503020204020204" charset="-122"/>
+            </a:endParaRPr>
+          </a:p>
+        </p:txBody>
+      </p:sp>
+      <p:sp>
+        <p:nvSpPr>
+          <p:cNvPr id="7" name="文本框 6"/>
+          <p:cNvSpPr txBox="1"/>
+          <p:nvPr/>
+        </p:nvSpPr>
+        <p:spPr>
+          <a:xfrm>
+            <a:off x="5271623" y="2538042"/>
+            <a:ext cx="1587032" cy="414665"/>
+          </a:xfrm>
+          <a:prstGeom prst="rect">
+            <a:avLst/>
+          </a:prstGeom>
+          <a:noFill/>
+        </p:spPr>
+        <p:txBody>
+          <a:bodyPr wrap="square" rtlCol="0">
+            <a:spAutoFit/>
+          </a:bodyPr>
+          <a:lstStyle/>
+          <a:p>
+            <a:pPr algn="ctr" defTabSz="608965">
+              <a:lnSpc>
+                <a:spcPct val="130000"/>
+              </a:lnSpc>
+            </a:pPr>
+            <a:r>
+              <a:rPr lang="en-US" altLang="zh-CN" dirty="0">
+                <a:latin typeface="+mj-lt"/>
+                <a:ea typeface="微软雅黑" panose="020B0503020204020204" charset="-122"/>
+              </a:rPr>
+              <a:t>TWO</a:t>
+            </a:r>
+            <a:endParaRPr lang="zh-CN" altLang="en-US" dirty="0">
+              <a:latin typeface="+mj-lt"/>
+              <a:ea typeface="微软雅黑" panose="020B0503020204020204" charset="-122"/>
+            </a:endParaRPr>
+          </a:p>
+        </p:txBody>
+      </p:sp>
+      <p:sp>
+        <p:nvSpPr>
+          <p:cNvPr id="8" name="文本框 7"/>
+          <p:cNvSpPr txBox="1"/>
+          <p:nvPr/>
+        </p:nvSpPr>
+        <p:spPr>
+          <a:xfrm>
+            <a:off x="7095429" y="2538042"/>
+            <a:ext cx="1712161" cy="414665"/>
+          </a:xfrm>
+          <a:prstGeom prst="rect">
+            <a:avLst/>
+          </a:prstGeom>
+          <a:noFill/>
+        </p:spPr>
+        <p:txBody>
+          <a:bodyPr wrap="square" rtlCol="0">
+            <a:spAutoFit/>
+          </a:bodyPr>
+          <a:lstStyle/>
+          <a:p>
+            <a:pPr algn="ctr" defTabSz="608965">
+              <a:lnSpc>
+                <a:spcPct val="130000"/>
+              </a:lnSpc>
+            </a:pPr>
+            <a:r>
+              <a:rPr lang="en-US" altLang="zh-CN" dirty="0">
+                <a:latin typeface="+mj-lt"/>
+                <a:ea typeface="微软雅黑" panose="020B0503020204020204" charset="-122"/>
+              </a:rPr>
+              <a:t>THREE</a:t>
+            </a:r>
+            <a:endParaRPr lang="zh-CN" altLang="en-US" dirty="0">
+              <a:latin typeface="+mj-lt"/>
+              <a:ea typeface="微软雅黑" panose="020B0503020204020204" charset="-122"/>
+            </a:endParaRPr>
+          </a:p>
+        </p:txBody>
+      </p:sp>
+      <p:sp>
+        <p:nvSpPr>
+          <p:cNvPr id="9" name="文本框 8"/>
+          <p:cNvSpPr txBox="1"/>
+          <p:nvPr/>
+        </p:nvSpPr>
+        <p:spPr>
+          <a:xfrm>
+            <a:off x="3542385" y="4087442"/>
+            <a:ext cx="1405108" cy="414665"/>
+          </a:xfrm>
+          <a:prstGeom prst="rect">
+            <a:avLst/>
+          </a:prstGeom>
+          <a:noFill/>
+        </p:spPr>
+        <p:txBody>
+          <a:bodyPr wrap="square" rtlCol="0">
+            <a:spAutoFit/>
+          </a:bodyPr>
+          <a:lstStyle/>
+          <a:p>
+            <a:pPr algn="ctr" defTabSz="608965">
+              <a:lnSpc>
+                <a:spcPct val="130000"/>
+              </a:lnSpc>
+            </a:pPr>
+            <a:r>
+              <a:rPr lang="en-US" altLang="zh-CN" dirty="0">
+                <a:latin typeface="+mj-lt"/>
+                <a:ea typeface="微软雅黑" panose="020B0503020204020204" charset="-122"/>
+              </a:rPr>
+              <a:t>FOUR</a:t>
+            </a:r>
+            <a:endParaRPr kumimoji="1" lang="zh-CN" altLang="en-US" dirty="0">
+              <a:latin typeface="+mj-lt"/>
+              <a:ea typeface="微软雅黑" panose="020B0503020204020204" charset="-122"/>
+            </a:endParaRPr>
+          </a:p>
+        </p:txBody>
+      </p:sp>
+      <p:sp>
+        <p:nvSpPr>
+          <p:cNvPr id="10" name="文本框 9"/>
+          <p:cNvSpPr txBox="1"/>
+          <p:nvPr/>
+        </p:nvSpPr>
+        <p:spPr>
+          <a:xfrm>
+            <a:off x="5461977" y="4087442"/>
+            <a:ext cx="1214679" cy="414665"/>
+          </a:xfrm>
+          <a:prstGeom prst="rect">
+            <a:avLst/>
+          </a:prstGeom>
+          <a:noFill/>
+        </p:spPr>
+        <p:txBody>
+          <a:bodyPr wrap="square" rtlCol="0">
+            <a:spAutoFit/>
+          </a:bodyPr>
+          <a:lstStyle/>
+          <a:p>
+            <a:pPr algn="ctr" defTabSz="608965">
+              <a:lnSpc>
+                <a:spcPct val="130000"/>
+              </a:lnSpc>
+            </a:pPr>
+            <a:r>
+              <a:rPr lang="en-US" altLang="zh-CN" dirty="0">
+                <a:latin typeface="+mj-lt"/>
+                <a:ea typeface="微软雅黑" panose="020B0503020204020204" charset="-122"/>
+              </a:rPr>
+              <a:t>FIVE</a:t>
+            </a:r>
+            <a:endParaRPr kumimoji="1" lang="zh-CN" altLang="en-US" dirty="0">
+              <a:latin typeface="+mj-lt"/>
+              <a:ea typeface="微软雅黑" panose="020B0503020204020204" charset="-122"/>
+            </a:endParaRPr>
+          </a:p>
+        </p:txBody>
+      </p:sp>
+      <p:sp>
+        <p:nvSpPr>
+          <p:cNvPr id="11" name="文本框 10"/>
+          <p:cNvSpPr txBox="1"/>
+          <p:nvPr/>
+        </p:nvSpPr>
+        <p:spPr>
+          <a:xfrm>
+            <a:off x="7324351" y="4087442"/>
+            <a:ext cx="1221273" cy="414665"/>
+          </a:xfrm>
+          <a:prstGeom prst="rect">
+            <a:avLst/>
+          </a:prstGeom>
+          <a:noFill/>
+        </p:spPr>
+        <p:txBody>
+          <a:bodyPr wrap="square" rtlCol="0">
+            <a:spAutoFit/>
+          </a:bodyPr>
+          <a:lstStyle/>
+          <a:p>
+            <a:pPr algn="ctr" defTabSz="608965">
+              <a:lnSpc>
+                <a:spcPct val="130000"/>
+              </a:lnSpc>
+            </a:pPr>
+            <a:r>
+              <a:rPr lang="en-US" altLang="zh-CN" dirty="0">
+                <a:latin typeface="+mj-lt"/>
+                <a:ea typeface="微软雅黑" panose="020B0503020204020204" charset="-122"/>
+              </a:rPr>
+              <a:t>SIX</a:t>
+            </a:r>
+            <a:endParaRPr kumimoji="1" lang="zh-CN" altLang="en-US" dirty="0">
+              <a:latin typeface="+mj-lt"/>
+              <a:ea typeface="微软雅黑" panose="020B0503020204020204" charset="-122"/>
+            </a:endParaRPr>
+          </a:p>
+        </p:txBody>
+      </p:sp>
+      <p:sp>
+        <p:nvSpPr>
+          <p:cNvPr id="12" name="文本框 11"/>
+          <p:cNvSpPr txBox="1"/>
+          <p:nvPr/>
+        </p:nvSpPr>
+        <p:spPr>
+          <a:xfrm>
+            <a:off x="3386829" y="2073285"/>
+            <a:ext cx="1751798" cy="597087"/>
+          </a:xfrm>
+          <a:prstGeom prst="rect">
+            <a:avLst/>
+          </a:prstGeom>
+          <a:noFill/>
+        </p:spPr>
+        <p:txBody>
+          <a:bodyPr wrap="square" rtlCol="0">
+            <a:spAutoFit/>
+          </a:bodyPr>
+          <a:lstStyle/>
+          <a:p>
+            <a:pPr algn="ctr" defTabSz="608965">
+              <a:lnSpc>
+                <a:spcPct val="130000"/>
+              </a:lnSpc>
+            </a:pPr>
+            <a:r>
+              <a:rPr lang="zh-CN" altLang="en-US" sz="2800" b="1" dirty="0">
+                <a:latin typeface="+mj-lt"/>
+                <a:ea typeface="微软雅黑" panose="020B0503020204020204" charset="-122"/>
+              </a:rPr>
+              <a:t>输入标题</a:t>
+            </a:r>
+          </a:p>
+        </p:txBody>
+      </p:sp>
+      <p:sp>
+        <p:nvSpPr>
+          <p:cNvPr id="13" name="文本框 12"/>
+          <p:cNvSpPr txBox="1"/>
+          <p:nvPr/>
+        </p:nvSpPr>
+        <p:spPr>
+          <a:xfrm>
+            <a:off x="5186276" y="2073285"/>
+            <a:ext cx="1751798" cy="597087"/>
+          </a:xfrm>
+          <a:prstGeom prst="rect">
+            <a:avLst/>
+          </a:prstGeom>
+          <a:noFill/>
+        </p:spPr>
+        <p:txBody>
+          <a:bodyPr wrap="square" rtlCol="0">
+            <a:spAutoFit/>
+          </a:bodyPr>
+          <a:lstStyle/>
+          <a:p>
+            <a:pPr algn="ctr" defTabSz="608965">
+              <a:lnSpc>
+                <a:spcPct val="130000"/>
+              </a:lnSpc>
+            </a:pPr>
+            <a:r>
+              <a:rPr lang="zh-CN" altLang="en-US" sz="2800" b="1" dirty="0">
+                <a:latin typeface="+mj-lt"/>
+                <a:ea typeface="微软雅黑" panose="020B0503020204020204" charset="-122"/>
+              </a:rPr>
+              <a:t>输入标题</a:t>
+            </a:r>
+          </a:p>
+        </p:txBody>
+      </p:sp>
+      <p:sp>
+        <p:nvSpPr>
+          <p:cNvPr id="14" name="文本框 13"/>
+          <p:cNvSpPr txBox="1"/>
+          <p:nvPr/>
+        </p:nvSpPr>
+        <p:spPr>
+          <a:xfrm>
+            <a:off x="7090120" y="2073285"/>
+            <a:ext cx="1751798" cy="597087"/>
+          </a:xfrm>
+          <a:prstGeom prst="rect">
+            <a:avLst/>
+          </a:prstGeom>
+          <a:noFill/>
+        </p:spPr>
+        <p:txBody>
+          <a:bodyPr wrap="square" rtlCol="0">
+            <a:spAutoFit/>
+          </a:bodyPr>
+          <a:lstStyle/>
+          <a:p>
+            <a:pPr algn="ctr" defTabSz="608965">
+              <a:lnSpc>
+                <a:spcPct val="130000"/>
+              </a:lnSpc>
+            </a:pPr>
+            <a:r>
+              <a:rPr lang="zh-CN" altLang="en-US" sz="2800" b="1" dirty="0">
+                <a:latin typeface="+mj-lt"/>
+                <a:ea typeface="微软雅黑" panose="020B0503020204020204" charset="-122"/>
+              </a:rPr>
+              <a:t>输入标题</a:t>
+            </a:r>
+          </a:p>
+        </p:txBody>
+      </p:sp>
+      <p:sp>
+        <p:nvSpPr>
+          <p:cNvPr id="15" name="文本框 14"/>
+          <p:cNvSpPr txBox="1"/>
+          <p:nvPr/>
+        </p:nvSpPr>
+        <p:spPr>
+          <a:xfrm>
+            <a:off x="3350094" y="3622685"/>
+            <a:ext cx="1751798" cy="597087"/>
+          </a:xfrm>
+          <a:prstGeom prst="rect">
+            <a:avLst/>
+          </a:prstGeom>
+          <a:noFill/>
+        </p:spPr>
+        <p:txBody>
+          <a:bodyPr wrap="square" rtlCol="0">
+            <a:spAutoFit/>
+          </a:bodyPr>
+          <a:lstStyle/>
+          <a:p>
+            <a:pPr algn="ctr" defTabSz="608965">
+              <a:lnSpc>
+                <a:spcPct val="130000"/>
+              </a:lnSpc>
+            </a:pPr>
+            <a:r>
+              <a:rPr lang="zh-CN" altLang="en-US" sz="2800" b="1" dirty="0">
+                <a:latin typeface="+mj-lt"/>
+                <a:ea typeface="微软雅黑" panose="020B0503020204020204" charset="-122"/>
+              </a:rPr>
+              <a:t>输入标题</a:t>
+            </a:r>
+          </a:p>
+        </p:txBody>
+      </p:sp>
+      <p:sp>
+        <p:nvSpPr>
+          <p:cNvPr id="16" name="文本框 15"/>
+          <p:cNvSpPr txBox="1"/>
+          <p:nvPr/>
+        </p:nvSpPr>
+        <p:spPr>
+          <a:xfrm>
+            <a:off x="5212468" y="3622685"/>
+            <a:ext cx="1751798" cy="597087"/>
+          </a:xfrm>
+          <a:prstGeom prst="rect">
+            <a:avLst/>
+          </a:prstGeom>
+          <a:noFill/>
+        </p:spPr>
+        <p:txBody>
+          <a:bodyPr wrap="square" rtlCol="0">
+            <a:spAutoFit/>
+          </a:bodyPr>
+          <a:lstStyle/>
+          <a:p>
+            <a:pPr algn="ctr" defTabSz="608965">
+              <a:lnSpc>
+                <a:spcPct val="130000"/>
+              </a:lnSpc>
+            </a:pPr>
+            <a:r>
+              <a:rPr lang="zh-CN" altLang="en-US" sz="2800" b="1" dirty="0">
+                <a:latin typeface="+mj-lt"/>
+                <a:ea typeface="微软雅黑" panose="020B0503020204020204" charset="-122"/>
+              </a:rPr>
+              <a:t>输入标题</a:t>
+            </a:r>
+          </a:p>
+        </p:txBody>
+      </p:sp>
+      <p:sp>
+        <p:nvSpPr>
+          <p:cNvPr id="17" name="文本框 16"/>
+          <p:cNvSpPr txBox="1"/>
+          <p:nvPr/>
+        </p:nvSpPr>
+        <p:spPr>
+          <a:xfrm>
+            <a:off x="7074842" y="3622685"/>
+            <a:ext cx="1751798" cy="597087"/>
+          </a:xfrm>
+          <a:prstGeom prst="rect">
+            <a:avLst/>
+          </a:prstGeom>
+          <a:noFill/>
+        </p:spPr>
+        <p:txBody>
+          <a:bodyPr wrap="square" rtlCol="0">
+            <a:spAutoFit/>
+          </a:bodyPr>
+          <a:lstStyle/>
+          <a:p>
+            <a:pPr algn="ctr" defTabSz="608965">
+              <a:lnSpc>
+                <a:spcPct val="130000"/>
+              </a:lnSpc>
+            </a:pPr>
+            <a:r>
+              <a:rPr lang="zh-CN" altLang="en-US" sz="2800" b="1" dirty="0">
+                <a:latin typeface="+mj-lt"/>
+                <a:ea typeface="微软雅黑" panose="020B0503020204020204" charset="-122"/>
+              </a:rPr>
+              <a:t>输入标题</a:t>
             </a:r>
           </a:p>
         </p:txBody>
@@ -36652,820 +41494,283 @@
         </p:nvSpPr>
         <p:spPr>
           <a:xfrm>
-            <a:off x="959621" y="1481030"/>
-            <a:ext cx="6550312" cy="345094"/>
+            <a:off x="3448190" y="3013326"/>
+            <a:ext cx="1638300" cy="113341"/>
           </a:xfrm>
           <a:prstGeom prst="rect">
             <a:avLst/>
           </a:prstGeom>
-        </p:spPr>
+          <a:solidFill>
+            <a:srgbClr val="FF0000"/>
+          </a:solidFill>
+          <a:ln>
+            <a:noFill/>
+          </a:ln>
+        </p:spPr>
+        <p:style>
+          <a:lnRef idx="2">
+            <a:schemeClr val="accent1">
+              <a:shade val="50000"/>
+            </a:schemeClr>
+          </a:lnRef>
+          <a:fillRef idx="1">
+            <a:schemeClr val="accent1"/>
+          </a:fillRef>
+          <a:effectRef idx="0">
+            <a:schemeClr val="accent1"/>
+          </a:effectRef>
+          <a:fontRef idx="minor">
+            <a:schemeClr val="lt1"/>
+          </a:fontRef>
+        </p:style>
         <p:txBody>
-          <a:bodyPr wrap="square">
-            <a:spAutoFit/>
+          <a:bodyPr rot="0" spcFirstLastPara="0" vertOverflow="overflow" horzOverflow="overflow" vert="horz" wrap="square" lIns="91440" tIns="45720" rIns="91440" bIns="45720" numCol="1" spcCol="0" rtlCol="0" fromWordArt="0" anchor="ctr" anchorCtr="0" forceAA="0" compatLnSpc="1">
+            <a:noAutofit/>
           </a:bodyPr>
           <a:lstStyle/>
           <a:p>
-            <a:pPr>
-              <a:lnSpc>
-                <a:spcPct val="130000"/>
-              </a:lnSpc>
-            </a:pPr>
-            <a:r>
-              <a:rPr lang="zh-CN" altLang="en-US" sz="1400" dirty="0">
-                <a:solidFill>
-                  <a:schemeClr val="bg1">
-                    <a:lumMod val="50000"/>
-                  </a:schemeClr>
-                </a:solidFill>
-                <a:latin typeface="微软雅黑" panose="020B0503020204020204" charset="-122"/>
-                <a:ea typeface="微软雅黑" panose="020B0503020204020204" charset="-122"/>
-              </a:rPr>
-              <a:t>神经元，感知器，多层感知器，神经网络的介绍</a:t>
-            </a:r>
-          </a:p>
-        </p:txBody>
-      </p:sp>
-      <p:grpSp>
-        <p:nvGrpSpPr>
-          <p:cNvPr id="19" name="组合 18"/>
-          <p:cNvGrpSpPr/>
-          <p:nvPr/>
-        </p:nvGrpSpPr>
-        <p:grpSpPr>
-          <a:xfrm>
-            <a:off x="910794" y="2786453"/>
-            <a:ext cx="2300757" cy="509896"/>
-            <a:chOff x="888096" y="1000203"/>
-            <a:chExt cx="4259825" cy="944066"/>
-          </a:xfrm>
-        </p:grpSpPr>
-        <p:sp>
-          <p:nvSpPr>
-            <p:cNvPr id="20" name="矩形 19"/>
-            <p:cNvSpPr/>
-            <p:nvPr/>
-          </p:nvSpPr>
-          <p:spPr>
-            <a:xfrm>
-              <a:off x="911225" y="1045634"/>
-              <a:ext cx="4199467" cy="872066"/>
-            </a:xfrm>
-            <a:prstGeom prst="rect">
-              <a:avLst/>
-            </a:prstGeom>
-            <a:noFill/>
-            <a:ln>
-              <a:solidFill>
-                <a:schemeClr val="bg1">
-                  <a:lumMod val="75000"/>
-                </a:schemeClr>
-              </a:solidFill>
-            </a:ln>
-          </p:spPr>
-          <p:style>
-            <a:lnRef idx="2">
-              <a:schemeClr val="accent1">
-                <a:shade val="50000"/>
-              </a:schemeClr>
-            </a:lnRef>
-            <a:fillRef idx="1">
-              <a:schemeClr val="accent1"/>
-            </a:fillRef>
-            <a:effectRef idx="0">
-              <a:schemeClr val="accent1"/>
-            </a:effectRef>
-            <a:fontRef idx="minor">
-              <a:schemeClr val="lt1"/>
-            </a:fontRef>
-          </p:style>
-          <p:txBody>
-            <a:bodyPr rot="0" spcFirstLastPara="0" vertOverflow="overflow" horzOverflow="overflow" vert="horz" wrap="square" lIns="91440" tIns="45720" rIns="91440" bIns="45720" numCol="1" spcCol="0" rtlCol="0" fromWordArt="0" anchor="ctr" anchorCtr="0" forceAA="0" compatLnSpc="1">
-              <a:noAutofit/>
-            </a:bodyPr>
-            <a:lstStyle/>
-            <a:p>
-              <a:pPr algn="ctr"/>
-              <a:endParaRPr lang="zh-CN" altLang="en-US"/>
-            </a:p>
-          </p:txBody>
-        </p:sp>
-        <p:sp>
-          <p:nvSpPr>
-            <p:cNvPr id="21" name="椭圆 20"/>
-            <p:cNvSpPr/>
-            <p:nvPr/>
-          </p:nvSpPr>
-          <p:spPr>
-            <a:xfrm>
-              <a:off x="888096" y="1000203"/>
-              <a:ext cx="72000" cy="72000"/>
-            </a:xfrm>
-            <a:prstGeom prst="ellipse">
-              <a:avLst/>
-            </a:prstGeom>
-            <a:solidFill>
-              <a:schemeClr val="tx1">
-                <a:lumMod val="65000"/>
-                <a:lumOff val="35000"/>
-              </a:schemeClr>
-            </a:solidFill>
-            <a:ln>
-              <a:noFill/>
-            </a:ln>
-          </p:spPr>
-          <p:style>
-            <a:lnRef idx="2">
-              <a:schemeClr val="accent1">
-                <a:shade val="50000"/>
-              </a:schemeClr>
-            </a:lnRef>
-            <a:fillRef idx="1">
-              <a:schemeClr val="accent1"/>
-            </a:fillRef>
-            <a:effectRef idx="0">
-              <a:schemeClr val="accent1"/>
-            </a:effectRef>
-            <a:fontRef idx="minor">
-              <a:schemeClr val="lt1"/>
-            </a:fontRef>
-          </p:style>
-          <p:txBody>
-            <a:bodyPr rot="0" spcFirstLastPara="0" vertOverflow="overflow" horzOverflow="overflow" vert="horz" wrap="square" lIns="91440" tIns="45720" rIns="91440" bIns="45720" numCol="1" spcCol="0" rtlCol="0" fromWordArt="0" anchor="ctr" anchorCtr="0" forceAA="0" compatLnSpc="1">
-              <a:noAutofit/>
-            </a:bodyPr>
-            <a:lstStyle/>
-            <a:p>
-              <a:pPr algn="ctr"/>
-              <a:endParaRPr lang="zh-CN" altLang="en-US"/>
-            </a:p>
-          </p:txBody>
-        </p:sp>
-        <p:sp>
-          <p:nvSpPr>
-            <p:cNvPr id="22" name="椭圆 21"/>
-            <p:cNvSpPr/>
-            <p:nvPr/>
-          </p:nvSpPr>
-          <p:spPr>
-            <a:xfrm>
-              <a:off x="888096" y="1872269"/>
-              <a:ext cx="72000" cy="72000"/>
-            </a:xfrm>
-            <a:prstGeom prst="ellipse">
-              <a:avLst/>
-            </a:prstGeom>
-            <a:solidFill>
-              <a:schemeClr val="tx1">
-                <a:lumMod val="65000"/>
-                <a:lumOff val="35000"/>
-              </a:schemeClr>
-            </a:solidFill>
-            <a:ln>
-              <a:noFill/>
-            </a:ln>
-          </p:spPr>
-          <p:style>
-            <a:lnRef idx="2">
-              <a:schemeClr val="accent1">
-                <a:shade val="50000"/>
-              </a:schemeClr>
-            </a:lnRef>
-            <a:fillRef idx="1">
-              <a:schemeClr val="accent1"/>
-            </a:fillRef>
-            <a:effectRef idx="0">
-              <a:schemeClr val="accent1"/>
-            </a:effectRef>
-            <a:fontRef idx="minor">
-              <a:schemeClr val="lt1"/>
-            </a:fontRef>
-          </p:style>
-          <p:txBody>
-            <a:bodyPr rot="0" spcFirstLastPara="0" vertOverflow="overflow" horzOverflow="overflow" vert="horz" wrap="square" lIns="91440" tIns="45720" rIns="91440" bIns="45720" numCol="1" spcCol="0" rtlCol="0" fromWordArt="0" anchor="ctr" anchorCtr="0" forceAA="0" compatLnSpc="1">
-              <a:noAutofit/>
-            </a:bodyPr>
-            <a:lstStyle/>
-            <a:p>
-              <a:pPr algn="ctr"/>
-              <a:endParaRPr lang="zh-CN" altLang="en-US"/>
-            </a:p>
-          </p:txBody>
-        </p:sp>
-        <p:sp>
-          <p:nvSpPr>
-            <p:cNvPr id="23" name="椭圆 22"/>
-            <p:cNvSpPr/>
-            <p:nvPr/>
-          </p:nvSpPr>
-          <p:spPr>
-            <a:xfrm>
-              <a:off x="5075921" y="1872269"/>
-              <a:ext cx="72000" cy="72000"/>
-            </a:xfrm>
-            <a:prstGeom prst="ellipse">
-              <a:avLst/>
-            </a:prstGeom>
-            <a:solidFill>
-              <a:schemeClr val="tx1">
-                <a:lumMod val="65000"/>
-                <a:lumOff val="35000"/>
-              </a:schemeClr>
-            </a:solidFill>
-            <a:ln>
-              <a:noFill/>
-            </a:ln>
-          </p:spPr>
-          <p:style>
-            <a:lnRef idx="2">
-              <a:schemeClr val="accent1">
-                <a:shade val="50000"/>
-              </a:schemeClr>
-            </a:lnRef>
-            <a:fillRef idx="1">
-              <a:schemeClr val="accent1"/>
-            </a:fillRef>
-            <a:effectRef idx="0">
-              <a:schemeClr val="accent1"/>
-            </a:effectRef>
-            <a:fontRef idx="minor">
-              <a:schemeClr val="lt1"/>
-            </a:fontRef>
-          </p:style>
-          <p:txBody>
-            <a:bodyPr rot="0" spcFirstLastPara="0" vertOverflow="overflow" horzOverflow="overflow" vert="horz" wrap="square" lIns="91440" tIns="45720" rIns="91440" bIns="45720" numCol="1" spcCol="0" rtlCol="0" fromWordArt="0" anchor="ctr" anchorCtr="0" forceAA="0" compatLnSpc="1">
-              <a:noAutofit/>
-            </a:bodyPr>
-            <a:lstStyle/>
-            <a:p>
-              <a:pPr algn="ctr"/>
-              <a:endParaRPr lang="zh-CN" altLang="en-US"/>
-            </a:p>
-          </p:txBody>
-        </p:sp>
-        <p:sp>
-          <p:nvSpPr>
-            <p:cNvPr id="24" name="椭圆 23"/>
-            <p:cNvSpPr/>
-            <p:nvPr/>
-          </p:nvSpPr>
-          <p:spPr>
-            <a:xfrm>
-              <a:off x="5074692" y="1009634"/>
-              <a:ext cx="72000" cy="72000"/>
-            </a:xfrm>
-            <a:prstGeom prst="ellipse">
-              <a:avLst/>
-            </a:prstGeom>
-            <a:solidFill>
-              <a:schemeClr val="tx1">
-                <a:lumMod val="65000"/>
-                <a:lumOff val="35000"/>
-              </a:schemeClr>
-            </a:solidFill>
-            <a:ln>
-              <a:noFill/>
-            </a:ln>
-          </p:spPr>
-          <p:style>
-            <a:lnRef idx="2">
-              <a:schemeClr val="accent1">
-                <a:shade val="50000"/>
-              </a:schemeClr>
-            </a:lnRef>
-            <a:fillRef idx="1">
-              <a:schemeClr val="accent1"/>
-            </a:fillRef>
-            <a:effectRef idx="0">
-              <a:schemeClr val="accent1"/>
-            </a:effectRef>
-            <a:fontRef idx="minor">
-              <a:schemeClr val="lt1"/>
-            </a:fontRef>
-          </p:style>
-          <p:txBody>
-            <a:bodyPr rot="0" spcFirstLastPara="0" vertOverflow="overflow" horzOverflow="overflow" vert="horz" wrap="square" lIns="91440" tIns="45720" rIns="91440" bIns="45720" numCol="1" spcCol="0" rtlCol="0" fromWordArt="0" anchor="ctr" anchorCtr="0" forceAA="0" compatLnSpc="1">
-              <a:noAutofit/>
-            </a:bodyPr>
-            <a:lstStyle/>
-            <a:p>
-              <a:pPr algn="ctr"/>
-              <a:endParaRPr lang="zh-CN" altLang="en-US"/>
-            </a:p>
-          </p:txBody>
-        </p:sp>
-      </p:grpSp>
-      <p:sp>
-        <p:nvSpPr>
-          <p:cNvPr id="25" name="矩形 24"/>
-          <p:cNvSpPr/>
-          <p:nvPr/>
-        </p:nvSpPr>
-        <p:spPr>
-          <a:xfrm>
-            <a:off x="1041701" y="2861829"/>
-            <a:ext cx="1569660" cy="369332"/>
-          </a:xfrm>
-          <a:prstGeom prst="rect">
-            <a:avLst/>
-          </a:prstGeom>
-        </p:spPr>
-        <p:txBody>
-          <a:bodyPr wrap="none">
-            <a:spAutoFit/>
-          </a:bodyPr>
-          <a:lstStyle/>
-          <a:p>
-            <a:r>
-              <a:rPr lang="zh-CN" altLang="en-US" dirty="0"/>
-              <a:t>深入神经网络</a:t>
-            </a:r>
+            <a:pPr algn="ctr"/>
+            <a:endParaRPr lang="zh-CN" altLang="en-US"/>
           </a:p>
         </p:txBody>
       </p:sp>
       <p:sp>
         <p:nvSpPr>
-          <p:cNvPr id="26" name="矩形 25"/>
+          <p:cNvPr id="19" name="矩形 18"/>
           <p:cNvSpPr/>
           <p:nvPr/>
         </p:nvSpPr>
         <p:spPr>
           <a:xfrm>
-            <a:off x="959621" y="3338537"/>
-            <a:ext cx="6550312" cy="345094"/>
+            <a:off x="5308740" y="3013326"/>
+            <a:ext cx="1638300" cy="113341"/>
           </a:xfrm>
           <a:prstGeom prst="rect">
             <a:avLst/>
           </a:prstGeom>
-        </p:spPr>
+          <a:solidFill>
+            <a:srgbClr val="FFC000"/>
+          </a:solidFill>
+          <a:ln>
+            <a:noFill/>
+          </a:ln>
+        </p:spPr>
+        <p:style>
+          <a:lnRef idx="2">
+            <a:schemeClr val="accent1">
+              <a:shade val="50000"/>
+            </a:schemeClr>
+          </a:lnRef>
+          <a:fillRef idx="1">
+            <a:schemeClr val="accent1"/>
+          </a:fillRef>
+          <a:effectRef idx="0">
+            <a:schemeClr val="accent1"/>
+          </a:effectRef>
+          <a:fontRef idx="minor">
+            <a:schemeClr val="lt1"/>
+          </a:fontRef>
+        </p:style>
         <p:txBody>
-          <a:bodyPr wrap="square">
-            <a:spAutoFit/>
+          <a:bodyPr rot="0" spcFirstLastPara="0" vertOverflow="overflow" horzOverflow="overflow" vert="horz" wrap="square" lIns="91440" tIns="45720" rIns="91440" bIns="45720" numCol="1" spcCol="0" rtlCol="0" fromWordArt="0" anchor="ctr" anchorCtr="0" forceAA="0" compatLnSpc="1">
+            <a:noAutofit/>
           </a:bodyPr>
           <a:lstStyle/>
           <a:p>
-            <a:pPr>
-              <a:lnSpc>
-                <a:spcPct val="130000"/>
-              </a:lnSpc>
-            </a:pPr>
-            <a:r>
-              <a:rPr lang="zh-CN" altLang="en-US" sz="1400" dirty="0">
-                <a:solidFill>
-                  <a:schemeClr val="bg1">
-                    <a:lumMod val="50000"/>
-                  </a:schemeClr>
-                </a:solidFill>
-                <a:latin typeface="微软雅黑" panose="020B0503020204020204" charset="-122"/>
-                <a:ea typeface="微软雅黑" panose="020B0503020204020204" charset="-122"/>
-              </a:rPr>
-              <a:t>前向传播，反向传播，梯度下降的介绍</a:t>
-            </a:r>
-          </a:p>
-        </p:txBody>
-      </p:sp>
-      <p:grpSp>
-        <p:nvGrpSpPr>
-          <p:cNvPr id="27" name="组合 26"/>
-          <p:cNvGrpSpPr/>
-          <p:nvPr/>
-        </p:nvGrpSpPr>
-        <p:grpSpPr>
-          <a:xfrm>
-            <a:off x="910794" y="4913818"/>
-            <a:ext cx="2300757" cy="509896"/>
-            <a:chOff x="888096" y="1000203"/>
-            <a:chExt cx="4259825" cy="944066"/>
-          </a:xfrm>
-        </p:grpSpPr>
-        <p:sp>
-          <p:nvSpPr>
-            <p:cNvPr id="28" name="矩形 27"/>
-            <p:cNvSpPr/>
-            <p:nvPr/>
-          </p:nvSpPr>
-          <p:spPr>
-            <a:xfrm>
-              <a:off x="911225" y="1045634"/>
-              <a:ext cx="4199467" cy="872066"/>
-            </a:xfrm>
-            <a:prstGeom prst="rect">
-              <a:avLst/>
-            </a:prstGeom>
-            <a:noFill/>
-            <a:ln>
-              <a:solidFill>
-                <a:schemeClr val="bg1">
-                  <a:lumMod val="75000"/>
-                </a:schemeClr>
-              </a:solidFill>
-            </a:ln>
-          </p:spPr>
-          <p:style>
-            <a:lnRef idx="2">
-              <a:schemeClr val="accent1">
-                <a:shade val="50000"/>
-              </a:schemeClr>
-            </a:lnRef>
-            <a:fillRef idx="1">
-              <a:schemeClr val="accent1"/>
-            </a:fillRef>
-            <a:effectRef idx="0">
-              <a:schemeClr val="accent1"/>
-            </a:effectRef>
-            <a:fontRef idx="minor">
-              <a:schemeClr val="lt1"/>
-            </a:fontRef>
-          </p:style>
-          <p:txBody>
-            <a:bodyPr rot="0" spcFirstLastPara="0" vertOverflow="overflow" horzOverflow="overflow" vert="horz" wrap="square" lIns="91440" tIns="45720" rIns="91440" bIns="45720" numCol="1" spcCol="0" rtlCol="0" fromWordArt="0" anchor="ctr" anchorCtr="0" forceAA="0" compatLnSpc="1">
-              <a:noAutofit/>
-            </a:bodyPr>
-            <a:lstStyle/>
-            <a:p>
-              <a:pPr algn="ctr"/>
-              <a:endParaRPr lang="zh-CN" altLang="en-US"/>
-            </a:p>
-          </p:txBody>
-        </p:sp>
-        <p:sp>
-          <p:nvSpPr>
-            <p:cNvPr id="29" name="椭圆 28"/>
-            <p:cNvSpPr/>
-            <p:nvPr/>
-          </p:nvSpPr>
-          <p:spPr>
-            <a:xfrm>
-              <a:off x="888096" y="1000203"/>
-              <a:ext cx="72000" cy="72000"/>
-            </a:xfrm>
-            <a:prstGeom prst="ellipse">
-              <a:avLst/>
-            </a:prstGeom>
-            <a:solidFill>
-              <a:schemeClr val="tx1">
-                <a:lumMod val="65000"/>
-                <a:lumOff val="35000"/>
-              </a:schemeClr>
-            </a:solidFill>
-            <a:ln>
-              <a:noFill/>
-            </a:ln>
-          </p:spPr>
-          <p:style>
-            <a:lnRef idx="2">
-              <a:schemeClr val="accent1">
-                <a:shade val="50000"/>
-              </a:schemeClr>
-            </a:lnRef>
-            <a:fillRef idx="1">
-              <a:schemeClr val="accent1"/>
-            </a:fillRef>
-            <a:effectRef idx="0">
-              <a:schemeClr val="accent1"/>
-            </a:effectRef>
-            <a:fontRef idx="minor">
-              <a:schemeClr val="lt1"/>
-            </a:fontRef>
-          </p:style>
-          <p:txBody>
-            <a:bodyPr rot="0" spcFirstLastPara="0" vertOverflow="overflow" horzOverflow="overflow" vert="horz" wrap="square" lIns="91440" tIns="45720" rIns="91440" bIns="45720" numCol="1" spcCol="0" rtlCol="0" fromWordArt="0" anchor="ctr" anchorCtr="0" forceAA="0" compatLnSpc="1">
-              <a:noAutofit/>
-            </a:bodyPr>
-            <a:lstStyle/>
-            <a:p>
-              <a:pPr algn="ctr"/>
-              <a:endParaRPr lang="zh-CN" altLang="en-US"/>
-            </a:p>
-          </p:txBody>
-        </p:sp>
-        <p:sp>
-          <p:nvSpPr>
-            <p:cNvPr id="30" name="椭圆 29"/>
-            <p:cNvSpPr/>
-            <p:nvPr/>
-          </p:nvSpPr>
-          <p:spPr>
-            <a:xfrm>
-              <a:off x="888096" y="1872269"/>
-              <a:ext cx="72000" cy="72000"/>
-            </a:xfrm>
-            <a:prstGeom prst="ellipse">
-              <a:avLst/>
-            </a:prstGeom>
-            <a:solidFill>
-              <a:schemeClr val="tx1">
-                <a:lumMod val="65000"/>
-                <a:lumOff val="35000"/>
-              </a:schemeClr>
-            </a:solidFill>
-            <a:ln>
-              <a:noFill/>
-            </a:ln>
-          </p:spPr>
-          <p:style>
-            <a:lnRef idx="2">
-              <a:schemeClr val="accent1">
-                <a:shade val="50000"/>
-              </a:schemeClr>
-            </a:lnRef>
-            <a:fillRef idx="1">
-              <a:schemeClr val="accent1"/>
-            </a:fillRef>
-            <a:effectRef idx="0">
-              <a:schemeClr val="accent1"/>
-            </a:effectRef>
-            <a:fontRef idx="minor">
-              <a:schemeClr val="lt1"/>
-            </a:fontRef>
-          </p:style>
-          <p:txBody>
-            <a:bodyPr rot="0" spcFirstLastPara="0" vertOverflow="overflow" horzOverflow="overflow" vert="horz" wrap="square" lIns="91440" tIns="45720" rIns="91440" bIns="45720" numCol="1" spcCol="0" rtlCol="0" fromWordArt="0" anchor="ctr" anchorCtr="0" forceAA="0" compatLnSpc="1">
-              <a:noAutofit/>
-            </a:bodyPr>
-            <a:lstStyle/>
-            <a:p>
-              <a:pPr algn="ctr"/>
-              <a:endParaRPr lang="zh-CN" altLang="en-US"/>
-            </a:p>
-          </p:txBody>
-        </p:sp>
-        <p:sp>
-          <p:nvSpPr>
-            <p:cNvPr id="31" name="椭圆 30"/>
-            <p:cNvSpPr/>
-            <p:nvPr/>
-          </p:nvSpPr>
-          <p:spPr>
-            <a:xfrm>
-              <a:off x="5075921" y="1872269"/>
-              <a:ext cx="72000" cy="72000"/>
-            </a:xfrm>
-            <a:prstGeom prst="ellipse">
-              <a:avLst/>
-            </a:prstGeom>
-            <a:solidFill>
-              <a:schemeClr val="tx1">
-                <a:lumMod val="65000"/>
-                <a:lumOff val="35000"/>
-              </a:schemeClr>
-            </a:solidFill>
-            <a:ln>
-              <a:noFill/>
-            </a:ln>
-          </p:spPr>
-          <p:style>
-            <a:lnRef idx="2">
-              <a:schemeClr val="accent1">
-                <a:shade val="50000"/>
-              </a:schemeClr>
-            </a:lnRef>
-            <a:fillRef idx="1">
-              <a:schemeClr val="accent1"/>
-            </a:fillRef>
-            <a:effectRef idx="0">
-              <a:schemeClr val="accent1"/>
-            </a:effectRef>
-            <a:fontRef idx="minor">
-              <a:schemeClr val="lt1"/>
-            </a:fontRef>
-          </p:style>
-          <p:txBody>
-            <a:bodyPr rot="0" spcFirstLastPara="0" vertOverflow="overflow" horzOverflow="overflow" vert="horz" wrap="square" lIns="91440" tIns="45720" rIns="91440" bIns="45720" numCol="1" spcCol="0" rtlCol="0" fromWordArt="0" anchor="ctr" anchorCtr="0" forceAA="0" compatLnSpc="1">
-              <a:noAutofit/>
-            </a:bodyPr>
-            <a:lstStyle/>
-            <a:p>
-              <a:pPr algn="ctr"/>
-              <a:endParaRPr lang="zh-CN" altLang="en-US"/>
-            </a:p>
-          </p:txBody>
-        </p:sp>
-        <p:sp>
-          <p:nvSpPr>
-            <p:cNvPr id="32" name="椭圆 31"/>
-            <p:cNvSpPr/>
-            <p:nvPr/>
-          </p:nvSpPr>
-          <p:spPr>
-            <a:xfrm>
-              <a:off x="5074692" y="1009634"/>
-              <a:ext cx="72000" cy="72000"/>
-            </a:xfrm>
-            <a:prstGeom prst="ellipse">
-              <a:avLst/>
-            </a:prstGeom>
-            <a:solidFill>
-              <a:schemeClr val="tx1">
-                <a:lumMod val="65000"/>
-                <a:lumOff val="35000"/>
-              </a:schemeClr>
-            </a:solidFill>
-            <a:ln>
-              <a:noFill/>
-            </a:ln>
-          </p:spPr>
-          <p:style>
-            <a:lnRef idx="2">
-              <a:schemeClr val="accent1">
-                <a:shade val="50000"/>
-              </a:schemeClr>
-            </a:lnRef>
-            <a:fillRef idx="1">
-              <a:schemeClr val="accent1"/>
-            </a:fillRef>
-            <a:effectRef idx="0">
-              <a:schemeClr val="accent1"/>
-            </a:effectRef>
-            <a:fontRef idx="minor">
-              <a:schemeClr val="lt1"/>
-            </a:fontRef>
-          </p:style>
-          <p:txBody>
-            <a:bodyPr rot="0" spcFirstLastPara="0" vertOverflow="overflow" horzOverflow="overflow" vert="horz" wrap="square" lIns="91440" tIns="45720" rIns="91440" bIns="45720" numCol="1" spcCol="0" rtlCol="0" fromWordArt="0" anchor="ctr" anchorCtr="0" forceAA="0" compatLnSpc="1">
-              <a:noAutofit/>
-            </a:bodyPr>
-            <a:lstStyle/>
-            <a:p>
-              <a:pPr algn="ctr"/>
-              <a:endParaRPr lang="zh-CN" altLang="en-US"/>
-            </a:p>
-          </p:txBody>
-        </p:sp>
-      </p:grpSp>
-      <p:sp>
-        <p:nvSpPr>
-          <p:cNvPr id="33" name="矩形 32"/>
-          <p:cNvSpPr/>
-          <p:nvPr/>
-        </p:nvSpPr>
-        <p:spPr>
-          <a:xfrm>
-            <a:off x="1041701" y="4989194"/>
-            <a:ext cx="1569660" cy="369332"/>
-          </a:xfrm>
-          <a:prstGeom prst="rect">
-            <a:avLst/>
-          </a:prstGeom>
-        </p:spPr>
-        <p:txBody>
-          <a:bodyPr wrap="none">
-            <a:spAutoFit/>
-          </a:bodyPr>
-          <a:lstStyle/>
-          <a:p>
-            <a:r>
-              <a:rPr lang="zh-CN" altLang="en-US" dirty="0"/>
-              <a:t>应用神经网络</a:t>
-            </a:r>
+            <a:pPr algn="ctr"/>
+            <a:endParaRPr lang="zh-CN" altLang="en-US"/>
           </a:p>
         </p:txBody>
       </p:sp>
       <p:sp>
         <p:nvSpPr>
-          <p:cNvPr id="34" name="矩形 33"/>
+          <p:cNvPr id="20" name="矩形 19"/>
           <p:cNvSpPr/>
           <p:nvPr/>
         </p:nvSpPr>
         <p:spPr>
           <a:xfrm>
-            <a:off x="959621" y="5465902"/>
-            <a:ext cx="6550312" cy="345094"/>
+            <a:off x="7169290" y="3013326"/>
+            <a:ext cx="1638300" cy="113341"/>
           </a:xfrm>
           <a:prstGeom prst="rect">
             <a:avLst/>
           </a:prstGeom>
-        </p:spPr>
+          <a:solidFill>
+            <a:srgbClr val="FFFF00"/>
+          </a:solidFill>
+          <a:ln>
+            <a:noFill/>
+          </a:ln>
+        </p:spPr>
+        <p:style>
+          <a:lnRef idx="2">
+            <a:schemeClr val="accent1">
+              <a:shade val="50000"/>
+            </a:schemeClr>
+          </a:lnRef>
+          <a:fillRef idx="1">
+            <a:schemeClr val="accent1"/>
+          </a:fillRef>
+          <a:effectRef idx="0">
+            <a:schemeClr val="accent1"/>
+          </a:effectRef>
+          <a:fontRef idx="minor">
+            <a:schemeClr val="lt1"/>
+          </a:fontRef>
+        </p:style>
         <p:txBody>
-          <a:bodyPr wrap="square">
-            <a:spAutoFit/>
+          <a:bodyPr rot="0" spcFirstLastPara="0" vertOverflow="overflow" horzOverflow="overflow" vert="horz" wrap="square" lIns="91440" tIns="45720" rIns="91440" bIns="45720" numCol="1" spcCol="0" rtlCol="0" fromWordArt="0" anchor="ctr" anchorCtr="0" forceAA="0" compatLnSpc="1">
+            <a:noAutofit/>
           </a:bodyPr>
           <a:lstStyle/>
           <a:p>
-            <a:pPr>
-              <a:lnSpc>
-                <a:spcPct val="130000"/>
-              </a:lnSpc>
-            </a:pPr>
-            <a:r>
-              <a:rPr lang="en-US" altLang="zh-CN" sz="1400" dirty="0">
-                <a:solidFill>
-                  <a:schemeClr val="bg1">
-                    <a:lumMod val="50000"/>
-                  </a:schemeClr>
-                </a:solidFill>
-                <a:latin typeface="微软雅黑" panose="020B0503020204020204" charset="-122"/>
-                <a:ea typeface="微软雅黑" panose="020B0503020204020204" charset="-122"/>
-              </a:rPr>
-              <a:t>MNIST</a:t>
-            </a:r>
-            <a:r>
-              <a:rPr lang="zh-CN" altLang="en-US" sz="1400" dirty="0">
-                <a:solidFill>
-                  <a:schemeClr val="bg1">
-                    <a:lumMod val="50000"/>
-                  </a:schemeClr>
-                </a:solidFill>
-                <a:latin typeface="微软雅黑" panose="020B0503020204020204" charset="-122"/>
-                <a:ea typeface="微软雅黑" panose="020B0503020204020204" charset="-122"/>
-              </a:rPr>
-              <a:t>数字分类，</a:t>
-            </a:r>
-            <a:r>
-              <a:rPr lang="en-US" altLang="zh-CN" sz="1400" dirty="0">
-                <a:solidFill>
-                  <a:schemeClr val="bg1">
-                    <a:lumMod val="50000"/>
-                  </a:schemeClr>
-                </a:solidFill>
-                <a:latin typeface="微软雅黑" panose="020B0503020204020204" charset="-122"/>
-                <a:ea typeface="微软雅黑" panose="020B0503020204020204" charset="-122"/>
-              </a:rPr>
-              <a:t>python</a:t>
-            </a:r>
-            <a:r>
-              <a:rPr lang="zh-CN" altLang="en-US" sz="1400" dirty="0">
-                <a:solidFill>
-                  <a:schemeClr val="bg1">
-                    <a:lumMod val="50000"/>
-                  </a:schemeClr>
-                </a:solidFill>
-                <a:latin typeface="微软雅黑" panose="020B0503020204020204" charset="-122"/>
-                <a:ea typeface="微软雅黑" panose="020B0503020204020204" charset="-122"/>
-              </a:rPr>
-              <a:t>（</a:t>
-            </a:r>
-            <a:r>
-              <a:rPr lang="en-US" altLang="zh-CN" sz="1400" dirty="0" err="1">
-                <a:solidFill>
-                  <a:schemeClr val="bg1">
-                    <a:lumMod val="50000"/>
-                  </a:schemeClr>
-                </a:solidFill>
-                <a:latin typeface="微软雅黑" panose="020B0503020204020204" charset="-122"/>
-                <a:ea typeface="微软雅黑" panose="020B0503020204020204" charset="-122"/>
-              </a:rPr>
-              <a:t>tensorflow</a:t>
-            </a:r>
-            <a:r>
-              <a:rPr lang="zh-CN" altLang="en-US" sz="1400" dirty="0">
-                <a:solidFill>
-                  <a:schemeClr val="bg1">
-                    <a:lumMod val="50000"/>
-                  </a:schemeClr>
-                </a:solidFill>
-                <a:latin typeface="微软雅黑" panose="020B0503020204020204" charset="-122"/>
-                <a:ea typeface="微软雅黑" panose="020B0503020204020204" charset="-122"/>
-              </a:rPr>
-              <a:t>，</a:t>
-            </a:r>
-            <a:r>
-              <a:rPr lang="en-US" altLang="zh-CN" sz="1400" dirty="0" err="1">
-                <a:solidFill>
-                  <a:schemeClr val="bg1">
-                    <a:lumMod val="50000"/>
-                  </a:schemeClr>
-                </a:solidFill>
-                <a:latin typeface="微软雅黑" panose="020B0503020204020204" charset="-122"/>
-                <a:ea typeface="微软雅黑" panose="020B0503020204020204" charset="-122"/>
-              </a:rPr>
-              <a:t>keras</a:t>
-            </a:r>
-            <a:r>
-              <a:rPr lang="zh-CN" altLang="en-US" sz="1400" dirty="0">
-                <a:solidFill>
-                  <a:schemeClr val="bg1">
-                    <a:lumMod val="50000"/>
-                  </a:schemeClr>
-                </a:solidFill>
-                <a:latin typeface="微软雅黑" panose="020B0503020204020204" charset="-122"/>
-                <a:ea typeface="微软雅黑" panose="020B0503020204020204" charset="-122"/>
-              </a:rPr>
-              <a:t>，</a:t>
-            </a:r>
-            <a:r>
-              <a:rPr lang="en-US" altLang="zh-CN" sz="1400" dirty="0" err="1">
-                <a:solidFill>
-                  <a:schemeClr val="bg1">
-                    <a:lumMod val="50000"/>
-                  </a:schemeClr>
-                </a:solidFill>
-                <a:latin typeface="微软雅黑" panose="020B0503020204020204" charset="-122"/>
-                <a:ea typeface="微软雅黑" panose="020B0503020204020204" charset="-122"/>
-              </a:rPr>
-              <a:t>pytorch</a:t>
-            </a:r>
-            <a:r>
-              <a:rPr lang="zh-CN" altLang="en-US" sz="1400" dirty="0">
-                <a:solidFill>
-                  <a:schemeClr val="bg1">
-                    <a:lumMod val="50000"/>
-                  </a:schemeClr>
-                </a:solidFill>
-                <a:latin typeface="微软雅黑" panose="020B0503020204020204" charset="-122"/>
-                <a:ea typeface="微软雅黑" panose="020B0503020204020204" charset="-122"/>
-              </a:rPr>
-              <a:t>）实现</a:t>
-            </a:r>
+            <a:pPr algn="ctr"/>
+            <a:endParaRPr lang="zh-CN" altLang="en-US"/>
+          </a:p>
+        </p:txBody>
+      </p:sp>
+      <p:sp>
+        <p:nvSpPr>
+          <p:cNvPr id="21" name="矩形 20"/>
+          <p:cNvSpPr/>
+          <p:nvPr/>
+        </p:nvSpPr>
+        <p:spPr>
+          <a:xfrm>
+            <a:off x="3444542" y="4562726"/>
+            <a:ext cx="1638300" cy="113341"/>
+          </a:xfrm>
+          <a:prstGeom prst="rect">
+            <a:avLst/>
+          </a:prstGeom>
+          <a:solidFill>
+            <a:srgbClr val="92D050"/>
+          </a:solidFill>
+          <a:ln>
+            <a:noFill/>
+          </a:ln>
+        </p:spPr>
+        <p:style>
+          <a:lnRef idx="2">
+            <a:schemeClr val="accent1">
+              <a:shade val="50000"/>
+            </a:schemeClr>
+          </a:lnRef>
+          <a:fillRef idx="1">
+            <a:schemeClr val="accent1"/>
+          </a:fillRef>
+          <a:effectRef idx="0">
+            <a:schemeClr val="accent1"/>
+          </a:effectRef>
+          <a:fontRef idx="minor">
+            <a:schemeClr val="lt1"/>
+          </a:fontRef>
+        </p:style>
+        <p:txBody>
+          <a:bodyPr rot="0" spcFirstLastPara="0" vertOverflow="overflow" horzOverflow="overflow" vert="horz" wrap="square" lIns="91440" tIns="45720" rIns="91440" bIns="45720" numCol="1" spcCol="0" rtlCol="0" fromWordArt="0" anchor="ctr" anchorCtr="0" forceAA="0" compatLnSpc="1">
+            <a:noAutofit/>
+          </a:bodyPr>
+          <a:lstStyle/>
+          <a:p>
+            <a:pPr algn="ctr"/>
+            <a:endParaRPr lang="zh-CN" altLang="en-US"/>
+          </a:p>
+        </p:txBody>
+      </p:sp>
+      <p:sp>
+        <p:nvSpPr>
+          <p:cNvPr id="22" name="矩形 21"/>
+          <p:cNvSpPr/>
+          <p:nvPr/>
+        </p:nvSpPr>
+        <p:spPr>
+          <a:xfrm>
+            <a:off x="5306916" y="4562726"/>
+            <a:ext cx="1638300" cy="113341"/>
+          </a:xfrm>
+          <a:prstGeom prst="rect">
+            <a:avLst/>
+          </a:prstGeom>
+          <a:solidFill>
+            <a:srgbClr val="00B0F0"/>
+          </a:solidFill>
+          <a:ln>
+            <a:noFill/>
+          </a:ln>
+        </p:spPr>
+        <p:style>
+          <a:lnRef idx="2">
+            <a:schemeClr val="accent1">
+              <a:shade val="50000"/>
+            </a:schemeClr>
+          </a:lnRef>
+          <a:fillRef idx="1">
+            <a:schemeClr val="accent1"/>
+          </a:fillRef>
+          <a:effectRef idx="0">
+            <a:schemeClr val="accent1"/>
+          </a:effectRef>
+          <a:fontRef idx="minor">
+            <a:schemeClr val="lt1"/>
+          </a:fontRef>
+        </p:style>
+        <p:txBody>
+          <a:bodyPr rot="0" spcFirstLastPara="0" vertOverflow="overflow" horzOverflow="overflow" vert="horz" wrap="square" lIns="91440" tIns="45720" rIns="91440" bIns="45720" numCol="1" spcCol="0" rtlCol="0" fromWordArt="0" anchor="ctr" anchorCtr="0" forceAA="0" compatLnSpc="1">
+            <a:noAutofit/>
+          </a:bodyPr>
+          <a:lstStyle/>
+          <a:p>
+            <a:pPr algn="ctr"/>
+            <a:endParaRPr lang="zh-CN" altLang="en-US"/>
+          </a:p>
+        </p:txBody>
+      </p:sp>
+      <p:sp>
+        <p:nvSpPr>
+          <p:cNvPr id="23" name="矩形 22"/>
+          <p:cNvSpPr/>
+          <p:nvPr/>
+        </p:nvSpPr>
+        <p:spPr>
+          <a:xfrm>
+            <a:off x="7169290" y="4562726"/>
+            <a:ext cx="1638300" cy="113341"/>
+          </a:xfrm>
+          <a:prstGeom prst="rect">
+            <a:avLst/>
+          </a:prstGeom>
+          <a:solidFill>
+            <a:srgbClr val="002060"/>
+          </a:solidFill>
+          <a:ln>
+            <a:noFill/>
+          </a:ln>
+        </p:spPr>
+        <p:style>
+          <a:lnRef idx="2">
+            <a:schemeClr val="accent1">
+              <a:shade val="50000"/>
+            </a:schemeClr>
+          </a:lnRef>
+          <a:fillRef idx="1">
+            <a:schemeClr val="accent1"/>
+          </a:fillRef>
+          <a:effectRef idx="0">
+            <a:schemeClr val="accent1"/>
+          </a:effectRef>
+          <a:fontRef idx="minor">
+            <a:schemeClr val="lt1"/>
+          </a:fontRef>
+        </p:style>
+        <p:txBody>
+          <a:bodyPr rot="0" spcFirstLastPara="0" vertOverflow="overflow" horzOverflow="overflow" vert="horz" wrap="square" lIns="91440" tIns="45720" rIns="91440" bIns="45720" numCol="1" spcCol="0" rtlCol="0" fromWordArt="0" anchor="ctr" anchorCtr="0" forceAA="0" compatLnSpc="1">
+            <a:noAutofit/>
+          </a:bodyPr>
+          <a:lstStyle/>
+          <a:p>
+            <a:pPr algn="ctr"/>
+            <a:endParaRPr lang="zh-CN" altLang="en-US"/>
           </a:p>
         </p:txBody>
       </p:sp>
@@ -37489,880 +41794,7 @@
 </p:sld>
 </file>
 
-<file path=ppt/slides/slide40.xml><?xml version="1.0" encoding="utf-8"?>
-<p:sld xmlns:a="http://schemas.openxmlformats.org/drawingml/2006/main" xmlns:r="http://schemas.openxmlformats.org/officeDocument/2006/relationships" xmlns:p="http://schemas.openxmlformats.org/presentationml/2006/main">
-  <p:cSld>
-    <p:spTree>
-      <p:nvGrpSpPr>
-        <p:cNvPr id="1" name=""/>
-        <p:cNvGrpSpPr/>
-        <p:nvPr/>
-      </p:nvGrpSpPr>
-      <p:grpSpPr>
-        <a:xfrm>
-          <a:off x="0" y="0"/>
-          <a:ext cx="0" cy="0"/>
-          <a:chOff x="0" y="0"/>
-          <a:chExt cx="0" cy="0"/>
-        </a:xfrm>
-      </p:grpSpPr>
-      <p:sp>
-        <p:nvSpPr>
-          <p:cNvPr id="2" name="矩形 1"/>
-          <p:cNvSpPr/>
-          <p:nvPr/>
-        </p:nvSpPr>
-        <p:spPr>
-          <a:xfrm>
-            <a:off x="0" y="60523"/>
-            <a:ext cx="1924181" cy="307777"/>
-          </a:xfrm>
-          <a:prstGeom prst="rect">
-            <a:avLst/>
-          </a:prstGeom>
-        </p:spPr>
-        <p:txBody>
-          <a:bodyPr wrap="none">
-            <a:spAutoFit/>
-          </a:bodyPr>
-          <a:lstStyle/>
-          <a:p>
-            <a:r>
-              <a:rPr lang="en-US" altLang="zh-CN" sz="1400" b="1" dirty="0"/>
-              <a:t>PART FOUR </a:t>
-            </a:r>
-            <a:r>
-              <a:rPr lang="zh-CN" altLang="en-US" sz="1400" b="1" dirty="0"/>
-              <a:t>添加标题</a:t>
-            </a:r>
-          </a:p>
-        </p:txBody>
-      </p:sp>
-      <p:sp>
-        <p:nvSpPr>
-          <p:cNvPr id="3" name="椭圆 2"/>
-          <p:cNvSpPr/>
-          <p:nvPr/>
-        </p:nvSpPr>
-        <p:spPr>
-          <a:xfrm>
-            <a:off x="1886619" y="157740"/>
-            <a:ext cx="130917" cy="113341"/>
-          </a:xfrm>
-          <a:prstGeom prst="ellipse">
-            <a:avLst/>
-          </a:prstGeom>
-          <a:solidFill>
-            <a:srgbClr val="92D050"/>
-          </a:solidFill>
-          <a:ln>
-            <a:noFill/>
-          </a:ln>
-        </p:spPr>
-        <p:style>
-          <a:lnRef idx="2">
-            <a:schemeClr val="accent1">
-              <a:shade val="50000"/>
-            </a:schemeClr>
-          </a:lnRef>
-          <a:fillRef idx="1">
-            <a:schemeClr val="accent1"/>
-          </a:fillRef>
-          <a:effectRef idx="0">
-            <a:schemeClr val="accent1"/>
-          </a:effectRef>
-          <a:fontRef idx="minor">
-            <a:schemeClr val="lt1"/>
-          </a:fontRef>
-        </p:style>
-        <p:txBody>
-          <a:bodyPr rot="0" spcFirstLastPara="0" vertOverflow="overflow" horzOverflow="overflow" vert="horz" wrap="square" lIns="91440" tIns="45720" rIns="91440" bIns="45720" numCol="1" spcCol="0" rtlCol="0" fromWordArt="0" anchor="ctr" anchorCtr="0" forceAA="0" compatLnSpc="1">
-            <a:noAutofit/>
-          </a:bodyPr>
-          <a:lstStyle/>
-          <a:p>
-            <a:pPr algn="ctr"/>
-            <a:endParaRPr lang="zh-CN" altLang="en-US" sz="4400"/>
-          </a:p>
-        </p:txBody>
-      </p:sp>
-      <p:sp>
-        <p:nvSpPr>
-          <p:cNvPr id="6" name="文本框 5"/>
-          <p:cNvSpPr txBox="1"/>
-          <p:nvPr/>
-        </p:nvSpPr>
-        <p:spPr>
-          <a:xfrm>
-            <a:off x="3513079" y="2538042"/>
-            <a:ext cx="1461198" cy="414665"/>
-          </a:xfrm>
-          <a:prstGeom prst="rect">
-            <a:avLst/>
-          </a:prstGeom>
-          <a:noFill/>
-        </p:spPr>
-        <p:txBody>
-          <a:bodyPr wrap="square" rtlCol="0">
-            <a:spAutoFit/>
-          </a:bodyPr>
-          <a:lstStyle/>
-          <a:p>
-            <a:pPr algn="ctr" defTabSz="608965">
-              <a:lnSpc>
-                <a:spcPct val="130000"/>
-              </a:lnSpc>
-            </a:pPr>
-            <a:r>
-              <a:rPr lang="en-US" altLang="zh-CN" dirty="0">
-                <a:latin typeface="+mj-lt"/>
-                <a:ea typeface="微软雅黑" panose="020B0503020204020204" charset="-122"/>
-              </a:rPr>
-              <a:t>ONE</a:t>
-            </a:r>
-            <a:endParaRPr lang="zh-CN" altLang="en-US" dirty="0">
-              <a:latin typeface="+mj-lt"/>
-              <a:ea typeface="微软雅黑" panose="020B0503020204020204" charset="-122"/>
-            </a:endParaRPr>
-          </a:p>
-        </p:txBody>
-      </p:sp>
-      <p:sp>
-        <p:nvSpPr>
-          <p:cNvPr id="7" name="文本框 6"/>
-          <p:cNvSpPr txBox="1"/>
-          <p:nvPr/>
-        </p:nvSpPr>
-        <p:spPr>
-          <a:xfrm>
-            <a:off x="5271623" y="2538042"/>
-            <a:ext cx="1587032" cy="414665"/>
-          </a:xfrm>
-          <a:prstGeom prst="rect">
-            <a:avLst/>
-          </a:prstGeom>
-          <a:noFill/>
-        </p:spPr>
-        <p:txBody>
-          <a:bodyPr wrap="square" rtlCol="0">
-            <a:spAutoFit/>
-          </a:bodyPr>
-          <a:lstStyle/>
-          <a:p>
-            <a:pPr algn="ctr" defTabSz="608965">
-              <a:lnSpc>
-                <a:spcPct val="130000"/>
-              </a:lnSpc>
-            </a:pPr>
-            <a:r>
-              <a:rPr lang="en-US" altLang="zh-CN" dirty="0">
-                <a:latin typeface="+mj-lt"/>
-                <a:ea typeface="微软雅黑" panose="020B0503020204020204" charset="-122"/>
-              </a:rPr>
-              <a:t>TWO</a:t>
-            </a:r>
-            <a:endParaRPr lang="zh-CN" altLang="en-US" dirty="0">
-              <a:latin typeface="+mj-lt"/>
-              <a:ea typeface="微软雅黑" panose="020B0503020204020204" charset="-122"/>
-            </a:endParaRPr>
-          </a:p>
-        </p:txBody>
-      </p:sp>
-      <p:sp>
-        <p:nvSpPr>
-          <p:cNvPr id="8" name="文本框 7"/>
-          <p:cNvSpPr txBox="1"/>
-          <p:nvPr/>
-        </p:nvSpPr>
-        <p:spPr>
-          <a:xfrm>
-            <a:off x="7095429" y="2538042"/>
-            <a:ext cx="1712161" cy="414665"/>
-          </a:xfrm>
-          <a:prstGeom prst="rect">
-            <a:avLst/>
-          </a:prstGeom>
-          <a:noFill/>
-        </p:spPr>
-        <p:txBody>
-          <a:bodyPr wrap="square" rtlCol="0">
-            <a:spAutoFit/>
-          </a:bodyPr>
-          <a:lstStyle/>
-          <a:p>
-            <a:pPr algn="ctr" defTabSz="608965">
-              <a:lnSpc>
-                <a:spcPct val="130000"/>
-              </a:lnSpc>
-            </a:pPr>
-            <a:r>
-              <a:rPr lang="en-US" altLang="zh-CN" dirty="0">
-                <a:latin typeface="+mj-lt"/>
-                <a:ea typeface="微软雅黑" panose="020B0503020204020204" charset="-122"/>
-              </a:rPr>
-              <a:t>THREE</a:t>
-            </a:r>
-            <a:endParaRPr lang="zh-CN" altLang="en-US" dirty="0">
-              <a:latin typeface="+mj-lt"/>
-              <a:ea typeface="微软雅黑" panose="020B0503020204020204" charset="-122"/>
-            </a:endParaRPr>
-          </a:p>
-        </p:txBody>
-      </p:sp>
-      <p:sp>
-        <p:nvSpPr>
-          <p:cNvPr id="9" name="文本框 8"/>
-          <p:cNvSpPr txBox="1"/>
-          <p:nvPr/>
-        </p:nvSpPr>
-        <p:spPr>
-          <a:xfrm>
-            <a:off x="3542385" y="4087442"/>
-            <a:ext cx="1405108" cy="414665"/>
-          </a:xfrm>
-          <a:prstGeom prst="rect">
-            <a:avLst/>
-          </a:prstGeom>
-          <a:noFill/>
-        </p:spPr>
-        <p:txBody>
-          <a:bodyPr wrap="square" rtlCol="0">
-            <a:spAutoFit/>
-          </a:bodyPr>
-          <a:lstStyle/>
-          <a:p>
-            <a:pPr algn="ctr" defTabSz="608965">
-              <a:lnSpc>
-                <a:spcPct val="130000"/>
-              </a:lnSpc>
-            </a:pPr>
-            <a:r>
-              <a:rPr lang="en-US" altLang="zh-CN" dirty="0">
-                <a:latin typeface="+mj-lt"/>
-                <a:ea typeface="微软雅黑" panose="020B0503020204020204" charset="-122"/>
-              </a:rPr>
-              <a:t>FOUR</a:t>
-            </a:r>
-            <a:endParaRPr kumimoji="1" lang="zh-CN" altLang="en-US" dirty="0">
-              <a:latin typeface="+mj-lt"/>
-              <a:ea typeface="微软雅黑" panose="020B0503020204020204" charset="-122"/>
-            </a:endParaRPr>
-          </a:p>
-        </p:txBody>
-      </p:sp>
-      <p:sp>
-        <p:nvSpPr>
-          <p:cNvPr id="10" name="文本框 9"/>
-          <p:cNvSpPr txBox="1"/>
-          <p:nvPr/>
-        </p:nvSpPr>
-        <p:spPr>
-          <a:xfrm>
-            <a:off x="5461977" y="4087442"/>
-            <a:ext cx="1214679" cy="414665"/>
-          </a:xfrm>
-          <a:prstGeom prst="rect">
-            <a:avLst/>
-          </a:prstGeom>
-          <a:noFill/>
-        </p:spPr>
-        <p:txBody>
-          <a:bodyPr wrap="square" rtlCol="0">
-            <a:spAutoFit/>
-          </a:bodyPr>
-          <a:lstStyle/>
-          <a:p>
-            <a:pPr algn="ctr" defTabSz="608965">
-              <a:lnSpc>
-                <a:spcPct val="130000"/>
-              </a:lnSpc>
-            </a:pPr>
-            <a:r>
-              <a:rPr lang="en-US" altLang="zh-CN" dirty="0">
-                <a:latin typeface="+mj-lt"/>
-                <a:ea typeface="微软雅黑" panose="020B0503020204020204" charset="-122"/>
-              </a:rPr>
-              <a:t>FIVE</a:t>
-            </a:r>
-            <a:endParaRPr kumimoji="1" lang="zh-CN" altLang="en-US" dirty="0">
-              <a:latin typeface="+mj-lt"/>
-              <a:ea typeface="微软雅黑" panose="020B0503020204020204" charset="-122"/>
-            </a:endParaRPr>
-          </a:p>
-        </p:txBody>
-      </p:sp>
-      <p:sp>
-        <p:nvSpPr>
-          <p:cNvPr id="11" name="文本框 10"/>
-          <p:cNvSpPr txBox="1"/>
-          <p:nvPr/>
-        </p:nvSpPr>
-        <p:spPr>
-          <a:xfrm>
-            <a:off x="7324351" y="4087442"/>
-            <a:ext cx="1221273" cy="414665"/>
-          </a:xfrm>
-          <a:prstGeom prst="rect">
-            <a:avLst/>
-          </a:prstGeom>
-          <a:noFill/>
-        </p:spPr>
-        <p:txBody>
-          <a:bodyPr wrap="square" rtlCol="0">
-            <a:spAutoFit/>
-          </a:bodyPr>
-          <a:lstStyle/>
-          <a:p>
-            <a:pPr algn="ctr" defTabSz="608965">
-              <a:lnSpc>
-                <a:spcPct val="130000"/>
-              </a:lnSpc>
-            </a:pPr>
-            <a:r>
-              <a:rPr lang="en-US" altLang="zh-CN" dirty="0">
-                <a:latin typeface="+mj-lt"/>
-                <a:ea typeface="微软雅黑" panose="020B0503020204020204" charset="-122"/>
-              </a:rPr>
-              <a:t>SIX</a:t>
-            </a:r>
-            <a:endParaRPr kumimoji="1" lang="zh-CN" altLang="en-US" dirty="0">
-              <a:latin typeface="+mj-lt"/>
-              <a:ea typeface="微软雅黑" panose="020B0503020204020204" charset="-122"/>
-            </a:endParaRPr>
-          </a:p>
-        </p:txBody>
-      </p:sp>
-      <p:sp>
-        <p:nvSpPr>
-          <p:cNvPr id="12" name="文本框 11"/>
-          <p:cNvSpPr txBox="1"/>
-          <p:nvPr/>
-        </p:nvSpPr>
-        <p:spPr>
-          <a:xfrm>
-            <a:off x="3386829" y="2073285"/>
-            <a:ext cx="1751798" cy="597087"/>
-          </a:xfrm>
-          <a:prstGeom prst="rect">
-            <a:avLst/>
-          </a:prstGeom>
-          <a:noFill/>
-        </p:spPr>
-        <p:txBody>
-          <a:bodyPr wrap="square" rtlCol="0">
-            <a:spAutoFit/>
-          </a:bodyPr>
-          <a:lstStyle/>
-          <a:p>
-            <a:pPr algn="ctr" defTabSz="608965">
-              <a:lnSpc>
-                <a:spcPct val="130000"/>
-              </a:lnSpc>
-            </a:pPr>
-            <a:r>
-              <a:rPr lang="zh-CN" altLang="en-US" sz="2800" b="1" dirty="0">
-                <a:latin typeface="+mj-lt"/>
-                <a:ea typeface="微软雅黑" panose="020B0503020204020204" charset="-122"/>
-              </a:rPr>
-              <a:t>输入标题</a:t>
-            </a:r>
-          </a:p>
-        </p:txBody>
-      </p:sp>
-      <p:sp>
-        <p:nvSpPr>
-          <p:cNvPr id="13" name="文本框 12"/>
-          <p:cNvSpPr txBox="1"/>
-          <p:nvPr/>
-        </p:nvSpPr>
-        <p:spPr>
-          <a:xfrm>
-            <a:off x="5186276" y="2073285"/>
-            <a:ext cx="1751798" cy="597087"/>
-          </a:xfrm>
-          <a:prstGeom prst="rect">
-            <a:avLst/>
-          </a:prstGeom>
-          <a:noFill/>
-        </p:spPr>
-        <p:txBody>
-          <a:bodyPr wrap="square" rtlCol="0">
-            <a:spAutoFit/>
-          </a:bodyPr>
-          <a:lstStyle/>
-          <a:p>
-            <a:pPr algn="ctr" defTabSz="608965">
-              <a:lnSpc>
-                <a:spcPct val="130000"/>
-              </a:lnSpc>
-            </a:pPr>
-            <a:r>
-              <a:rPr lang="zh-CN" altLang="en-US" sz="2800" b="1" dirty="0">
-                <a:latin typeface="+mj-lt"/>
-                <a:ea typeface="微软雅黑" panose="020B0503020204020204" charset="-122"/>
-              </a:rPr>
-              <a:t>输入标题</a:t>
-            </a:r>
-          </a:p>
-        </p:txBody>
-      </p:sp>
-      <p:sp>
-        <p:nvSpPr>
-          <p:cNvPr id="14" name="文本框 13"/>
-          <p:cNvSpPr txBox="1"/>
-          <p:nvPr/>
-        </p:nvSpPr>
-        <p:spPr>
-          <a:xfrm>
-            <a:off x="7090120" y="2073285"/>
-            <a:ext cx="1751798" cy="597087"/>
-          </a:xfrm>
-          <a:prstGeom prst="rect">
-            <a:avLst/>
-          </a:prstGeom>
-          <a:noFill/>
-        </p:spPr>
-        <p:txBody>
-          <a:bodyPr wrap="square" rtlCol="0">
-            <a:spAutoFit/>
-          </a:bodyPr>
-          <a:lstStyle/>
-          <a:p>
-            <a:pPr algn="ctr" defTabSz="608965">
-              <a:lnSpc>
-                <a:spcPct val="130000"/>
-              </a:lnSpc>
-            </a:pPr>
-            <a:r>
-              <a:rPr lang="zh-CN" altLang="en-US" sz="2800" b="1" dirty="0">
-                <a:latin typeface="+mj-lt"/>
-                <a:ea typeface="微软雅黑" panose="020B0503020204020204" charset="-122"/>
-              </a:rPr>
-              <a:t>输入标题</a:t>
-            </a:r>
-          </a:p>
-        </p:txBody>
-      </p:sp>
-      <p:sp>
-        <p:nvSpPr>
-          <p:cNvPr id="15" name="文本框 14"/>
-          <p:cNvSpPr txBox="1"/>
-          <p:nvPr/>
-        </p:nvSpPr>
-        <p:spPr>
-          <a:xfrm>
-            <a:off x="3350094" y="3622685"/>
-            <a:ext cx="1751798" cy="597087"/>
-          </a:xfrm>
-          <a:prstGeom prst="rect">
-            <a:avLst/>
-          </a:prstGeom>
-          <a:noFill/>
-        </p:spPr>
-        <p:txBody>
-          <a:bodyPr wrap="square" rtlCol="0">
-            <a:spAutoFit/>
-          </a:bodyPr>
-          <a:lstStyle/>
-          <a:p>
-            <a:pPr algn="ctr" defTabSz="608965">
-              <a:lnSpc>
-                <a:spcPct val="130000"/>
-              </a:lnSpc>
-            </a:pPr>
-            <a:r>
-              <a:rPr lang="zh-CN" altLang="en-US" sz="2800" b="1" dirty="0">
-                <a:latin typeface="+mj-lt"/>
-                <a:ea typeface="微软雅黑" panose="020B0503020204020204" charset="-122"/>
-              </a:rPr>
-              <a:t>输入标题</a:t>
-            </a:r>
-          </a:p>
-        </p:txBody>
-      </p:sp>
-      <p:sp>
-        <p:nvSpPr>
-          <p:cNvPr id="16" name="文本框 15"/>
-          <p:cNvSpPr txBox="1"/>
-          <p:nvPr/>
-        </p:nvSpPr>
-        <p:spPr>
-          <a:xfrm>
-            <a:off x="5212468" y="3622685"/>
-            <a:ext cx="1751798" cy="597087"/>
-          </a:xfrm>
-          <a:prstGeom prst="rect">
-            <a:avLst/>
-          </a:prstGeom>
-          <a:noFill/>
-        </p:spPr>
-        <p:txBody>
-          <a:bodyPr wrap="square" rtlCol="0">
-            <a:spAutoFit/>
-          </a:bodyPr>
-          <a:lstStyle/>
-          <a:p>
-            <a:pPr algn="ctr" defTabSz="608965">
-              <a:lnSpc>
-                <a:spcPct val="130000"/>
-              </a:lnSpc>
-            </a:pPr>
-            <a:r>
-              <a:rPr lang="zh-CN" altLang="en-US" sz="2800" b="1" dirty="0">
-                <a:latin typeface="+mj-lt"/>
-                <a:ea typeface="微软雅黑" panose="020B0503020204020204" charset="-122"/>
-              </a:rPr>
-              <a:t>输入标题</a:t>
-            </a:r>
-          </a:p>
-        </p:txBody>
-      </p:sp>
-      <p:sp>
-        <p:nvSpPr>
-          <p:cNvPr id="17" name="文本框 16"/>
-          <p:cNvSpPr txBox="1"/>
-          <p:nvPr/>
-        </p:nvSpPr>
-        <p:spPr>
-          <a:xfrm>
-            <a:off x="7074842" y="3622685"/>
-            <a:ext cx="1751798" cy="597087"/>
-          </a:xfrm>
-          <a:prstGeom prst="rect">
-            <a:avLst/>
-          </a:prstGeom>
-          <a:noFill/>
-        </p:spPr>
-        <p:txBody>
-          <a:bodyPr wrap="square" rtlCol="0">
-            <a:spAutoFit/>
-          </a:bodyPr>
-          <a:lstStyle/>
-          <a:p>
-            <a:pPr algn="ctr" defTabSz="608965">
-              <a:lnSpc>
-                <a:spcPct val="130000"/>
-              </a:lnSpc>
-            </a:pPr>
-            <a:r>
-              <a:rPr lang="zh-CN" altLang="en-US" sz="2800" b="1" dirty="0">
-                <a:latin typeface="+mj-lt"/>
-                <a:ea typeface="微软雅黑" panose="020B0503020204020204" charset="-122"/>
-              </a:rPr>
-              <a:t>输入标题</a:t>
-            </a:r>
-          </a:p>
-        </p:txBody>
-      </p:sp>
-      <p:sp>
-        <p:nvSpPr>
-          <p:cNvPr id="18" name="矩形 17"/>
-          <p:cNvSpPr/>
-          <p:nvPr/>
-        </p:nvSpPr>
-        <p:spPr>
-          <a:xfrm>
-            <a:off x="3448190" y="3013326"/>
-            <a:ext cx="1638300" cy="113341"/>
-          </a:xfrm>
-          <a:prstGeom prst="rect">
-            <a:avLst/>
-          </a:prstGeom>
-          <a:solidFill>
-            <a:srgbClr val="FF0000"/>
-          </a:solidFill>
-          <a:ln>
-            <a:noFill/>
-          </a:ln>
-        </p:spPr>
-        <p:style>
-          <a:lnRef idx="2">
-            <a:schemeClr val="accent1">
-              <a:shade val="50000"/>
-            </a:schemeClr>
-          </a:lnRef>
-          <a:fillRef idx="1">
-            <a:schemeClr val="accent1"/>
-          </a:fillRef>
-          <a:effectRef idx="0">
-            <a:schemeClr val="accent1"/>
-          </a:effectRef>
-          <a:fontRef idx="minor">
-            <a:schemeClr val="lt1"/>
-          </a:fontRef>
-        </p:style>
-        <p:txBody>
-          <a:bodyPr rot="0" spcFirstLastPara="0" vertOverflow="overflow" horzOverflow="overflow" vert="horz" wrap="square" lIns="91440" tIns="45720" rIns="91440" bIns="45720" numCol="1" spcCol="0" rtlCol="0" fromWordArt="0" anchor="ctr" anchorCtr="0" forceAA="0" compatLnSpc="1">
-            <a:noAutofit/>
-          </a:bodyPr>
-          <a:lstStyle/>
-          <a:p>
-            <a:pPr algn="ctr"/>
-            <a:endParaRPr lang="zh-CN" altLang="en-US"/>
-          </a:p>
-        </p:txBody>
-      </p:sp>
-      <p:sp>
-        <p:nvSpPr>
-          <p:cNvPr id="19" name="矩形 18"/>
-          <p:cNvSpPr/>
-          <p:nvPr/>
-        </p:nvSpPr>
-        <p:spPr>
-          <a:xfrm>
-            <a:off x="5308740" y="3013326"/>
-            <a:ext cx="1638300" cy="113341"/>
-          </a:xfrm>
-          <a:prstGeom prst="rect">
-            <a:avLst/>
-          </a:prstGeom>
-          <a:solidFill>
-            <a:srgbClr val="FFC000"/>
-          </a:solidFill>
-          <a:ln>
-            <a:noFill/>
-          </a:ln>
-        </p:spPr>
-        <p:style>
-          <a:lnRef idx="2">
-            <a:schemeClr val="accent1">
-              <a:shade val="50000"/>
-            </a:schemeClr>
-          </a:lnRef>
-          <a:fillRef idx="1">
-            <a:schemeClr val="accent1"/>
-          </a:fillRef>
-          <a:effectRef idx="0">
-            <a:schemeClr val="accent1"/>
-          </a:effectRef>
-          <a:fontRef idx="minor">
-            <a:schemeClr val="lt1"/>
-          </a:fontRef>
-        </p:style>
-        <p:txBody>
-          <a:bodyPr rot="0" spcFirstLastPara="0" vertOverflow="overflow" horzOverflow="overflow" vert="horz" wrap="square" lIns="91440" tIns="45720" rIns="91440" bIns="45720" numCol="1" spcCol="0" rtlCol="0" fromWordArt="0" anchor="ctr" anchorCtr="0" forceAA="0" compatLnSpc="1">
-            <a:noAutofit/>
-          </a:bodyPr>
-          <a:lstStyle/>
-          <a:p>
-            <a:pPr algn="ctr"/>
-            <a:endParaRPr lang="zh-CN" altLang="en-US"/>
-          </a:p>
-        </p:txBody>
-      </p:sp>
-      <p:sp>
-        <p:nvSpPr>
-          <p:cNvPr id="20" name="矩形 19"/>
-          <p:cNvSpPr/>
-          <p:nvPr/>
-        </p:nvSpPr>
-        <p:spPr>
-          <a:xfrm>
-            <a:off x="7169290" y="3013326"/>
-            <a:ext cx="1638300" cy="113341"/>
-          </a:xfrm>
-          <a:prstGeom prst="rect">
-            <a:avLst/>
-          </a:prstGeom>
-          <a:solidFill>
-            <a:srgbClr val="FFFF00"/>
-          </a:solidFill>
-          <a:ln>
-            <a:noFill/>
-          </a:ln>
-        </p:spPr>
-        <p:style>
-          <a:lnRef idx="2">
-            <a:schemeClr val="accent1">
-              <a:shade val="50000"/>
-            </a:schemeClr>
-          </a:lnRef>
-          <a:fillRef idx="1">
-            <a:schemeClr val="accent1"/>
-          </a:fillRef>
-          <a:effectRef idx="0">
-            <a:schemeClr val="accent1"/>
-          </a:effectRef>
-          <a:fontRef idx="minor">
-            <a:schemeClr val="lt1"/>
-          </a:fontRef>
-        </p:style>
-        <p:txBody>
-          <a:bodyPr rot="0" spcFirstLastPara="0" vertOverflow="overflow" horzOverflow="overflow" vert="horz" wrap="square" lIns="91440" tIns="45720" rIns="91440" bIns="45720" numCol="1" spcCol="0" rtlCol="0" fromWordArt="0" anchor="ctr" anchorCtr="0" forceAA="0" compatLnSpc="1">
-            <a:noAutofit/>
-          </a:bodyPr>
-          <a:lstStyle/>
-          <a:p>
-            <a:pPr algn="ctr"/>
-            <a:endParaRPr lang="zh-CN" altLang="en-US"/>
-          </a:p>
-        </p:txBody>
-      </p:sp>
-      <p:sp>
-        <p:nvSpPr>
-          <p:cNvPr id="21" name="矩形 20"/>
-          <p:cNvSpPr/>
-          <p:nvPr/>
-        </p:nvSpPr>
-        <p:spPr>
-          <a:xfrm>
-            <a:off x="3444542" y="4562726"/>
-            <a:ext cx="1638300" cy="113341"/>
-          </a:xfrm>
-          <a:prstGeom prst="rect">
-            <a:avLst/>
-          </a:prstGeom>
-          <a:solidFill>
-            <a:srgbClr val="92D050"/>
-          </a:solidFill>
-          <a:ln>
-            <a:noFill/>
-          </a:ln>
-        </p:spPr>
-        <p:style>
-          <a:lnRef idx="2">
-            <a:schemeClr val="accent1">
-              <a:shade val="50000"/>
-            </a:schemeClr>
-          </a:lnRef>
-          <a:fillRef idx="1">
-            <a:schemeClr val="accent1"/>
-          </a:fillRef>
-          <a:effectRef idx="0">
-            <a:schemeClr val="accent1"/>
-          </a:effectRef>
-          <a:fontRef idx="minor">
-            <a:schemeClr val="lt1"/>
-          </a:fontRef>
-        </p:style>
-        <p:txBody>
-          <a:bodyPr rot="0" spcFirstLastPara="0" vertOverflow="overflow" horzOverflow="overflow" vert="horz" wrap="square" lIns="91440" tIns="45720" rIns="91440" bIns="45720" numCol="1" spcCol="0" rtlCol="0" fromWordArt="0" anchor="ctr" anchorCtr="0" forceAA="0" compatLnSpc="1">
-            <a:noAutofit/>
-          </a:bodyPr>
-          <a:lstStyle/>
-          <a:p>
-            <a:pPr algn="ctr"/>
-            <a:endParaRPr lang="zh-CN" altLang="en-US"/>
-          </a:p>
-        </p:txBody>
-      </p:sp>
-      <p:sp>
-        <p:nvSpPr>
-          <p:cNvPr id="22" name="矩形 21"/>
-          <p:cNvSpPr/>
-          <p:nvPr/>
-        </p:nvSpPr>
-        <p:spPr>
-          <a:xfrm>
-            <a:off x="5306916" y="4562726"/>
-            <a:ext cx="1638300" cy="113341"/>
-          </a:xfrm>
-          <a:prstGeom prst="rect">
-            <a:avLst/>
-          </a:prstGeom>
-          <a:solidFill>
-            <a:srgbClr val="00B0F0"/>
-          </a:solidFill>
-          <a:ln>
-            <a:noFill/>
-          </a:ln>
-        </p:spPr>
-        <p:style>
-          <a:lnRef idx="2">
-            <a:schemeClr val="accent1">
-              <a:shade val="50000"/>
-            </a:schemeClr>
-          </a:lnRef>
-          <a:fillRef idx="1">
-            <a:schemeClr val="accent1"/>
-          </a:fillRef>
-          <a:effectRef idx="0">
-            <a:schemeClr val="accent1"/>
-          </a:effectRef>
-          <a:fontRef idx="minor">
-            <a:schemeClr val="lt1"/>
-          </a:fontRef>
-        </p:style>
-        <p:txBody>
-          <a:bodyPr rot="0" spcFirstLastPara="0" vertOverflow="overflow" horzOverflow="overflow" vert="horz" wrap="square" lIns="91440" tIns="45720" rIns="91440" bIns="45720" numCol="1" spcCol="0" rtlCol="0" fromWordArt="0" anchor="ctr" anchorCtr="0" forceAA="0" compatLnSpc="1">
-            <a:noAutofit/>
-          </a:bodyPr>
-          <a:lstStyle/>
-          <a:p>
-            <a:pPr algn="ctr"/>
-            <a:endParaRPr lang="zh-CN" altLang="en-US"/>
-          </a:p>
-        </p:txBody>
-      </p:sp>
-      <p:sp>
-        <p:nvSpPr>
-          <p:cNvPr id="23" name="矩形 22"/>
-          <p:cNvSpPr/>
-          <p:nvPr/>
-        </p:nvSpPr>
-        <p:spPr>
-          <a:xfrm>
-            <a:off x="7169290" y="4562726"/>
-            <a:ext cx="1638300" cy="113341"/>
-          </a:xfrm>
-          <a:prstGeom prst="rect">
-            <a:avLst/>
-          </a:prstGeom>
-          <a:solidFill>
-            <a:srgbClr val="002060"/>
-          </a:solidFill>
-          <a:ln>
-            <a:noFill/>
-          </a:ln>
-        </p:spPr>
-        <p:style>
-          <a:lnRef idx="2">
-            <a:schemeClr val="accent1">
-              <a:shade val="50000"/>
-            </a:schemeClr>
-          </a:lnRef>
-          <a:fillRef idx="1">
-            <a:schemeClr val="accent1"/>
-          </a:fillRef>
-          <a:effectRef idx="0">
-            <a:schemeClr val="accent1"/>
-          </a:effectRef>
-          <a:fontRef idx="minor">
-            <a:schemeClr val="lt1"/>
-          </a:fontRef>
-        </p:style>
-        <p:txBody>
-          <a:bodyPr rot="0" spcFirstLastPara="0" vertOverflow="overflow" horzOverflow="overflow" vert="horz" wrap="square" lIns="91440" tIns="45720" rIns="91440" bIns="45720" numCol="1" spcCol="0" rtlCol="0" fromWordArt="0" anchor="ctr" anchorCtr="0" forceAA="0" compatLnSpc="1">
-            <a:noAutofit/>
-          </a:bodyPr>
-          <a:lstStyle/>
-          <a:p>
-            <a:pPr algn="ctr"/>
-            <a:endParaRPr lang="zh-CN" altLang="en-US"/>
-          </a:p>
-        </p:txBody>
-      </p:sp>
-    </p:spTree>
-  </p:cSld>
-  <p:clrMapOvr>
-    <a:masterClrMapping/>
-  </p:clrMapOvr>
-  <mc:AlternateContent xmlns:mc="http://schemas.openxmlformats.org/markup-compatibility/2006" xmlns:p14="http://schemas.microsoft.com/office/powerpoint/2010/main">
-    <mc:Choice Requires="p14">
-      <p:transition spd="med" p14:dur="700">
-        <p:fade/>
-      </p:transition>
-    </mc:Choice>
-    <mc:Fallback xmlns="">
-      <p:transition spd="med">
-        <p:fade/>
-      </p:transition>
-    </mc:Fallback>
-  </mc:AlternateContent>
-</p:sld>
-</file>
-
-<file path=ppt/slides/slide41.xml><?xml version="1.0" encoding="utf-8"?>
+<file path=ppt/slides/slide48.xml><?xml version="1.0" encoding="utf-8"?>
 <p:sld xmlns:a="http://schemas.openxmlformats.org/drawingml/2006/main" xmlns:r="http://schemas.openxmlformats.org/officeDocument/2006/relationships" xmlns:p="http://schemas.openxmlformats.org/presentationml/2006/main">
   <p:cSld>
     <p:spTree>
@@ -38548,7 +41980,7 @@
 </p:sld>
 </file>
 
-<file path=ppt/slides/slide42.xml><?xml version="1.0" encoding="utf-8"?>
+<file path=ppt/slides/slide49.xml><?xml version="1.0" encoding="utf-8"?>
 <p:sld xmlns:a="http://schemas.openxmlformats.org/drawingml/2006/main" xmlns:r="http://schemas.openxmlformats.org/officeDocument/2006/relationships" xmlns:p="http://schemas.openxmlformats.org/presentationml/2006/main">
   <p:cSld>
     <p:spTree>
@@ -42162,7 +45594,1006 @@
 </p:sld>
 </file>
 
-<file path=ppt/slides/slide43.xml><?xml version="1.0" encoding="utf-8"?>
+<file path=ppt/slides/slide5.xml><?xml version="1.0" encoding="utf-8"?>
+<p:sld xmlns:a="http://schemas.openxmlformats.org/drawingml/2006/main" xmlns:r="http://schemas.openxmlformats.org/officeDocument/2006/relationships" xmlns:p="http://schemas.openxmlformats.org/presentationml/2006/main">
+  <p:cSld>
+    <p:spTree>
+      <p:nvGrpSpPr>
+        <p:cNvPr id="1" name=""/>
+        <p:cNvGrpSpPr/>
+        <p:nvPr/>
+      </p:nvGrpSpPr>
+      <p:grpSpPr>
+        <a:xfrm>
+          <a:off x="0" y="0"/>
+          <a:ext cx="0" cy="0"/>
+          <a:chOff x="0" y="0"/>
+          <a:chExt cx="0" cy="0"/>
+        </a:xfrm>
+      </p:grpSpPr>
+      <p:sp>
+        <p:nvSpPr>
+          <p:cNvPr id="2" name="矩形 1"/>
+          <p:cNvSpPr/>
+          <p:nvPr/>
+        </p:nvSpPr>
+        <p:spPr>
+          <a:xfrm>
+            <a:off x="0" y="60523"/>
+            <a:ext cx="2051074" cy="307777"/>
+          </a:xfrm>
+          <a:prstGeom prst="rect">
+            <a:avLst/>
+          </a:prstGeom>
+        </p:spPr>
+        <p:txBody>
+          <a:bodyPr wrap="none">
+            <a:spAutoFit/>
+          </a:bodyPr>
+          <a:lstStyle/>
+          <a:p>
+            <a:r>
+              <a:rPr lang="en-US" altLang="zh-CN" sz="1400" b="1" dirty="0"/>
+              <a:t>PART ONE </a:t>
+            </a:r>
+            <a:r>
+              <a:rPr lang="zh-CN" altLang="en-US" sz="1400" b="1" dirty="0"/>
+              <a:t>初识神经网络</a:t>
+            </a:r>
+          </a:p>
+        </p:txBody>
+      </p:sp>
+      <p:sp>
+        <p:nvSpPr>
+          <p:cNvPr id="3" name="椭圆 2"/>
+          <p:cNvSpPr/>
+          <p:nvPr/>
+        </p:nvSpPr>
+        <p:spPr>
+          <a:xfrm>
+            <a:off x="2043586" y="157740"/>
+            <a:ext cx="130917" cy="113341"/>
+          </a:xfrm>
+          <a:prstGeom prst="ellipse">
+            <a:avLst/>
+          </a:prstGeom>
+          <a:solidFill>
+            <a:srgbClr val="FF0000"/>
+          </a:solidFill>
+          <a:ln>
+            <a:noFill/>
+          </a:ln>
+        </p:spPr>
+        <p:style>
+          <a:lnRef idx="2">
+            <a:schemeClr val="accent1">
+              <a:shade val="50000"/>
+            </a:schemeClr>
+          </a:lnRef>
+          <a:fillRef idx="1">
+            <a:schemeClr val="accent1"/>
+          </a:fillRef>
+          <a:effectRef idx="0">
+            <a:schemeClr val="accent1"/>
+          </a:effectRef>
+          <a:fontRef idx="minor">
+            <a:schemeClr val="lt1"/>
+          </a:fontRef>
+        </p:style>
+        <p:txBody>
+          <a:bodyPr rot="0" spcFirstLastPara="0" vertOverflow="overflow" horzOverflow="overflow" vert="horz" wrap="square" lIns="91440" tIns="45720" rIns="91440" bIns="45720" numCol="1" spcCol="0" rtlCol="0" fromWordArt="0" anchor="ctr" anchorCtr="0" forceAA="0" compatLnSpc="1">
+            <a:noAutofit/>
+          </a:bodyPr>
+          <a:lstStyle/>
+          <a:p>
+            <a:pPr algn="ctr"/>
+            <a:endParaRPr lang="zh-CN" altLang="en-US" sz="4400"/>
+          </a:p>
+        </p:txBody>
+      </p:sp>
+      <p:sp>
+        <p:nvSpPr>
+          <p:cNvPr id="6" name="矩形 5"/>
+          <p:cNvSpPr/>
+          <p:nvPr/>
+        </p:nvSpPr>
+        <p:spPr>
+          <a:xfrm>
+            <a:off x="959621" y="755951"/>
+            <a:ext cx="2339102" cy="523220"/>
+          </a:xfrm>
+          <a:prstGeom prst="rect">
+            <a:avLst/>
+          </a:prstGeom>
+        </p:spPr>
+        <p:txBody>
+          <a:bodyPr wrap="none">
+            <a:spAutoFit/>
+          </a:bodyPr>
+          <a:lstStyle/>
+          <a:p>
+            <a:r>
+              <a:rPr lang="zh-CN" altLang="en-US" sz="2800" dirty="0"/>
+              <a:t>初识神经网络</a:t>
+            </a:r>
+          </a:p>
+        </p:txBody>
+      </p:sp>
+      <p:sp>
+        <p:nvSpPr>
+          <p:cNvPr id="7" name="矩形 6"/>
+          <p:cNvSpPr/>
+          <p:nvPr/>
+        </p:nvSpPr>
+        <p:spPr>
+          <a:xfrm>
+            <a:off x="706233" y="1279171"/>
+            <a:ext cx="6550312" cy="2025555"/>
+          </a:xfrm>
+          <a:prstGeom prst="rect">
+            <a:avLst/>
+          </a:prstGeom>
+        </p:spPr>
+        <p:txBody>
+          <a:bodyPr wrap="square">
+            <a:spAutoFit/>
+          </a:bodyPr>
+          <a:lstStyle/>
+          <a:p>
+            <a:pPr>
+              <a:lnSpc>
+                <a:spcPct val="130000"/>
+              </a:lnSpc>
+            </a:pPr>
+            <a:r>
+              <a:rPr lang="zh-CN" altLang="en-US" sz="1400" dirty="0">
+                <a:solidFill>
+                  <a:schemeClr val="bg1">
+                    <a:lumMod val="50000"/>
+                  </a:schemeClr>
+                </a:solidFill>
+                <a:latin typeface="微软雅黑" panose="020B0503020204020204" charset="-122"/>
+                <a:ea typeface="微软雅黑" panose="020B0503020204020204" charset="-122"/>
+              </a:rPr>
+              <a:t>人工神经网络（英语：</a:t>
+            </a:r>
+            <a:r>
+              <a:rPr lang="en" altLang="zh-CN" sz="1400" dirty="0">
+                <a:solidFill>
+                  <a:schemeClr val="bg1">
+                    <a:lumMod val="50000"/>
+                  </a:schemeClr>
+                </a:solidFill>
+                <a:latin typeface="微软雅黑" panose="020B0503020204020204" charset="-122"/>
+                <a:ea typeface="微软雅黑" panose="020B0503020204020204" charset="-122"/>
+              </a:rPr>
+              <a:t>Artificial Neural Network</a:t>
+            </a:r>
+            <a:r>
+              <a:rPr lang="zh-CN" altLang="en" sz="1400" dirty="0">
+                <a:solidFill>
+                  <a:schemeClr val="bg1">
+                    <a:lumMod val="50000"/>
+                  </a:schemeClr>
+                </a:solidFill>
+                <a:latin typeface="微软雅黑" panose="020B0503020204020204" charset="-122"/>
+                <a:ea typeface="微软雅黑" panose="020B0503020204020204" charset="-122"/>
+              </a:rPr>
+              <a:t>，</a:t>
+            </a:r>
+            <a:r>
+              <a:rPr lang="en" altLang="zh-CN" sz="1400" dirty="0">
+                <a:solidFill>
+                  <a:schemeClr val="bg1">
+                    <a:lumMod val="50000"/>
+                  </a:schemeClr>
+                </a:solidFill>
+                <a:latin typeface="微软雅黑" panose="020B0503020204020204" charset="-122"/>
+                <a:ea typeface="微软雅黑" panose="020B0503020204020204" charset="-122"/>
+              </a:rPr>
+              <a:t>ANN</a:t>
+            </a:r>
+            <a:r>
+              <a:rPr lang="zh-CN" altLang="en" sz="1400" dirty="0">
+                <a:solidFill>
+                  <a:schemeClr val="bg1">
+                    <a:lumMod val="50000"/>
+                  </a:schemeClr>
+                </a:solidFill>
+                <a:latin typeface="微软雅黑" panose="020B0503020204020204" charset="-122"/>
+                <a:ea typeface="微软雅黑" panose="020B0503020204020204" charset="-122"/>
+              </a:rPr>
+              <a:t>），</a:t>
+            </a:r>
+            <a:r>
+              <a:rPr lang="zh-CN" altLang="en-US" sz="1400" dirty="0">
+                <a:solidFill>
+                  <a:schemeClr val="bg1">
+                    <a:lumMod val="50000"/>
+                  </a:schemeClr>
+                </a:solidFill>
+                <a:latin typeface="微软雅黑" panose="020B0503020204020204" charset="-122"/>
+                <a:ea typeface="微软雅黑" panose="020B0503020204020204" charset="-122"/>
+              </a:rPr>
+              <a:t>简称神经网络（</a:t>
+            </a:r>
+            <a:r>
+              <a:rPr lang="en" altLang="zh-CN" sz="1400" dirty="0">
+                <a:solidFill>
+                  <a:schemeClr val="bg1">
+                    <a:lumMod val="50000"/>
+                  </a:schemeClr>
+                </a:solidFill>
+                <a:latin typeface="微软雅黑" panose="020B0503020204020204" charset="-122"/>
+                <a:ea typeface="微软雅黑" panose="020B0503020204020204" charset="-122"/>
+              </a:rPr>
+              <a:t>Neural Network</a:t>
+            </a:r>
+            <a:r>
+              <a:rPr lang="zh-CN" altLang="en" sz="1400" dirty="0">
+                <a:solidFill>
+                  <a:schemeClr val="bg1">
+                    <a:lumMod val="50000"/>
+                  </a:schemeClr>
+                </a:solidFill>
+                <a:latin typeface="微软雅黑" panose="020B0503020204020204" charset="-122"/>
+                <a:ea typeface="微软雅黑" panose="020B0503020204020204" charset="-122"/>
+              </a:rPr>
+              <a:t>，</a:t>
+            </a:r>
+            <a:r>
+              <a:rPr lang="en" altLang="zh-CN" sz="1400" dirty="0">
+                <a:solidFill>
+                  <a:schemeClr val="bg1">
+                    <a:lumMod val="50000"/>
+                  </a:schemeClr>
+                </a:solidFill>
+                <a:latin typeface="微软雅黑" panose="020B0503020204020204" charset="-122"/>
+                <a:ea typeface="微软雅黑" panose="020B0503020204020204" charset="-122"/>
+              </a:rPr>
+              <a:t>NN</a:t>
+            </a:r>
+            <a:r>
+              <a:rPr lang="zh-CN" altLang="en" sz="1400" dirty="0">
+                <a:solidFill>
+                  <a:schemeClr val="bg1">
+                    <a:lumMod val="50000"/>
+                  </a:schemeClr>
+                </a:solidFill>
+                <a:latin typeface="微软雅黑" panose="020B0503020204020204" charset="-122"/>
+                <a:ea typeface="微软雅黑" panose="020B0503020204020204" charset="-122"/>
+              </a:rPr>
+              <a:t>）</a:t>
+            </a:r>
+            <a:r>
+              <a:rPr lang="zh-CN" altLang="en-US" sz="1400" dirty="0">
+                <a:solidFill>
+                  <a:schemeClr val="bg1">
+                    <a:lumMod val="50000"/>
+                  </a:schemeClr>
+                </a:solidFill>
+                <a:latin typeface="微软雅黑" panose="020B0503020204020204" charset="-122"/>
+                <a:ea typeface="微软雅黑" panose="020B0503020204020204" charset="-122"/>
+              </a:rPr>
+              <a:t>或类神经网络，在</a:t>
+            </a:r>
+            <a:r>
+              <a:rPr lang="zh-CN" altLang="en-US" sz="1400" dirty="0">
+                <a:solidFill>
+                  <a:schemeClr val="bg1">
+                    <a:lumMod val="50000"/>
+                  </a:schemeClr>
+                </a:solidFill>
+                <a:latin typeface="微软雅黑" panose="020B0503020204020204" charset="-122"/>
+                <a:ea typeface="微软雅黑" panose="020B0503020204020204" charset="-122"/>
+                <a:hlinkClick r:id="rId2" tooltip="机器学习"/>
+              </a:rPr>
+              <a:t>机器学习</a:t>
+            </a:r>
+            <a:r>
+              <a:rPr lang="zh-CN" altLang="en-US" sz="1400" dirty="0">
+                <a:solidFill>
+                  <a:schemeClr val="bg1">
+                    <a:lumMod val="50000"/>
+                  </a:schemeClr>
+                </a:solidFill>
+                <a:latin typeface="微软雅黑" panose="020B0503020204020204" charset="-122"/>
+                <a:ea typeface="微软雅黑" panose="020B0503020204020204" charset="-122"/>
+              </a:rPr>
+              <a:t>和</a:t>
+            </a:r>
+            <a:r>
+              <a:rPr lang="zh-CN" altLang="en-US" sz="1400" dirty="0">
+                <a:solidFill>
+                  <a:schemeClr val="bg1">
+                    <a:lumMod val="50000"/>
+                  </a:schemeClr>
+                </a:solidFill>
+                <a:latin typeface="微软雅黑" panose="020B0503020204020204" charset="-122"/>
+                <a:ea typeface="微软雅黑" panose="020B0503020204020204" charset="-122"/>
+                <a:hlinkClick r:id="rId3" tooltip="认知科学"/>
+              </a:rPr>
+              <a:t>认知科学</a:t>
+            </a:r>
+            <a:r>
+              <a:rPr lang="zh-CN" altLang="en-US" sz="1400" dirty="0">
+                <a:solidFill>
+                  <a:schemeClr val="bg1">
+                    <a:lumMod val="50000"/>
+                  </a:schemeClr>
+                </a:solidFill>
+                <a:latin typeface="微软雅黑" panose="020B0503020204020204" charset="-122"/>
+                <a:ea typeface="微软雅黑" panose="020B0503020204020204" charset="-122"/>
+              </a:rPr>
+              <a:t>领域，是一种模仿</a:t>
+            </a:r>
+            <a:r>
+              <a:rPr lang="zh-CN" altLang="en-US" sz="1400" dirty="0">
+                <a:solidFill>
+                  <a:schemeClr val="bg1">
+                    <a:lumMod val="50000"/>
+                  </a:schemeClr>
+                </a:solidFill>
+                <a:latin typeface="微软雅黑" panose="020B0503020204020204" charset="-122"/>
+                <a:ea typeface="微软雅黑" panose="020B0503020204020204" charset="-122"/>
+                <a:hlinkClick r:id="rId4" tooltip="生物神经网络"/>
+              </a:rPr>
+              <a:t>生物神经网络</a:t>
+            </a:r>
+            <a:r>
+              <a:rPr lang="zh-CN" altLang="en-US" sz="1400" dirty="0">
+                <a:solidFill>
+                  <a:schemeClr val="bg1">
+                    <a:lumMod val="50000"/>
+                  </a:schemeClr>
+                </a:solidFill>
+                <a:latin typeface="微软雅黑" panose="020B0503020204020204" charset="-122"/>
+                <a:ea typeface="微软雅黑" panose="020B0503020204020204" charset="-122"/>
+              </a:rPr>
+              <a:t>（动物的</a:t>
+            </a:r>
+            <a:r>
+              <a:rPr lang="zh-CN" altLang="en-US" sz="1400" dirty="0">
+                <a:solidFill>
+                  <a:schemeClr val="bg1">
+                    <a:lumMod val="50000"/>
+                  </a:schemeClr>
+                </a:solidFill>
+                <a:latin typeface="微软雅黑" panose="020B0503020204020204" charset="-122"/>
+                <a:ea typeface="微软雅黑" panose="020B0503020204020204" charset="-122"/>
+                <a:hlinkClick r:id="rId5" tooltip="中枢神经系统"/>
+              </a:rPr>
+              <a:t>中枢神经系统</a:t>
+            </a:r>
+            <a:r>
+              <a:rPr lang="zh-CN" altLang="en-US" sz="1400" dirty="0">
+                <a:solidFill>
+                  <a:schemeClr val="bg1">
+                    <a:lumMod val="50000"/>
+                  </a:schemeClr>
+                </a:solidFill>
+                <a:latin typeface="微软雅黑" panose="020B0503020204020204" charset="-122"/>
+                <a:ea typeface="微软雅黑" panose="020B0503020204020204" charset="-122"/>
+              </a:rPr>
+              <a:t>，特别是</a:t>
+            </a:r>
+            <a:r>
+              <a:rPr lang="zh-CN" altLang="en-US" sz="1400" dirty="0">
+                <a:solidFill>
+                  <a:schemeClr val="bg1">
+                    <a:lumMod val="50000"/>
+                  </a:schemeClr>
+                </a:solidFill>
+                <a:latin typeface="微软雅黑" panose="020B0503020204020204" charset="-122"/>
+                <a:ea typeface="微软雅黑" panose="020B0503020204020204" charset="-122"/>
+                <a:hlinkClick r:id="rId6" tooltip="大脑"/>
+              </a:rPr>
+              <a:t>大脑</a:t>
+            </a:r>
+            <a:r>
+              <a:rPr lang="zh-CN" altLang="en-US" sz="1400" dirty="0">
+                <a:solidFill>
+                  <a:schemeClr val="bg1">
+                    <a:lumMod val="50000"/>
+                  </a:schemeClr>
+                </a:solidFill>
+                <a:latin typeface="微软雅黑" panose="020B0503020204020204" charset="-122"/>
+                <a:ea typeface="微软雅黑" panose="020B0503020204020204" charset="-122"/>
+              </a:rPr>
+              <a:t>）的结构和功能的</a:t>
+            </a:r>
+            <a:r>
+              <a:rPr lang="zh-CN" altLang="en-US" sz="1400" dirty="0">
+                <a:solidFill>
+                  <a:schemeClr val="bg1">
+                    <a:lumMod val="50000"/>
+                  </a:schemeClr>
+                </a:solidFill>
+                <a:latin typeface="微软雅黑" panose="020B0503020204020204" charset="-122"/>
+                <a:ea typeface="微软雅黑" panose="020B0503020204020204" charset="-122"/>
+                <a:hlinkClick r:id="rId7" tooltip="数学模型"/>
+              </a:rPr>
+              <a:t>数学模型</a:t>
+            </a:r>
+            <a:r>
+              <a:rPr lang="zh-CN" altLang="en-US" sz="1400" dirty="0">
+                <a:solidFill>
+                  <a:schemeClr val="bg1">
+                    <a:lumMod val="50000"/>
+                  </a:schemeClr>
+                </a:solidFill>
+                <a:latin typeface="微软雅黑" panose="020B0503020204020204" charset="-122"/>
+                <a:ea typeface="微软雅黑" panose="020B0503020204020204" charset="-122"/>
+              </a:rPr>
+              <a:t>或</a:t>
+            </a:r>
+            <a:r>
+              <a:rPr lang="zh-CN" altLang="en-US" sz="1400" dirty="0">
+                <a:solidFill>
+                  <a:schemeClr val="bg1">
+                    <a:lumMod val="50000"/>
+                  </a:schemeClr>
+                </a:solidFill>
+                <a:latin typeface="微软雅黑" panose="020B0503020204020204" charset="-122"/>
+                <a:ea typeface="微软雅黑" panose="020B0503020204020204" charset="-122"/>
+                <a:hlinkClick r:id="rId8" tooltip="计算模型"/>
+              </a:rPr>
+              <a:t>计算模型</a:t>
+            </a:r>
+            <a:r>
+              <a:rPr lang="zh-CN" altLang="en-US" sz="1400" dirty="0">
+                <a:solidFill>
+                  <a:schemeClr val="bg1">
+                    <a:lumMod val="50000"/>
+                  </a:schemeClr>
+                </a:solidFill>
+                <a:latin typeface="微软雅黑" panose="020B0503020204020204" charset="-122"/>
+                <a:ea typeface="微软雅黑" panose="020B0503020204020204" charset="-122"/>
+              </a:rPr>
+              <a:t>，用于对</a:t>
+            </a:r>
+            <a:r>
+              <a:rPr lang="zh-CN" altLang="en-US" sz="1400" dirty="0">
+                <a:solidFill>
+                  <a:schemeClr val="bg1">
+                    <a:lumMod val="50000"/>
+                  </a:schemeClr>
+                </a:solidFill>
+                <a:latin typeface="微软雅黑" panose="020B0503020204020204" charset="-122"/>
+                <a:ea typeface="微软雅黑" panose="020B0503020204020204" charset="-122"/>
+                <a:hlinkClick r:id="rId9" tooltip="函数"/>
+              </a:rPr>
+              <a:t>函数</a:t>
+            </a:r>
+            <a:r>
+              <a:rPr lang="zh-CN" altLang="en-US" sz="1400" dirty="0">
+                <a:solidFill>
+                  <a:schemeClr val="bg1">
+                    <a:lumMod val="50000"/>
+                  </a:schemeClr>
+                </a:solidFill>
+                <a:latin typeface="微软雅黑" panose="020B0503020204020204" charset="-122"/>
+                <a:ea typeface="微软雅黑" panose="020B0503020204020204" charset="-122"/>
+              </a:rPr>
+              <a:t>进行估计或近似。神经网络由大量的人工神经元联结进行计算。大多数情况下人工神经网络能在外界信息的基础上改变内部结构，是一种</a:t>
+            </a:r>
+            <a:r>
+              <a:rPr lang="zh-CN" altLang="en-US" sz="1400" dirty="0">
+                <a:solidFill>
+                  <a:schemeClr val="bg1">
+                    <a:lumMod val="50000"/>
+                  </a:schemeClr>
+                </a:solidFill>
+                <a:latin typeface="微软雅黑" panose="020B0503020204020204" charset="-122"/>
+                <a:ea typeface="微软雅黑" panose="020B0503020204020204" charset="-122"/>
+                <a:hlinkClick r:id="rId10" tooltip="自适应系统（页面不存在）"/>
+              </a:rPr>
+              <a:t>自适应系统</a:t>
+            </a:r>
+            <a:r>
+              <a:rPr lang="zh-CN" altLang="en-US" sz="1400" dirty="0">
+                <a:solidFill>
+                  <a:schemeClr val="bg1">
+                    <a:lumMod val="50000"/>
+                  </a:schemeClr>
+                </a:solidFill>
+                <a:latin typeface="微软雅黑" panose="020B0503020204020204" charset="-122"/>
+                <a:ea typeface="微软雅黑" panose="020B0503020204020204" charset="-122"/>
+              </a:rPr>
+              <a:t>，通俗的讲就是具备学习功能。现代神经网络是一种</a:t>
+            </a:r>
+            <a:r>
+              <a:rPr lang="zh-CN" altLang="en-US" sz="1400" dirty="0">
+                <a:solidFill>
+                  <a:schemeClr val="bg1">
+                    <a:lumMod val="50000"/>
+                  </a:schemeClr>
+                </a:solidFill>
+                <a:latin typeface="微软雅黑" panose="020B0503020204020204" charset="-122"/>
+                <a:ea typeface="微软雅黑" panose="020B0503020204020204" charset="-122"/>
+                <a:hlinkClick r:id="rId11" tooltip="非线性"/>
+              </a:rPr>
+              <a:t>非线性</a:t>
+            </a:r>
+            <a:r>
+              <a:rPr lang="zh-CN" altLang="en-US" sz="1400" dirty="0">
+                <a:solidFill>
+                  <a:schemeClr val="bg1">
+                    <a:lumMod val="50000"/>
+                  </a:schemeClr>
+                </a:solidFill>
+                <a:latin typeface="微软雅黑" panose="020B0503020204020204" charset="-122"/>
+                <a:ea typeface="微软雅黑" panose="020B0503020204020204" charset="-122"/>
+                <a:hlinkClick r:id="rId12" tooltip="统计性数据建模（页面不存在）"/>
+              </a:rPr>
+              <a:t>统计性数据建模</a:t>
+            </a:r>
+            <a:r>
+              <a:rPr lang="zh-CN" altLang="en-US" sz="1400" dirty="0">
+                <a:solidFill>
+                  <a:schemeClr val="bg1">
+                    <a:lumMod val="50000"/>
+                  </a:schemeClr>
+                </a:solidFill>
+                <a:latin typeface="微软雅黑" panose="020B0503020204020204" charset="-122"/>
+                <a:ea typeface="微软雅黑" panose="020B0503020204020204" charset="-122"/>
+              </a:rPr>
+              <a:t>工具。它一般长下面这样：</a:t>
+            </a:r>
+          </a:p>
+        </p:txBody>
+      </p:sp>
+      <p:pic>
+        <p:nvPicPr>
+          <p:cNvPr id="4" name="图片 3">
+            <a:extLst>
+              <a:ext uri="{FF2B5EF4-FFF2-40B4-BE49-F238E27FC236}">
+                <a16:creationId xmlns:a16="http://schemas.microsoft.com/office/drawing/2014/main" id="{420A9A7D-D2FE-3042-86DD-C463EB1404BE}"/>
+              </a:ext>
+            </a:extLst>
+          </p:cNvPr>
+          <p:cNvPicPr>
+            <a:picLocks noChangeAspect="1"/>
+          </p:cNvPicPr>
+          <p:nvPr/>
+        </p:nvPicPr>
+        <p:blipFill>
+          <a:blip r:embed="rId13"/>
+          <a:stretch>
+            <a:fillRect/>
+          </a:stretch>
+        </p:blipFill>
+        <p:spPr>
+          <a:xfrm>
+            <a:off x="706233" y="3304726"/>
+            <a:ext cx="3467544" cy="2849417"/>
+          </a:xfrm>
+          <a:prstGeom prst="rect">
+            <a:avLst/>
+          </a:prstGeom>
+        </p:spPr>
+      </p:pic>
+      <p:sp>
+        <p:nvSpPr>
+          <p:cNvPr id="10" name="文本框 9">
+            <a:extLst>
+              <a:ext uri="{FF2B5EF4-FFF2-40B4-BE49-F238E27FC236}">
+                <a16:creationId xmlns:a16="http://schemas.microsoft.com/office/drawing/2014/main" id="{7742216B-203B-8841-9466-5E9BDF94B650}"/>
+              </a:ext>
+            </a:extLst>
+          </p:cNvPr>
+          <p:cNvSpPr txBox="1"/>
+          <p:nvPr/>
+        </p:nvSpPr>
+        <p:spPr>
+          <a:xfrm>
+            <a:off x="4285559" y="3518571"/>
+            <a:ext cx="3888955" cy="738664"/>
+          </a:xfrm>
+          <a:prstGeom prst="rect">
+            <a:avLst/>
+          </a:prstGeom>
+          <a:noFill/>
+        </p:spPr>
+        <p:txBody>
+          <a:bodyPr wrap="square" rtlCol="0">
+            <a:spAutoFit/>
+          </a:bodyPr>
+          <a:lstStyle/>
+          <a:p>
+            <a:r>
+              <a:rPr lang="zh-CN" altLang="en-US" sz="1400" dirty="0">
+                <a:solidFill>
+                  <a:schemeClr val="bg1">
+                    <a:lumMod val="50000"/>
+                  </a:schemeClr>
+                </a:solidFill>
+                <a:latin typeface="微软雅黑" panose="020B0503020204020204" charset="-122"/>
+                <a:ea typeface="微软雅黑" panose="020B0503020204020204" charset="-122"/>
+              </a:rPr>
+              <a:t>它一般由 </a:t>
+            </a:r>
+            <a:r>
+              <a:rPr lang="zh-CN" altLang="en-US" sz="1400" dirty="0">
+                <a:solidFill>
+                  <a:srgbClr val="00B050"/>
+                </a:solidFill>
+                <a:latin typeface="微软雅黑" panose="020B0503020204020204" charset="-122"/>
+                <a:ea typeface="微软雅黑" panose="020B0503020204020204" charset="-122"/>
+              </a:rPr>
+              <a:t>输入层</a:t>
+            </a:r>
+            <a:r>
+              <a:rPr lang="zh-CN" altLang="en-US" sz="1400" dirty="0">
+                <a:solidFill>
+                  <a:schemeClr val="bg1">
+                    <a:lumMod val="50000"/>
+                  </a:schemeClr>
+                </a:solidFill>
+                <a:latin typeface="微软雅黑" panose="020B0503020204020204" charset="-122"/>
+                <a:ea typeface="微软雅黑" panose="020B0503020204020204" charset="-122"/>
+              </a:rPr>
+              <a:t>，</a:t>
+            </a:r>
+            <a:r>
+              <a:rPr lang="zh-CN" altLang="en-US" sz="1400" dirty="0">
+                <a:solidFill>
+                  <a:srgbClr val="00B0F0"/>
+                </a:solidFill>
+                <a:latin typeface="微软雅黑" panose="020B0503020204020204" charset="-122"/>
+                <a:ea typeface="微软雅黑" panose="020B0503020204020204" charset="-122"/>
+              </a:rPr>
+              <a:t>隐藏层</a:t>
+            </a:r>
+            <a:r>
+              <a:rPr lang="zh-CN" altLang="en-US" sz="1400" dirty="0">
+                <a:solidFill>
+                  <a:schemeClr val="bg1">
+                    <a:lumMod val="50000"/>
+                  </a:schemeClr>
+                </a:solidFill>
+                <a:latin typeface="微软雅黑" panose="020B0503020204020204" charset="-122"/>
+                <a:ea typeface="微软雅黑" panose="020B0503020204020204" charset="-122"/>
+              </a:rPr>
+              <a:t>，</a:t>
+            </a:r>
+            <a:r>
+              <a:rPr lang="zh-CN" altLang="en-US" sz="1400" dirty="0">
+                <a:solidFill>
+                  <a:schemeClr val="accent2">
+                    <a:lumMod val="75000"/>
+                  </a:schemeClr>
+                </a:solidFill>
+                <a:latin typeface="微软雅黑" panose="020B0503020204020204" charset="-122"/>
+                <a:ea typeface="微软雅黑" panose="020B0503020204020204" charset="-122"/>
+              </a:rPr>
+              <a:t>输出层</a:t>
+            </a:r>
+            <a:r>
+              <a:rPr lang="zh-CN" altLang="en-US" sz="1400" dirty="0">
+                <a:solidFill>
+                  <a:schemeClr val="bg1">
+                    <a:lumMod val="50000"/>
+                  </a:schemeClr>
+                </a:solidFill>
+                <a:latin typeface="微软雅黑" panose="020B0503020204020204" charset="-122"/>
+                <a:ea typeface="微软雅黑" panose="020B0503020204020204" charset="-122"/>
+              </a:rPr>
+              <a:t>组成，其中</a:t>
+            </a:r>
+            <a:r>
+              <a:rPr lang="zh-CN" altLang="en-US" sz="1400" dirty="0">
+                <a:solidFill>
+                  <a:srgbClr val="00B0F0"/>
+                </a:solidFill>
+                <a:latin typeface="微软雅黑" panose="020B0503020204020204" charset="-122"/>
+                <a:ea typeface="微软雅黑" panose="020B0503020204020204" charset="-122"/>
+              </a:rPr>
+              <a:t>隐藏层</a:t>
+            </a:r>
+            <a:r>
+              <a:rPr lang="zh-CN" altLang="en-US" sz="1400" dirty="0">
+                <a:solidFill>
+                  <a:schemeClr val="bg1">
+                    <a:lumMod val="50000"/>
+                  </a:schemeClr>
+                </a:solidFill>
+                <a:latin typeface="微软雅黑" panose="020B0503020204020204" charset="-122"/>
+                <a:ea typeface="微软雅黑" panose="020B0503020204020204" charset="-122"/>
+              </a:rPr>
+              <a:t>可以没有也可以有多层，而基于多隐藏层神经网络的机器学习方法就叫 </a:t>
+            </a:r>
+            <a:r>
+              <a:rPr lang="zh-CN" altLang="en-US" sz="1400" dirty="0">
+                <a:solidFill>
+                  <a:srgbClr val="FF0000"/>
+                </a:solidFill>
+                <a:latin typeface="微软雅黑" panose="020B0503020204020204" charset="-122"/>
+                <a:ea typeface="微软雅黑" panose="020B0503020204020204" charset="-122"/>
+              </a:rPr>
+              <a:t>深度学习</a:t>
+            </a:r>
+          </a:p>
+        </p:txBody>
+      </p:sp>
+      <p:sp>
+        <p:nvSpPr>
+          <p:cNvPr id="13" name="矩形 12">
+            <a:extLst>
+              <a:ext uri="{FF2B5EF4-FFF2-40B4-BE49-F238E27FC236}">
+                <a16:creationId xmlns:a16="http://schemas.microsoft.com/office/drawing/2014/main" id="{597AF4B0-910B-C546-B801-0A24C959BD44}"/>
+              </a:ext>
+            </a:extLst>
+          </p:cNvPr>
+          <p:cNvSpPr/>
+          <p:nvPr/>
+        </p:nvSpPr>
+        <p:spPr>
+          <a:xfrm>
+            <a:off x="731878" y="3827946"/>
+            <a:ext cx="842089" cy="2033208"/>
+          </a:xfrm>
+          <a:prstGeom prst="rect">
+            <a:avLst/>
+          </a:prstGeom>
+          <a:noFill/>
+          <a:ln w="28575">
+            <a:solidFill>
+              <a:srgbClr val="92D050"/>
+            </a:solidFill>
+          </a:ln>
+        </p:spPr>
+        <p:style>
+          <a:lnRef idx="2">
+            <a:schemeClr val="accent1">
+              <a:shade val="50000"/>
+            </a:schemeClr>
+          </a:lnRef>
+          <a:fillRef idx="1">
+            <a:schemeClr val="accent1"/>
+          </a:fillRef>
+          <a:effectRef idx="0">
+            <a:schemeClr val="accent1"/>
+          </a:effectRef>
+          <a:fontRef idx="minor">
+            <a:schemeClr val="lt1"/>
+          </a:fontRef>
+        </p:style>
+        <p:txBody>
+          <a:bodyPr rtlCol="0" anchor="ctr"/>
+          <a:lstStyle/>
+          <a:p>
+            <a:pPr algn="ctr"/>
+            <a:endParaRPr kumimoji="1" lang="zh-CN" altLang="en-US"/>
+          </a:p>
+        </p:txBody>
+      </p:sp>
+      <p:sp>
+        <p:nvSpPr>
+          <p:cNvPr id="14" name="矩形 13">
+            <a:extLst>
+              <a:ext uri="{FF2B5EF4-FFF2-40B4-BE49-F238E27FC236}">
+                <a16:creationId xmlns:a16="http://schemas.microsoft.com/office/drawing/2014/main" id="{03023B3B-76BD-C346-8A18-0B6BCBD749E6}"/>
+              </a:ext>
+            </a:extLst>
+          </p:cNvPr>
+          <p:cNvSpPr/>
+          <p:nvPr/>
+        </p:nvSpPr>
+        <p:spPr>
+          <a:xfrm>
+            <a:off x="1912177" y="3518571"/>
+            <a:ext cx="950944" cy="2590602"/>
+          </a:xfrm>
+          <a:prstGeom prst="rect">
+            <a:avLst/>
+          </a:prstGeom>
+          <a:noFill/>
+          <a:ln w="28575">
+            <a:solidFill>
+              <a:srgbClr val="00B0F0"/>
+            </a:solidFill>
+          </a:ln>
+        </p:spPr>
+        <p:style>
+          <a:lnRef idx="2">
+            <a:schemeClr val="accent1">
+              <a:shade val="50000"/>
+            </a:schemeClr>
+          </a:lnRef>
+          <a:fillRef idx="1">
+            <a:schemeClr val="accent1"/>
+          </a:fillRef>
+          <a:effectRef idx="0">
+            <a:schemeClr val="accent1"/>
+          </a:effectRef>
+          <a:fontRef idx="minor">
+            <a:schemeClr val="lt1"/>
+          </a:fontRef>
+        </p:style>
+        <p:txBody>
+          <a:bodyPr rtlCol="0" anchor="ctr"/>
+          <a:lstStyle/>
+          <a:p>
+            <a:pPr algn="ctr"/>
+            <a:endParaRPr kumimoji="1" lang="zh-CN" altLang="en-US"/>
+          </a:p>
+        </p:txBody>
+      </p:sp>
+      <p:sp>
+        <p:nvSpPr>
+          <p:cNvPr id="15" name="矩形 14">
+            <a:extLst>
+              <a:ext uri="{FF2B5EF4-FFF2-40B4-BE49-F238E27FC236}">
+                <a16:creationId xmlns:a16="http://schemas.microsoft.com/office/drawing/2014/main" id="{E4B53CBD-3B76-984B-9486-5F98F7998270}"/>
+              </a:ext>
+            </a:extLst>
+          </p:cNvPr>
+          <p:cNvSpPr/>
+          <p:nvPr/>
+        </p:nvSpPr>
+        <p:spPr>
+          <a:xfrm>
+            <a:off x="3357334" y="4120935"/>
+            <a:ext cx="570090" cy="1395445"/>
+          </a:xfrm>
+          <a:prstGeom prst="rect">
+            <a:avLst/>
+          </a:prstGeom>
+          <a:noFill/>
+          <a:ln w="28575">
+            <a:solidFill>
+              <a:schemeClr val="accent2">
+                <a:lumMod val="75000"/>
+              </a:schemeClr>
+            </a:solidFill>
+          </a:ln>
+        </p:spPr>
+        <p:style>
+          <a:lnRef idx="2">
+            <a:schemeClr val="accent1">
+              <a:shade val="50000"/>
+            </a:schemeClr>
+          </a:lnRef>
+          <a:fillRef idx="1">
+            <a:schemeClr val="accent1"/>
+          </a:fillRef>
+          <a:effectRef idx="0">
+            <a:schemeClr val="accent1"/>
+          </a:effectRef>
+          <a:fontRef idx="minor">
+            <a:schemeClr val="lt1"/>
+          </a:fontRef>
+        </p:style>
+        <p:txBody>
+          <a:bodyPr rtlCol="0" anchor="ctr"/>
+          <a:lstStyle/>
+          <a:p>
+            <a:pPr algn="ctr"/>
+            <a:endParaRPr kumimoji="1" lang="zh-CN" altLang="en-US"/>
+          </a:p>
+        </p:txBody>
+      </p:sp>
+      <p:sp>
+        <p:nvSpPr>
+          <p:cNvPr id="11" name="矩形 10">
+            <a:extLst>
+              <a:ext uri="{FF2B5EF4-FFF2-40B4-BE49-F238E27FC236}">
+                <a16:creationId xmlns:a16="http://schemas.microsoft.com/office/drawing/2014/main" id="{15648B32-3BEA-ED40-BAA5-A1E1AB0C6109}"/>
+              </a:ext>
+            </a:extLst>
+          </p:cNvPr>
+          <p:cNvSpPr/>
+          <p:nvPr/>
+        </p:nvSpPr>
+        <p:spPr>
+          <a:xfrm>
+            <a:off x="4285559" y="4468778"/>
+            <a:ext cx="3984713" cy="1185324"/>
+          </a:xfrm>
+          <a:prstGeom prst="rect">
+            <a:avLst/>
+          </a:prstGeom>
+        </p:spPr>
+        <p:txBody>
+          <a:bodyPr wrap="square">
+            <a:spAutoFit/>
+          </a:bodyPr>
+          <a:lstStyle/>
+          <a:p>
+            <a:pPr>
+              <a:lnSpc>
+                <a:spcPct val="130000"/>
+              </a:lnSpc>
+            </a:pPr>
+            <a:r>
+              <a:rPr lang="zh-CN" altLang="en-US" sz="1400" dirty="0">
+                <a:solidFill>
+                  <a:schemeClr val="bg1">
+                    <a:lumMod val="50000"/>
+                  </a:schemeClr>
+                </a:solidFill>
+                <a:latin typeface="微软雅黑" panose="020B0503020204020204" charset="-122"/>
+                <a:ea typeface="微软雅黑" panose="020B0503020204020204" charset="-122"/>
+              </a:rPr>
+              <a:t>而如图所示的神经网络我们称为</a:t>
+            </a:r>
+            <a:r>
+              <a:rPr lang="en-US" altLang="zh-CN" sz="1400" dirty="0">
+                <a:solidFill>
+                  <a:schemeClr val="bg1">
+                    <a:lumMod val="50000"/>
+                  </a:schemeClr>
+                </a:solidFill>
+                <a:latin typeface="微软雅黑" panose="020B0503020204020204" charset="-122"/>
+                <a:ea typeface="微软雅黑" panose="020B0503020204020204" charset="-122"/>
+              </a:rPr>
+              <a:t>2</a:t>
+            </a:r>
+            <a:r>
+              <a:rPr lang="zh-CN" altLang="en-US" sz="1400" dirty="0">
+                <a:solidFill>
+                  <a:schemeClr val="bg1">
+                    <a:lumMod val="50000"/>
+                  </a:schemeClr>
+                </a:solidFill>
+                <a:latin typeface="微软雅黑" panose="020B0503020204020204" charset="-122"/>
+                <a:ea typeface="微软雅黑" panose="020B0503020204020204" charset="-122"/>
+              </a:rPr>
+              <a:t>层神经网络，</a:t>
+            </a:r>
+            <a:endParaRPr lang="en-US" altLang="zh-CN" sz="1400" dirty="0">
+              <a:solidFill>
+                <a:schemeClr val="bg1">
+                  <a:lumMod val="50000"/>
+                </a:schemeClr>
+              </a:solidFill>
+              <a:latin typeface="微软雅黑" panose="020B0503020204020204" charset="-122"/>
+              <a:ea typeface="微软雅黑" panose="020B0503020204020204" charset="-122"/>
+            </a:endParaRPr>
+          </a:p>
+          <a:p>
+            <a:pPr>
+              <a:lnSpc>
+                <a:spcPct val="130000"/>
+              </a:lnSpc>
+            </a:pPr>
+            <a:r>
+              <a:rPr lang="zh-CN" altLang="en-US" sz="1400" dirty="0">
+                <a:solidFill>
+                  <a:schemeClr val="bg1">
+                    <a:lumMod val="50000"/>
+                  </a:schemeClr>
+                </a:solidFill>
+                <a:latin typeface="微软雅黑" panose="020B0503020204020204" charset="-122"/>
+                <a:ea typeface="微软雅黑" panose="020B0503020204020204" charset="-122"/>
+              </a:rPr>
+              <a:t>我们计算层数是不把输入层算在里面的，原因也很简单，因为输入层一般都是我们喂到神经网络中的数据，是没有参数需要调整的！</a:t>
+            </a:r>
+          </a:p>
+        </p:txBody>
+      </p:sp>
+    </p:spTree>
+  </p:cSld>
+  <p:clrMapOvr>
+    <a:masterClrMapping/>
+  </p:clrMapOvr>
+  <mc:AlternateContent xmlns:mc="http://schemas.openxmlformats.org/markup-compatibility/2006" xmlns:p14="http://schemas.microsoft.com/office/powerpoint/2010/main">
+    <mc:Choice Requires="p14">
+      <p:transition spd="med" p14:dur="700">
+        <p:fade/>
+      </p:transition>
+    </mc:Choice>
+    <mc:Fallback xmlns="">
+      <p:transition spd="med">
+        <p:fade/>
+      </p:transition>
+    </mc:Fallback>
+  </mc:AlternateContent>
+</p:sld>
+</file>
+
+<file path=ppt/slides/slide50.xml><?xml version="1.0" encoding="utf-8"?>
 <p:sld xmlns:a="http://schemas.openxmlformats.org/drawingml/2006/main" xmlns:r="http://schemas.openxmlformats.org/officeDocument/2006/relationships" xmlns:p="http://schemas.openxmlformats.org/presentationml/2006/main">
   <p:cSld>
     <p:spTree>
@@ -43936,7 +48367,7 @@
 </p:sld>
 </file>
 
-<file path=ppt/slides/slide44.xml><?xml version="1.0" encoding="utf-8"?>
+<file path=ppt/slides/slide51.xml><?xml version="1.0" encoding="utf-8"?>
 <p:sld xmlns:a="http://schemas.openxmlformats.org/drawingml/2006/main" xmlns:r="http://schemas.openxmlformats.org/officeDocument/2006/relationships" xmlns:p="http://schemas.openxmlformats.org/presentationml/2006/main">
   <p:cSld>
     <p:spTree>
@@ -44122,7 +48553,7 @@
 </p:sld>
 </file>
 
-<file path=ppt/slides/slide45.xml><?xml version="1.0" encoding="utf-8"?>
+<file path=ppt/slides/slide52.xml><?xml version="1.0" encoding="utf-8"?>
 <p:sld xmlns:a="http://schemas.openxmlformats.org/drawingml/2006/main" xmlns:r="http://schemas.openxmlformats.org/officeDocument/2006/relationships" xmlns:p="http://schemas.openxmlformats.org/presentationml/2006/main">
   <p:cSld>
     <p:spTree>
@@ -45450,7 +49881,7 @@
 </p:sld>
 </file>
 
-<file path=ppt/slides/slide46.xml><?xml version="1.0" encoding="utf-8"?>
+<file path=ppt/slides/slide53.xml><?xml version="1.0" encoding="utf-8"?>
 <p:sld xmlns:a="http://schemas.openxmlformats.org/drawingml/2006/main" xmlns:r="http://schemas.openxmlformats.org/officeDocument/2006/relationships" xmlns:p="http://schemas.openxmlformats.org/presentationml/2006/main">
   <p:cSld>
     <p:spTree>
@@ -46141,7 +50572,7 @@
 </p:sld>
 </file>
 
-<file path=ppt/slides/slide47.xml><?xml version="1.0" encoding="utf-8"?>
+<file path=ppt/slides/slide54.xml><?xml version="1.0" encoding="utf-8"?>
 <p:sld xmlns:a="http://schemas.openxmlformats.org/drawingml/2006/main" xmlns:r="http://schemas.openxmlformats.org/officeDocument/2006/relationships" xmlns:p="http://schemas.openxmlformats.org/presentationml/2006/main">
   <p:cSld>
     <p:spTree>
@@ -47402,1005 +51833,6 @@
   <p:clrMapOvr>
     <a:masterClrMapping/>
   </p:clrMapOvr>
-</p:sld>
-</file>
-
-<file path=ppt/slides/slide5.xml><?xml version="1.0" encoding="utf-8"?>
-<p:sld xmlns:a="http://schemas.openxmlformats.org/drawingml/2006/main" xmlns:r="http://schemas.openxmlformats.org/officeDocument/2006/relationships" xmlns:p="http://schemas.openxmlformats.org/presentationml/2006/main">
-  <p:cSld>
-    <p:spTree>
-      <p:nvGrpSpPr>
-        <p:cNvPr id="1" name=""/>
-        <p:cNvGrpSpPr/>
-        <p:nvPr/>
-      </p:nvGrpSpPr>
-      <p:grpSpPr>
-        <a:xfrm>
-          <a:off x="0" y="0"/>
-          <a:ext cx="0" cy="0"/>
-          <a:chOff x="0" y="0"/>
-          <a:chExt cx="0" cy="0"/>
-        </a:xfrm>
-      </p:grpSpPr>
-      <p:sp>
-        <p:nvSpPr>
-          <p:cNvPr id="2" name="矩形 1"/>
-          <p:cNvSpPr/>
-          <p:nvPr/>
-        </p:nvSpPr>
-        <p:spPr>
-          <a:xfrm>
-            <a:off x="0" y="60523"/>
-            <a:ext cx="2051074" cy="307777"/>
-          </a:xfrm>
-          <a:prstGeom prst="rect">
-            <a:avLst/>
-          </a:prstGeom>
-        </p:spPr>
-        <p:txBody>
-          <a:bodyPr wrap="none">
-            <a:spAutoFit/>
-          </a:bodyPr>
-          <a:lstStyle/>
-          <a:p>
-            <a:r>
-              <a:rPr lang="en-US" altLang="zh-CN" sz="1400" b="1" dirty="0"/>
-              <a:t>PART ONE </a:t>
-            </a:r>
-            <a:r>
-              <a:rPr lang="zh-CN" altLang="en-US" sz="1400" b="1" dirty="0"/>
-              <a:t>初识神经网络</a:t>
-            </a:r>
-          </a:p>
-        </p:txBody>
-      </p:sp>
-      <p:sp>
-        <p:nvSpPr>
-          <p:cNvPr id="3" name="椭圆 2"/>
-          <p:cNvSpPr/>
-          <p:nvPr/>
-        </p:nvSpPr>
-        <p:spPr>
-          <a:xfrm>
-            <a:off x="2043586" y="157740"/>
-            <a:ext cx="130917" cy="113341"/>
-          </a:xfrm>
-          <a:prstGeom prst="ellipse">
-            <a:avLst/>
-          </a:prstGeom>
-          <a:solidFill>
-            <a:srgbClr val="FF0000"/>
-          </a:solidFill>
-          <a:ln>
-            <a:noFill/>
-          </a:ln>
-        </p:spPr>
-        <p:style>
-          <a:lnRef idx="2">
-            <a:schemeClr val="accent1">
-              <a:shade val="50000"/>
-            </a:schemeClr>
-          </a:lnRef>
-          <a:fillRef idx="1">
-            <a:schemeClr val="accent1"/>
-          </a:fillRef>
-          <a:effectRef idx="0">
-            <a:schemeClr val="accent1"/>
-          </a:effectRef>
-          <a:fontRef idx="minor">
-            <a:schemeClr val="lt1"/>
-          </a:fontRef>
-        </p:style>
-        <p:txBody>
-          <a:bodyPr rot="0" spcFirstLastPara="0" vertOverflow="overflow" horzOverflow="overflow" vert="horz" wrap="square" lIns="91440" tIns="45720" rIns="91440" bIns="45720" numCol="1" spcCol="0" rtlCol="0" fromWordArt="0" anchor="ctr" anchorCtr="0" forceAA="0" compatLnSpc="1">
-            <a:noAutofit/>
-          </a:bodyPr>
-          <a:lstStyle/>
-          <a:p>
-            <a:pPr algn="ctr"/>
-            <a:endParaRPr lang="zh-CN" altLang="en-US" sz="4400"/>
-          </a:p>
-        </p:txBody>
-      </p:sp>
-      <p:sp>
-        <p:nvSpPr>
-          <p:cNvPr id="6" name="矩形 5"/>
-          <p:cNvSpPr/>
-          <p:nvPr/>
-        </p:nvSpPr>
-        <p:spPr>
-          <a:xfrm>
-            <a:off x="959621" y="755951"/>
-            <a:ext cx="2339102" cy="523220"/>
-          </a:xfrm>
-          <a:prstGeom prst="rect">
-            <a:avLst/>
-          </a:prstGeom>
-        </p:spPr>
-        <p:txBody>
-          <a:bodyPr wrap="none">
-            <a:spAutoFit/>
-          </a:bodyPr>
-          <a:lstStyle/>
-          <a:p>
-            <a:r>
-              <a:rPr lang="zh-CN" altLang="en-US" sz="2800" dirty="0"/>
-              <a:t>初识神经网络</a:t>
-            </a:r>
-          </a:p>
-        </p:txBody>
-      </p:sp>
-      <p:sp>
-        <p:nvSpPr>
-          <p:cNvPr id="7" name="矩形 6"/>
-          <p:cNvSpPr/>
-          <p:nvPr/>
-        </p:nvSpPr>
-        <p:spPr>
-          <a:xfrm>
-            <a:off x="706233" y="1279171"/>
-            <a:ext cx="6550312" cy="2025555"/>
-          </a:xfrm>
-          <a:prstGeom prst="rect">
-            <a:avLst/>
-          </a:prstGeom>
-        </p:spPr>
-        <p:txBody>
-          <a:bodyPr wrap="square">
-            <a:spAutoFit/>
-          </a:bodyPr>
-          <a:lstStyle/>
-          <a:p>
-            <a:pPr>
-              <a:lnSpc>
-                <a:spcPct val="130000"/>
-              </a:lnSpc>
-            </a:pPr>
-            <a:r>
-              <a:rPr lang="zh-CN" altLang="en-US" sz="1400" dirty="0">
-                <a:solidFill>
-                  <a:schemeClr val="bg1">
-                    <a:lumMod val="50000"/>
-                  </a:schemeClr>
-                </a:solidFill>
-                <a:latin typeface="微软雅黑" panose="020B0503020204020204" charset="-122"/>
-                <a:ea typeface="微软雅黑" panose="020B0503020204020204" charset="-122"/>
-              </a:rPr>
-              <a:t>人工神经网络（英语：</a:t>
-            </a:r>
-            <a:r>
-              <a:rPr lang="en" altLang="zh-CN" sz="1400" dirty="0">
-                <a:solidFill>
-                  <a:schemeClr val="bg1">
-                    <a:lumMod val="50000"/>
-                  </a:schemeClr>
-                </a:solidFill>
-                <a:latin typeface="微软雅黑" panose="020B0503020204020204" charset="-122"/>
-                <a:ea typeface="微软雅黑" panose="020B0503020204020204" charset="-122"/>
-              </a:rPr>
-              <a:t>Artificial Neural Network</a:t>
-            </a:r>
-            <a:r>
-              <a:rPr lang="zh-CN" altLang="en" sz="1400" dirty="0">
-                <a:solidFill>
-                  <a:schemeClr val="bg1">
-                    <a:lumMod val="50000"/>
-                  </a:schemeClr>
-                </a:solidFill>
-                <a:latin typeface="微软雅黑" panose="020B0503020204020204" charset="-122"/>
-                <a:ea typeface="微软雅黑" panose="020B0503020204020204" charset="-122"/>
-              </a:rPr>
-              <a:t>，</a:t>
-            </a:r>
-            <a:r>
-              <a:rPr lang="en" altLang="zh-CN" sz="1400" dirty="0">
-                <a:solidFill>
-                  <a:schemeClr val="bg1">
-                    <a:lumMod val="50000"/>
-                  </a:schemeClr>
-                </a:solidFill>
-                <a:latin typeface="微软雅黑" panose="020B0503020204020204" charset="-122"/>
-                <a:ea typeface="微软雅黑" panose="020B0503020204020204" charset="-122"/>
-              </a:rPr>
-              <a:t>ANN</a:t>
-            </a:r>
-            <a:r>
-              <a:rPr lang="zh-CN" altLang="en" sz="1400" dirty="0">
-                <a:solidFill>
-                  <a:schemeClr val="bg1">
-                    <a:lumMod val="50000"/>
-                  </a:schemeClr>
-                </a:solidFill>
-                <a:latin typeface="微软雅黑" panose="020B0503020204020204" charset="-122"/>
-                <a:ea typeface="微软雅黑" panose="020B0503020204020204" charset="-122"/>
-              </a:rPr>
-              <a:t>），</a:t>
-            </a:r>
-            <a:r>
-              <a:rPr lang="zh-CN" altLang="en-US" sz="1400" dirty="0">
-                <a:solidFill>
-                  <a:schemeClr val="bg1">
-                    <a:lumMod val="50000"/>
-                  </a:schemeClr>
-                </a:solidFill>
-                <a:latin typeface="微软雅黑" panose="020B0503020204020204" charset="-122"/>
-                <a:ea typeface="微软雅黑" panose="020B0503020204020204" charset="-122"/>
-              </a:rPr>
-              <a:t>简称神经网络（</a:t>
-            </a:r>
-            <a:r>
-              <a:rPr lang="en" altLang="zh-CN" sz="1400" dirty="0">
-                <a:solidFill>
-                  <a:schemeClr val="bg1">
-                    <a:lumMod val="50000"/>
-                  </a:schemeClr>
-                </a:solidFill>
-                <a:latin typeface="微软雅黑" panose="020B0503020204020204" charset="-122"/>
-                <a:ea typeface="微软雅黑" panose="020B0503020204020204" charset="-122"/>
-              </a:rPr>
-              <a:t>Neural Network</a:t>
-            </a:r>
-            <a:r>
-              <a:rPr lang="zh-CN" altLang="en" sz="1400" dirty="0">
-                <a:solidFill>
-                  <a:schemeClr val="bg1">
-                    <a:lumMod val="50000"/>
-                  </a:schemeClr>
-                </a:solidFill>
-                <a:latin typeface="微软雅黑" panose="020B0503020204020204" charset="-122"/>
-                <a:ea typeface="微软雅黑" panose="020B0503020204020204" charset="-122"/>
-              </a:rPr>
-              <a:t>，</a:t>
-            </a:r>
-            <a:r>
-              <a:rPr lang="en" altLang="zh-CN" sz="1400" dirty="0">
-                <a:solidFill>
-                  <a:schemeClr val="bg1">
-                    <a:lumMod val="50000"/>
-                  </a:schemeClr>
-                </a:solidFill>
-                <a:latin typeface="微软雅黑" panose="020B0503020204020204" charset="-122"/>
-                <a:ea typeface="微软雅黑" panose="020B0503020204020204" charset="-122"/>
-              </a:rPr>
-              <a:t>NN</a:t>
-            </a:r>
-            <a:r>
-              <a:rPr lang="zh-CN" altLang="en" sz="1400" dirty="0">
-                <a:solidFill>
-                  <a:schemeClr val="bg1">
-                    <a:lumMod val="50000"/>
-                  </a:schemeClr>
-                </a:solidFill>
-                <a:latin typeface="微软雅黑" panose="020B0503020204020204" charset="-122"/>
-                <a:ea typeface="微软雅黑" panose="020B0503020204020204" charset="-122"/>
-              </a:rPr>
-              <a:t>）</a:t>
-            </a:r>
-            <a:r>
-              <a:rPr lang="zh-CN" altLang="en-US" sz="1400" dirty="0">
-                <a:solidFill>
-                  <a:schemeClr val="bg1">
-                    <a:lumMod val="50000"/>
-                  </a:schemeClr>
-                </a:solidFill>
-                <a:latin typeface="微软雅黑" panose="020B0503020204020204" charset="-122"/>
-                <a:ea typeface="微软雅黑" panose="020B0503020204020204" charset="-122"/>
-              </a:rPr>
-              <a:t>或类神经网络，在</a:t>
-            </a:r>
-            <a:r>
-              <a:rPr lang="zh-CN" altLang="en-US" sz="1400" dirty="0">
-                <a:solidFill>
-                  <a:schemeClr val="bg1">
-                    <a:lumMod val="50000"/>
-                  </a:schemeClr>
-                </a:solidFill>
-                <a:latin typeface="微软雅黑" panose="020B0503020204020204" charset="-122"/>
-                <a:ea typeface="微软雅黑" panose="020B0503020204020204" charset="-122"/>
-                <a:hlinkClick r:id="rId2" tooltip="机器学习"/>
-              </a:rPr>
-              <a:t>机器学习</a:t>
-            </a:r>
-            <a:r>
-              <a:rPr lang="zh-CN" altLang="en-US" sz="1400" dirty="0">
-                <a:solidFill>
-                  <a:schemeClr val="bg1">
-                    <a:lumMod val="50000"/>
-                  </a:schemeClr>
-                </a:solidFill>
-                <a:latin typeface="微软雅黑" panose="020B0503020204020204" charset="-122"/>
-                <a:ea typeface="微软雅黑" panose="020B0503020204020204" charset="-122"/>
-              </a:rPr>
-              <a:t>和</a:t>
-            </a:r>
-            <a:r>
-              <a:rPr lang="zh-CN" altLang="en-US" sz="1400" dirty="0">
-                <a:solidFill>
-                  <a:schemeClr val="bg1">
-                    <a:lumMod val="50000"/>
-                  </a:schemeClr>
-                </a:solidFill>
-                <a:latin typeface="微软雅黑" panose="020B0503020204020204" charset="-122"/>
-                <a:ea typeface="微软雅黑" panose="020B0503020204020204" charset="-122"/>
-                <a:hlinkClick r:id="rId3" tooltip="认知科学"/>
-              </a:rPr>
-              <a:t>认知科学</a:t>
-            </a:r>
-            <a:r>
-              <a:rPr lang="zh-CN" altLang="en-US" sz="1400" dirty="0">
-                <a:solidFill>
-                  <a:schemeClr val="bg1">
-                    <a:lumMod val="50000"/>
-                  </a:schemeClr>
-                </a:solidFill>
-                <a:latin typeface="微软雅黑" panose="020B0503020204020204" charset="-122"/>
-                <a:ea typeface="微软雅黑" panose="020B0503020204020204" charset="-122"/>
-              </a:rPr>
-              <a:t>领域，是一种模仿</a:t>
-            </a:r>
-            <a:r>
-              <a:rPr lang="zh-CN" altLang="en-US" sz="1400" dirty="0">
-                <a:solidFill>
-                  <a:schemeClr val="bg1">
-                    <a:lumMod val="50000"/>
-                  </a:schemeClr>
-                </a:solidFill>
-                <a:latin typeface="微软雅黑" panose="020B0503020204020204" charset="-122"/>
-                <a:ea typeface="微软雅黑" panose="020B0503020204020204" charset="-122"/>
-                <a:hlinkClick r:id="rId4" tooltip="生物神经网络"/>
-              </a:rPr>
-              <a:t>生物神经网络</a:t>
-            </a:r>
-            <a:r>
-              <a:rPr lang="zh-CN" altLang="en-US" sz="1400" dirty="0">
-                <a:solidFill>
-                  <a:schemeClr val="bg1">
-                    <a:lumMod val="50000"/>
-                  </a:schemeClr>
-                </a:solidFill>
-                <a:latin typeface="微软雅黑" panose="020B0503020204020204" charset="-122"/>
-                <a:ea typeface="微软雅黑" panose="020B0503020204020204" charset="-122"/>
-              </a:rPr>
-              <a:t>（动物的</a:t>
-            </a:r>
-            <a:r>
-              <a:rPr lang="zh-CN" altLang="en-US" sz="1400" dirty="0">
-                <a:solidFill>
-                  <a:schemeClr val="bg1">
-                    <a:lumMod val="50000"/>
-                  </a:schemeClr>
-                </a:solidFill>
-                <a:latin typeface="微软雅黑" panose="020B0503020204020204" charset="-122"/>
-                <a:ea typeface="微软雅黑" panose="020B0503020204020204" charset="-122"/>
-                <a:hlinkClick r:id="rId5" tooltip="中枢神经系统"/>
-              </a:rPr>
-              <a:t>中枢神经系统</a:t>
-            </a:r>
-            <a:r>
-              <a:rPr lang="zh-CN" altLang="en-US" sz="1400" dirty="0">
-                <a:solidFill>
-                  <a:schemeClr val="bg1">
-                    <a:lumMod val="50000"/>
-                  </a:schemeClr>
-                </a:solidFill>
-                <a:latin typeface="微软雅黑" panose="020B0503020204020204" charset="-122"/>
-                <a:ea typeface="微软雅黑" panose="020B0503020204020204" charset="-122"/>
-              </a:rPr>
-              <a:t>，特别是</a:t>
-            </a:r>
-            <a:r>
-              <a:rPr lang="zh-CN" altLang="en-US" sz="1400" dirty="0">
-                <a:solidFill>
-                  <a:schemeClr val="bg1">
-                    <a:lumMod val="50000"/>
-                  </a:schemeClr>
-                </a:solidFill>
-                <a:latin typeface="微软雅黑" panose="020B0503020204020204" charset="-122"/>
-                <a:ea typeface="微软雅黑" panose="020B0503020204020204" charset="-122"/>
-                <a:hlinkClick r:id="rId6" tooltip="大脑"/>
-              </a:rPr>
-              <a:t>大脑</a:t>
-            </a:r>
-            <a:r>
-              <a:rPr lang="zh-CN" altLang="en-US" sz="1400" dirty="0">
-                <a:solidFill>
-                  <a:schemeClr val="bg1">
-                    <a:lumMod val="50000"/>
-                  </a:schemeClr>
-                </a:solidFill>
-                <a:latin typeface="微软雅黑" panose="020B0503020204020204" charset="-122"/>
-                <a:ea typeface="微软雅黑" panose="020B0503020204020204" charset="-122"/>
-              </a:rPr>
-              <a:t>）的结构和功能的</a:t>
-            </a:r>
-            <a:r>
-              <a:rPr lang="zh-CN" altLang="en-US" sz="1400" dirty="0">
-                <a:solidFill>
-                  <a:schemeClr val="bg1">
-                    <a:lumMod val="50000"/>
-                  </a:schemeClr>
-                </a:solidFill>
-                <a:latin typeface="微软雅黑" panose="020B0503020204020204" charset="-122"/>
-                <a:ea typeface="微软雅黑" panose="020B0503020204020204" charset="-122"/>
-                <a:hlinkClick r:id="rId7" tooltip="数学模型"/>
-              </a:rPr>
-              <a:t>数学模型</a:t>
-            </a:r>
-            <a:r>
-              <a:rPr lang="zh-CN" altLang="en-US" sz="1400" dirty="0">
-                <a:solidFill>
-                  <a:schemeClr val="bg1">
-                    <a:lumMod val="50000"/>
-                  </a:schemeClr>
-                </a:solidFill>
-                <a:latin typeface="微软雅黑" panose="020B0503020204020204" charset="-122"/>
-                <a:ea typeface="微软雅黑" panose="020B0503020204020204" charset="-122"/>
-              </a:rPr>
-              <a:t>或</a:t>
-            </a:r>
-            <a:r>
-              <a:rPr lang="zh-CN" altLang="en-US" sz="1400" dirty="0">
-                <a:solidFill>
-                  <a:schemeClr val="bg1">
-                    <a:lumMod val="50000"/>
-                  </a:schemeClr>
-                </a:solidFill>
-                <a:latin typeface="微软雅黑" panose="020B0503020204020204" charset="-122"/>
-                <a:ea typeface="微软雅黑" panose="020B0503020204020204" charset="-122"/>
-                <a:hlinkClick r:id="rId8" tooltip="计算模型"/>
-              </a:rPr>
-              <a:t>计算模型</a:t>
-            </a:r>
-            <a:r>
-              <a:rPr lang="zh-CN" altLang="en-US" sz="1400" dirty="0">
-                <a:solidFill>
-                  <a:schemeClr val="bg1">
-                    <a:lumMod val="50000"/>
-                  </a:schemeClr>
-                </a:solidFill>
-                <a:latin typeface="微软雅黑" panose="020B0503020204020204" charset="-122"/>
-                <a:ea typeface="微软雅黑" panose="020B0503020204020204" charset="-122"/>
-              </a:rPr>
-              <a:t>，用于对</a:t>
-            </a:r>
-            <a:r>
-              <a:rPr lang="zh-CN" altLang="en-US" sz="1400" dirty="0">
-                <a:solidFill>
-                  <a:schemeClr val="bg1">
-                    <a:lumMod val="50000"/>
-                  </a:schemeClr>
-                </a:solidFill>
-                <a:latin typeface="微软雅黑" panose="020B0503020204020204" charset="-122"/>
-                <a:ea typeface="微软雅黑" panose="020B0503020204020204" charset="-122"/>
-                <a:hlinkClick r:id="rId9" tooltip="函数"/>
-              </a:rPr>
-              <a:t>函数</a:t>
-            </a:r>
-            <a:r>
-              <a:rPr lang="zh-CN" altLang="en-US" sz="1400" dirty="0">
-                <a:solidFill>
-                  <a:schemeClr val="bg1">
-                    <a:lumMod val="50000"/>
-                  </a:schemeClr>
-                </a:solidFill>
-                <a:latin typeface="微软雅黑" panose="020B0503020204020204" charset="-122"/>
-                <a:ea typeface="微软雅黑" panose="020B0503020204020204" charset="-122"/>
-              </a:rPr>
-              <a:t>进行估计或近似。神经网络由大量的人工神经元联结进行计算。大多数情况下人工神经网络能在外界信息的基础上改变内部结构，是一种</a:t>
-            </a:r>
-            <a:r>
-              <a:rPr lang="zh-CN" altLang="en-US" sz="1400" dirty="0">
-                <a:solidFill>
-                  <a:schemeClr val="bg1">
-                    <a:lumMod val="50000"/>
-                  </a:schemeClr>
-                </a:solidFill>
-                <a:latin typeface="微软雅黑" panose="020B0503020204020204" charset="-122"/>
-                <a:ea typeface="微软雅黑" panose="020B0503020204020204" charset="-122"/>
-                <a:hlinkClick r:id="rId10" tooltip="自适应系统（页面不存在）"/>
-              </a:rPr>
-              <a:t>自适应系统</a:t>
-            </a:r>
-            <a:r>
-              <a:rPr lang="zh-CN" altLang="en-US" sz="1400" dirty="0">
-                <a:solidFill>
-                  <a:schemeClr val="bg1">
-                    <a:lumMod val="50000"/>
-                  </a:schemeClr>
-                </a:solidFill>
-                <a:latin typeface="微软雅黑" panose="020B0503020204020204" charset="-122"/>
-                <a:ea typeface="微软雅黑" panose="020B0503020204020204" charset="-122"/>
-              </a:rPr>
-              <a:t>，通俗的讲就是具备学习功能。现代神经网络是一种</a:t>
-            </a:r>
-            <a:r>
-              <a:rPr lang="zh-CN" altLang="en-US" sz="1400" dirty="0">
-                <a:solidFill>
-                  <a:schemeClr val="bg1">
-                    <a:lumMod val="50000"/>
-                  </a:schemeClr>
-                </a:solidFill>
-                <a:latin typeface="微软雅黑" panose="020B0503020204020204" charset="-122"/>
-                <a:ea typeface="微软雅黑" panose="020B0503020204020204" charset="-122"/>
-                <a:hlinkClick r:id="rId11" tooltip="非线性"/>
-              </a:rPr>
-              <a:t>非线性</a:t>
-            </a:r>
-            <a:r>
-              <a:rPr lang="zh-CN" altLang="en-US" sz="1400" dirty="0">
-                <a:solidFill>
-                  <a:schemeClr val="bg1">
-                    <a:lumMod val="50000"/>
-                  </a:schemeClr>
-                </a:solidFill>
-                <a:latin typeface="微软雅黑" panose="020B0503020204020204" charset="-122"/>
-                <a:ea typeface="微软雅黑" panose="020B0503020204020204" charset="-122"/>
-                <a:hlinkClick r:id="rId12" tooltip="统计性数据建模（页面不存在）"/>
-              </a:rPr>
-              <a:t>统计性数据建模</a:t>
-            </a:r>
-            <a:r>
-              <a:rPr lang="zh-CN" altLang="en-US" sz="1400" dirty="0">
-                <a:solidFill>
-                  <a:schemeClr val="bg1">
-                    <a:lumMod val="50000"/>
-                  </a:schemeClr>
-                </a:solidFill>
-                <a:latin typeface="微软雅黑" panose="020B0503020204020204" charset="-122"/>
-                <a:ea typeface="微软雅黑" panose="020B0503020204020204" charset="-122"/>
-              </a:rPr>
-              <a:t>工具。它一般长下面这样：</a:t>
-            </a:r>
-          </a:p>
-        </p:txBody>
-      </p:sp>
-      <p:pic>
-        <p:nvPicPr>
-          <p:cNvPr id="4" name="图片 3">
-            <a:extLst>
-              <a:ext uri="{FF2B5EF4-FFF2-40B4-BE49-F238E27FC236}">
-                <a16:creationId xmlns:a16="http://schemas.microsoft.com/office/drawing/2014/main" id="{420A9A7D-D2FE-3042-86DD-C463EB1404BE}"/>
-              </a:ext>
-            </a:extLst>
-          </p:cNvPr>
-          <p:cNvPicPr>
-            <a:picLocks noChangeAspect="1"/>
-          </p:cNvPicPr>
-          <p:nvPr/>
-        </p:nvPicPr>
-        <p:blipFill>
-          <a:blip r:embed="rId13"/>
-          <a:stretch>
-            <a:fillRect/>
-          </a:stretch>
-        </p:blipFill>
-        <p:spPr>
-          <a:xfrm>
-            <a:off x="706233" y="3304726"/>
-            <a:ext cx="3467544" cy="2849417"/>
-          </a:xfrm>
-          <a:prstGeom prst="rect">
-            <a:avLst/>
-          </a:prstGeom>
-        </p:spPr>
-      </p:pic>
-      <p:sp>
-        <p:nvSpPr>
-          <p:cNvPr id="10" name="文本框 9">
-            <a:extLst>
-              <a:ext uri="{FF2B5EF4-FFF2-40B4-BE49-F238E27FC236}">
-                <a16:creationId xmlns:a16="http://schemas.microsoft.com/office/drawing/2014/main" id="{7742216B-203B-8841-9466-5E9BDF94B650}"/>
-              </a:ext>
-            </a:extLst>
-          </p:cNvPr>
-          <p:cNvSpPr txBox="1"/>
-          <p:nvPr/>
-        </p:nvSpPr>
-        <p:spPr>
-          <a:xfrm>
-            <a:off x="4285559" y="3518571"/>
-            <a:ext cx="3888955" cy="738664"/>
-          </a:xfrm>
-          <a:prstGeom prst="rect">
-            <a:avLst/>
-          </a:prstGeom>
-          <a:noFill/>
-        </p:spPr>
-        <p:txBody>
-          <a:bodyPr wrap="square" rtlCol="0">
-            <a:spAutoFit/>
-          </a:bodyPr>
-          <a:lstStyle/>
-          <a:p>
-            <a:r>
-              <a:rPr lang="zh-CN" altLang="en-US" sz="1400" dirty="0">
-                <a:solidFill>
-                  <a:schemeClr val="bg1">
-                    <a:lumMod val="50000"/>
-                  </a:schemeClr>
-                </a:solidFill>
-                <a:latin typeface="微软雅黑" panose="020B0503020204020204" charset="-122"/>
-                <a:ea typeface="微软雅黑" panose="020B0503020204020204" charset="-122"/>
-              </a:rPr>
-              <a:t>它一般由 </a:t>
-            </a:r>
-            <a:r>
-              <a:rPr lang="zh-CN" altLang="en-US" sz="1400" dirty="0">
-                <a:solidFill>
-                  <a:srgbClr val="00B050"/>
-                </a:solidFill>
-                <a:latin typeface="微软雅黑" panose="020B0503020204020204" charset="-122"/>
-                <a:ea typeface="微软雅黑" panose="020B0503020204020204" charset="-122"/>
-              </a:rPr>
-              <a:t>输入层</a:t>
-            </a:r>
-            <a:r>
-              <a:rPr lang="zh-CN" altLang="en-US" sz="1400" dirty="0">
-                <a:solidFill>
-                  <a:schemeClr val="bg1">
-                    <a:lumMod val="50000"/>
-                  </a:schemeClr>
-                </a:solidFill>
-                <a:latin typeface="微软雅黑" panose="020B0503020204020204" charset="-122"/>
-                <a:ea typeface="微软雅黑" panose="020B0503020204020204" charset="-122"/>
-              </a:rPr>
-              <a:t>，</a:t>
-            </a:r>
-            <a:r>
-              <a:rPr lang="zh-CN" altLang="en-US" sz="1400" dirty="0">
-                <a:solidFill>
-                  <a:srgbClr val="00B0F0"/>
-                </a:solidFill>
-                <a:latin typeface="微软雅黑" panose="020B0503020204020204" charset="-122"/>
-                <a:ea typeface="微软雅黑" panose="020B0503020204020204" charset="-122"/>
-              </a:rPr>
-              <a:t>隐藏层</a:t>
-            </a:r>
-            <a:r>
-              <a:rPr lang="zh-CN" altLang="en-US" sz="1400" dirty="0">
-                <a:solidFill>
-                  <a:schemeClr val="bg1">
-                    <a:lumMod val="50000"/>
-                  </a:schemeClr>
-                </a:solidFill>
-                <a:latin typeface="微软雅黑" panose="020B0503020204020204" charset="-122"/>
-                <a:ea typeface="微软雅黑" panose="020B0503020204020204" charset="-122"/>
-              </a:rPr>
-              <a:t>，</a:t>
-            </a:r>
-            <a:r>
-              <a:rPr lang="zh-CN" altLang="en-US" sz="1400" dirty="0">
-                <a:solidFill>
-                  <a:schemeClr val="accent2">
-                    <a:lumMod val="75000"/>
-                  </a:schemeClr>
-                </a:solidFill>
-                <a:latin typeface="微软雅黑" panose="020B0503020204020204" charset="-122"/>
-                <a:ea typeface="微软雅黑" panose="020B0503020204020204" charset="-122"/>
-              </a:rPr>
-              <a:t>输出层</a:t>
-            </a:r>
-            <a:r>
-              <a:rPr lang="zh-CN" altLang="en-US" sz="1400" dirty="0">
-                <a:solidFill>
-                  <a:schemeClr val="bg1">
-                    <a:lumMod val="50000"/>
-                  </a:schemeClr>
-                </a:solidFill>
-                <a:latin typeface="微软雅黑" panose="020B0503020204020204" charset="-122"/>
-                <a:ea typeface="微软雅黑" panose="020B0503020204020204" charset="-122"/>
-              </a:rPr>
-              <a:t>组成，其中</a:t>
-            </a:r>
-            <a:r>
-              <a:rPr lang="zh-CN" altLang="en-US" sz="1400" dirty="0">
-                <a:solidFill>
-                  <a:srgbClr val="00B0F0"/>
-                </a:solidFill>
-                <a:latin typeface="微软雅黑" panose="020B0503020204020204" charset="-122"/>
-                <a:ea typeface="微软雅黑" panose="020B0503020204020204" charset="-122"/>
-              </a:rPr>
-              <a:t>隐藏层</a:t>
-            </a:r>
-            <a:r>
-              <a:rPr lang="zh-CN" altLang="en-US" sz="1400" dirty="0">
-                <a:solidFill>
-                  <a:schemeClr val="bg1">
-                    <a:lumMod val="50000"/>
-                  </a:schemeClr>
-                </a:solidFill>
-                <a:latin typeface="微软雅黑" panose="020B0503020204020204" charset="-122"/>
-                <a:ea typeface="微软雅黑" panose="020B0503020204020204" charset="-122"/>
-              </a:rPr>
-              <a:t>可以没有也可以有多层，而基于多隐藏层神经网络的机器学习方法就叫 </a:t>
-            </a:r>
-            <a:r>
-              <a:rPr lang="zh-CN" altLang="en-US" sz="1400" dirty="0">
-                <a:solidFill>
-                  <a:srgbClr val="FF0000"/>
-                </a:solidFill>
-                <a:latin typeface="微软雅黑" panose="020B0503020204020204" charset="-122"/>
-                <a:ea typeface="微软雅黑" panose="020B0503020204020204" charset="-122"/>
-              </a:rPr>
-              <a:t>深度学习</a:t>
-            </a:r>
-          </a:p>
-        </p:txBody>
-      </p:sp>
-      <p:sp>
-        <p:nvSpPr>
-          <p:cNvPr id="13" name="矩形 12">
-            <a:extLst>
-              <a:ext uri="{FF2B5EF4-FFF2-40B4-BE49-F238E27FC236}">
-                <a16:creationId xmlns:a16="http://schemas.microsoft.com/office/drawing/2014/main" id="{597AF4B0-910B-C546-B801-0A24C959BD44}"/>
-              </a:ext>
-            </a:extLst>
-          </p:cNvPr>
-          <p:cNvSpPr/>
-          <p:nvPr/>
-        </p:nvSpPr>
-        <p:spPr>
-          <a:xfrm>
-            <a:off x="731878" y="3827946"/>
-            <a:ext cx="842089" cy="2033208"/>
-          </a:xfrm>
-          <a:prstGeom prst="rect">
-            <a:avLst/>
-          </a:prstGeom>
-          <a:noFill/>
-          <a:ln w="28575">
-            <a:solidFill>
-              <a:srgbClr val="92D050"/>
-            </a:solidFill>
-          </a:ln>
-        </p:spPr>
-        <p:style>
-          <a:lnRef idx="2">
-            <a:schemeClr val="accent1">
-              <a:shade val="50000"/>
-            </a:schemeClr>
-          </a:lnRef>
-          <a:fillRef idx="1">
-            <a:schemeClr val="accent1"/>
-          </a:fillRef>
-          <a:effectRef idx="0">
-            <a:schemeClr val="accent1"/>
-          </a:effectRef>
-          <a:fontRef idx="minor">
-            <a:schemeClr val="lt1"/>
-          </a:fontRef>
-        </p:style>
-        <p:txBody>
-          <a:bodyPr rtlCol="0" anchor="ctr"/>
-          <a:lstStyle/>
-          <a:p>
-            <a:pPr algn="ctr"/>
-            <a:endParaRPr kumimoji="1" lang="zh-CN" altLang="en-US"/>
-          </a:p>
-        </p:txBody>
-      </p:sp>
-      <p:sp>
-        <p:nvSpPr>
-          <p:cNvPr id="14" name="矩形 13">
-            <a:extLst>
-              <a:ext uri="{FF2B5EF4-FFF2-40B4-BE49-F238E27FC236}">
-                <a16:creationId xmlns:a16="http://schemas.microsoft.com/office/drawing/2014/main" id="{03023B3B-76BD-C346-8A18-0B6BCBD749E6}"/>
-              </a:ext>
-            </a:extLst>
-          </p:cNvPr>
-          <p:cNvSpPr/>
-          <p:nvPr/>
-        </p:nvSpPr>
-        <p:spPr>
-          <a:xfrm>
-            <a:off x="1912177" y="3518571"/>
-            <a:ext cx="950944" cy="2590602"/>
-          </a:xfrm>
-          <a:prstGeom prst="rect">
-            <a:avLst/>
-          </a:prstGeom>
-          <a:noFill/>
-          <a:ln w="28575">
-            <a:solidFill>
-              <a:srgbClr val="00B0F0"/>
-            </a:solidFill>
-          </a:ln>
-        </p:spPr>
-        <p:style>
-          <a:lnRef idx="2">
-            <a:schemeClr val="accent1">
-              <a:shade val="50000"/>
-            </a:schemeClr>
-          </a:lnRef>
-          <a:fillRef idx="1">
-            <a:schemeClr val="accent1"/>
-          </a:fillRef>
-          <a:effectRef idx="0">
-            <a:schemeClr val="accent1"/>
-          </a:effectRef>
-          <a:fontRef idx="minor">
-            <a:schemeClr val="lt1"/>
-          </a:fontRef>
-        </p:style>
-        <p:txBody>
-          <a:bodyPr rtlCol="0" anchor="ctr"/>
-          <a:lstStyle/>
-          <a:p>
-            <a:pPr algn="ctr"/>
-            <a:endParaRPr kumimoji="1" lang="zh-CN" altLang="en-US"/>
-          </a:p>
-        </p:txBody>
-      </p:sp>
-      <p:sp>
-        <p:nvSpPr>
-          <p:cNvPr id="15" name="矩形 14">
-            <a:extLst>
-              <a:ext uri="{FF2B5EF4-FFF2-40B4-BE49-F238E27FC236}">
-                <a16:creationId xmlns:a16="http://schemas.microsoft.com/office/drawing/2014/main" id="{E4B53CBD-3B76-984B-9486-5F98F7998270}"/>
-              </a:ext>
-            </a:extLst>
-          </p:cNvPr>
-          <p:cNvSpPr/>
-          <p:nvPr/>
-        </p:nvSpPr>
-        <p:spPr>
-          <a:xfrm>
-            <a:off x="3357334" y="4120935"/>
-            <a:ext cx="570090" cy="1395445"/>
-          </a:xfrm>
-          <a:prstGeom prst="rect">
-            <a:avLst/>
-          </a:prstGeom>
-          <a:noFill/>
-          <a:ln w="28575">
-            <a:solidFill>
-              <a:schemeClr val="accent2">
-                <a:lumMod val="75000"/>
-              </a:schemeClr>
-            </a:solidFill>
-          </a:ln>
-        </p:spPr>
-        <p:style>
-          <a:lnRef idx="2">
-            <a:schemeClr val="accent1">
-              <a:shade val="50000"/>
-            </a:schemeClr>
-          </a:lnRef>
-          <a:fillRef idx="1">
-            <a:schemeClr val="accent1"/>
-          </a:fillRef>
-          <a:effectRef idx="0">
-            <a:schemeClr val="accent1"/>
-          </a:effectRef>
-          <a:fontRef idx="minor">
-            <a:schemeClr val="lt1"/>
-          </a:fontRef>
-        </p:style>
-        <p:txBody>
-          <a:bodyPr rtlCol="0" anchor="ctr"/>
-          <a:lstStyle/>
-          <a:p>
-            <a:pPr algn="ctr"/>
-            <a:endParaRPr kumimoji="1" lang="zh-CN" altLang="en-US"/>
-          </a:p>
-        </p:txBody>
-      </p:sp>
-      <p:sp>
-        <p:nvSpPr>
-          <p:cNvPr id="11" name="矩形 10">
-            <a:extLst>
-              <a:ext uri="{FF2B5EF4-FFF2-40B4-BE49-F238E27FC236}">
-                <a16:creationId xmlns:a16="http://schemas.microsoft.com/office/drawing/2014/main" id="{15648B32-3BEA-ED40-BAA5-A1E1AB0C6109}"/>
-              </a:ext>
-            </a:extLst>
-          </p:cNvPr>
-          <p:cNvSpPr/>
-          <p:nvPr/>
-        </p:nvSpPr>
-        <p:spPr>
-          <a:xfrm>
-            <a:off x="4285559" y="4468778"/>
-            <a:ext cx="3984713" cy="1185324"/>
-          </a:xfrm>
-          <a:prstGeom prst="rect">
-            <a:avLst/>
-          </a:prstGeom>
-        </p:spPr>
-        <p:txBody>
-          <a:bodyPr wrap="square">
-            <a:spAutoFit/>
-          </a:bodyPr>
-          <a:lstStyle/>
-          <a:p>
-            <a:pPr>
-              <a:lnSpc>
-                <a:spcPct val="130000"/>
-              </a:lnSpc>
-            </a:pPr>
-            <a:r>
-              <a:rPr lang="zh-CN" altLang="en-US" sz="1400" dirty="0">
-                <a:solidFill>
-                  <a:schemeClr val="bg1">
-                    <a:lumMod val="50000"/>
-                  </a:schemeClr>
-                </a:solidFill>
-                <a:latin typeface="微软雅黑" panose="020B0503020204020204" charset="-122"/>
-                <a:ea typeface="微软雅黑" panose="020B0503020204020204" charset="-122"/>
-              </a:rPr>
-              <a:t>而如图所示的神经网络我们称为</a:t>
-            </a:r>
-            <a:r>
-              <a:rPr lang="en-US" altLang="zh-CN" sz="1400" dirty="0">
-                <a:solidFill>
-                  <a:schemeClr val="bg1">
-                    <a:lumMod val="50000"/>
-                  </a:schemeClr>
-                </a:solidFill>
-                <a:latin typeface="微软雅黑" panose="020B0503020204020204" charset="-122"/>
-                <a:ea typeface="微软雅黑" panose="020B0503020204020204" charset="-122"/>
-              </a:rPr>
-              <a:t>2</a:t>
-            </a:r>
-            <a:r>
-              <a:rPr lang="zh-CN" altLang="en-US" sz="1400" dirty="0">
-                <a:solidFill>
-                  <a:schemeClr val="bg1">
-                    <a:lumMod val="50000"/>
-                  </a:schemeClr>
-                </a:solidFill>
-                <a:latin typeface="微软雅黑" panose="020B0503020204020204" charset="-122"/>
-                <a:ea typeface="微软雅黑" panose="020B0503020204020204" charset="-122"/>
-              </a:rPr>
-              <a:t>层神经网络，</a:t>
-            </a:r>
-            <a:endParaRPr lang="en-US" altLang="zh-CN" sz="1400" dirty="0">
-              <a:solidFill>
-                <a:schemeClr val="bg1">
-                  <a:lumMod val="50000"/>
-                </a:schemeClr>
-              </a:solidFill>
-              <a:latin typeface="微软雅黑" panose="020B0503020204020204" charset="-122"/>
-              <a:ea typeface="微软雅黑" panose="020B0503020204020204" charset="-122"/>
-            </a:endParaRPr>
-          </a:p>
-          <a:p>
-            <a:pPr>
-              <a:lnSpc>
-                <a:spcPct val="130000"/>
-              </a:lnSpc>
-            </a:pPr>
-            <a:r>
-              <a:rPr lang="zh-CN" altLang="en-US" sz="1400" dirty="0">
-                <a:solidFill>
-                  <a:schemeClr val="bg1">
-                    <a:lumMod val="50000"/>
-                  </a:schemeClr>
-                </a:solidFill>
-                <a:latin typeface="微软雅黑" panose="020B0503020204020204" charset="-122"/>
-                <a:ea typeface="微软雅黑" panose="020B0503020204020204" charset="-122"/>
-              </a:rPr>
-              <a:t>我们计算层数是不把输入层算在里面的，原因也很简单，因为输入层一般都是我们喂到神经网络中的数据，是没有参数需要调整的！</a:t>
-            </a:r>
-          </a:p>
-        </p:txBody>
-      </p:sp>
-    </p:spTree>
-  </p:cSld>
-  <p:clrMapOvr>
-    <a:masterClrMapping/>
-  </p:clrMapOvr>
-  <mc:AlternateContent xmlns:mc="http://schemas.openxmlformats.org/markup-compatibility/2006" xmlns:p14="http://schemas.microsoft.com/office/powerpoint/2010/main">
-    <mc:Choice Requires="p14">
-      <p:transition spd="med" p14:dur="700">
-        <p:fade/>
-      </p:transition>
-    </mc:Choice>
-    <mc:Fallback xmlns="">
-      <p:transition spd="med">
-        <p:fade/>
-      </p:transition>
-    </mc:Fallback>
-  </mc:AlternateContent>
 </p:sld>
 </file>
 
